--- a/DengAI.pptx
+++ b/DengAI.pptx
@@ -5,10 +5,10 @@
     <p:sldMasterId id="2147483648" r:id="rId1"/>
   </p:sldMasterIdLst>
   <p:notesMasterIdLst>
-    <p:notesMasterId r:id="rId13"/>
+    <p:notesMasterId r:id="rId16"/>
   </p:notesMasterIdLst>
   <p:handoutMasterIdLst>
-    <p:handoutMasterId r:id="rId14"/>
+    <p:handoutMasterId r:id="rId17"/>
   </p:handoutMasterIdLst>
   <p:sldIdLst>
     <p:sldId id="257" r:id="rId2"/>
@@ -21,7 +21,10 @@
     <p:sldId id="265" r:id="rId9"/>
     <p:sldId id="266" r:id="rId10"/>
     <p:sldId id="267" r:id="rId11"/>
-    <p:sldId id="263" r:id="rId12"/>
+    <p:sldId id="268" r:id="rId12"/>
+    <p:sldId id="269" r:id="rId13"/>
+    <p:sldId id="270" r:id="rId14"/>
+    <p:sldId id="263" r:id="rId15"/>
   </p:sldIdLst>
   <p:sldSz cx="12192000" cy="6858000"/>
   <p:notesSz cx="6858000" cy="9144000"/>
@@ -4243,6 +4246,1585 @@
           <a:chExt cx="0" cy="0"/>
         </a:xfrm>
       </p:grpSpPr>
+      <p:graphicFrame>
+        <p:nvGraphicFramePr>
+          <p:cNvPr id="5" name="Table 4">
+            <a:extLst>
+              <a:ext uri="{FF2B5EF4-FFF2-40B4-BE49-F238E27FC236}">
+                <a16:creationId xmlns:a16="http://schemas.microsoft.com/office/drawing/2014/main" id="{2920F442-3E05-4CB3-9375-11F257108FE1}"/>
+              </a:ext>
+            </a:extLst>
+          </p:cNvPr>
+          <p:cNvGraphicFramePr>
+            <a:graphicFrameLocks noGrp="1"/>
+          </p:cNvGraphicFramePr>
+          <p:nvPr>
+            <p:extLst>
+              <p:ext uri="{D42A27DB-BD31-4B8C-83A1-F6EECF244321}">
+                <p14:modId xmlns:p14="http://schemas.microsoft.com/office/powerpoint/2010/main" val="3803196056"/>
+              </p:ext>
+            </p:extLst>
+          </p:nvPr>
+        </p:nvGraphicFramePr>
+        <p:xfrm>
+          <a:off x="1241508" y="3205691"/>
+          <a:ext cx="5143500" cy="2595880"/>
+        </p:xfrm>
+        <a:graphic>
+          <a:graphicData uri="http://schemas.openxmlformats.org/drawingml/2006/table">
+            <a:tbl>
+              <a:tblPr firstRow="1" bandRow="1">
+                <a:tableStyleId>{073A0DAA-6AF3-43AB-8588-CEC1D06C72B9}</a:tableStyleId>
+              </a:tblPr>
+              <a:tblGrid>
+                <a:gridCol w="1714500">
+                  <a:extLst>
+                    <a:ext uri="{9D8B030D-6E8A-4147-A177-3AD203B41FA5}">
+                      <a16:colId xmlns:a16="http://schemas.microsoft.com/office/drawing/2014/main" val="53154988"/>
+                    </a:ext>
+                  </a:extLst>
+                </a:gridCol>
+                <a:gridCol w="1714500">
+                  <a:extLst>
+                    <a:ext uri="{9D8B030D-6E8A-4147-A177-3AD203B41FA5}">
+                      <a16:colId xmlns:a16="http://schemas.microsoft.com/office/drawing/2014/main" val="4279260679"/>
+                    </a:ext>
+                  </a:extLst>
+                </a:gridCol>
+                <a:gridCol w="1714500">
+                  <a:extLst>
+                    <a:ext uri="{9D8B030D-6E8A-4147-A177-3AD203B41FA5}">
+                      <a16:colId xmlns:a16="http://schemas.microsoft.com/office/drawing/2014/main" val="425257827"/>
+                    </a:ext>
+                  </a:extLst>
+                </a:gridCol>
+              </a:tblGrid>
+              <a:tr h="370840">
+                <a:tc>
+                  <a:txBody>
+                    <a:bodyPr/>
+                    <a:lstStyle/>
+                    <a:p>
+                      <a:r>
+                        <a:rPr lang="en-US" dirty="0"/>
+                        <a:t>FeatureA_lag1</a:t>
+                      </a:r>
+                    </a:p>
+                  </a:txBody>
+                  <a:tcPr/>
+                </a:tc>
+                <a:tc>
+                  <a:txBody>
+                    <a:bodyPr/>
+                    <a:lstStyle/>
+                    <a:p>
+                      <a:pPr marL="0" marR="0" lvl="0" indent="0" algn="l" defTabSz="914400" rtl="0" eaLnBrk="1" fontAlgn="auto" latinLnBrk="0" hangingPunct="1">
+                        <a:lnSpc>
+                          <a:spcPct val="100000"/>
+                        </a:lnSpc>
+                        <a:spcBef>
+                          <a:spcPts val="0"/>
+                        </a:spcBef>
+                        <a:spcAft>
+                          <a:spcPts val="0"/>
+                        </a:spcAft>
+                        <a:buClrTx/>
+                        <a:buSzTx/>
+                        <a:buFontTx/>
+                        <a:buNone/>
+                        <a:tabLst/>
+                        <a:defRPr/>
+                      </a:pPr>
+                      <a:r>
+                        <a:rPr lang="en-US" dirty="0"/>
+                        <a:t>FeatureB_lag1</a:t>
+                      </a:r>
+                    </a:p>
+                  </a:txBody>
+                  <a:tcPr/>
+                </a:tc>
+                <a:tc>
+                  <a:txBody>
+                    <a:bodyPr/>
+                    <a:lstStyle/>
+                    <a:p>
+                      <a:pPr marL="0" marR="0" lvl="0" indent="0" algn="l" defTabSz="914400" rtl="0" eaLnBrk="1" fontAlgn="auto" latinLnBrk="0" hangingPunct="1">
+                        <a:lnSpc>
+                          <a:spcPct val="100000"/>
+                        </a:lnSpc>
+                        <a:spcBef>
+                          <a:spcPts val="0"/>
+                        </a:spcBef>
+                        <a:spcAft>
+                          <a:spcPts val="0"/>
+                        </a:spcAft>
+                        <a:buClrTx/>
+                        <a:buSzTx/>
+                        <a:buFontTx/>
+                        <a:buNone/>
+                        <a:tabLst/>
+                        <a:defRPr/>
+                      </a:pPr>
+                      <a:r>
+                        <a:rPr lang="en-US" dirty="0"/>
+                        <a:t>FeatureC_lag1</a:t>
+                      </a:r>
+                    </a:p>
+                  </a:txBody>
+                  <a:tcPr/>
+                </a:tc>
+                <a:extLst>
+                  <a:ext uri="{0D108BD9-81ED-4DB2-BD59-A6C34878D82A}">
+                    <a16:rowId xmlns:a16="http://schemas.microsoft.com/office/drawing/2014/main" val="3160376492"/>
+                  </a:ext>
+                </a:extLst>
+              </a:tr>
+              <a:tr h="370840">
+                <a:tc>
+                  <a:txBody>
+                    <a:bodyPr/>
+                    <a:lstStyle/>
+                    <a:p>
+                      <a:pPr marL="0" algn="l" defTabSz="914400" rtl="0" eaLnBrk="1" latinLnBrk="0" hangingPunct="1"/>
+                      <a:r>
+                        <a:rPr lang="en-US" sz="1800" kern="1200" dirty="0">
+                          <a:solidFill>
+                            <a:schemeClr val="dk1"/>
+                          </a:solidFill>
+                          <a:latin typeface="+mn-lt"/>
+                          <a:ea typeface="+mn-ea"/>
+                          <a:cs typeface="+mn-cs"/>
+                        </a:rPr>
+                        <a:t>Need to impute</a:t>
+                      </a:r>
+                    </a:p>
+                  </a:txBody>
+                  <a:tcPr>
+                    <a:solidFill>
+                      <a:srgbClr val="E7E7E7"/>
+                    </a:solidFill>
+                  </a:tcPr>
+                </a:tc>
+                <a:tc>
+                  <a:txBody>
+                    <a:bodyPr/>
+                    <a:lstStyle/>
+                    <a:p>
+                      <a:pPr marL="0" marR="0" lvl="0" indent="0" algn="l" defTabSz="914400" rtl="0" eaLnBrk="1" fontAlgn="auto" latinLnBrk="0" hangingPunct="1">
+                        <a:lnSpc>
+                          <a:spcPct val="100000"/>
+                        </a:lnSpc>
+                        <a:spcBef>
+                          <a:spcPts val="0"/>
+                        </a:spcBef>
+                        <a:spcAft>
+                          <a:spcPts val="0"/>
+                        </a:spcAft>
+                        <a:buClrTx/>
+                        <a:buSzTx/>
+                        <a:buFontTx/>
+                        <a:buNone/>
+                        <a:tabLst/>
+                        <a:defRPr/>
+                      </a:pPr>
+                      <a:r>
+                        <a:rPr lang="en-US" sz="1800" kern="1200" dirty="0">
+                          <a:solidFill>
+                            <a:schemeClr val="dk1"/>
+                          </a:solidFill>
+                          <a:latin typeface="+mn-lt"/>
+                          <a:ea typeface="+mn-ea"/>
+                          <a:cs typeface="+mn-cs"/>
+                        </a:rPr>
+                        <a:t>Need to impute</a:t>
+                      </a:r>
+                    </a:p>
+                  </a:txBody>
+                  <a:tcPr>
+                    <a:solidFill>
+                      <a:srgbClr val="E7E7E7"/>
+                    </a:solidFill>
+                  </a:tcPr>
+                </a:tc>
+                <a:tc>
+                  <a:txBody>
+                    <a:bodyPr/>
+                    <a:lstStyle/>
+                    <a:p>
+                      <a:pPr marL="0" marR="0" lvl="0" indent="0" algn="l" defTabSz="914400" rtl="0" eaLnBrk="1" fontAlgn="auto" latinLnBrk="0" hangingPunct="1">
+                        <a:lnSpc>
+                          <a:spcPct val="100000"/>
+                        </a:lnSpc>
+                        <a:spcBef>
+                          <a:spcPts val="0"/>
+                        </a:spcBef>
+                        <a:spcAft>
+                          <a:spcPts val="0"/>
+                        </a:spcAft>
+                        <a:buClrTx/>
+                        <a:buSzTx/>
+                        <a:buFontTx/>
+                        <a:buNone/>
+                        <a:tabLst/>
+                        <a:defRPr/>
+                      </a:pPr>
+                      <a:r>
+                        <a:rPr lang="en-US" sz="1800" kern="1200" dirty="0">
+                          <a:solidFill>
+                            <a:schemeClr val="dk1"/>
+                          </a:solidFill>
+                          <a:latin typeface="+mn-lt"/>
+                          <a:ea typeface="+mn-ea"/>
+                          <a:cs typeface="+mn-cs"/>
+                        </a:rPr>
+                        <a:t>Need to impute</a:t>
+                      </a:r>
+                    </a:p>
+                  </a:txBody>
+                  <a:tcPr>
+                    <a:solidFill>
+                      <a:srgbClr val="E7E7E7"/>
+                    </a:solidFill>
+                  </a:tcPr>
+                </a:tc>
+                <a:extLst>
+                  <a:ext uri="{0D108BD9-81ED-4DB2-BD59-A6C34878D82A}">
+                    <a16:rowId xmlns:a16="http://schemas.microsoft.com/office/drawing/2014/main" val="1800016921"/>
+                  </a:ext>
+                </a:extLst>
+              </a:tr>
+              <a:tr h="370840">
+                <a:tc>
+                  <a:txBody>
+                    <a:bodyPr/>
+                    <a:lstStyle/>
+                    <a:p>
+                      <a:pPr marL="0" algn="l" defTabSz="914400" rtl="0" eaLnBrk="1" latinLnBrk="0" hangingPunct="1"/>
+                      <a:r>
+                        <a:rPr lang="en-US" sz="1800" kern="1200" dirty="0">
+                          <a:solidFill>
+                            <a:schemeClr val="dk1"/>
+                          </a:solidFill>
+                          <a:latin typeface="+mn-lt"/>
+                          <a:ea typeface="+mn-ea"/>
+                          <a:cs typeface="+mn-cs"/>
+                        </a:rPr>
+                        <a:t>A1</a:t>
+                      </a:r>
+                    </a:p>
+                  </a:txBody>
+                  <a:tcPr>
+                    <a:solidFill>
+                      <a:srgbClr val="CBCBCB"/>
+                    </a:solidFill>
+                  </a:tcPr>
+                </a:tc>
+                <a:tc>
+                  <a:txBody>
+                    <a:bodyPr/>
+                    <a:lstStyle/>
+                    <a:p>
+                      <a:pPr marL="0" algn="l" defTabSz="914400" rtl="0" eaLnBrk="1" latinLnBrk="0" hangingPunct="1"/>
+                      <a:r>
+                        <a:rPr lang="en-US" sz="1800" kern="1200" dirty="0">
+                          <a:solidFill>
+                            <a:schemeClr val="dk1"/>
+                          </a:solidFill>
+                          <a:latin typeface="+mn-lt"/>
+                          <a:ea typeface="+mn-ea"/>
+                          <a:cs typeface="+mn-cs"/>
+                        </a:rPr>
+                        <a:t>B1</a:t>
+                      </a:r>
+                    </a:p>
+                  </a:txBody>
+                  <a:tcPr>
+                    <a:solidFill>
+                      <a:srgbClr val="CBCBCB"/>
+                    </a:solidFill>
+                  </a:tcPr>
+                </a:tc>
+                <a:tc>
+                  <a:txBody>
+                    <a:bodyPr/>
+                    <a:lstStyle/>
+                    <a:p>
+                      <a:pPr marL="0" algn="l" defTabSz="914400" rtl="0" eaLnBrk="1" latinLnBrk="0" hangingPunct="1"/>
+                      <a:r>
+                        <a:rPr lang="en-US" sz="1800" kern="1200" dirty="0">
+                          <a:solidFill>
+                            <a:schemeClr val="dk1"/>
+                          </a:solidFill>
+                          <a:latin typeface="+mn-lt"/>
+                          <a:ea typeface="+mn-ea"/>
+                          <a:cs typeface="+mn-cs"/>
+                        </a:rPr>
+                        <a:t>C1</a:t>
+                      </a:r>
+                    </a:p>
+                  </a:txBody>
+                  <a:tcPr>
+                    <a:solidFill>
+                      <a:srgbClr val="CBCBCB"/>
+                    </a:solidFill>
+                  </a:tcPr>
+                </a:tc>
+                <a:extLst>
+                  <a:ext uri="{0D108BD9-81ED-4DB2-BD59-A6C34878D82A}">
+                    <a16:rowId xmlns:a16="http://schemas.microsoft.com/office/drawing/2014/main" val="104771422"/>
+                  </a:ext>
+                </a:extLst>
+              </a:tr>
+              <a:tr h="370840">
+                <a:tc>
+                  <a:txBody>
+                    <a:bodyPr/>
+                    <a:lstStyle/>
+                    <a:p>
+                      <a:pPr marL="0" algn="l" defTabSz="914400" rtl="0" eaLnBrk="1" latinLnBrk="0" hangingPunct="1"/>
+                      <a:r>
+                        <a:rPr lang="en-US" sz="1800" kern="1200" dirty="0">
+                          <a:solidFill>
+                            <a:schemeClr val="dk1"/>
+                          </a:solidFill>
+                          <a:latin typeface="+mn-lt"/>
+                          <a:ea typeface="+mn-ea"/>
+                          <a:cs typeface="+mn-cs"/>
+                        </a:rPr>
+                        <a:t>A2</a:t>
+                      </a:r>
+                    </a:p>
+                  </a:txBody>
+                  <a:tcPr>
+                    <a:solidFill>
+                      <a:srgbClr val="E7E7E7"/>
+                    </a:solidFill>
+                  </a:tcPr>
+                </a:tc>
+                <a:tc>
+                  <a:txBody>
+                    <a:bodyPr/>
+                    <a:lstStyle/>
+                    <a:p>
+                      <a:pPr marL="0" algn="l" defTabSz="914400" rtl="0" eaLnBrk="1" latinLnBrk="0" hangingPunct="1"/>
+                      <a:r>
+                        <a:rPr lang="en-US" sz="1800" kern="1200" dirty="0">
+                          <a:solidFill>
+                            <a:schemeClr val="dk1"/>
+                          </a:solidFill>
+                          <a:latin typeface="+mn-lt"/>
+                          <a:ea typeface="+mn-ea"/>
+                          <a:cs typeface="+mn-cs"/>
+                        </a:rPr>
+                        <a:t>B2</a:t>
+                      </a:r>
+                    </a:p>
+                  </a:txBody>
+                  <a:tcPr>
+                    <a:solidFill>
+                      <a:srgbClr val="E7E7E7"/>
+                    </a:solidFill>
+                  </a:tcPr>
+                </a:tc>
+                <a:tc>
+                  <a:txBody>
+                    <a:bodyPr/>
+                    <a:lstStyle/>
+                    <a:p>
+                      <a:pPr marL="0" algn="l" defTabSz="914400" rtl="0" eaLnBrk="1" latinLnBrk="0" hangingPunct="1"/>
+                      <a:r>
+                        <a:rPr lang="en-US" sz="1800" kern="1200" dirty="0">
+                          <a:solidFill>
+                            <a:schemeClr val="dk1"/>
+                          </a:solidFill>
+                          <a:latin typeface="+mn-lt"/>
+                          <a:ea typeface="+mn-ea"/>
+                          <a:cs typeface="+mn-cs"/>
+                        </a:rPr>
+                        <a:t>C2</a:t>
+                      </a:r>
+                    </a:p>
+                  </a:txBody>
+                  <a:tcPr>
+                    <a:solidFill>
+                      <a:srgbClr val="E7E7E7"/>
+                    </a:solidFill>
+                  </a:tcPr>
+                </a:tc>
+                <a:extLst>
+                  <a:ext uri="{0D108BD9-81ED-4DB2-BD59-A6C34878D82A}">
+                    <a16:rowId xmlns:a16="http://schemas.microsoft.com/office/drawing/2014/main" val="1719125751"/>
+                  </a:ext>
+                </a:extLst>
+              </a:tr>
+              <a:tr h="370840">
+                <a:tc>
+                  <a:txBody>
+                    <a:bodyPr/>
+                    <a:lstStyle/>
+                    <a:p>
+                      <a:pPr marL="0" algn="l" defTabSz="914400" rtl="0" eaLnBrk="1" latinLnBrk="0" hangingPunct="1"/>
+                      <a:r>
+                        <a:rPr lang="en-US" sz="1800" kern="1200" dirty="0">
+                          <a:solidFill>
+                            <a:schemeClr val="dk1"/>
+                          </a:solidFill>
+                          <a:latin typeface="+mn-lt"/>
+                          <a:ea typeface="+mn-ea"/>
+                          <a:cs typeface="+mn-cs"/>
+                        </a:rPr>
+                        <a:t>A3</a:t>
+                      </a:r>
+                    </a:p>
+                  </a:txBody>
+                  <a:tcPr>
+                    <a:solidFill>
+                      <a:srgbClr val="CBCBCB"/>
+                    </a:solidFill>
+                  </a:tcPr>
+                </a:tc>
+                <a:tc>
+                  <a:txBody>
+                    <a:bodyPr/>
+                    <a:lstStyle/>
+                    <a:p>
+                      <a:pPr marL="0" algn="l" defTabSz="914400" rtl="0" eaLnBrk="1" latinLnBrk="0" hangingPunct="1"/>
+                      <a:r>
+                        <a:rPr lang="en-US" sz="1800" kern="1200" dirty="0">
+                          <a:solidFill>
+                            <a:schemeClr val="dk1"/>
+                          </a:solidFill>
+                          <a:latin typeface="+mn-lt"/>
+                          <a:ea typeface="+mn-ea"/>
+                          <a:cs typeface="+mn-cs"/>
+                        </a:rPr>
+                        <a:t>B3</a:t>
+                      </a:r>
+                    </a:p>
+                  </a:txBody>
+                  <a:tcPr>
+                    <a:solidFill>
+                      <a:srgbClr val="CBCBCB"/>
+                    </a:solidFill>
+                  </a:tcPr>
+                </a:tc>
+                <a:tc>
+                  <a:txBody>
+                    <a:bodyPr/>
+                    <a:lstStyle/>
+                    <a:p>
+                      <a:pPr marL="0" algn="l" defTabSz="914400" rtl="0" eaLnBrk="1" latinLnBrk="0" hangingPunct="1"/>
+                      <a:r>
+                        <a:rPr lang="en-US" sz="1800" kern="1200" dirty="0">
+                          <a:solidFill>
+                            <a:schemeClr val="dk1"/>
+                          </a:solidFill>
+                          <a:latin typeface="+mn-lt"/>
+                          <a:ea typeface="+mn-ea"/>
+                          <a:cs typeface="+mn-cs"/>
+                        </a:rPr>
+                        <a:t>C3</a:t>
+                      </a:r>
+                    </a:p>
+                  </a:txBody>
+                  <a:tcPr>
+                    <a:solidFill>
+                      <a:srgbClr val="CBCBCB"/>
+                    </a:solidFill>
+                  </a:tcPr>
+                </a:tc>
+                <a:extLst>
+                  <a:ext uri="{0D108BD9-81ED-4DB2-BD59-A6C34878D82A}">
+                    <a16:rowId xmlns:a16="http://schemas.microsoft.com/office/drawing/2014/main" val="1345687883"/>
+                  </a:ext>
+                </a:extLst>
+              </a:tr>
+              <a:tr h="370840">
+                <a:tc>
+                  <a:txBody>
+                    <a:bodyPr/>
+                    <a:lstStyle/>
+                    <a:p>
+                      <a:pPr marL="0" algn="l" defTabSz="914400" rtl="0" eaLnBrk="1" latinLnBrk="0" hangingPunct="1"/>
+                      <a:r>
+                        <a:rPr lang="en-US" sz="1800" kern="1200" dirty="0">
+                          <a:solidFill>
+                            <a:schemeClr val="dk1"/>
+                          </a:solidFill>
+                          <a:latin typeface="+mn-lt"/>
+                          <a:ea typeface="+mn-ea"/>
+                          <a:cs typeface="+mn-cs"/>
+                        </a:rPr>
+                        <a:t>A4</a:t>
+                      </a:r>
+                    </a:p>
+                  </a:txBody>
+                  <a:tcPr>
+                    <a:solidFill>
+                      <a:srgbClr val="E7E7E7"/>
+                    </a:solidFill>
+                  </a:tcPr>
+                </a:tc>
+                <a:tc>
+                  <a:txBody>
+                    <a:bodyPr/>
+                    <a:lstStyle/>
+                    <a:p>
+                      <a:pPr marL="0" algn="l" defTabSz="914400" rtl="0" eaLnBrk="1" latinLnBrk="0" hangingPunct="1"/>
+                      <a:r>
+                        <a:rPr lang="en-US" sz="1800" kern="1200" dirty="0">
+                          <a:solidFill>
+                            <a:schemeClr val="dk1"/>
+                          </a:solidFill>
+                          <a:latin typeface="+mn-lt"/>
+                          <a:ea typeface="+mn-ea"/>
+                          <a:cs typeface="+mn-cs"/>
+                        </a:rPr>
+                        <a:t>B4</a:t>
+                      </a:r>
+                    </a:p>
+                  </a:txBody>
+                  <a:tcPr>
+                    <a:solidFill>
+                      <a:srgbClr val="E7E7E7"/>
+                    </a:solidFill>
+                  </a:tcPr>
+                </a:tc>
+                <a:tc>
+                  <a:txBody>
+                    <a:bodyPr/>
+                    <a:lstStyle/>
+                    <a:p>
+                      <a:pPr marL="0" algn="l" defTabSz="914400" rtl="0" eaLnBrk="1" latinLnBrk="0" hangingPunct="1"/>
+                      <a:r>
+                        <a:rPr lang="en-US" sz="1800" kern="1200" dirty="0">
+                          <a:solidFill>
+                            <a:schemeClr val="dk1"/>
+                          </a:solidFill>
+                          <a:latin typeface="+mn-lt"/>
+                          <a:ea typeface="+mn-ea"/>
+                          <a:cs typeface="+mn-cs"/>
+                        </a:rPr>
+                        <a:t>C4</a:t>
+                      </a:r>
+                    </a:p>
+                  </a:txBody>
+                  <a:tcPr>
+                    <a:solidFill>
+                      <a:srgbClr val="E7E7E7"/>
+                    </a:solidFill>
+                  </a:tcPr>
+                </a:tc>
+                <a:extLst>
+                  <a:ext uri="{0D108BD9-81ED-4DB2-BD59-A6C34878D82A}">
+                    <a16:rowId xmlns:a16="http://schemas.microsoft.com/office/drawing/2014/main" val="1935979118"/>
+                  </a:ext>
+                </a:extLst>
+              </a:tr>
+              <a:tr h="370840">
+                <a:tc>
+                  <a:txBody>
+                    <a:bodyPr/>
+                    <a:lstStyle/>
+                    <a:p>
+                      <a:pPr marL="0" algn="l" defTabSz="914400" rtl="0" eaLnBrk="1" latinLnBrk="0" hangingPunct="1"/>
+                      <a:r>
+                        <a:rPr lang="en-US" sz="1800" kern="1200" dirty="0">
+                          <a:solidFill>
+                            <a:schemeClr val="dk1"/>
+                          </a:solidFill>
+                          <a:latin typeface="+mn-lt"/>
+                          <a:ea typeface="+mn-ea"/>
+                          <a:cs typeface="+mn-cs"/>
+                        </a:rPr>
+                        <a:t>A5</a:t>
+                      </a:r>
+                    </a:p>
+                  </a:txBody>
+                  <a:tcPr>
+                    <a:solidFill>
+                      <a:srgbClr val="CBCBCB"/>
+                    </a:solidFill>
+                  </a:tcPr>
+                </a:tc>
+                <a:tc>
+                  <a:txBody>
+                    <a:bodyPr/>
+                    <a:lstStyle/>
+                    <a:p>
+                      <a:pPr marL="0" algn="l" defTabSz="914400" rtl="0" eaLnBrk="1" latinLnBrk="0" hangingPunct="1"/>
+                      <a:r>
+                        <a:rPr lang="en-US" sz="1800" kern="1200" dirty="0">
+                          <a:solidFill>
+                            <a:schemeClr val="dk1"/>
+                          </a:solidFill>
+                          <a:latin typeface="+mn-lt"/>
+                          <a:ea typeface="+mn-ea"/>
+                          <a:cs typeface="+mn-cs"/>
+                        </a:rPr>
+                        <a:t>B5</a:t>
+                      </a:r>
+                    </a:p>
+                  </a:txBody>
+                  <a:tcPr>
+                    <a:solidFill>
+                      <a:srgbClr val="CBCBCB"/>
+                    </a:solidFill>
+                  </a:tcPr>
+                </a:tc>
+                <a:tc>
+                  <a:txBody>
+                    <a:bodyPr/>
+                    <a:lstStyle/>
+                    <a:p>
+                      <a:pPr marL="0" algn="l" defTabSz="914400" rtl="0" eaLnBrk="1" latinLnBrk="0" hangingPunct="1"/>
+                      <a:r>
+                        <a:rPr lang="en-US" sz="1800" kern="1200" dirty="0">
+                          <a:solidFill>
+                            <a:schemeClr val="dk1"/>
+                          </a:solidFill>
+                          <a:latin typeface="+mn-lt"/>
+                          <a:ea typeface="+mn-ea"/>
+                          <a:cs typeface="+mn-cs"/>
+                        </a:rPr>
+                        <a:t>C5</a:t>
+                      </a:r>
+                    </a:p>
+                  </a:txBody>
+                  <a:tcPr>
+                    <a:solidFill>
+                      <a:srgbClr val="CBCBCB"/>
+                    </a:solidFill>
+                  </a:tcPr>
+                </a:tc>
+                <a:extLst>
+                  <a:ext uri="{0D108BD9-81ED-4DB2-BD59-A6C34878D82A}">
+                    <a16:rowId xmlns:a16="http://schemas.microsoft.com/office/drawing/2014/main" val="1207363076"/>
+                  </a:ext>
+                </a:extLst>
+              </a:tr>
+            </a:tbl>
+          </a:graphicData>
+        </a:graphic>
+      </p:graphicFrame>
+      <p:sp>
+        <p:nvSpPr>
+          <p:cNvPr id="2" name="Title 1">
+            <a:extLst>
+              <a:ext uri="{FF2B5EF4-FFF2-40B4-BE49-F238E27FC236}">
+                <a16:creationId xmlns:a16="http://schemas.microsoft.com/office/drawing/2014/main" id="{44C5A46C-09D7-4BB3-AACF-9BA1E8F4D712}"/>
+              </a:ext>
+            </a:extLst>
+          </p:cNvPr>
+          <p:cNvSpPr>
+            <a:spLocks noGrp="1"/>
+          </p:cNvSpPr>
+          <p:nvPr>
+            <p:ph type="title"/>
+          </p:nvPr>
+        </p:nvSpPr>
+        <p:spPr/>
+        <p:txBody>
+          <a:bodyPr>
+            <a:normAutofit fontScale="90000"/>
+          </a:bodyPr>
+          <a:lstStyle/>
+          <a:p>
+            <a:r>
+              <a:rPr lang="en-US" dirty="0"/>
+              <a:t>Time Series Modelling using lagged features</a:t>
+            </a:r>
+          </a:p>
+        </p:txBody>
+      </p:sp>
+      <p:sp>
+        <p:nvSpPr>
+          <p:cNvPr id="3" name="Content Placeholder 2">
+            <a:extLst>
+              <a:ext uri="{FF2B5EF4-FFF2-40B4-BE49-F238E27FC236}">
+                <a16:creationId xmlns:a16="http://schemas.microsoft.com/office/drawing/2014/main" id="{0C785F77-84D5-4596-8CE5-55421FBB7F02}"/>
+              </a:ext>
+            </a:extLst>
+          </p:cNvPr>
+          <p:cNvSpPr>
+            <a:spLocks noGrp="1"/>
+          </p:cNvSpPr>
+          <p:nvPr>
+            <p:ph sz="half" idx="1"/>
+          </p:nvPr>
+        </p:nvSpPr>
+        <p:spPr>
+          <a:xfrm>
+            <a:off x="140368" y="851067"/>
+            <a:ext cx="11915272" cy="1701633"/>
+          </a:xfrm>
+        </p:spPr>
+        <p:txBody>
+          <a:bodyPr/>
+          <a:lstStyle/>
+          <a:p>
+            <a:r>
+              <a:rPr lang="en-US" dirty="0"/>
+              <a:t>Lag Features by n periods</a:t>
+            </a:r>
+          </a:p>
+          <a:p>
+            <a:r>
+              <a:rPr lang="en-US" dirty="0"/>
+              <a:t>Use with models that can ignore or penalize features (Random Forest, Lasso Regression, etc.)</a:t>
+            </a:r>
+          </a:p>
+        </p:txBody>
+      </p:sp>
+      <p:graphicFrame>
+        <p:nvGraphicFramePr>
+          <p:cNvPr id="4" name="Table 3">
+            <a:extLst>
+              <a:ext uri="{FF2B5EF4-FFF2-40B4-BE49-F238E27FC236}">
+                <a16:creationId xmlns:a16="http://schemas.microsoft.com/office/drawing/2014/main" id="{A7467FB5-21FE-4566-AE04-F7625F958B18}"/>
+              </a:ext>
+            </a:extLst>
+          </p:cNvPr>
+          <p:cNvGraphicFramePr>
+            <a:graphicFrameLocks noGrp="1"/>
+          </p:cNvGraphicFramePr>
+          <p:nvPr>
+            <p:extLst>
+              <p:ext uri="{D42A27DB-BD31-4B8C-83A1-F6EECF244321}">
+                <p14:modId xmlns:p14="http://schemas.microsoft.com/office/powerpoint/2010/main" val="90499416"/>
+              </p:ext>
+            </p:extLst>
+          </p:nvPr>
+        </p:nvGraphicFramePr>
+        <p:xfrm>
+          <a:off x="812635" y="3205691"/>
+          <a:ext cx="5572373" cy="2595880"/>
+        </p:xfrm>
+        <a:graphic>
+          <a:graphicData uri="http://schemas.openxmlformats.org/drawingml/2006/table">
+            <a:tbl>
+              <a:tblPr firstRow="1" bandRow="1">
+                <a:tableStyleId>{073A0DAA-6AF3-43AB-8588-CEC1D06C72B9}</a:tableStyleId>
+              </a:tblPr>
+              <a:tblGrid>
+                <a:gridCol w="435140">
+                  <a:extLst>
+                    <a:ext uri="{9D8B030D-6E8A-4147-A177-3AD203B41FA5}">
+                      <a16:colId xmlns:a16="http://schemas.microsoft.com/office/drawing/2014/main" val="1530038825"/>
+                    </a:ext>
+                  </a:extLst>
+                </a:gridCol>
+                <a:gridCol w="1712411">
+                  <a:extLst>
+                    <a:ext uri="{9D8B030D-6E8A-4147-A177-3AD203B41FA5}">
+                      <a16:colId xmlns:a16="http://schemas.microsoft.com/office/drawing/2014/main" val="53154988"/>
+                    </a:ext>
+                  </a:extLst>
+                </a:gridCol>
+                <a:gridCol w="1712411">
+                  <a:extLst>
+                    <a:ext uri="{9D8B030D-6E8A-4147-A177-3AD203B41FA5}">
+                      <a16:colId xmlns:a16="http://schemas.microsoft.com/office/drawing/2014/main" val="4279260679"/>
+                    </a:ext>
+                  </a:extLst>
+                </a:gridCol>
+                <a:gridCol w="1712411">
+                  <a:extLst>
+                    <a:ext uri="{9D8B030D-6E8A-4147-A177-3AD203B41FA5}">
+                      <a16:colId xmlns:a16="http://schemas.microsoft.com/office/drawing/2014/main" val="425257827"/>
+                    </a:ext>
+                  </a:extLst>
+                </a:gridCol>
+              </a:tblGrid>
+              <a:tr h="370840">
+                <a:tc>
+                  <a:txBody>
+                    <a:bodyPr/>
+                    <a:lstStyle/>
+                    <a:p>
+                      <a:r>
+                        <a:rPr lang="en-US" dirty="0"/>
+                        <a:t>ID</a:t>
+                      </a:r>
+                    </a:p>
+                  </a:txBody>
+                  <a:tcPr/>
+                </a:tc>
+                <a:tc>
+                  <a:txBody>
+                    <a:bodyPr/>
+                    <a:lstStyle/>
+                    <a:p>
+                      <a:r>
+                        <a:rPr lang="en-US" dirty="0" err="1"/>
+                        <a:t>FeatureA</a:t>
+                      </a:r>
+                      <a:endParaRPr lang="en-US" dirty="0"/>
+                    </a:p>
+                  </a:txBody>
+                  <a:tcPr/>
+                </a:tc>
+                <a:tc>
+                  <a:txBody>
+                    <a:bodyPr/>
+                    <a:lstStyle/>
+                    <a:p>
+                      <a:r>
+                        <a:rPr lang="en-US" dirty="0" err="1"/>
+                        <a:t>FeatureB</a:t>
+                      </a:r>
+                      <a:endParaRPr lang="en-US" dirty="0"/>
+                    </a:p>
+                  </a:txBody>
+                  <a:tcPr/>
+                </a:tc>
+                <a:tc>
+                  <a:txBody>
+                    <a:bodyPr/>
+                    <a:lstStyle/>
+                    <a:p>
+                      <a:r>
+                        <a:rPr lang="en-US" dirty="0" err="1"/>
+                        <a:t>FeatureC</a:t>
+                      </a:r>
+                      <a:endParaRPr lang="en-US" dirty="0"/>
+                    </a:p>
+                  </a:txBody>
+                  <a:tcPr/>
+                </a:tc>
+                <a:extLst>
+                  <a:ext uri="{0D108BD9-81ED-4DB2-BD59-A6C34878D82A}">
+                    <a16:rowId xmlns:a16="http://schemas.microsoft.com/office/drawing/2014/main" val="3160376492"/>
+                  </a:ext>
+                </a:extLst>
+              </a:tr>
+              <a:tr h="370840">
+                <a:tc>
+                  <a:txBody>
+                    <a:bodyPr/>
+                    <a:lstStyle/>
+                    <a:p>
+                      <a:r>
+                        <a:rPr lang="en-US" dirty="0"/>
+                        <a:t>1</a:t>
+                      </a:r>
+                    </a:p>
+                  </a:txBody>
+                  <a:tcPr/>
+                </a:tc>
+                <a:tc>
+                  <a:txBody>
+                    <a:bodyPr/>
+                    <a:lstStyle/>
+                    <a:p>
+                      <a:r>
+                        <a:rPr lang="en-US" dirty="0"/>
+                        <a:t>A1</a:t>
+                      </a:r>
+                    </a:p>
+                  </a:txBody>
+                  <a:tcPr/>
+                </a:tc>
+                <a:tc>
+                  <a:txBody>
+                    <a:bodyPr/>
+                    <a:lstStyle/>
+                    <a:p>
+                      <a:r>
+                        <a:rPr lang="en-US" dirty="0"/>
+                        <a:t>B1</a:t>
+                      </a:r>
+                    </a:p>
+                  </a:txBody>
+                  <a:tcPr/>
+                </a:tc>
+                <a:tc>
+                  <a:txBody>
+                    <a:bodyPr/>
+                    <a:lstStyle/>
+                    <a:p>
+                      <a:r>
+                        <a:rPr lang="en-US" dirty="0"/>
+                        <a:t>C1</a:t>
+                      </a:r>
+                    </a:p>
+                  </a:txBody>
+                  <a:tcPr/>
+                </a:tc>
+                <a:extLst>
+                  <a:ext uri="{0D108BD9-81ED-4DB2-BD59-A6C34878D82A}">
+                    <a16:rowId xmlns:a16="http://schemas.microsoft.com/office/drawing/2014/main" val="1800016921"/>
+                  </a:ext>
+                </a:extLst>
+              </a:tr>
+              <a:tr h="370840">
+                <a:tc>
+                  <a:txBody>
+                    <a:bodyPr/>
+                    <a:lstStyle/>
+                    <a:p>
+                      <a:r>
+                        <a:rPr lang="en-US" dirty="0"/>
+                        <a:t>2</a:t>
+                      </a:r>
+                    </a:p>
+                  </a:txBody>
+                  <a:tcPr/>
+                </a:tc>
+                <a:tc>
+                  <a:txBody>
+                    <a:bodyPr/>
+                    <a:lstStyle/>
+                    <a:p>
+                      <a:r>
+                        <a:rPr lang="en-US" dirty="0"/>
+                        <a:t>A2</a:t>
+                      </a:r>
+                    </a:p>
+                  </a:txBody>
+                  <a:tcPr/>
+                </a:tc>
+                <a:tc>
+                  <a:txBody>
+                    <a:bodyPr/>
+                    <a:lstStyle/>
+                    <a:p>
+                      <a:r>
+                        <a:rPr lang="en-US" dirty="0"/>
+                        <a:t>B2</a:t>
+                      </a:r>
+                    </a:p>
+                  </a:txBody>
+                  <a:tcPr/>
+                </a:tc>
+                <a:tc>
+                  <a:txBody>
+                    <a:bodyPr/>
+                    <a:lstStyle/>
+                    <a:p>
+                      <a:r>
+                        <a:rPr lang="en-US" dirty="0"/>
+                        <a:t>C2</a:t>
+                      </a:r>
+                    </a:p>
+                  </a:txBody>
+                  <a:tcPr/>
+                </a:tc>
+                <a:extLst>
+                  <a:ext uri="{0D108BD9-81ED-4DB2-BD59-A6C34878D82A}">
+                    <a16:rowId xmlns:a16="http://schemas.microsoft.com/office/drawing/2014/main" val="104771422"/>
+                  </a:ext>
+                </a:extLst>
+              </a:tr>
+              <a:tr h="370840">
+                <a:tc>
+                  <a:txBody>
+                    <a:bodyPr/>
+                    <a:lstStyle/>
+                    <a:p>
+                      <a:r>
+                        <a:rPr lang="en-US" dirty="0"/>
+                        <a:t>3</a:t>
+                      </a:r>
+                    </a:p>
+                  </a:txBody>
+                  <a:tcPr/>
+                </a:tc>
+                <a:tc>
+                  <a:txBody>
+                    <a:bodyPr/>
+                    <a:lstStyle/>
+                    <a:p>
+                      <a:r>
+                        <a:rPr lang="en-US" dirty="0"/>
+                        <a:t>A3</a:t>
+                      </a:r>
+                    </a:p>
+                  </a:txBody>
+                  <a:tcPr/>
+                </a:tc>
+                <a:tc>
+                  <a:txBody>
+                    <a:bodyPr/>
+                    <a:lstStyle/>
+                    <a:p>
+                      <a:r>
+                        <a:rPr lang="en-US" dirty="0"/>
+                        <a:t>B3</a:t>
+                      </a:r>
+                    </a:p>
+                  </a:txBody>
+                  <a:tcPr/>
+                </a:tc>
+                <a:tc>
+                  <a:txBody>
+                    <a:bodyPr/>
+                    <a:lstStyle/>
+                    <a:p>
+                      <a:r>
+                        <a:rPr lang="en-US" dirty="0"/>
+                        <a:t>C3</a:t>
+                      </a:r>
+                    </a:p>
+                  </a:txBody>
+                  <a:tcPr/>
+                </a:tc>
+                <a:extLst>
+                  <a:ext uri="{0D108BD9-81ED-4DB2-BD59-A6C34878D82A}">
+                    <a16:rowId xmlns:a16="http://schemas.microsoft.com/office/drawing/2014/main" val="1719125751"/>
+                  </a:ext>
+                </a:extLst>
+              </a:tr>
+              <a:tr h="370840">
+                <a:tc>
+                  <a:txBody>
+                    <a:bodyPr/>
+                    <a:lstStyle/>
+                    <a:p>
+                      <a:r>
+                        <a:rPr lang="en-US" dirty="0"/>
+                        <a:t>4</a:t>
+                      </a:r>
+                    </a:p>
+                  </a:txBody>
+                  <a:tcPr/>
+                </a:tc>
+                <a:tc>
+                  <a:txBody>
+                    <a:bodyPr/>
+                    <a:lstStyle/>
+                    <a:p>
+                      <a:r>
+                        <a:rPr lang="en-US" dirty="0"/>
+                        <a:t>A4</a:t>
+                      </a:r>
+                    </a:p>
+                  </a:txBody>
+                  <a:tcPr/>
+                </a:tc>
+                <a:tc>
+                  <a:txBody>
+                    <a:bodyPr/>
+                    <a:lstStyle/>
+                    <a:p>
+                      <a:r>
+                        <a:rPr lang="en-US" dirty="0"/>
+                        <a:t>B4</a:t>
+                      </a:r>
+                    </a:p>
+                  </a:txBody>
+                  <a:tcPr/>
+                </a:tc>
+                <a:tc>
+                  <a:txBody>
+                    <a:bodyPr/>
+                    <a:lstStyle/>
+                    <a:p>
+                      <a:r>
+                        <a:rPr lang="en-US" dirty="0"/>
+                        <a:t>C4</a:t>
+                      </a:r>
+                    </a:p>
+                  </a:txBody>
+                  <a:tcPr/>
+                </a:tc>
+                <a:extLst>
+                  <a:ext uri="{0D108BD9-81ED-4DB2-BD59-A6C34878D82A}">
+                    <a16:rowId xmlns:a16="http://schemas.microsoft.com/office/drawing/2014/main" val="1345687883"/>
+                  </a:ext>
+                </a:extLst>
+              </a:tr>
+              <a:tr h="370840">
+                <a:tc>
+                  <a:txBody>
+                    <a:bodyPr/>
+                    <a:lstStyle/>
+                    <a:p>
+                      <a:r>
+                        <a:rPr lang="en-US" dirty="0"/>
+                        <a:t>5</a:t>
+                      </a:r>
+                    </a:p>
+                  </a:txBody>
+                  <a:tcPr/>
+                </a:tc>
+                <a:tc>
+                  <a:txBody>
+                    <a:bodyPr/>
+                    <a:lstStyle/>
+                    <a:p>
+                      <a:r>
+                        <a:rPr lang="en-US" dirty="0"/>
+                        <a:t>A5</a:t>
+                      </a:r>
+                    </a:p>
+                  </a:txBody>
+                  <a:tcPr/>
+                </a:tc>
+                <a:tc>
+                  <a:txBody>
+                    <a:bodyPr/>
+                    <a:lstStyle/>
+                    <a:p>
+                      <a:r>
+                        <a:rPr lang="en-US" dirty="0"/>
+                        <a:t>B5</a:t>
+                      </a:r>
+                    </a:p>
+                  </a:txBody>
+                  <a:tcPr/>
+                </a:tc>
+                <a:tc>
+                  <a:txBody>
+                    <a:bodyPr/>
+                    <a:lstStyle/>
+                    <a:p>
+                      <a:r>
+                        <a:rPr lang="en-US" dirty="0"/>
+                        <a:t>C5</a:t>
+                      </a:r>
+                    </a:p>
+                  </a:txBody>
+                  <a:tcPr/>
+                </a:tc>
+                <a:extLst>
+                  <a:ext uri="{0D108BD9-81ED-4DB2-BD59-A6C34878D82A}">
+                    <a16:rowId xmlns:a16="http://schemas.microsoft.com/office/drawing/2014/main" val="1935979118"/>
+                  </a:ext>
+                </a:extLst>
+              </a:tr>
+              <a:tr h="370840">
+                <a:tc>
+                  <a:txBody>
+                    <a:bodyPr/>
+                    <a:lstStyle/>
+                    <a:p>
+                      <a:r>
+                        <a:rPr lang="en-US" dirty="0"/>
+                        <a:t>6</a:t>
+                      </a:r>
+                    </a:p>
+                  </a:txBody>
+                  <a:tcPr/>
+                </a:tc>
+                <a:tc>
+                  <a:txBody>
+                    <a:bodyPr/>
+                    <a:lstStyle/>
+                    <a:p>
+                      <a:r>
+                        <a:rPr lang="en-US" dirty="0"/>
+                        <a:t>A6</a:t>
+                      </a:r>
+                    </a:p>
+                  </a:txBody>
+                  <a:tcPr/>
+                </a:tc>
+                <a:tc>
+                  <a:txBody>
+                    <a:bodyPr/>
+                    <a:lstStyle/>
+                    <a:p>
+                      <a:r>
+                        <a:rPr lang="en-US" dirty="0"/>
+                        <a:t>B6</a:t>
+                      </a:r>
+                    </a:p>
+                  </a:txBody>
+                  <a:tcPr/>
+                </a:tc>
+                <a:tc>
+                  <a:txBody>
+                    <a:bodyPr/>
+                    <a:lstStyle/>
+                    <a:p>
+                      <a:r>
+                        <a:rPr lang="en-US" dirty="0"/>
+                        <a:t>C6</a:t>
+                      </a:r>
+                    </a:p>
+                  </a:txBody>
+                  <a:tcPr/>
+                </a:tc>
+                <a:extLst>
+                  <a:ext uri="{0D108BD9-81ED-4DB2-BD59-A6C34878D82A}">
+                    <a16:rowId xmlns:a16="http://schemas.microsoft.com/office/drawing/2014/main" val="1207363076"/>
+                  </a:ext>
+                </a:extLst>
+              </a:tr>
+            </a:tbl>
+          </a:graphicData>
+        </a:graphic>
+      </p:graphicFrame>
+    </p:spTree>
+    <p:extLst>
+      <p:ext uri="{BB962C8B-B14F-4D97-AF65-F5344CB8AC3E}">
+        <p14:creationId xmlns:p14="http://schemas.microsoft.com/office/powerpoint/2010/main" val="1555997667"/>
+      </p:ext>
+    </p:extLst>
+  </p:cSld>
+  <p:clrMapOvr>
+    <a:masterClrMapping/>
+  </p:clrMapOvr>
+  <p:timing>
+    <p:tnLst>
+      <p:par>
+        <p:cTn id="1" dur="indefinite" restart="never" nodeType="tmRoot">
+          <p:childTnLst>
+            <p:seq concurrent="1" nextAc="seek">
+              <p:cTn id="2" dur="indefinite" nodeType="mainSeq">
+                <p:childTnLst>
+                  <p:par>
+                    <p:cTn id="3" fill="hold">
+                      <p:stCondLst>
+                        <p:cond delay="indefinite"/>
+                      </p:stCondLst>
+                      <p:childTnLst>
+                        <p:par>
+                          <p:cTn id="4" fill="hold">
+                            <p:stCondLst>
+                              <p:cond delay="0"/>
+                            </p:stCondLst>
+                            <p:childTnLst>
+                              <p:par>
+                                <p:cTn id="5" presetID="37" presetClass="path" presetSubtype="0" accel="50000" decel="50000" fill="hold" nodeType="clickEffect">
+                                  <p:stCondLst>
+                                    <p:cond delay="0"/>
+                                  </p:stCondLst>
+                                  <p:childTnLst>
+                                    <p:animMotion origin="layout" path="M -4.16667E-7 0.00023 L 0.11341 0.08542 C 0.13672 0.10486 0.17227 0.11598 0.20964 0.11598 C 0.25195 0.11598 0.28581 0.10486 0.30938 0.08542 L 0.42318 0.00023 " pathEditMode="relative" rAng="0" ptsTypes="AAAAA">
+                                      <p:cBhvr>
+                                        <p:cTn id="6" dur="2000" fill="hold"/>
+                                        <p:tgtEl>
+                                          <p:spTgt spid="5"/>
+                                        </p:tgtEl>
+                                        <p:attrNameLst>
+                                          <p:attrName>ppt_x</p:attrName>
+                                          <p:attrName>ppt_y</p:attrName>
+                                        </p:attrNameLst>
+                                      </p:cBhvr>
+                                      <p:rCtr x="21159" y="5787"/>
+                                    </p:animMotion>
+                                  </p:childTnLst>
+                                </p:cTn>
+                              </p:par>
+                            </p:childTnLst>
+                          </p:cTn>
+                        </p:par>
+                      </p:childTnLst>
+                    </p:cTn>
+                  </p:par>
+                </p:childTnLst>
+              </p:cTn>
+              <p:prevCondLst>
+                <p:cond evt="onPrev" delay="0">
+                  <p:tgtEl>
+                    <p:sldTgt/>
+                  </p:tgtEl>
+                </p:cond>
+              </p:prevCondLst>
+              <p:nextCondLst>
+                <p:cond evt="onNext" delay="0">
+                  <p:tgtEl>
+                    <p:sldTgt/>
+                  </p:tgtEl>
+                </p:cond>
+              </p:nextCondLst>
+            </p:seq>
+          </p:childTnLst>
+        </p:cTn>
+      </p:par>
+    </p:tnLst>
+  </p:timing>
+</p:sld>
+</file>
+
+<file path=ppt/slides/slide12.xml><?xml version="1.0" encoding="utf-8"?>
+<p:sld xmlns:a="http://schemas.openxmlformats.org/drawingml/2006/main" xmlns:r="http://schemas.openxmlformats.org/officeDocument/2006/relationships" xmlns:p="http://schemas.openxmlformats.org/presentationml/2006/main">
+  <p:cSld>
+    <p:spTree>
+      <p:nvGrpSpPr>
+        <p:cNvPr id="1" name=""/>
+        <p:cNvGrpSpPr/>
+        <p:nvPr/>
+      </p:nvGrpSpPr>
+      <p:grpSpPr>
+        <a:xfrm>
+          <a:off x="0" y="0"/>
+          <a:ext cx="0" cy="0"/>
+          <a:chOff x="0" y="0"/>
+          <a:chExt cx="0" cy="0"/>
+        </a:xfrm>
+      </p:grpSpPr>
+      <p:sp>
+        <p:nvSpPr>
+          <p:cNvPr id="2" name="Title 1">
+            <a:extLst>
+              <a:ext uri="{FF2B5EF4-FFF2-40B4-BE49-F238E27FC236}">
+                <a16:creationId xmlns:a16="http://schemas.microsoft.com/office/drawing/2014/main" id="{DA053004-93FB-49C1-B9A4-825A8067FDFC}"/>
+              </a:ext>
+            </a:extLst>
+          </p:cNvPr>
+          <p:cNvSpPr>
+            <a:spLocks noGrp="1"/>
+          </p:cNvSpPr>
+          <p:nvPr>
+            <p:ph type="title"/>
+          </p:nvPr>
+        </p:nvSpPr>
+        <p:spPr/>
+        <p:txBody>
+          <a:bodyPr>
+            <a:normAutofit fontScale="90000"/>
+          </a:bodyPr>
+          <a:lstStyle/>
+          <a:p>
+            <a:r>
+              <a:rPr lang="en-US" dirty="0"/>
+              <a:t>Model Results</a:t>
+            </a:r>
+          </a:p>
+        </p:txBody>
+      </p:sp>
+      <p:sp>
+        <p:nvSpPr>
+          <p:cNvPr id="3" name="Content Placeholder 2">
+            <a:extLst>
+              <a:ext uri="{FF2B5EF4-FFF2-40B4-BE49-F238E27FC236}">
+                <a16:creationId xmlns:a16="http://schemas.microsoft.com/office/drawing/2014/main" id="{280BEEBF-0BC3-4EBF-A29F-90D8CAEF50A3}"/>
+              </a:ext>
+            </a:extLst>
+          </p:cNvPr>
+          <p:cNvSpPr>
+            <a:spLocks noGrp="1"/>
+          </p:cNvSpPr>
+          <p:nvPr>
+            <p:ph sz="half" idx="1"/>
+          </p:nvPr>
+        </p:nvSpPr>
+        <p:spPr/>
+        <p:txBody>
+          <a:bodyPr/>
+          <a:lstStyle/>
+          <a:p>
+            <a:endParaRPr lang="en-US"/>
+          </a:p>
+        </p:txBody>
+      </p:sp>
+    </p:spTree>
+    <p:extLst>
+      <p:ext uri="{BB962C8B-B14F-4D97-AF65-F5344CB8AC3E}">
+        <p14:creationId xmlns:p14="http://schemas.microsoft.com/office/powerpoint/2010/main" val="693323265"/>
+      </p:ext>
+    </p:extLst>
+  </p:cSld>
+  <p:clrMapOvr>
+    <a:masterClrMapping/>
+  </p:clrMapOvr>
+</p:sld>
+</file>
+
+<file path=ppt/slides/slide13.xml><?xml version="1.0" encoding="utf-8"?>
+<p:sld xmlns:a="http://schemas.openxmlformats.org/drawingml/2006/main" xmlns:r="http://schemas.openxmlformats.org/officeDocument/2006/relationships" xmlns:p="http://schemas.openxmlformats.org/presentationml/2006/main">
+  <p:cSld>
+    <p:spTree>
+      <p:nvGrpSpPr>
+        <p:cNvPr id="1" name=""/>
+        <p:cNvGrpSpPr/>
+        <p:nvPr/>
+      </p:nvGrpSpPr>
+      <p:grpSpPr>
+        <a:xfrm>
+          <a:off x="0" y="0"/>
+          <a:ext cx="0" cy="0"/>
+          <a:chOff x="0" y="0"/>
+          <a:chExt cx="0" cy="0"/>
+        </a:xfrm>
+      </p:grpSpPr>
+      <p:sp>
+        <p:nvSpPr>
+          <p:cNvPr id="2" name="Title 1">
+            <a:extLst>
+              <a:ext uri="{FF2B5EF4-FFF2-40B4-BE49-F238E27FC236}">
+                <a16:creationId xmlns:a16="http://schemas.microsoft.com/office/drawing/2014/main" id="{CCE70855-A89E-4411-9208-1D704E12D50E}"/>
+              </a:ext>
+            </a:extLst>
+          </p:cNvPr>
+          <p:cNvSpPr>
+            <a:spLocks noGrp="1"/>
+          </p:cNvSpPr>
+          <p:nvPr>
+            <p:ph type="title"/>
+          </p:nvPr>
+        </p:nvSpPr>
+        <p:spPr/>
+        <p:txBody>
+          <a:bodyPr>
+            <a:normAutofit fontScale="90000"/>
+          </a:bodyPr>
+          <a:lstStyle/>
+          <a:p>
+            <a:r>
+              <a:rPr lang="en-US" dirty="0"/>
+              <a:t>Exaggerating the peaks</a:t>
+            </a:r>
+          </a:p>
+        </p:txBody>
+      </p:sp>
+      <p:sp>
+        <p:nvSpPr>
+          <p:cNvPr id="3" name="Content Placeholder 2">
+            <a:extLst>
+              <a:ext uri="{FF2B5EF4-FFF2-40B4-BE49-F238E27FC236}">
+                <a16:creationId xmlns:a16="http://schemas.microsoft.com/office/drawing/2014/main" id="{664BD99D-8489-4A01-AB00-AF76ED85EAD8}"/>
+              </a:ext>
+            </a:extLst>
+          </p:cNvPr>
+          <p:cNvSpPr>
+            <a:spLocks noGrp="1"/>
+          </p:cNvSpPr>
+          <p:nvPr>
+            <p:ph sz="half" idx="1"/>
+          </p:nvPr>
+        </p:nvSpPr>
+        <p:spPr>
+          <a:xfrm>
+            <a:off x="140368" y="851067"/>
+            <a:ext cx="11915272" cy="1453983"/>
+          </a:xfrm>
+        </p:spPr>
+        <p:txBody>
+          <a:bodyPr/>
+          <a:lstStyle/>
+          <a:p>
+            <a:pPr marL="0" indent="0">
+              <a:buNone/>
+            </a:pPr>
+            <a:r>
+              <a:rPr lang="en-US" dirty="0"/>
+              <a:t>Reminder: the value of a disease outbreak predictor would be finding the outliers. Most models were unlikely to predict extreme values, so the following was done to exaggerate large predictions:</a:t>
+            </a:r>
+          </a:p>
+        </p:txBody>
+      </p:sp>
+      <p:sp>
+        <p:nvSpPr>
+          <p:cNvPr id="4" name="Rectangle 3">
+            <a:extLst>
+              <a:ext uri="{FF2B5EF4-FFF2-40B4-BE49-F238E27FC236}">
+                <a16:creationId xmlns:a16="http://schemas.microsoft.com/office/drawing/2014/main" id="{84FDB8C7-274E-42B4-9BC7-00BEE81C3689}"/>
+              </a:ext>
+            </a:extLst>
+          </p:cNvPr>
+          <p:cNvSpPr/>
+          <p:nvPr/>
+        </p:nvSpPr>
+        <p:spPr>
+          <a:xfrm>
+            <a:off x="136360" y="2305050"/>
+            <a:ext cx="3749840" cy="3477875"/>
+          </a:xfrm>
+          <a:prstGeom prst="rect">
+            <a:avLst/>
+          </a:prstGeom>
+        </p:spPr>
+        <p:txBody>
+          <a:bodyPr wrap="square">
+            <a:spAutoFit/>
+          </a:bodyPr>
+          <a:lstStyle/>
+          <a:p>
+            <a:pPr marL="514350" indent="-514350">
+              <a:buFont typeface="+mj-lt"/>
+              <a:buAutoNum type="arabicPeriod"/>
+            </a:pPr>
+            <a:r>
+              <a:rPr lang="en-US" sz="2000" dirty="0"/>
+              <a:t>Predict test data with model</a:t>
+            </a:r>
+          </a:p>
+          <a:p>
+            <a:pPr marL="514350" indent="-514350">
+              <a:buFont typeface="+mj-lt"/>
+              <a:buAutoNum type="arabicPeriod"/>
+            </a:pPr>
+            <a:r>
+              <a:rPr lang="en-US" sz="2000" dirty="0"/>
+              <a:t>Take derivative of the predictions</a:t>
+            </a:r>
+          </a:p>
+          <a:p>
+            <a:pPr marL="514350" indent="-514350">
+              <a:buFont typeface="+mj-lt"/>
+              <a:buAutoNum type="arabicPeriod"/>
+            </a:pPr>
+            <a:r>
+              <a:rPr lang="en-US" sz="2000" dirty="0"/>
+              <a:t>Scale derivative values</a:t>
+            </a:r>
+          </a:p>
+          <a:p>
+            <a:pPr marL="514350" indent="-514350">
+              <a:buFont typeface="+mj-lt"/>
+              <a:buAutoNum type="arabicPeriod"/>
+            </a:pPr>
+            <a:r>
+              <a:rPr lang="en-US" sz="2000" dirty="0"/>
+              <a:t>Take Integral of scaled derivative</a:t>
+            </a:r>
+          </a:p>
+          <a:p>
+            <a:pPr marL="514350" indent="-514350">
+              <a:buFont typeface="+mj-lt"/>
+              <a:buAutoNum type="arabicPeriod"/>
+            </a:pPr>
+            <a:r>
+              <a:rPr lang="en-US" sz="2000" dirty="0"/>
+              <a:t>Add “intercept” (the first predicted value)</a:t>
+            </a:r>
+          </a:p>
+          <a:p>
+            <a:pPr marL="514350" indent="-514350">
+              <a:buFont typeface="+mj-lt"/>
+              <a:buAutoNum type="arabicPeriod"/>
+            </a:pPr>
+            <a:r>
+              <a:rPr lang="en-US" sz="2000" dirty="0"/>
+              <a:t>Optional: Take max/min of the original and the scaled predictions</a:t>
+            </a:r>
+          </a:p>
+        </p:txBody>
+      </p:sp>
+    </p:spTree>
+    <p:extLst>
+      <p:ext uri="{BB962C8B-B14F-4D97-AF65-F5344CB8AC3E}">
+        <p14:creationId xmlns:p14="http://schemas.microsoft.com/office/powerpoint/2010/main" val="1955970124"/>
+      </p:ext>
+    </p:extLst>
+  </p:cSld>
+  <p:clrMapOvr>
+    <a:masterClrMapping/>
+  </p:clrMapOvr>
+</p:sld>
+</file>
+
+<file path=ppt/slides/slide14.xml><?xml version="1.0" encoding="utf-8"?>
+<p:sld xmlns:a="http://schemas.openxmlformats.org/drawingml/2006/main" xmlns:r="http://schemas.openxmlformats.org/officeDocument/2006/relationships" xmlns:p="http://schemas.openxmlformats.org/presentationml/2006/main">
+  <p:cSld>
+    <p:spTree>
+      <p:nvGrpSpPr>
+        <p:cNvPr id="1" name=""/>
+        <p:cNvGrpSpPr/>
+        <p:nvPr/>
+      </p:nvGrpSpPr>
+      <p:grpSpPr>
+        <a:xfrm>
+          <a:off x="0" y="0"/>
+          <a:ext cx="0" cy="0"/>
+          <a:chOff x="0" y="0"/>
+          <a:chExt cx="0" cy="0"/>
+        </a:xfrm>
+      </p:grpSpPr>
       <p:sp>
         <p:nvSpPr>
           <p:cNvPr id="2" name="Title 1">
@@ -7372,8 +8954,8 @@
           </a:fontRef>
         </p:style>
       </p:cxnSp>
-      <mc:AlternateContent xmlns:mc="http://schemas.openxmlformats.org/markup-compatibility/2006" xmlns:a14="http://schemas.microsoft.com/office/drawing/2010/main">
-        <mc:Choice Requires="a14">
+      <mc:AlternateContent xmlns:mc="http://schemas.openxmlformats.org/markup-compatibility/2006">
+        <mc:Choice xmlns:a14="http://schemas.microsoft.com/office/drawing/2010/main" Requires="a14">
           <p:sp>
             <p:nvSpPr>
               <p:cNvPr id="22" name="TextBox 21">
@@ -7388,7 +8970,7 @@
             </p:nvSpPr>
             <p:spPr>
               <a:xfrm>
-                <a:off x="6044393" y="3145694"/>
+                <a:off x="6130118" y="3145694"/>
                 <a:ext cx="644890" cy="548640"/>
               </a:xfrm>
               <a:prstGeom prst="rect">
@@ -7543,7 +9125,7 @@
             </p:txBody>
           </p:sp>
         </mc:Choice>
-        <mc:Fallback xmlns="">
+        <mc:Fallback>
           <p:sp>
             <p:nvSpPr>
               <p:cNvPr id="22" name="TextBox 21">
@@ -7560,7 +9142,7 @@
             </p:nvSpPr>
             <p:spPr>
               <a:xfrm>
-                <a:off x="6044393" y="3145694"/>
+                <a:off x="6130118" y="3145694"/>
                 <a:ext cx="644890" cy="548640"/>
               </a:xfrm>
               <a:prstGeom prst="rect">
@@ -7594,8 +9176,8 @@
           </p:sp>
         </mc:Fallback>
       </mc:AlternateContent>
-      <mc:AlternateContent xmlns:mc="http://schemas.openxmlformats.org/markup-compatibility/2006" xmlns:a14="http://schemas.microsoft.com/office/drawing/2010/main">
-        <mc:Choice Requires="a14">
+      <mc:AlternateContent xmlns:mc="http://schemas.openxmlformats.org/markup-compatibility/2006">
+        <mc:Choice xmlns:a14="http://schemas.microsoft.com/office/drawing/2010/main" Requires="a14">
           <p:sp>
             <p:nvSpPr>
               <p:cNvPr id="23" name="TextBox 22">
@@ -7610,7 +9192,7 @@
             </p:nvSpPr>
             <p:spPr>
               <a:xfrm>
-                <a:off x="6755665" y="3147039"/>
+                <a:off x="6841390" y="3147039"/>
                 <a:ext cx="644890" cy="548640"/>
               </a:xfrm>
               <a:prstGeom prst="rect">
@@ -7765,7 +9347,7 @@
             </p:txBody>
           </p:sp>
         </mc:Choice>
-        <mc:Fallback xmlns="">
+        <mc:Fallback>
           <p:sp>
             <p:nvSpPr>
               <p:cNvPr id="23" name="TextBox 22">
@@ -7782,7 +9364,7 @@
             </p:nvSpPr>
             <p:spPr>
               <a:xfrm>
-                <a:off x="6755665" y="3147039"/>
+                <a:off x="6841390" y="3147039"/>
                 <a:ext cx="644890" cy="548640"/>
               </a:xfrm>
               <a:prstGeom prst="rect">
@@ -7816,8 +9398,8 @@
           </p:sp>
         </mc:Fallback>
       </mc:AlternateContent>
-      <mc:AlternateContent xmlns:mc="http://schemas.openxmlformats.org/markup-compatibility/2006" xmlns:a14="http://schemas.microsoft.com/office/drawing/2010/main">
-        <mc:Choice Requires="a14">
+      <mc:AlternateContent xmlns:mc="http://schemas.openxmlformats.org/markup-compatibility/2006">
+        <mc:Choice xmlns:a14="http://schemas.microsoft.com/office/drawing/2010/main" Requires="a14">
           <p:sp>
             <p:nvSpPr>
               <p:cNvPr id="24" name="TextBox 23">
@@ -7832,7 +9414,7 @@
             </p:nvSpPr>
             <p:spPr>
               <a:xfrm>
-                <a:off x="7478043" y="3150296"/>
+                <a:off x="7563768" y="3150296"/>
                 <a:ext cx="644890" cy="548640"/>
               </a:xfrm>
               <a:prstGeom prst="rect">
@@ -7987,7 +9569,7 @@
             </p:txBody>
           </p:sp>
         </mc:Choice>
-        <mc:Fallback xmlns="">
+        <mc:Fallback>
           <p:sp>
             <p:nvSpPr>
               <p:cNvPr id="24" name="TextBox 23">
@@ -8004,7 +9586,7 @@
             </p:nvSpPr>
             <p:spPr>
               <a:xfrm>
-                <a:off x="7478043" y="3150296"/>
+                <a:off x="7563768" y="3150296"/>
                 <a:ext cx="644890" cy="548640"/>
               </a:xfrm>
               <a:prstGeom prst="rect">
@@ -8038,8 +9620,8 @@
           </p:sp>
         </mc:Fallback>
       </mc:AlternateContent>
-      <mc:AlternateContent xmlns:mc="http://schemas.openxmlformats.org/markup-compatibility/2006" xmlns:a14="http://schemas.microsoft.com/office/drawing/2010/main">
-        <mc:Choice Requires="a14">
+      <mc:AlternateContent xmlns:mc="http://schemas.openxmlformats.org/markup-compatibility/2006">
+        <mc:Choice xmlns:a14="http://schemas.microsoft.com/office/drawing/2010/main" Requires="a14">
           <p:sp>
             <p:nvSpPr>
               <p:cNvPr id="25" name="TextBox 24">
@@ -8054,7 +9636,7 @@
             </p:nvSpPr>
             <p:spPr>
               <a:xfrm>
-                <a:off x="8171737" y="3150889"/>
+                <a:off x="8257462" y="3150889"/>
                 <a:ext cx="644890" cy="548640"/>
               </a:xfrm>
               <a:prstGeom prst="rect">
@@ -8209,7 +9791,7 @@
             </p:txBody>
           </p:sp>
         </mc:Choice>
-        <mc:Fallback xmlns="">
+        <mc:Fallback>
           <p:sp>
             <p:nvSpPr>
               <p:cNvPr id="25" name="TextBox 24">
@@ -8226,7 +9808,7 @@
             </p:nvSpPr>
             <p:spPr>
               <a:xfrm>
-                <a:off x="8171737" y="3150889"/>
+                <a:off x="8257462" y="3150889"/>
                 <a:ext cx="644890" cy="548640"/>
               </a:xfrm>
               <a:prstGeom prst="rect">
@@ -8278,8 +9860,8 @@
         </p:nvCxnSpPr>
         <p:spPr>
           <a:xfrm rot="5400000" flipH="1" flipV="1">
-            <a:off x="5862287" y="3075649"/>
-            <a:ext cx="595793" cy="1835854"/>
+            <a:off x="5905149" y="3032787"/>
+            <a:ext cx="595793" cy="1921579"/>
           </a:xfrm>
           <a:prstGeom prst="bentConnector3">
             <a:avLst>
@@ -8326,8 +9908,8 @@
         </p:nvCxnSpPr>
         <p:spPr>
           <a:xfrm rot="5400000" flipH="1" flipV="1">
-            <a:off x="6572248" y="2369538"/>
-            <a:ext cx="591943" cy="3251926"/>
+            <a:off x="6615110" y="2326676"/>
+            <a:ext cx="591943" cy="3337651"/>
           </a:xfrm>
           <a:prstGeom prst="bentConnector3">
             <a:avLst>
@@ -8375,7 +9957,7 @@
         <p:spPr>
           <a:xfrm flipV="1">
             <a:off x="4311737" y="3694334"/>
-            <a:ext cx="2055101" cy="125961"/>
+            <a:ext cx="2140826" cy="125961"/>
           </a:xfrm>
           <a:prstGeom prst="bentConnector2">
             <a:avLst/>
@@ -8421,7 +10003,7 @@
         <p:spPr>
           <a:xfrm flipV="1">
             <a:off x="4311737" y="3698936"/>
-            <a:ext cx="3488751" cy="121359"/>
+            <a:ext cx="3574476" cy="121359"/>
           </a:xfrm>
           <a:prstGeom prst="bentConnector2">
             <a:avLst/>
@@ -8466,7 +10048,7 @@
         </p:nvCxnSpPr>
         <p:spPr>
           <a:xfrm rot="16200000" flipV="1">
-            <a:off x="6790729" y="2859658"/>
+            <a:off x="6876454" y="2859658"/>
             <a:ext cx="210590" cy="364172"/>
           </a:xfrm>
           <a:prstGeom prst="bentConnector3">
@@ -8514,7 +10096,7 @@
         </p:nvCxnSpPr>
         <p:spPr>
           <a:xfrm rot="5400000" flipH="1" flipV="1">
-            <a:off x="7863349" y="2870617"/>
+            <a:off x="7949074" y="2870617"/>
             <a:ext cx="216819" cy="342540"/>
           </a:xfrm>
           <a:prstGeom prst="bentConnector3">
@@ -8562,7 +10144,7 @@
         </p:nvCxnSpPr>
         <p:spPr>
           <a:xfrm rot="16200000" flipV="1">
-            <a:off x="8209899" y="2866606"/>
+            <a:off x="8295624" y="2866606"/>
             <a:ext cx="217412" cy="351154"/>
           </a:xfrm>
           <a:prstGeom prst="bentConnector3">
@@ -8606,7 +10188,7 @@
         </p:nvSpPr>
         <p:spPr>
           <a:xfrm>
-            <a:off x="6581858" y="2337468"/>
+            <a:off x="6667583" y="2337468"/>
             <a:ext cx="270101" cy="248328"/>
           </a:xfrm>
           <a:prstGeom prst="rect">
@@ -8686,7 +10268,7 @@
         </p:nvSpPr>
         <p:spPr>
           <a:xfrm>
-            <a:off x="8007978" y="2343408"/>
+            <a:off x="8093703" y="2343408"/>
             <a:ext cx="270101" cy="248328"/>
           </a:xfrm>
           <a:prstGeom prst="rect">
@@ -8762,7 +10344,7 @@
         </p:nvCxnSpPr>
         <p:spPr>
           <a:xfrm flipV="1">
-            <a:off x="6713938" y="2585796"/>
+            <a:off x="6799663" y="2585796"/>
             <a:ext cx="2971" cy="102325"/>
           </a:xfrm>
           <a:prstGeom prst="straightConnector1">
@@ -8808,7 +10390,7 @@
         </p:nvCxnSpPr>
         <p:spPr>
           <a:xfrm flipH="1">
-            <a:off x="8143028" y="2591736"/>
+            <a:off x="8228753" y="2591736"/>
             <a:ext cx="1" cy="93413"/>
           </a:xfrm>
           <a:prstGeom prst="straightConnector1">
@@ -8836,8 +10418,8 @@
           </a:fontRef>
         </p:style>
       </p:cxnSp>
-      <mc:AlternateContent xmlns:mc="http://schemas.openxmlformats.org/markup-compatibility/2006" xmlns:a14="http://schemas.microsoft.com/office/drawing/2010/main">
-        <mc:Choice Requires="a14">
+      <mc:AlternateContent xmlns:mc="http://schemas.openxmlformats.org/markup-compatibility/2006">
+        <mc:Choice xmlns:a14="http://schemas.microsoft.com/office/drawing/2010/main" Requires="a14">
           <p:sp>
             <p:nvSpPr>
               <p:cNvPr id="40" name="Rectangle 39">
@@ -8852,7 +10434,7 @@
             </p:nvSpPr>
             <p:spPr>
               <a:xfrm>
-                <a:off x="7279430" y="2059274"/>
+                <a:off x="7365155" y="2059274"/>
                 <a:ext cx="270101" cy="248328"/>
               </a:xfrm>
               <a:prstGeom prst="rect">
@@ -8924,7 +10506,7 @@
             </p:txBody>
           </p:sp>
         </mc:Choice>
-        <mc:Fallback xmlns="">
+        <mc:Fallback>
           <p:sp>
             <p:nvSpPr>
               <p:cNvPr id="40" name="Rectangle 39">
@@ -8941,7 +10523,7 @@
             </p:nvSpPr>
             <p:spPr>
               <a:xfrm>
-                <a:off x="7279430" y="2059274"/>
+                <a:off x="7365155" y="2059274"/>
                 <a:ext cx="270101" cy="248328"/>
               </a:xfrm>
               <a:prstGeom prst="rect">
@@ -8950,7 +10532,7 @@
               <a:blipFill>
                 <a:blip r:embed="rId10"/>
                 <a:stretch>
-                  <a:fillRect l="-2174" r="-4348" b="-4651"/>
+                  <a:fillRect l="-2128" r="-2128" b="-4651"/>
                 </a:stretch>
               </a:blipFill>
               <a:ln w="9525">
@@ -8992,7 +10574,7 @@
         </p:nvCxnSpPr>
         <p:spPr>
           <a:xfrm rot="10800000" flipV="1">
-            <a:off x="6716910" y="2183438"/>
+            <a:off x="6802635" y="2183438"/>
             <a:ext cx="562521" cy="154030"/>
           </a:xfrm>
           <a:prstGeom prst="bentConnector2">
@@ -9038,7 +10620,7 @@
         </p:nvCxnSpPr>
         <p:spPr>
           <a:xfrm rot="16200000" flipV="1">
-            <a:off x="7766295" y="1966674"/>
+            <a:off x="7852020" y="1966674"/>
             <a:ext cx="159970" cy="593498"/>
           </a:xfrm>
           <a:prstGeom prst="bentConnector2">
@@ -9828,8 +11410,8 @@
           </a:fontRef>
         </p:style>
       </p:cxnSp>
-      <mc:AlternateContent xmlns:mc="http://schemas.openxmlformats.org/markup-compatibility/2006" xmlns:a14="http://schemas.microsoft.com/office/drawing/2010/main">
-        <mc:Choice Requires="a14">
+      <mc:AlternateContent xmlns:mc="http://schemas.openxmlformats.org/markup-compatibility/2006">
+        <mc:Choice xmlns:a14="http://schemas.microsoft.com/office/drawing/2010/main" Requires="a14">
           <p:sp>
             <p:nvSpPr>
               <p:cNvPr id="52" name="Rectangle 51">
@@ -9844,7 +11426,7 @@
             </p:nvSpPr>
             <p:spPr>
               <a:xfrm>
-                <a:off x="7279429" y="1712523"/>
+                <a:off x="7365154" y="1712523"/>
                 <a:ext cx="270101" cy="248328"/>
               </a:xfrm>
               <a:prstGeom prst="rect">
@@ -9915,7 +11497,7 @@
             </p:txBody>
           </p:sp>
         </mc:Choice>
-        <mc:Fallback xmlns="">
+        <mc:Fallback>
           <p:sp>
             <p:nvSpPr>
               <p:cNvPr id="52" name="Rectangle 51">
@@ -9932,7 +11514,7 @@
             </p:nvSpPr>
             <p:spPr>
               <a:xfrm>
-                <a:off x="7279429" y="1712523"/>
+                <a:off x="7365154" y="1712523"/>
                 <a:ext cx="270101" cy="248328"/>
               </a:xfrm>
               <a:prstGeom prst="rect">
@@ -9941,7 +11523,7 @@
               <a:blipFill>
                 <a:blip r:embed="rId13"/>
                 <a:stretch>
-                  <a:fillRect l="-6522" r="-8696" b="-9302"/>
+                  <a:fillRect l="-6383" r="-6383" b="-9302"/>
                 </a:stretch>
               </a:blipFill>
               <a:ln w="9525">
@@ -9984,7 +11566,7 @@
         <p:spPr>
           <a:xfrm>
             <a:off x="5377307" y="1836687"/>
-            <a:ext cx="1902122" cy="0"/>
+            <a:ext cx="1987847" cy="0"/>
           </a:xfrm>
           <a:prstGeom prst="straightConnector1">
             <a:avLst/>
@@ -10031,7 +11613,7 @@
         </p:nvCxnSpPr>
         <p:spPr>
           <a:xfrm flipH="1" flipV="1">
-            <a:off x="7414480" y="1960851"/>
+            <a:off x="7500205" y="1960851"/>
             <a:ext cx="1" cy="98423"/>
           </a:xfrm>
           <a:prstGeom prst="straightConnector1">
@@ -10079,8 +11661,8 @@
         </p:nvCxnSpPr>
         <p:spPr>
           <a:xfrm rot="16200000" flipV="1">
-            <a:off x="8578784" y="807434"/>
-            <a:ext cx="156555" cy="2215062"/>
+            <a:off x="8621647" y="850296"/>
+            <a:ext cx="156555" cy="2129337"/>
           </a:xfrm>
           <a:prstGeom prst="bentConnector2">
             <a:avLst/>
@@ -10429,8 +12011,8 @@
         </p:nvCxnSpPr>
         <p:spPr>
           <a:xfrm flipH="1">
-            <a:off x="7549530" y="1832517"/>
-            <a:ext cx="3552950" cy="4170"/>
+            <a:off x="7635255" y="1832517"/>
+            <a:ext cx="3467225" cy="4170"/>
           </a:xfrm>
           <a:prstGeom prst="straightConnector1">
             <a:avLst/>
@@ -13092,7 +14674,7 @@
         </p:nvCxnSpPr>
         <p:spPr>
           <a:xfrm rot="5400000" flipH="1" flipV="1">
-            <a:off x="6435766" y="2867522"/>
+            <a:off x="6521491" y="2867522"/>
             <a:ext cx="209245" cy="347100"/>
           </a:xfrm>
           <a:prstGeom prst="bentConnector3">
@@ -13637,8 +15219,8 @@
           </p:sp>
         </mc:Fallback>
       </mc:AlternateContent>
-      <mc:AlternateContent xmlns:mc="http://schemas.openxmlformats.org/markup-compatibility/2006" xmlns:a14="http://schemas.microsoft.com/office/drawing/2010/main">
-        <mc:Choice Requires="a14">
+      <mc:AlternateContent xmlns:mc="http://schemas.openxmlformats.org/markup-compatibility/2006">
+        <mc:Choice xmlns:a14="http://schemas.microsoft.com/office/drawing/2010/main" Requires="a14">
           <p:sp>
             <p:nvSpPr>
               <p:cNvPr id="112" name="Rectangle 111">
@@ -13653,7 +15235,7 @@
             </p:nvSpPr>
             <p:spPr>
               <a:xfrm>
-                <a:off x="6578887" y="2688121"/>
+                <a:off x="6664612" y="2688121"/>
                 <a:ext cx="270101" cy="248328"/>
               </a:xfrm>
               <a:prstGeom prst="rect">
@@ -13724,7 +15306,7 @@
             </p:txBody>
           </p:sp>
         </mc:Choice>
-        <mc:Fallback xmlns="">
+        <mc:Fallback>
           <p:sp>
             <p:nvSpPr>
               <p:cNvPr id="112" name="Rectangle 111">
@@ -13741,7 +15323,7 @@
             </p:nvSpPr>
             <p:spPr>
               <a:xfrm>
-                <a:off x="6578887" y="2688121"/>
+                <a:off x="6664612" y="2688121"/>
                 <a:ext cx="270101" cy="248328"/>
               </a:xfrm>
               <a:prstGeom prst="rect">
@@ -13774,8 +15356,8 @@
           </p:sp>
         </mc:Fallback>
       </mc:AlternateContent>
-      <mc:AlternateContent xmlns:mc="http://schemas.openxmlformats.org/markup-compatibility/2006" xmlns:a14="http://schemas.microsoft.com/office/drawing/2010/main">
-        <mc:Choice Requires="a14">
+      <mc:AlternateContent xmlns:mc="http://schemas.openxmlformats.org/markup-compatibility/2006">
+        <mc:Choice xmlns:a14="http://schemas.microsoft.com/office/drawing/2010/main" Requires="a14">
           <p:sp>
             <p:nvSpPr>
               <p:cNvPr id="120" name="Rectangle 119">
@@ -13790,7 +15372,7 @@
             </p:nvSpPr>
             <p:spPr>
               <a:xfrm>
-                <a:off x="8007977" y="2685149"/>
+                <a:off x="8093702" y="2685149"/>
                 <a:ext cx="270101" cy="248328"/>
               </a:xfrm>
               <a:prstGeom prst="rect">
@@ -13861,7 +15443,7 @@
             </p:txBody>
           </p:sp>
         </mc:Choice>
-        <mc:Fallback xmlns="">
+        <mc:Fallback>
           <p:sp>
             <p:nvSpPr>
               <p:cNvPr id="120" name="Rectangle 119">
@@ -13878,7 +15460,7 @@
             </p:nvSpPr>
             <p:spPr>
               <a:xfrm>
-                <a:off x="8007977" y="2685149"/>
+                <a:off x="8093702" y="2685149"/>
                 <a:ext cx="270101" cy="248328"/>
               </a:xfrm>
               <a:prstGeom prst="rect">

--- a/DengAI.pptx
+++ b/DengAI.pptx
@@ -5,10 +5,10 @@
     <p:sldMasterId id="2147483648" r:id="rId1"/>
   </p:sldMasterIdLst>
   <p:notesMasterIdLst>
-    <p:notesMasterId r:id="rId16"/>
+    <p:notesMasterId r:id="rId19"/>
   </p:notesMasterIdLst>
   <p:handoutMasterIdLst>
-    <p:handoutMasterId r:id="rId17"/>
+    <p:handoutMasterId r:id="rId20"/>
   </p:handoutMasterIdLst>
   <p:sldIdLst>
     <p:sldId id="257" r:id="rId2"/>
@@ -25,6 +25,9 @@
     <p:sldId id="269" r:id="rId13"/>
     <p:sldId id="270" r:id="rId14"/>
     <p:sldId id="263" r:id="rId15"/>
+    <p:sldId id="271" r:id="rId16"/>
+    <p:sldId id="272" r:id="rId17"/>
+    <p:sldId id="273" r:id="rId18"/>
   </p:sldIdLst>
   <p:sldSz cx="12192000" cy="6858000"/>
   <p:notesSz cx="6858000" cy="9144000"/>
@@ -134,6 +137,1618 @@
 </p:presentation>
 </file>
 
+<file path=ppt/charts/chart1.xml><?xml version="1.0" encoding="utf-8"?>
+<c:chartSpace xmlns:c="http://schemas.openxmlformats.org/drawingml/2006/chart" xmlns:a="http://schemas.openxmlformats.org/drawingml/2006/main" xmlns:r="http://schemas.openxmlformats.org/officeDocument/2006/relationships" xmlns:c16r2="http://schemas.microsoft.com/office/drawing/2015/06/chart">
+  <c:date1904 val="0"/>
+  <c:lang val="en-US"/>
+  <c:roundedCorners val="0"/>
+  <mc:AlternateContent xmlns:mc="http://schemas.openxmlformats.org/markup-compatibility/2006">
+    <mc:Choice xmlns:c14="http://schemas.microsoft.com/office/drawing/2007/8/2/chart" Requires="c14">
+      <c14:style val="102"/>
+    </mc:Choice>
+    <mc:Fallback>
+      <c:style val="2"/>
+    </mc:Fallback>
+  </mc:AlternateContent>
+  <c:chart>
+    <c:autoTitleDeleted val="1"/>
+    <c:plotArea>
+      <c:layout>
+        <c:manualLayout>
+          <c:layoutTarget val="inner"/>
+          <c:xMode val="edge"/>
+          <c:yMode val="edge"/>
+          <c:x val="2.4340259559026706E-2"/>
+          <c:y val="5.7528901415373757E-2"/>
+          <c:w val="0.95336694423988366"/>
+          <c:h val="0.76216784256991243"/>
+        </c:manualLayout>
+      </c:layout>
+      <c:lineChart>
+        <c:grouping val="standard"/>
+        <c:varyColors val="0"/>
+        <c:ser>
+          <c:idx val="0"/>
+          <c:order val="0"/>
+          <c:tx>
+            <c:strRef>
+              <c:f>Sheet1!$B$1</c:f>
+              <c:strCache>
+                <c:ptCount val="1"/>
+                <c:pt idx="0">
+                  <c:v>Series 1</c:v>
+                </c:pt>
+              </c:strCache>
+            </c:strRef>
+          </c:tx>
+          <c:spPr>
+            <a:ln w="88900" cap="rnd" cmpd="sng">
+              <a:gradFill>
+                <a:gsLst>
+                  <a:gs pos="0">
+                    <a:srgbClr val="FF0000"/>
+                  </a:gs>
+                  <a:gs pos="100000">
+                    <a:schemeClr val="accent4">
+                      <a:lumMod val="60000"/>
+                      <a:lumOff val="40000"/>
+                    </a:schemeClr>
+                  </a:gs>
+                </a:gsLst>
+                <a:lin ang="5400000" scaled="1"/>
+              </a:gradFill>
+              <a:prstDash val="solid"/>
+              <a:round/>
+            </a:ln>
+            <a:effectLst/>
+          </c:spPr>
+          <c:marker>
+            <c:symbol val="none"/>
+          </c:marker>
+          <c:cat>
+            <c:numRef>
+              <c:f>Sheet1!$A$2:$A$12</c:f>
+              <c:numCache>
+                <c:formatCode>General</c:formatCode>
+                <c:ptCount val="11"/>
+              </c:numCache>
+            </c:numRef>
+          </c:cat>
+          <c:val>
+            <c:numRef>
+              <c:f>Sheet1!$B$2:$B$12</c:f>
+              <c:numCache>
+                <c:formatCode>General</c:formatCode>
+                <c:ptCount val="11"/>
+                <c:pt idx="0">
+                  <c:v>4.3</c:v>
+                </c:pt>
+                <c:pt idx="1">
+                  <c:v>2.5</c:v>
+                </c:pt>
+                <c:pt idx="2">
+                  <c:v>3</c:v>
+                </c:pt>
+                <c:pt idx="3">
+                  <c:v>5</c:v>
+                </c:pt>
+                <c:pt idx="4">
+                  <c:v>1</c:v>
+                </c:pt>
+                <c:pt idx="5">
+                  <c:v>20</c:v>
+                </c:pt>
+                <c:pt idx="6">
+                  <c:v>4.5</c:v>
+                </c:pt>
+                <c:pt idx="7">
+                  <c:v>6</c:v>
+                </c:pt>
+                <c:pt idx="8">
+                  <c:v>3</c:v>
+                </c:pt>
+                <c:pt idx="9">
+                  <c:v>1</c:v>
+                </c:pt>
+                <c:pt idx="10">
+                  <c:v>2</c:v>
+                </c:pt>
+              </c:numCache>
+            </c:numRef>
+          </c:val>
+          <c:smooth val="1"/>
+          <c:extLst>
+            <c:ext xmlns:c16="http://schemas.microsoft.com/office/drawing/2014/chart" uri="{C3380CC4-5D6E-409C-BE32-E72D297353CC}">
+              <c16:uniqueId val="{00000000-0E11-4BE9-9601-B50EC333E65D}"/>
+            </c:ext>
+          </c:extLst>
+        </c:ser>
+        <c:dLbls>
+          <c:showLegendKey val="0"/>
+          <c:showVal val="0"/>
+          <c:showCatName val="0"/>
+          <c:showSerName val="0"/>
+          <c:showPercent val="0"/>
+          <c:showBubbleSize val="0"/>
+        </c:dLbls>
+        <c:smooth val="0"/>
+        <c:axId val="575363504"/>
+        <c:axId val="575367440"/>
+      </c:lineChart>
+      <c:catAx>
+        <c:axId val="575363504"/>
+        <c:scaling>
+          <c:orientation val="minMax"/>
+        </c:scaling>
+        <c:delete val="0"/>
+        <c:axPos val="b"/>
+        <c:numFmt formatCode="General" sourceLinked="1"/>
+        <c:majorTickMark val="none"/>
+        <c:minorTickMark val="none"/>
+        <c:tickLblPos val="nextTo"/>
+        <c:spPr>
+          <a:noFill/>
+          <a:ln w="9525" cap="flat" cmpd="sng" algn="ctr">
+            <a:noFill/>
+            <a:round/>
+          </a:ln>
+          <a:effectLst/>
+        </c:spPr>
+        <c:txPr>
+          <a:bodyPr rot="-60000000" spcFirstLastPara="1" vertOverflow="ellipsis" vert="horz" wrap="square" anchor="ctr" anchorCtr="1"/>
+          <a:lstStyle/>
+          <a:p>
+            <a:pPr>
+              <a:defRPr sz="1197" b="0" i="0" u="none" strike="noStrike" kern="1200" baseline="0">
+                <a:solidFill>
+                  <a:schemeClr val="tx1">
+                    <a:lumMod val="65000"/>
+                    <a:lumOff val="35000"/>
+                  </a:schemeClr>
+                </a:solidFill>
+                <a:latin typeface="+mn-lt"/>
+                <a:ea typeface="+mn-ea"/>
+                <a:cs typeface="+mn-cs"/>
+              </a:defRPr>
+            </a:pPr>
+            <a:endParaRPr lang="en-US"/>
+          </a:p>
+        </c:txPr>
+        <c:crossAx val="575367440"/>
+        <c:crosses val="autoZero"/>
+        <c:auto val="1"/>
+        <c:lblAlgn val="ctr"/>
+        <c:lblOffset val="100"/>
+        <c:noMultiLvlLbl val="0"/>
+      </c:catAx>
+      <c:valAx>
+        <c:axId val="575367440"/>
+        <c:scaling>
+          <c:orientation val="minMax"/>
+        </c:scaling>
+        <c:delete val="1"/>
+        <c:axPos val="l"/>
+        <c:majorGridlines>
+          <c:spPr>
+            <a:ln w="9525" cap="flat" cmpd="sng" algn="ctr">
+              <a:noFill/>
+              <a:round/>
+            </a:ln>
+            <a:effectLst/>
+          </c:spPr>
+        </c:majorGridlines>
+        <c:numFmt formatCode="General" sourceLinked="1"/>
+        <c:majorTickMark val="none"/>
+        <c:minorTickMark val="none"/>
+        <c:tickLblPos val="nextTo"/>
+        <c:crossAx val="575363504"/>
+        <c:crosses val="autoZero"/>
+        <c:crossBetween val="between"/>
+      </c:valAx>
+      <c:spPr>
+        <a:noFill/>
+        <a:ln>
+          <a:noFill/>
+        </a:ln>
+        <a:effectLst/>
+      </c:spPr>
+    </c:plotArea>
+    <c:plotVisOnly val="1"/>
+    <c:dispBlanksAs val="gap"/>
+    <c:extLst>
+      <c:ext xmlns:c16r3="http://schemas.microsoft.com/office/drawing/2017/03/chart" uri="{56B9EC1D-385E-4148-901F-78D8002777C0}">
+        <c16r3:dataDisplayOptions16>
+          <c16r3:dispNaAsBlank val="1"/>
+        </c16r3:dataDisplayOptions16>
+      </c:ext>
+    </c:extLst>
+    <c:showDLblsOverMax val="0"/>
+  </c:chart>
+  <c:spPr>
+    <a:noFill/>
+    <a:ln>
+      <a:noFill/>
+    </a:ln>
+    <a:effectLst/>
+  </c:spPr>
+  <c:txPr>
+    <a:bodyPr/>
+    <a:lstStyle/>
+    <a:p>
+      <a:pPr>
+        <a:defRPr/>
+      </a:pPr>
+      <a:endParaRPr lang="en-US"/>
+    </a:p>
+  </c:txPr>
+  <c:externalData r:id="rId3">
+    <c:autoUpdate val="0"/>
+  </c:externalData>
+</c:chartSpace>
+</file>
+
+<file path=ppt/charts/chart2.xml><?xml version="1.0" encoding="utf-8"?>
+<c:chartSpace xmlns:c="http://schemas.openxmlformats.org/drawingml/2006/chart" xmlns:a="http://schemas.openxmlformats.org/drawingml/2006/main" xmlns:r="http://schemas.openxmlformats.org/officeDocument/2006/relationships" xmlns:c16r2="http://schemas.microsoft.com/office/drawing/2015/06/chart">
+  <c:date1904 val="0"/>
+  <c:lang val="en-US"/>
+  <c:roundedCorners val="0"/>
+  <mc:AlternateContent xmlns:mc="http://schemas.openxmlformats.org/markup-compatibility/2006">
+    <mc:Choice xmlns:c14="http://schemas.microsoft.com/office/drawing/2007/8/2/chart" Requires="c14">
+      <c14:style val="102"/>
+    </mc:Choice>
+    <mc:Fallback>
+      <c:style val="2"/>
+    </mc:Fallback>
+  </mc:AlternateContent>
+  <c:chart>
+    <c:autoTitleDeleted val="1"/>
+    <c:plotArea>
+      <c:layout>
+        <c:manualLayout>
+          <c:layoutTarget val="inner"/>
+          <c:xMode val="edge"/>
+          <c:yMode val="edge"/>
+          <c:x val="2.4340259559026706E-2"/>
+          <c:y val="5.7528901415373757E-2"/>
+          <c:w val="0.95336694423988366"/>
+          <c:h val="0.76216784256991243"/>
+        </c:manualLayout>
+      </c:layout>
+      <c:lineChart>
+        <c:grouping val="standard"/>
+        <c:varyColors val="0"/>
+        <c:ser>
+          <c:idx val="0"/>
+          <c:order val="0"/>
+          <c:tx>
+            <c:strRef>
+              <c:f>Sheet1!$B$1</c:f>
+              <c:strCache>
+                <c:ptCount val="1"/>
+                <c:pt idx="0">
+                  <c:v>Series 1</c:v>
+                </c:pt>
+              </c:strCache>
+            </c:strRef>
+          </c:tx>
+          <c:spPr>
+            <a:ln w="88900" cap="rnd" cmpd="sng">
+              <a:gradFill>
+                <a:gsLst>
+                  <a:gs pos="0">
+                    <a:srgbClr val="FF0000"/>
+                  </a:gs>
+                  <a:gs pos="100000">
+                    <a:schemeClr val="accent4">
+                      <a:lumMod val="60000"/>
+                      <a:lumOff val="40000"/>
+                    </a:schemeClr>
+                  </a:gs>
+                </a:gsLst>
+                <a:lin ang="5400000" scaled="1"/>
+              </a:gradFill>
+              <a:prstDash val="solid"/>
+              <a:round/>
+            </a:ln>
+            <a:effectLst/>
+          </c:spPr>
+          <c:marker>
+            <c:symbol val="none"/>
+          </c:marker>
+          <c:cat>
+            <c:numRef>
+              <c:f>Sheet1!$A$2:$A$12</c:f>
+              <c:numCache>
+                <c:formatCode>General</c:formatCode>
+                <c:ptCount val="11"/>
+              </c:numCache>
+            </c:numRef>
+          </c:cat>
+          <c:val>
+            <c:numRef>
+              <c:f>Sheet1!$B$2:$B$12</c:f>
+              <c:numCache>
+                <c:formatCode>General</c:formatCode>
+                <c:ptCount val="11"/>
+                <c:pt idx="0">
+                  <c:v>4.3</c:v>
+                </c:pt>
+                <c:pt idx="1">
+                  <c:v>2.5</c:v>
+                </c:pt>
+                <c:pt idx="2">
+                  <c:v>3</c:v>
+                </c:pt>
+                <c:pt idx="3">
+                  <c:v>5</c:v>
+                </c:pt>
+                <c:pt idx="4">
+                  <c:v>1</c:v>
+                </c:pt>
+                <c:pt idx="5">
+                  <c:v>20</c:v>
+                </c:pt>
+                <c:pt idx="6">
+                  <c:v>4.5</c:v>
+                </c:pt>
+                <c:pt idx="7">
+                  <c:v>6</c:v>
+                </c:pt>
+                <c:pt idx="8">
+                  <c:v>3</c:v>
+                </c:pt>
+                <c:pt idx="9">
+                  <c:v>1</c:v>
+                </c:pt>
+                <c:pt idx="10">
+                  <c:v>2</c:v>
+                </c:pt>
+              </c:numCache>
+            </c:numRef>
+          </c:val>
+          <c:smooth val="1"/>
+          <c:extLst>
+            <c:ext xmlns:c16="http://schemas.microsoft.com/office/drawing/2014/chart" uri="{C3380CC4-5D6E-409C-BE32-E72D297353CC}">
+              <c16:uniqueId val="{00000000-582C-47A9-ABAF-22A76B5D4A2E}"/>
+            </c:ext>
+          </c:extLst>
+        </c:ser>
+        <c:dLbls>
+          <c:showLegendKey val="0"/>
+          <c:showVal val="0"/>
+          <c:showCatName val="0"/>
+          <c:showSerName val="0"/>
+          <c:showPercent val="0"/>
+          <c:showBubbleSize val="0"/>
+        </c:dLbls>
+        <c:smooth val="0"/>
+        <c:axId val="575363504"/>
+        <c:axId val="575367440"/>
+      </c:lineChart>
+      <c:catAx>
+        <c:axId val="575363504"/>
+        <c:scaling>
+          <c:orientation val="minMax"/>
+        </c:scaling>
+        <c:delete val="0"/>
+        <c:axPos val="b"/>
+        <c:numFmt formatCode="General" sourceLinked="1"/>
+        <c:majorTickMark val="none"/>
+        <c:minorTickMark val="none"/>
+        <c:tickLblPos val="nextTo"/>
+        <c:spPr>
+          <a:noFill/>
+          <a:ln w="9525" cap="flat" cmpd="sng" algn="ctr">
+            <a:noFill/>
+            <a:round/>
+          </a:ln>
+          <a:effectLst/>
+        </c:spPr>
+        <c:txPr>
+          <a:bodyPr rot="-60000000" spcFirstLastPara="1" vertOverflow="ellipsis" vert="horz" wrap="square" anchor="ctr" anchorCtr="1"/>
+          <a:lstStyle/>
+          <a:p>
+            <a:pPr>
+              <a:defRPr sz="1197" b="0" i="0" u="none" strike="noStrike" kern="1200" baseline="0">
+                <a:solidFill>
+                  <a:schemeClr val="tx1">
+                    <a:lumMod val="65000"/>
+                    <a:lumOff val="35000"/>
+                  </a:schemeClr>
+                </a:solidFill>
+                <a:latin typeface="+mn-lt"/>
+                <a:ea typeface="+mn-ea"/>
+                <a:cs typeface="+mn-cs"/>
+              </a:defRPr>
+            </a:pPr>
+            <a:endParaRPr lang="en-US"/>
+          </a:p>
+        </c:txPr>
+        <c:crossAx val="575367440"/>
+        <c:crosses val="autoZero"/>
+        <c:auto val="1"/>
+        <c:lblAlgn val="ctr"/>
+        <c:lblOffset val="100"/>
+        <c:noMultiLvlLbl val="0"/>
+      </c:catAx>
+      <c:valAx>
+        <c:axId val="575367440"/>
+        <c:scaling>
+          <c:orientation val="minMax"/>
+        </c:scaling>
+        <c:delete val="1"/>
+        <c:axPos val="l"/>
+        <c:majorGridlines>
+          <c:spPr>
+            <a:ln w="9525" cap="flat" cmpd="sng" algn="ctr">
+              <a:noFill/>
+              <a:round/>
+            </a:ln>
+            <a:effectLst/>
+          </c:spPr>
+        </c:majorGridlines>
+        <c:numFmt formatCode="General" sourceLinked="1"/>
+        <c:majorTickMark val="none"/>
+        <c:minorTickMark val="none"/>
+        <c:tickLblPos val="nextTo"/>
+        <c:crossAx val="575363504"/>
+        <c:crosses val="autoZero"/>
+        <c:crossBetween val="between"/>
+      </c:valAx>
+      <c:spPr>
+        <a:noFill/>
+        <a:ln>
+          <a:noFill/>
+        </a:ln>
+        <a:effectLst/>
+      </c:spPr>
+    </c:plotArea>
+    <c:plotVisOnly val="1"/>
+    <c:dispBlanksAs val="gap"/>
+    <c:extLst>
+      <c:ext xmlns:c16r3="http://schemas.microsoft.com/office/drawing/2017/03/chart" uri="{56B9EC1D-385E-4148-901F-78D8002777C0}">
+        <c16r3:dataDisplayOptions16>
+          <c16r3:dispNaAsBlank val="1"/>
+        </c16r3:dataDisplayOptions16>
+      </c:ext>
+    </c:extLst>
+    <c:showDLblsOverMax val="0"/>
+  </c:chart>
+  <c:spPr>
+    <a:noFill/>
+    <a:ln>
+      <a:noFill/>
+    </a:ln>
+    <a:effectLst/>
+  </c:spPr>
+  <c:txPr>
+    <a:bodyPr/>
+    <a:lstStyle/>
+    <a:p>
+      <a:pPr>
+        <a:defRPr/>
+      </a:pPr>
+      <a:endParaRPr lang="en-US"/>
+    </a:p>
+  </c:txPr>
+  <c:externalData r:id="rId3">
+    <c:autoUpdate val="0"/>
+  </c:externalData>
+</c:chartSpace>
+</file>
+
+<file path=ppt/charts/colors1.xml><?xml version="1.0" encoding="utf-8"?>
+<cs:colorStyle xmlns:cs="http://schemas.microsoft.com/office/drawing/2012/chartStyle" xmlns:a="http://schemas.openxmlformats.org/drawingml/2006/main" meth="cycle" id="10">
+  <a:schemeClr val="accent1"/>
+  <a:schemeClr val="accent2"/>
+  <a:schemeClr val="accent3"/>
+  <a:schemeClr val="accent4"/>
+  <a:schemeClr val="accent5"/>
+  <a:schemeClr val="accent6"/>
+  <cs:variation/>
+  <cs:variation>
+    <a:lumMod val="60000"/>
+  </cs:variation>
+  <cs:variation>
+    <a:lumMod val="80000"/>
+    <a:lumOff val="20000"/>
+  </cs:variation>
+  <cs:variation>
+    <a:lumMod val="80000"/>
+  </cs:variation>
+  <cs:variation>
+    <a:lumMod val="60000"/>
+    <a:lumOff val="40000"/>
+  </cs:variation>
+  <cs:variation>
+    <a:lumMod val="50000"/>
+  </cs:variation>
+  <cs:variation>
+    <a:lumMod val="70000"/>
+    <a:lumOff val="30000"/>
+  </cs:variation>
+  <cs:variation>
+    <a:lumMod val="70000"/>
+  </cs:variation>
+  <cs:variation>
+    <a:lumMod val="50000"/>
+    <a:lumOff val="50000"/>
+  </cs:variation>
+</cs:colorStyle>
+</file>
+
+<file path=ppt/charts/colors2.xml><?xml version="1.0" encoding="utf-8"?>
+<cs:colorStyle xmlns:cs="http://schemas.microsoft.com/office/drawing/2012/chartStyle" xmlns:a="http://schemas.openxmlformats.org/drawingml/2006/main" meth="cycle" id="10">
+  <a:schemeClr val="accent1"/>
+  <a:schemeClr val="accent2"/>
+  <a:schemeClr val="accent3"/>
+  <a:schemeClr val="accent4"/>
+  <a:schemeClr val="accent5"/>
+  <a:schemeClr val="accent6"/>
+  <cs:variation/>
+  <cs:variation>
+    <a:lumMod val="60000"/>
+  </cs:variation>
+  <cs:variation>
+    <a:lumMod val="80000"/>
+    <a:lumOff val="20000"/>
+  </cs:variation>
+  <cs:variation>
+    <a:lumMod val="80000"/>
+  </cs:variation>
+  <cs:variation>
+    <a:lumMod val="60000"/>
+    <a:lumOff val="40000"/>
+  </cs:variation>
+  <cs:variation>
+    <a:lumMod val="50000"/>
+  </cs:variation>
+  <cs:variation>
+    <a:lumMod val="70000"/>
+    <a:lumOff val="30000"/>
+  </cs:variation>
+  <cs:variation>
+    <a:lumMod val="70000"/>
+  </cs:variation>
+  <cs:variation>
+    <a:lumMod val="50000"/>
+    <a:lumOff val="50000"/>
+  </cs:variation>
+</cs:colorStyle>
+</file>
+
+<file path=ppt/charts/style1.xml><?xml version="1.0" encoding="utf-8"?>
+<cs:chartStyle xmlns:cs="http://schemas.microsoft.com/office/drawing/2012/chartStyle" xmlns:a="http://schemas.openxmlformats.org/drawingml/2006/main" id="227">
+  <cs:axisTitle>
+    <cs:lnRef idx="0"/>
+    <cs:fillRef idx="0"/>
+    <cs:effectRef idx="0"/>
+    <cs:fontRef idx="minor">
+      <a:schemeClr val="tx1">
+        <a:lumMod val="65000"/>
+        <a:lumOff val="35000"/>
+      </a:schemeClr>
+    </cs:fontRef>
+    <cs:defRPr sz="1330" kern="1200"/>
+  </cs:axisTitle>
+  <cs:categoryAxis>
+    <cs:lnRef idx="0"/>
+    <cs:fillRef idx="0"/>
+    <cs:effectRef idx="0"/>
+    <cs:fontRef idx="minor">
+      <a:schemeClr val="tx1">
+        <a:lumMod val="65000"/>
+        <a:lumOff val="35000"/>
+      </a:schemeClr>
+    </cs:fontRef>
+    <cs:spPr>
+      <a:ln w="9525" cap="flat" cmpd="sng" algn="ctr">
+        <a:solidFill>
+          <a:schemeClr val="tx1">
+            <a:lumMod val="15000"/>
+            <a:lumOff val="85000"/>
+          </a:schemeClr>
+        </a:solidFill>
+        <a:round/>
+      </a:ln>
+    </cs:spPr>
+    <cs:defRPr sz="1197" kern="1200"/>
+  </cs:categoryAxis>
+  <cs:chartArea mods="allowNoFillOverride allowNoLineOverride">
+    <cs:lnRef idx="0"/>
+    <cs:fillRef idx="0"/>
+    <cs:effectRef idx="0"/>
+    <cs:fontRef idx="minor">
+      <a:schemeClr val="tx1"/>
+    </cs:fontRef>
+    <cs:spPr>
+      <a:solidFill>
+        <a:schemeClr val="bg1"/>
+      </a:solidFill>
+      <a:ln w="9525" cap="flat" cmpd="sng" algn="ctr">
+        <a:solidFill>
+          <a:schemeClr val="tx1">
+            <a:lumMod val="15000"/>
+            <a:lumOff val="85000"/>
+          </a:schemeClr>
+        </a:solidFill>
+        <a:round/>
+      </a:ln>
+    </cs:spPr>
+    <cs:defRPr sz="1330" kern="1200"/>
+  </cs:chartArea>
+  <cs:dataLabel>
+    <cs:lnRef idx="0"/>
+    <cs:fillRef idx="0"/>
+    <cs:effectRef idx="0"/>
+    <cs:fontRef idx="minor">
+      <a:schemeClr val="tx1">
+        <a:lumMod val="75000"/>
+        <a:lumOff val="25000"/>
+      </a:schemeClr>
+    </cs:fontRef>
+    <cs:defRPr sz="1197" kern="1200"/>
+  </cs:dataLabel>
+  <cs:dataLabelCallout>
+    <cs:lnRef idx="0"/>
+    <cs:fillRef idx="0"/>
+    <cs:effectRef idx="0"/>
+    <cs:fontRef idx="minor">
+      <a:schemeClr val="dk1">
+        <a:lumMod val="65000"/>
+        <a:lumOff val="35000"/>
+      </a:schemeClr>
+    </cs:fontRef>
+    <cs:spPr>
+      <a:solidFill>
+        <a:schemeClr val="lt1"/>
+      </a:solidFill>
+      <a:ln>
+        <a:solidFill>
+          <a:schemeClr val="dk1">
+            <a:lumMod val="25000"/>
+            <a:lumOff val="75000"/>
+          </a:schemeClr>
+        </a:solidFill>
+      </a:ln>
+    </cs:spPr>
+    <cs:defRPr sz="1197" kern="1200"/>
+    <cs:bodyPr rot="0" spcFirstLastPara="1" vertOverflow="clip" horzOverflow="clip" vert="horz" wrap="square" lIns="36576" tIns="18288" rIns="36576" bIns="18288" anchor="ctr" anchorCtr="1">
+      <a:spAutoFit/>
+    </cs:bodyPr>
+  </cs:dataLabelCallout>
+  <cs:dataPoint>
+    <cs:lnRef idx="0"/>
+    <cs:fillRef idx="1">
+      <cs:styleClr val="auto"/>
+    </cs:fillRef>
+    <cs:effectRef idx="0"/>
+    <cs:fontRef idx="minor">
+      <a:schemeClr val="tx1"/>
+    </cs:fontRef>
+    <cs:spPr>
+      <a:solidFill>
+        <a:schemeClr val="phClr"/>
+      </a:solidFill>
+    </cs:spPr>
+  </cs:dataPoint>
+  <cs:dataPoint3D>
+    <cs:lnRef idx="0"/>
+    <cs:fillRef idx="1">
+      <cs:styleClr val="auto"/>
+    </cs:fillRef>
+    <cs:effectRef idx="0"/>
+    <cs:fontRef idx="minor">
+      <a:schemeClr val="tx1"/>
+    </cs:fontRef>
+    <cs:spPr>
+      <a:solidFill>
+        <a:schemeClr val="phClr"/>
+      </a:solidFill>
+    </cs:spPr>
+  </cs:dataPoint3D>
+  <cs:dataPointLine>
+    <cs:lnRef idx="0">
+      <cs:styleClr val="auto"/>
+    </cs:lnRef>
+    <cs:fillRef idx="1"/>
+    <cs:effectRef idx="0"/>
+    <cs:fontRef idx="minor">
+      <a:schemeClr val="tx1"/>
+    </cs:fontRef>
+    <cs:spPr>
+      <a:ln w="28575" cap="rnd">
+        <a:solidFill>
+          <a:schemeClr val="phClr"/>
+        </a:solidFill>
+        <a:round/>
+      </a:ln>
+    </cs:spPr>
+  </cs:dataPointLine>
+  <cs:dataPointMarker>
+    <cs:lnRef idx="0">
+      <cs:styleClr val="auto"/>
+    </cs:lnRef>
+    <cs:fillRef idx="1">
+      <cs:styleClr val="auto"/>
+    </cs:fillRef>
+    <cs:effectRef idx="0"/>
+    <cs:fontRef idx="minor">
+      <a:schemeClr val="tx1"/>
+    </cs:fontRef>
+    <cs:spPr>
+      <a:solidFill>
+        <a:schemeClr val="phClr"/>
+      </a:solidFill>
+      <a:ln w="9525">
+        <a:solidFill>
+          <a:schemeClr val="phClr"/>
+        </a:solidFill>
+      </a:ln>
+    </cs:spPr>
+  </cs:dataPointMarker>
+  <cs:dataPointMarkerLayout symbol="circle" size="5"/>
+  <cs:dataPointWireframe>
+    <cs:lnRef idx="0">
+      <cs:styleClr val="auto"/>
+    </cs:lnRef>
+    <cs:fillRef idx="1"/>
+    <cs:effectRef idx="0"/>
+    <cs:fontRef idx="minor">
+      <a:schemeClr val="tx1"/>
+    </cs:fontRef>
+    <cs:spPr>
+      <a:ln w="9525" cap="rnd">
+        <a:solidFill>
+          <a:schemeClr val="phClr"/>
+        </a:solidFill>
+        <a:round/>
+      </a:ln>
+    </cs:spPr>
+  </cs:dataPointWireframe>
+  <cs:dataTable>
+    <cs:lnRef idx="0"/>
+    <cs:fillRef idx="0"/>
+    <cs:effectRef idx="0"/>
+    <cs:fontRef idx="minor">
+      <a:schemeClr val="tx1">
+        <a:lumMod val="65000"/>
+        <a:lumOff val="35000"/>
+      </a:schemeClr>
+    </cs:fontRef>
+    <cs:spPr>
+      <a:noFill/>
+      <a:ln w="9525" cap="flat" cmpd="sng" algn="ctr">
+        <a:solidFill>
+          <a:schemeClr val="tx1">
+            <a:lumMod val="15000"/>
+            <a:lumOff val="85000"/>
+          </a:schemeClr>
+        </a:solidFill>
+        <a:round/>
+      </a:ln>
+    </cs:spPr>
+    <cs:defRPr sz="1197" kern="1200"/>
+  </cs:dataTable>
+  <cs:downBar>
+    <cs:lnRef idx="0"/>
+    <cs:fillRef idx="0"/>
+    <cs:effectRef idx="0"/>
+    <cs:fontRef idx="minor">
+      <a:schemeClr val="dk1"/>
+    </cs:fontRef>
+    <cs:spPr>
+      <a:solidFill>
+        <a:schemeClr val="dk1">
+          <a:lumMod val="65000"/>
+          <a:lumOff val="35000"/>
+        </a:schemeClr>
+      </a:solidFill>
+      <a:ln w="9525">
+        <a:solidFill>
+          <a:schemeClr val="tx1">
+            <a:lumMod val="65000"/>
+            <a:lumOff val="35000"/>
+          </a:schemeClr>
+        </a:solidFill>
+      </a:ln>
+    </cs:spPr>
+  </cs:downBar>
+  <cs:dropLine>
+    <cs:lnRef idx="0"/>
+    <cs:fillRef idx="0"/>
+    <cs:effectRef idx="0"/>
+    <cs:fontRef idx="minor">
+      <a:schemeClr val="tx1"/>
+    </cs:fontRef>
+    <cs:spPr>
+      <a:ln w="9525" cap="flat" cmpd="sng" algn="ctr">
+        <a:solidFill>
+          <a:schemeClr val="tx1">
+            <a:lumMod val="35000"/>
+            <a:lumOff val="65000"/>
+          </a:schemeClr>
+        </a:solidFill>
+        <a:round/>
+      </a:ln>
+    </cs:spPr>
+  </cs:dropLine>
+  <cs:errorBar>
+    <cs:lnRef idx="0"/>
+    <cs:fillRef idx="0"/>
+    <cs:effectRef idx="0"/>
+    <cs:fontRef idx="minor">
+      <a:schemeClr val="tx1"/>
+    </cs:fontRef>
+    <cs:spPr>
+      <a:ln w="9525" cap="flat" cmpd="sng" algn="ctr">
+        <a:solidFill>
+          <a:schemeClr val="tx1">
+            <a:lumMod val="65000"/>
+            <a:lumOff val="35000"/>
+          </a:schemeClr>
+        </a:solidFill>
+        <a:round/>
+      </a:ln>
+    </cs:spPr>
+  </cs:errorBar>
+  <cs:floor>
+    <cs:lnRef idx="0"/>
+    <cs:fillRef idx="0"/>
+    <cs:effectRef idx="0"/>
+    <cs:fontRef idx="minor">
+      <a:schemeClr val="tx1"/>
+    </cs:fontRef>
+    <cs:spPr>
+      <a:noFill/>
+      <a:ln>
+        <a:noFill/>
+      </a:ln>
+    </cs:spPr>
+  </cs:floor>
+  <cs:gridlineMajor>
+    <cs:lnRef idx="0"/>
+    <cs:fillRef idx="0"/>
+    <cs:effectRef idx="0"/>
+    <cs:fontRef idx="minor">
+      <a:schemeClr val="tx1"/>
+    </cs:fontRef>
+    <cs:spPr>
+      <a:ln w="9525" cap="flat" cmpd="sng" algn="ctr">
+        <a:solidFill>
+          <a:schemeClr val="tx1">
+            <a:lumMod val="15000"/>
+            <a:lumOff val="85000"/>
+          </a:schemeClr>
+        </a:solidFill>
+        <a:round/>
+      </a:ln>
+    </cs:spPr>
+  </cs:gridlineMajor>
+  <cs:gridlineMinor>
+    <cs:lnRef idx="0"/>
+    <cs:fillRef idx="0"/>
+    <cs:effectRef idx="0"/>
+    <cs:fontRef idx="minor">
+      <a:schemeClr val="tx1"/>
+    </cs:fontRef>
+    <cs:spPr>
+      <a:ln w="9525" cap="flat" cmpd="sng" algn="ctr">
+        <a:solidFill>
+          <a:schemeClr val="tx1">
+            <a:lumMod val="5000"/>
+            <a:lumOff val="95000"/>
+          </a:schemeClr>
+        </a:solidFill>
+        <a:round/>
+      </a:ln>
+    </cs:spPr>
+  </cs:gridlineMinor>
+  <cs:hiLoLine>
+    <cs:lnRef idx="0"/>
+    <cs:fillRef idx="0"/>
+    <cs:effectRef idx="0"/>
+    <cs:fontRef idx="minor">
+      <a:schemeClr val="tx1"/>
+    </cs:fontRef>
+    <cs:spPr>
+      <a:ln w="9525" cap="flat" cmpd="sng" algn="ctr">
+        <a:solidFill>
+          <a:schemeClr val="tx1">
+            <a:lumMod val="75000"/>
+            <a:lumOff val="25000"/>
+          </a:schemeClr>
+        </a:solidFill>
+        <a:round/>
+      </a:ln>
+    </cs:spPr>
+  </cs:hiLoLine>
+  <cs:leaderLine>
+    <cs:lnRef idx="0"/>
+    <cs:fillRef idx="0"/>
+    <cs:effectRef idx="0"/>
+    <cs:fontRef idx="minor">
+      <a:schemeClr val="tx1"/>
+    </cs:fontRef>
+    <cs:spPr>
+      <a:ln w="9525" cap="flat" cmpd="sng" algn="ctr">
+        <a:solidFill>
+          <a:schemeClr val="tx1">
+            <a:lumMod val="35000"/>
+            <a:lumOff val="65000"/>
+          </a:schemeClr>
+        </a:solidFill>
+        <a:round/>
+      </a:ln>
+    </cs:spPr>
+  </cs:leaderLine>
+  <cs:legend>
+    <cs:lnRef idx="0"/>
+    <cs:fillRef idx="0"/>
+    <cs:effectRef idx="0"/>
+    <cs:fontRef idx="minor">
+      <a:schemeClr val="tx1">
+        <a:lumMod val="65000"/>
+        <a:lumOff val="35000"/>
+      </a:schemeClr>
+    </cs:fontRef>
+    <cs:defRPr sz="1197" kern="1200"/>
+  </cs:legend>
+  <cs:plotArea mods="allowNoFillOverride allowNoLineOverride">
+    <cs:lnRef idx="0"/>
+    <cs:fillRef idx="0"/>
+    <cs:effectRef idx="0"/>
+    <cs:fontRef idx="minor">
+      <a:schemeClr val="tx1"/>
+    </cs:fontRef>
+  </cs:plotArea>
+  <cs:plotArea3D mods="allowNoFillOverride allowNoLineOverride">
+    <cs:lnRef idx="0"/>
+    <cs:fillRef idx="0"/>
+    <cs:effectRef idx="0"/>
+    <cs:fontRef idx="minor">
+      <a:schemeClr val="tx1"/>
+    </cs:fontRef>
+  </cs:plotArea3D>
+  <cs:seriesAxis>
+    <cs:lnRef idx="0"/>
+    <cs:fillRef idx="0"/>
+    <cs:effectRef idx="0"/>
+    <cs:fontRef idx="minor">
+      <a:schemeClr val="tx1">
+        <a:lumMod val="65000"/>
+        <a:lumOff val="35000"/>
+      </a:schemeClr>
+    </cs:fontRef>
+    <cs:defRPr sz="1197" kern="1200"/>
+  </cs:seriesAxis>
+  <cs:seriesLine>
+    <cs:lnRef idx="0"/>
+    <cs:fillRef idx="0"/>
+    <cs:effectRef idx="0"/>
+    <cs:fontRef idx="minor">
+      <a:schemeClr val="tx1"/>
+    </cs:fontRef>
+    <cs:spPr>
+      <a:ln w="9525" cap="flat" cmpd="sng" algn="ctr">
+        <a:solidFill>
+          <a:schemeClr val="tx1">
+            <a:lumMod val="35000"/>
+            <a:lumOff val="65000"/>
+          </a:schemeClr>
+        </a:solidFill>
+        <a:round/>
+      </a:ln>
+    </cs:spPr>
+  </cs:seriesLine>
+  <cs:title>
+    <cs:lnRef idx="0"/>
+    <cs:fillRef idx="0"/>
+    <cs:effectRef idx="0"/>
+    <cs:fontRef idx="minor">
+      <a:schemeClr val="tx1">
+        <a:lumMod val="65000"/>
+        <a:lumOff val="35000"/>
+      </a:schemeClr>
+    </cs:fontRef>
+    <cs:defRPr sz="1862" b="0" kern="1200" spc="0" baseline="0"/>
+  </cs:title>
+  <cs:trendline>
+    <cs:lnRef idx="0">
+      <cs:styleClr val="auto"/>
+    </cs:lnRef>
+    <cs:fillRef idx="0"/>
+    <cs:effectRef idx="0"/>
+    <cs:fontRef idx="minor">
+      <a:schemeClr val="tx1"/>
+    </cs:fontRef>
+    <cs:spPr>
+      <a:ln w="19050" cap="rnd">
+        <a:solidFill>
+          <a:schemeClr val="phClr"/>
+        </a:solidFill>
+        <a:prstDash val="sysDot"/>
+      </a:ln>
+    </cs:spPr>
+  </cs:trendline>
+  <cs:trendlineLabel>
+    <cs:lnRef idx="0"/>
+    <cs:fillRef idx="0"/>
+    <cs:effectRef idx="0"/>
+    <cs:fontRef idx="minor">
+      <a:schemeClr val="tx1">
+        <a:lumMod val="65000"/>
+        <a:lumOff val="35000"/>
+      </a:schemeClr>
+    </cs:fontRef>
+    <cs:defRPr sz="1197" kern="1200"/>
+  </cs:trendlineLabel>
+  <cs:upBar>
+    <cs:lnRef idx="0"/>
+    <cs:fillRef idx="0"/>
+    <cs:effectRef idx="0"/>
+    <cs:fontRef idx="minor">
+      <a:schemeClr val="dk1"/>
+    </cs:fontRef>
+    <cs:spPr>
+      <a:solidFill>
+        <a:schemeClr val="lt1"/>
+      </a:solidFill>
+      <a:ln w="9525">
+        <a:solidFill>
+          <a:schemeClr val="tx1">
+            <a:lumMod val="15000"/>
+            <a:lumOff val="85000"/>
+          </a:schemeClr>
+        </a:solidFill>
+      </a:ln>
+    </cs:spPr>
+  </cs:upBar>
+  <cs:valueAxis>
+    <cs:lnRef idx="0"/>
+    <cs:fillRef idx="0"/>
+    <cs:effectRef idx="0"/>
+    <cs:fontRef idx="minor">
+      <a:schemeClr val="tx1">
+        <a:lumMod val="65000"/>
+        <a:lumOff val="35000"/>
+      </a:schemeClr>
+    </cs:fontRef>
+    <cs:defRPr sz="1197" kern="1200"/>
+  </cs:valueAxis>
+  <cs:wall>
+    <cs:lnRef idx="0"/>
+    <cs:fillRef idx="0"/>
+    <cs:effectRef idx="0"/>
+    <cs:fontRef idx="minor">
+      <a:schemeClr val="tx1"/>
+    </cs:fontRef>
+    <cs:spPr>
+      <a:noFill/>
+      <a:ln>
+        <a:noFill/>
+      </a:ln>
+    </cs:spPr>
+  </cs:wall>
+</cs:chartStyle>
+</file>
+
+<file path=ppt/charts/style2.xml><?xml version="1.0" encoding="utf-8"?>
+<cs:chartStyle xmlns:cs="http://schemas.microsoft.com/office/drawing/2012/chartStyle" xmlns:a="http://schemas.openxmlformats.org/drawingml/2006/main" id="227">
+  <cs:axisTitle>
+    <cs:lnRef idx="0"/>
+    <cs:fillRef idx="0"/>
+    <cs:effectRef idx="0"/>
+    <cs:fontRef idx="minor">
+      <a:schemeClr val="tx1">
+        <a:lumMod val="65000"/>
+        <a:lumOff val="35000"/>
+      </a:schemeClr>
+    </cs:fontRef>
+    <cs:defRPr sz="1330" kern="1200"/>
+  </cs:axisTitle>
+  <cs:categoryAxis>
+    <cs:lnRef idx="0"/>
+    <cs:fillRef idx="0"/>
+    <cs:effectRef idx="0"/>
+    <cs:fontRef idx="minor">
+      <a:schemeClr val="tx1">
+        <a:lumMod val="65000"/>
+        <a:lumOff val="35000"/>
+      </a:schemeClr>
+    </cs:fontRef>
+    <cs:spPr>
+      <a:ln w="9525" cap="flat" cmpd="sng" algn="ctr">
+        <a:solidFill>
+          <a:schemeClr val="tx1">
+            <a:lumMod val="15000"/>
+            <a:lumOff val="85000"/>
+          </a:schemeClr>
+        </a:solidFill>
+        <a:round/>
+      </a:ln>
+    </cs:spPr>
+    <cs:defRPr sz="1197" kern="1200"/>
+  </cs:categoryAxis>
+  <cs:chartArea mods="allowNoFillOverride allowNoLineOverride">
+    <cs:lnRef idx="0"/>
+    <cs:fillRef idx="0"/>
+    <cs:effectRef idx="0"/>
+    <cs:fontRef idx="minor">
+      <a:schemeClr val="tx1"/>
+    </cs:fontRef>
+    <cs:spPr>
+      <a:solidFill>
+        <a:schemeClr val="bg1"/>
+      </a:solidFill>
+      <a:ln w="9525" cap="flat" cmpd="sng" algn="ctr">
+        <a:solidFill>
+          <a:schemeClr val="tx1">
+            <a:lumMod val="15000"/>
+            <a:lumOff val="85000"/>
+          </a:schemeClr>
+        </a:solidFill>
+        <a:round/>
+      </a:ln>
+    </cs:spPr>
+    <cs:defRPr sz="1330" kern="1200"/>
+  </cs:chartArea>
+  <cs:dataLabel>
+    <cs:lnRef idx="0"/>
+    <cs:fillRef idx="0"/>
+    <cs:effectRef idx="0"/>
+    <cs:fontRef idx="minor">
+      <a:schemeClr val="tx1">
+        <a:lumMod val="75000"/>
+        <a:lumOff val="25000"/>
+      </a:schemeClr>
+    </cs:fontRef>
+    <cs:defRPr sz="1197" kern="1200"/>
+  </cs:dataLabel>
+  <cs:dataLabelCallout>
+    <cs:lnRef idx="0"/>
+    <cs:fillRef idx="0"/>
+    <cs:effectRef idx="0"/>
+    <cs:fontRef idx="minor">
+      <a:schemeClr val="dk1">
+        <a:lumMod val="65000"/>
+        <a:lumOff val="35000"/>
+      </a:schemeClr>
+    </cs:fontRef>
+    <cs:spPr>
+      <a:solidFill>
+        <a:schemeClr val="lt1"/>
+      </a:solidFill>
+      <a:ln>
+        <a:solidFill>
+          <a:schemeClr val="dk1">
+            <a:lumMod val="25000"/>
+            <a:lumOff val="75000"/>
+          </a:schemeClr>
+        </a:solidFill>
+      </a:ln>
+    </cs:spPr>
+    <cs:defRPr sz="1197" kern="1200"/>
+    <cs:bodyPr rot="0" spcFirstLastPara="1" vertOverflow="clip" horzOverflow="clip" vert="horz" wrap="square" lIns="36576" tIns="18288" rIns="36576" bIns="18288" anchor="ctr" anchorCtr="1">
+      <a:spAutoFit/>
+    </cs:bodyPr>
+  </cs:dataLabelCallout>
+  <cs:dataPoint>
+    <cs:lnRef idx="0"/>
+    <cs:fillRef idx="1">
+      <cs:styleClr val="auto"/>
+    </cs:fillRef>
+    <cs:effectRef idx="0"/>
+    <cs:fontRef idx="minor">
+      <a:schemeClr val="tx1"/>
+    </cs:fontRef>
+    <cs:spPr>
+      <a:solidFill>
+        <a:schemeClr val="phClr"/>
+      </a:solidFill>
+    </cs:spPr>
+  </cs:dataPoint>
+  <cs:dataPoint3D>
+    <cs:lnRef idx="0"/>
+    <cs:fillRef idx="1">
+      <cs:styleClr val="auto"/>
+    </cs:fillRef>
+    <cs:effectRef idx="0"/>
+    <cs:fontRef idx="minor">
+      <a:schemeClr val="tx1"/>
+    </cs:fontRef>
+    <cs:spPr>
+      <a:solidFill>
+        <a:schemeClr val="phClr"/>
+      </a:solidFill>
+    </cs:spPr>
+  </cs:dataPoint3D>
+  <cs:dataPointLine>
+    <cs:lnRef idx="0">
+      <cs:styleClr val="auto"/>
+    </cs:lnRef>
+    <cs:fillRef idx="1"/>
+    <cs:effectRef idx="0"/>
+    <cs:fontRef idx="minor">
+      <a:schemeClr val="tx1"/>
+    </cs:fontRef>
+    <cs:spPr>
+      <a:ln w="28575" cap="rnd">
+        <a:solidFill>
+          <a:schemeClr val="phClr"/>
+        </a:solidFill>
+        <a:round/>
+      </a:ln>
+    </cs:spPr>
+  </cs:dataPointLine>
+  <cs:dataPointMarker>
+    <cs:lnRef idx="0">
+      <cs:styleClr val="auto"/>
+    </cs:lnRef>
+    <cs:fillRef idx="1">
+      <cs:styleClr val="auto"/>
+    </cs:fillRef>
+    <cs:effectRef idx="0"/>
+    <cs:fontRef idx="minor">
+      <a:schemeClr val="tx1"/>
+    </cs:fontRef>
+    <cs:spPr>
+      <a:solidFill>
+        <a:schemeClr val="phClr"/>
+      </a:solidFill>
+      <a:ln w="9525">
+        <a:solidFill>
+          <a:schemeClr val="phClr"/>
+        </a:solidFill>
+      </a:ln>
+    </cs:spPr>
+  </cs:dataPointMarker>
+  <cs:dataPointMarkerLayout symbol="circle" size="5"/>
+  <cs:dataPointWireframe>
+    <cs:lnRef idx="0">
+      <cs:styleClr val="auto"/>
+    </cs:lnRef>
+    <cs:fillRef idx="1"/>
+    <cs:effectRef idx="0"/>
+    <cs:fontRef idx="minor">
+      <a:schemeClr val="tx1"/>
+    </cs:fontRef>
+    <cs:spPr>
+      <a:ln w="9525" cap="rnd">
+        <a:solidFill>
+          <a:schemeClr val="phClr"/>
+        </a:solidFill>
+        <a:round/>
+      </a:ln>
+    </cs:spPr>
+  </cs:dataPointWireframe>
+  <cs:dataTable>
+    <cs:lnRef idx="0"/>
+    <cs:fillRef idx="0"/>
+    <cs:effectRef idx="0"/>
+    <cs:fontRef idx="minor">
+      <a:schemeClr val="tx1">
+        <a:lumMod val="65000"/>
+        <a:lumOff val="35000"/>
+      </a:schemeClr>
+    </cs:fontRef>
+    <cs:spPr>
+      <a:noFill/>
+      <a:ln w="9525" cap="flat" cmpd="sng" algn="ctr">
+        <a:solidFill>
+          <a:schemeClr val="tx1">
+            <a:lumMod val="15000"/>
+            <a:lumOff val="85000"/>
+          </a:schemeClr>
+        </a:solidFill>
+        <a:round/>
+      </a:ln>
+    </cs:spPr>
+    <cs:defRPr sz="1197" kern="1200"/>
+  </cs:dataTable>
+  <cs:downBar>
+    <cs:lnRef idx="0"/>
+    <cs:fillRef idx="0"/>
+    <cs:effectRef idx="0"/>
+    <cs:fontRef idx="minor">
+      <a:schemeClr val="dk1"/>
+    </cs:fontRef>
+    <cs:spPr>
+      <a:solidFill>
+        <a:schemeClr val="dk1">
+          <a:lumMod val="65000"/>
+          <a:lumOff val="35000"/>
+        </a:schemeClr>
+      </a:solidFill>
+      <a:ln w="9525">
+        <a:solidFill>
+          <a:schemeClr val="tx1">
+            <a:lumMod val="65000"/>
+            <a:lumOff val="35000"/>
+          </a:schemeClr>
+        </a:solidFill>
+      </a:ln>
+    </cs:spPr>
+  </cs:downBar>
+  <cs:dropLine>
+    <cs:lnRef idx="0"/>
+    <cs:fillRef idx="0"/>
+    <cs:effectRef idx="0"/>
+    <cs:fontRef idx="minor">
+      <a:schemeClr val="tx1"/>
+    </cs:fontRef>
+    <cs:spPr>
+      <a:ln w="9525" cap="flat" cmpd="sng" algn="ctr">
+        <a:solidFill>
+          <a:schemeClr val="tx1">
+            <a:lumMod val="35000"/>
+            <a:lumOff val="65000"/>
+          </a:schemeClr>
+        </a:solidFill>
+        <a:round/>
+      </a:ln>
+    </cs:spPr>
+  </cs:dropLine>
+  <cs:errorBar>
+    <cs:lnRef idx="0"/>
+    <cs:fillRef idx="0"/>
+    <cs:effectRef idx="0"/>
+    <cs:fontRef idx="minor">
+      <a:schemeClr val="tx1"/>
+    </cs:fontRef>
+    <cs:spPr>
+      <a:ln w="9525" cap="flat" cmpd="sng" algn="ctr">
+        <a:solidFill>
+          <a:schemeClr val="tx1">
+            <a:lumMod val="65000"/>
+            <a:lumOff val="35000"/>
+          </a:schemeClr>
+        </a:solidFill>
+        <a:round/>
+      </a:ln>
+    </cs:spPr>
+  </cs:errorBar>
+  <cs:floor>
+    <cs:lnRef idx="0"/>
+    <cs:fillRef idx="0"/>
+    <cs:effectRef idx="0"/>
+    <cs:fontRef idx="minor">
+      <a:schemeClr val="tx1"/>
+    </cs:fontRef>
+    <cs:spPr>
+      <a:noFill/>
+      <a:ln>
+        <a:noFill/>
+      </a:ln>
+    </cs:spPr>
+  </cs:floor>
+  <cs:gridlineMajor>
+    <cs:lnRef idx="0"/>
+    <cs:fillRef idx="0"/>
+    <cs:effectRef idx="0"/>
+    <cs:fontRef idx="minor">
+      <a:schemeClr val="tx1"/>
+    </cs:fontRef>
+    <cs:spPr>
+      <a:ln w="9525" cap="flat" cmpd="sng" algn="ctr">
+        <a:solidFill>
+          <a:schemeClr val="tx1">
+            <a:lumMod val="15000"/>
+            <a:lumOff val="85000"/>
+          </a:schemeClr>
+        </a:solidFill>
+        <a:round/>
+      </a:ln>
+    </cs:spPr>
+  </cs:gridlineMajor>
+  <cs:gridlineMinor>
+    <cs:lnRef idx="0"/>
+    <cs:fillRef idx="0"/>
+    <cs:effectRef idx="0"/>
+    <cs:fontRef idx="minor">
+      <a:schemeClr val="tx1"/>
+    </cs:fontRef>
+    <cs:spPr>
+      <a:ln w="9525" cap="flat" cmpd="sng" algn="ctr">
+        <a:solidFill>
+          <a:schemeClr val="tx1">
+            <a:lumMod val="5000"/>
+            <a:lumOff val="95000"/>
+          </a:schemeClr>
+        </a:solidFill>
+        <a:round/>
+      </a:ln>
+    </cs:spPr>
+  </cs:gridlineMinor>
+  <cs:hiLoLine>
+    <cs:lnRef idx="0"/>
+    <cs:fillRef idx="0"/>
+    <cs:effectRef idx="0"/>
+    <cs:fontRef idx="minor">
+      <a:schemeClr val="tx1"/>
+    </cs:fontRef>
+    <cs:spPr>
+      <a:ln w="9525" cap="flat" cmpd="sng" algn="ctr">
+        <a:solidFill>
+          <a:schemeClr val="tx1">
+            <a:lumMod val="75000"/>
+            <a:lumOff val="25000"/>
+          </a:schemeClr>
+        </a:solidFill>
+        <a:round/>
+      </a:ln>
+    </cs:spPr>
+  </cs:hiLoLine>
+  <cs:leaderLine>
+    <cs:lnRef idx="0"/>
+    <cs:fillRef idx="0"/>
+    <cs:effectRef idx="0"/>
+    <cs:fontRef idx="minor">
+      <a:schemeClr val="tx1"/>
+    </cs:fontRef>
+    <cs:spPr>
+      <a:ln w="9525" cap="flat" cmpd="sng" algn="ctr">
+        <a:solidFill>
+          <a:schemeClr val="tx1">
+            <a:lumMod val="35000"/>
+            <a:lumOff val="65000"/>
+          </a:schemeClr>
+        </a:solidFill>
+        <a:round/>
+      </a:ln>
+    </cs:spPr>
+  </cs:leaderLine>
+  <cs:legend>
+    <cs:lnRef idx="0"/>
+    <cs:fillRef idx="0"/>
+    <cs:effectRef idx="0"/>
+    <cs:fontRef idx="minor">
+      <a:schemeClr val="tx1">
+        <a:lumMod val="65000"/>
+        <a:lumOff val="35000"/>
+      </a:schemeClr>
+    </cs:fontRef>
+    <cs:defRPr sz="1197" kern="1200"/>
+  </cs:legend>
+  <cs:plotArea mods="allowNoFillOverride allowNoLineOverride">
+    <cs:lnRef idx="0"/>
+    <cs:fillRef idx="0"/>
+    <cs:effectRef idx="0"/>
+    <cs:fontRef idx="minor">
+      <a:schemeClr val="tx1"/>
+    </cs:fontRef>
+  </cs:plotArea>
+  <cs:plotArea3D mods="allowNoFillOverride allowNoLineOverride">
+    <cs:lnRef idx="0"/>
+    <cs:fillRef idx="0"/>
+    <cs:effectRef idx="0"/>
+    <cs:fontRef idx="minor">
+      <a:schemeClr val="tx1"/>
+    </cs:fontRef>
+  </cs:plotArea3D>
+  <cs:seriesAxis>
+    <cs:lnRef idx="0"/>
+    <cs:fillRef idx="0"/>
+    <cs:effectRef idx="0"/>
+    <cs:fontRef idx="minor">
+      <a:schemeClr val="tx1">
+        <a:lumMod val="65000"/>
+        <a:lumOff val="35000"/>
+      </a:schemeClr>
+    </cs:fontRef>
+    <cs:defRPr sz="1197" kern="1200"/>
+  </cs:seriesAxis>
+  <cs:seriesLine>
+    <cs:lnRef idx="0"/>
+    <cs:fillRef idx="0"/>
+    <cs:effectRef idx="0"/>
+    <cs:fontRef idx="minor">
+      <a:schemeClr val="tx1"/>
+    </cs:fontRef>
+    <cs:spPr>
+      <a:ln w="9525" cap="flat" cmpd="sng" algn="ctr">
+        <a:solidFill>
+          <a:schemeClr val="tx1">
+            <a:lumMod val="35000"/>
+            <a:lumOff val="65000"/>
+          </a:schemeClr>
+        </a:solidFill>
+        <a:round/>
+      </a:ln>
+    </cs:spPr>
+  </cs:seriesLine>
+  <cs:title>
+    <cs:lnRef idx="0"/>
+    <cs:fillRef idx="0"/>
+    <cs:effectRef idx="0"/>
+    <cs:fontRef idx="minor">
+      <a:schemeClr val="tx1">
+        <a:lumMod val="65000"/>
+        <a:lumOff val="35000"/>
+      </a:schemeClr>
+    </cs:fontRef>
+    <cs:defRPr sz="1862" b="0" kern="1200" spc="0" baseline="0"/>
+  </cs:title>
+  <cs:trendline>
+    <cs:lnRef idx="0">
+      <cs:styleClr val="auto"/>
+    </cs:lnRef>
+    <cs:fillRef idx="0"/>
+    <cs:effectRef idx="0"/>
+    <cs:fontRef idx="minor">
+      <a:schemeClr val="tx1"/>
+    </cs:fontRef>
+    <cs:spPr>
+      <a:ln w="19050" cap="rnd">
+        <a:solidFill>
+          <a:schemeClr val="phClr"/>
+        </a:solidFill>
+        <a:prstDash val="sysDot"/>
+      </a:ln>
+    </cs:spPr>
+  </cs:trendline>
+  <cs:trendlineLabel>
+    <cs:lnRef idx="0"/>
+    <cs:fillRef idx="0"/>
+    <cs:effectRef idx="0"/>
+    <cs:fontRef idx="minor">
+      <a:schemeClr val="tx1">
+        <a:lumMod val="65000"/>
+        <a:lumOff val="35000"/>
+      </a:schemeClr>
+    </cs:fontRef>
+    <cs:defRPr sz="1197" kern="1200"/>
+  </cs:trendlineLabel>
+  <cs:upBar>
+    <cs:lnRef idx="0"/>
+    <cs:fillRef idx="0"/>
+    <cs:effectRef idx="0"/>
+    <cs:fontRef idx="minor">
+      <a:schemeClr val="dk1"/>
+    </cs:fontRef>
+    <cs:spPr>
+      <a:solidFill>
+        <a:schemeClr val="lt1"/>
+      </a:solidFill>
+      <a:ln w="9525">
+        <a:solidFill>
+          <a:schemeClr val="tx1">
+            <a:lumMod val="15000"/>
+            <a:lumOff val="85000"/>
+          </a:schemeClr>
+        </a:solidFill>
+      </a:ln>
+    </cs:spPr>
+  </cs:upBar>
+  <cs:valueAxis>
+    <cs:lnRef idx="0"/>
+    <cs:fillRef idx="0"/>
+    <cs:effectRef idx="0"/>
+    <cs:fontRef idx="minor">
+      <a:schemeClr val="tx1">
+        <a:lumMod val="65000"/>
+        <a:lumOff val="35000"/>
+      </a:schemeClr>
+    </cs:fontRef>
+    <cs:defRPr sz="1197" kern="1200"/>
+  </cs:valueAxis>
+  <cs:wall>
+    <cs:lnRef idx="0"/>
+    <cs:fillRef idx="0"/>
+    <cs:effectRef idx="0"/>
+    <cs:fontRef idx="minor">
+      <a:schemeClr val="tx1"/>
+    </cs:fontRef>
+    <cs:spPr>
+      <a:noFill/>
+      <a:ln>
+        <a:noFill/>
+      </a:ln>
+    </cs:spPr>
+  </cs:wall>
+</cs:chartStyle>
+</file>
+
 <file path=ppt/handoutMasters/handoutMaster1.xml><?xml version="1.0" encoding="utf-8"?>
 <p:handoutMaster xmlns:a="http://schemas.openxmlformats.org/drawingml/2006/main" xmlns:r="http://schemas.openxmlformats.org/officeDocument/2006/relationships" xmlns:p="http://schemas.openxmlformats.org/presentationml/2006/main">
   <p:cSld>
@@ -228,7 +1843,7 @@
           <a:p>
             <a:fld id="{334ABD86-957F-40B1-87EE-A6C3B2CAB03E}" type="datetimeFigureOut">
               <a:rPr lang="en-US" smtClean="0"/>
-              <a:t>4/6/2019</a:t>
+              <a:t>4/7/2019</a:t>
             </a:fld>
             <a:endParaRPr lang="en-US"/>
           </a:p>
@@ -405,7 +2020,7 @@
           <a:p>
             <a:fld id="{053F9076-56CE-4656-BEB1-49012D9996C0}" type="datetimeFigureOut">
               <a:rPr lang="en-US" smtClean="0"/>
-              <a:t>4/6/2019</a:t>
+              <a:t>4/7/2019</a:t>
             </a:fld>
             <a:endParaRPr lang="en-US"/>
           </a:p>
@@ -765,6 +2380,90 @@
 </p:notes>
 </file>
 
+<file path=ppt/notesSlides/notesSlide2.xml><?xml version="1.0" encoding="utf-8"?>
+<p:notes xmlns:a="http://schemas.openxmlformats.org/drawingml/2006/main" xmlns:r="http://schemas.openxmlformats.org/officeDocument/2006/relationships" xmlns:p="http://schemas.openxmlformats.org/presentationml/2006/main">
+  <p:cSld>
+    <p:spTree>
+      <p:nvGrpSpPr>
+        <p:cNvPr id="1" name=""/>
+        <p:cNvGrpSpPr/>
+        <p:nvPr/>
+      </p:nvGrpSpPr>
+      <p:grpSpPr>
+        <a:xfrm>
+          <a:off x="0" y="0"/>
+          <a:ext cx="0" cy="0"/>
+          <a:chOff x="0" y="0"/>
+          <a:chExt cx="0" cy="0"/>
+        </a:xfrm>
+      </p:grpSpPr>
+      <p:sp>
+        <p:nvSpPr>
+          <p:cNvPr id="2" name="Slide Image Placeholder 1"/>
+          <p:cNvSpPr>
+            <a:spLocks noGrp="1" noRot="1" noChangeAspect="1"/>
+          </p:cNvSpPr>
+          <p:nvPr>
+            <p:ph type="sldImg"/>
+          </p:nvPr>
+        </p:nvSpPr>
+        <p:spPr/>
+      </p:sp>
+      <p:sp>
+        <p:nvSpPr>
+          <p:cNvPr id="3" name="Notes Placeholder 2"/>
+          <p:cNvSpPr>
+            <a:spLocks noGrp="1"/>
+          </p:cNvSpPr>
+          <p:nvPr>
+            <p:ph type="body" idx="1"/>
+          </p:nvPr>
+        </p:nvSpPr>
+        <p:spPr/>
+        <p:txBody>
+          <a:bodyPr/>
+          <a:lstStyle/>
+          <a:p>
+            <a:endParaRPr lang="en-US" dirty="0"/>
+          </a:p>
+        </p:txBody>
+      </p:sp>
+      <p:sp>
+        <p:nvSpPr>
+          <p:cNvPr id="4" name="Slide Number Placeholder 3"/>
+          <p:cNvSpPr>
+            <a:spLocks noGrp="1"/>
+          </p:cNvSpPr>
+          <p:nvPr>
+            <p:ph type="sldNum" sz="quarter" idx="5"/>
+          </p:nvPr>
+        </p:nvSpPr>
+        <p:spPr/>
+        <p:txBody>
+          <a:bodyPr/>
+          <a:lstStyle/>
+          <a:p>
+            <a:fld id="{A1DD606A-F46B-421B-8C76-016A1005836C}" type="slidenum">
+              <a:rPr lang="en-US" smtClean="0"/>
+              <a:t>16</a:t>
+            </a:fld>
+            <a:endParaRPr lang="en-US"/>
+          </a:p>
+        </p:txBody>
+      </p:sp>
+    </p:spTree>
+    <p:extLst>
+      <p:ext uri="{BB962C8B-B14F-4D97-AF65-F5344CB8AC3E}">
+        <p14:creationId xmlns:p14="http://schemas.microsoft.com/office/powerpoint/2010/main" val="2453435563"/>
+      </p:ext>
+    </p:extLst>
+  </p:cSld>
+  <p:clrMapOvr>
+    <a:masterClrMapping/>
+  </p:clrMapOvr>
+</p:notes>
+</file>
+
 <file path=ppt/slideLayouts/slideLayout1.xml><?xml version="1.0" encoding="utf-8"?>
 <p:sldLayout xmlns:a="http://schemas.openxmlformats.org/drawingml/2006/main" xmlns:r="http://schemas.openxmlformats.org/officeDocument/2006/relationships" xmlns:p="http://schemas.openxmlformats.org/presentationml/2006/main" type="title" preserve="1">
   <p:cSld name="Title Slide">
@@ -912,7 +2611,7 @@
           <a:p>
             <a:fld id="{439CE6F7-9533-4255-A38D-1E6294581F5A}" type="datetimeFigureOut">
               <a:rPr lang="en-US" smtClean="0"/>
-              <a:t>4/6/2019</a:t>
+              <a:t>4/7/2019</a:t>
             </a:fld>
             <a:endParaRPr lang="en-US"/>
           </a:p>
@@ -1110,7 +2809,7 @@
           <a:p>
             <a:fld id="{439CE6F7-9533-4255-A38D-1E6294581F5A}" type="datetimeFigureOut">
               <a:rPr lang="en-US" smtClean="0"/>
-              <a:t>4/6/2019</a:t>
+              <a:t>4/7/2019</a:t>
             </a:fld>
             <a:endParaRPr lang="en-US"/>
           </a:p>
@@ -1318,7 +3017,7 @@
           <a:p>
             <a:fld id="{439CE6F7-9533-4255-A38D-1E6294581F5A}" type="datetimeFigureOut">
               <a:rPr lang="en-US" smtClean="0"/>
-              <a:t>4/6/2019</a:t>
+              <a:t>4/7/2019</a:t>
             </a:fld>
             <a:endParaRPr lang="en-US"/>
           </a:p>
@@ -1718,7 +3417,7 @@
           <a:p>
             <a:fld id="{439CE6F7-9533-4255-A38D-1E6294581F5A}" type="datetimeFigureOut">
               <a:rPr lang="en-US" smtClean="0"/>
-              <a:t>4/6/2019</a:t>
+              <a:t>4/7/2019</a:t>
             </a:fld>
             <a:endParaRPr lang="en-US"/>
           </a:p>
@@ -1983,7 +3682,7 @@
           <a:p>
             <a:fld id="{439CE6F7-9533-4255-A38D-1E6294581F5A}" type="datetimeFigureOut">
               <a:rPr lang="en-US" smtClean="0"/>
-              <a:t>4/6/2019</a:t>
+              <a:t>4/7/2019</a:t>
             </a:fld>
             <a:endParaRPr lang="en-US"/>
           </a:p>
@@ -2395,7 +4094,7 @@
           <a:p>
             <a:fld id="{439CE6F7-9533-4255-A38D-1E6294581F5A}" type="datetimeFigureOut">
               <a:rPr lang="en-US" smtClean="0"/>
-              <a:t>4/6/2019</a:t>
+              <a:t>4/7/2019</a:t>
             </a:fld>
             <a:endParaRPr lang="en-US"/>
           </a:p>
@@ -2536,7 +4235,7 @@
           <a:p>
             <a:fld id="{439CE6F7-9533-4255-A38D-1E6294581F5A}" type="datetimeFigureOut">
               <a:rPr lang="en-US" smtClean="0"/>
-              <a:t>4/6/2019</a:t>
+              <a:t>4/7/2019</a:t>
             </a:fld>
             <a:endParaRPr lang="en-US"/>
           </a:p>
@@ -2649,7 +4348,7 @@
           <a:p>
             <a:fld id="{439CE6F7-9533-4255-A38D-1E6294581F5A}" type="datetimeFigureOut">
               <a:rPr lang="en-US" smtClean="0"/>
-              <a:t>4/6/2019</a:t>
+              <a:t>4/7/2019</a:t>
             </a:fld>
             <a:endParaRPr lang="en-US"/>
           </a:p>
@@ -2960,7 +4659,7 @@
           <a:p>
             <a:fld id="{439CE6F7-9533-4255-A38D-1E6294581F5A}" type="datetimeFigureOut">
               <a:rPr lang="en-US" smtClean="0"/>
-              <a:t>4/6/2019</a:t>
+              <a:t>4/7/2019</a:t>
             </a:fld>
             <a:endParaRPr lang="en-US"/>
           </a:p>
@@ -3248,7 +4947,7 @@
           <a:p>
             <a:fld id="{439CE6F7-9533-4255-A38D-1E6294581F5A}" type="datetimeFigureOut">
               <a:rPr lang="en-US" smtClean="0"/>
-              <a:t>4/6/2019</a:t>
+              <a:t>4/7/2019</a:t>
             </a:fld>
             <a:endParaRPr lang="en-US"/>
           </a:p>
@@ -3489,7 +5188,7 @@
           <a:p>
             <a:fld id="{439CE6F7-9533-4255-A38D-1E6294581F5A}" type="datetimeFigureOut">
               <a:rPr lang="en-US" smtClean="0"/>
-              <a:t>4/6/2019</a:t>
+              <a:t>4/7/2019</a:t>
             </a:fld>
             <a:endParaRPr lang="en-US"/>
           </a:p>
@@ -5825,6 +7524,73 @@
           <a:chExt cx="0" cy="0"/>
         </a:xfrm>
       </p:grpSpPr>
+      <p:graphicFrame>
+        <p:nvGraphicFramePr>
+          <p:cNvPr id="6" name="Content Placeholder 6">
+            <a:extLst>
+              <a:ext uri="{FF2B5EF4-FFF2-40B4-BE49-F238E27FC236}">
+                <a16:creationId xmlns:a16="http://schemas.microsoft.com/office/drawing/2014/main" id="{6353D3CF-A5C6-4AA7-8248-301141A11E42}"/>
+              </a:ext>
+            </a:extLst>
+          </p:cNvPr>
+          <p:cNvGraphicFramePr>
+            <a:graphicFrameLocks noGrp="1"/>
+          </p:cNvGraphicFramePr>
+          <p:nvPr>
+            <p:ph sz="half" idx="1"/>
+            <p:extLst>
+              <p:ext uri="{D42A27DB-BD31-4B8C-83A1-F6EECF244321}">
+                <p14:modId xmlns:p14="http://schemas.microsoft.com/office/powerpoint/2010/main" val="944500000"/>
+              </p:ext>
+            </p:extLst>
+          </p:nvPr>
+        </p:nvGraphicFramePr>
+        <p:xfrm>
+          <a:off x="5518063" y="2447992"/>
+          <a:ext cx="6836287" cy="4915719"/>
+        </p:xfrm>
+        <a:graphic>
+          <a:graphicData uri="http://schemas.openxmlformats.org/drawingml/2006/chart">
+            <c:chart xmlns:c="http://schemas.openxmlformats.org/drawingml/2006/chart" xmlns:r="http://schemas.openxmlformats.org/officeDocument/2006/relationships" r:id="rId2"/>
+          </a:graphicData>
+        </a:graphic>
+      </p:graphicFrame>
+      <p:pic>
+        <p:nvPicPr>
+          <p:cNvPr id="7" name="Picture 6">
+            <a:extLst>
+              <a:ext uri="{FF2B5EF4-FFF2-40B4-BE49-F238E27FC236}">
+                <a16:creationId xmlns:a16="http://schemas.microsoft.com/office/drawing/2014/main" id="{A404F2EE-DE71-4006-844E-71408E1B4BA3}"/>
+              </a:ext>
+            </a:extLst>
+          </p:cNvPr>
+          <p:cNvPicPr>
+            <a:picLocks noChangeAspect="1"/>
+          </p:cNvPicPr>
+          <p:nvPr/>
+        </p:nvPicPr>
+        <p:blipFill>
+          <a:blip r:embed="rId3">
+            <a:extLst>
+              <a:ext uri="{28A0092B-C50C-407E-A947-70E740481C1C}">
+                <a14:useLocalDpi xmlns:a14="http://schemas.microsoft.com/office/drawing/2010/main" val="0"/>
+              </a:ext>
+            </a:extLst>
+          </a:blip>
+          <a:stretch>
+            <a:fillRect/>
+          </a:stretch>
+        </p:blipFill>
+        <p:spPr>
+          <a:xfrm>
+            <a:off x="9552921" y="2447992"/>
+            <a:ext cx="2498711" cy="2707577"/>
+          </a:xfrm>
+          <a:prstGeom prst="rect">
+            <a:avLst/>
+          </a:prstGeom>
+        </p:spPr>
+      </p:pic>
       <p:sp>
         <p:nvSpPr>
           <p:cNvPr id="2" name="Title 1">
@@ -5848,7 +7614,10 @@
           </a:bodyPr>
           <a:lstStyle/>
           <a:p>
-            <a:endParaRPr lang="en-US"/>
+            <a:r>
+              <a:rPr lang="en-US" dirty="0"/>
+              <a:t>Resources</a:t>
+            </a:r>
           </a:p>
         </p:txBody>
       </p:sp>
@@ -5866,8 +7635,8 @@
         </p:nvSpPr>
         <p:spPr>
           <a:xfrm>
-            <a:off x="667768" y="1160580"/>
-            <a:ext cx="6096000" cy="1200329"/>
+            <a:off x="140368" y="4963155"/>
+            <a:ext cx="6096000" cy="646331"/>
           </a:xfrm>
           <a:prstGeom prst="rect">
             <a:avLst/>
@@ -5880,7 +7649,7 @@
           <a:lstStyle/>
           <a:p>
             <a:r>
-              <a:rPr lang="en-US" dirty="0" err="1">
+              <a:rPr lang="en-US" sz="1200" dirty="0" err="1">
                 <a:solidFill>
                   <a:srgbClr val="303030"/>
                 </a:solidFill>
@@ -5889,7 +7658,7 @@
               <a:t>Juliano</a:t>
             </a:r>
             <a:r>
-              <a:rPr lang="en-US" dirty="0">
+              <a:rPr lang="en-US" sz="1200" dirty="0">
                 <a:solidFill>
                   <a:srgbClr val="303030"/>
                 </a:solidFill>
@@ -5898,7 +7667,7 @@
               <a:t>, Steven A et al. “Desiccation and thermal tolerance of eggs and the coexistence of competing mosquitoes.” </a:t>
             </a:r>
             <a:r>
-              <a:rPr lang="en-US" i="1" dirty="0" err="1">
+              <a:rPr lang="en-US" sz="1200" i="1" dirty="0" err="1">
                 <a:solidFill>
                   <a:srgbClr val="303030"/>
                 </a:solidFill>
@@ -5907,7 +7676,7 @@
               <a:t>Oecologia</a:t>
             </a:r>
             <a:r>
-              <a:rPr lang="en-US" dirty="0">
+              <a:rPr lang="en-US" sz="1200" dirty="0">
                 <a:solidFill>
                   <a:srgbClr val="303030"/>
                 </a:solidFill>
@@ -5915,7 +7684,7 @@
               </a:rPr>
               <a:t> vol. 130,3 (2002): 458-469. doi:10.1007/s004420100811</a:t>
             </a:r>
-            <a:endParaRPr lang="en-US" dirty="0"/>
+            <a:endParaRPr lang="en-US" sz="1200" dirty="0"/>
           </a:p>
         </p:txBody>
       </p:sp>
@@ -5933,8 +7702,8 @@
         </p:nvSpPr>
         <p:spPr>
           <a:xfrm>
-            <a:off x="667768" y="2654332"/>
-            <a:ext cx="6096000" cy="1200329"/>
+            <a:off x="140368" y="5667868"/>
+            <a:ext cx="6096000" cy="646331"/>
           </a:xfrm>
           <a:prstGeom prst="rect">
             <a:avLst/>
@@ -5947,7 +7716,7 @@
           <a:lstStyle/>
           <a:p>
             <a:r>
-              <a:rPr lang="en-US" dirty="0">
+              <a:rPr lang="en-US" sz="1200" dirty="0">
                 <a:solidFill>
                   <a:srgbClr val="333333"/>
                 </a:solidFill>
@@ -5956,7 +7725,7 @@
               <a:t>Yukiko </a:t>
             </a:r>
             <a:r>
-              <a:rPr lang="en-US" dirty="0" err="1">
+              <a:rPr lang="en-US" sz="1200" dirty="0" err="1">
                 <a:solidFill>
                   <a:srgbClr val="333333"/>
                 </a:solidFill>
@@ -5965,7 +7734,7 @@
               <a:t>Higa</a:t>
             </a:r>
             <a:r>
-              <a:rPr lang="en-US" dirty="0">
+              <a:rPr lang="en-US" sz="1200" dirty="0">
                 <a:solidFill>
                   <a:srgbClr val="333333"/>
                 </a:solidFill>
@@ -5974,7 +7743,7 @@
               <a:t>, Nguyen </a:t>
             </a:r>
             <a:r>
-              <a:rPr lang="en-US" dirty="0" err="1">
+              <a:rPr lang="en-US" sz="1200" dirty="0" err="1">
                 <a:solidFill>
                   <a:srgbClr val="333333"/>
                 </a:solidFill>
@@ -5983,7 +7752,7 @@
               <a:t>Thi</a:t>
             </a:r>
             <a:r>
-              <a:rPr lang="en-US" dirty="0">
+              <a:rPr lang="en-US" sz="1200" dirty="0">
                 <a:solidFill>
                   <a:srgbClr val="333333"/>
                 </a:solidFill>
@@ -5992,7 +7761,7 @@
               <a:t> Yen, Hitoshi Kawada, Tran Hai Son, Nguyen Thuy </a:t>
             </a:r>
             <a:r>
-              <a:rPr lang="en-US" dirty="0" err="1">
+              <a:rPr lang="en-US" sz="1200" dirty="0" err="1">
                 <a:solidFill>
                   <a:srgbClr val="333333"/>
                 </a:solidFill>
@@ -6001,7 +7770,7 @@
               <a:t>Hoa</a:t>
             </a:r>
             <a:r>
-              <a:rPr lang="en-US" dirty="0">
+              <a:rPr lang="en-US" sz="1200" dirty="0">
                 <a:solidFill>
                   <a:srgbClr val="333333"/>
                 </a:solidFill>
@@ -6010,10 +7779,10 @@
               <a:t>, Masahiro Takagi</a:t>
             </a:r>
             <a:br>
-              <a:rPr lang="en-US" dirty="0"/>
+              <a:rPr lang="en-US" sz="1200" dirty="0"/>
             </a:br>
             <a:r>
-              <a:rPr lang="en-US" dirty="0">
+              <a:rPr lang="en-US" sz="1200" dirty="0">
                 <a:solidFill>
                   <a:srgbClr val="333333"/>
                 </a:solidFill>
@@ -6021,7 +7790,7 @@
               </a:rPr>
               <a:t>Journal of the American Mosquito Control Association (1 March 2010)</a:t>
             </a:r>
-            <a:endParaRPr lang="en-US" dirty="0"/>
+            <a:endParaRPr lang="en-US" sz="1200" dirty="0"/>
           </a:p>
         </p:txBody>
       </p:sp>
@@ -6029,6 +7798,270 @@
     <p:extLst>
       <p:ext uri="{BB962C8B-B14F-4D97-AF65-F5344CB8AC3E}">
         <p14:creationId xmlns:p14="http://schemas.microsoft.com/office/powerpoint/2010/main" val="3713588847"/>
+      </p:ext>
+    </p:extLst>
+  </p:cSld>
+  <p:clrMapOvr>
+    <a:masterClrMapping/>
+  </p:clrMapOvr>
+</p:sld>
+</file>
+
+<file path=ppt/slides/slide15.xml><?xml version="1.0" encoding="utf-8"?>
+<p:sld xmlns:a="http://schemas.openxmlformats.org/drawingml/2006/main" xmlns:r="http://schemas.openxmlformats.org/officeDocument/2006/relationships" xmlns:p="http://schemas.openxmlformats.org/presentationml/2006/main">
+  <p:cSld>
+    <p:spTree>
+      <p:nvGrpSpPr>
+        <p:cNvPr id="1" name=""/>
+        <p:cNvGrpSpPr/>
+        <p:nvPr/>
+      </p:nvGrpSpPr>
+      <p:grpSpPr>
+        <a:xfrm>
+          <a:off x="0" y="0"/>
+          <a:ext cx="0" cy="0"/>
+          <a:chOff x="0" y="0"/>
+          <a:chExt cx="0" cy="0"/>
+        </a:xfrm>
+      </p:grpSpPr>
+      <p:sp>
+        <p:nvSpPr>
+          <p:cNvPr id="8" name="Content Placeholder 7">
+            <a:extLst>
+              <a:ext uri="{FF2B5EF4-FFF2-40B4-BE49-F238E27FC236}">
+                <a16:creationId xmlns:a16="http://schemas.microsoft.com/office/drawing/2014/main" id="{D7D17365-78F5-46C3-B7C2-B0312B5643A7}"/>
+              </a:ext>
+            </a:extLst>
+          </p:cNvPr>
+          <p:cNvSpPr>
+            <a:spLocks noGrp="1"/>
+          </p:cNvSpPr>
+          <p:nvPr>
+            <p:ph sz="half" idx="1"/>
+          </p:nvPr>
+        </p:nvSpPr>
+        <p:spPr/>
+        <p:txBody>
+          <a:bodyPr/>
+          <a:lstStyle/>
+          <a:p>
+            <a:endParaRPr lang="en-US"/>
+          </a:p>
+        </p:txBody>
+      </p:sp>
+    </p:spTree>
+    <p:extLst>
+      <p:ext uri="{BB962C8B-B14F-4D97-AF65-F5344CB8AC3E}">
+        <p14:creationId xmlns:p14="http://schemas.microsoft.com/office/powerpoint/2010/main" val="3496952230"/>
+      </p:ext>
+    </p:extLst>
+  </p:cSld>
+  <p:clrMapOvr>
+    <a:masterClrMapping/>
+  </p:clrMapOvr>
+</p:sld>
+</file>
+
+<file path=ppt/slides/slide16.xml><?xml version="1.0" encoding="utf-8"?>
+<p:sld xmlns:a="http://schemas.openxmlformats.org/drawingml/2006/main" xmlns:r="http://schemas.openxmlformats.org/officeDocument/2006/relationships" xmlns:p="http://schemas.openxmlformats.org/presentationml/2006/main">
+  <p:cSld>
+    <p:spTree>
+      <p:nvGrpSpPr>
+        <p:cNvPr id="1" name=""/>
+        <p:cNvGrpSpPr/>
+        <p:nvPr/>
+      </p:nvGrpSpPr>
+      <p:grpSpPr>
+        <a:xfrm>
+          <a:off x="0" y="0"/>
+          <a:ext cx="0" cy="0"/>
+          <a:chOff x="0" y="0"/>
+          <a:chExt cx="0" cy="0"/>
+        </a:xfrm>
+      </p:grpSpPr>
+      <p:pic>
+        <p:nvPicPr>
+          <p:cNvPr id="4" name="Picture 3">
+            <a:extLst>
+              <a:ext uri="{FF2B5EF4-FFF2-40B4-BE49-F238E27FC236}">
+                <a16:creationId xmlns:a16="http://schemas.microsoft.com/office/drawing/2014/main" id="{1FC6DD6F-F704-4ABE-848D-41942A06837B}"/>
+              </a:ext>
+            </a:extLst>
+          </p:cNvPr>
+          <p:cNvPicPr>
+            <a:picLocks noChangeAspect="1"/>
+          </p:cNvPicPr>
+          <p:nvPr/>
+        </p:nvPicPr>
+        <p:blipFill>
+          <a:blip r:embed="rId3"/>
+          <a:stretch>
+            <a:fillRect/>
+          </a:stretch>
+        </p:blipFill>
+        <p:spPr>
+          <a:xfrm>
+            <a:off x="245241" y="796414"/>
+            <a:ext cx="11716825" cy="5644978"/>
+          </a:xfrm>
+          <a:prstGeom prst="rect">
+            <a:avLst/>
+          </a:prstGeom>
+        </p:spPr>
+      </p:pic>
+    </p:spTree>
+    <p:extLst>
+      <p:ext uri="{BB962C8B-B14F-4D97-AF65-F5344CB8AC3E}">
+        <p14:creationId xmlns:p14="http://schemas.microsoft.com/office/powerpoint/2010/main" val="2299871122"/>
+      </p:ext>
+    </p:extLst>
+  </p:cSld>
+  <p:clrMapOvr>
+    <a:masterClrMapping/>
+  </p:clrMapOvr>
+</p:sld>
+</file>
+
+<file path=ppt/slides/slide17.xml><?xml version="1.0" encoding="utf-8"?>
+<p:sld xmlns:a="http://schemas.openxmlformats.org/drawingml/2006/main" xmlns:r="http://schemas.openxmlformats.org/officeDocument/2006/relationships" xmlns:p="http://schemas.openxmlformats.org/presentationml/2006/main">
+  <p:cSld>
+    <p:spTree>
+      <p:nvGrpSpPr>
+        <p:cNvPr id="1" name=""/>
+        <p:cNvGrpSpPr/>
+        <p:nvPr/>
+      </p:nvGrpSpPr>
+      <p:grpSpPr>
+        <a:xfrm>
+          <a:off x="0" y="0"/>
+          <a:ext cx="0" cy="0"/>
+          <a:chOff x="0" y="0"/>
+          <a:chExt cx="0" cy="0"/>
+        </a:xfrm>
+      </p:grpSpPr>
+      <p:sp>
+        <p:nvSpPr>
+          <p:cNvPr id="7" name="Rectangle 6">
+            <a:extLst>
+              <a:ext uri="{FF2B5EF4-FFF2-40B4-BE49-F238E27FC236}">
+                <a16:creationId xmlns:a16="http://schemas.microsoft.com/office/drawing/2014/main" id="{9538B669-3561-44C7-B6AE-424CC1BB2120}"/>
+              </a:ext>
+            </a:extLst>
+          </p:cNvPr>
+          <p:cNvSpPr/>
+          <p:nvPr/>
+        </p:nvSpPr>
+        <p:spPr>
+          <a:xfrm>
+            <a:off x="2017486" y="136526"/>
+            <a:ext cx="8418285" cy="6721474"/>
+          </a:xfrm>
+          <a:prstGeom prst="rect">
+            <a:avLst/>
+          </a:prstGeom>
+        </p:spPr>
+        <p:style>
+          <a:lnRef idx="2">
+            <a:schemeClr val="dk1">
+              <a:shade val="50000"/>
+            </a:schemeClr>
+          </a:lnRef>
+          <a:fillRef idx="1">
+            <a:schemeClr val="dk1"/>
+          </a:fillRef>
+          <a:effectRef idx="0">
+            <a:schemeClr val="dk1"/>
+          </a:effectRef>
+          <a:fontRef idx="minor">
+            <a:schemeClr val="lt1"/>
+          </a:fontRef>
+        </p:style>
+        <p:txBody>
+          <a:bodyPr rtlCol="0" anchor="ctr"/>
+          <a:lstStyle/>
+          <a:p>
+            <a:pPr algn="ctr"/>
+            <a:endParaRPr lang="en-US"/>
+          </a:p>
+        </p:txBody>
+      </p:sp>
+      <p:graphicFrame>
+        <p:nvGraphicFramePr>
+          <p:cNvPr id="4" name="Content Placeholder 6">
+            <a:extLst>
+              <a:ext uri="{FF2B5EF4-FFF2-40B4-BE49-F238E27FC236}">
+                <a16:creationId xmlns:a16="http://schemas.microsoft.com/office/drawing/2014/main" id="{FC83B504-A361-4784-AC6E-4DFE38BD3AB5}"/>
+              </a:ext>
+            </a:extLst>
+          </p:cNvPr>
+          <p:cNvGraphicFramePr>
+            <a:graphicFrameLocks/>
+          </p:cNvGraphicFramePr>
+          <p:nvPr>
+            <p:extLst>
+              <p:ext uri="{D42A27DB-BD31-4B8C-83A1-F6EECF244321}">
+                <p14:modId xmlns:p14="http://schemas.microsoft.com/office/powerpoint/2010/main" val="4234252774"/>
+              </p:ext>
+            </p:extLst>
+          </p:nvPr>
+        </p:nvGraphicFramePr>
+        <p:xfrm>
+          <a:off x="2571663" y="1344907"/>
+          <a:ext cx="6836287" cy="4915719"/>
+        </p:xfrm>
+        <a:graphic>
+          <a:graphicData uri="http://schemas.openxmlformats.org/drawingml/2006/chart">
+            <c:chart xmlns:c="http://schemas.openxmlformats.org/drawingml/2006/chart" xmlns:r="http://schemas.openxmlformats.org/officeDocument/2006/relationships" r:id="rId2"/>
+          </a:graphicData>
+        </a:graphic>
+      </p:graphicFrame>
+      <p:pic>
+        <p:nvPicPr>
+          <p:cNvPr id="9" name="Picture 8">
+            <a:extLst>
+              <a:ext uri="{FF2B5EF4-FFF2-40B4-BE49-F238E27FC236}">
+                <a16:creationId xmlns:a16="http://schemas.microsoft.com/office/drawing/2014/main" id="{8CBDE867-C144-458B-B10B-15DA66F30BCB}"/>
+              </a:ext>
+            </a:extLst>
+          </p:cNvPr>
+          <p:cNvPicPr>
+            <a:picLocks noChangeAspect="1"/>
+          </p:cNvPicPr>
+          <p:nvPr/>
+        </p:nvPicPr>
+        <p:blipFill>
+          <a:blip r:embed="rId3">
+            <a:duotone>
+              <a:prstClr val="black"/>
+              <a:schemeClr val="accent2">
+                <a:tint val="45000"/>
+                <a:satMod val="400000"/>
+              </a:schemeClr>
+            </a:duotone>
+            <a:extLst>
+              <a:ext uri="{28A0092B-C50C-407E-A947-70E740481C1C}">
+                <a14:useLocalDpi xmlns:a14="http://schemas.microsoft.com/office/drawing/2010/main" val="0"/>
+              </a:ext>
+            </a:extLst>
+          </a:blip>
+          <a:stretch>
+            <a:fillRect/>
+          </a:stretch>
+        </p:blipFill>
+        <p:spPr>
+          <a:xfrm>
+            <a:off x="5582178" y="423203"/>
+            <a:ext cx="3825772" cy="3825772"/>
+          </a:xfrm>
+          <a:prstGeom prst="rect">
+            <a:avLst/>
+          </a:prstGeom>
+        </p:spPr>
+      </p:pic>
+    </p:spTree>
+    <p:extLst>
+      <p:ext uri="{BB962C8B-B14F-4D97-AF65-F5344CB8AC3E}">
+        <p14:creationId xmlns:p14="http://schemas.microsoft.com/office/powerpoint/2010/main" val="3946235736"/>
       </p:ext>
     </p:extLst>
   </p:cSld>
@@ -6119,7 +8152,7 @@
           <a:p>
             <a:r>
               <a:rPr lang="en-US" dirty="0"/>
-              <a:t>It is not contagious; Dengue Fever can only be spread by mosquitos</a:t>
+              <a:t>It is not contagious; Dengue Fever can only be spread by mosquitoes</a:t>
             </a:r>
           </a:p>
           <a:p>
@@ -8954,8 +10987,8 @@
           </a:fontRef>
         </p:style>
       </p:cxnSp>
-      <mc:AlternateContent xmlns:mc="http://schemas.openxmlformats.org/markup-compatibility/2006">
-        <mc:Choice xmlns:a14="http://schemas.microsoft.com/office/drawing/2010/main" Requires="a14">
+      <mc:AlternateContent xmlns:mc="http://schemas.openxmlformats.org/markup-compatibility/2006" xmlns:a14="http://schemas.microsoft.com/office/drawing/2010/main">
+        <mc:Choice Requires="a14">
           <p:sp>
             <p:nvSpPr>
               <p:cNvPr id="22" name="TextBox 21">
@@ -9125,7 +11158,7 @@
             </p:txBody>
           </p:sp>
         </mc:Choice>
-        <mc:Fallback>
+        <mc:Fallback xmlns="">
           <p:sp>
             <p:nvSpPr>
               <p:cNvPr id="22" name="TextBox 21">
@@ -9176,8 +11209,8 @@
           </p:sp>
         </mc:Fallback>
       </mc:AlternateContent>
-      <mc:AlternateContent xmlns:mc="http://schemas.openxmlformats.org/markup-compatibility/2006">
-        <mc:Choice xmlns:a14="http://schemas.microsoft.com/office/drawing/2010/main" Requires="a14">
+      <mc:AlternateContent xmlns:mc="http://schemas.openxmlformats.org/markup-compatibility/2006" xmlns:a14="http://schemas.microsoft.com/office/drawing/2010/main">
+        <mc:Choice Requires="a14">
           <p:sp>
             <p:nvSpPr>
               <p:cNvPr id="23" name="TextBox 22">
@@ -9347,7 +11380,7 @@
             </p:txBody>
           </p:sp>
         </mc:Choice>
-        <mc:Fallback>
+        <mc:Fallback xmlns="">
           <p:sp>
             <p:nvSpPr>
               <p:cNvPr id="23" name="TextBox 22">
@@ -9398,8 +11431,8 @@
           </p:sp>
         </mc:Fallback>
       </mc:AlternateContent>
-      <mc:AlternateContent xmlns:mc="http://schemas.openxmlformats.org/markup-compatibility/2006">
-        <mc:Choice xmlns:a14="http://schemas.microsoft.com/office/drawing/2010/main" Requires="a14">
+      <mc:AlternateContent xmlns:mc="http://schemas.openxmlformats.org/markup-compatibility/2006" xmlns:a14="http://schemas.microsoft.com/office/drawing/2010/main">
+        <mc:Choice Requires="a14">
           <p:sp>
             <p:nvSpPr>
               <p:cNvPr id="24" name="TextBox 23">
@@ -9569,7 +11602,7 @@
             </p:txBody>
           </p:sp>
         </mc:Choice>
-        <mc:Fallback>
+        <mc:Fallback xmlns="">
           <p:sp>
             <p:nvSpPr>
               <p:cNvPr id="24" name="TextBox 23">
@@ -9620,8 +11653,8 @@
           </p:sp>
         </mc:Fallback>
       </mc:AlternateContent>
-      <mc:AlternateContent xmlns:mc="http://schemas.openxmlformats.org/markup-compatibility/2006">
-        <mc:Choice xmlns:a14="http://schemas.microsoft.com/office/drawing/2010/main" Requires="a14">
+      <mc:AlternateContent xmlns:mc="http://schemas.openxmlformats.org/markup-compatibility/2006" xmlns:a14="http://schemas.microsoft.com/office/drawing/2010/main">
+        <mc:Choice Requires="a14">
           <p:sp>
             <p:nvSpPr>
               <p:cNvPr id="25" name="TextBox 24">
@@ -9791,7 +11824,7 @@
             </p:txBody>
           </p:sp>
         </mc:Choice>
-        <mc:Fallback>
+        <mc:Fallback xmlns="">
           <p:sp>
             <p:nvSpPr>
               <p:cNvPr id="25" name="TextBox 24">
@@ -10418,8 +12451,8 @@
           </a:fontRef>
         </p:style>
       </p:cxnSp>
-      <mc:AlternateContent xmlns:mc="http://schemas.openxmlformats.org/markup-compatibility/2006">
-        <mc:Choice xmlns:a14="http://schemas.microsoft.com/office/drawing/2010/main" Requires="a14">
+      <mc:AlternateContent xmlns:mc="http://schemas.openxmlformats.org/markup-compatibility/2006" xmlns:a14="http://schemas.microsoft.com/office/drawing/2010/main">
+        <mc:Choice Requires="a14">
           <p:sp>
             <p:nvSpPr>
               <p:cNvPr id="40" name="Rectangle 39">
@@ -10506,7 +12539,7 @@
             </p:txBody>
           </p:sp>
         </mc:Choice>
-        <mc:Fallback>
+        <mc:Fallback xmlns="">
           <p:sp>
             <p:nvSpPr>
               <p:cNvPr id="40" name="Rectangle 39">
@@ -11410,8 +13443,8 @@
           </a:fontRef>
         </p:style>
       </p:cxnSp>
-      <mc:AlternateContent xmlns:mc="http://schemas.openxmlformats.org/markup-compatibility/2006">
-        <mc:Choice xmlns:a14="http://schemas.microsoft.com/office/drawing/2010/main" Requires="a14">
+      <mc:AlternateContent xmlns:mc="http://schemas.openxmlformats.org/markup-compatibility/2006" xmlns:a14="http://schemas.microsoft.com/office/drawing/2010/main">
+        <mc:Choice Requires="a14">
           <p:sp>
             <p:nvSpPr>
               <p:cNvPr id="52" name="Rectangle 51">
@@ -11497,7 +13530,7 @@
             </p:txBody>
           </p:sp>
         </mc:Choice>
-        <mc:Fallback>
+        <mc:Fallback xmlns="">
           <p:sp>
             <p:nvSpPr>
               <p:cNvPr id="52" name="Rectangle 51">
@@ -15219,8 +17252,8 @@
           </p:sp>
         </mc:Fallback>
       </mc:AlternateContent>
-      <mc:AlternateContent xmlns:mc="http://schemas.openxmlformats.org/markup-compatibility/2006">
-        <mc:Choice xmlns:a14="http://schemas.microsoft.com/office/drawing/2010/main" Requires="a14">
+      <mc:AlternateContent xmlns:mc="http://schemas.openxmlformats.org/markup-compatibility/2006" xmlns:a14="http://schemas.microsoft.com/office/drawing/2010/main">
+        <mc:Choice Requires="a14">
           <p:sp>
             <p:nvSpPr>
               <p:cNvPr id="112" name="Rectangle 111">
@@ -15306,7 +17339,7 @@
             </p:txBody>
           </p:sp>
         </mc:Choice>
-        <mc:Fallback>
+        <mc:Fallback xmlns="">
           <p:sp>
             <p:nvSpPr>
               <p:cNvPr id="112" name="Rectangle 111">
@@ -15356,8 +17389,8 @@
           </p:sp>
         </mc:Fallback>
       </mc:AlternateContent>
-      <mc:AlternateContent xmlns:mc="http://schemas.openxmlformats.org/markup-compatibility/2006">
-        <mc:Choice xmlns:a14="http://schemas.microsoft.com/office/drawing/2010/main" Requires="a14">
+      <mc:AlternateContent xmlns:mc="http://schemas.openxmlformats.org/markup-compatibility/2006" xmlns:a14="http://schemas.microsoft.com/office/drawing/2010/main">
+        <mc:Choice Requires="a14">
           <p:sp>
             <p:nvSpPr>
               <p:cNvPr id="120" name="Rectangle 119">
@@ -15443,7 +17476,7 @@
             </p:txBody>
           </p:sp>
         </mc:Choice>
-        <mc:Fallback>
+        <mc:Fallback xmlns="">
           <p:sp>
             <p:nvSpPr>
               <p:cNvPr id="120" name="Rectangle 119">

--- a/DengAI.pptx
+++ b/DengAI.pptx
@@ -5,10 +5,10 @@
     <p:sldMasterId id="2147483648" r:id="rId1"/>
   </p:sldMasterIdLst>
   <p:notesMasterIdLst>
-    <p:notesMasterId r:id="rId19"/>
+    <p:notesMasterId r:id="rId21"/>
   </p:notesMasterIdLst>
   <p:handoutMasterIdLst>
-    <p:handoutMasterId r:id="rId20"/>
+    <p:handoutMasterId r:id="rId22"/>
   </p:handoutMasterIdLst>
   <p:sldIdLst>
     <p:sldId id="257" r:id="rId2"/>
@@ -17,17 +17,19 @@
     <p:sldId id="260" r:id="rId5"/>
     <p:sldId id="261" r:id="rId6"/>
     <p:sldId id="262" r:id="rId7"/>
-    <p:sldId id="264" r:id="rId8"/>
-    <p:sldId id="265" r:id="rId9"/>
-    <p:sldId id="266" r:id="rId10"/>
-    <p:sldId id="267" r:id="rId11"/>
-    <p:sldId id="268" r:id="rId12"/>
-    <p:sldId id="269" r:id="rId13"/>
-    <p:sldId id="270" r:id="rId14"/>
-    <p:sldId id="263" r:id="rId15"/>
-    <p:sldId id="271" r:id="rId16"/>
-    <p:sldId id="272" r:id="rId17"/>
-    <p:sldId id="273" r:id="rId18"/>
+    <p:sldId id="274" r:id="rId8"/>
+    <p:sldId id="275" r:id="rId9"/>
+    <p:sldId id="264" r:id="rId10"/>
+    <p:sldId id="265" r:id="rId11"/>
+    <p:sldId id="266" r:id="rId12"/>
+    <p:sldId id="267" r:id="rId13"/>
+    <p:sldId id="268" r:id="rId14"/>
+    <p:sldId id="269" r:id="rId15"/>
+    <p:sldId id="270" r:id="rId16"/>
+    <p:sldId id="263" r:id="rId17"/>
+    <p:sldId id="271" r:id="rId18"/>
+    <p:sldId id="272" r:id="rId19"/>
+    <p:sldId id="273" r:id="rId20"/>
   </p:sldIdLst>
   <p:sldSz cx="12192000" cy="6858000"/>
   <p:notesSz cx="6858000" cy="9144000"/>
@@ -138,6 +140,1120 @@
 </file>
 
 <file path=ppt/charts/chart1.xml><?xml version="1.0" encoding="utf-8"?>
+<c:chartSpace xmlns:c="http://schemas.openxmlformats.org/drawingml/2006/chart" xmlns:a="http://schemas.openxmlformats.org/drawingml/2006/main" xmlns:r="http://schemas.openxmlformats.org/officeDocument/2006/relationships" xmlns:c16r2="http://schemas.microsoft.com/office/drawing/2015/06/chart">
+  <c:date1904 val="0"/>
+  <c:lang val="en-US"/>
+  <c:roundedCorners val="0"/>
+  <mc:AlternateContent xmlns:mc="http://schemas.openxmlformats.org/markup-compatibility/2006">
+    <mc:Choice xmlns:c14="http://schemas.microsoft.com/office/drawing/2007/8/2/chart" Requires="c14">
+      <c14:style val="102"/>
+    </mc:Choice>
+    <mc:Fallback>
+      <c:style val="2"/>
+    </mc:Fallback>
+  </mc:AlternateContent>
+  <c:chart>
+    <c:title>
+      <c:tx>
+        <c:rich>
+          <a:bodyPr rot="0" spcFirstLastPara="1" vertOverflow="ellipsis" vert="horz" wrap="square" anchor="ctr" anchorCtr="1"/>
+          <a:lstStyle/>
+          <a:p>
+            <a:pPr>
+              <a:defRPr sz="2000" b="0" i="0" u="none" strike="noStrike" kern="1200" spc="0" baseline="0">
+                <a:solidFill>
+                  <a:schemeClr val="tx1"/>
+                </a:solidFill>
+                <a:latin typeface="Lato" panose="020F0502020204030203" pitchFamily="34" charset="0"/>
+                <a:ea typeface="Lato" panose="020F0502020204030203" pitchFamily="34" charset="0"/>
+                <a:cs typeface="Lato" panose="020F0502020204030203" pitchFamily="34" charset="0"/>
+              </a:defRPr>
+            </a:pPr>
+            <a:r>
+              <a:rPr lang="en-US" sz="2000"/>
+              <a:t>Dengue Outbreak Approximate Timeline</a:t>
+            </a:r>
+          </a:p>
+        </c:rich>
+      </c:tx>
+      <c:overlay val="0"/>
+      <c:spPr>
+        <a:noFill/>
+        <a:ln>
+          <a:noFill/>
+        </a:ln>
+        <a:effectLst/>
+      </c:spPr>
+      <c:txPr>
+        <a:bodyPr rot="0" spcFirstLastPara="1" vertOverflow="ellipsis" vert="horz" wrap="square" anchor="ctr" anchorCtr="1"/>
+        <a:lstStyle/>
+        <a:p>
+          <a:pPr>
+            <a:defRPr sz="2000" b="0" i="0" u="none" strike="noStrike" kern="1200" spc="0" baseline="0">
+              <a:solidFill>
+                <a:schemeClr val="tx1"/>
+              </a:solidFill>
+              <a:latin typeface="Lato" panose="020F0502020204030203" pitchFamily="34" charset="0"/>
+              <a:ea typeface="Lato" panose="020F0502020204030203" pitchFamily="34" charset="0"/>
+              <a:cs typeface="Lato" panose="020F0502020204030203" pitchFamily="34" charset="0"/>
+            </a:defRPr>
+          </a:pPr>
+          <a:endParaRPr lang="en-US"/>
+        </a:p>
+      </c:txPr>
+    </c:title>
+    <c:autoTitleDeleted val="0"/>
+    <c:plotArea>
+      <c:layout/>
+      <c:barChart>
+        <c:barDir val="bar"/>
+        <c:grouping val="stacked"/>
+        <c:varyColors val="0"/>
+        <c:ser>
+          <c:idx val="0"/>
+          <c:order val="0"/>
+          <c:tx>
+            <c:strRef>
+              <c:f>Sheet1!$B$1</c:f>
+              <c:strCache>
+                <c:ptCount val="1"/>
+                <c:pt idx="0">
+                  <c:v>Eggs 
+Developing</c:v>
+                </c:pt>
+              </c:strCache>
+            </c:strRef>
+          </c:tx>
+          <c:spPr>
+            <a:solidFill>
+              <a:srgbClr val="74DDE8"/>
+            </a:solidFill>
+            <a:ln>
+              <a:noFill/>
+            </a:ln>
+            <a:effectLst/>
+          </c:spPr>
+          <c:invertIfNegative val="0"/>
+          <c:dLbls>
+            <c:dLbl>
+              <c:idx val="0"/>
+              <c:delete val="1"/>
+              <c:extLst>
+                <c:ext xmlns:c15="http://schemas.microsoft.com/office/drawing/2012/chart" uri="{CE6537A1-D6FC-4f65-9D91-7224C49458BB}"/>
+                <c:ext xmlns:c16="http://schemas.microsoft.com/office/drawing/2014/chart" uri="{C3380CC4-5D6E-409C-BE32-E72D297353CC}">
+                  <c16:uniqueId val="{0000000A-41F2-4A37-AAF6-905E10EFCE4A}"/>
+                </c:ext>
+              </c:extLst>
+            </c:dLbl>
+            <c:spPr>
+              <a:noFill/>
+              <a:ln>
+                <a:noFill/>
+              </a:ln>
+              <a:effectLst>
+                <a:softEdge rad="0"/>
+              </a:effectLst>
+            </c:spPr>
+            <c:txPr>
+              <a:bodyPr rot="0" spcFirstLastPara="1" vertOverflow="ellipsis" vert="horz" wrap="square" anchor="ctr" anchorCtr="1"/>
+              <a:lstStyle/>
+              <a:p>
+                <a:pPr>
+                  <a:defRPr sz="1400" b="0" i="0" u="none" strike="noStrike" kern="1200" baseline="0">
+                    <a:solidFill>
+                      <a:schemeClr val="tx1"/>
+                    </a:solidFill>
+                    <a:latin typeface="Lato" panose="020F0502020204030203" pitchFamily="34" charset="0"/>
+                    <a:ea typeface="Lato" panose="020F0502020204030203" pitchFamily="34" charset="0"/>
+                    <a:cs typeface="Lato" panose="020F0502020204030203" pitchFamily="34" charset="0"/>
+                  </a:defRPr>
+                </a:pPr>
+                <a:endParaRPr lang="en-US"/>
+              </a:p>
+            </c:txPr>
+            <c:showLegendKey val="0"/>
+            <c:showVal val="0"/>
+            <c:showCatName val="0"/>
+            <c:showSerName val="1"/>
+            <c:showPercent val="0"/>
+            <c:showBubbleSize val="0"/>
+            <c:showLeaderLines val="0"/>
+            <c:extLst>
+              <c:ext xmlns:c15="http://schemas.microsoft.com/office/drawing/2012/chart" uri="{CE6537A1-D6FC-4f65-9D91-7224C49458BB}">
+                <c15:showLeaderLines val="1"/>
+                <c15:leaderLines>
+                  <c:spPr>
+                    <a:ln w="9525" cap="flat" cmpd="sng" algn="ctr">
+                      <a:solidFill>
+                        <a:schemeClr val="tx1">
+                          <a:lumMod val="35000"/>
+                          <a:lumOff val="65000"/>
+                        </a:schemeClr>
+                      </a:solidFill>
+                      <a:round/>
+                    </a:ln>
+                    <a:effectLst/>
+                  </c:spPr>
+                </c15:leaderLines>
+              </c:ext>
+            </c:extLst>
+          </c:dLbls>
+          <c:cat>
+            <c:strRef>
+              <c:f>Sheet1!$A$2:$A$3</c:f>
+              <c:strCache>
+                <c:ptCount val="2"/>
+                <c:pt idx="0">
+                  <c:v>Dengue Timeline</c:v>
+                </c:pt>
+                <c:pt idx="1">
+                  <c:v>Aedes Aegypti Life Cycle</c:v>
+                </c:pt>
+              </c:strCache>
+            </c:strRef>
+          </c:cat>
+          <c:val>
+            <c:numRef>
+              <c:f>Sheet1!$B$2:$B$3</c:f>
+              <c:numCache>
+                <c:formatCode>General</c:formatCode>
+                <c:ptCount val="2"/>
+                <c:pt idx="0">
+                  <c:v>0</c:v>
+                </c:pt>
+                <c:pt idx="1">
+                  <c:v>2</c:v>
+                </c:pt>
+              </c:numCache>
+            </c:numRef>
+          </c:val>
+          <c:extLst>
+            <c:ext xmlns:c16="http://schemas.microsoft.com/office/drawing/2014/chart" uri="{C3380CC4-5D6E-409C-BE32-E72D297353CC}">
+              <c16:uniqueId val="{00000000-41F2-4A37-AAF6-905E10EFCE4A}"/>
+            </c:ext>
+          </c:extLst>
+        </c:ser>
+        <c:ser>
+          <c:idx val="1"/>
+          <c:order val="1"/>
+          <c:tx>
+            <c:strRef>
+              <c:f>Sheet1!$C$1</c:f>
+              <c:strCache>
+                <c:ptCount val="1"/>
+                <c:pt idx="0">
+                  <c:v>Larvae Stage</c:v>
+                </c:pt>
+              </c:strCache>
+            </c:strRef>
+          </c:tx>
+          <c:spPr>
+            <a:solidFill>
+              <a:srgbClr val="24C9DA"/>
+            </a:solidFill>
+            <a:ln>
+              <a:noFill/>
+            </a:ln>
+            <a:effectLst/>
+          </c:spPr>
+          <c:invertIfNegative val="0"/>
+          <c:dLbls>
+            <c:dLbl>
+              <c:idx val="0"/>
+              <c:delete val="1"/>
+              <c:extLst>
+                <c:ext xmlns:c15="http://schemas.microsoft.com/office/drawing/2012/chart" uri="{CE6537A1-D6FC-4f65-9D91-7224C49458BB}"/>
+                <c:ext xmlns:c16="http://schemas.microsoft.com/office/drawing/2014/chart" uri="{C3380CC4-5D6E-409C-BE32-E72D297353CC}">
+                  <c16:uniqueId val="{0000000B-41F2-4A37-AAF6-905E10EFCE4A}"/>
+                </c:ext>
+              </c:extLst>
+            </c:dLbl>
+            <c:spPr>
+              <a:noFill/>
+              <a:ln>
+                <a:noFill/>
+              </a:ln>
+              <a:effectLst/>
+            </c:spPr>
+            <c:txPr>
+              <a:bodyPr rot="0" spcFirstLastPara="1" vertOverflow="ellipsis" vert="horz" wrap="square" anchor="ctr" anchorCtr="1"/>
+              <a:lstStyle/>
+              <a:p>
+                <a:pPr>
+                  <a:defRPr sz="1400" b="0" i="0" u="none" strike="noStrike" kern="1200" baseline="0">
+                    <a:solidFill>
+                      <a:schemeClr val="tx1"/>
+                    </a:solidFill>
+                    <a:latin typeface="Lato" panose="020F0502020204030203" pitchFamily="34" charset="0"/>
+                    <a:ea typeface="Lato" panose="020F0502020204030203" pitchFamily="34" charset="0"/>
+                    <a:cs typeface="Lato" panose="020F0502020204030203" pitchFamily="34" charset="0"/>
+                  </a:defRPr>
+                </a:pPr>
+                <a:endParaRPr lang="en-US"/>
+              </a:p>
+            </c:txPr>
+            <c:showLegendKey val="0"/>
+            <c:showVal val="0"/>
+            <c:showCatName val="0"/>
+            <c:showSerName val="1"/>
+            <c:showPercent val="0"/>
+            <c:showBubbleSize val="0"/>
+            <c:showLeaderLines val="0"/>
+            <c:extLst>
+              <c:ext xmlns:c15="http://schemas.microsoft.com/office/drawing/2012/chart" uri="{CE6537A1-D6FC-4f65-9D91-7224C49458BB}">
+                <c15:showLeaderLines val="1"/>
+                <c15:leaderLines>
+                  <c:spPr>
+                    <a:ln w="9525" cap="flat" cmpd="sng" algn="ctr">
+                      <a:solidFill>
+                        <a:schemeClr val="tx1">
+                          <a:lumMod val="35000"/>
+                          <a:lumOff val="65000"/>
+                        </a:schemeClr>
+                      </a:solidFill>
+                      <a:round/>
+                    </a:ln>
+                    <a:effectLst/>
+                  </c:spPr>
+                </c15:leaderLines>
+              </c:ext>
+            </c:extLst>
+          </c:dLbls>
+          <c:cat>
+            <c:strRef>
+              <c:f>Sheet1!$A$2:$A$3</c:f>
+              <c:strCache>
+                <c:ptCount val="2"/>
+                <c:pt idx="0">
+                  <c:v>Dengue Timeline</c:v>
+                </c:pt>
+                <c:pt idx="1">
+                  <c:v>Aedes Aegypti Life Cycle</c:v>
+                </c:pt>
+              </c:strCache>
+            </c:strRef>
+          </c:cat>
+          <c:val>
+            <c:numRef>
+              <c:f>Sheet1!$C$2:$C$3</c:f>
+              <c:numCache>
+                <c:formatCode>General</c:formatCode>
+                <c:ptCount val="2"/>
+                <c:pt idx="0">
+                  <c:v>0</c:v>
+                </c:pt>
+                <c:pt idx="1">
+                  <c:v>7</c:v>
+                </c:pt>
+              </c:numCache>
+            </c:numRef>
+          </c:val>
+          <c:extLst>
+            <c:ext xmlns:c16="http://schemas.microsoft.com/office/drawing/2014/chart" uri="{C3380CC4-5D6E-409C-BE32-E72D297353CC}">
+              <c16:uniqueId val="{00000001-41F2-4A37-AAF6-905E10EFCE4A}"/>
+            </c:ext>
+          </c:extLst>
+        </c:ser>
+        <c:ser>
+          <c:idx val="2"/>
+          <c:order val="2"/>
+          <c:tx>
+            <c:strRef>
+              <c:f>Sheet1!$D$1</c:f>
+              <c:strCache>
+                <c:ptCount val="1"/>
+                <c:pt idx="0">
+                  <c:v>Pupae 
+Stage</c:v>
+                </c:pt>
+              </c:strCache>
+            </c:strRef>
+          </c:tx>
+          <c:spPr>
+            <a:solidFill>
+              <a:srgbClr val="21B9C9"/>
+            </a:solidFill>
+            <a:ln>
+              <a:noFill/>
+            </a:ln>
+            <a:effectLst/>
+          </c:spPr>
+          <c:invertIfNegative val="0"/>
+          <c:dLbls>
+            <c:dLbl>
+              <c:idx val="0"/>
+              <c:delete val="1"/>
+              <c:extLst>
+                <c:ext xmlns:c15="http://schemas.microsoft.com/office/drawing/2012/chart" uri="{CE6537A1-D6FC-4f65-9D91-7224C49458BB}"/>
+                <c:ext xmlns:c16="http://schemas.microsoft.com/office/drawing/2014/chart" uri="{C3380CC4-5D6E-409C-BE32-E72D297353CC}">
+                  <c16:uniqueId val="{0000000C-41F2-4A37-AAF6-905E10EFCE4A}"/>
+                </c:ext>
+              </c:extLst>
+            </c:dLbl>
+            <c:spPr>
+              <a:noFill/>
+              <a:ln>
+                <a:noFill/>
+              </a:ln>
+              <a:effectLst/>
+            </c:spPr>
+            <c:txPr>
+              <a:bodyPr rot="0" spcFirstLastPara="1" vertOverflow="ellipsis" vert="horz" wrap="square" anchor="ctr" anchorCtr="1"/>
+              <a:lstStyle/>
+              <a:p>
+                <a:pPr>
+                  <a:defRPr sz="1400" b="0" i="0" u="none" strike="noStrike" kern="1200" baseline="0">
+                    <a:solidFill>
+                      <a:schemeClr val="tx1"/>
+                    </a:solidFill>
+                    <a:latin typeface="Lato" panose="020F0502020204030203" pitchFamily="34" charset="0"/>
+                    <a:ea typeface="Lato" panose="020F0502020204030203" pitchFamily="34" charset="0"/>
+                    <a:cs typeface="Lato" panose="020F0502020204030203" pitchFamily="34" charset="0"/>
+                  </a:defRPr>
+                </a:pPr>
+                <a:endParaRPr lang="en-US"/>
+              </a:p>
+            </c:txPr>
+            <c:showLegendKey val="0"/>
+            <c:showVal val="0"/>
+            <c:showCatName val="0"/>
+            <c:showSerName val="1"/>
+            <c:showPercent val="0"/>
+            <c:showBubbleSize val="0"/>
+            <c:showLeaderLines val="0"/>
+            <c:extLst>
+              <c:ext xmlns:c15="http://schemas.microsoft.com/office/drawing/2012/chart" uri="{CE6537A1-D6FC-4f65-9D91-7224C49458BB}">
+                <c15:showLeaderLines val="1"/>
+                <c15:leaderLines>
+                  <c:spPr>
+                    <a:ln w="9525" cap="flat" cmpd="sng" algn="ctr">
+                      <a:solidFill>
+                        <a:schemeClr val="tx1">
+                          <a:lumMod val="35000"/>
+                          <a:lumOff val="65000"/>
+                        </a:schemeClr>
+                      </a:solidFill>
+                      <a:round/>
+                    </a:ln>
+                    <a:effectLst/>
+                  </c:spPr>
+                </c15:leaderLines>
+              </c:ext>
+            </c:extLst>
+          </c:dLbls>
+          <c:cat>
+            <c:strRef>
+              <c:f>Sheet1!$A$2:$A$3</c:f>
+              <c:strCache>
+                <c:ptCount val="2"/>
+                <c:pt idx="0">
+                  <c:v>Dengue Timeline</c:v>
+                </c:pt>
+                <c:pt idx="1">
+                  <c:v>Aedes Aegypti Life Cycle</c:v>
+                </c:pt>
+              </c:strCache>
+            </c:strRef>
+          </c:cat>
+          <c:val>
+            <c:numRef>
+              <c:f>Sheet1!$D$2:$D$3</c:f>
+              <c:numCache>
+                <c:formatCode>General</c:formatCode>
+                <c:ptCount val="2"/>
+                <c:pt idx="0">
+                  <c:v>0</c:v>
+                </c:pt>
+                <c:pt idx="1">
+                  <c:v>2</c:v>
+                </c:pt>
+              </c:numCache>
+            </c:numRef>
+          </c:val>
+          <c:extLst>
+            <c:ext xmlns:c16="http://schemas.microsoft.com/office/drawing/2014/chart" uri="{C3380CC4-5D6E-409C-BE32-E72D297353CC}">
+              <c16:uniqueId val="{00000002-41F2-4A37-AAF6-905E10EFCE4A}"/>
+            </c:ext>
+          </c:extLst>
+        </c:ser>
+        <c:ser>
+          <c:idx val="3"/>
+          <c:order val="3"/>
+          <c:tx>
+            <c:strRef>
+              <c:f>Sheet1!$E$1</c:f>
+              <c:strCache>
+                <c:ptCount val="1"/>
+                <c:pt idx="0">
+                  <c:v>Contagious Adult</c:v>
+                </c:pt>
+              </c:strCache>
+            </c:strRef>
+          </c:tx>
+          <c:spPr>
+            <a:gradFill>
+              <a:gsLst>
+                <a:gs pos="73000">
+                  <a:srgbClr val="F09A9A"/>
+                </a:gs>
+                <a:gs pos="100000">
+                  <a:schemeClr val="accent1">
+                    <a:lumMod val="30000"/>
+                    <a:lumOff val="70000"/>
+                    <a:alpha val="0"/>
+                  </a:schemeClr>
+                </a:gs>
+              </a:gsLst>
+              <a:lin ang="0" scaled="0"/>
+            </a:gradFill>
+            <a:ln>
+              <a:noFill/>
+            </a:ln>
+            <a:effectLst/>
+          </c:spPr>
+          <c:invertIfNegative val="0"/>
+          <c:dLbls>
+            <c:dLbl>
+              <c:idx val="0"/>
+              <c:delete val="1"/>
+              <c:extLst>
+                <c:ext xmlns:c15="http://schemas.microsoft.com/office/drawing/2012/chart" uri="{CE6537A1-D6FC-4f65-9D91-7224C49458BB}"/>
+                <c:ext xmlns:c16="http://schemas.microsoft.com/office/drawing/2014/chart" uri="{C3380CC4-5D6E-409C-BE32-E72D297353CC}">
+                  <c16:uniqueId val="{0000000D-41F2-4A37-AAF6-905E10EFCE4A}"/>
+                </c:ext>
+              </c:extLst>
+            </c:dLbl>
+            <c:spPr>
+              <a:noFill/>
+              <a:ln>
+                <a:noFill/>
+              </a:ln>
+              <a:effectLst/>
+            </c:spPr>
+            <c:txPr>
+              <a:bodyPr rot="0" spcFirstLastPara="1" vertOverflow="ellipsis" vert="horz" wrap="square" anchor="ctr" anchorCtr="1"/>
+              <a:lstStyle/>
+              <a:p>
+                <a:pPr>
+                  <a:defRPr sz="1400" b="0" i="0" u="none" strike="noStrike" kern="1200" baseline="0">
+                    <a:solidFill>
+                      <a:schemeClr val="tx1"/>
+                    </a:solidFill>
+                    <a:latin typeface="Lato" panose="020F0502020204030203" pitchFamily="34" charset="0"/>
+                    <a:ea typeface="Lato" panose="020F0502020204030203" pitchFamily="34" charset="0"/>
+                    <a:cs typeface="Lato" panose="020F0502020204030203" pitchFamily="34" charset="0"/>
+                  </a:defRPr>
+                </a:pPr>
+                <a:endParaRPr lang="en-US"/>
+              </a:p>
+            </c:txPr>
+            <c:showLegendKey val="0"/>
+            <c:showVal val="0"/>
+            <c:showCatName val="0"/>
+            <c:showSerName val="1"/>
+            <c:showPercent val="0"/>
+            <c:showBubbleSize val="0"/>
+            <c:showLeaderLines val="0"/>
+            <c:extLst>
+              <c:ext xmlns:c15="http://schemas.microsoft.com/office/drawing/2012/chart" uri="{CE6537A1-D6FC-4f65-9D91-7224C49458BB}">
+                <c15:showLeaderLines val="0"/>
+              </c:ext>
+            </c:extLst>
+          </c:dLbls>
+          <c:cat>
+            <c:strRef>
+              <c:f>Sheet1!$A$2:$A$3</c:f>
+              <c:strCache>
+                <c:ptCount val="2"/>
+                <c:pt idx="0">
+                  <c:v>Dengue Timeline</c:v>
+                </c:pt>
+                <c:pt idx="1">
+                  <c:v>Aedes Aegypti Life Cycle</c:v>
+                </c:pt>
+              </c:strCache>
+            </c:strRef>
+          </c:cat>
+          <c:val>
+            <c:numRef>
+              <c:f>Sheet1!$E$2:$E$3</c:f>
+              <c:numCache>
+                <c:formatCode>General</c:formatCode>
+                <c:ptCount val="2"/>
+                <c:pt idx="0">
+                  <c:v>0</c:v>
+                </c:pt>
+                <c:pt idx="1">
+                  <c:v>8</c:v>
+                </c:pt>
+              </c:numCache>
+            </c:numRef>
+          </c:val>
+          <c:extLst>
+            <c:ext xmlns:c16="http://schemas.microsoft.com/office/drawing/2014/chart" uri="{C3380CC4-5D6E-409C-BE32-E72D297353CC}">
+              <c16:uniqueId val="{00000003-41F2-4A37-AAF6-905E10EFCE4A}"/>
+            </c:ext>
+          </c:extLst>
+        </c:ser>
+        <c:ser>
+          <c:idx val="4"/>
+          <c:order val="4"/>
+          <c:tx>
+            <c:strRef>
+              <c:f>Sheet1!$F$1</c:f>
+              <c:strCache>
+                <c:ptCount val="1"/>
+                <c:pt idx="0">
+                  <c:v>Buffer</c:v>
+                </c:pt>
+              </c:strCache>
+            </c:strRef>
+          </c:tx>
+          <c:spPr>
+            <a:noFill/>
+            <a:ln>
+              <a:noFill/>
+            </a:ln>
+            <a:effectLst/>
+          </c:spPr>
+          <c:invertIfNegative val="0"/>
+          <c:cat>
+            <c:strRef>
+              <c:f>Sheet1!$A$2:$A$3</c:f>
+              <c:strCache>
+                <c:ptCount val="2"/>
+                <c:pt idx="0">
+                  <c:v>Dengue Timeline</c:v>
+                </c:pt>
+                <c:pt idx="1">
+                  <c:v>Aedes Aegypti Life Cycle</c:v>
+                </c:pt>
+              </c:strCache>
+            </c:strRef>
+          </c:cat>
+          <c:val>
+            <c:numRef>
+              <c:f>Sheet1!$F$2:$F$3</c:f>
+              <c:numCache>
+                <c:formatCode>General</c:formatCode>
+                <c:ptCount val="2"/>
+                <c:pt idx="0">
+                  <c:v>11</c:v>
+                </c:pt>
+                <c:pt idx="1">
+                  <c:v>0</c:v>
+                </c:pt>
+              </c:numCache>
+            </c:numRef>
+          </c:val>
+          <c:extLst>
+            <c:ext xmlns:c16="http://schemas.microsoft.com/office/drawing/2014/chart" uri="{C3380CC4-5D6E-409C-BE32-E72D297353CC}">
+              <c16:uniqueId val="{00000004-41F2-4A37-AAF6-905E10EFCE4A}"/>
+            </c:ext>
+          </c:extLst>
+        </c:ser>
+        <c:ser>
+          <c:idx val="5"/>
+          <c:order val="5"/>
+          <c:tx>
+            <c:strRef>
+              <c:f>Sheet1!$G$1</c:f>
+              <c:strCache>
+                <c:ptCount val="1"/>
+                <c:pt idx="0">
+                  <c:v>Symptoms 
+Dormant</c:v>
+                </c:pt>
+              </c:strCache>
+            </c:strRef>
+          </c:tx>
+          <c:spPr>
+            <a:gradFill>
+              <a:gsLst>
+                <a:gs pos="100000">
+                  <a:srgbClr val="E85D5D"/>
+                </a:gs>
+                <a:gs pos="0">
+                  <a:srgbClr val="F09A9A"/>
+                </a:gs>
+              </a:gsLst>
+              <a:lin ang="0" scaled="0"/>
+            </a:gradFill>
+            <a:ln>
+              <a:noFill/>
+            </a:ln>
+            <a:effectLst/>
+          </c:spPr>
+          <c:invertIfNegative val="0"/>
+          <c:dLbls>
+            <c:dLbl>
+              <c:idx val="1"/>
+              <c:delete val="1"/>
+              <c:extLst>
+                <c:ext xmlns:c15="http://schemas.microsoft.com/office/drawing/2012/chart" uri="{CE6537A1-D6FC-4f65-9D91-7224C49458BB}"/>
+                <c:ext xmlns:c16="http://schemas.microsoft.com/office/drawing/2014/chart" uri="{C3380CC4-5D6E-409C-BE32-E72D297353CC}">
+                  <c16:uniqueId val="{00000009-41F2-4A37-AAF6-905E10EFCE4A}"/>
+                </c:ext>
+              </c:extLst>
+            </c:dLbl>
+            <c:spPr>
+              <a:noFill/>
+              <a:ln>
+                <a:noFill/>
+              </a:ln>
+              <a:effectLst/>
+            </c:spPr>
+            <c:txPr>
+              <a:bodyPr rot="0" spcFirstLastPara="1" vertOverflow="ellipsis" vert="horz" wrap="square" anchor="ctr" anchorCtr="1"/>
+              <a:lstStyle/>
+              <a:p>
+                <a:pPr>
+                  <a:defRPr sz="1400" b="0" i="0" u="none" strike="noStrike" kern="1200" baseline="0">
+                    <a:solidFill>
+                      <a:schemeClr val="tx1"/>
+                    </a:solidFill>
+                    <a:latin typeface="Lato" panose="020F0502020204030203" pitchFamily="34" charset="0"/>
+                    <a:ea typeface="Lato" panose="020F0502020204030203" pitchFamily="34" charset="0"/>
+                    <a:cs typeface="Lato" panose="020F0502020204030203" pitchFamily="34" charset="0"/>
+                  </a:defRPr>
+                </a:pPr>
+                <a:endParaRPr lang="en-US"/>
+              </a:p>
+            </c:txPr>
+            <c:showLegendKey val="0"/>
+            <c:showVal val="0"/>
+            <c:showCatName val="0"/>
+            <c:showSerName val="1"/>
+            <c:showPercent val="0"/>
+            <c:showBubbleSize val="0"/>
+            <c:showLeaderLines val="0"/>
+            <c:extLst>
+              <c:ext xmlns:c15="http://schemas.microsoft.com/office/drawing/2012/chart" uri="{CE6537A1-D6FC-4f65-9D91-7224C49458BB}">
+                <c15:showLeaderLines val="1"/>
+                <c15:leaderLines>
+                  <c:spPr>
+                    <a:ln w="9525" cap="flat" cmpd="sng" algn="ctr">
+                      <a:solidFill>
+                        <a:schemeClr val="tx1">
+                          <a:lumMod val="35000"/>
+                          <a:lumOff val="65000"/>
+                        </a:schemeClr>
+                      </a:solidFill>
+                      <a:round/>
+                    </a:ln>
+                    <a:effectLst/>
+                  </c:spPr>
+                </c15:leaderLines>
+              </c:ext>
+            </c:extLst>
+          </c:dLbls>
+          <c:cat>
+            <c:strRef>
+              <c:f>Sheet1!$A$2:$A$3</c:f>
+              <c:strCache>
+                <c:ptCount val="2"/>
+                <c:pt idx="0">
+                  <c:v>Dengue Timeline</c:v>
+                </c:pt>
+                <c:pt idx="1">
+                  <c:v>Aedes Aegypti Life Cycle</c:v>
+                </c:pt>
+              </c:strCache>
+            </c:strRef>
+          </c:cat>
+          <c:val>
+            <c:numRef>
+              <c:f>Sheet1!$G$2:$G$3</c:f>
+              <c:numCache>
+                <c:formatCode>General</c:formatCode>
+                <c:ptCount val="2"/>
+                <c:pt idx="0">
+                  <c:v>3</c:v>
+                </c:pt>
+                <c:pt idx="1">
+                  <c:v>0</c:v>
+                </c:pt>
+              </c:numCache>
+            </c:numRef>
+          </c:val>
+          <c:extLst>
+            <c:ext xmlns:c16="http://schemas.microsoft.com/office/drawing/2014/chart" uri="{C3380CC4-5D6E-409C-BE32-E72D297353CC}">
+              <c16:uniqueId val="{00000005-41F2-4A37-AAF6-905E10EFCE4A}"/>
+            </c:ext>
+          </c:extLst>
+        </c:ser>
+        <c:ser>
+          <c:idx val="6"/>
+          <c:order val="6"/>
+          <c:tx>
+            <c:strRef>
+              <c:f>Sheet1!$H$1</c:f>
+              <c:strCache>
+                <c:ptCount val="1"/>
+                <c:pt idx="0">
+                  <c:v>Symptoms 
+Appear</c:v>
+                </c:pt>
+              </c:strCache>
+            </c:strRef>
+          </c:tx>
+          <c:spPr>
+            <a:gradFill>
+              <a:gsLst>
+                <a:gs pos="100000">
+                  <a:srgbClr val="DF2020"/>
+                </a:gs>
+                <a:gs pos="0">
+                  <a:srgbClr val="E85E5E"/>
+                </a:gs>
+              </a:gsLst>
+              <a:lin ang="0" scaled="0"/>
+            </a:gradFill>
+            <a:ln>
+              <a:noFill/>
+            </a:ln>
+            <a:effectLst>
+              <a:glow>
+                <a:srgbClr val="FF0000"/>
+              </a:glow>
+            </a:effectLst>
+          </c:spPr>
+          <c:invertIfNegative val="0"/>
+          <c:dPt>
+            <c:idx val="0"/>
+            <c:invertIfNegative val="0"/>
+            <c:bubble3D val="0"/>
+            <c:spPr>
+              <a:gradFill>
+                <a:gsLst>
+                  <a:gs pos="100000">
+                    <a:srgbClr val="DF2020"/>
+                  </a:gs>
+                  <a:gs pos="0">
+                    <a:srgbClr val="E85E5E"/>
+                  </a:gs>
+                </a:gsLst>
+                <a:lin ang="0" scaled="0"/>
+              </a:gradFill>
+              <a:ln w="25400">
+                <a:noFill/>
+              </a:ln>
+              <a:effectLst>
+                <a:glow>
+                  <a:srgbClr val="FF0000"/>
+                </a:glow>
+              </a:effectLst>
+            </c:spPr>
+            <c:extLst>
+              <c:ext xmlns:c16="http://schemas.microsoft.com/office/drawing/2014/chart" uri="{C3380CC4-5D6E-409C-BE32-E72D297353CC}">
+                <c16:uniqueId val="{00000007-41F2-4A37-AAF6-905E10EFCE4A}"/>
+              </c:ext>
+            </c:extLst>
+          </c:dPt>
+          <c:dLbls>
+            <c:dLbl>
+              <c:idx val="0"/>
+              <c:layout>
+                <c:manualLayout>
+                  <c:x val="4.1098171691449893E-2"/>
+                  <c:y val="0"/>
+                </c:manualLayout>
+              </c:layout>
+              <c:showLegendKey val="0"/>
+              <c:showVal val="0"/>
+              <c:showCatName val="0"/>
+              <c:showSerName val="1"/>
+              <c:showPercent val="0"/>
+              <c:showBubbleSize val="0"/>
+              <c:extLst>
+                <c:ext xmlns:c15="http://schemas.microsoft.com/office/drawing/2012/chart" uri="{CE6537A1-D6FC-4f65-9D91-7224C49458BB}"/>
+                <c:ext xmlns:c16="http://schemas.microsoft.com/office/drawing/2014/chart" uri="{C3380CC4-5D6E-409C-BE32-E72D297353CC}">
+                  <c16:uniqueId val="{00000007-41F2-4A37-AAF6-905E10EFCE4A}"/>
+                </c:ext>
+              </c:extLst>
+            </c:dLbl>
+            <c:dLbl>
+              <c:idx val="1"/>
+              <c:delete val="1"/>
+              <c:extLst>
+                <c:ext xmlns:c15="http://schemas.microsoft.com/office/drawing/2012/chart" uri="{CE6537A1-D6FC-4f65-9D91-7224C49458BB}"/>
+                <c:ext xmlns:c16="http://schemas.microsoft.com/office/drawing/2014/chart" uri="{C3380CC4-5D6E-409C-BE32-E72D297353CC}">
+                  <c16:uniqueId val="{00000008-41F2-4A37-AAF6-905E10EFCE4A}"/>
+                </c:ext>
+              </c:extLst>
+            </c:dLbl>
+            <c:spPr>
+              <a:noFill/>
+              <a:ln>
+                <a:noFill/>
+              </a:ln>
+              <a:effectLst/>
+            </c:spPr>
+            <c:txPr>
+              <a:bodyPr rot="0" spcFirstLastPara="1" vertOverflow="ellipsis" vert="horz" wrap="square" anchor="ctr" anchorCtr="1"/>
+              <a:lstStyle/>
+              <a:p>
+                <a:pPr>
+                  <a:defRPr sz="1400" b="0" i="0" u="none" strike="noStrike" kern="1200" baseline="0">
+                    <a:solidFill>
+                      <a:schemeClr val="tx1"/>
+                    </a:solidFill>
+                    <a:latin typeface="Lato" panose="020F0502020204030203" pitchFamily="34" charset="0"/>
+                    <a:ea typeface="Lato" panose="020F0502020204030203" pitchFamily="34" charset="0"/>
+                    <a:cs typeface="Lato" panose="020F0502020204030203" pitchFamily="34" charset="0"/>
+                  </a:defRPr>
+                </a:pPr>
+                <a:endParaRPr lang="en-US"/>
+              </a:p>
+            </c:txPr>
+            <c:showLegendKey val="0"/>
+            <c:showVal val="0"/>
+            <c:showCatName val="0"/>
+            <c:showSerName val="1"/>
+            <c:showPercent val="0"/>
+            <c:showBubbleSize val="0"/>
+            <c:showLeaderLines val="0"/>
+            <c:extLst>
+              <c:ext xmlns:c15="http://schemas.microsoft.com/office/drawing/2012/chart" uri="{CE6537A1-D6FC-4f65-9D91-7224C49458BB}">
+                <c15:showLeaderLines val="1"/>
+                <c15:leaderLines>
+                  <c:spPr>
+                    <a:ln w="9525" cap="flat" cmpd="sng" algn="ctr">
+                      <a:solidFill>
+                        <a:schemeClr val="tx1">
+                          <a:lumMod val="35000"/>
+                          <a:lumOff val="65000"/>
+                        </a:schemeClr>
+                      </a:solidFill>
+                      <a:round/>
+                    </a:ln>
+                    <a:effectLst/>
+                  </c:spPr>
+                </c15:leaderLines>
+              </c:ext>
+            </c:extLst>
+          </c:dLbls>
+          <c:cat>
+            <c:strRef>
+              <c:f>Sheet1!$A$2:$A$3</c:f>
+              <c:strCache>
+                <c:ptCount val="2"/>
+                <c:pt idx="0">
+                  <c:v>Dengue Timeline</c:v>
+                </c:pt>
+                <c:pt idx="1">
+                  <c:v>Aedes Aegypti Life Cycle</c:v>
+                </c:pt>
+              </c:strCache>
+            </c:strRef>
+          </c:cat>
+          <c:val>
+            <c:numRef>
+              <c:f>Sheet1!$H$2:$H$3</c:f>
+              <c:numCache>
+                <c:formatCode>General</c:formatCode>
+                <c:ptCount val="2"/>
+                <c:pt idx="0">
+                  <c:v>5</c:v>
+                </c:pt>
+                <c:pt idx="1">
+                  <c:v>0</c:v>
+                </c:pt>
+              </c:numCache>
+            </c:numRef>
+          </c:val>
+          <c:extLst>
+            <c:ext xmlns:c16="http://schemas.microsoft.com/office/drawing/2014/chart" uri="{C3380CC4-5D6E-409C-BE32-E72D297353CC}">
+              <c16:uniqueId val="{00000006-41F2-4A37-AAF6-905E10EFCE4A}"/>
+            </c:ext>
+          </c:extLst>
+        </c:ser>
+        <c:dLbls>
+          <c:showLegendKey val="0"/>
+          <c:showVal val="0"/>
+          <c:showCatName val="0"/>
+          <c:showSerName val="0"/>
+          <c:showPercent val="0"/>
+          <c:showBubbleSize val="0"/>
+        </c:dLbls>
+        <c:gapWidth val="30"/>
+        <c:overlap val="100"/>
+        <c:axId val="344704920"/>
+        <c:axId val="344705904"/>
+      </c:barChart>
+      <c:catAx>
+        <c:axId val="344704920"/>
+        <c:scaling>
+          <c:orientation val="minMax"/>
+        </c:scaling>
+        <c:delete val="1"/>
+        <c:axPos val="l"/>
+        <c:numFmt formatCode="General" sourceLinked="1"/>
+        <c:majorTickMark val="none"/>
+        <c:minorTickMark val="none"/>
+        <c:tickLblPos val="nextTo"/>
+        <c:crossAx val="344705904"/>
+        <c:crosses val="autoZero"/>
+        <c:auto val="1"/>
+        <c:lblAlgn val="ctr"/>
+        <c:lblOffset val="100"/>
+        <c:noMultiLvlLbl val="0"/>
+      </c:catAx>
+      <c:valAx>
+        <c:axId val="344705904"/>
+        <c:scaling>
+          <c:orientation val="minMax"/>
+        </c:scaling>
+        <c:delete val="0"/>
+        <c:axPos val="b"/>
+        <c:majorGridlines>
+          <c:spPr>
+            <a:ln w="9525" cap="flat" cmpd="sng" algn="ctr">
+              <a:solidFill>
+                <a:schemeClr val="tx1">
+                  <a:lumMod val="15000"/>
+                  <a:lumOff val="85000"/>
+                </a:schemeClr>
+              </a:solidFill>
+              <a:round/>
+            </a:ln>
+            <a:effectLst/>
+          </c:spPr>
+        </c:majorGridlines>
+        <c:title>
+          <c:tx>
+            <c:rich>
+              <a:bodyPr rot="0" spcFirstLastPara="1" vertOverflow="ellipsis" vert="horz" wrap="square" anchor="ctr" anchorCtr="1"/>
+              <a:lstStyle/>
+              <a:p>
+                <a:pPr>
+                  <a:defRPr sz="1400" b="0" i="0" u="none" strike="noStrike" kern="1200" baseline="0">
+                    <a:solidFill>
+                      <a:schemeClr val="tx1"/>
+                    </a:solidFill>
+                    <a:latin typeface="Lato" panose="020F0502020204030203" pitchFamily="34" charset="0"/>
+                    <a:ea typeface="Lato" panose="020F0502020204030203" pitchFamily="34" charset="0"/>
+                    <a:cs typeface="Lato" panose="020F0502020204030203" pitchFamily="34" charset="0"/>
+                  </a:defRPr>
+                </a:pPr>
+                <a:r>
+                  <a:rPr lang="en-US"/>
+                  <a:t>Days</a:t>
+                </a:r>
+              </a:p>
+            </c:rich>
+          </c:tx>
+          <c:overlay val="0"/>
+          <c:spPr>
+            <a:noFill/>
+            <a:ln>
+              <a:noFill/>
+            </a:ln>
+            <a:effectLst/>
+          </c:spPr>
+          <c:txPr>
+            <a:bodyPr rot="0" spcFirstLastPara="1" vertOverflow="ellipsis" vert="horz" wrap="square" anchor="ctr" anchorCtr="1"/>
+            <a:lstStyle/>
+            <a:p>
+              <a:pPr>
+                <a:defRPr sz="1400" b="0" i="0" u="none" strike="noStrike" kern="1200" baseline="0">
+                  <a:solidFill>
+                    <a:schemeClr val="tx1"/>
+                  </a:solidFill>
+                  <a:latin typeface="Lato" panose="020F0502020204030203" pitchFamily="34" charset="0"/>
+                  <a:ea typeface="Lato" panose="020F0502020204030203" pitchFamily="34" charset="0"/>
+                  <a:cs typeface="Lato" panose="020F0502020204030203" pitchFamily="34" charset="0"/>
+                </a:defRPr>
+              </a:pPr>
+              <a:endParaRPr lang="en-US"/>
+            </a:p>
+          </c:txPr>
+        </c:title>
+        <c:numFmt formatCode="General" sourceLinked="1"/>
+        <c:majorTickMark val="none"/>
+        <c:minorTickMark val="none"/>
+        <c:tickLblPos val="nextTo"/>
+        <c:spPr>
+          <a:noFill/>
+          <a:ln>
+            <a:noFill/>
+          </a:ln>
+          <a:effectLst/>
+        </c:spPr>
+        <c:txPr>
+          <a:bodyPr rot="-60000000" spcFirstLastPara="1" vertOverflow="ellipsis" vert="horz" wrap="square" anchor="ctr" anchorCtr="1"/>
+          <a:lstStyle/>
+          <a:p>
+            <a:pPr>
+              <a:defRPr sz="1400" b="0" i="0" u="none" strike="noStrike" kern="1200" baseline="0">
+                <a:solidFill>
+                  <a:schemeClr val="tx1"/>
+                </a:solidFill>
+                <a:latin typeface="Lato" panose="020F0502020204030203" pitchFamily="34" charset="0"/>
+                <a:ea typeface="Lato" panose="020F0502020204030203" pitchFamily="34" charset="0"/>
+                <a:cs typeface="Lato" panose="020F0502020204030203" pitchFamily="34" charset="0"/>
+              </a:defRPr>
+            </a:pPr>
+            <a:endParaRPr lang="en-US"/>
+          </a:p>
+        </c:txPr>
+        <c:crossAx val="344704920"/>
+        <c:crosses val="autoZero"/>
+        <c:crossBetween val="between"/>
+        <c:majorUnit val="5"/>
+      </c:valAx>
+      <c:spPr>
+        <a:noFill/>
+        <a:ln>
+          <a:noFill/>
+        </a:ln>
+        <a:effectLst/>
+      </c:spPr>
+    </c:plotArea>
+    <c:plotVisOnly val="1"/>
+    <c:dispBlanksAs val="gap"/>
+    <c:extLst>
+      <c:ext xmlns:c16r3="http://schemas.microsoft.com/office/drawing/2017/03/chart" uri="{56B9EC1D-385E-4148-901F-78D8002777C0}">
+        <c16r3:dataDisplayOptions16>
+          <c16r3:dispNaAsBlank val="1"/>
+        </c16r3:dataDisplayOptions16>
+      </c:ext>
+    </c:extLst>
+    <c:showDLblsOverMax val="0"/>
+  </c:chart>
+  <c:spPr>
+    <a:solidFill>
+      <a:schemeClr val="bg1"/>
+    </a:solidFill>
+    <a:ln>
+      <a:noFill/>
+    </a:ln>
+    <a:effectLst/>
+  </c:spPr>
+  <c:txPr>
+    <a:bodyPr/>
+    <a:lstStyle/>
+    <a:p>
+      <a:pPr>
+        <a:defRPr sz="1400">
+          <a:solidFill>
+            <a:schemeClr val="tx1"/>
+          </a:solidFill>
+          <a:latin typeface="Lato" panose="020F0502020204030203" pitchFamily="34" charset="0"/>
+          <a:ea typeface="Lato" panose="020F0502020204030203" pitchFamily="34" charset="0"/>
+          <a:cs typeface="Lato" panose="020F0502020204030203" pitchFamily="34" charset="0"/>
+        </a:defRPr>
+      </a:pPr>
+      <a:endParaRPr lang="en-US"/>
+    </a:p>
+  </c:txPr>
+  <c:externalData r:id="rId3">
+    <c:autoUpdate val="0"/>
+  </c:externalData>
+</c:chartSpace>
+</file>
+
+<file path=ppt/charts/chart2.xml><?xml version="1.0" encoding="utf-8"?>
 <c:chartSpace xmlns:c="http://schemas.openxmlformats.org/drawingml/2006/chart" xmlns:a="http://schemas.openxmlformats.org/drawingml/2006/main" xmlns:r="http://schemas.openxmlformats.org/officeDocument/2006/relationships" xmlns:c16r2="http://schemas.microsoft.com/office/drawing/2015/06/chart">
   <c:date1904 val="0"/>
   <c:lang val="en-US"/>
@@ -387,7 +1503,7 @@
 </c:chartSpace>
 </file>
 
-<file path=ppt/charts/chart2.xml><?xml version="1.0" encoding="utf-8"?>
+<file path=ppt/charts/chart3.xml><?xml version="1.0" encoding="utf-8"?>
 <c:chartSpace xmlns:c="http://schemas.openxmlformats.org/drawingml/2006/chart" xmlns:a="http://schemas.openxmlformats.org/drawingml/2006/main" xmlns:r="http://schemas.openxmlformats.org/officeDocument/2006/relationships" xmlns:c16r2="http://schemas.microsoft.com/office/drawing/2015/06/chart">
   <c:date1904 val="0"/>
   <c:lang val="en-US"/>
@@ -717,7 +1833,552 @@
 </cs:colorStyle>
 </file>
 
+<file path=ppt/charts/colors3.xml><?xml version="1.0" encoding="utf-8"?>
+<cs:colorStyle xmlns:cs="http://schemas.microsoft.com/office/drawing/2012/chartStyle" xmlns:a="http://schemas.openxmlformats.org/drawingml/2006/main" meth="cycle" id="10">
+  <a:schemeClr val="accent1"/>
+  <a:schemeClr val="accent2"/>
+  <a:schemeClr val="accent3"/>
+  <a:schemeClr val="accent4"/>
+  <a:schemeClr val="accent5"/>
+  <a:schemeClr val="accent6"/>
+  <cs:variation/>
+  <cs:variation>
+    <a:lumMod val="60000"/>
+  </cs:variation>
+  <cs:variation>
+    <a:lumMod val="80000"/>
+    <a:lumOff val="20000"/>
+  </cs:variation>
+  <cs:variation>
+    <a:lumMod val="80000"/>
+  </cs:variation>
+  <cs:variation>
+    <a:lumMod val="60000"/>
+    <a:lumOff val="40000"/>
+  </cs:variation>
+  <cs:variation>
+    <a:lumMod val="50000"/>
+  </cs:variation>
+  <cs:variation>
+    <a:lumMod val="70000"/>
+    <a:lumOff val="30000"/>
+  </cs:variation>
+  <cs:variation>
+    <a:lumMod val="70000"/>
+  </cs:variation>
+  <cs:variation>
+    <a:lumMod val="50000"/>
+    <a:lumOff val="50000"/>
+  </cs:variation>
+</cs:colorStyle>
+</file>
+
 <file path=ppt/charts/style1.xml><?xml version="1.0" encoding="utf-8"?>
+<cs:chartStyle xmlns:cs="http://schemas.microsoft.com/office/drawing/2012/chartStyle" xmlns:a="http://schemas.openxmlformats.org/drawingml/2006/main" id="297">
+  <cs:axisTitle>
+    <cs:lnRef idx="0"/>
+    <cs:fillRef idx="0"/>
+    <cs:effectRef idx="0"/>
+    <cs:fontRef idx="minor">
+      <a:schemeClr val="tx1">
+        <a:lumMod val="65000"/>
+        <a:lumOff val="35000"/>
+      </a:schemeClr>
+    </cs:fontRef>
+    <cs:defRPr sz="1330" kern="1200"/>
+  </cs:axisTitle>
+  <cs:categoryAxis>
+    <cs:lnRef idx="0"/>
+    <cs:fillRef idx="0"/>
+    <cs:effectRef idx="0"/>
+    <cs:fontRef idx="minor">
+      <a:schemeClr val="tx1">
+        <a:lumMod val="65000"/>
+        <a:lumOff val="35000"/>
+      </a:schemeClr>
+    </cs:fontRef>
+    <cs:spPr>
+      <a:ln w="9525" cap="flat" cmpd="sng" algn="ctr">
+        <a:solidFill>
+          <a:schemeClr val="tx1">
+            <a:lumMod val="15000"/>
+            <a:lumOff val="85000"/>
+          </a:schemeClr>
+        </a:solidFill>
+        <a:round/>
+      </a:ln>
+    </cs:spPr>
+    <cs:defRPr sz="1197" kern="1200"/>
+  </cs:categoryAxis>
+  <cs:chartArea mods="allowNoFillOverride allowNoLineOverride">
+    <cs:lnRef idx="0"/>
+    <cs:fillRef idx="0"/>
+    <cs:effectRef idx="0"/>
+    <cs:fontRef idx="minor">
+      <a:schemeClr val="tx1"/>
+    </cs:fontRef>
+    <cs:spPr>
+      <a:solidFill>
+        <a:schemeClr val="bg1"/>
+      </a:solidFill>
+      <a:ln w="9525" cap="flat" cmpd="sng" algn="ctr">
+        <a:solidFill>
+          <a:schemeClr val="tx1">
+            <a:lumMod val="15000"/>
+            <a:lumOff val="85000"/>
+          </a:schemeClr>
+        </a:solidFill>
+        <a:round/>
+      </a:ln>
+    </cs:spPr>
+    <cs:defRPr sz="1330" kern="1200"/>
+  </cs:chartArea>
+  <cs:dataLabel>
+    <cs:lnRef idx="0"/>
+    <cs:fillRef idx="0"/>
+    <cs:effectRef idx="0"/>
+    <cs:fontRef idx="minor">
+      <a:schemeClr val="tx1">
+        <a:lumMod val="75000"/>
+        <a:lumOff val="25000"/>
+      </a:schemeClr>
+    </cs:fontRef>
+    <cs:defRPr sz="1197" kern="1200"/>
+  </cs:dataLabel>
+  <cs:dataLabelCallout>
+    <cs:lnRef idx="0"/>
+    <cs:fillRef idx="0"/>
+    <cs:effectRef idx="0"/>
+    <cs:fontRef idx="minor">
+      <a:schemeClr val="dk1">
+        <a:lumMod val="65000"/>
+        <a:lumOff val="35000"/>
+      </a:schemeClr>
+    </cs:fontRef>
+    <cs:spPr>
+      <a:solidFill>
+        <a:schemeClr val="lt1"/>
+      </a:solidFill>
+      <a:ln>
+        <a:solidFill>
+          <a:schemeClr val="dk1">
+            <a:lumMod val="25000"/>
+            <a:lumOff val="75000"/>
+          </a:schemeClr>
+        </a:solidFill>
+      </a:ln>
+    </cs:spPr>
+    <cs:defRPr sz="1197" kern="1200"/>
+    <cs:bodyPr rot="0" spcFirstLastPara="1" vertOverflow="clip" horzOverflow="clip" vert="horz" wrap="square" lIns="36576" tIns="18288" rIns="36576" bIns="18288" anchor="ctr" anchorCtr="1">
+      <a:spAutoFit/>
+    </cs:bodyPr>
+  </cs:dataLabelCallout>
+  <cs:dataPoint>
+    <cs:lnRef idx="0"/>
+    <cs:fillRef idx="1">
+      <cs:styleClr val="auto"/>
+    </cs:fillRef>
+    <cs:effectRef idx="0"/>
+    <cs:fontRef idx="minor">
+      <a:schemeClr val="tx1"/>
+    </cs:fontRef>
+  </cs:dataPoint>
+  <cs:dataPoint3D>
+    <cs:lnRef idx="0"/>
+    <cs:fillRef idx="1">
+      <cs:styleClr val="auto"/>
+    </cs:fillRef>
+    <cs:effectRef idx="0"/>
+    <cs:fontRef idx="minor">
+      <a:schemeClr val="tx1"/>
+    </cs:fontRef>
+  </cs:dataPoint3D>
+  <cs:dataPointLine>
+    <cs:lnRef idx="0">
+      <cs:styleClr val="auto"/>
+    </cs:lnRef>
+    <cs:fillRef idx="1"/>
+    <cs:effectRef idx="0"/>
+    <cs:fontRef idx="minor">
+      <a:schemeClr val="tx1"/>
+    </cs:fontRef>
+    <cs:spPr>
+      <a:ln w="28575" cap="rnd">
+        <a:solidFill>
+          <a:schemeClr val="phClr"/>
+        </a:solidFill>
+        <a:round/>
+      </a:ln>
+    </cs:spPr>
+  </cs:dataPointLine>
+  <cs:dataPointMarker>
+    <cs:lnRef idx="0">
+      <cs:styleClr val="auto"/>
+    </cs:lnRef>
+    <cs:fillRef idx="1">
+      <cs:styleClr val="auto"/>
+    </cs:fillRef>
+    <cs:effectRef idx="0"/>
+    <cs:fontRef idx="minor">
+      <a:schemeClr val="tx1"/>
+    </cs:fontRef>
+    <cs:spPr>
+      <a:ln w="9525">
+        <a:solidFill>
+          <a:schemeClr val="phClr"/>
+        </a:solidFill>
+      </a:ln>
+    </cs:spPr>
+  </cs:dataPointMarker>
+  <cs:dataPointMarkerLayout symbol="circle" size="5"/>
+  <cs:dataPointWireframe>
+    <cs:lnRef idx="0">
+      <cs:styleClr val="auto"/>
+    </cs:lnRef>
+    <cs:fillRef idx="1"/>
+    <cs:effectRef idx="0"/>
+    <cs:fontRef idx="minor">
+      <a:schemeClr val="tx1"/>
+    </cs:fontRef>
+    <cs:spPr>
+      <a:ln w="9525" cap="rnd">
+        <a:solidFill>
+          <a:schemeClr val="phClr"/>
+        </a:solidFill>
+        <a:round/>
+      </a:ln>
+    </cs:spPr>
+  </cs:dataPointWireframe>
+  <cs:dataTable>
+    <cs:lnRef idx="0"/>
+    <cs:fillRef idx="0"/>
+    <cs:effectRef idx="0"/>
+    <cs:fontRef idx="minor">
+      <a:schemeClr val="tx1">
+        <a:lumMod val="65000"/>
+        <a:lumOff val="35000"/>
+      </a:schemeClr>
+    </cs:fontRef>
+    <cs:spPr>
+      <a:noFill/>
+      <a:ln w="9525" cap="flat" cmpd="sng" algn="ctr">
+        <a:solidFill>
+          <a:schemeClr val="tx1">
+            <a:lumMod val="15000"/>
+            <a:lumOff val="85000"/>
+          </a:schemeClr>
+        </a:solidFill>
+        <a:round/>
+      </a:ln>
+    </cs:spPr>
+    <cs:defRPr sz="1197" kern="1200"/>
+  </cs:dataTable>
+  <cs:downBar>
+    <cs:lnRef idx="0"/>
+    <cs:fillRef idx="0"/>
+    <cs:effectRef idx="0"/>
+    <cs:fontRef idx="minor">
+      <a:schemeClr val="tx1"/>
+    </cs:fontRef>
+    <cs:spPr>
+      <a:solidFill>
+        <a:schemeClr val="dk1">
+          <a:lumMod val="75000"/>
+          <a:lumOff val="25000"/>
+        </a:schemeClr>
+      </a:solidFill>
+      <a:ln w="9525" cap="flat" cmpd="sng" algn="ctr">
+        <a:solidFill>
+          <a:schemeClr val="tx1">
+            <a:lumMod val="65000"/>
+            <a:lumOff val="35000"/>
+          </a:schemeClr>
+        </a:solidFill>
+        <a:round/>
+      </a:ln>
+    </cs:spPr>
+  </cs:downBar>
+  <cs:dropLine>
+    <cs:lnRef idx="0"/>
+    <cs:fillRef idx="0"/>
+    <cs:effectRef idx="0"/>
+    <cs:fontRef idx="minor">
+      <a:schemeClr val="tx1"/>
+    </cs:fontRef>
+    <cs:spPr>
+      <a:ln w="9525" cap="flat" cmpd="sng" algn="ctr">
+        <a:solidFill>
+          <a:schemeClr val="tx1">
+            <a:lumMod val="35000"/>
+            <a:lumOff val="65000"/>
+          </a:schemeClr>
+        </a:solidFill>
+        <a:round/>
+      </a:ln>
+    </cs:spPr>
+  </cs:dropLine>
+  <cs:errorBar>
+    <cs:lnRef idx="0"/>
+    <cs:fillRef idx="0"/>
+    <cs:effectRef idx="0"/>
+    <cs:fontRef idx="minor">
+      <a:schemeClr val="tx1"/>
+    </cs:fontRef>
+    <cs:spPr>
+      <a:ln w="9525" cap="flat" cmpd="sng" algn="ctr">
+        <a:solidFill>
+          <a:schemeClr val="tx1">
+            <a:lumMod val="65000"/>
+            <a:lumOff val="35000"/>
+          </a:schemeClr>
+        </a:solidFill>
+        <a:round/>
+      </a:ln>
+    </cs:spPr>
+  </cs:errorBar>
+  <cs:floor>
+    <cs:lnRef idx="0"/>
+    <cs:fillRef idx="0"/>
+    <cs:effectRef idx="0"/>
+    <cs:fontRef idx="minor">
+      <a:schemeClr val="tx1"/>
+    </cs:fontRef>
+    <cs:spPr>
+      <a:noFill/>
+      <a:ln>
+        <a:noFill/>
+      </a:ln>
+    </cs:spPr>
+  </cs:floor>
+  <cs:gridlineMajor>
+    <cs:lnRef idx="0"/>
+    <cs:fillRef idx="0"/>
+    <cs:effectRef idx="0"/>
+    <cs:fontRef idx="minor">
+      <a:schemeClr val="tx1"/>
+    </cs:fontRef>
+    <cs:spPr>
+      <a:ln w="9525" cap="flat" cmpd="sng" algn="ctr">
+        <a:solidFill>
+          <a:schemeClr val="tx1">
+            <a:lumMod val="15000"/>
+            <a:lumOff val="85000"/>
+          </a:schemeClr>
+        </a:solidFill>
+        <a:round/>
+      </a:ln>
+    </cs:spPr>
+  </cs:gridlineMajor>
+  <cs:gridlineMinor>
+    <cs:lnRef idx="0"/>
+    <cs:fillRef idx="0"/>
+    <cs:effectRef idx="0"/>
+    <cs:fontRef idx="minor">
+      <a:schemeClr val="tx1"/>
+    </cs:fontRef>
+    <cs:spPr>
+      <a:ln w="9525" cap="flat" cmpd="sng" algn="ctr">
+        <a:solidFill>
+          <a:schemeClr val="tx1">
+            <a:lumMod val="5000"/>
+            <a:lumOff val="95000"/>
+          </a:schemeClr>
+        </a:solidFill>
+        <a:round/>
+      </a:ln>
+    </cs:spPr>
+  </cs:gridlineMinor>
+  <cs:hiLoLine>
+    <cs:lnRef idx="0"/>
+    <cs:fillRef idx="0"/>
+    <cs:effectRef idx="0"/>
+    <cs:fontRef idx="minor">
+      <a:schemeClr val="tx1"/>
+    </cs:fontRef>
+    <cs:spPr>
+      <a:ln w="9525" cap="flat" cmpd="sng" algn="ctr">
+        <a:solidFill>
+          <a:schemeClr val="tx1">
+            <a:lumMod val="50000"/>
+            <a:lumOff val="50000"/>
+          </a:schemeClr>
+        </a:solidFill>
+        <a:round/>
+      </a:ln>
+    </cs:spPr>
+  </cs:hiLoLine>
+  <cs:leaderLine>
+    <cs:lnRef idx="0"/>
+    <cs:fillRef idx="0"/>
+    <cs:effectRef idx="0"/>
+    <cs:fontRef idx="minor">
+      <a:schemeClr val="tx1"/>
+    </cs:fontRef>
+    <cs:spPr>
+      <a:ln w="9525" cap="flat" cmpd="sng" algn="ctr">
+        <a:solidFill>
+          <a:schemeClr val="tx1">
+            <a:lumMod val="35000"/>
+            <a:lumOff val="65000"/>
+          </a:schemeClr>
+        </a:solidFill>
+        <a:round/>
+      </a:ln>
+    </cs:spPr>
+  </cs:leaderLine>
+  <cs:legend>
+    <cs:lnRef idx="0"/>
+    <cs:fillRef idx="0"/>
+    <cs:effectRef idx="0"/>
+    <cs:fontRef idx="minor">
+      <a:schemeClr val="tx1">
+        <a:lumMod val="65000"/>
+        <a:lumOff val="35000"/>
+      </a:schemeClr>
+    </cs:fontRef>
+    <cs:defRPr sz="1197" kern="1200"/>
+  </cs:legend>
+  <cs:plotArea mods="allowNoFillOverride allowNoLineOverride">
+    <cs:lnRef idx="0"/>
+    <cs:fillRef idx="0"/>
+    <cs:effectRef idx="0"/>
+    <cs:fontRef idx="minor">
+      <a:schemeClr val="tx1"/>
+    </cs:fontRef>
+  </cs:plotArea>
+  <cs:plotArea3D mods="allowNoFillOverride allowNoLineOverride">
+    <cs:lnRef idx="0"/>
+    <cs:fillRef idx="0"/>
+    <cs:effectRef idx="0"/>
+    <cs:fontRef idx="minor">
+      <a:schemeClr val="tx1"/>
+    </cs:fontRef>
+  </cs:plotArea3D>
+  <cs:seriesAxis>
+    <cs:lnRef idx="0"/>
+    <cs:fillRef idx="0"/>
+    <cs:effectRef idx="0"/>
+    <cs:fontRef idx="minor">
+      <a:schemeClr val="tx1">
+        <a:lumMod val="65000"/>
+        <a:lumOff val="35000"/>
+      </a:schemeClr>
+    </cs:fontRef>
+    <cs:defRPr sz="1197" kern="1200"/>
+  </cs:seriesAxis>
+  <cs:seriesLine>
+    <cs:lnRef idx="0"/>
+    <cs:fillRef idx="0"/>
+    <cs:effectRef idx="0"/>
+    <cs:fontRef idx="minor">
+      <a:schemeClr val="tx1"/>
+    </cs:fontRef>
+    <cs:spPr>
+      <a:ln w="9525" cap="flat" cmpd="sng" algn="ctr">
+        <a:solidFill>
+          <a:schemeClr val="tx1">
+            <a:lumMod val="35000"/>
+            <a:lumOff val="65000"/>
+          </a:schemeClr>
+        </a:solidFill>
+        <a:round/>
+      </a:ln>
+    </cs:spPr>
+  </cs:seriesLine>
+  <cs:title>
+    <cs:lnRef idx="0"/>
+    <cs:fillRef idx="0"/>
+    <cs:effectRef idx="0"/>
+    <cs:fontRef idx="minor">
+      <a:schemeClr val="tx1">
+        <a:lumMod val="65000"/>
+        <a:lumOff val="35000"/>
+      </a:schemeClr>
+    </cs:fontRef>
+    <cs:defRPr sz="1862" b="0" kern="1200" spc="0" baseline="0"/>
+  </cs:title>
+  <cs:trendline>
+    <cs:lnRef idx="0">
+      <cs:styleClr val="auto"/>
+    </cs:lnRef>
+    <cs:fillRef idx="0"/>
+    <cs:effectRef idx="0"/>
+    <cs:fontRef idx="minor">
+      <a:schemeClr val="tx1"/>
+    </cs:fontRef>
+    <cs:spPr>
+      <a:ln w="19050" cap="rnd">
+        <a:solidFill>
+          <a:schemeClr val="phClr"/>
+        </a:solidFill>
+        <a:prstDash val="sysDot"/>
+      </a:ln>
+    </cs:spPr>
+  </cs:trendline>
+  <cs:trendlineLabel>
+    <cs:lnRef idx="0"/>
+    <cs:fillRef idx="0"/>
+    <cs:effectRef idx="0"/>
+    <cs:fontRef idx="minor">
+      <a:schemeClr val="tx1">
+        <a:lumMod val="65000"/>
+        <a:lumOff val="35000"/>
+      </a:schemeClr>
+    </cs:fontRef>
+    <cs:defRPr sz="1197" kern="1200"/>
+  </cs:trendlineLabel>
+  <cs:upBar>
+    <cs:lnRef idx="0"/>
+    <cs:fillRef idx="0"/>
+    <cs:effectRef idx="0"/>
+    <cs:fontRef idx="minor">
+      <a:schemeClr val="tx1"/>
+    </cs:fontRef>
+    <cs:spPr>
+      <a:solidFill>
+        <a:schemeClr val="lt1"/>
+      </a:solidFill>
+      <a:ln w="9525" cap="flat" cmpd="sng" algn="ctr">
+        <a:solidFill>
+          <a:schemeClr val="tx1">
+            <a:lumMod val="65000"/>
+            <a:lumOff val="35000"/>
+          </a:schemeClr>
+        </a:solidFill>
+        <a:round/>
+      </a:ln>
+    </cs:spPr>
+  </cs:upBar>
+  <cs:valueAxis>
+    <cs:lnRef idx="0"/>
+    <cs:fillRef idx="0"/>
+    <cs:effectRef idx="0"/>
+    <cs:fontRef idx="minor">
+      <a:schemeClr val="tx1">
+        <a:lumMod val="65000"/>
+        <a:lumOff val="35000"/>
+      </a:schemeClr>
+    </cs:fontRef>
+    <cs:defRPr sz="1197" kern="1200"/>
+  </cs:valueAxis>
+  <cs:wall>
+    <cs:lnRef idx="0"/>
+    <cs:fillRef idx="0"/>
+    <cs:effectRef idx="0"/>
+    <cs:fontRef idx="minor">
+      <a:schemeClr val="tx1"/>
+    </cs:fontRef>
+    <cs:spPr>
+      <a:noFill/>
+      <a:ln>
+        <a:noFill/>
+      </a:ln>
+    </cs:spPr>
+  </cs:wall>
+</cs:chartStyle>
+</file>
+
+<file path=ppt/charts/style2.xml><?xml version="1.0" encoding="utf-8"?>
 <cs:chartStyle xmlns:cs="http://schemas.microsoft.com/office/drawing/2012/chartStyle" xmlns:a="http://schemas.openxmlformats.org/drawingml/2006/main" id="227">
   <cs:axisTitle>
     <cs:lnRef idx="0"/>
@@ -1233,7 +2894,7 @@
 </cs:chartStyle>
 </file>
 
-<file path=ppt/charts/style2.xml><?xml version="1.0" encoding="utf-8"?>
+<file path=ppt/charts/style3.xml><?xml version="1.0" encoding="utf-8"?>
 <cs:chartStyle xmlns:cs="http://schemas.microsoft.com/office/drawing/2012/chartStyle" xmlns:a="http://schemas.openxmlformats.org/drawingml/2006/main" id="227">
   <cs:axisTitle>
     <cs:lnRef idx="0"/>
@@ -1843,7 +3504,7 @@
           <a:p>
             <a:fld id="{334ABD86-957F-40B1-87EE-A6C3B2CAB03E}" type="datetimeFigureOut">
               <a:rPr lang="en-US" smtClean="0"/>
-              <a:t>4/7/2019</a:t>
+              <a:t>4/8/2019</a:t>
             </a:fld>
             <a:endParaRPr lang="en-US"/>
           </a:p>
@@ -2020,7 +3681,7 @@
           <a:p>
             <a:fld id="{053F9076-56CE-4656-BEB1-49012D9996C0}" type="datetimeFigureOut">
               <a:rPr lang="en-US" smtClean="0"/>
-              <a:t>4/7/2019</a:t>
+              <a:t>4/8/2019</a:t>
             </a:fld>
             <a:endParaRPr lang="en-US"/>
           </a:p>
@@ -2361,7 +4022,7 @@
           <a:p>
             <a:fld id="{A1DD606A-F46B-421B-8C76-016A1005836C}" type="slidenum">
               <a:rPr lang="en-US" smtClean="0"/>
-              <a:t>7</a:t>
+              <a:t>9</a:t>
             </a:fld>
             <a:endParaRPr lang="en-US"/>
           </a:p>
@@ -2445,7 +4106,7 @@
           <a:p>
             <a:fld id="{A1DD606A-F46B-421B-8C76-016A1005836C}" type="slidenum">
               <a:rPr lang="en-US" smtClean="0"/>
-              <a:t>16</a:t>
+              <a:t>18</a:t>
             </a:fld>
             <a:endParaRPr lang="en-US"/>
           </a:p>
@@ -2611,7 +4272,7 @@
           <a:p>
             <a:fld id="{439CE6F7-9533-4255-A38D-1E6294581F5A}" type="datetimeFigureOut">
               <a:rPr lang="en-US" smtClean="0"/>
-              <a:t>4/7/2019</a:t>
+              <a:t>4/8/2019</a:t>
             </a:fld>
             <a:endParaRPr lang="en-US"/>
           </a:p>
@@ -2809,7 +4470,7 @@
           <a:p>
             <a:fld id="{439CE6F7-9533-4255-A38D-1E6294581F5A}" type="datetimeFigureOut">
               <a:rPr lang="en-US" smtClean="0"/>
-              <a:t>4/7/2019</a:t>
+              <a:t>4/8/2019</a:t>
             </a:fld>
             <a:endParaRPr lang="en-US"/>
           </a:p>
@@ -3017,7 +4678,7 @@
           <a:p>
             <a:fld id="{439CE6F7-9533-4255-A38D-1E6294581F5A}" type="datetimeFigureOut">
               <a:rPr lang="en-US" smtClean="0"/>
-              <a:t>4/7/2019</a:t>
+              <a:t>4/8/2019</a:t>
             </a:fld>
             <a:endParaRPr lang="en-US"/>
           </a:p>
@@ -3417,7 +5078,7 @@
           <a:p>
             <a:fld id="{439CE6F7-9533-4255-A38D-1E6294581F5A}" type="datetimeFigureOut">
               <a:rPr lang="en-US" smtClean="0"/>
-              <a:t>4/7/2019</a:t>
+              <a:t>4/8/2019</a:t>
             </a:fld>
             <a:endParaRPr lang="en-US"/>
           </a:p>
@@ -3682,7 +5343,7 @@
           <a:p>
             <a:fld id="{439CE6F7-9533-4255-A38D-1E6294581F5A}" type="datetimeFigureOut">
               <a:rPr lang="en-US" smtClean="0"/>
-              <a:t>4/7/2019</a:t>
+              <a:t>4/8/2019</a:t>
             </a:fld>
             <a:endParaRPr lang="en-US"/>
           </a:p>
@@ -4094,7 +5755,7 @@
           <a:p>
             <a:fld id="{439CE6F7-9533-4255-A38D-1E6294581F5A}" type="datetimeFigureOut">
               <a:rPr lang="en-US" smtClean="0"/>
-              <a:t>4/7/2019</a:t>
+              <a:t>4/8/2019</a:t>
             </a:fld>
             <a:endParaRPr lang="en-US"/>
           </a:p>
@@ -4235,7 +5896,7 @@
           <a:p>
             <a:fld id="{439CE6F7-9533-4255-A38D-1E6294581F5A}" type="datetimeFigureOut">
               <a:rPr lang="en-US" smtClean="0"/>
-              <a:t>4/7/2019</a:t>
+              <a:t>4/8/2019</a:t>
             </a:fld>
             <a:endParaRPr lang="en-US"/>
           </a:p>
@@ -4348,7 +6009,7 @@
           <a:p>
             <a:fld id="{439CE6F7-9533-4255-A38D-1E6294581F5A}" type="datetimeFigureOut">
               <a:rPr lang="en-US" smtClean="0"/>
-              <a:t>4/7/2019</a:t>
+              <a:t>4/8/2019</a:t>
             </a:fld>
             <a:endParaRPr lang="en-US"/>
           </a:p>
@@ -4659,7 +6320,7 @@
           <a:p>
             <a:fld id="{439CE6F7-9533-4255-A38D-1E6294581F5A}" type="datetimeFigureOut">
               <a:rPr lang="en-US" smtClean="0"/>
-              <a:t>4/7/2019</a:t>
+              <a:t>4/8/2019</a:t>
             </a:fld>
             <a:endParaRPr lang="en-US"/>
           </a:p>
@@ -4947,7 +6608,7 @@
           <a:p>
             <a:fld id="{439CE6F7-9533-4255-A38D-1E6294581F5A}" type="datetimeFigureOut">
               <a:rPr lang="en-US" smtClean="0"/>
-              <a:t>4/7/2019</a:t>
+              <a:t>4/8/2019</a:t>
             </a:fld>
             <a:endParaRPr lang="en-US"/>
           </a:p>
@@ -5188,7 +6849,7 @@
           <a:p>
             <a:fld id="{439CE6F7-9533-4255-A38D-1E6294581F5A}" type="datetimeFigureOut">
               <a:rPr lang="en-US" smtClean="0"/>
-              <a:t>4/7/2019</a:t>
+              <a:t>4/8/2019</a:t>
             </a:fld>
             <a:endParaRPr lang="en-US"/>
           </a:p>
@@ -5865,6 +7526,1600 @@
           <p:cNvPr id="2" name="Title 1">
             <a:extLst>
               <a:ext uri="{FF2B5EF4-FFF2-40B4-BE49-F238E27FC236}">
+                <a16:creationId xmlns:a16="http://schemas.microsoft.com/office/drawing/2014/main" id="{26077505-5A62-460F-B7E3-999694ACA5F9}"/>
+              </a:ext>
+            </a:extLst>
+          </p:cNvPr>
+          <p:cNvSpPr>
+            <a:spLocks noGrp="1"/>
+          </p:cNvSpPr>
+          <p:nvPr>
+            <p:ph type="title"/>
+          </p:nvPr>
+        </p:nvSpPr>
+        <p:spPr/>
+        <p:txBody>
+          <a:bodyPr>
+            <a:normAutofit fontScale="90000"/>
+          </a:bodyPr>
+          <a:lstStyle/>
+          <a:p>
+            <a:r>
+              <a:rPr lang="en-US" dirty="0"/>
+              <a:t>Challenge: Choosing Validation Data (San Juan)</a:t>
+            </a:r>
+          </a:p>
+        </p:txBody>
+      </p:sp>
+      <p:sp>
+        <p:nvSpPr>
+          <p:cNvPr id="3" name="Content Placeholder 2">
+            <a:extLst>
+              <a:ext uri="{FF2B5EF4-FFF2-40B4-BE49-F238E27FC236}">
+                <a16:creationId xmlns:a16="http://schemas.microsoft.com/office/drawing/2014/main" id="{261C8515-0914-44E3-96CD-7AE99BB32AEE}"/>
+              </a:ext>
+            </a:extLst>
+          </p:cNvPr>
+          <p:cNvSpPr>
+            <a:spLocks noGrp="1"/>
+          </p:cNvSpPr>
+          <p:nvPr>
+            <p:ph sz="half" idx="1"/>
+          </p:nvPr>
+        </p:nvSpPr>
+        <p:spPr>
+          <a:xfrm>
+            <a:off x="6958760" y="851067"/>
+            <a:ext cx="5096880" cy="5297070"/>
+          </a:xfrm>
+        </p:spPr>
+        <p:txBody>
+          <a:bodyPr/>
+          <a:lstStyle/>
+          <a:p>
+            <a:r>
+              <a:rPr lang="en-US" dirty="0"/>
+              <a:t>No random sampling – order must be maintained for correct training</a:t>
+            </a:r>
+          </a:p>
+          <a:p>
+            <a:r>
+              <a:rPr lang="en-US" dirty="0"/>
+              <a:t>Split in </a:t>
+            </a:r>
+            <a:r>
+              <a:rPr lang="en-US" dirty="0">
+                <a:solidFill>
+                  <a:srgbClr val="FF0000"/>
+                </a:solidFill>
+              </a:rPr>
+              <a:t>red</a:t>
+            </a:r>
+            <a:r>
+              <a:rPr lang="en-US" dirty="0"/>
+              <a:t> zone: Validation data has no big outbreak, so validation loss consistently lower than training loss</a:t>
+            </a:r>
+          </a:p>
+          <a:p>
+            <a:r>
+              <a:rPr lang="en-US" dirty="0"/>
+              <a:t>Split in </a:t>
+            </a:r>
+            <a:r>
+              <a:rPr lang="en-US" dirty="0">
+                <a:solidFill>
+                  <a:srgbClr val="0070C0"/>
+                </a:solidFill>
+              </a:rPr>
+              <a:t>blue</a:t>
+            </a:r>
+            <a:r>
+              <a:rPr lang="en-US" dirty="0"/>
+              <a:t> zone: sparse training data, and risk of splitting up the leading indicators of the second outbreak</a:t>
+            </a:r>
+          </a:p>
+        </p:txBody>
+      </p:sp>
+      <p:pic>
+        <p:nvPicPr>
+          <p:cNvPr id="1026" name="Picture 2">
+            <a:extLst>
+              <a:ext uri="{FF2B5EF4-FFF2-40B4-BE49-F238E27FC236}">
+                <a16:creationId xmlns:a16="http://schemas.microsoft.com/office/drawing/2014/main" id="{899A5A5D-D41E-4C14-820D-AF0C111F50C7}"/>
+              </a:ext>
+            </a:extLst>
+          </p:cNvPr>
+          <p:cNvPicPr>
+            <a:picLocks noChangeAspect="1" noChangeArrowheads="1"/>
+          </p:cNvPicPr>
+          <p:nvPr/>
+        </p:nvPicPr>
+        <p:blipFill>
+          <a:blip r:embed="rId2">
+            <a:extLst>
+              <a:ext uri="{28A0092B-C50C-407E-A947-70E740481C1C}">
+                <a14:useLocalDpi xmlns:a14="http://schemas.microsoft.com/office/drawing/2010/main" val="0"/>
+              </a:ext>
+            </a:extLst>
+          </a:blip>
+          <a:srcRect/>
+          <a:stretch>
+            <a:fillRect/>
+          </a:stretch>
+        </p:blipFill>
+        <p:spPr bwMode="auto">
+          <a:xfrm>
+            <a:off x="0" y="1424644"/>
+            <a:ext cx="6958760" cy="3833615"/>
+          </a:xfrm>
+          <a:prstGeom prst="rect">
+            <a:avLst/>
+          </a:prstGeom>
+          <a:noFill/>
+          <a:extLst>
+            <a:ext uri="{909E8E84-426E-40DD-AFC4-6F175D3DCCD1}">
+              <a14:hiddenFill xmlns:a14="http://schemas.microsoft.com/office/drawing/2010/main">
+                <a:solidFill>
+                  <a:srgbClr val="FFFFFF"/>
+                </a:solidFill>
+              </a14:hiddenFill>
+            </a:ext>
+          </a:extLst>
+        </p:spPr>
+      </p:pic>
+      <p:sp>
+        <p:nvSpPr>
+          <p:cNvPr id="4" name="Rectangle 3">
+            <a:extLst>
+              <a:ext uri="{FF2B5EF4-FFF2-40B4-BE49-F238E27FC236}">
+                <a16:creationId xmlns:a16="http://schemas.microsoft.com/office/drawing/2014/main" id="{3A875EA6-C05B-4133-90DD-422BCB5E7580}"/>
+              </a:ext>
+            </a:extLst>
+          </p:cNvPr>
+          <p:cNvSpPr/>
+          <p:nvPr/>
+        </p:nvSpPr>
+        <p:spPr>
+          <a:xfrm>
+            <a:off x="3589506" y="1621653"/>
+            <a:ext cx="3297677" cy="3436729"/>
+          </a:xfrm>
+          <a:prstGeom prst="rect">
+            <a:avLst/>
+          </a:prstGeom>
+          <a:gradFill>
+            <a:gsLst>
+              <a:gs pos="0">
+                <a:srgbClr val="FF0000">
+                  <a:alpha val="50000"/>
+                </a:srgbClr>
+              </a:gs>
+              <a:gs pos="100000">
+                <a:srgbClr val="FF0000">
+                  <a:alpha val="0"/>
+                </a:srgbClr>
+              </a:gs>
+            </a:gsLst>
+            <a:lin ang="0" scaled="0"/>
+          </a:gradFill>
+          <a:ln>
+            <a:noFill/>
+          </a:ln>
+        </p:spPr>
+        <p:style>
+          <a:lnRef idx="2">
+            <a:schemeClr val="accent1">
+              <a:shade val="50000"/>
+            </a:schemeClr>
+          </a:lnRef>
+          <a:fillRef idx="1">
+            <a:schemeClr val="accent1"/>
+          </a:fillRef>
+          <a:effectRef idx="0">
+            <a:schemeClr val="accent1"/>
+          </a:effectRef>
+          <a:fontRef idx="minor">
+            <a:schemeClr val="lt1"/>
+          </a:fontRef>
+        </p:style>
+        <p:txBody>
+          <a:bodyPr rtlCol="0" anchor="ctr"/>
+          <a:lstStyle/>
+          <a:p>
+            <a:pPr algn="ctr"/>
+            <a:endParaRPr lang="en-US"/>
+          </a:p>
+        </p:txBody>
+      </p:sp>
+      <p:sp>
+        <p:nvSpPr>
+          <p:cNvPr id="6" name="Rectangle 5">
+            <a:extLst>
+              <a:ext uri="{FF2B5EF4-FFF2-40B4-BE49-F238E27FC236}">
+                <a16:creationId xmlns:a16="http://schemas.microsoft.com/office/drawing/2014/main" id="{FB6461BE-6F74-4907-BA2B-E2C2AA476B78}"/>
+              </a:ext>
+            </a:extLst>
+          </p:cNvPr>
+          <p:cNvSpPr/>
+          <p:nvPr/>
+        </p:nvSpPr>
+        <p:spPr>
+          <a:xfrm>
+            <a:off x="2321668" y="1621653"/>
+            <a:ext cx="1355387" cy="3436730"/>
+          </a:xfrm>
+          <a:prstGeom prst="rect">
+            <a:avLst/>
+          </a:prstGeom>
+          <a:gradFill>
+            <a:gsLst>
+              <a:gs pos="0">
+                <a:srgbClr val="0070C0">
+                  <a:alpha val="50000"/>
+                </a:srgbClr>
+              </a:gs>
+              <a:gs pos="100000">
+                <a:srgbClr val="0070C0">
+                  <a:alpha val="0"/>
+                </a:srgbClr>
+              </a:gs>
+            </a:gsLst>
+            <a:lin ang="0" scaled="0"/>
+          </a:gradFill>
+          <a:ln>
+            <a:noFill/>
+          </a:ln>
+        </p:spPr>
+        <p:style>
+          <a:lnRef idx="2">
+            <a:schemeClr val="accent1">
+              <a:shade val="50000"/>
+            </a:schemeClr>
+          </a:lnRef>
+          <a:fillRef idx="1">
+            <a:schemeClr val="accent1"/>
+          </a:fillRef>
+          <a:effectRef idx="0">
+            <a:schemeClr val="accent1"/>
+          </a:effectRef>
+          <a:fontRef idx="minor">
+            <a:schemeClr val="lt1"/>
+          </a:fontRef>
+        </p:style>
+        <p:txBody>
+          <a:bodyPr rtlCol="0" anchor="ctr"/>
+          <a:lstStyle/>
+          <a:p>
+            <a:pPr algn="ctr"/>
+            <a:endParaRPr lang="en-US"/>
+          </a:p>
+        </p:txBody>
+      </p:sp>
+    </p:spTree>
+    <p:extLst>
+      <p:ext uri="{BB962C8B-B14F-4D97-AF65-F5344CB8AC3E}">
+        <p14:creationId xmlns:p14="http://schemas.microsoft.com/office/powerpoint/2010/main" val="1849829659"/>
+      </p:ext>
+    </p:extLst>
+  </p:cSld>
+  <p:clrMapOvr>
+    <a:masterClrMapping/>
+  </p:clrMapOvr>
+</p:sld>
+</file>
+
+<file path=ppt/slides/slide11.xml><?xml version="1.0" encoding="utf-8"?>
+<p:sld xmlns:a="http://schemas.openxmlformats.org/drawingml/2006/main" xmlns:r="http://schemas.openxmlformats.org/officeDocument/2006/relationships" xmlns:p="http://schemas.openxmlformats.org/presentationml/2006/main">
+  <p:cSld>
+    <p:spTree>
+      <p:nvGrpSpPr>
+        <p:cNvPr id="1" name=""/>
+        <p:cNvGrpSpPr/>
+        <p:nvPr/>
+      </p:nvGrpSpPr>
+      <p:grpSpPr>
+        <a:xfrm>
+          <a:off x="0" y="0"/>
+          <a:ext cx="0" cy="0"/>
+          <a:chOff x="0" y="0"/>
+          <a:chExt cx="0" cy="0"/>
+        </a:xfrm>
+      </p:grpSpPr>
+      <p:sp>
+        <p:nvSpPr>
+          <p:cNvPr id="2" name="Title 1">
+            <a:extLst>
+              <a:ext uri="{FF2B5EF4-FFF2-40B4-BE49-F238E27FC236}">
+                <a16:creationId xmlns:a16="http://schemas.microsoft.com/office/drawing/2014/main" id="{7D12DEC2-D344-4C2B-A07D-F6408A1F7B13}"/>
+              </a:ext>
+            </a:extLst>
+          </p:cNvPr>
+          <p:cNvSpPr>
+            <a:spLocks noGrp="1"/>
+          </p:cNvSpPr>
+          <p:nvPr>
+            <p:ph type="title"/>
+          </p:nvPr>
+        </p:nvSpPr>
+        <p:spPr/>
+        <p:txBody>
+          <a:bodyPr>
+            <a:normAutofit fontScale="90000"/>
+          </a:bodyPr>
+          <a:lstStyle/>
+          <a:p>
+            <a:r>
+              <a:rPr lang="en-US" dirty="0"/>
+              <a:t>Walk Forward Validation</a:t>
+            </a:r>
+          </a:p>
+        </p:txBody>
+      </p:sp>
+      <p:pic>
+        <p:nvPicPr>
+          <p:cNvPr id="4" name="Picture 2">
+            <a:extLst>
+              <a:ext uri="{FF2B5EF4-FFF2-40B4-BE49-F238E27FC236}">
+                <a16:creationId xmlns:a16="http://schemas.microsoft.com/office/drawing/2014/main" id="{69AF9EB3-47A7-4F78-9C3F-BA27DA6193FC}"/>
+              </a:ext>
+            </a:extLst>
+          </p:cNvPr>
+          <p:cNvPicPr>
+            <a:picLocks noChangeAspect="1" noChangeArrowheads="1"/>
+          </p:cNvPicPr>
+          <p:nvPr/>
+        </p:nvPicPr>
+        <p:blipFill>
+          <a:blip r:embed="rId2">
+            <a:extLst>
+              <a:ext uri="{28A0092B-C50C-407E-A947-70E740481C1C}">
+                <a14:useLocalDpi xmlns:a14="http://schemas.microsoft.com/office/drawing/2010/main" val="0"/>
+              </a:ext>
+            </a:extLst>
+          </a:blip>
+          <a:srcRect/>
+          <a:stretch>
+            <a:fillRect/>
+          </a:stretch>
+        </p:blipFill>
+        <p:spPr bwMode="auto">
+          <a:xfrm>
+            <a:off x="0" y="1424644"/>
+            <a:ext cx="6958760" cy="3833615"/>
+          </a:xfrm>
+          <a:prstGeom prst="rect">
+            <a:avLst/>
+          </a:prstGeom>
+          <a:noFill/>
+          <a:extLst>
+            <a:ext uri="{909E8E84-426E-40DD-AFC4-6F175D3DCCD1}">
+              <a14:hiddenFill xmlns:a14="http://schemas.microsoft.com/office/drawing/2010/main">
+                <a:solidFill>
+                  <a:srgbClr val="FFFFFF"/>
+                </a:solidFill>
+              </a14:hiddenFill>
+            </a:ext>
+          </a:extLst>
+        </p:spPr>
+      </p:pic>
+      <p:sp>
+        <p:nvSpPr>
+          <p:cNvPr id="5" name="Rectangle 4">
+            <a:extLst>
+              <a:ext uri="{FF2B5EF4-FFF2-40B4-BE49-F238E27FC236}">
+                <a16:creationId xmlns:a16="http://schemas.microsoft.com/office/drawing/2014/main" id="{88606111-750B-45EA-A8E2-E7BAFB640636}"/>
+              </a:ext>
+            </a:extLst>
+          </p:cNvPr>
+          <p:cNvSpPr/>
+          <p:nvPr/>
+        </p:nvSpPr>
+        <p:spPr>
+          <a:xfrm flipH="1">
+            <a:off x="337447" y="1621605"/>
+            <a:ext cx="1052034" cy="3436729"/>
+          </a:xfrm>
+          <a:prstGeom prst="rect">
+            <a:avLst/>
+          </a:prstGeom>
+          <a:solidFill>
+            <a:schemeClr val="accent1">
+              <a:alpha val="50000"/>
+            </a:schemeClr>
+          </a:solidFill>
+          <a:ln>
+            <a:noFill/>
+          </a:ln>
+        </p:spPr>
+        <p:style>
+          <a:lnRef idx="2">
+            <a:schemeClr val="accent1">
+              <a:shade val="50000"/>
+            </a:schemeClr>
+          </a:lnRef>
+          <a:fillRef idx="1">
+            <a:schemeClr val="accent1"/>
+          </a:fillRef>
+          <a:effectRef idx="0">
+            <a:schemeClr val="accent1"/>
+          </a:effectRef>
+          <a:fontRef idx="minor">
+            <a:schemeClr val="lt1"/>
+          </a:fontRef>
+        </p:style>
+        <p:txBody>
+          <a:bodyPr rtlCol="0" anchor="ctr"/>
+          <a:lstStyle/>
+          <a:p>
+            <a:pPr algn="ctr"/>
+            <a:endParaRPr lang="en-US"/>
+          </a:p>
+        </p:txBody>
+      </p:sp>
+      <p:sp>
+        <p:nvSpPr>
+          <p:cNvPr id="7" name="Content Placeholder 2">
+            <a:extLst>
+              <a:ext uri="{FF2B5EF4-FFF2-40B4-BE49-F238E27FC236}">
+                <a16:creationId xmlns:a16="http://schemas.microsoft.com/office/drawing/2014/main" id="{1BD1F6C7-CCA4-42DB-AC8E-739A25B62C42}"/>
+              </a:ext>
+            </a:extLst>
+          </p:cNvPr>
+          <p:cNvSpPr>
+            <a:spLocks noGrp="1"/>
+          </p:cNvSpPr>
+          <p:nvPr>
+            <p:ph sz="half" idx="1"/>
+          </p:nvPr>
+        </p:nvSpPr>
+        <p:spPr>
+          <a:xfrm>
+            <a:off x="7552252" y="851067"/>
+            <a:ext cx="4503387" cy="5297070"/>
+          </a:xfrm>
+        </p:spPr>
+        <p:txBody>
+          <a:bodyPr>
+            <a:normAutofit lnSpcReduction="10000"/>
+          </a:bodyPr>
+          <a:lstStyle/>
+          <a:p>
+            <a:pPr marL="514350" indent="-514350">
+              <a:buFont typeface="+mj-lt"/>
+              <a:buAutoNum type="arabicPeriod"/>
+            </a:pPr>
+            <a:r>
+              <a:rPr lang="en-US" dirty="0"/>
+              <a:t>Pick the smallest viable training size n</a:t>
+            </a:r>
+          </a:p>
+          <a:p>
+            <a:pPr marL="514350" indent="-514350">
+              <a:buFont typeface="+mj-lt"/>
+              <a:buAutoNum type="arabicPeriod"/>
+            </a:pPr>
+            <a:r>
+              <a:rPr lang="en-US" dirty="0"/>
+              <a:t>Train with the first n samples, and predict sample(s) </a:t>
+            </a:r>
+            <a:r>
+              <a:rPr lang="en-US" dirty="0" err="1"/>
+              <a:t>n+x</a:t>
+            </a:r>
+            <a:endParaRPr lang="en-US" dirty="0"/>
+          </a:p>
+          <a:p>
+            <a:pPr marL="514350" indent="-514350">
+              <a:buFont typeface="+mj-lt"/>
+              <a:buAutoNum type="arabicPeriod"/>
+            </a:pPr>
+            <a:r>
+              <a:rPr lang="en-US" dirty="0"/>
+              <a:t>Increase n by x and repeat</a:t>
+            </a:r>
+          </a:p>
+          <a:p>
+            <a:endParaRPr lang="en-US" dirty="0"/>
+          </a:p>
+          <a:p>
+            <a:pPr marL="0" indent="0">
+              <a:buNone/>
+            </a:pPr>
+            <a:r>
+              <a:rPr lang="en-US" dirty="0"/>
+              <a:t>By keeping the validation size constant (</a:t>
+            </a:r>
+            <a:r>
+              <a:rPr lang="en-US" dirty="0" err="1"/>
+              <a:t>n+x</a:t>
+            </a:r>
+            <a:r>
+              <a:rPr lang="en-US" dirty="0"/>
+              <a:t> regardless of training size), you can summarize loss across all points and know you are comparing apples to apples.</a:t>
+            </a:r>
+          </a:p>
+        </p:txBody>
+      </p:sp>
+      <p:sp>
+        <p:nvSpPr>
+          <p:cNvPr id="8" name="Rectangle 7">
+            <a:extLst>
+              <a:ext uri="{FF2B5EF4-FFF2-40B4-BE49-F238E27FC236}">
+                <a16:creationId xmlns:a16="http://schemas.microsoft.com/office/drawing/2014/main" id="{4B90AB11-7097-4CFA-AAAD-8B1A218B4D1C}"/>
+              </a:ext>
+            </a:extLst>
+          </p:cNvPr>
+          <p:cNvSpPr/>
+          <p:nvPr/>
+        </p:nvSpPr>
+        <p:spPr>
+          <a:xfrm flipH="1">
+            <a:off x="1389487" y="1621605"/>
+            <a:ext cx="1052032" cy="3436729"/>
+          </a:xfrm>
+          <a:prstGeom prst="rect">
+            <a:avLst/>
+          </a:prstGeom>
+          <a:solidFill>
+            <a:schemeClr val="accent1">
+              <a:alpha val="50000"/>
+            </a:schemeClr>
+          </a:solidFill>
+          <a:ln>
+            <a:noFill/>
+          </a:ln>
+        </p:spPr>
+        <p:style>
+          <a:lnRef idx="2">
+            <a:schemeClr val="accent1">
+              <a:shade val="50000"/>
+            </a:schemeClr>
+          </a:lnRef>
+          <a:fillRef idx="1">
+            <a:schemeClr val="accent1"/>
+          </a:fillRef>
+          <a:effectRef idx="0">
+            <a:schemeClr val="accent1"/>
+          </a:effectRef>
+          <a:fontRef idx="minor">
+            <a:schemeClr val="lt1"/>
+          </a:fontRef>
+        </p:style>
+        <p:txBody>
+          <a:bodyPr rtlCol="0" anchor="ctr"/>
+          <a:lstStyle/>
+          <a:p>
+            <a:pPr algn="ctr"/>
+            <a:endParaRPr lang="en-US"/>
+          </a:p>
+        </p:txBody>
+      </p:sp>
+      <p:sp>
+        <p:nvSpPr>
+          <p:cNvPr id="9" name="Rectangle 8">
+            <a:extLst>
+              <a:ext uri="{FF2B5EF4-FFF2-40B4-BE49-F238E27FC236}">
+                <a16:creationId xmlns:a16="http://schemas.microsoft.com/office/drawing/2014/main" id="{4C54E2D6-E56D-44D9-B818-03F75D43F899}"/>
+              </a:ext>
+            </a:extLst>
+          </p:cNvPr>
+          <p:cNvSpPr/>
+          <p:nvPr/>
+        </p:nvSpPr>
+        <p:spPr>
+          <a:xfrm>
+            <a:off x="1389483" y="1621606"/>
+            <a:ext cx="1052036" cy="3436729"/>
+          </a:xfrm>
+          <a:prstGeom prst="rect">
+            <a:avLst/>
+          </a:prstGeom>
+          <a:solidFill>
+            <a:schemeClr val="accent6">
+              <a:lumMod val="60000"/>
+              <a:lumOff val="40000"/>
+              <a:alpha val="50000"/>
+            </a:schemeClr>
+          </a:solidFill>
+          <a:ln>
+            <a:noFill/>
+          </a:ln>
+        </p:spPr>
+        <p:style>
+          <a:lnRef idx="2">
+            <a:schemeClr val="accent1">
+              <a:shade val="50000"/>
+            </a:schemeClr>
+          </a:lnRef>
+          <a:fillRef idx="1">
+            <a:schemeClr val="accent1"/>
+          </a:fillRef>
+          <a:effectRef idx="0">
+            <a:schemeClr val="accent1"/>
+          </a:effectRef>
+          <a:fontRef idx="minor">
+            <a:schemeClr val="lt1"/>
+          </a:fontRef>
+        </p:style>
+        <p:txBody>
+          <a:bodyPr rtlCol="0" anchor="ctr"/>
+          <a:lstStyle/>
+          <a:p>
+            <a:pPr algn="ctr"/>
+            <a:endParaRPr lang="en-US"/>
+          </a:p>
+        </p:txBody>
+      </p:sp>
+      <p:sp>
+        <p:nvSpPr>
+          <p:cNvPr id="10" name="Rectangle 9">
+            <a:extLst>
+              <a:ext uri="{FF2B5EF4-FFF2-40B4-BE49-F238E27FC236}">
+                <a16:creationId xmlns:a16="http://schemas.microsoft.com/office/drawing/2014/main" id="{080BA084-A85A-4A48-A09D-DA2C3A497141}"/>
+              </a:ext>
+            </a:extLst>
+          </p:cNvPr>
+          <p:cNvSpPr/>
+          <p:nvPr/>
+        </p:nvSpPr>
+        <p:spPr>
+          <a:xfrm flipH="1">
+            <a:off x="2441519" y="1621605"/>
+            <a:ext cx="1052030" cy="3436729"/>
+          </a:xfrm>
+          <a:prstGeom prst="rect">
+            <a:avLst/>
+          </a:prstGeom>
+          <a:solidFill>
+            <a:schemeClr val="accent1">
+              <a:alpha val="50000"/>
+            </a:schemeClr>
+          </a:solidFill>
+          <a:ln>
+            <a:noFill/>
+          </a:ln>
+        </p:spPr>
+        <p:style>
+          <a:lnRef idx="2">
+            <a:schemeClr val="accent1">
+              <a:shade val="50000"/>
+            </a:schemeClr>
+          </a:lnRef>
+          <a:fillRef idx="1">
+            <a:schemeClr val="accent1"/>
+          </a:fillRef>
+          <a:effectRef idx="0">
+            <a:schemeClr val="accent1"/>
+          </a:effectRef>
+          <a:fontRef idx="minor">
+            <a:schemeClr val="lt1"/>
+          </a:fontRef>
+        </p:style>
+        <p:txBody>
+          <a:bodyPr rtlCol="0" anchor="ctr"/>
+          <a:lstStyle/>
+          <a:p>
+            <a:pPr algn="ctr"/>
+            <a:endParaRPr lang="en-US"/>
+          </a:p>
+        </p:txBody>
+      </p:sp>
+      <p:sp>
+        <p:nvSpPr>
+          <p:cNvPr id="14" name="Rectangle 13">
+            <a:extLst>
+              <a:ext uri="{FF2B5EF4-FFF2-40B4-BE49-F238E27FC236}">
+                <a16:creationId xmlns:a16="http://schemas.microsoft.com/office/drawing/2014/main" id="{C313A4D5-76CB-466A-8C54-98CBF332669E}"/>
+              </a:ext>
+            </a:extLst>
+          </p:cNvPr>
+          <p:cNvSpPr/>
+          <p:nvPr/>
+        </p:nvSpPr>
+        <p:spPr>
+          <a:xfrm flipH="1">
+            <a:off x="3493551" y="1621605"/>
+            <a:ext cx="1052030" cy="3436729"/>
+          </a:xfrm>
+          <a:prstGeom prst="rect">
+            <a:avLst/>
+          </a:prstGeom>
+          <a:solidFill>
+            <a:schemeClr val="accent1">
+              <a:alpha val="50000"/>
+            </a:schemeClr>
+          </a:solidFill>
+          <a:ln>
+            <a:noFill/>
+          </a:ln>
+        </p:spPr>
+        <p:style>
+          <a:lnRef idx="2">
+            <a:schemeClr val="accent1">
+              <a:shade val="50000"/>
+            </a:schemeClr>
+          </a:lnRef>
+          <a:fillRef idx="1">
+            <a:schemeClr val="accent1"/>
+          </a:fillRef>
+          <a:effectRef idx="0">
+            <a:schemeClr val="accent1"/>
+          </a:effectRef>
+          <a:fontRef idx="minor">
+            <a:schemeClr val="lt1"/>
+          </a:fontRef>
+        </p:style>
+        <p:txBody>
+          <a:bodyPr rtlCol="0" anchor="ctr"/>
+          <a:lstStyle/>
+          <a:p>
+            <a:pPr algn="ctr"/>
+            <a:endParaRPr lang="en-US"/>
+          </a:p>
+        </p:txBody>
+      </p:sp>
+      <p:sp>
+        <p:nvSpPr>
+          <p:cNvPr id="15" name="Rectangle 14">
+            <a:extLst>
+              <a:ext uri="{FF2B5EF4-FFF2-40B4-BE49-F238E27FC236}">
+                <a16:creationId xmlns:a16="http://schemas.microsoft.com/office/drawing/2014/main" id="{8A30F698-1EDE-4A53-984D-61F9DF793E0B}"/>
+              </a:ext>
+            </a:extLst>
+          </p:cNvPr>
+          <p:cNvSpPr/>
+          <p:nvPr/>
+        </p:nvSpPr>
+        <p:spPr>
+          <a:xfrm flipH="1">
+            <a:off x="4545581" y="1621605"/>
+            <a:ext cx="1052030" cy="3436729"/>
+          </a:xfrm>
+          <a:prstGeom prst="rect">
+            <a:avLst/>
+          </a:prstGeom>
+          <a:solidFill>
+            <a:schemeClr val="accent1">
+              <a:alpha val="50000"/>
+            </a:schemeClr>
+          </a:solidFill>
+          <a:ln>
+            <a:noFill/>
+          </a:ln>
+        </p:spPr>
+        <p:style>
+          <a:lnRef idx="2">
+            <a:schemeClr val="accent1">
+              <a:shade val="50000"/>
+            </a:schemeClr>
+          </a:lnRef>
+          <a:fillRef idx="1">
+            <a:schemeClr val="accent1"/>
+          </a:fillRef>
+          <a:effectRef idx="0">
+            <a:schemeClr val="accent1"/>
+          </a:effectRef>
+          <a:fontRef idx="minor">
+            <a:schemeClr val="lt1"/>
+          </a:fontRef>
+        </p:style>
+        <p:txBody>
+          <a:bodyPr rtlCol="0" anchor="ctr"/>
+          <a:lstStyle/>
+          <a:p>
+            <a:pPr algn="ctr"/>
+            <a:endParaRPr lang="en-US"/>
+          </a:p>
+        </p:txBody>
+      </p:sp>
+      <p:sp>
+        <p:nvSpPr>
+          <p:cNvPr id="17" name="Rectangle 16">
+            <a:extLst>
+              <a:ext uri="{FF2B5EF4-FFF2-40B4-BE49-F238E27FC236}">
+                <a16:creationId xmlns:a16="http://schemas.microsoft.com/office/drawing/2014/main" id="{7E040A7B-57BC-48EB-A1DF-D5A8F7F61F67}"/>
+              </a:ext>
+            </a:extLst>
+          </p:cNvPr>
+          <p:cNvSpPr/>
+          <p:nvPr/>
+        </p:nvSpPr>
+        <p:spPr>
+          <a:xfrm flipH="1">
+            <a:off x="3563014" y="5470625"/>
+            <a:ext cx="1660653" cy="258947"/>
+          </a:xfrm>
+          <a:prstGeom prst="rect">
+            <a:avLst/>
+          </a:prstGeom>
+          <a:solidFill>
+            <a:schemeClr val="accent1">
+              <a:alpha val="50000"/>
+            </a:schemeClr>
+          </a:solidFill>
+          <a:ln>
+            <a:noFill/>
+          </a:ln>
+        </p:spPr>
+        <p:style>
+          <a:lnRef idx="2">
+            <a:schemeClr val="accent1">
+              <a:shade val="50000"/>
+            </a:schemeClr>
+          </a:lnRef>
+          <a:fillRef idx="1">
+            <a:schemeClr val="accent1"/>
+          </a:fillRef>
+          <a:effectRef idx="0">
+            <a:schemeClr val="accent1"/>
+          </a:effectRef>
+          <a:fontRef idx="minor">
+            <a:schemeClr val="lt1"/>
+          </a:fontRef>
+        </p:style>
+        <p:txBody>
+          <a:bodyPr rtlCol="0" anchor="ctr"/>
+          <a:lstStyle/>
+          <a:p>
+            <a:pPr algn="ctr"/>
+            <a:r>
+              <a:rPr lang="en-US" dirty="0">
+                <a:solidFill>
+                  <a:schemeClr val="tx1"/>
+                </a:solidFill>
+              </a:rPr>
+              <a:t>Training Data</a:t>
+            </a:r>
+          </a:p>
+        </p:txBody>
+      </p:sp>
+      <p:sp>
+        <p:nvSpPr>
+          <p:cNvPr id="18" name="Rectangle 17">
+            <a:extLst>
+              <a:ext uri="{FF2B5EF4-FFF2-40B4-BE49-F238E27FC236}">
+                <a16:creationId xmlns:a16="http://schemas.microsoft.com/office/drawing/2014/main" id="{32E41D95-17F6-490A-8B9C-65D8213E9948}"/>
+              </a:ext>
+            </a:extLst>
+          </p:cNvPr>
+          <p:cNvSpPr/>
+          <p:nvPr/>
+        </p:nvSpPr>
+        <p:spPr>
+          <a:xfrm flipH="1">
+            <a:off x="5298108" y="5470624"/>
+            <a:ext cx="1660652" cy="258947"/>
+          </a:xfrm>
+          <a:prstGeom prst="rect">
+            <a:avLst/>
+          </a:prstGeom>
+          <a:solidFill>
+            <a:schemeClr val="accent6">
+              <a:lumMod val="60000"/>
+              <a:lumOff val="40000"/>
+              <a:alpha val="50000"/>
+            </a:schemeClr>
+          </a:solidFill>
+          <a:ln>
+            <a:noFill/>
+          </a:ln>
+        </p:spPr>
+        <p:style>
+          <a:lnRef idx="2">
+            <a:schemeClr val="accent1">
+              <a:shade val="50000"/>
+            </a:schemeClr>
+          </a:lnRef>
+          <a:fillRef idx="1">
+            <a:schemeClr val="accent1"/>
+          </a:fillRef>
+          <a:effectRef idx="0">
+            <a:schemeClr val="accent1"/>
+          </a:effectRef>
+          <a:fontRef idx="minor">
+            <a:schemeClr val="lt1"/>
+          </a:fontRef>
+        </p:style>
+        <p:txBody>
+          <a:bodyPr rtlCol="0" anchor="ctr"/>
+          <a:lstStyle/>
+          <a:p>
+            <a:pPr algn="ctr"/>
+            <a:r>
+              <a:rPr lang="en-US" dirty="0">
+                <a:solidFill>
+                  <a:schemeClr val="tx1"/>
+                </a:solidFill>
+              </a:rPr>
+              <a:t>Validation Data</a:t>
+            </a:r>
+          </a:p>
+        </p:txBody>
+      </p:sp>
+    </p:spTree>
+    <p:extLst>
+      <p:ext uri="{BB962C8B-B14F-4D97-AF65-F5344CB8AC3E}">
+        <p14:creationId xmlns:p14="http://schemas.microsoft.com/office/powerpoint/2010/main" val="4189491706"/>
+      </p:ext>
+    </p:extLst>
+  </p:cSld>
+  <p:clrMapOvr>
+    <a:masterClrMapping/>
+  </p:clrMapOvr>
+  <p:timing>
+    <p:tnLst>
+      <p:par>
+        <p:cTn id="1" dur="indefinite" restart="never" nodeType="tmRoot">
+          <p:childTnLst>
+            <p:seq concurrent="1" nextAc="seek">
+              <p:cTn id="2" dur="indefinite" nodeType="mainSeq">
+                <p:childTnLst>
+                  <p:par>
+                    <p:cTn id="3" fill="hold">
+                      <p:stCondLst>
+                        <p:cond delay="indefinite"/>
+                      </p:stCondLst>
+                      <p:childTnLst>
+                        <p:par>
+                          <p:cTn id="4" fill="hold">
+                            <p:stCondLst>
+                              <p:cond delay="0"/>
+                            </p:stCondLst>
+                            <p:childTnLst>
+                              <p:par>
+                                <p:cTn id="5" presetID="42" presetClass="path" presetSubtype="0" fill="hold" grpId="0" nodeType="clickEffect">
+                                  <p:stCondLst>
+                                    <p:cond delay="0"/>
+                                  </p:stCondLst>
+                                  <p:childTnLst>
+                                    <p:animMotion origin="layout" path="M -1.25E-6 4.44444E-6 L 0.08659 -0.00185 " pathEditMode="relative" rAng="0" ptsTypes="AA">
+                                      <p:cBhvr>
+                                        <p:cTn id="6" dur="1000" fill="hold"/>
+                                        <p:tgtEl>
+                                          <p:spTgt spid="9"/>
+                                        </p:tgtEl>
+                                        <p:attrNameLst>
+                                          <p:attrName>ppt_x</p:attrName>
+                                          <p:attrName>ppt_y</p:attrName>
+                                        </p:attrNameLst>
+                                      </p:cBhvr>
+                                      <p:rCtr x="4310" y="-46"/>
+                                    </p:animMotion>
+                                  </p:childTnLst>
+                                </p:cTn>
+                              </p:par>
+                              <p:par>
+                                <p:cTn id="7" presetID="17" presetClass="entr" presetSubtype="8" fill="hold" grpId="0" nodeType="withEffect">
+                                  <p:stCondLst>
+                                    <p:cond delay="0"/>
+                                  </p:stCondLst>
+                                  <p:childTnLst>
+                                    <p:set>
+                                      <p:cBhvr>
+                                        <p:cTn id="8" dur="1" fill="hold">
+                                          <p:stCondLst>
+                                            <p:cond delay="0"/>
+                                          </p:stCondLst>
+                                        </p:cTn>
+                                        <p:tgtEl>
+                                          <p:spTgt spid="8"/>
+                                        </p:tgtEl>
+                                        <p:attrNameLst>
+                                          <p:attrName>style.visibility</p:attrName>
+                                        </p:attrNameLst>
+                                      </p:cBhvr>
+                                      <p:to>
+                                        <p:strVal val="visible"/>
+                                      </p:to>
+                                    </p:set>
+                                    <p:anim calcmode="lin" valueType="num">
+                                      <p:cBhvr>
+                                        <p:cTn id="9" dur="1000" fill="hold"/>
+                                        <p:tgtEl>
+                                          <p:spTgt spid="8"/>
+                                        </p:tgtEl>
+                                        <p:attrNameLst>
+                                          <p:attrName>ppt_x</p:attrName>
+                                        </p:attrNameLst>
+                                      </p:cBhvr>
+                                      <p:tavLst>
+                                        <p:tav tm="0">
+                                          <p:val>
+                                            <p:strVal val="#ppt_x-#ppt_w/2"/>
+                                          </p:val>
+                                        </p:tav>
+                                        <p:tav tm="100000">
+                                          <p:val>
+                                            <p:strVal val="#ppt_x"/>
+                                          </p:val>
+                                        </p:tav>
+                                      </p:tavLst>
+                                    </p:anim>
+                                    <p:anim calcmode="lin" valueType="num">
+                                      <p:cBhvr>
+                                        <p:cTn id="10" dur="1000" fill="hold"/>
+                                        <p:tgtEl>
+                                          <p:spTgt spid="8"/>
+                                        </p:tgtEl>
+                                        <p:attrNameLst>
+                                          <p:attrName>ppt_y</p:attrName>
+                                        </p:attrNameLst>
+                                      </p:cBhvr>
+                                      <p:tavLst>
+                                        <p:tav tm="0">
+                                          <p:val>
+                                            <p:strVal val="#ppt_y"/>
+                                          </p:val>
+                                        </p:tav>
+                                        <p:tav tm="100000">
+                                          <p:val>
+                                            <p:strVal val="#ppt_y"/>
+                                          </p:val>
+                                        </p:tav>
+                                      </p:tavLst>
+                                    </p:anim>
+                                    <p:anim calcmode="lin" valueType="num">
+                                      <p:cBhvr>
+                                        <p:cTn id="11" dur="1000" fill="hold"/>
+                                        <p:tgtEl>
+                                          <p:spTgt spid="8"/>
+                                        </p:tgtEl>
+                                        <p:attrNameLst>
+                                          <p:attrName>ppt_w</p:attrName>
+                                        </p:attrNameLst>
+                                      </p:cBhvr>
+                                      <p:tavLst>
+                                        <p:tav tm="0">
+                                          <p:val>
+                                            <p:fltVal val="0"/>
+                                          </p:val>
+                                        </p:tav>
+                                        <p:tav tm="100000">
+                                          <p:val>
+                                            <p:strVal val="#ppt_w"/>
+                                          </p:val>
+                                        </p:tav>
+                                      </p:tavLst>
+                                    </p:anim>
+                                    <p:anim calcmode="lin" valueType="num">
+                                      <p:cBhvr>
+                                        <p:cTn id="12" dur="1000" fill="hold"/>
+                                        <p:tgtEl>
+                                          <p:spTgt spid="8"/>
+                                        </p:tgtEl>
+                                        <p:attrNameLst>
+                                          <p:attrName>ppt_h</p:attrName>
+                                        </p:attrNameLst>
+                                      </p:cBhvr>
+                                      <p:tavLst>
+                                        <p:tav tm="0">
+                                          <p:val>
+                                            <p:strVal val="#ppt_h"/>
+                                          </p:val>
+                                        </p:tav>
+                                        <p:tav tm="100000">
+                                          <p:val>
+                                            <p:strVal val="#ppt_h"/>
+                                          </p:val>
+                                        </p:tav>
+                                      </p:tavLst>
+                                    </p:anim>
+                                  </p:childTnLst>
+                                </p:cTn>
+                              </p:par>
+                            </p:childTnLst>
+                          </p:cTn>
+                        </p:par>
+                        <p:par>
+                          <p:cTn id="13" fill="hold">
+                            <p:stCondLst>
+                              <p:cond delay="1000"/>
+                            </p:stCondLst>
+                            <p:childTnLst>
+                              <p:par>
+                                <p:cTn id="14" presetID="42" presetClass="path" presetSubtype="0" fill="hold" grpId="1" nodeType="afterEffect">
+                                  <p:stCondLst>
+                                    <p:cond delay="1000"/>
+                                  </p:stCondLst>
+                                  <p:childTnLst>
+                                    <p:animMotion origin="layout" path="M 0.08659 -0.00186 L 0.1724 4.44444E-6 " pathEditMode="relative" rAng="0" ptsTypes="AA">
+                                      <p:cBhvr>
+                                        <p:cTn id="15" dur="1000" fill="hold"/>
+                                        <p:tgtEl>
+                                          <p:spTgt spid="9"/>
+                                        </p:tgtEl>
+                                        <p:attrNameLst>
+                                          <p:attrName>ppt_x</p:attrName>
+                                          <p:attrName>ppt_y</p:attrName>
+                                        </p:attrNameLst>
+                                      </p:cBhvr>
+                                      <p:rCtr x="4284" y="93"/>
+                                    </p:animMotion>
+                                  </p:childTnLst>
+                                </p:cTn>
+                              </p:par>
+                              <p:par>
+                                <p:cTn id="16" presetID="17" presetClass="entr" presetSubtype="8" fill="hold" grpId="0" nodeType="withEffect">
+                                  <p:stCondLst>
+                                    <p:cond delay="1000"/>
+                                  </p:stCondLst>
+                                  <p:childTnLst>
+                                    <p:set>
+                                      <p:cBhvr>
+                                        <p:cTn id="17" dur="1" fill="hold">
+                                          <p:stCondLst>
+                                            <p:cond delay="0"/>
+                                          </p:stCondLst>
+                                        </p:cTn>
+                                        <p:tgtEl>
+                                          <p:spTgt spid="10"/>
+                                        </p:tgtEl>
+                                        <p:attrNameLst>
+                                          <p:attrName>style.visibility</p:attrName>
+                                        </p:attrNameLst>
+                                      </p:cBhvr>
+                                      <p:to>
+                                        <p:strVal val="visible"/>
+                                      </p:to>
+                                    </p:set>
+                                    <p:anim calcmode="lin" valueType="num">
+                                      <p:cBhvr>
+                                        <p:cTn id="18" dur="1000" fill="hold"/>
+                                        <p:tgtEl>
+                                          <p:spTgt spid="10"/>
+                                        </p:tgtEl>
+                                        <p:attrNameLst>
+                                          <p:attrName>ppt_x</p:attrName>
+                                        </p:attrNameLst>
+                                      </p:cBhvr>
+                                      <p:tavLst>
+                                        <p:tav tm="0">
+                                          <p:val>
+                                            <p:strVal val="#ppt_x-#ppt_w/2"/>
+                                          </p:val>
+                                        </p:tav>
+                                        <p:tav tm="100000">
+                                          <p:val>
+                                            <p:strVal val="#ppt_x"/>
+                                          </p:val>
+                                        </p:tav>
+                                      </p:tavLst>
+                                    </p:anim>
+                                    <p:anim calcmode="lin" valueType="num">
+                                      <p:cBhvr>
+                                        <p:cTn id="19" dur="1000" fill="hold"/>
+                                        <p:tgtEl>
+                                          <p:spTgt spid="10"/>
+                                        </p:tgtEl>
+                                        <p:attrNameLst>
+                                          <p:attrName>ppt_y</p:attrName>
+                                        </p:attrNameLst>
+                                      </p:cBhvr>
+                                      <p:tavLst>
+                                        <p:tav tm="0">
+                                          <p:val>
+                                            <p:strVal val="#ppt_y"/>
+                                          </p:val>
+                                        </p:tav>
+                                        <p:tav tm="100000">
+                                          <p:val>
+                                            <p:strVal val="#ppt_y"/>
+                                          </p:val>
+                                        </p:tav>
+                                      </p:tavLst>
+                                    </p:anim>
+                                    <p:anim calcmode="lin" valueType="num">
+                                      <p:cBhvr>
+                                        <p:cTn id="20" dur="1000" fill="hold"/>
+                                        <p:tgtEl>
+                                          <p:spTgt spid="10"/>
+                                        </p:tgtEl>
+                                        <p:attrNameLst>
+                                          <p:attrName>ppt_w</p:attrName>
+                                        </p:attrNameLst>
+                                      </p:cBhvr>
+                                      <p:tavLst>
+                                        <p:tav tm="0">
+                                          <p:val>
+                                            <p:fltVal val="0"/>
+                                          </p:val>
+                                        </p:tav>
+                                        <p:tav tm="100000">
+                                          <p:val>
+                                            <p:strVal val="#ppt_w"/>
+                                          </p:val>
+                                        </p:tav>
+                                      </p:tavLst>
+                                    </p:anim>
+                                    <p:anim calcmode="lin" valueType="num">
+                                      <p:cBhvr>
+                                        <p:cTn id="21" dur="1000" fill="hold"/>
+                                        <p:tgtEl>
+                                          <p:spTgt spid="10"/>
+                                        </p:tgtEl>
+                                        <p:attrNameLst>
+                                          <p:attrName>ppt_h</p:attrName>
+                                        </p:attrNameLst>
+                                      </p:cBhvr>
+                                      <p:tavLst>
+                                        <p:tav tm="0">
+                                          <p:val>
+                                            <p:strVal val="#ppt_h"/>
+                                          </p:val>
+                                        </p:tav>
+                                        <p:tav tm="100000">
+                                          <p:val>
+                                            <p:strVal val="#ppt_h"/>
+                                          </p:val>
+                                        </p:tav>
+                                      </p:tavLst>
+                                    </p:anim>
+                                  </p:childTnLst>
+                                </p:cTn>
+                              </p:par>
+                            </p:childTnLst>
+                          </p:cTn>
+                        </p:par>
+                        <p:par>
+                          <p:cTn id="22" fill="hold">
+                            <p:stCondLst>
+                              <p:cond delay="3000"/>
+                            </p:stCondLst>
+                            <p:childTnLst>
+                              <p:par>
+                                <p:cTn id="23" presetID="42" presetClass="path" presetSubtype="0" fill="hold" grpId="2" nodeType="afterEffect">
+                                  <p:stCondLst>
+                                    <p:cond delay="1000"/>
+                                  </p:stCondLst>
+                                  <p:childTnLst>
+                                    <p:animMotion origin="layout" path="M 0.1724 4.44444E-6 L 0.25873 0.00023 " pathEditMode="relative" rAng="0" ptsTypes="AA">
+                                      <p:cBhvr>
+                                        <p:cTn id="24" dur="1000" fill="hold"/>
+                                        <p:tgtEl>
+                                          <p:spTgt spid="9"/>
+                                        </p:tgtEl>
+                                        <p:attrNameLst>
+                                          <p:attrName>ppt_x</p:attrName>
+                                          <p:attrName>ppt_y</p:attrName>
+                                        </p:attrNameLst>
+                                      </p:cBhvr>
+                                      <p:rCtr x="4310" y="0"/>
+                                    </p:animMotion>
+                                  </p:childTnLst>
+                                </p:cTn>
+                              </p:par>
+                              <p:par>
+                                <p:cTn id="25" presetID="17" presetClass="entr" presetSubtype="8" fill="hold" grpId="0" nodeType="withEffect">
+                                  <p:stCondLst>
+                                    <p:cond delay="1000"/>
+                                  </p:stCondLst>
+                                  <p:childTnLst>
+                                    <p:set>
+                                      <p:cBhvr>
+                                        <p:cTn id="26" dur="1" fill="hold">
+                                          <p:stCondLst>
+                                            <p:cond delay="0"/>
+                                          </p:stCondLst>
+                                        </p:cTn>
+                                        <p:tgtEl>
+                                          <p:spTgt spid="14"/>
+                                        </p:tgtEl>
+                                        <p:attrNameLst>
+                                          <p:attrName>style.visibility</p:attrName>
+                                        </p:attrNameLst>
+                                      </p:cBhvr>
+                                      <p:to>
+                                        <p:strVal val="visible"/>
+                                      </p:to>
+                                    </p:set>
+                                    <p:anim calcmode="lin" valueType="num">
+                                      <p:cBhvr>
+                                        <p:cTn id="27" dur="1000" fill="hold"/>
+                                        <p:tgtEl>
+                                          <p:spTgt spid="14"/>
+                                        </p:tgtEl>
+                                        <p:attrNameLst>
+                                          <p:attrName>ppt_x</p:attrName>
+                                        </p:attrNameLst>
+                                      </p:cBhvr>
+                                      <p:tavLst>
+                                        <p:tav tm="0">
+                                          <p:val>
+                                            <p:strVal val="#ppt_x-#ppt_w/2"/>
+                                          </p:val>
+                                        </p:tav>
+                                        <p:tav tm="100000">
+                                          <p:val>
+                                            <p:strVal val="#ppt_x"/>
+                                          </p:val>
+                                        </p:tav>
+                                      </p:tavLst>
+                                    </p:anim>
+                                    <p:anim calcmode="lin" valueType="num">
+                                      <p:cBhvr>
+                                        <p:cTn id="28" dur="1000" fill="hold"/>
+                                        <p:tgtEl>
+                                          <p:spTgt spid="14"/>
+                                        </p:tgtEl>
+                                        <p:attrNameLst>
+                                          <p:attrName>ppt_y</p:attrName>
+                                        </p:attrNameLst>
+                                      </p:cBhvr>
+                                      <p:tavLst>
+                                        <p:tav tm="0">
+                                          <p:val>
+                                            <p:strVal val="#ppt_y"/>
+                                          </p:val>
+                                        </p:tav>
+                                        <p:tav tm="100000">
+                                          <p:val>
+                                            <p:strVal val="#ppt_y"/>
+                                          </p:val>
+                                        </p:tav>
+                                      </p:tavLst>
+                                    </p:anim>
+                                    <p:anim calcmode="lin" valueType="num">
+                                      <p:cBhvr>
+                                        <p:cTn id="29" dur="1000" fill="hold"/>
+                                        <p:tgtEl>
+                                          <p:spTgt spid="14"/>
+                                        </p:tgtEl>
+                                        <p:attrNameLst>
+                                          <p:attrName>ppt_w</p:attrName>
+                                        </p:attrNameLst>
+                                      </p:cBhvr>
+                                      <p:tavLst>
+                                        <p:tav tm="0">
+                                          <p:val>
+                                            <p:fltVal val="0"/>
+                                          </p:val>
+                                        </p:tav>
+                                        <p:tav tm="100000">
+                                          <p:val>
+                                            <p:strVal val="#ppt_w"/>
+                                          </p:val>
+                                        </p:tav>
+                                      </p:tavLst>
+                                    </p:anim>
+                                    <p:anim calcmode="lin" valueType="num">
+                                      <p:cBhvr>
+                                        <p:cTn id="30" dur="1000" fill="hold"/>
+                                        <p:tgtEl>
+                                          <p:spTgt spid="14"/>
+                                        </p:tgtEl>
+                                        <p:attrNameLst>
+                                          <p:attrName>ppt_h</p:attrName>
+                                        </p:attrNameLst>
+                                      </p:cBhvr>
+                                      <p:tavLst>
+                                        <p:tav tm="0">
+                                          <p:val>
+                                            <p:strVal val="#ppt_h"/>
+                                          </p:val>
+                                        </p:tav>
+                                        <p:tav tm="100000">
+                                          <p:val>
+                                            <p:strVal val="#ppt_h"/>
+                                          </p:val>
+                                        </p:tav>
+                                      </p:tavLst>
+                                    </p:anim>
+                                  </p:childTnLst>
+                                </p:cTn>
+                              </p:par>
+                            </p:childTnLst>
+                          </p:cTn>
+                        </p:par>
+                        <p:par>
+                          <p:cTn id="31" fill="hold">
+                            <p:stCondLst>
+                              <p:cond delay="5000"/>
+                            </p:stCondLst>
+                            <p:childTnLst>
+                              <p:par>
+                                <p:cTn id="32" presetID="42" presetClass="path" presetSubtype="0" fill="hold" grpId="3" nodeType="afterEffect">
+                                  <p:stCondLst>
+                                    <p:cond delay="1000"/>
+                                  </p:stCondLst>
+                                  <p:childTnLst>
+                                    <p:animMotion origin="layout" path="M 0.25846 0.00023 L 0.34479 0.00023 " pathEditMode="relative" rAng="0" ptsTypes="AA">
+                                      <p:cBhvr>
+                                        <p:cTn id="33" dur="1000" fill="hold"/>
+                                        <p:tgtEl>
+                                          <p:spTgt spid="9"/>
+                                        </p:tgtEl>
+                                        <p:attrNameLst>
+                                          <p:attrName>ppt_x</p:attrName>
+                                          <p:attrName>ppt_y</p:attrName>
+                                        </p:attrNameLst>
+                                      </p:cBhvr>
+                                      <p:rCtr x="4310" y="0"/>
+                                    </p:animMotion>
+                                  </p:childTnLst>
+                                </p:cTn>
+                              </p:par>
+                              <p:par>
+                                <p:cTn id="34" presetID="17" presetClass="entr" presetSubtype="8" fill="hold" grpId="0" nodeType="withEffect">
+                                  <p:stCondLst>
+                                    <p:cond delay="1000"/>
+                                  </p:stCondLst>
+                                  <p:childTnLst>
+                                    <p:set>
+                                      <p:cBhvr>
+                                        <p:cTn id="35" dur="1" fill="hold">
+                                          <p:stCondLst>
+                                            <p:cond delay="0"/>
+                                          </p:stCondLst>
+                                        </p:cTn>
+                                        <p:tgtEl>
+                                          <p:spTgt spid="15"/>
+                                        </p:tgtEl>
+                                        <p:attrNameLst>
+                                          <p:attrName>style.visibility</p:attrName>
+                                        </p:attrNameLst>
+                                      </p:cBhvr>
+                                      <p:to>
+                                        <p:strVal val="visible"/>
+                                      </p:to>
+                                    </p:set>
+                                    <p:anim calcmode="lin" valueType="num">
+                                      <p:cBhvr>
+                                        <p:cTn id="36" dur="1000" fill="hold"/>
+                                        <p:tgtEl>
+                                          <p:spTgt spid="15"/>
+                                        </p:tgtEl>
+                                        <p:attrNameLst>
+                                          <p:attrName>ppt_x</p:attrName>
+                                        </p:attrNameLst>
+                                      </p:cBhvr>
+                                      <p:tavLst>
+                                        <p:tav tm="0">
+                                          <p:val>
+                                            <p:strVal val="#ppt_x-#ppt_w/2"/>
+                                          </p:val>
+                                        </p:tav>
+                                        <p:tav tm="100000">
+                                          <p:val>
+                                            <p:strVal val="#ppt_x"/>
+                                          </p:val>
+                                        </p:tav>
+                                      </p:tavLst>
+                                    </p:anim>
+                                    <p:anim calcmode="lin" valueType="num">
+                                      <p:cBhvr>
+                                        <p:cTn id="37" dur="1000" fill="hold"/>
+                                        <p:tgtEl>
+                                          <p:spTgt spid="15"/>
+                                        </p:tgtEl>
+                                        <p:attrNameLst>
+                                          <p:attrName>ppt_y</p:attrName>
+                                        </p:attrNameLst>
+                                      </p:cBhvr>
+                                      <p:tavLst>
+                                        <p:tav tm="0">
+                                          <p:val>
+                                            <p:strVal val="#ppt_y"/>
+                                          </p:val>
+                                        </p:tav>
+                                        <p:tav tm="100000">
+                                          <p:val>
+                                            <p:strVal val="#ppt_y"/>
+                                          </p:val>
+                                        </p:tav>
+                                      </p:tavLst>
+                                    </p:anim>
+                                    <p:anim calcmode="lin" valueType="num">
+                                      <p:cBhvr>
+                                        <p:cTn id="38" dur="1000" fill="hold"/>
+                                        <p:tgtEl>
+                                          <p:spTgt spid="15"/>
+                                        </p:tgtEl>
+                                        <p:attrNameLst>
+                                          <p:attrName>ppt_w</p:attrName>
+                                        </p:attrNameLst>
+                                      </p:cBhvr>
+                                      <p:tavLst>
+                                        <p:tav tm="0">
+                                          <p:val>
+                                            <p:fltVal val="0"/>
+                                          </p:val>
+                                        </p:tav>
+                                        <p:tav tm="100000">
+                                          <p:val>
+                                            <p:strVal val="#ppt_w"/>
+                                          </p:val>
+                                        </p:tav>
+                                      </p:tavLst>
+                                    </p:anim>
+                                    <p:anim calcmode="lin" valueType="num">
+                                      <p:cBhvr>
+                                        <p:cTn id="39" dur="1000" fill="hold"/>
+                                        <p:tgtEl>
+                                          <p:spTgt spid="15"/>
+                                        </p:tgtEl>
+                                        <p:attrNameLst>
+                                          <p:attrName>ppt_h</p:attrName>
+                                        </p:attrNameLst>
+                                      </p:cBhvr>
+                                      <p:tavLst>
+                                        <p:tav tm="0">
+                                          <p:val>
+                                            <p:strVal val="#ppt_h"/>
+                                          </p:val>
+                                        </p:tav>
+                                        <p:tav tm="100000">
+                                          <p:val>
+                                            <p:strVal val="#ppt_h"/>
+                                          </p:val>
+                                        </p:tav>
+                                      </p:tavLst>
+                                    </p:anim>
+                                  </p:childTnLst>
+                                </p:cTn>
+                              </p:par>
+                            </p:childTnLst>
+                          </p:cTn>
+                        </p:par>
+                      </p:childTnLst>
+                    </p:cTn>
+                  </p:par>
+                </p:childTnLst>
+              </p:cTn>
+              <p:prevCondLst>
+                <p:cond evt="onPrev" delay="0">
+                  <p:tgtEl>
+                    <p:sldTgt/>
+                  </p:tgtEl>
+                </p:cond>
+              </p:prevCondLst>
+              <p:nextCondLst>
+                <p:cond evt="onNext" delay="0">
+                  <p:tgtEl>
+                    <p:sldTgt/>
+                  </p:tgtEl>
+                </p:cond>
+              </p:nextCondLst>
+            </p:seq>
+          </p:childTnLst>
+        </p:cTn>
+      </p:par>
+    </p:tnLst>
+    <p:bldLst>
+      <p:bldP spid="8" grpId="0" animBg="1"/>
+      <p:bldP spid="9" grpId="0" animBg="1"/>
+      <p:bldP spid="9" grpId="1" animBg="1"/>
+      <p:bldP spid="9" grpId="2" animBg="1"/>
+      <p:bldP spid="9" grpId="3" animBg="1"/>
+      <p:bldP spid="10" grpId="0" animBg="1"/>
+      <p:bldP spid="14" grpId="0" animBg="1"/>
+      <p:bldP spid="15" grpId="0" animBg="1"/>
+    </p:bldLst>
+  </p:timing>
+</p:sld>
+</file>
+
+<file path=ppt/slides/slide12.xml><?xml version="1.0" encoding="utf-8"?>
+<p:sld xmlns:a="http://schemas.openxmlformats.org/drawingml/2006/main" xmlns:r="http://schemas.openxmlformats.org/officeDocument/2006/relationships" xmlns:p="http://schemas.openxmlformats.org/presentationml/2006/main">
+  <p:cSld>
+    <p:spTree>
+      <p:nvGrpSpPr>
+        <p:cNvPr id="1" name=""/>
+        <p:cNvGrpSpPr/>
+        <p:nvPr/>
+      </p:nvGrpSpPr>
+      <p:grpSpPr>
+        <a:xfrm>
+          <a:off x="0" y="0"/>
+          <a:ext cx="0" cy="0"/>
+          <a:chOff x="0" y="0"/>
+          <a:chExt cx="0" cy="0"/>
+        </a:xfrm>
+      </p:grpSpPr>
+      <p:sp>
+        <p:nvSpPr>
+          <p:cNvPr id="2" name="Title 1">
+            <a:extLst>
+              <a:ext uri="{FF2B5EF4-FFF2-40B4-BE49-F238E27FC236}">
                 <a16:creationId xmlns:a16="http://schemas.microsoft.com/office/drawing/2014/main" id="{92E7AF5F-14EA-4EDF-9E9E-EEA256640C88}"/>
               </a:ext>
             </a:extLst>
@@ -5911,7 +9166,22 @@
           <a:bodyPr/>
           <a:lstStyle/>
           <a:p>
-            <a:endParaRPr lang="en-US"/>
+            <a:r>
+              <a:rPr lang="en-US" dirty="0"/>
+              <a:t>Plot mean benchmark</a:t>
+            </a:r>
+          </a:p>
+          <a:p>
+            <a:r>
+              <a:rPr lang="en-US" dirty="0"/>
+              <a:t>Plot 1 bad one</a:t>
+            </a:r>
+          </a:p>
+          <a:p>
+            <a:r>
+              <a:rPr lang="en-US" dirty="0"/>
+              <a:t>Plot 1 decent one</a:t>
+            </a:r>
           </a:p>
         </p:txBody>
       </p:sp>
@@ -5928,7 +9198,7 @@
 </p:sld>
 </file>
 
-<file path=ppt/slides/slide11.xml><?xml version="1.0" encoding="utf-8"?>
+<file path=ppt/slides/slide13.xml><?xml version="1.0" encoding="utf-8"?>
 <p:sld xmlns:a="http://schemas.openxmlformats.org/drawingml/2006/main" xmlns:r="http://schemas.openxmlformats.org/officeDocument/2006/relationships" xmlns:p="http://schemas.openxmlformats.org/presentationml/2006/main">
   <p:cSld>
     <p:spTree>
@@ -6631,7 +9901,7 @@
           <a:p>
             <a:r>
               <a:rPr lang="en-US" dirty="0"/>
-              <a:t>Time Series Modelling using lagged features</a:t>
+              <a:t>Time Series Modelling using Lagged Features</a:t>
             </a:r>
           </a:p>
         </p:txBody>
@@ -7238,7 +10508,7 @@
 </p:sld>
 </file>
 
-<file path=ppt/slides/slide12.xml><?xml version="1.0" encoding="utf-8"?>
+<file path=ppt/slides/slide14.xml><?xml version="1.0" encoding="utf-8"?>
 <p:sld xmlns:a="http://schemas.openxmlformats.org/drawingml/2006/main" xmlns:r="http://schemas.openxmlformats.org/officeDocument/2006/relationships" xmlns:p="http://schemas.openxmlformats.org/presentationml/2006/main">
   <p:cSld>
     <p:spTree>
@@ -7323,7 +10593,7 @@
 </p:sld>
 </file>
 
-<file path=ppt/slides/slide13.xml><?xml version="1.0" encoding="utf-8"?>
+<file path=ppt/slides/slide15.xml><?xml version="1.0" encoding="utf-8"?>
 <p:sld xmlns:a="http://schemas.openxmlformats.org/drawingml/2006/main" xmlns:r="http://schemas.openxmlformats.org/officeDocument/2006/relationships" xmlns:p="http://schemas.openxmlformats.org/presentationml/2006/main">
   <p:cSld>
     <p:spTree>
@@ -7388,12 +10658,14 @@
         </p:nvSpPr>
         <p:spPr>
           <a:xfrm>
-            <a:off x="140368" y="851067"/>
-            <a:ext cx="11915272" cy="1453983"/>
+            <a:off x="140368" y="771555"/>
+            <a:ext cx="12051632" cy="1453983"/>
           </a:xfrm>
         </p:spPr>
         <p:txBody>
-          <a:bodyPr/>
+          <a:bodyPr>
+            <a:normAutofit/>
+          </a:bodyPr>
           <a:lstStyle/>
           <a:p>
             <a:pPr marL="0" indent="0">
@@ -7421,7 +10693,7 @@
         <p:spPr>
           <a:xfrm>
             <a:off x="136360" y="2305050"/>
-            <a:ext cx="3749840" cy="3477875"/>
+            <a:ext cx="3749840" cy="3416320"/>
           </a:xfrm>
           <a:prstGeom prst="rect">
             <a:avLst/>
@@ -7438,7 +10710,7 @@
               <a:buAutoNum type="arabicPeriod"/>
             </a:pPr>
             <a:r>
-              <a:rPr lang="en-US" sz="2000" dirty="0"/>
+              <a:rPr lang="en-US" sz="2400" dirty="0"/>
               <a:t>Predict test data with model</a:t>
             </a:r>
           </a:p>
@@ -7448,7 +10720,7 @@
               <a:buAutoNum type="arabicPeriod"/>
             </a:pPr>
             <a:r>
-              <a:rPr lang="en-US" sz="2000" dirty="0"/>
+              <a:rPr lang="en-US" sz="2400" dirty="0"/>
               <a:t>Take derivative of the predictions</a:t>
             </a:r>
           </a:p>
@@ -7458,7 +10730,7 @@
               <a:buAutoNum type="arabicPeriod"/>
             </a:pPr>
             <a:r>
-              <a:rPr lang="en-US" sz="2000" dirty="0"/>
+              <a:rPr lang="en-US" sz="2400" dirty="0"/>
               <a:t>Scale derivative values</a:t>
             </a:r>
           </a:p>
@@ -7468,7 +10740,7 @@
               <a:buAutoNum type="arabicPeriod"/>
             </a:pPr>
             <a:r>
-              <a:rPr lang="en-US" sz="2000" dirty="0"/>
+              <a:rPr lang="en-US" sz="2400" dirty="0"/>
               <a:t>Take Integral of scaled derivative</a:t>
             </a:r>
           </a:p>
@@ -7478,22 +10750,478 @@
               <a:buAutoNum type="arabicPeriod"/>
             </a:pPr>
             <a:r>
-              <a:rPr lang="en-US" sz="2000" dirty="0"/>
+              <a:rPr lang="en-US" sz="2400" dirty="0"/>
               <a:t>Add “intercept” (the first predicted value)</a:t>
-            </a:r>
-          </a:p>
-          <a:p>
-            <a:pPr marL="514350" indent="-514350">
-              <a:buFont typeface="+mj-lt"/>
-              <a:buAutoNum type="arabicPeriod"/>
-            </a:pPr>
-            <a:r>
-              <a:rPr lang="en-US" sz="2000" dirty="0"/>
-              <a:t>Optional: Take max/min of the original and the scaled predictions</a:t>
             </a:r>
           </a:p>
         </p:txBody>
       </p:sp>
+      <p:pic>
+        <p:nvPicPr>
+          <p:cNvPr id="2062" name="Picture 14">
+            <a:extLst>
+              <a:ext uri="{FF2B5EF4-FFF2-40B4-BE49-F238E27FC236}">
+                <a16:creationId xmlns:a16="http://schemas.microsoft.com/office/drawing/2014/main" id="{B6C8BBFB-758D-443C-A627-77A68D0B7404}"/>
+              </a:ext>
+            </a:extLst>
+          </p:cNvPr>
+          <p:cNvPicPr>
+            <a:picLocks noChangeAspect="1" noChangeArrowheads="1"/>
+          </p:cNvPicPr>
+          <p:nvPr/>
+        </p:nvPicPr>
+        <p:blipFill>
+          <a:blip r:embed="rId2">
+            <a:extLst>
+              <a:ext uri="{28A0092B-C50C-407E-A947-70E740481C1C}">
+                <a14:useLocalDpi xmlns:a14="http://schemas.microsoft.com/office/drawing/2010/main" val="0"/>
+              </a:ext>
+            </a:extLst>
+          </a:blip>
+          <a:srcRect/>
+          <a:stretch>
+            <a:fillRect/>
+          </a:stretch>
+        </p:blipFill>
+        <p:spPr bwMode="auto">
+          <a:xfrm>
+            <a:off x="5851277" y="1613194"/>
+            <a:ext cx="5777065" cy="2478674"/>
+          </a:xfrm>
+          <a:prstGeom prst="rect">
+            <a:avLst/>
+          </a:prstGeom>
+          <a:noFill/>
+          <a:extLst>
+            <a:ext uri="{909E8E84-426E-40DD-AFC4-6F175D3DCCD1}">
+              <a14:hiddenFill xmlns:a14="http://schemas.microsoft.com/office/drawing/2010/main">
+                <a:solidFill>
+                  <a:srgbClr val="FFFFFF"/>
+                </a:solidFill>
+              </a14:hiddenFill>
+            </a:ext>
+          </a:extLst>
+        </p:spPr>
+      </p:pic>
+      <p:pic>
+        <p:nvPicPr>
+          <p:cNvPr id="2066" name="Picture 18">
+            <a:extLst>
+              <a:ext uri="{FF2B5EF4-FFF2-40B4-BE49-F238E27FC236}">
+                <a16:creationId xmlns:a16="http://schemas.microsoft.com/office/drawing/2014/main" id="{B1B653E1-47E6-481C-9987-83FD0060D9DC}"/>
+              </a:ext>
+            </a:extLst>
+          </p:cNvPr>
+          <p:cNvPicPr>
+            <a:picLocks noChangeAspect="1" noChangeArrowheads="1"/>
+          </p:cNvPicPr>
+          <p:nvPr/>
+        </p:nvPicPr>
+        <p:blipFill>
+          <a:blip r:embed="rId3">
+            <a:extLst>
+              <a:ext uri="{28A0092B-C50C-407E-A947-70E740481C1C}">
+                <a14:useLocalDpi xmlns:a14="http://schemas.microsoft.com/office/drawing/2010/main" val="0"/>
+              </a:ext>
+            </a:extLst>
+          </a:blip>
+          <a:srcRect/>
+          <a:stretch>
+            <a:fillRect/>
+          </a:stretch>
+        </p:blipFill>
+        <p:spPr bwMode="auto">
+          <a:xfrm>
+            <a:off x="5831760" y="4091868"/>
+            <a:ext cx="5796582" cy="2478674"/>
+          </a:xfrm>
+          <a:prstGeom prst="rect">
+            <a:avLst/>
+          </a:prstGeom>
+          <a:noFill/>
+          <a:extLst>
+            <a:ext uri="{909E8E84-426E-40DD-AFC4-6F175D3DCCD1}">
+              <a14:hiddenFill xmlns:a14="http://schemas.microsoft.com/office/drawing/2010/main">
+                <a:solidFill>
+                  <a:srgbClr val="FFFFFF"/>
+                </a:solidFill>
+              </a14:hiddenFill>
+            </a:ext>
+          </a:extLst>
+        </p:spPr>
+      </p:pic>
+      <p:pic>
+        <p:nvPicPr>
+          <p:cNvPr id="2068" name="Picture 20">
+            <a:extLst>
+              <a:ext uri="{FF2B5EF4-FFF2-40B4-BE49-F238E27FC236}">
+                <a16:creationId xmlns:a16="http://schemas.microsoft.com/office/drawing/2014/main" id="{C453D02E-5E6B-46E3-A2F1-4F33CBD47BAE}"/>
+              </a:ext>
+            </a:extLst>
+          </p:cNvPr>
+          <p:cNvPicPr>
+            <a:picLocks noChangeAspect="1" noChangeArrowheads="1"/>
+          </p:cNvPicPr>
+          <p:nvPr/>
+        </p:nvPicPr>
+        <p:blipFill>
+          <a:blip r:embed="rId4">
+            <a:extLst>
+              <a:ext uri="{28A0092B-C50C-407E-A947-70E740481C1C}">
+                <a14:useLocalDpi xmlns:a14="http://schemas.microsoft.com/office/drawing/2010/main" val="0"/>
+              </a:ext>
+            </a:extLst>
+          </a:blip>
+          <a:srcRect/>
+          <a:stretch>
+            <a:fillRect/>
+          </a:stretch>
+        </p:blipFill>
+        <p:spPr bwMode="auto">
+          <a:xfrm>
+            <a:off x="5831758" y="4091868"/>
+            <a:ext cx="5796584" cy="2478674"/>
+          </a:xfrm>
+          <a:prstGeom prst="rect">
+            <a:avLst/>
+          </a:prstGeom>
+          <a:noFill/>
+          <a:extLst>
+            <a:ext uri="{909E8E84-426E-40DD-AFC4-6F175D3DCCD1}">
+              <a14:hiddenFill xmlns:a14="http://schemas.microsoft.com/office/drawing/2010/main">
+                <a:solidFill>
+                  <a:srgbClr val="FFFFFF"/>
+                </a:solidFill>
+              </a14:hiddenFill>
+            </a:ext>
+          </a:extLst>
+        </p:spPr>
+      </p:pic>
+      <p:pic>
+        <p:nvPicPr>
+          <p:cNvPr id="2070" name="Picture 22">
+            <a:extLst>
+              <a:ext uri="{FF2B5EF4-FFF2-40B4-BE49-F238E27FC236}">
+                <a16:creationId xmlns:a16="http://schemas.microsoft.com/office/drawing/2014/main" id="{E96A40FE-CB32-42EA-A965-2FB7A378E78E}"/>
+              </a:ext>
+            </a:extLst>
+          </p:cNvPr>
+          <p:cNvPicPr>
+            <a:picLocks noChangeAspect="1" noChangeArrowheads="1"/>
+          </p:cNvPicPr>
+          <p:nvPr/>
+        </p:nvPicPr>
+        <p:blipFill>
+          <a:blip r:embed="rId5">
+            <a:extLst>
+              <a:ext uri="{28A0092B-C50C-407E-A947-70E740481C1C}">
+                <a14:useLocalDpi xmlns:a14="http://schemas.microsoft.com/office/drawing/2010/main" val="0"/>
+              </a:ext>
+            </a:extLst>
+          </a:blip>
+          <a:srcRect/>
+          <a:stretch>
+            <a:fillRect/>
+          </a:stretch>
+        </p:blipFill>
+        <p:spPr bwMode="auto">
+          <a:xfrm>
+            <a:off x="5851274" y="1613195"/>
+            <a:ext cx="5777067" cy="2478674"/>
+          </a:xfrm>
+          <a:prstGeom prst="rect">
+            <a:avLst/>
+          </a:prstGeom>
+          <a:noFill/>
+          <a:extLst>
+            <a:ext uri="{909E8E84-426E-40DD-AFC4-6F175D3DCCD1}">
+              <a14:hiddenFill xmlns:a14="http://schemas.microsoft.com/office/drawing/2010/main">
+                <a:solidFill>
+                  <a:srgbClr val="FFFFFF"/>
+                </a:solidFill>
+              </a14:hiddenFill>
+            </a:ext>
+          </a:extLst>
+        </p:spPr>
+      </p:pic>
+      <p:pic>
+        <p:nvPicPr>
+          <p:cNvPr id="7" name="Picture 6">
+            <a:extLst>
+              <a:ext uri="{FF2B5EF4-FFF2-40B4-BE49-F238E27FC236}">
+                <a16:creationId xmlns:a16="http://schemas.microsoft.com/office/drawing/2014/main" id="{283ADDB7-1D2C-487E-8DE7-22EA7464B5C5}"/>
+              </a:ext>
+            </a:extLst>
+          </p:cNvPr>
+          <p:cNvPicPr>
+            <a:picLocks noChangeAspect="1"/>
+          </p:cNvPicPr>
+          <p:nvPr/>
+        </p:nvPicPr>
+        <p:blipFill>
+          <a:blip r:embed="rId6"/>
+          <a:stretch>
+            <a:fillRect/>
+          </a:stretch>
+        </p:blipFill>
+        <p:spPr>
+          <a:xfrm>
+            <a:off x="4880109" y="3203834"/>
+            <a:ext cx="815014" cy="815014"/>
+          </a:xfrm>
+          <a:prstGeom prst="rect">
+            <a:avLst/>
+          </a:prstGeom>
+          <a:ln w="19050">
+            <a:solidFill>
+              <a:srgbClr val="FF0000"/>
+            </a:solidFill>
+          </a:ln>
+        </p:spPr>
+      </p:pic>
+      <p:sp>
+        <p:nvSpPr>
+          <p:cNvPr id="8" name="Rectangle 7">
+            <a:extLst>
+              <a:ext uri="{FF2B5EF4-FFF2-40B4-BE49-F238E27FC236}">
+                <a16:creationId xmlns:a16="http://schemas.microsoft.com/office/drawing/2014/main" id="{30E16B8D-4A7E-4D5D-A125-9F429DBCA2AD}"/>
+              </a:ext>
+            </a:extLst>
+          </p:cNvPr>
+          <p:cNvSpPr/>
+          <p:nvPr/>
+        </p:nvSpPr>
+        <p:spPr>
+          <a:xfrm>
+            <a:off x="6327140" y="3618961"/>
+            <a:ext cx="246380" cy="246380"/>
+          </a:xfrm>
+          <a:prstGeom prst="rect">
+            <a:avLst/>
+          </a:prstGeom>
+          <a:noFill/>
+          <a:ln>
+            <a:solidFill>
+              <a:srgbClr val="FF0000"/>
+            </a:solidFill>
+          </a:ln>
+        </p:spPr>
+        <p:style>
+          <a:lnRef idx="2">
+            <a:schemeClr val="accent1">
+              <a:shade val="50000"/>
+            </a:schemeClr>
+          </a:lnRef>
+          <a:fillRef idx="1">
+            <a:schemeClr val="accent1"/>
+          </a:fillRef>
+          <a:effectRef idx="0">
+            <a:schemeClr val="accent1"/>
+          </a:effectRef>
+          <a:fontRef idx="minor">
+            <a:schemeClr val="lt1"/>
+          </a:fontRef>
+        </p:style>
+        <p:txBody>
+          <a:bodyPr rtlCol="0" anchor="ctr"/>
+          <a:lstStyle/>
+          <a:p>
+            <a:pPr algn="ctr"/>
+            <a:endParaRPr lang="en-US"/>
+          </a:p>
+        </p:txBody>
+      </p:sp>
+      <p:cxnSp>
+        <p:nvCxnSpPr>
+          <p:cNvPr id="10" name="Straight Arrow Connector 9">
+            <a:extLst>
+              <a:ext uri="{FF2B5EF4-FFF2-40B4-BE49-F238E27FC236}">
+                <a16:creationId xmlns:a16="http://schemas.microsoft.com/office/drawing/2014/main" id="{14DCCB06-3A41-4DA9-9BF4-45F8DCD5AF08}"/>
+              </a:ext>
+            </a:extLst>
+          </p:cNvPr>
+          <p:cNvCxnSpPr>
+            <a:stCxn id="8" idx="1"/>
+            <a:endCxn id="7" idx="3"/>
+          </p:cNvCxnSpPr>
+          <p:nvPr/>
+        </p:nvCxnSpPr>
+        <p:spPr>
+          <a:xfrm flipH="1" flipV="1">
+            <a:off x="5695123" y="3611341"/>
+            <a:ext cx="632017" cy="130810"/>
+          </a:xfrm>
+          <a:prstGeom prst="straightConnector1">
+            <a:avLst/>
+          </a:prstGeom>
+          <a:ln>
+            <a:solidFill>
+              <a:srgbClr val="FF0000"/>
+            </a:solidFill>
+            <a:tailEnd type="triangle"/>
+          </a:ln>
+        </p:spPr>
+        <p:style>
+          <a:lnRef idx="1">
+            <a:schemeClr val="accent1"/>
+          </a:lnRef>
+          <a:fillRef idx="0">
+            <a:schemeClr val="accent1"/>
+          </a:fillRef>
+          <a:effectRef idx="0">
+            <a:schemeClr val="accent1"/>
+          </a:effectRef>
+          <a:fontRef idx="minor">
+            <a:schemeClr val="tx1"/>
+          </a:fontRef>
+        </p:style>
+      </p:cxnSp>
+      <p:pic>
+        <p:nvPicPr>
+          <p:cNvPr id="2072" name="Picture 24">
+            <a:extLst>
+              <a:ext uri="{FF2B5EF4-FFF2-40B4-BE49-F238E27FC236}">
+                <a16:creationId xmlns:a16="http://schemas.microsoft.com/office/drawing/2014/main" id="{27AC79C0-7369-48F7-9914-50D54546CED8}"/>
+              </a:ext>
+            </a:extLst>
+          </p:cNvPr>
+          <p:cNvPicPr>
+            <a:picLocks noChangeAspect="1" noChangeArrowheads="1"/>
+          </p:cNvPicPr>
+          <p:nvPr/>
+        </p:nvPicPr>
+        <p:blipFill>
+          <a:blip r:embed="rId7">
+            <a:extLst>
+              <a:ext uri="{28A0092B-C50C-407E-A947-70E740481C1C}">
+                <a14:useLocalDpi xmlns:a14="http://schemas.microsoft.com/office/drawing/2010/main" val="0"/>
+              </a:ext>
+            </a:extLst>
+          </a:blip>
+          <a:srcRect/>
+          <a:stretch>
+            <a:fillRect/>
+          </a:stretch>
+        </p:blipFill>
+        <p:spPr bwMode="auto">
+          <a:xfrm>
+            <a:off x="5851273" y="1717284"/>
+            <a:ext cx="5777068" cy="2374583"/>
+          </a:xfrm>
+          <a:prstGeom prst="rect">
+            <a:avLst/>
+          </a:prstGeom>
+          <a:noFill/>
+          <a:extLst>
+            <a:ext uri="{909E8E84-426E-40DD-AFC4-6F175D3DCCD1}">
+              <a14:hiddenFill xmlns:a14="http://schemas.microsoft.com/office/drawing/2010/main">
+                <a:solidFill>
+                  <a:srgbClr val="FFFFFF"/>
+                </a:solidFill>
+              </a14:hiddenFill>
+            </a:ext>
+          </a:extLst>
+        </p:spPr>
+      </p:pic>
+      <p:sp>
+        <p:nvSpPr>
+          <p:cNvPr id="11" name="Rectangle 10">
+            <a:extLst>
+              <a:ext uri="{FF2B5EF4-FFF2-40B4-BE49-F238E27FC236}">
+                <a16:creationId xmlns:a16="http://schemas.microsoft.com/office/drawing/2014/main" id="{8CE19238-2018-49E3-BC10-19F681A41787}"/>
+              </a:ext>
+            </a:extLst>
+          </p:cNvPr>
+          <p:cNvSpPr/>
+          <p:nvPr/>
+        </p:nvSpPr>
+        <p:spPr>
+          <a:xfrm>
+            <a:off x="5486400" y="1613193"/>
+            <a:ext cx="6453855" cy="900341"/>
+          </a:xfrm>
+          <a:prstGeom prst="rect">
+            <a:avLst/>
+          </a:prstGeom>
+          <a:solidFill>
+            <a:schemeClr val="bg1"/>
+          </a:solidFill>
+          <a:ln>
+            <a:noFill/>
+          </a:ln>
+        </p:spPr>
+        <p:style>
+          <a:lnRef idx="2">
+            <a:schemeClr val="accent1">
+              <a:shade val="50000"/>
+            </a:schemeClr>
+          </a:lnRef>
+          <a:fillRef idx="1">
+            <a:schemeClr val="accent1"/>
+          </a:fillRef>
+          <a:effectRef idx="0">
+            <a:schemeClr val="accent1"/>
+          </a:effectRef>
+          <a:fontRef idx="minor">
+            <a:schemeClr val="lt1"/>
+          </a:fontRef>
+        </p:style>
+        <p:txBody>
+          <a:bodyPr rtlCol="0" anchor="ctr"/>
+          <a:lstStyle/>
+          <a:p>
+            <a:pPr algn="ctr"/>
+            <a:endParaRPr lang="en-US"/>
+          </a:p>
+        </p:txBody>
+      </p:sp>
+      <p:pic>
+        <p:nvPicPr>
+          <p:cNvPr id="2076" name="Picture 28">
+            <a:extLst>
+              <a:ext uri="{FF2B5EF4-FFF2-40B4-BE49-F238E27FC236}">
+                <a16:creationId xmlns:a16="http://schemas.microsoft.com/office/drawing/2014/main" id="{EA20470F-8F6A-43C6-8821-CEFA8527CCFD}"/>
+              </a:ext>
+            </a:extLst>
+          </p:cNvPr>
+          <p:cNvPicPr>
+            <a:picLocks noChangeAspect="1" noChangeArrowheads="1"/>
+          </p:cNvPicPr>
+          <p:nvPr/>
+        </p:nvPicPr>
+        <p:blipFill>
+          <a:blip r:embed="rId8">
+            <a:extLst>
+              <a:ext uri="{28A0092B-C50C-407E-A947-70E740481C1C}">
+                <a14:useLocalDpi xmlns:a14="http://schemas.microsoft.com/office/drawing/2010/main" val="0"/>
+              </a:ext>
+            </a:extLst>
+          </a:blip>
+          <a:srcRect/>
+          <a:stretch>
+            <a:fillRect/>
+          </a:stretch>
+        </p:blipFill>
+        <p:spPr bwMode="auto">
+          <a:xfrm>
+            <a:off x="3593432" y="2063363"/>
+            <a:ext cx="8458200" cy="4505325"/>
+          </a:xfrm>
+          <a:prstGeom prst="rect">
+            <a:avLst/>
+          </a:prstGeom>
+          <a:noFill/>
+          <a:extLst>
+            <a:ext uri="{909E8E84-426E-40DD-AFC4-6F175D3DCCD1}">
+              <a14:hiddenFill xmlns:a14="http://schemas.microsoft.com/office/drawing/2010/main">
+                <a:solidFill>
+                  <a:srgbClr val="FFFFFF"/>
+                </a:solidFill>
+              </a14:hiddenFill>
+            </a:ext>
+          </a:extLst>
+        </p:spPr>
+      </p:pic>
     </p:spTree>
     <p:extLst>
       <p:ext uri="{BB962C8B-B14F-4D97-AF65-F5344CB8AC3E}">
@@ -7504,10 +11232,583 @@
   <p:clrMapOvr>
     <a:masterClrMapping/>
   </p:clrMapOvr>
+  <p:timing>
+    <p:tnLst>
+      <p:par>
+        <p:cTn id="1" dur="indefinite" restart="never" nodeType="tmRoot">
+          <p:childTnLst>
+            <p:seq concurrent="1" nextAc="seek">
+              <p:cTn id="2" dur="indefinite" nodeType="mainSeq">
+                <p:childTnLst>
+                  <p:par>
+                    <p:cTn id="3" fill="hold">
+                      <p:stCondLst>
+                        <p:cond delay="indefinite"/>
+                      </p:stCondLst>
+                      <p:childTnLst>
+                        <p:par>
+                          <p:cTn id="4" fill="hold">
+                            <p:stCondLst>
+                              <p:cond delay="0"/>
+                            </p:stCondLst>
+                            <p:childTnLst>
+                              <p:par>
+                                <p:cTn id="5" presetID="10" presetClass="entr" presetSubtype="0" fill="hold" nodeType="clickEffect">
+                                  <p:stCondLst>
+                                    <p:cond delay="0"/>
+                                  </p:stCondLst>
+                                  <p:childTnLst>
+                                    <p:set>
+                                      <p:cBhvr>
+                                        <p:cTn id="6" dur="1" fill="hold">
+                                          <p:stCondLst>
+                                            <p:cond delay="0"/>
+                                          </p:stCondLst>
+                                        </p:cTn>
+                                        <p:tgtEl>
+                                          <p:spTgt spid="2066"/>
+                                        </p:tgtEl>
+                                        <p:attrNameLst>
+                                          <p:attrName>style.visibility</p:attrName>
+                                        </p:attrNameLst>
+                                      </p:cBhvr>
+                                      <p:to>
+                                        <p:strVal val="visible"/>
+                                      </p:to>
+                                    </p:set>
+                                    <p:animEffect transition="in" filter="fade">
+                                      <p:cBhvr>
+                                        <p:cTn id="7" dur="500"/>
+                                        <p:tgtEl>
+                                          <p:spTgt spid="2066"/>
+                                        </p:tgtEl>
+                                      </p:cBhvr>
+                                    </p:animEffect>
+                                  </p:childTnLst>
+                                </p:cTn>
+                              </p:par>
+                            </p:childTnLst>
+                          </p:cTn>
+                        </p:par>
+                      </p:childTnLst>
+                    </p:cTn>
+                  </p:par>
+                  <p:par>
+                    <p:cTn id="8" fill="hold">
+                      <p:stCondLst>
+                        <p:cond delay="indefinite"/>
+                      </p:stCondLst>
+                      <p:childTnLst>
+                        <p:par>
+                          <p:cTn id="9" fill="hold">
+                            <p:stCondLst>
+                              <p:cond delay="0"/>
+                            </p:stCondLst>
+                            <p:childTnLst>
+                              <p:par>
+                                <p:cTn id="10" presetID="10" presetClass="entr" presetSubtype="0" fill="hold" nodeType="clickEffect">
+                                  <p:stCondLst>
+                                    <p:cond delay="0"/>
+                                  </p:stCondLst>
+                                  <p:childTnLst>
+                                    <p:set>
+                                      <p:cBhvr>
+                                        <p:cTn id="11" dur="1" fill="hold">
+                                          <p:stCondLst>
+                                            <p:cond delay="0"/>
+                                          </p:stCondLst>
+                                        </p:cTn>
+                                        <p:tgtEl>
+                                          <p:spTgt spid="2068"/>
+                                        </p:tgtEl>
+                                        <p:attrNameLst>
+                                          <p:attrName>style.visibility</p:attrName>
+                                        </p:attrNameLst>
+                                      </p:cBhvr>
+                                      <p:to>
+                                        <p:strVal val="visible"/>
+                                      </p:to>
+                                    </p:set>
+                                    <p:animEffect transition="in" filter="fade">
+                                      <p:cBhvr>
+                                        <p:cTn id="12" dur="500"/>
+                                        <p:tgtEl>
+                                          <p:spTgt spid="2068"/>
+                                        </p:tgtEl>
+                                      </p:cBhvr>
+                                    </p:animEffect>
+                                  </p:childTnLst>
+                                </p:cTn>
+                              </p:par>
+                            </p:childTnLst>
+                          </p:cTn>
+                        </p:par>
+                      </p:childTnLst>
+                    </p:cTn>
+                  </p:par>
+                  <p:par>
+                    <p:cTn id="13" fill="hold">
+                      <p:stCondLst>
+                        <p:cond delay="indefinite"/>
+                      </p:stCondLst>
+                      <p:childTnLst>
+                        <p:par>
+                          <p:cTn id="14" fill="hold">
+                            <p:stCondLst>
+                              <p:cond delay="0"/>
+                            </p:stCondLst>
+                            <p:childTnLst>
+                              <p:par>
+                                <p:cTn id="15" presetID="10" presetClass="entr" presetSubtype="0" fill="hold" nodeType="clickEffect">
+                                  <p:stCondLst>
+                                    <p:cond delay="0"/>
+                                  </p:stCondLst>
+                                  <p:childTnLst>
+                                    <p:set>
+                                      <p:cBhvr>
+                                        <p:cTn id="16" dur="1" fill="hold">
+                                          <p:stCondLst>
+                                            <p:cond delay="0"/>
+                                          </p:stCondLst>
+                                        </p:cTn>
+                                        <p:tgtEl>
+                                          <p:spTgt spid="2070"/>
+                                        </p:tgtEl>
+                                        <p:attrNameLst>
+                                          <p:attrName>style.visibility</p:attrName>
+                                        </p:attrNameLst>
+                                      </p:cBhvr>
+                                      <p:to>
+                                        <p:strVal val="visible"/>
+                                      </p:to>
+                                    </p:set>
+                                    <p:animEffect transition="in" filter="fade">
+                                      <p:cBhvr>
+                                        <p:cTn id="17" dur="500"/>
+                                        <p:tgtEl>
+                                          <p:spTgt spid="2070"/>
+                                        </p:tgtEl>
+                                      </p:cBhvr>
+                                    </p:animEffect>
+                                  </p:childTnLst>
+                                </p:cTn>
+                              </p:par>
+                            </p:childTnLst>
+                          </p:cTn>
+                        </p:par>
+                      </p:childTnLst>
+                    </p:cTn>
+                  </p:par>
+                  <p:par>
+                    <p:cTn id="18" fill="hold">
+                      <p:stCondLst>
+                        <p:cond delay="indefinite"/>
+                      </p:stCondLst>
+                      <p:childTnLst>
+                        <p:par>
+                          <p:cTn id="19" fill="hold">
+                            <p:stCondLst>
+                              <p:cond delay="0"/>
+                            </p:stCondLst>
+                            <p:childTnLst>
+                              <p:par>
+                                <p:cTn id="20" presetID="10" presetClass="entr" presetSubtype="0" fill="hold" nodeType="clickEffect">
+                                  <p:stCondLst>
+                                    <p:cond delay="0"/>
+                                  </p:stCondLst>
+                                  <p:childTnLst>
+                                    <p:set>
+                                      <p:cBhvr>
+                                        <p:cTn id="21" dur="1" fill="hold">
+                                          <p:stCondLst>
+                                            <p:cond delay="0"/>
+                                          </p:stCondLst>
+                                        </p:cTn>
+                                        <p:tgtEl>
+                                          <p:spTgt spid="7"/>
+                                        </p:tgtEl>
+                                        <p:attrNameLst>
+                                          <p:attrName>style.visibility</p:attrName>
+                                        </p:attrNameLst>
+                                      </p:cBhvr>
+                                      <p:to>
+                                        <p:strVal val="visible"/>
+                                      </p:to>
+                                    </p:set>
+                                    <p:animEffect transition="in" filter="fade">
+                                      <p:cBhvr>
+                                        <p:cTn id="22" dur="500"/>
+                                        <p:tgtEl>
+                                          <p:spTgt spid="7"/>
+                                        </p:tgtEl>
+                                      </p:cBhvr>
+                                    </p:animEffect>
+                                  </p:childTnLst>
+                                </p:cTn>
+                              </p:par>
+                              <p:par>
+                                <p:cTn id="23" presetID="10" presetClass="entr" presetSubtype="0" fill="hold" grpId="0" nodeType="withEffect">
+                                  <p:stCondLst>
+                                    <p:cond delay="0"/>
+                                  </p:stCondLst>
+                                  <p:childTnLst>
+                                    <p:set>
+                                      <p:cBhvr>
+                                        <p:cTn id="24" dur="1" fill="hold">
+                                          <p:stCondLst>
+                                            <p:cond delay="0"/>
+                                          </p:stCondLst>
+                                        </p:cTn>
+                                        <p:tgtEl>
+                                          <p:spTgt spid="8"/>
+                                        </p:tgtEl>
+                                        <p:attrNameLst>
+                                          <p:attrName>style.visibility</p:attrName>
+                                        </p:attrNameLst>
+                                      </p:cBhvr>
+                                      <p:to>
+                                        <p:strVal val="visible"/>
+                                      </p:to>
+                                    </p:set>
+                                    <p:animEffect transition="in" filter="fade">
+                                      <p:cBhvr>
+                                        <p:cTn id="25" dur="500"/>
+                                        <p:tgtEl>
+                                          <p:spTgt spid="8"/>
+                                        </p:tgtEl>
+                                      </p:cBhvr>
+                                    </p:animEffect>
+                                  </p:childTnLst>
+                                </p:cTn>
+                              </p:par>
+                              <p:par>
+                                <p:cTn id="26" presetID="10" presetClass="entr" presetSubtype="0" fill="hold" nodeType="withEffect">
+                                  <p:stCondLst>
+                                    <p:cond delay="0"/>
+                                  </p:stCondLst>
+                                  <p:childTnLst>
+                                    <p:set>
+                                      <p:cBhvr>
+                                        <p:cTn id="27" dur="1" fill="hold">
+                                          <p:stCondLst>
+                                            <p:cond delay="0"/>
+                                          </p:stCondLst>
+                                        </p:cTn>
+                                        <p:tgtEl>
+                                          <p:spTgt spid="10"/>
+                                        </p:tgtEl>
+                                        <p:attrNameLst>
+                                          <p:attrName>style.visibility</p:attrName>
+                                        </p:attrNameLst>
+                                      </p:cBhvr>
+                                      <p:to>
+                                        <p:strVal val="visible"/>
+                                      </p:to>
+                                    </p:set>
+                                    <p:animEffect transition="in" filter="fade">
+                                      <p:cBhvr>
+                                        <p:cTn id="28" dur="500"/>
+                                        <p:tgtEl>
+                                          <p:spTgt spid="10"/>
+                                        </p:tgtEl>
+                                      </p:cBhvr>
+                                    </p:animEffect>
+                                  </p:childTnLst>
+                                </p:cTn>
+                              </p:par>
+                            </p:childTnLst>
+                          </p:cTn>
+                        </p:par>
+                      </p:childTnLst>
+                    </p:cTn>
+                  </p:par>
+                  <p:par>
+                    <p:cTn id="29" fill="hold">
+                      <p:stCondLst>
+                        <p:cond delay="indefinite"/>
+                      </p:stCondLst>
+                      <p:childTnLst>
+                        <p:par>
+                          <p:cTn id="30" fill="hold">
+                            <p:stCondLst>
+                              <p:cond delay="0"/>
+                            </p:stCondLst>
+                            <p:childTnLst>
+                              <p:par>
+                                <p:cTn id="31" presetID="10" presetClass="exit" presetSubtype="0" fill="hold" nodeType="clickEffect">
+                                  <p:stCondLst>
+                                    <p:cond delay="0"/>
+                                  </p:stCondLst>
+                                  <p:childTnLst>
+                                    <p:animEffect transition="out" filter="fade">
+                                      <p:cBhvr>
+                                        <p:cTn id="32" dur="500"/>
+                                        <p:tgtEl>
+                                          <p:spTgt spid="7"/>
+                                        </p:tgtEl>
+                                      </p:cBhvr>
+                                    </p:animEffect>
+                                    <p:set>
+                                      <p:cBhvr>
+                                        <p:cTn id="33" dur="1" fill="hold">
+                                          <p:stCondLst>
+                                            <p:cond delay="499"/>
+                                          </p:stCondLst>
+                                        </p:cTn>
+                                        <p:tgtEl>
+                                          <p:spTgt spid="7"/>
+                                        </p:tgtEl>
+                                        <p:attrNameLst>
+                                          <p:attrName>style.visibility</p:attrName>
+                                        </p:attrNameLst>
+                                      </p:cBhvr>
+                                      <p:to>
+                                        <p:strVal val="hidden"/>
+                                      </p:to>
+                                    </p:set>
+                                  </p:childTnLst>
+                                </p:cTn>
+                              </p:par>
+                              <p:par>
+                                <p:cTn id="34" presetID="10" presetClass="exit" presetSubtype="0" fill="hold" grpId="1" nodeType="withEffect">
+                                  <p:stCondLst>
+                                    <p:cond delay="0"/>
+                                  </p:stCondLst>
+                                  <p:childTnLst>
+                                    <p:animEffect transition="out" filter="fade">
+                                      <p:cBhvr>
+                                        <p:cTn id="35" dur="500"/>
+                                        <p:tgtEl>
+                                          <p:spTgt spid="8"/>
+                                        </p:tgtEl>
+                                      </p:cBhvr>
+                                    </p:animEffect>
+                                    <p:set>
+                                      <p:cBhvr>
+                                        <p:cTn id="36" dur="1" fill="hold">
+                                          <p:stCondLst>
+                                            <p:cond delay="499"/>
+                                          </p:stCondLst>
+                                        </p:cTn>
+                                        <p:tgtEl>
+                                          <p:spTgt spid="8"/>
+                                        </p:tgtEl>
+                                        <p:attrNameLst>
+                                          <p:attrName>style.visibility</p:attrName>
+                                        </p:attrNameLst>
+                                      </p:cBhvr>
+                                      <p:to>
+                                        <p:strVal val="hidden"/>
+                                      </p:to>
+                                    </p:set>
+                                  </p:childTnLst>
+                                </p:cTn>
+                              </p:par>
+                              <p:par>
+                                <p:cTn id="37" presetID="10" presetClass="exit" presetSubtype="0" fill="hold" nodeType="withEffect">
+                                  <p:stCondLst>
+                                    <p:cond delay="0"/>
+                                  </p:stCondLst>
+                                  <p:childTnLst>
+                                    <p:animEffect transition="out" filter="fade">
+                                      <p:cBhvr>
+                                        <p:cTn id="38" dur="500"/>
+                                        <p:tgtEl>
+                                          <p:spTgt spid="10"/>
+                                        </p:tgtEl>
+                                      </p:cBhvr>
+                                    </p:animEffect>
+                                    <p:set>
+                                      <p:cBhvr>
+                                        <p:cTn id="39" dur="1" fill="hold">
+                                          <p:stCondLst>
+                                            <p:cond delay="499"/>
+                                          </p:stCondLst>
+                                        </p:cTn>
+                                        <p:tgtEl>
+                                          <p:spTgt spid="10"/>
+                                        </p:tgtEl>
+                                        <p:attrNameLst>
+                                          <p:attrName>style.visibility</p:attrName>
+                                        </p:attrNameLst>
+                                      </p:cBhvr>
+                                      <p:to>
+                                        <p:strVal val="hidden"/>
+                                      </p:to>
+                                    </p:set>
+                                  </p:childTnLst>
+                                </p:cTn>
+                              </p:par>
+                            </p:childTnLst>
+                          </p:cTn>
+                        </p:par>
+                      </p:childTnLst>
+                    </p:cTn>
+                  </p:par>
+                  <p:par>
+                    <p:cTn id="40" fill="hold">
+                      <p:stCondLst>
+                        <p:cond delay="indefinite"/>
+                      </p:stCondLst>
+                      <p:childTnLst>
+                        <p:par>
+                          <p:cTn id="41" fill="hold">
+                            <p:stCondLst>
+                              <p:cond delay="0"/>
+                            </p:stCondLst>
+                            <p:childTnLst>
+                              <p:par>
+                                <p:cTn id="42" presetID="10" presetClass="entr" presetSubtype="0" fill="hold" nodeType="clickEffect">
+                                  <p:stCondLst>
+                                    <p:cond delay="0"/>
+                                  </p:stCondLst>
+                                  <p:childTnLst>
+                                    <p:set>
+                                      <p:cBhvr>
+                                        <p:cTn id="43" dur="1" fill="hold">
+                                          <p:stCondLst>
+                                            <p:cond delay="0"/>
+                                          </p:stCondLst>
+                                        </p:cTn>
+                                        <p:tgtEl>
+                                          <p:spTgt spid="2072"/>
+                                        </p:tgtEl>
+                                        <p:attrNameLst>
+                                          <p:attrName>style.visibility</p:attrName>
+                                        </p:attrNameLst>
+                                      </p:cBhvr>
+                                      <p:to>
+                                        <p:strVal val="visible"/>
+                                      </p:to>
+                                    </p:set>
+                                    <p:animEffect transition="in" filter="fade">
+                                      <p:cBhvr>
+                                        <p:cTn id="44" dur="500"/>
+                                        <p:tgtEl>
+                                          <p:spTgt spid="2072"/>
+                                        </p:tgtEl>
+                                      </p:cBhvr>
+                                    </p:animEffect>
+                                  </p:childTnLst>
+                                </p:cTn>
+                              </p:par>
+                            </p:childTnLst>
+                          </p:cTn>
+                        </p:par>
+                      </p:childTnLst>
+                    </p:cTn>
+                  </p:par>
+                  <p:par>
+                    <p:cTn id="45" fill="hold">
+                      <p:stCondLst>
+                        <p:cond delay="indefinite"/>
+                      </p:stCondLst>
+                      <p:childTnLst>
+                        <p:par>
+                          <p:cTn id="46" fill="hold">
+                            <p:stCondLst>
+                              <p:cond delay="0"/>
+                            </p:stCondLst>
+                            <p:childTnLst>
+                              <p:par>
+                                <p:cTn id="47" presetID="10" presetClass="entr" presetSubtype="0" fill="hold" grpId="0" nodeType="clickEffect">
+                                  <p:stCondLst>
+                                    <p:cond delay="0"/>
+                                  </p:stCondLst>
+                                  <p:childTnLst>
+                                    <p:set>
+                                      <p:cBhvr>
+                                        <p:cTn id="48" dur="1" fill="hold">
+                                          <p:stCondLst>
+                                            <p:cond delay="0"/>
+                                          </p:stCondLst>
+                                        </p:cTn>
+                                        <p:tgtEl>
+                                          <p:spTgt spid="11"/>
+                                        </p:tgtEl>
+                                        <p:attrNameLst>
+                                          <p:attrName>style.visibility</p:attrName>
+                                        </p:attrNameLst>
+                                      </p:cBhvr>
+                                      <p:to>
+                                        <p:strVal val="visible"/>
+                                      </p:to>
+                                    </p:set>
+                                    <p:animEffect transition="in" filter="fade">
+                                      <p:cBhvr>
+                                        <p:cTn id="49" dur="500"/>
+                                        <p:tgtEl>
+                                          <p:spTgt spid="11"/>
+                                        </p:tgtEl>
+                                      </p:cBhvr>
+                                    </p:animEffect>
+                                  </p:childTnLst>
+                                </p:cTn>
+                              </p:par>
+                              <p:par>
+                                <p:cTn id="50" presetID="1" presetClass="entr" presetSubtype="0" fill="hold" nodeType="withEffect">
+                                  <p:stCondLst>
+                                    <p:cond delay="0"/>
+                                  </p:stCondLst>
+                                  <p:childTnLst>
+                                    <p:set>
+                                      <p:cBhvr>
+                                        <p:cTn id="51" dur="1" fill="hold">
+                                          <p:stCondLst>
+                                            <p:cond delay="0"/>
+                                          </p:stCondLst>
+                                        </p:cTn>
+                                        <p:tgtEl>
+                                          <p:spTgt spid="2076"/>
+                                        </p:tgtEl>
+                                        <p:attrNameLst>
+                                          <p:attrName>style.visibility</p:attrName>
+                                        </p:attrNameLst>
+                                      </p:cBhvr>
+                                      <p:to>
+                                        <p:strVal val="visible"/>
+                                      </p:to>
+                                    </p:set>
+                                  </p:childTnLst>
+                                </p:cTn>
+                              </p:par>
+                            </p:childTnLst>
+                          </p:cTn>
+                        </p:par>
+                      </p:childTnLst>
+                    </p:cTn>
+                  </p:par>
+                </p:childTnLst>
+              </p:cTn>
+              <p:prevCondLst>
+                <p:cond evt="onPrev" delay="0">
+                  <p:tgtEl>
+                    <p:sldTgt/>
+                  </p:tgtEl>
+                </p:cond>
+              </p:prevCondLst>
+              <p:nextCondLst>
+                <p:cond evt="onNext" delay="0">
+                  <p:tgtEl>
+                    <p:sldTgt/>
+                  </p:tgtEl>
+                </p:cond>
+              </p:nextCondLst>
+            </p:seq>
+          </p:childTnLst>
+        </p:cTn>
+      </p:par>
+    </p:tnLst>
+    <p:bldLst>
+      <p:bldP spid="8" grpId="0" animBg="1"/>
+      <p:bldP spid="8" grpId="1" animBg="1"/>
+      <p:bldP spid="11" grpId="0" animBg="1"/>
+    </p:bldLst>
+  </p:timing>
 </p:sld>
 </file>
 
-<file path=ppt/slides/slide14.xml><?xml version="1.0" encoding="utf-8"?>
+<file path=ppt/slides/slide16.xml><?xml version="1.0" encoding="utf-8"?>
 <p:sld xmlns:a="http://schemas.openxmlformats.org/drawingml/2006/main" xmlns:r="http://schemas.openxmlformats.org/officeDocument/2006/relationships" xmlns:p="http://schemas.openxmlformats.org/presentationml/2006/main">
   <p:cSld>
     <p:spTree>
@@ -7807,7 +12108,7 @@
 </p:sld>
 </file>
 
-<file path=ppt/slides/slide15.xml><?xml version="1.0" encoding="utf-8"?>
+<file path=ppt/slides/slide17.xml><?xml version="1.0" encoding="utf-8"?>
 <p:sld xmlns:a="http://schemas.openxmlformats.org/drawingml/2006/main" xmlns:r="http://schemas.openxmlformats.org/officeDocument/2006/relationships" xmlns:p="http://schemas.openxmlformats.org/presentationml/2006/main">
   <p:cSld>
     <p:spTree>
@@ -7862,7 +12163,7 @@
 </p:sld>
 </file>
 
-<file path=ppt/slides/slide16.xml><?xml version="1.0" encoding="utf-8"?>
+<file path=ppt/slides/slide18.xml><?xml version="1.0" encoding="utf-8"?>
 <p:sld xmlns:a="http://schemas.openxmlformats.org/drawingml/2006/main" xmlns:r="http://schemas.openxmlformats.org/officeDocument/2006/relationships" xmlns:p="http://schemas.openxmlformats.org/presentationml/2006/main">
   <p:cSld>
     <p:spTree>
@@ -7922,7 +12223,7 @@
 </p:sld>
 </file>
 
-<file path=ppt/slides/slide17.xml><?xml version="1.0" encoding="utf-8"?>
+<file path=ppt/slides/slide19.xml><?xml version="1.0" encoding="utf-8"?>
 <p:sld xmlns:a="http://schemas.openxmlformats.org/drawingml/2006/main" xmlns:r="http://schemas.openxmlformats.org/officeDocument/2006/relationships" xmlns:p="http://schemas.openxmlformats.org/presentationml/2006/main">
   <p:cSld>
     <p:spTree>
@@ -8847,53 +13148,6 @@
           </a:extLst>
         </p:spPr>
       </p:pic>
-      <p:sp>
-        <p:nvSpPr>
-          <p:cNvPr id="8" name="Rectangle 7">
-            <a:extLst>
-              <a:ext uri="{FF2B5EF4-FFF2-40B4-BE49-F238E27FC236}">
-                <a16:creationId xmlns:a16="http://schemas.microsoft.com/office/drawing/2014/main" id="{41FFA9FB-D592-4779-A02E-407AEE61F9CE}"/>
-              </a:ext>
-            </a:extLst>
-          </p:cNvPr>
-          <p:cNvSpPr/>
-          <p:nvPr/>
-        </p:nvSpPr>
-        <p:spPr>
-          <a:xfrm>
-            <a:off x="6029225" y="2472489"/>
-            <a:ext cx="133550" cy="4150895"/>
-          </a:xfrm>
-          <a:prstGeom prst="rect">
-            <a:avLst/>
-          </a:prstGeom>
-          <a:ln>
-            <a:noFill/>
-          </a:ln>
-        </p:spPr>
-        <p:style>
-          <a:lnRef idx="3">
-            <a:schemeClr val="lt1"/>
-          </a:lnRef>
-          <a:fillRef idx="1">
-            <a:schemeClr val="accent3"/>
-          </a:fillRef>
-          <a:effectRef idx="1">
-            <a:schemeClr val="accent3"/>
-          </a:effectRef>
-          <a:fontRef idx="minor">
-            <a:schemeClr val="lt1"/>
-          </a:fontRef>
-        </p:style>
-        <p:txBody>
-          <a:bodyPr rtlCol="0" anchor="ctr"/>
-          <a:lstStyle/>
-          <a:p>
-            <a:pPr algn="ctr"/>
-            <a:endParaRPr lang="en-US"/>
-          </a:p>
-        </p:txBody>
-      </p:sp>
     </p:spTree>
     <p:extLst>
       <p:ext uri="{BB962C8B-B14F-4D97-AF65-F5344CB8AC3E}">
@@ -8951,53 +13205,6 @@
               <a:rPr lang="en-US" dirty="0"/>
               <a:t>Features: Lots of weather data</a:t>
             </a:r>
-          </a:p>
-        </p:txBody>
-      </p:sp>
-      <p:sp>
-        <p:nvSpPr>
-          <p:cNvPr id="4" name="Rectangle 3">
-            <a:extLst>
-              <a:ext uri="{FF2B5EF4-FFF2-40B4-BE49-F238E27FC236}">
-                <a16:creationId xmlns:a16="http://schemas.microsoft.com/office/drawing/2014/main" id="{DCD558E2-3819-48AD-9256-16FB9923DEF7}"/>
-              </a:ext>
-            </a:extLst>
-          </p:cNvPr>
-          <p:cNvSpPr/>
-          <p:nvPr/>
-        </p:nvSpPr>
-        <p:spPr>
-          <a:xfrm>
-            <a:off x="6029225" y="1093705"/>
-            <a:ext cx="133550" cy="5524842"/>
-          </a:xfrm>
-          <a:prstGeom prst="rect">
-            <a:avLst/>
-          </a:prstGeom>
-          <a:ln>
-            <a:noFill/>
-          </a:ln>
-        </p:spPr>
-        <p:style>
-          <a:lnRef idx="3">
-            <a:schemeClr val="lt1"/>
-          </a:lnRef>
-          <a:fillRef idx="1">
-            <a:schemeClr val="accent3"/>
-          </a:fillRef>
-          <a:effectRef idx="1">
-            <a:schemeClr val="accent3"/>
-          </a:effectRef>
-          <a:fontRef idx="minor">
-            <a:schemeClr val="lt1"/>
-          </a:fontRef>
-        </p:style>
-        <p:txBody>
-          <a:bodyPr rtlCol="0" anchor="ctr"/>
-          <a:lstStyle/>
-          <a:p>
-            <a:pPr algn="ctr"/>
-            <a:endParaRPr lang="en-US"/>
           </a:p>
         </p:txBody>
       </p:sp>
@@ -9095,6 +13302,41 @@
           </a:extLst>
         </p:spPr>
       </p:pic>
+      <p:sp>
+        <p:nvSpPr>
+          <p:cNvPr id="3" name="TextBox 2">
+            <a:extLst>
+              <a:ext uri="{FF2B5EF4-FFF2-40B4-BE49-F238E27FC236}">
+                <a16:creationId xmlns:a16="http://schemas.microsoft.com/office/drawing/2014/main" id="{903F0F82-693D-4F57-B882-BC9A33C3029E}"/>
+              </a:ext>
+            </a:extLst>
+          </p:cNvPr>
+          <p:cNvSpPr txBox="1"/>
+          <p:nvPr/>
+        </p:nvSpPr>
+        <p:spPr>
+          <a:xfrm>
+            <a:off x="3931669" y="6336450"/>
+            <a:ext cx="4785862" cy="369332"/>
+          </a:xfrm>
+          <a:prstGeom prst="rect">
+            <a:avLst/>
+          </a:prstGeom>
+          <a:noFill/>
+        </p:spPr>
+        <p:txBody>
+          <a:bodyPr wrap="none" rtlCol="0">
+            <a:spAutoFit/>
+          </a:bodyPr>
+          <a:lstStyle/>
+          <a:p>
+            <a:r>
+              <a:rPr lang="en-US" i="1" dirty="0"/>
+              <a:t>Pearson correlations do not account for sequence</a:t>
+            </a:r>
+          </a:p>
+        </p:txBody>
+      </p:sp>
     </p:spTree>
     <p:extLst>
       <p:ext uri="{BB962C8B-B14F-4D97-AF65-F5344CB8AC3E}">
@@ -9553,6 +13795,291 @@
 </file>
 
 <file path=ppt/slides/slide7.xml><?xml version="1.0" encoding="utf-8"?>
+<p:sld xmlns:a="http://schemas.openxmlformats.org/drawingml/2006/main" xmlns:r="http://schemas.openxmlformats.org/officeDocument/2006/relationships" xmlns:p="http://schemas.openxmlformats.org/presentationml/2006/main">
+  <p:cSld>
+    <p:spTree>
+      <p:nvGrpSpPr>
+        <p:cNvPr id="1" name=""/>
+        <p:cNvGrpSpPr/>
+        <p:nvPr/>
+      </p:nvGrpSpPr>
+      <p:grpSpPr>
+        <a:xfrm>
+          <a:off x="0" y="0"/>
+          <a:ext cx="0" cy="0"/>
+          <a:chOff x="0" y="0"/>
+          <a:chExt cx="0" cy="0"/>
+        </a:xfrm>
+      </p:grpSpPr>
+      <p:sp>
+        <p:nvSpPr>
+          <p:cNvPr id="2" name="Title 1">
+            <a:extLst>
+              <a:ext uri="{FF2B5EF4-FFF2-40B4-BE49-F238E27FC236}">
+                <a16:creationId xmlns:a16="http://schemas.microsoft.com/office/drawing/2014/main" id="{9D6456FF-427C-40C7-9B2B-39A8FE615BFC}"/>
+              </a:ext>
+            </a:extLst>
+          </p:cNvPr>
+          <p:cNvSpPr>
+            <a:spLocks noGrp="1"/>
+          </p:cNvSpPr>
+          <p:nvPr>
+            <p:ph type="title"/>
+          </p:nvPr>
+        </p:nvSpPr>
+        <p:spPr>
+          <a:xfrm>
+            <a:off x="140368" y="204823"/>
+            <a:ext cx="11915273" cy="412678"/>
+          </a:xfrm>
+        </p:spPr>
+        <p:txBody>
+          <a:bodyPr>
+            <a:normAutofit fontScale="90000"/>
+          </a:bodyPr>
+          <a:lstStyle/>
+          <a:p>
+            <a:r>
+              <a:rPr lang="en-US" dirty="0"/>
+              <a:t>Feature Engineering: One-hot Encoded Seasons</a:t>
+            </a:r>
+          </a:p>
+        </p:txBody>
+      </p:sp>
+      <p:pic>
+        <p:nvPicPr>
+          <p:cNvPr id="1026" name="Picture 2">
+            <a:extLst>
+              <a:ext uri="{FF2B5EF4-FFF2-40B4-BE49-F238E27FC236}">
+                <a16:creationId xmlns:a16="http://schemas.microsoft.com/office/drawing/2014/main" id="{D9967C0C-83EB-4E84-8AD1-157F51038A30}"/>
+              </a:ext>
+            </a:extLst>
+          </p:cNvPr>
+          <p:cNvPicPr>
+            <a:picLocks noChangeAspect="1" noChangeArrowheads="1"/>
+          </p:cNvPicPr>
+          <p:nvPr/>
+        </p:nvPicPr>
+        <p:blipFill>
+          <a:blip r:embed="rId2">
+            <a:extLst>
+              <a:ext uri="{28A0092B-C50C-407E-A947-70E740481C1C}">
+                <a14:useLocalDpi xmlns:a14="http://schemas.microsoft.com/office/drawing/2010/main" val="0"/>
+              </a:ext>
+            </a:extLst>
+          </a:blip>
+          <a:srcRect/>
+          <a:stretch>
+            <a:fillRect/>
+          </a:stretch>
+        </p:blipFill>
+        <p:spPr bwMode="auto">
+          <a:xfrm>
+            <a:off x="0" y="1862637"/>
+            <a:ext cx="5946213" cy="3350437"/>
+          </a:xfrm>
+          <a:prstGeom prst="rect">
+            <a:avLst/>
+          </a:prstGeom>
+          <a:noFill/>
+          <a:extLst>
+            <a:ext uri="{909E8E84-426E-40DD-AFC4-6F175D3DCCD1}">
+              <a14:hiddenFill xmlns:a14="http://schemas.microsoft.com/office/drawing/2010/main">
+                <a:solidFill>
+                  <a:srgbClr val="FFFFFF"/>
+                </a:solidFill>
+              </a14:hiddenFill>
+            </a:ext>
+          </a:extLst>
+        </p:spPr>
+      </p:pic>
+      <p:pic>
+        <p:nvPicPr>
+          <p:cNvPr id="1028" name="Picture 4">
+            <a:extLst>
+              <a:ext uri="{FF2B5EF4-FFF2-40B4-BE49-F238E27FC236}">
+                <a16:creationId xmlns:a16="http://schemas.microsoft.com/office/drawing/2014/main" id="{203F8100-FD12-49A9-8982-B3E42DA1E3E9}"/>
+              </a:ext>
+            </a:extLst>
+          </p:cNvPr>
+          <p:cNvPicPr>
+            <a:picLocks noChangeAspect="1" noChangeArrowheads="1"/>
+          </p:cNvPicPr>
+          <p:nvPr/>
+        </p:nvPicPr>
+        <p:blipFill>
+          <a:blip r:embed="rId3">
+            <a:extLst>
+              <a:ext uri="{28A0092B-C50C-407E-A947-70E740481C1C}">
+                <a14:useLocalDpi xmlns:a14="http://schemas.microsoft.com/office/drawing/2010/main" val="0"/>
+              </a:ext>
+            </a:extLst>
+          </a:blip>
+          <a:srcRect/>
+          <a:stretch>
+            <a:fillRect/>
+          </a:stretch>
+        </p:blipFill>
+        <p:spPr bwMode="auto">
+          <a:xfrm>
+            <a:off x="6245787" y="1862636"/>
+            <a:ext cx="5946213" cy="3350437"/>
+          </a:xfrm>
+          <a:prstGeom prst="rect">
+            <a:avLst/>
+          </a:prstGeom>
+          <a:noFill/>
+          <a:extLst>
+            <a:ext uri="{909E8E84-426E-40DD-AFC4-6F175D3DCCD1}">
+              <a14:hiddenFill xmlns:a14="http://schemas.microsoft.com/office/drawing/2010/main">
+                <a:solidFill>
+                  <a:srgbClr val="FFFFFF"/>
+                </a:solidFill>
+              </a14:hiddenFill>
+            </a:ext>
+          </a:extLst>
+        </p:spPr>
+      </p:pic>
+    </p:spTree>
+    <p:extLst>
+      <p:ext uri="{BB962C8B-B14F-4D97-AF65-F5344CB8AC3E}">
+        <p14:creationId xmlns:p14="http://schemas.microsoft.com/office/powerpoint/2010/main" val="3675001215"/>
+      </p:ext>
+    </p:extLst>
+  </p:cSld>
+  <p:clrMapOvr>
+    <a:masterClrMapping/>
+  </p:clrMapOvr>
+</p:sld>
+</file>
+
+<file path=ppt/slides/slide8.xml><?xml version="1.0" encoding="utf-8"?>
+<p:sld xmlns:a="http://schemas.openxmlformats.org/drawingml/2006/main" xmlns:r="http://schemas.openxmlformats.org/officeDocument/2006/relationships" xmlns:p="http://schemas.openxmlformats.org/presentationml/2006/main">
+  <p:cSld>
+    <p:spTree>
+      <p:nvGrpSpPr>
+        <p:cNvPr id="1" name=""/>
+        <p:cNvGrpSpPr/>
+        <p:nvPr/>
+      </p:nvGrpSpPr>
+      <p:grpSpPr>
+        <a:xfrm>
+          <a:off x="0" y="0"/>
+          <a:ext cx="0" cy="0"/>
+          <a:chOff x="0" y="0"/>
+          <a:chExt cx="0" cy="0"/>
+        </a:xfrm>
+      </p:grpSpPr>
+      <p:sp>
+        <p:nvSpPr>
+          <p:cNvPr id="2" name="Title 1">
+            <a:extLst>
+              <a:ext uri="{FF2B5EF4-FFF2-40B4-BE49-F238E27FC236}">
+                <a16:creationId xmlns:a16="http://schemas.microsoft.com/office/drawing/2014/main" id="{86424EB0-B9DD-4BC1-B448-9840D03CAE82}"/>
+              </a:ext>
+            </a:extLst>
+          </p:cNvPr>
+          <p:cNvSpPr>
+            <a:spLocks noGrp="1"/>
+          </p:cNvSpPr>
+          <p:nvPr>
+            <p:ph type="title"/>
+          </p:nvPr>
+        </p:nvSpPr>
+        <p:spPr/>
+        <p:txBody>
+          <a:bodyPr>
+            <a:normAutofit fontScale="90000"/>
+          </a:bodyPr>
+          <a:lstStyle/>
+          <a:p>
+            <a:r>
+              <a:rPr lang="en-US" dirty="0"/>
+              <a:t>How far back should a time series model “look”?</a:t>
+            </a:r>
+          </a:p>
+        </p:txBody>
+      </p:sp>
+      <p:sp>
+        <p:nvSpPr>
+          <p:cNvPr id="8" name="Content Placeholder 7">
+            <a:extLst>
+              <a:ext uri="{FF2B5EF4-FFF2-40B4-BE49-F238E27FC236}">
+                <a16:creationId xmlns:a16="http://schemas.microsoft.com/office/drawing/2014/main" id="{0D8106C1-A466-442E-BA83-A3F655C3C10F}"/>
+              </a:ext>
+            </a:extLst>
+          </p:cNvPr>
+          <p:cNvSpPr>
+            <a:spLocks noGrp="1"/>
+          </p:cNvSpPr>
+          <p:nvPr>
+            <p:ph sz="half" idx="1"/>
+          </p:nvPr>
+        </p:nvSpPr>
+        <p:spPr>
+          <a:xfrm>
+            <a:off x="140368" y="5357191"/>
+            <a:ext cx="11915272" cy="790945"/>
+          </a:xfrm>
+        </p:spPr>
+        <p:txBody>
+          <a:bodyPr>
+            <a:normAutofit/>
+          </a:bodyPr>
+          <a:lstStyle/>
+          <a:p>
+            <a:pPr marL="0" indent="0">
+              <a:buNone/>
+            </a:pPr>
+            <a:r>
+              <a:rPr lang="en-US" sz="2400" dirty="0"/>
+              <a:t>Following a “favorable” weather event, we’d expect to see reports of Dengue Fever in 3 weeks.</a:t>
+            </a:r>
+          </a:p>
+        </p:txBody>
+      </p:sp>
+      <p:graphicFrame>
+        <p:nvGraphicFramePr>
+          <p:cNvPr id="6" name="Chart 5">
+            <a:extLst>
+              <a:ext uri="{FF2B5EF4-FFF2-40B4-BE49-F238E27FC236}">
+                <a16:creationId xmlns:a16="http://schemas.microsoft.com/office/drawing/2014/main" id="{F269212E-9C53-45D7-AEFA-14D8EAA4434E}"/>
+              </a:ext>
+            </a:extLst>
+          </p:cNvPr>
+          <p:cNvGraphicFramePr/>
+          <p:nvPr>
+            <p:extLst>
+              <p:ext uri="{D42A27DB-BD31-4B8C-83A1-F6EECF244321}">
+                <p14:modId xmlns:p14="http://schemas.microsoft.com/office/powerpoint/2010/main" val="1938105039"/>
+              </p:ext>
+            </p:extLst>
+          </p:nvPr>
+        </p:nvGraphicFramePr>
+        <p:xfrm>
+          <a:off x="70184" y="983978"/>
+          <a:ext cx="12051631" cy="3240156"/>
+        </p:xfrm>
+        <a:graphic>
+          <a:graphicData uri="http://schemas.openxmlformats.org/drawingml/2006/chart">
+            <c:chart xmlns:c="http://schemas.openxmlformats.org/drawingml/2006/chart" xmlns:r="http://schemas.openxmlformats.org/officeDocument/2006/relationships" r:id="rId2"/>
+          </a:graphicData>
+        </a:graphic>
+      </p:graphicFrame>
+    </p:spTree>
+    <p:extLst>
+      <p:ext uri="{BB962C8B-B14F-4D97-AF65-F5344CB8AC3E}">
+        <p14:creationId xmlns:p14="http://schemas.microsoft.com/office/powerpoint/2010/main" val="1469074072"/>
+      </p:ext>
+    </p:extLst>
+  </p:cSld>
+  <p:clrMapOvr>
+    <a:masterClrMapping/>
+  </p:clrMapOvr>
+</p:sld>
+</file>
+
+<file path=ppt/slides/slide9.xml><?xml version="1.0" encoding="utf-8"?>
 <p:sld xmlns:a="http://schemas.openxmlformats.org/drawingml/2006/main" xmlns:r="http://schemas.openxmlformats.org/officeDocument/2006/relationships" xmlns:p="http://schemas.openxmlformats.org/presentationml/2006/main">
   <p:cSld>
     <p:bg>
@@ -22180,1806 +26707,6 @@
 </p:sld>
 </file>
 
-<file path=ppt/slides/slide8.xml><?xml version="1.0" encoding="utf-8"?>
-<p:sld xmlns:a="http://schemas.openxmlformats.org/drawingml/2006/main" xmlns:r="http://schemas.openxmlformats.org/officeDocument/2006/relationships" xmlns:p="http://schemas.openxmlformats.org/presentationml/2006/main">
-  <p:cSld>
-    <p:spTree>
-      <p:nvGrpSpPr>
-        <p:cNvPr id="1" name=""/>
-        <p:cNvGrpSpPr/>
-        <p:nvPr/>
-      </p:nvGrpSpPr>
-      <p:grpSpPr>
-        <a:xfrm>
-          <a:off x="0" y="0"/>
-          <a:ext cx="0" cy="0"/>
-          <a:chOff x="0" y="0"/>
-          <a:chExt cx="0" cy="0"/>
-        </a:xfrm>
-      </p:grpSpPr>
-      <p:sp>
-        <p:nvSpPr>
-          <p:cNvPr id="2" name="Title 1">
-            <a:extLst>
-              <a:ext uri="{FF2B5EF4-FFF2-40B4-BE49-F238E27FC236}">
-                <a16:creationId xmlns:a16="http://schemas.microsoft.com/office/drawing/2014/main" id="{26077505-5A62-460F-B7E3-999694ACA5F9}"/>
-              </a:ext>
-            </a:extLst>
-          </p:cNvPr>
-          <p:cNvSpPr>
-            <a:spLocks noGrp="1"/>
-          </p:cNvSpPr>
-          <p:nvPr>
-            <p:ph type="title"/>
-          </p:nvPr>
-        </p:nvSpPr>
-        <p:spPr/>
-        <p:txBody>
-          <a:bodyPr>
-            <a:normAutofit fontScale="90000"/>
-          </a:bodyPr>
-          <a:lstStyle/>
-          <a:p>
-            <a:r>
-              <a:rPr lang="en-US" dirty="0"/>
-              <a:t>Challenge: Choosing Validation Data (San Juan)</a:t>
-            </a:r>
-          </a:p>
-        </p:txBody>
-      </p:sp>
-      <p:sp>
-        <p:nvSpPr>
-          <p:cNvPr id="3" name="Content Placeholder 2">
-            <a:extLst>
-              <a:ext uri="{FF2B5EF4-FFF2-40B4-BE49-F238E27FC236}">
-                <a16:creationId xmlns:a16="http://schemas.microsoft.com/office/drawing/2014/main" id="{261C8515-0914-44E3-96CD-7AE99BB32AEE}"/>
-              </a:ext>
-            </a:extLst>
-          </p:cNvPr>
-          <p:cNvSpPr>
-            <a:spLocks noGrp="1"/>
-          </p:cNvSpPr>
-          <p:nvPr>
-            <p:ph sz="half" idx="1"/>
-          </p:nvPr>
-        </p:nvSpPr>
-        <p:spPr>
-          <a:xfrm>
-            <a:off x="6958760" y="851067"/>
-            <a:ext cx="5096880" cy="5297070"/>
-          </a:xfrm>
-        </p:spPr>
-        <p:txBody>
-          <a:bodyPr/>
-          <a:lstStyle/>
-          <a:p>
-            <a:r>
-              <a:rPr lang="en-US" dirty="0"/>
-              <a:t>No random sampling – order must be maintained for correct training</a:t>
-            </a:r>
-          </a:p>
-          <a:p>
-            <a:r>
-              <a:rPr lang="en-US" dirty="0"/>
-              <a:t>Split in </a:t>
-            </a:r>
-            <a:r>
-              <a:rPr lang="en-US" dirty="0">
-                <a:solidFill>
-                  <a:srgbClr val="FF0000"/>
-                </a:solidFill>
-              </a:rPr>
-              <a:t>red</a:t>
-            </a:r>
-            <a:r>
-              <a:rPr lang="en-US" dirty="0"/>
-              <a:t> zone: Validation data has no big outbreak, so validation loss consistently lower than training loss</a:t>
-            </a:r>
-          </a:p>
-          <a:p>
-            <a:r>
-              <a:rPr lang="en-US" dirty="0"/>
-              <a:t>Split in </a:t>
-            </a:r>
-            <a:r>
-              <a:rPr lang="en-US" dirty="0">
-                <a:solidFill>
-                  <a:srgbClr val="0070C0"/>
-                </a:solidFill>
-              </a:rPr>
-              <a:t>blue</a:t>
-            </a:r>
-            <a:r>
-              <a:rPr lang="en-US" dirty="0"/>
-              <a:t> zone: sparse training data, and risk of splitting up the leading indicators of the second outbreak</a:t>
-            </a:r>
-          </a:p>
-        </p:txBody>
-      </p:sp>
-      <p:pic>
-        <p:nvPicPr>
-          <p:cNvPr id="1026" name="Picture 2">
-            <a:extLst>
-              <a:ext uri="{FF2B5EF4-FFF2-40B4-BE49-F238E27FC236}">
-                <a16:creationId xmlns:a16="http://schemas.microsoft.com/office/drawing/2014/main" id="{899A5A5D-D41E-4C14-820D-AF0C111F50C7}"/>
-              </a:ext>
-            </a:extLst>
-          </p:cNvPr>
-          <p:cNvPicPr>
-            <a:picLocks noChangeAspect="1" noChangeArrowheads="1"/>
-          </p:cNvPicPr>
-          <p:nvPr/>
-        </p:nvPicPr>
-        <p:blipFill>
-          <a:blip r:embed="rId2">
-            <a:extLst>
-              <a:ext uri="{28A0092B-C50C-407E-A947-70E740481C1C}">
-                <a14:useLocalDpi xmlns:a14="http://schemas.microsoft.com/office/drawing/2010/main" val="0"/>
-              </a:ext>
-            </a:extLst>
-          </a:blip>
-          <a:srcRect/>
-          <a:stretch>
-            <a:fillRect/>
-          </a:stretch>
-        </p:blipFill>
-        <p:spPr bwMode="auto">
-          <a:xfrm>
-            <a:off x="0" y="1424644"/>
-            <a:ext cx="6958760" cy="3833615"/>
-          </a:xfrm>
-          <a:prstGeom prst="rect">
-            <a:avLst/>
-          </a:prstGeom>
-          <a:noFill/>
-          <a:extLst>
-            <a:ext uri="{909E8E84-426E-40DD-AFC4-6F175D3DCCD1}">
-              <a14:hiddenFill xmlns:a14="http://schemas.microsoft.com/office/drawing/2010/main">
-                <a:solidFill>
-                  <a:srgbClr val="FFFFFF"/>
-                </a:solidFill>
-              </a14:hiddenFill>
-            </a:ext>
-          </a:extLst>
-        </p:spPr>
-      </p:pic>
-      <p:sp>
-        <p:nvSpPr>
-          <p:cNvPr id="4" name="Rectangle 3">
-            <a:extLst>
-              <a:ext uri="{FF2B5EF4-FFF2-40B4-BE49-F238E27FC236}">
-                <a16:creationId xmlns:a16="http://schemas.microsoft.com/office/drawing/2014/main" id="{3A875EA6-C05B-4133-90DD-422BCB5E7580}"/>
-              </a:ext>
-            </a:extLst>
-          </p:cNvPr>
-          <p:cNvSpPr/>
-          <p:nvPr/>
-        </p:nvSpPr>
-        <p:spPr>
-          <a:xfrm>
-            <a:off x="3589506" y="1621653"/>
-            <a:ext cx="3297677" cy="3436729"/>
-          </a:xfrm>
-          <a:prstGeom prst="rect">
-            <a:avLst/>
-          </a:prstGeom>
-          <a:gradFill>
-            <a:gsLst>
-              <a:gs pos="0">
-                <a:srgbClr val="FF0000">
-                  <a:alpha val="50000"/>
-                </a:srgbClr>
-              </a:gs>
-              <a:gs pos="100000">
-                <a:srgbClr val="FF0000">
-                  <a:alpha val="0"/>
-                </a:srgbClr>
-              </a:gs>
-            </a:gsLst>
-            <a:lin ang="0" scaled="0"/>
-          </a:gradFill>
-          <a:ln>
-            <a:noFill/>
-          </a:ln>
-        </p:spPr>
-        <p:style>
-          <a:lnRef idx="2">
-            <a:schemeClr val="accent1">
-              <a:shade val="50000"/>
-            </a:schemeClr>
-          </a:lnRef>
-          <a:fillRef idx="1">
-            <a:schemeClr val="accent1"/>
-          </a:fillRef>
-          <a:effectRef idx="0">
-            <a:schemeClr val="accent1"/>
-          </a:effectRef>
-          <a:fontRef idx="minor">
-            <a:schemeClr val="lt1"/>
-          </a:fontRef>
-        </p:style>
-        <p:txBody>
-          <a:bodyPr rtlCol="0" anchor="ctr"/>
-          <a:lstStyle/>
-          <a:p>
-            <a:pPr algn="ctr"/>
-            <a:endParaRPr lang="en-US"/>
-          </a:p>
-        </p:txBody>
-      </p:sp>
-      <p:sp>
-        <p:nvSpPr>
-          <p:cNvPr id="6" name="Rectangle 5">
-            <a:extLst>
-              <a:ext uri="{FF2B5EF4-FFF2-40B4-BE49-F238E27FC236}">
-                <a16:creationId xmlns:a16="http://schemas.microsoft.com/office/drawing/2014/main" id="{FB6461BE-6F74-4907-BA2B-E2C2AA476B78}"/>
-              </a:ext>
-            </a:extLst>
-          </p:cNvPr>
-          <p:cNvSpPr/>
-          <p:nvPr/>
-        </p:nvSpPr>
-        <p:spPr>
-          <a:xfrm>
-            <a:off x="2321668" y="1621653"/>
-            <a:ext cx="1355387" cy="3436730"/>
-          </a:xfrm>
-          <a:prstGeom prst="rect">
-            <a:avLst/>
-          </a:prstGeom>
-          <a:gradFill>
-            <a:gsLst>
-              <a:gs pos="0">
-                <a:srgbClr val="0070C0">
-                  <a:alpha val="50000"/>
-                </a:srgbClr>
-              </a:gs>
-              <a:gs pos="100000">
-                <a:srgbClr val="0070C0">
-                  <a:alpha val="0"/>
-                </a:srgbClr>
-              </a:gs>
-            </a:gsLst>
-            <a:lin ang="0" scaled="0"/>
-          </a:gradFill>
-          <a:ln>
-            <a:noFill/>
-          </a:ln>
-        </p:spPr>
-        <p:style>
-          <a:lnRef idx="2">
-            <a:schemeClr val="accent1">
-              <a:shade val="50000"/>
-            </a:schemeClr>
-          </a:lnRef>
-          <a:fillRef idx="1">
-            <a:schemeClr val="accent1"/>
-          </a:fillRef>
-          <a:effectRef idx="0">
-            <a:schemeClr val="accent1"/>
-          </a:effectRef>
-          <a:fontRef idx="minor">
-            <a:schemeClr val="lt1"/>
-          </a:fontRef>
-        </p:style>
-        <p:txBody>
-          <a:bodyPr rtlCol="0" anchor="ctr"/>
-          <a:lstStyle/>
-          <a:p>
-            <a:pPr algn="ctr"/>
-            <a:endParaRPr lang="en-US"/>
-          </a:p>
-        </p:txBody>
-      </p:sp>
-    </p:spTree>
-    <p:extLst>
-      <p:ext uri="{BB962C8B-B14F-4D97-AF65-F5344CB8AC3E}">
-        <p14:creationId xmlns:p14="http://schemas.microsoft.com/office/powerpoint/2010/main" val="1849829659"/>
-      </p:ext>
-    </p:extLst>
-  </p:cSld>
-  <p:clrMapOvr>
-    <a:masterClrMapping/>
-  </p:clrMapOvr>
-</p:sld>
-</file>
-
-<file path=ppt/slides/slide9.xml><?xml version="1.0" encoding="utf-8"?>
-<p:sld xmlns:a="http://schemas.openxmlformats.org/drawingml/2006/main" xmlns:r="http://schemas.openxmlformats.org/officeDocument/2006/relationships" xmlns:p="http://schemas.openxmlformats.org/presentationml/2006/main">
-  <p:cSld>
-    <p:spTree>
-      <p:nvGrpSpPr>
-        <p:cNvPr id="1" name=""/>
-        <p:cNvGrpSpPr/>
-        <p:nvPr/>
-      </p:nvGrpSpPr>
-      <p:grpSpPr>
-        <a:xfrm>
-          <a:off x="0" y="0"/>
-          <a:ext cx="0" cy="0"/>
-          <a:chOff x="0" y="0"/>
-          <a:chExt cx="0" cy="0"/>
-        </a:xfrm>
-      </p:grpSpPr>
-      <p:sp>
-        <p:nvSpPr>
-          <p:cNvPr id="2" name="Title 1">
-            <a:extLst>
-              <a:ext uri="{FF2B5EF4-FFF2-40B4-BE49-F238E27FC236}">
-                <a16:creationId xmlns:a16="http://schemas.microsoft.com/office/drawing/2014/main" id="{7D12DEC2-D344-4C2B-A07D-F6408A1F7B13}"/>
-              </a:ext>
-            </a:extLst>
-          </p:cNvPr>
-          <p:cNvSpPr>
-            <a:spLocks noGrp="1"/>
-          </p:cNvSpPr>
-          <p:nvPr>
-            <p:ph type="title"/>
-          </p:nvPr>
-        </p:nvSpPr>
-        <p:spPr/>
-        <p:txBody>
-          <a:bodyPr>
-            <a:normAutofit fontScale="90000"/>
-          </a:bodyPr>
-          <a:lstStyle/>
-          <a:p>
-            <a:r>
-              <a:rPr lang="en-US" dirty="0"/>
-              <a:t>Walk Forward Validation</a:t>
-            </a:r>
-          </a:p>
-        </p:txBody>
-      </p:sp>
-      <p:pic>
-        <p:nvPicPr>
-          <p:cNvPr id="4" name="Picture 2">
-            <a:extLst>
-              <a:ext uri="{FF2B5EF4-FFF2-40B4-BE49-F238E27FC236}">
-                <a16:creationId xmlns:a16="http://schemas.microsoft.com/office/drawing/2014/main" id="{69AF9EB3-47A7-4F78-9C3F-BA27DA6193FC}"/>
-              </a:ext>
-            </a:extLst>
-          </p:cNvPr>
-          <p:cNvPicPr>
-            <a:picLocks noChangeAspect="1" noChangeArrowheads="1"/>
-          </p:cNvPicPr>
-          <p:nvPr/>
-        </p:nvPicPr>
-        <p:blipFill>
-          <a:blip r:embed="rId2">
-            <a:extLst>
-              <a:ext uri="{28A0092B-C50C-407E-A947-70E740481C1C}">
-                <a14:useLocalDpi xmlns:a14="http://schemas.microsoft.com/office/drawing/2010/main" val="0"/>
-              </a:ext>
-            </a:extLst>
-          </a:blip>
-          <a:srcRect/>
-          <a:stretch>
-            <a:fillRect/>
-          </a:stretch>
-        </p:blipFill>
-        <p:spPr bwMode="auto">
-          <a:xfrm>
-            <a:off x="0" y="1424644"/>
-            <a:ext cx="6958760" cy="3833615"/>
-          </a:xfrm>
-          <a:prstGeom prst="rect">
-            <a:avLst/>
-          </a:prstGeom>
-          <a:noFill/>
-          <a:extLst>
-            <a:ext uri="{909E8E84-426E-40DD-AFC4-6F175D3DCCD1}">
-              <a14:hiddenFill xmlns:a14="http://schemas.microsoft.com/office/drawing/2010/main">
-                <a:solidFill>
-                  <a:srgbClr val="FFFFFF"/>
-                </a:solidFill>
-              </a14:hiddenFill>
-            </a:ext>
-          </a:extLst>
-        </p:spPr>
-      </p:pic>
-      <p:sp>
-        <p:nvSpPr>
-          <p:cNvPr id="5" name="Rectangle 4">
-            <a:extLst>
-              <a:ext uri="{FF2B5EF4-FFF2-40B4-BE49-F238E27FC236}">
-                <a16:creationId xmlns:a16="http://schemas.microsoft.com/office/drawing/2014/main" id="{88606111-750B-45EA-A8E2-E7BAFB640636}"/>
-              </a:ext>
-            </a:extLst>
-          </p:cNvPr>
-          <p:cNvSpPr/>
-          <p:nvPr/>
-        </p:nvSpPr>
-        <p:spPr>
-          <a:xfrm flipH="1">
-            <a:off x="566055" y="1621653"/>
-            <a:ext cx="1052034" cy="3436729"/>
-          </a:xfrm>
-          <a:prstGeom prst="rect">
-            <a:avLst/>
-          </a:prstGeom>
-          <a:solidFill>
-            <a:schemeClr val="accent1">
-              <a:alpha val="50000"/>
-            </a:schemeClr>
-          </a:solidFill>
-          <a:ln>
-            <a:noFill/>
-          </a:ln>
-        </p:spPr>
-        <p:style>
-          <a:lnRef idx="2">
-            <a:schemeClr val="accent1">
-              <a:shade val="50000"/>
-            </a:schemeClr>
-          </a:lnRef>
-          <a:fillRef idx="1">
-            <a:schemeClr val="accent1"/>
-          </a:fillRef>
-          <a:effectRef idx="0">
-            <a:schemeClr val="accent1"/>
-          </a:effectRef>
-          <a:fontRef idx="minor">
-            <a:schemeClr val="lt1"/>
-          </a:fontRef>
-        </p:style>
-        <p:txBody>
-          <a:bodyPr rtlCol="0" anchor="ctr"/>
-          <a:lstStyle/>
-          <a:p>
-            <a:pPr algn="ctr"/>
-            <a:endParaRPr lang="en-US"/>
-          </a:p>
-        </p:txBody>
-      </p:sp>
-      <p:sp>
-        <p:nvSpPr>
-          <p:cNvPr id="7" name="Content Placeholder 2">
-            <a:extLst>
-              <a:ext uri="{FF2B5EF4-FFF2-40B4-BE49-F238E27FC236}">
-                <a16:creationId xmlns:a16="http://schemas.microsoft.com/office/drawing/2014/main" id="{1BD1F6C7-CCA4-42DB-AC8E-739A25B62C42}"/>
-              </a:ext>
-            </a:extLst>
-          </p:cNvPr>
-          <p:cNvSpPr>
-            <a:spLocks noGrp="1"/>
-          </p:cNvSpPr>
-          <p:nvPr>
-            <p:ph sz="half" idx="1"/>
-          </p:nvPr>
-        </p:nvSpPr>
-        <p:spPr>
-          <a:xfrm>
-            <a:off x="7552252" y="851067"/>
-            <a:ext cx="4503387" cy="5297070"/>
-          </a:xfrm>
-        </p:spPr>
-        <p:txBody>
-          <a:bodyPr>
-            <a:normAutofit lnSpcReduction="10000"/>
-          </a:bodyPr>
-          <a:lstStyle/>
-          <a:p>
-            <a:pPr marL="514350" indent="-514350">
-              <a:buFont typeface="+mj-lt"/>
-              <a:buAutoNum type="arabicPeriod"/>
-            </a:pPr>
-            <a:r>
-              <a:rPr lang="en-US" dirty="0"/>
-              <a:t>Pick the smallest viable training size n</a:t>
-            </a:r>
-          </a:p>
-          <a:p>
-            <a:pPr marL="514350" indent="-514350">
-              <a:buFont typeface="+mj-lt"/>
-              <a:buAutoNum type="arabicPeriod"/>
-            </a:pPr>
-            <a:r>
-              <a:rPr lang="en-US" dirty="0"/>
-              <a:t>Train with the first n samples, and predict sample(s) </a:t>
-            </a:r>
-            <a:r>
-              <a:rPr lang="en-US" dirty="0" err="1"/>
-              <a:t>n+x</a:t>
-            </a:r>
-            <a:endParaRPr lang="en-US" dirty="0"/>
-          </a:p>
-          <a:p>
-            <a:pPr marL="514350" indent="-514350">
-              <a:buFont typeface="+mj-lt"/>
-              <a:buAutoNum type="arabicPeriod"/>
-            </a:pPr>
-            <a:r>
-              <a:rPr lang="en-US" dirty="0"/>
-              <a:t>Increase n by x and repeat</a:t>
-            </a:r>
-          </a:p>
-          <a:p>
-            <a:endParaRPr lang="en-US" dirty="0"/>
-          </a:p>
-          <a:p>
-            <a:pPr marL="0" indent="0">
-              <a:buNone/>
-            </a:pPr>
-            <a:r>
-              <a:rPr lang="en-US" dirty="0"/>
-              <a:t>By keeping the validation size constant (</a:t>
-            </a:r>
-            <a:r>
-              <a:rPr lang="en-US" dirty="0" err="1"/>
-              <a:t>n+x</a:t>
-            </a:r>
-            <a:r>
-              <a:rPr lang="en-US" dirty="0"/>
-              <a:t> regardless of training size), you can summarize loss across all points and know you are comparing apples to apples.</a:t>
-            </a:r>
-          </a:p>
-        </p:txBody>
-      </p:sp>
-      <p:sp>
-        <p:nvSpPr>
-          <p:cNvPr id="8" name="Rectangle 7">
-            <a:extLst>
-              <a:ext uri="{FF2B5EF4-FFF2-40B4-BE49-F238E27FC236}">
-                <a16:creationId xmlns:a16="http://schemas.microsoft.com/office/drawing/2014/main" id="{4B90AB11-7097-4CFA-AAAD-8B1A218B4D1C}"/>
-              </a:ext>
-            </a:extLst>
-          </p:cNvPr>
-          <p:cNvSpPr/>
-          <p:nvPr/>
-        </p:nvSpPr>
-        <p:spPr>
-          <a:xfrm flipH="1">
-            <a:off x="1618091" y="1621607"/>
-            <a:ext cx="1052032" cy="3436729"/>
-          </a:xfrm>
-          <a:prstGeom prst="rect">
-            <a:avLst/>
-          </a:prstGeom>
-          <a:solidFill>
-            <a:schemeClr val="accent1">
-              <a:alpha val="50000"/>
-            </a:schemeClr>
-          </a:solidFill>
-          <a:ln>
-            <a:noFill/>
-          </a:ln>
-        </p:spPr>
-        <p:style>
-          <a:lnRef idx="2">
-            <a:schemeClr val="accent1">
-              <a:shade val="50000"/>
-            </a:schemeClr>
-          </a:lnRef>
-          <a:fillRef idx="1">
-            <a:schemeClr val="accent1"/>
-          </a:fillRef>
-          <a:effectRef idx="0">
-            <a:schemeClr val="accent1"/>
-          </a:effectRef>
-          <a:fontRef idx="minor">
-            <a:schemeClr val="lt1"/>
-          </a:fontRef>
-        </p:style>
-        <p:txBody>
-          <a:bodyPr rtlCol="0" anchor="ctr"/>
-          <a:lstStyle/>
-          <a:p>
-            <a:pPr algn="ctr"/>
-            <a:endParaRPr lang="en-US"/>
-          </a:p>
-        </p:txBody>
-      </p:sp>
-      <p:sp>
-        <p:nvSpPr>
-          <p:cNvPr id="9" name="Rectangle 8">
-            <a:extLst>
-              <a:ext uri="{FF2B5EF4-FFF2-40B4-BE49-F238E27FC236}">
-                <a16:creationId xmlns:a16="http://schemas.microsoft.com/office/drawing/2014/main" id="{4C54E2D6-E56D-44D9-B818-03F75D43F899}"/>
-              </a:ext>
-            </a:extLst>
-          </p:cNvPr>
-          <p:cNvSpPr/>
-          <p:nvPr/>
-        </p:nvSpPr>
-        <p:spPr>
-          <a:xfrm flipH="1">
-            <a:off x="1618089" y="1621652"/>
-            <a:ext cx="107949" cy="3436729"/>
-          </a:xfrm>
-          <a:prstGeom prst="rect">
-            <a:avLst/>
-          </a:prstGeom>
-          <a:solidFill>
-            <a:schemeClr val="accent6">
-              <a:lumMod val="60000"/>
-              <a:lumOff val="40000"/>
-              <a:alpha val="50000"/>
-            </a:schemeClr>
-          </a:solidFill>
-          <a:ln>
-            <a:noFill/>
-          </a:ln>
-        </p:spPr>
-        <p:style>
-          <a:lnRef idx="2">
-            <a:schemeClr val="accent1">
-              <a:shade val="50000"/>
-            </a:schemeClr>
-          </a:lnRef>
-          <a:fillRef idx="1">
-            <a:schemeClr val="accent1"/>
-          </a:fillRef>
-          <a:effectRef idx="0">
-            <a:schemeClr val="accent1"/>
-          </a:effectRef>
-          <a:fontRef idx="minor">
-            <a:schemeClr val="lt1"/>
-          </a:fontRef>
-        </p:style>
-        <p:txBody>
-          <a:bodyPr rtlCol="0" anchor="ctr"/>
-          <a:lstStyle/>
-          <a:p>
-            <a:pPr algn="ctr"/>
-            <a:endParaRPr lang="en-US"/>
-          </a:p>
-        </p:txBody>
-      </p:sp>
-      <p:sp>
-        <p:nvSpPr>
-          <p:cNvPr id="10" name="Rectangle 9">
-            <a:extLst>
-              <a:ext uri="{FF2B5EF4-FFF2-40B4-BE49-F238E27FC236}">
-                <a16:creationId xmlns:a16="http://schemas.microsoft.com/office/drawing/2014/main" id="{080BA084-A85A-4A48-A09D-DA2C3A497141}"/>
-              </a:ext>
-            </a:extLst>
-          </p:cNvPr>
-          <p:cNvSpPr/>
-          <p:nvPr/>
-        </p:nvSpPr>
-        <p:spPr>
-          <a:xfrm flipH="1">
-            <a:off x="2670123" y="1621607"/>
-            <a:ext cx="1052030" cy="3436729"/>
-          </a:xfrm>
-          <a:prstGeom prst="rect">
-            <a:avLst/>
-          </a:prstGeom>
-          <a:solidFill>
-            <a:schemeClr val="accent1">
-              <a:alpha val="50000"/>
-            </a:schemeClr>
-          </a:solidFill>
-          <a:ln>
-            <a:noFill/>
-          </a:ln>
-        </p:spPr>
-        <p:style>
-          <a:lnRef idx="2">
-            <a:schemeClr val="accent1">
-              <a:shade val="50000"/>
-            </a:schemeClr>
-          </a:lnRef>
-          <a:fillRef idx="1">
-            <a:schemeClr val="accent1"/>
-          </a:fillRef>
-          <a:effectRef idx="0">
-            <a:schemeClr val="accent1"/>
-          </a:effectRef>
-          <a:fontRef idx="minor">
-            <a:schemeClr val="lt1"/>
-          </a:fontRef>
-        </p:style>
-        <p:txBody>
-          <a:bodyPr rtlCol="0" anchor="ctr"/>
-          <a:lstStyle/>
-          <a:p>
-            <a:pPr algn="ctr"/>
-            <a:endParaRPr lang="en-US"/>
-          </a:p>
-        </p:txBody>
-      </p:sp>
-      <p:sp>
-        <p:nvSpPr>
-          <p:cNvPr id="14" name="Rectangle 13">
-            <a:extLst>
-              <a:ext uri="{FF2B5EF4-FFF2-40B4-BE49-F238E27FC236}">
-                <a16:creationId xmlns:a16="http://schemas.microsoft.com/office/drawing/2014/main" id="{C313A4D5-76CB-466A-8C54-98CBF332669E}"/>
-              </a:ext>
-            </a:extLst>
-          </p:cNvPr>
-          <p:cNvSpPr/>
-          <p:nvPr/>
-        </p:nvSpPr>
-        <p:spPr>
-          <a:xfrm flipH="1">
-            <a:off x="3722155" y="1621607"/>
-            <a:ext cx="1052030" cy="3436729"/>
-          </a:xfrm>
-          <a:prstGeom prst="rect">
-            <a:avLst/>
-          </a:prstGeom>
-          <a:solidFill>
-            <a:schemeClr val="accent1">
-              <a:alpha val="50000"/>
-            </a:schemeClr>
-          </a:solidFill>
-          <a:ln>
-            <a:noFill/>
-          </a:ln>
-        </p:spPr>
-        <p:style>
-          <a:lnRef idx="2">
-            <a:schemeClr val="accent1">
-              <a:shade val="50000"/>
-            </a:schemeClr>
-          </a:lnRef>
-          <a:fillRef idx="1">
-            <a:schemeClr val="accent1"/>
-          </a:fillRef>
-          <a:effectRef idx="0">
-            <a:schemeClr val="accent1"/>
-          </a:effectRef>
-          <a:fontRef idx="minor">
-            <a:schemeClr val="lt1"/>
-          </a:fontRef>
-        </p:style>
-        <p:txBody>
-          <a:bodyPr rtlCol="0" anchor="ctr"/>
-          <a:lstStyle/>
-          <a:p>
-            <a:pPr algn="ctr"/>
-            <a:endParaRPr lang="en-US"/>
-          </a:p>
-        </p:txBody>
-      </p:sp>
-      <p:sp>
-        <p:nvSpPr>
-          <p:cNvPr id="15" name="Rectangle 14">
-            <a:extLst>
-              <a:ext uri="{FF2B5EF4-FFF2-40B4-BE49-F238E27FC236}">
-                <a16:creationId xmlns:a16="http://schemas.microsoft.com/office/drawing/2014/main" id="{8A30F698-1EDE-4A53-984D-61F9DF793E0B}"/>
-              </a:ext>
-            </a:extLst>
-          </p:cNvPr>
-          <p:cNvSpPr/>
-          <p:nvPr/>
-        </p:nvSpPr>
-        <p:spPr>
-          <a:xfrm flipH="1">
-            <a:off x="4774185" y="1621607"/>
-            <a:ext cx="1052030" cy="3436729"/>
-          </a:xfrm>
-          <a:prstGeom prst="rect">
-            <a:avLst/>
-          </a:prstGeom>
-          <a:solidFill>
-            <a:schemeClr val="accent1">
-              <a:alpha val="50000"/>
-            </a:schemeClr>
-          </a:solidFill>
-          <a:ln>
-            <a:noFill/>
-          </a:ln>
-        </p:spPr>
-        <p:style>
-          <a:lnRef idx="2">
-            <a:schemeClr val="accent1">
-              <a:shade val="50000"/>
-            </a:schemeClr>
-          </a:lnRef>
-          <a:fillRef idx="1">
-            <a:schemeClr val="accent1"/>
-          </a:fillRef>
-          <a:effectRef idx="0">
-            <a:schemeClr val="accent1"/>
-          </a:effectRef>
-          <a:fontRef idx="minor">
-            <a:schemeClr val="lt1"/>
-          </a:fontRef>
-        </p:style>
-        <p:txBody>
-          <a:bodyPr rtlCol="0" anchor="ctr"/>
-          <a:lstStyle/>
-          <a:p>
-            <a:pPr algn="ctr"/>
-            <a:endParaRPr lang="en-US"/>
-          </a:p>
-        </p:txBody>
-      </p:sp>
-      <p:sp>
-        <p:nvSpPr>
-          <p:cNvPr id="16" name="Rectangle 15">
-            <a:extLst>
-              <a:ext uri="{FF2B5EF4-FFF2-40B4-BE49-F238E27FC236}">
-                <a16:creationId xmlns:a16="http://schemas.microsoft.com/office/drawing/2014/main" id="{F634193F-E016-460C-A967-8B123C22E33D}"/>
-              </a:ext>
-            </a:extLst>
-          </p:cNvPr>
-          <p:cNvSpPr/>
-          <p:nvPr/>
-        </p:nvSpPr>
-        <p:spPr>
-          <a:xfrm flipH="1">
-            <a:off x="5826215" y="1621606"/>
-            <a:ext cx="664462" cy="3436729"/>
-          </a:xfrm>
-          <a:prstGeom prst="rect">
-            <a:avLst/>
-          </a:prstGeom>
-          <a:solidFill>
-            <a:schemeClr val="accent1">
-              <a:alpha val="50000"/>
-            </a:schemeClr>
-          </a:solidFill>
-          <a:ln>
-            <a:noFill/>
-          </a:ln>
-        </p:spPr>
-        <p:style>
-          <a:lnRef idx="2">
-            <a:schemeClr val="accent1">
-              <a:shade val="50000"/>
-            </a:schemeClr>
-          </a:lnRef>
-          <a:fillRef idx="1">
-            <a:schemeClr val="accent1"/>
-          </a:fillRef>
-          <a:effectRef idx="0">
-            <a:schemeClr val="accent1"/>
-          </a:effectRef>
-          <a:fontRef idx="minor">
-            <a:schemeClr val="lt1"/>
-          </a:fontRef>
-        </p:style>
-        <p:txBody>
-          <a:bodyPr rtlCol="0" anchor="ctr"/>
-          <a:lstStyle/>
-          <a:p>
-            <a:pPr algn="ctr"/>
-            <a:endParaRPr lang="en-US"/>
-          </a:p>
-        </p:txBody>
-      </p:sp>
-      <p:sp>
-        <p:nvSpPr>
-          <p:cNvPr id="17" name="Rectangle 16">
-            <a:extLst>
-              <a:ext uri="{FF2B5EF4-FFF2-40B4-BE49-F238E27FC236}">
-                <a16:creationId xmlns:a16="http://schemas.microsoft.com/office/drawing/2014/main" id="{7E040A7B-57BC-48EB-A1DF-D5A8F7F61F67}"/>
-              </a:ext>
-            </a:extLst>
-          </p:cNvPr>
-          <p:cNvSpPr/>
-          <p:nvPr/>
-        </p:nvSpPr>
-        <p:spPr>
-          <a:xfrm flipH="1">
-            <a:off x="3563014" y="5470625"/>
-            <a:ext cx="1660653" cy="258947"/>
-          </a:xfrm>
-          <a:prstGeom prst="rect">
-            <a:avLst/>
-          </a:prstGeom>
-          <a:solidFill>
-            <a:schemeClr val="accent1">
-              <a:alpha val="50000"/>
-            </a:schemeClr>
-          </a:solidFill>
-          <a:ln>
-            <a:noFill/>
-          </a:ln>
-        </p:spPr>
-        <p:style>
-          <a:lnRef idx="2">
-            <a:schemeClr val="accent1">
-              <a:shade val="50000"/>
-            </a:schemeClr>
-          </a:lnRef>
-          <a:fillRef idx="1">
-            <a:schemeClr val="accent1"/>
-          </a:fillRef>
-          <a:effectRef idx="0">
-            <a:schemeClr val="accent1"/>
-          </a:effectRef>
-          <a:fontRef idx="minor">
-            <a:schemeClr val="lt1"/>
-          </a:fontRef>
-        </p:style>
-        <p:txBody>
-          <a:bodyPr rtlCol="0" anchor="ctr"/>
-          <a:lstStyle/>
-          <a:p>
-            <a:pPr algn="ctr"/>
-            <a:r>
-              <a:rPr lang="en-US" dirty="0">
-                <a:solidFill>
-                  <a:schemeClr val="tx1"/>
-                </a:solidFill>
-              </a:rPr>
-              <a:t>Training Data</a:t>
-            </a:r>
-          </a:p>
-        </p:txBody>
-      </p:sp>
-      <p:sp>
-        <p:nvSpPr>
-          <p:cNvPr id="18" name="Rectangle 17">
-            <a:extLst>
-              <a:ext uri="{FF2B5EF4-FFF2-40B4-BE49-F238E27FC236}">
-                <a16:creationId xmlns:a16="http://schemas.microsoft.com/office/drawing/2014/main" id="{32E41D95-17F6-490A-8B9C-65D8213E9948}"/>
-              </a:ext>
-            </a:extLst>
-          </p:cNvPr>
-          <p:cNvSpPr/>
-          <p:nvPr/>
-        </p:nvSpPr>
-        <p:spPr>
-          <a:xfrm flipH="1">
-            <a:off x="5298108" y="5470624"/>
-            <a:ext cx="1660652" cy="258947"/>
-          </a:xfrm>
-          <a:prstGeom prst="rect">
-            <a:avLst/>
-          </a:prstGeom>
-          <a:solidFill>
-            <a:schemeClr val="accent6">
-              <a:lumMod val="60000"/>
-              <a:lumOff val="40000"/>
-              <a:alpha val="50000"/>
-            </a:schemeClr>
-          </a:solidFill>
-          <a:ln>
-            <a:noFill/>
-          </a:ln>
-        </p:spPr>
-        <p:style>
-          <a:lnRef idx="2">
-            <a:schemeClr val="accent1">
-              <a:shade val="50000"/>
-            </a:schemeClr>
-          </a:lnRef>
-          <a:fillRef idx="1">
-            <a:schemeClr val="accent1"/>
-          </a:fillRef>
-          <a:effectRef idx="0">
-            <a:schemeClr val="accent1"/>
-          </a:effectRef>
-          <a:fontRef idx="minor">
-            <a:schemeClr val="lt1"/>
-          </a:fontRef>
-        </p:style>
-        <p:txBody>
-          <a:bodyPr rtlCol="0" anchor="ctr"/>
-          <a:lstStyle/>
-          <a:p>
-            <a:pPr algn="ctr"/>
-            <a:r>
-              <a:rPr lang="en-US" dirty="0">
-                <a:solidFill>
-                  <a:schemeClr val="tx1"/>
-                </a:solidFill>
-              </a:rPr>
-              <a:t>Validation Data</a:t>
-            </a:r>
-          </a:p>
-        </p:txBody>
-      </p:sp>
-    </p:spTree>
-    <p:extLst>
-      <p:ext uri="{BB962C8B-B14F-4D97-AF65-F5344CB8AC3E}">
-        <p14:creationId xmlns:p14="http://schemas.microsoft.com/office/powerpoint/2010/main" val="4189491706"/>
-      </p:ext>
-    </p:extLst>
-  </p:cSld>
-  <p:clrMapOvr>
-    <a:masterClrMapping/>
-  </p:clrMapOvr>
-  <p:timing>
-    <p:tnLst>
-      <p:par>
-        <p:cTn id="1" dur="indefinite" restart="never" nodeType="tmRoot">
-          <p:childTnLst>
-            <p:seq concurrent="1" nextAc="seek">
-              <p:cTn id="2" dur="indefinite" nodeType="mainSeq">
-                <p:childTnLst>
-                  <p:par>
-                    <p:cTn id="3" fill="hold">
-                      <p:stCondLst>
-                        <p:cond delay="indefinite"/>
-                      </p:stCondLst>
-                      <p:childTnLst>
-                        <p:par>
-                          <p:cTn id="4" fill="hold">
-                            <p:stCondLst>
-                              <p:cond delay="0"/>
-                            </p:stCondLst>
-                            <p:childTnLst>
-                              <p:par>
-                                <p:cTn id="5" presetID="42" presetClass="path" presetSubtype="0" fill="hold" grpId="0" nodeType="clickEffect">
-                                  <p:stCondLst>
-                                    <p:cond delay="0"/>
-                                  </p:stCondLst>
-                                  <p:childTnLst>
-                                    <p:animMotion origin="layout" path="M 6.25E-7 2.96296E-6 L 0.08659 -0.00185 " pathEditMode="relative" rAng="0" ptsTypes="AA">
-                                      <p:cBhvr>
-                                        <p:cTn id="6" dur="1000" fill="hold"/>
-                                        <p:tgtEl>
-                                          <p:spTgt spid="9"/>
-                                        </p:tgtEl>
-                                        <p:attrNameLst>
-                                          <p:attrName>ppt_x</p:attrName>
-                                          <p:attrName>ppt_y</p:attrName>
-                                        </p:attrNameLst>
-                                      </p:cBhvr>
-                                      <p:rCtr x="4323" y="-93"/>
-                                    </p:animMotion>
-                                  </p:childTnLst>
-                                </p:cTn>
-                              </p:par>
-                              <p:par>
-                                <p:cTn id="7" presetID="17" presetClass="entr" presetSubtype="8" fill="hold" grpId="0" nodeType="withEffect">
-                                  <p:stCondLst>
-                                    <p:cond delay="0"/>
-                                  </p:stCondLst>
-                                  <p:childTnLst>
-                                    <p:set>
-                                      <p:cBhvr>
-                                        <p:cTn id="8" dur="1" fill="hold">
-                                          <p:stCondLst>
-                                            <p:cond delay="0"/>
-                                          </p:stCondLst>
-                                        </p:cTn>
-                                        <p:tgtEl>
-                                          <p:spTgt spid="8"/>
-                                        </p:tgtEl>
-                                        <p:attrNameLst>
-                                          <p:attrName>style.visibility</p:attrName>
-                                        </p:attrNameLst>
-                                      </p:cBhvr>
-                                      <p:to>
-                                        <p:strVal val="visible"/>
-                                      </p:to>
-                                    </p:set>
-                                    <p:anim calcmode="lin" valueType="num">
-                                      <p:cBhvr>
-                                        <p:cTn id="9" dur="1000" fill="hold"/>
-                                        <p:tgtEl>
-                                          <p:spTgt spid="8"/>
-                                        </p:tgtEl>
-                                        <p:attrNameLst>
-                                          <p:attrName>ppt_x</p:attrName>
-                                        </p:attrNameLst>
-                                      </p:cBhvr>
-                                      <p:tavLst>
-                                        <p:tav tm="0">
-                                          <p:val>
-                                            <p:strVal val="#ppt_x-#ppt_w/2"/>
-                                          </p:val>
-                                        </p:tav>
-                                        <p:tav tm="100000">
-                                          <p:val>
-                                            <p:strVal val="#ppt_x"/>
-                                          </p:val>
-                                        </p:tav>
-                                      </p:tavLst>
-                                    </p:anim>
-                                    <p:anim calcmode="lin" valueType="num">
-                                      <p:cBhvr>
-                                        <p:cTn id="10" dur="1000" fill="hold"/>
-                                        <p:tgtEl>
-                                          <p:spTgt spid="8"/>
-                                        </p:tgtEl>
-                                        <p:attrNameLst>
-                                          <p:attrName>ppt_y</p:attrName>
-                                        </p:attrNameLst>
-                                      </p:cBhvr>
-                                      <p:tavLst>
-                                        <p:tav tm="0">
-                                          <p:val>
-                                            <p:strVal val="#ppt_y"/>
-                                          </p:val>
-                                        </p:tav>
-                                        <p:tav tm="100000">
-                                          <p:val>
-                                            <p:strVal val="#ppt_y"/>
-                                          </p:val>
-                                        </p:tav>
-                                      </p:tavLst>
-                                    </p:anim>
-                                    <p:anim calcmode="lin" valueType="num">
-                                      <p:cBhvr>
-                                        <p:cTn id="11" dur="1000" fill="hold"/>
-                                        <p:tgtEl>
-                                          <p:spTgt spid="8"/>
-                                        </p:tgtEl>
-                                        <p:attrNameLst>
-                                          <p:attrName>ppt_w</p:attrName>
-                                        </p:attrNameLst>
-                                      </p:cBhvr>
-                                      <p:tavLst>
-                                        <p:tav tm="0">
-                                          <p:val>
-                                            <p:fltVal val="0"/>
-                                          </p:val>
-                                        </p:tav>
-                                        <p:tav tm="100000">
-                                          <p:val>
-                                            <p:strVal val="#ppt_w"/>
-                                          </p:val>
-                                        </p:tav>
-                                      </p:tavLst>
-                                    </p:anim>
-                                    <p:anim calcmode="lin" valueType="num">
-                                      <p:cBhvr>
-                                        <p:cTn id="12" dur="1000" fill="hold"/>
-                                        <p:tgtEl>
-                                          <p:spTgt spid="8"/>
-                                        </p:tgtEl>
-                                        <p:attrNameLst>
-                                          <p:attrName>ppt_h</p:attrName>
-                                        </p:attrNameLst>
-                                      </p:cBhvr>
-                                      <p:tavLst>
-                                        <p:tav tm="0">
-                                          <p:val>
-                                            <p:strVal val="#ppt_h"/>
-                                          </p:val>
-                                        </p:tav>
-                                        <p:tav tm="100000">
-                                          <p:val>
-                                            <p:strVal val="#ppt_h"/>
-                                          </p:val>
-                                        </p:tav>
-                                      </p:tavLst>
-                                    </p:anim>
-                                  </p:childTnLst>
-                                </p:cTn>
-                              </p:par>
-                            </p:childTnLst>
-                          </p:cTn>
-                        </p:par>
-                        <p:par>
-                          <p:cTn id="13" fill="hold">
-                            <p:stCondLst>
-                              <p:cond delay="1000"/>
-                            </p:stCondLst>
-                            <p:childTnLst>
-                              <p:par>
-                                <p:cTn id="14" presetID="42" presetClass="path" presetSubtype="0" fill="hold" grpId="1" nodeType="afterEffect">
-                                  <p:stCondLst>
-                                    <p:cond delay="1000"/>
-                                  </p:stCondLst>
-                                  <p:childTnLst>
-                                    <p:animMotion origin="layout" path="M 0.08659 -0.00185 L 0.1724 2.96296E-6 " pathEditMode="relative" rAng="0" ptsTypes="AA">
-                                      <p:cBhvr>
-                                        <p:cTn id="15" dur="1000" fill="hold"/>
-                                        <p:tgtEl>
-                                          <p:spTgt spid="9"/>
-                                        </p:tgtEl>
-                                        <p:attrNameLst>
-                                          <p:attrName>ppt_x</p:attrName>
-                                          <p:attrName>ppt_y</p:attrName>
-                                        </p:attrNameLst>
-                                      </p:cBhvr>
-                                      <p:rCtr x="4284" y="93"/>
-                                    </p:animMotion>
-                                  </p:childTnLst>
-                                </p:cTn>
-                              </p:par>
-                              <p:par>
-                                <p:cTn id="16" presetID="17" presetClass="entr" presetSubtype="8" fill="hold" grpId="0" nodeType="withEffect">
-                                  <p:stCondLst>
-                                    <p:cond delay="1000"/>
-                                  </p:stCondLst>
-                                  <p:childTnLst>
-                                    <p:set>
-                                      <p:cBhvr>
-                                        <p:cTn id="17" dur="1" fill="hold">
-                                          <p:stCondLst>
-                                            <p:cond delay="0"/>
-                                          </p:stCondLst>
-                                        </p:cTn>
-                                        <p:tgtEl>
-                                          <p:spTgt spid="10"/>
-                                        </p:tgtEl>
-                                        <p:attrNameLst>
-                                          <p:attrName>style.visibility</p:attrName>
-                                        </p:attrNameLst>
-                                      </p:cBhvr>
-                                      <p:to>
-                                        <p:strVal val="visible"/>
-                                      </p:to>
-                                    </p:set>
-                                    <p:anim calcmode="lin" valueType="num">
-                                      <p:cBhvr>
-                                        <p:cTn id="18" dur="1000" fill="hold"/>
-                                        <p:tgtEl>
-                                          <p:spTgt spid="10"/>
-                                        </p:tgtEl>
-                                        <p:attrNameLst>
-                                          <p:attrName>ppt_x</p:attrName>
-                                        </p:attrNameLst>
-                                      </p:cBhvr>
-                                      <p:tavLst>
-                                        <p:tav tm="0">
-                                          <p:val>
-                                            <p:strVal val="#ppt_x-#ppt_w/2"/>
-                                          </p:val>
-                                        </p:tav>
-                                        <p:tav tm="100000">
-                                          <p:val>
-                                            <p:strVal val="#ppt_x"/>
-                                          </p:val>
-                                        </p:tav>
-                                      </p:tavLst>
-                                    </p:anim>
-                                    <p:anim calcmode="lin" valueType="num">
-                                      <p:cBhvr>
-                                        <p:cTn id="19" dur="1000" fill="hold"/>
-                                        <p:tgtEl>
-                                          <p:spTgt spid="10"/>
-                                        </p:tgtEl>
-                                        <p:attrNameLst>
-                                          <p:attrName>ppt_y</p:attrName>
-                                        </p:attrNameLst>
-                                      </p:cBhvr>
-                                      <p:tavLst>
-                                        <p:tav tm="0">
-                                          <p:val>
-                                            <p:strVal val="#ppt_y"/>
-                                          </p:val>
-                                        </p:tav>
-                                        <p:tav tm="100000">
-                                          <p:val>
-                                            <p:strVal val="#ppt_y"/>
-                                          </p:val>
-                                        </p:tav>
-                                      </p:tavLst>
-                                    </p:anim>
-                                    <p:anim calcmode="lin" valueType="num">
-                                      <p:cBhvr>
-                                        <p:cTn id="20" dur="1000" fill="hold"/>
-                                        <p:tgtEl>
-                                          <p:spTgt spid="10"/>
-                                        </p:tgtEl>
-                                        <p:attrNameLst>
-                                          <p:attrName>ppt_w</p:attrName>
-                                        </p:attrNameLst>
-                                      </p:cBhvr>
-                                      <p:tavLst>
-                                        <p:tav tm="0">
-                                          <p:val>
-                                            <p:fltVal val="0"/>
-                                          </p:val>
-                                        </p:tav>
-                                        <p:tav tm="100000">
-                                          <p:val>
-                                            <p:strVal val="#ppt_w"/>
-                                          </p:val>
-                                        </p:tav>
-                                      </p:tavLst>
-                                    </p:anim>
-                                    <p:anim calcmode="lin" valueType="num">
-                                      <p:cBhvr>
-                                        <p:cTn id="21" dur="1000" fill="hold"/>
-                                        <p:tgtEl>
-                                          <p:spTgt spid="10"/>
-                                        </p:tgtEl>
-                                        <p:attrNameLst>
-                                          <p:attrName>ppt_h</p:attrName>
-                                        </p:attrNameLst>
-                                      </p:cBhvr>
-                                      <p:tavLst>
-                                        <p:tav tm="0">
-                                          <p:val>
-                                            <p:strVal val="#ppt_h"/>
-                                          </p:val>
-                                        </p:tav>
-                                        <p:tav tm="100000">
-                                          <p:val>
-                                            <p:strVal val="#ppt_h"/>
-                                          </p:val>
-                                        </p:tav>
-                                      </p:tavLst>
-                                    </p:anim>
-                                  </p:childTnLst>
-                                </p:cTn>
-                              </p:par>
-                            </p:childTnLst>
-                          </p:cTn>
-                        </p:par>
-                        <p:par>
-                          <p:cTn id="22" fill="hold">
-                            <p:stCondLst>
-                              <p:cond delay="3000"/>
-                            </p:stCondLst>
-                            <p:childTnLst>
-                              <p:par>
-                                <p:cTn id="23" presetID="42" presetClass="path" presetSubtype="0" fill="hold" grpId="2" nodeType="afterEffect">
-                                  <p:stCondLst>
-                                    <p:cond delay="1000"/>
-                                  </p:stCondLst>
-                                  <p:childTnLst>
-                                    <p:animMotion origin="layout" path="M 0.1724 2.96296E-6 L 0.25872 0.00023 " pathEditMode="relative" rAng="0" ptsTypes="AA">
-                                      <p:cBhvr>
-                                        <p:cTn id="24" dur="1000" fill="hold"/>
-                                        <p:tgtEl>
-                                          <p:spTgt spid="9"/>
-                                        </p:tgtEl>
-                                        <p:attrNameLst>
-                                          <p:attrName>ppt_x</p:attrName>
-                                          <p:attrName>ppt_y</p:attrName>
-                                        </p:attrNameLst>
-                                      </p:cBhvr>
-                                      <p:rCtr x="4310" y="0"/>
-                                    </p:animMotion>
-                                  </p:childTnLst>
-                                </p:cTn>
-                              </p:par>
-                              <p:par>
-                                <p:cTn id="25" presetID="17" presetClass="entr" presetSubtype="8" fill="hold" grpId="0" nodeType="withEffect">
-                                  <p:stCondLst>
-                                    <p:cond delay="1000"/>
-                                  </p:stCondLst>
-                                  <p:childTnLst>
-                                    <p:set>
-                                      <p:cBhvr>
-                                        <p:cTn id="26" dur="1" fill="hold">
-                                          <p:stCondLst>
-                                            <p:cond delay="0"/>
-                                          </p:stCondLst>
-                                        </p:cTn>
-                                        <p:tgtEl>
-                                          <p:spTgt spid="14"/>
-                                        </p:tgtEl>
-                                        <p:attrNameLst>
-                                          <p:attrName>style.visibility</p:attrName>
-                                        </p:attrNameLst>
-                                      </p:cBhvr>
-                                      <p:to>
-                                        <p:strVal val="visible"/>
-                                      </p:to>
-                                    </p:set>
-                                    <p:anim calcmode="lin" valueType="num">
-                                      <p:cBhvr>
-                                        <p:cTn id="27" dur="1000" fill="hold"/>
-                                        <p:tgtEl>
-                                          <p:spTgt spid="14"/>
-                                        </p:tgtEl>
-                                        <p:attrNameLst>
-                                          <p:attrName>ppt_x</p:attrName>
-                                        </p:attrNameLst>
-                                      </p:cBhvr>
-                                      <p:tavLst>
-                                        <p:tav tm="0">
-                                          <p:val>
-                                            <p:strVal val="#ppt_x-#ppt_w/2"/>
-                                          </p:val>
-                                        </p:tav>
-                                        <p:tav tm="100000">
-                                          <p:val>
-                                            <p:strVal val="#ppt_x"/>
-                                          </p:val>
-                                        </p:tav>
-                                      </p:tavLst>
-                                    </p:anim>
-                                    <p:anim calcmode="lin" valueType="num">
-                                      <p:cBhvr>
-                                        <p:cTn id="28" dur="1000" fill="hold"/>
-                                        <p:tgtEl>
-                                          <p:spTgt spid="14"/>
-                                        </p:tgtEl>
-                                        <p:attrNameLst>
-                                          <p:attrName>ppt_y</p:attrName>
-                                        </p:attrNameLst>
-                                      </p:cBhvr>
-                                      <p:tavLst>
-                                        <p:tav tm="0">
-                                          <p:val>
-                                            <p:strVal val="#ppt_y"/>
-                                          </p:val>
-                                        </p:tav>
-                                        <p:tav tm="100000">
-                                          <p:val>
-                                            <p:strVal val="#ppt_y"/>
-                                          </p:val>
-                                        </p:tav>
-                                      </p:tavLst>
-                                    </p:anim>
-                                    <p:anim calcmode="lin" valueType="num">
-                                      <p:cBhvr>
-                                        <p:cTn id="29" dur="1000" fill="hold"/>
-                                        <p:tgtEl>
-                                          <p:spTgt spid="14"/>
-                                        </p:tgtEl>
-                                        <p:attrNameLst>
-                                          <p:attrName>ppt_w</p:attrName>
-                                        </p:attrNameLst>
-                                      </p:cBhvr>
-                                      <p:tavLst>
-                                        <p:tav tm="0">
-                                          <p:val>
-                                            <p:fltVal val="0"/>
-                                          </p:val>
-                                        </p:tav>
-                                        <p:tav tm="100000">
-                                          <p:val>
-                                            <p:strVal val="#ppt_w"/>
-                                          </p:val>
-                                        </p:tav>
-                                      </p:tavLst>
-                                    </p:anim>
-                                    <p:anim calcmode="lin" valueType="num">
-                                      <p:cBhvr>
-                                        <p:cTn id="30" dur="1000" fill="hold"/>
-                                        <p:tgtEl>
-                                          <p:spTgt spid="14"/>
-                                        </p:tgtEl>
-                                        <p:attrNameLst>
-                                          <p:attrName>ppt_h</p:attrName>
-                                        </p:attrNameLst>
-                                      </p:cBhvr>
-                                      <p:tavLst>
-                                        <p:tav tm="0">
-                                          <p:val>
-                                            <p:strVal val="#ppt_h"/>
-                                          </p:val>
-                                        </p:tav>
-                                        <p:tav tm="100000">
-                                          <p:val>
-                                            <p:strVal val="#ppt_h"/>
-                                          </p:val>
-                                        </p:tav>
-                                      </p:tavLst>
-                                    </p:anim>
-                                  </p:childTnLst>
-                                </p:cTn>
-                              </p:par>
-                            </p:childTnLst>
-                          </p:cTn>
-                        </p:par>
-                        <p:par>
-                          <p:cTn id="31" fill="hold">
-                            <p:stCondLst>
-                              <p:cond delay="5000"/>
-                            </p:stCondLst>
-                            <p:childTnLst>
-                              <p:par>
-                                <p:cTn id="32" presetID="42" presetClass="path" presetSubtype="0" fill="hold" grpId="3" nodeType="afterEffect">
-                                  <p:stCondLst>
-                                    <p:cond delay="1000"/>
-                                  </p:stCondLst>
-                                  <p:childTnLst>
-                                    <p:animMotion origin="layout" path="M 0.25846 0.00023 L 0.34479 0.00023 " pathEditMode="relative" rAng="0" ptsTypes="AA">
-                                      <p:cBhvr>
-                                        <p:cTn id="33" dur="1000" fill="hold"/>
-                                        <p:tgtEl>
-                                          <p:spTgt spid="9"/>
-                                        </p:tgtEl>
-                                        <p:attrNameLst>
-                                          <p:attrName>ppt_x</p:attrName>
-                                          <p:attrName>ppt_y</p:attrName>
-                                        </p:attrNameLst>
-                                      </p:cBhvr>
-                                      <p:rCtr x="4310" y="0"/>
-                                    </p:animMotion>
-                                  </p:childTnLst>
-                                </p:cTn>
-                              </p:par>
-                              <p:par>
-                                <p:cTn id="34" presetID="17" presetClass="entr" presetSubtype="8" fill="hold" grpId="0" nodeType="withEffect">
-                                  <p:stCondLst>
-                                    <p:cond delay="1000"/>
-                                  </p:stCondLst>
-                                  <p:childTnLst>
-                                    <p:set>
-                                      <p:cBhvr>
-                                        <p:cTn id="35" dur="1" fill="hold">
-                                          <p:stCondLst>
-                                            <p:cond delay="0"/>
-                                          </p:stCondLst>
-                                        </p:cTn>
-                                        <p:tgtEl>
-                                          <p:spTgt spid="15"/>
-                                        </p:tgtEl>
-                                        <p:attrNameLst>
-                                          <p:attrName>style.visibility</p:attrName>
-                                        </p:attrNameLst>
-                                      </p:cBhvr>
-                                      <p:to>
-                                        <p:strVal val="visible"/>
-                                      </p:to>
-                                    </p:set>
-                                    <p:anim calcmode="lin" valueType="num">
-                                      <p:cBhvr>
-                                        <p:cTn id="36" dur="1000" fill="hold"/>
-                                        <p:tgtEl>
-                                          <p:spTgt spid="15"/>
-                                        </p:tgtEl>
-                                        <p:attrNameLst>
-                                          <p:attrName>ppt_x</p:attrName>
-                                        </p:attrNameLst>
-                                      </p:cBhvr>
-                                      <p:tavLst>
-                                        <p:tav tm="0">
-                                          <p:val>
-                                            <p:strVal val="#ppt_x-#ppt_w/2"/>
-                                          </p:val>
-                                        </p:tav>
-                                        <p:tav tm="100000">
-                                          <p:val>
-                                            <p:strVal val="#ppt_x"/>
-                                          </p:val>
-                                        </p:tav>
-                                      </p:tavLst>
-                                    </p:anim>
-                                    <p:anim calcmode="lin" valueType="num">
-                                      <p:cBhvr>
-                                        <p:cTn id="37" dur="1000" fill="hold"/>
-                                        <p:tgtEl>
-                                          <p:spTgt spid="15"/>
-                                        </p:tgtEl>
-                                        <p:attrNameLst>
-                                          <p:attrName>ppt_y</p:attrName>
-                                        </p:attrNameLst>
-                                      </p:cBhvr>
-                                      <p:tavLst>
-                                        <p:tav tm="0">
-                                          <p:val>
-                                            <p:strVal val="#ppt_y"/>
-                                          </p:val>
-                                        </p:tav>
-                                        <p:tav tm="100000">
-                                          <p:val>
-                                            <p:strVal val="#ppt_y"/>
-                                          </p:val>
-                                        </p:tav>
-                                      </p:tavLst>
-                                    </p:anim>
-                                    <p:anim calcmode="lin" valueType="num">
-                                      <p:cBhvr>
-                                        <p:cTn id="38" dur="1000" fill="hold"/>
-                                        <p:tgtEl>
-                                          <p:spTgt spid="15"/>
-                                        </p:tgtEl>
-                                        <p:attrNameLst>
-                                          <p:attrName>ppt_w</p:attrName>
-                                        </p:attrNameLst>
-                                      </p:cBhvr>
-                                      <p:tavLst>
-                                        <p:tav tm="0">
-                                          <p:val>
-                                            <p:fltVal val="0"/>
-                                          </p:val>
-                                        </p:tav>
-                                        <p:tav tm="100000">
-                                          <p:val>
-                                            <p:strVal val="#ppt_w"/>
-                                          </p:val>
-                                        </p:tav>
-                                      </p:tavLst>
-                                    </p:anim>
-                                    <p:anim calcmode="lin" valueType="num">
-                                      <p:cBhvr>
-                                        <p:cTn id="39" dur="1000" fill="hold"/>
-                                        <p:tgtEl>
-                                          <p:spTgt spid="15"/>
-                                        </p:tgtEl>
-                                        <p:attrNameLst>
-                                          <p:attrName>ppt_h</p:attrName>
-                                        </p:attrNameLst>
-                                      </p:cBhvr>
-                                      <p:tavLst>
-                                        <p:tav tm="0">
-                                          <p:val>
-                                            <p:strVal val="#ppt_h"/>
-                                          </p:val>
-                                        </p:tav>
-                                        <p:tav tm="100000">
-                                          <p:val>
-                                            <p:strVal val="#ppt_h"/>
-                                          </p:val>
-                                        </p:tav>
-                                      </p:tavLst>
-                                    </p:anim>
-                                  </p:childTnLst>
-                                </p:cTn>
-                              </p:par>
-                            </p:childTnLst>
-                          </p:cTn>
-                        </p:par>
-                        <p:par>
-                          <p:cTn id="40" fill="hold">
-                            <p:stCondLst>
-                              <p:cond delay="7000"/>
-                            </p:stCondLst>
-                            <p:childTnLst>
-                              <p:par>
-                                <p:cTn id="41" presetID="42" presetClass="path" presetSubtype="0" fill="hold" grpId="4" nodeType="afterEffect">
-                                  <p:stCondLst>
-                                    <p:cond delay="1000"/>
-                                  </p:stCondLst>
-                                  <p:childTnLst>
-                                    <p:animMotion origin="layout" path="M 0.34479 0.00023 L 0.39909 0.00023 " pathEditMode="relative" rAng="0" ptsTypes="AA">
-                                      <p:cBhvr>
-                                        <p:cTn id="42" dur="1000" fill="hold"/>
-                                        <p:tgtEl>
-                                          <p:spTgt spid="9"/>
-                                        </p:tgtEl>
-                                        <p:attrNameLst>
-                                          <p:attrName>ppt_x</p:attrName>
-                                          <p:attrName>ppt_y</p:attrName>
-                                        </p:attrNameLst>
-                                      </p:cBhvr>
-                                      <p:rCtr x="2474" y="-23"/>
-                                    </p:animMotion>
-                                  </p:childTnLst>
-                                </p:cTn>
-                              </p:par>
-                              <p:par>
-                                <p:cTn id="43" presetID="17" presetClass="entr" presetSubtype="8" fill="hold" grpId="0" nodeType="withEffect">
-                                  <p:stCondLst>
-                                    <p:cond delay="1000"/>
-                                  </p:stCondLst>
-                                  <p:childTnLst>
-                                    <p:set>
-                                      <p:cBhvr>
-                                        <p:cTn id="44" dur="1" fill="hold">
-                                          <p:stCondLst>
-                                            <p:cond delay="0"/>
-                                          </p:stCondLst>
-                                        </p:cTn>
-                                        <p:tgtEl>
-                                          <p:spTgt spid="16"/>
-                                        </p:tgtEl>
-                                        <p:attrNameLst>
-                                          <p:attrName>style.visibility</p:attrName>
-                                        </p:attrNameLst>
-                                      </p:cBhvr>
-                                      <p:to>
-                                        <p:strVal val="visible"/>
-                                      </p:to>
-                                    </p:set>
-                                    <p:anim calcmode="lin" valueType="num">
-                                      <p:cBhvr>
-                                        <p:cTn id="45" dur="1000" fill="hold"/>
-                                        <p:tgtEl>
-                                          <p:spTgt spid="16"/>
-                                        </p:tgtEl>
-                                        <p:attrNameLst>
-                                          <p:attrName>ppt_x</p:attrName>
-                                        </p:attrNameLst>
-                                      </p:cBhvr>
-                                      <p:tavLst>
-                                        <p:tav tm="0">
-                                          <p:val>
-                                            <p:strVal val="#ppt_x-#ppt_w/2"/>
-                                          </p:val>
-                                        </p:tav>
-                                        <p:tav tm="100000">
-                                          <p:val>
-                                            <p:strVal val="#ppt_x"/>
-                                          </p:val>
-                                        </p:tav>
-                                      </p:tavLst>
-                                    </p:anim>
-                                    <p:anim calcmode="lin" valueType="num">
-                                      <p:cBhvr>
-                                        <p:cTn id="46" dur="1000" fill="hold"/>
-                                        <p:tgtEl>
-                                          <p:spTgt spid="16"/>
-                                        </p:tgtEl>
-                                        <p:attrNameLst>
-                                          <p:attrName>ppt_y</p:attrName>
-                                        </p:attrNameLst>
-                                      </p:cBhvr>
-                                      <p:tavLst>
-                                        <p:tav tm="0">
-                                          <p:val>
-                                            <p:strVal val="#ppt_y"/>
-                                          </p:val>
-                                        </p:tav>
-                                        <p:tav tm="100000">
-                                          <p:val>
-                                            <p:strVal val="#ppt_y"/>
-                                          </p:val>
-                                        </p:tav>
-                                      </p:tavLst>
-                                    </p:anim>
-                                    <p:anim calcmode="lin" valueType="num">
-                                      <p:cBhvr>
-                                        <p:cTn id="47" dur="1000" fill="hold"/>
-                                        <p:tgtEl>
-                                          <p:spTgt spid="16"/>
-                                        </p:tgtEl>
-                                        <p:attrNameLst>
-                                          <p:attrName>ppt_w</p:attrName>
-                                        </p:attrNameLst>
-                                      </p:cBhvr>
-                                      <p:tavLst>
-                                        <p:tav tm="0">
-                                          <p:val>
-                                            <p:fltVal val="0"/>
-                                          </p:val>
-                                        </p:tav>
-                                        <p:tav tm="100000">
-                                          <p:val>
-                                            <p:strVal val="#ppt_w"/>
-                                          </p:val>
-                                        </p:tav>
-                                      </p:tavLst>
-                                    </p:anim>
-                                    <p:anim calcmode="lin" valueType="num">
-                                      <p:cBhvr>
-                                        <p:cTn id="48" dur="1000" fill="hold"/>
-                                        <p:tgtEl>
-                                          <p:spTgt spid="16"/>
-                                        </p:tgtEl>
-                                        <p:attrNameLst>
-                                          <p:attrName>ppt_h</p:attrName>
-                                        </p:attrNameLst>
-                                      </p:cBhvr>
-                                      <p:tavLst>
-                                        <p:tav tm="0">
-                                          <p:val>
-                                            <p:strVal val="#ppt_h"/>
-                                          </p:val>
-                                        </p:tav>
-                                        <p:tav tm="100000">
-                                          <p:val>
-                                            <p:strVal val="#ppt_h"/>
-                                          </p:val>
-                                        </p:tav>
-                                      </p:tavLst>
-                                    </p:anim>
-                                  </p:childTnLst>
-                                </p:cTn>
-                              </p:par>
-                            </p:childTnLst>
-                          </p:cTn>
-                        </p:par>
-                      </p:childTnLst>
-                    </p:cTn>
-                  </p:par>
-                </p:childTnLst>
-              </p:cTn>
-              <p:prevCondLst>
-                <p:cond evt="onPrev" delay="0">
-                  <p:tgtEl>
-                    <p:sldTgt/>
-                  </p:tgtEl>
-                </p:cond>
-              </p:prevCondLst>
-              <p:nextCondLst>
-                <p:cond evt="onNext" delay="0">
-                  <p:tgtEl>
-                    <p:sldTgt/>
-                  </p:tgtEl>
-                </p:cond>
-              </p:nextCondLst>
-            </p:seq>
-          </p:childTnLst>
-        </p:cTn>
-      </p:par>
-    </p:tnLst>
-    <p:bldLst>
-      <p:bldP spid="8" grpId="0" animBg="1"/>
-      <p:bldP spid="9" grpId="0" animBg="1"/>
-      <p:bldP spid="9" grpId="1" animBg="1"/>
-      <p:bldP spid="9" grpId="2" animBg="1"/>
-      <p:bldP spid="9" grpId="3" animBg="1"/>
-      <p:bldP spid="9" grpId="4" animBg="1"/>
-      <p:bldP spid="10" grpId="0" animBg="1"/>
-      <p:bldP spid="14" grpId="0" animBg="1"/>
-      <p:bldP spid="15" grpId="0" animBg="1"/>
-      <p:bldP spid="16" grpId="0" animBg="1"/>
-    </p:bldLst>
-  </p:timing>
-</p:sld>
-</file>
-
 <file path=ppt/theme/theme1.xml><?xml version="1.0" encoding="utf-8"?>
 <a:theme xmlns:a="http://schemas.openxmlformats.org/drawingml/2006/main" name="Office Theme">
   <a:themeElements>

--- a/DengAI.pptx
+++ b/DengAI.pptx
@@ -2701,7 +2701,7 @@
           <a:p>
             <a:fld id="{334ABD86-957F-40B1-87EE-A6C3B2CAB03E}" type="datetimeFigureOut">
               <a:rPr lang="en-US" smtClean="0"/>
-              <a:t>4/8/2019</a:t>
+              <a:t>4/9/2019</a:t>
             </a:fld>
             <a:endParaRPr lang="en-US"/>
           </a:p>
@@ -2878,7 +2878,7 @@
           <a:p>
             <a:fld id="{053F9076-56CE-4656-BEB1-49012D9996C0}" type="datetimeFigureOut">
               <a:rPr lang="en-US" smtClean="0"/>
-              <a:t>4/8/2019</a:t>
+              <a:t>4/9/2019</a:t>
             </a:fld>
             <a:endParaRPr lang="en-US"/>
           </a:p>
@@ -3191,13 +3191,94 @@
           <a:p>
             <a:r>
               <a:rPr lang="en-US" dirty="0"/>
-              <a:t>Better Contrast – especially with the red</a:t>
+              <a:t>Tone down the peach and/or add grid behind chart</a:t>
             </a:r>
           </a:p>
+        </p:txBody>
+      </p:sp>
+      <p:sp>
+        <p:nvSpPr>
+          <p:cNvPr id="4" name="Slide Number Placeholder 3"/>
+          <p:cNvSpPr>
+            <a:spLocks noGrp="1"/>
+          </p:cNvSpPr>
+          <p:nvPr>
+            <p:ph type="sldNum" sz="quarter" idx="5"/>
+          </p:nvPr>
+        </p:nvSpPr>
+        <p:spPr/>
+        <p:txBody>
+          <a:bodyPr/>
+          <a:lstStyle/>
+          <a:p>
+            <a:fld id="{A1DD606A-F46B-421B-8C76-016A1005836C}" type="slidenum">
+              <a:rPr lang="en-US" smtClean="0"/>
+              <a:t>3</a:t>
+            </a:fld>
+            <a:endParaRPr lang="en-US"/>
+          </a:p>
+        </p:txBody>
+      </p:sp>
+    </p:spTree>
+    <p:extLst>
+      <p:ext uri="{BB962C8B-B14F-4D97-AF65-F5344CB8AC3E}">
+        <p14:creationId xmlns:p14="http://schemas.microsoft.com/office/powerpoint/2010/main" val="38540232"/>
+      </p:ext>
+    </p:extLst>
+  </p:cSld>
+  <p:clrMapOvr>
+    <a:masterClrMapping/>
+  </p:clrMapOvr>
+</p:notes>
+</file>
+
+<file path=ppt/notesSlides/notesSlide2.xml><?xml version="1.0" encoding="utf-8"?>
+<p:notes xmlns:a="http://schemas.openxmlformats.org/drawingml/2006/main" xmlns:r="http://schemas.openxmlformats.org/officeDocument/2006/relationships" xmlns:p="http://schemas.openxmlformats.org/presentationml/2006/main">
+  <p:cSld>
+    <p:spTree>
+      <p:nvGrpSpPr>
+        <p:cNvPr id="1" name=""/>
+        <p:cNvGrpSpPr/>
+        <p:nvPr/>
+      </p:nvGrpSpPr>
+      <p:grpSpPr>
+        <a:xfrm>
+          <a:off x="0" y="0"/>
+          <a:ext cx="0" cy="0"/>
+          <a:chOff x="0" y="0"/>
+          <a:chExt cx="0" cy="0"/>
+        </a:xfrm>
+      </p:grpSpPr>
+      <p:sp>
+        <p:nvSpPr>
+          <p:cNvPr id="2" name="Slide Image Placeholder 1"/>
+          <p:cNvSpPr>
+            <a:spLocks noGrp="1" noRot="1" noChangeAspect="1"/>
+          </p:cNvSpPr>
+          <p:nvPr>
+            <p:ph type="sldImg"/>
+          </p:nvPr>
+        </p:nvSpPr>
+        <p:spPr/>
+      </p:sp>
+      <p:sp>
+        <p:nvSpPr>
+          <p:cNvPr id="3" name="Notes Placeholder 2"/>
+          <p:cNvSpPr>
+            <a:spLocks noGrp="1"/>
+          </p:cNvSpPr>
+          <p:nvPr>
+            <p:ph type="body" idx="1"/>
+          </p:nvPr>
+        </p:nvSpPr>
+        <p:spPr/>
+        <p:txBody>
+          <a:bodyPr/>
+          <a:lstStyle/>
           <a:p>
             <a:r>
               <a:rPr lang="en-US" dirty="0"/>
-              <a:t>Bigger</a:t>
+              <a:t>Consider flashing the whole chart first</a:t>
             </a:r>
           </a:p>
         </p:txBody>
@@ -3238,7 +3319,94 @@
 </p:notes>
 </file>
 
-<file path=ppt/notesSlides/notesSlide2.xml><?xml version="1.0" encoding="utf-8"?>
+<file path=ppt/notesSlides/notesSlide3.xml><?xml version="1.0" encoding="utf-8"?>
+<p:notes xmlns:a="http://schemas.openxmlformats.org/drawingml/2006/main" xmlns:r="http://schemas.openxmlformats.org/officeDocument/2006/relationships" xmlns:p="http://schemas.openxmlformats.org/presentationml/2006/main">
+  <p:cSld>
+    <p:spTree>
+      <p:nvGrpSpPr>
+        <p:cNvPr id="1" name=""/>
+        <p:cNvGrpSpPr/>
+        <p:nvPr/>
+      </p:nvGrpSpPr>
+      <p:grpSpPr>
+        <a:xfrm>
+          <a:off x="0" y="0"/>
+          <a:ext cx="0" cy="0"/>
+          <a:chOff x="0" y="0"/>
+          <a:chExt cx="0" cy="0"/>
+        </a:xfrm>
+      </p:grpSpPr>
+      <p:sp>
+        <p:nvSpPr>
+          <p:cNvPr id="2" name="Slide Image Placeholder 1"/>
+          <p:cNvSpPr>
+            <a:spLocks noGrp="1" noRot="1" noChangeAspect="1"/>
+          </p:cNvSpPr>
+          <p:nvPr>
+            <p:ph type="sldImg"/>
+          </p:nvPr>
+        </p:nvSpPr>
+        <p:spPr/>
+      </p:sp>
+      <p:sp>
+        <p:nvSpPr>
+          <p:cNvPr id="3" name="Notes Placeholder 2"/>
+          <p:cNvSpPr>
+            <a:spLocks noGrp="1"/>
+          </p:cNvSpPr>
+          <p:nvPr>
+            <p:ph type="body" idx="1"/>
+          </p:nvPr>
+        </p:nvSpPr>
+        <p:spPr/>
+        <p:txBody>
+          <a:bodyPr/>
+          <a:lstStyle/>
+          <a:p>
+            <a:r>
+              <a:rPr lang="en-US" dirty="0"/>
+              <a:t>Add score</a:t>
+            </a:r>
+          </a:p>
+        </p:txBody>
+      </p:sp>
+      <p:sp>
+        <p:nvSpPr>
+          <p:cNvPr id="4" name="Slide Number Placeholder 3"/>
+          <p:cNvSpPr>
+            <a:spLocks noGrp="1"/>
+          </p:cNvSpPr>
+          <p:nvPr>
+            <p:ph type="sldNum" sz="quarter" idx="5"/>
+          </p:nvPr>
+        </p:nvSpPr>
+        <p:spPr/>
+        <p:txBody>
+          <a:bodyPr/>
+          <a:lstStyle/>
+          <a:p>
+            <a:fld id="{A1DD606A-F46B-421B-8C76-016A1005836C}" type="slidenum">
+              <a:rPr lang="en-US" smtClean="0"/>
+              <a:t>16</a:t>
+            </a:fld>
+            <a:endParaRPr lang="en-US"/>
+          </a:p>
+        </p:txBody>
+      </p:sp>
+    </p:spTree>
+    <p:extLst>
+      <p:ext uri="{BB962C8B-B14F-4D97-AF65-F5344CB8AC3E}">
+        <p14:creationId xmlns:p14="http://schemas.microsoft.com/office/powerpoint/2010/main" val="2487942149"/>
+      </p:ext>
+    </p:extLst>
+  </p:cSld>
+  <p:clrMapOvr>
+    <a:masterClrMapping/>
+  </p:clrMapOvr>
+</p:notes>
+</file>
+
+<file path=ppt/notesSlides/notesSlide4.xml><?xml version="1.0" encoding="utf-8"?>
 <p:notes xmlns:a="http://schemas.openxmlformats.org/drawingml/2006/main" xmlns:r="http://schemas.openxmlformats.org/officeDocument/2006/relationships" xmlns:p="http://schemas.openxmlformats.org/presentationml/2006/main">
   <p:cSld>
     <p:spTree>
@@ -3469,7 +3637,7 @@
           <a:p>
             <a:fld id="{439CE6F7-9533-4255-A38D-1E6294581F5A}" type="datetimeFigureOut">
               <a:rPr lang="en-US" smtClean="0"/>
-              <a:t>4/8/2019</a:t>
+              <a:t>4/9/2019</a:t>
             </a:fld>
             <a:endParaRPr lang="en-US"/>
           </a:p>
@@ -3667,7 +3835,7 @@
           <a:p>
             <a:fld id="{439CE6F7-9533-4255-A38D-1E6294581F5A}" type="datetimeFigureOut">
               <a:rPr lang="en-US" smtClean="0"/>
-              <a:t>4/8/2019</a:t>
+              <a:t>4/9/2019</a:t>
             </a:fld>
             <a:endParaRPr lang="en-US"/>
           </a:p>
@@ -3875,7 +4043,7 @@
           <a:p>
             <a:fld id="{439CE6F7-9533-4255-A38D-1E6294581F5A}" type="datetimeFigureOut">
               <a:rPr lang="en-US" smtClean="0"/>
-              <a:t>4/8/2019</a:t>
+              <a:t>4/9/2019</a:t>
             </a:fld>
             <a:endParaRPr lang="en-US"/>
           </a:p>
@@ -4275,7 +4443,7 @@
           <a:p>
             <a:fld id="{439CE6F7-9533-4255-A38D-1E6294581F5A}" type="datetimeFigureOut">
               <a:rPr lang="en-US" smtClean="0"/>
-              <a:t>4/8/2019</a:t>
+              <a:t>4/9/2019</a:t>
             </a:fld>
             <a:endParaRPr lang="en-US"/>
           </a:p>
@@ -4540,7 +4708,7 @@
           <a:p>
             <a:fld id="{439CE6F7-9533-4255-A38D-1E6294581F5A}" type="datetimeFigureOut">
               <a:rPr lang="en-US" smtClean="0"/>
-              <a:t>4/8/2019</a:t>
+              <a:t>4/9/2019</a:t>
             </a:fld>
             <a:endParaRPr lang="en-US"/>
           </a:p>
@@ -4952,7 +5120,7 @@
           <a:p>
             <a:fld id="{439CE6F7-9533-4255-A38D-1E6294581F5A}" type="datetimeFigureOut">
               <a:rPr lang="en-US" smtClean="0"/>
-              <a:t>4/8/2019</a:t>
+              <a:t>4/9/2019</a:t>
             </a:fld>
             <a:endParaRPr lang="en-US"/>
           </a:p>
@@ -5093,7 +5261,7 @@
           <a:p>
             <a:fld id="{439CE6F7-9533-4255-A38D-1E6294581F5A}" type="datetimeFigureOut">
               <a:rPr lang="en-US" smtClean="0"/>
-              <a:t>4/8/2019</a:t>
+              <a:t>4/9/2019</a:t>
             </a:fld>
             <a:endParaRPr lang="en-US"/>
           </a:p>
@@ -5206,7 +5374,7 @@
           <a:p>
             <a:fld id="{439CE6F7-9533-4255-A38D-1E6294581F5A}" type="datetimeFigureOut">
               <a:rPr lang="en-US" smtClean="0"/>
-              <a:t>4/8/2019</a:t>
+              <a:t>4/9/2019</a:t>
             </a:fld>
             <a:endParaRPr lang="en-US"/>
           </a:p>
@@ -5517,7 +5685,7 @@
           <a:p>
             <a:fld id="{439CE6F7-9533-4255-A38D-1E6294581F5A}" type="datetimeFigureOut">
               <a:rPr lang="en-US" smtClean="0"/>
-              <a:t>4/8/2019</a:t>
+              <a:t>4/9/2019</a:t>
             </a:fld>
             <a:endParaRPr lang="en-US"/>
           </a:p>
@@ -5805,7 +5973,7 @@
           <a:p>
             <a:fld id="{439CE6F7-9533-4255-A38D-1E6294581F5A}" type="datetimeFigureOut">
               <a:rPr lang="en-US" smtClean="0"/>
-              <a:t>4/8/2019</a:t>
+              <a:t>4/9/2019</a:t>
             </a:fld>
             <a:endParaRPr lang="en-US"/>
           </a:p>
@@ -6046,7 +6214,7 @@
           <a:p>
             <a:fld id="{439CE6F7-9533-4255-A38D-1E6294581F5A}" type="datetimeFigureOut">
               <a:rPr lang="en-US" smtClean="0"/>
-              <a:t>4/8/2019</a:t>
+              <a:t>4/9/2019</a:t>
             </a:fld>
             <a:endParaRPr lang="en-US"/>
           </a:p>
@@ -6778,7 +6946,7 @@
         </p:nvSpPr>
         <p:spPr>
           <a:xfrm>
-            <a:off x="1098311" y="6276305"/>
+            <a:off x="1196907" y="6614133"/>
             <a:ext cx="9526146" cy="280737"/>
           </a:xfrm>
         </p:spPr>
@@ -6941,7 +7109,7 @@
                 <a:ea typeface="Lato" panose="020F0502020204030203" pitchFamily="34" charset="0"/>
                 <a:cs typeface="Lato" panose="020F0502020204030203" pitchFamily="34" charset="0"/>
               </a:rPr>
-              <a:t>X </a:t>
+              <a:t>x</a:t>
             </a:r>
             <a:endParaRPr lang="en-US" sz="900" dirty="0">
               <a:solidFill>
@@ -7172,7 +7340,7 @@
               </a:solidFill>
               <a:ln w="9525">
                 <a:solidFill>
-                  <a:srgbClr val="FF66FF"/>
+                  <a:srgbClr val="FE9B50"/>
                 </a:solidFill>
               </a:ln>
             </p:spPr>
@@ -7211,7 +7379,7 @@
                       <m:r>
                         <a:rPr lang="en-US" i="1" smtClean="0">
                           <a:solidFill>
-                            <a:srgbClr val="FF66FF"/>
+                            <a:srgbClr val="FE9B50"/>
                           </a:solidFill>
                           <a:latin typeface="Cambria Math" panose="02040503050406030204" pitchFamily="18" charset="0"/>
                           <a:ea typeface="Cambria Math" panose="02040503050406030204" pitchFamily="18" charset="0"/>
@@ -7223,7 +7391,7 @@
                 </a14:m>
                 <a:endParaRPr lang="en-US" dirty="0">
                   <a:solidFill>
-                    <a:srgbClr val="FF66FF"/>
+                    <a:srgbClr val="FE9B50"/>
                   </a:solidFill>
                 </a:endParaRPr>
               </a:p>
@@ -7261,7 +7429,7 @@
               </a:blipFill>
               <a:ln w="9525">
                 <a:solidFill>
-                  <a:srgbClr val="FF66FF"/>
+                  <a:srgbClr val="FE9B50"/>
                 </a:solidFill>
               </a:ln>
             </p:spPr>
@@ -7308,7 +7476,7 @@
           </a:solidFill>
           <a:ln w="9525">
             <a:solidFill>
-              <a:srgbClr val="FF66FF"/>
+              <a:srgbClr val="FE9B50"/>
             </a:solidFill>
           </a:ln>
         </p:spPr>
@@ -7341,7 +7509,7 @@
             <a:r>
               <a:rPr lang="el-GR" dirty="0">
                 <a:solidFill>
-                  <a:srgbClr val="FF66FF"/>
+                  <a:srgbClr val="FE9B50"/>
                 </a:solidFill>
                 <a:latin typeface="Lato" panose="020F0502020204030203" pitchFamily="34" charset="0"/>
                 <a:ea typeface="Lato" panose="020F0502020204030203" pitchFamily="34" charset="0"/>
@@ -7351,7 +7519,7 @@
             </a:r>
             <a:endParaRPr lang="en-US" dirty="0">
               <a:solidFill>
-                <a:srgbClr val="FF66FF"/>
+                <a:srgbClr val="FE9B50"/>
               </a:solidFill>
               <a:latin typeface="Lato" panose="020F0502020204030203" pitchFamily="34" charset="0"/>
               <a:ea typeface="Lato" panose="020F0502020204030203" pitchFamily="34" charset="0"/>
@@ -7433,7 +7601,7 @@
               <a:noFill/>
               <a:ln w="6350">
                 <a:solidFill>
-                  <a:srgbClr val="FF66FF"/>
+                  <a:srgbClr val="FE9B50"/>
                 </a:solidFill>
                 <a:prstDash val="solid"/>
               </a:ln>
@@ -7456,7 +7624,7 @@
                           <m:ctrlPr>
                             <a:rPr lang="en-US" sz="1600" i="1" smtClean="0">
                               <a:solidFill>
-                                <a:srgbClr val="FF66FF"/>
+                                <a:srgbClr val="FE9B50"/>
                               </a:solidFill>
                               <a:latin typeface="Cambria Math" panose="02040503050406030204" pitchFamily="18" charset="0"/>
                               <a:ea typeface="Lato" panose="020F0502020204030203" pitchFamily="34" charset="0"/>
@@ -7468,7 +7636,7 @@
                           <m:r>
                             <a:rPr lang="en-US" sz="1600" i="1">
                               <a:solidFill>
-                                <a:srgbClr val="FF66FF"/>
+                                <a:srgbClr val="FE9B50"/>
                               </a:solidFill>
                               <a:latin typeface="Cambria Math" panose="02040503050406030204" pitchFamily="18" charset="0"/>
                               <a:ea typeface="Lato" panose="020F0502020204030203" pitchFamily="34" charset="0"/>
@@ -7479,22 +7647,33 @@
                         </m:e>
                         <m:sub>
                           <m:r>
-                            <a:rPr lang="en-US" sz="1600" i="1">
+                            <a:rPr lang="en-US" sz="1600" b="0" i="1" smtClean="0">
                               <a:solidFill>
-                                <a:srgbClr val="FF66FF"/>
+                                <a:srgbClr val="FE9B50"/>
                               </a:solidFill>
                               <a:latin typeface="Cambria Math" panose="02040503050406030204" pitchFamily="18" charset="0"/>
                               <a:ea typeface="Lato" panose="020F0502020204030203" pitchFamily="34" charset="0"/>
                               <a:cs typeface="Lato" panose="020F0502020204030203" pitchFamily="34" charset="0"/>
                             </a:rPr>
-                            <m:t>𝑓h</m:t>
+                            <m:t>h</m:t>
+                          </m:r>
+                          <m:r>
+                            <a:rPr lang="en-US" sz="1600" i="1">
+                              <a:solidFill>
+                                <a:srgbClr val="FE9B50"/>
+                              </a:solidFill>
+                              <a:latin typeface="Cambria Math" panose="02040503050406030204" pitchFamily="18" charset="0"/>
+                              <a:ea typeface="Lato" panose="020F0502020204030203" pitchFamily="34" charset="0"/>
+                              <a:cs typeface="Lato" panose="020F0502020204030203" pitchFamily="34" charset="0"/>
+                            </a:rPr>
+                            <m:t>𝑓</m:t>
                           </m:r>
                         </m:sub>
                       </m:sSub>
                       <m:r>
                         <a:rPr lang="en-US" sz="1600" i="1">
                           <a:solidFill>
-                            <a:srgbClr val="FF66FF"/>
+                            <a:srgbClr val="FE9B50"/>
                           </a:solidFill>
                           <a:latin typeface="Cambria Math" panose="02040503050406030204" pitchFamily="18" charset="0"/>
                           <a:ea typeface="Cambria Math" panose="02040503050406030204" pitchFamily="18" charset="0"/>
@@ -7505,7 +7684,7 @@
                       <m:r>
                         <a:rPr lang="en-US" sz="1600" i="1">
                           <a:solidFill>
-                            <a:srgbClr val="FF66FF"/>
+                            <a:srgbClr val="FE9B50"/>
                           </a:solidFill>
                           <a:latin typeface="Cambria Math" panose="02040503050406030204" pitchFamily="18" charset="0"/>
                           <a:ea typeface="Cambria Math" panose="02040503050406030204" pitchFamily="18" charset="0"/>
@@ -7516,7 +7695,7 @@
                       <m:r>
                         <a:rPr lang="en-US" sz="1600" i="1">
                           <a:solidFill>
-                            <a:srgbClr val="FF66FF"/>
+                            <a:srgbClr val="FE9B50"/>
                           </a:solidFill>
                           <a:latin typeface="Cambria Math" panose="02040503050406030204" pitchFamily="18" charset="0"/>
                           <a:ea typeface="Lato" panose="020F0502020204030203" pitchFamily="34" charset="0"/>
@@ -7529,7 +7708,7 @@
                           <m:ctrlPr>
                             <a:rPr lang="en-US" sz="1600" i="1">
                               <a:solidFill>
-                                <a:srgbClr val="FF66FF"/>
+                                <a:srgbClr val="FE9B50"/>
                               </a:solidFill>
                               <a:latin typeface="Cambria Math" panose="02040503050406030204" pitchFamily="18" charset="0"/>
                               <a:ea typeface="Cambria Math" panose="02040503050406030204" pitchFamily="18" charset="0"/>
@@ -7541,7 +7720,7 @@
                           <m:r>
                             <a:rPr lang="en-US" sz="1600" i="1">
                               <a:solidFill>
-                                <a:srgbClr val="FF66FF"/>
+                                <a:srgbClr val="FE9B50"/>
                               </a:solidFill>
                               <a:latin typeface="Cambria Math" panose="02040503050406030204" pitchFamily="18" charset="0"/>
                               <a:ea typeface="Cambria Math" panose="02040503050406030204" pitchFamily="18" charset="0"/>
@@ -7554,13 +7733,24 @@
                           <m:r>
                             <a:rPr lang="en-US" sz="1600" i="1">
                               <a:solidFill>
-                                <a:srgbClr val="FF66FF"/>
+                                <a:srgbClr val="FE9B50"/>
                               </a:solidFill>
                               <a:latin typeface="Cambria Math" panose="02040503050406030204" pitchFamily="18" charset="0"/>
                               <a:ea typeface="Cambria Math" panose="02040503050406030204" pitchFamily="18" charset="0"/>
                               <a:cs typeface="Lato" panose="020F0502020204030203" pitchFamily="34" charset="0"/>
                             </a:rPr>
-                            <m:t>𝑓h</m:t>
+                            <m:t>h</m:t>
+                          </m:r>
+                          <m:r>
+                            <a:rPr lang="en-US" sz="1600" b="0" i="1" smtClean="0">
+                              <a:solidFill>
+                                <a:srgbClr val="FE9B50"/>
+                              </a:solidFill>
+                              <a:latin typeface="Cambria Math" panose="02040503050406030204" pitchFamily="18" charset="0"/>
+                              <a:ea typeface="Cambria Math" panose="02040503050406030204" pitchFamily="18" charset="0"/>
+                              <a:cs typeface="Lato" panose="020F0502020204030203" pitchFamily="34" charset="0"/>
+                            </a:rPr>
+                            <m:t>𝑓</m:t>
                           </m:r>
                         </m:sub>
                       </m:sSub>
@@ -7569,7 +7759,7 @@
                 </a14:m>
                 <a:endParaRPr lang="en-US" sz="1600" dirty="0">
                   <a:solidFill>
-                    <a:srgbClr val="FF66FF"/>
+                    <a:srgbClr val="FE9B50"/>
                   </a:solidFill>
                   <a:latin typeface="Lato" panose="020F0502020204030203" pitchFamily="34" charset="0"/>
                   <a:ea typeface="Lato" panose="020F0502020204030203" pitchFamily="34" charset="0"/>
@@ -7605,12 +7795,12 @@
               <a:blipFill>
                 <a:blip r:embed="rId4"/>
                 <a:stretch>
-                  <a:fillRect l="-8411" r="-6542" b="-7692"/>
+                  <a:fillRect l="-9346" r="-7477" b="-7692"/>
                 </a:stretch>
               </a:blipFill>
               <a:ln w="6350">
                 <a:solidFill>
-                  <a:srgbClr val="FF66FF"/>
+                  <a:srgbClr val="FE9B50"/>
                 </a:solidFill>
                 <a:prstDash val="solid"/>
               </a:ln>
@@ -7701,9 +7891,9 @@
               <a:noFill/>
               <a:ln w="9525">
                 <a:solidFill>
-                  <a:srgbClr val="FF66FF"/>
+                  <a:srgbClr val="FE9B50"/>
                 </a:solidFill>
-                <a:prstDash val="dash"/>
+                <a:prstDash val="solid"/>
               </a:ln>
             </p:spPr>
             <p:txBody>
@@ -7724,7 +7914,7 @@
                           <m:ctrlPr>
                             <a:rPr lang="en-US" sz="1600" i="1" smtClean="0">
                               <a:solidFill>
-                                <a:srgbClr val="FF66FF"/>
+                                <a:srgbClr val="FE9B50"/>
                               </a:solidFill>
                               <a:latin typeface="Cambria Math" panose="02040503050406030204" pitchFamily="18" charset="0"/>
                               <a:ea typeface="Lato" panose="020F0502020204030203" pitchFamily="34" charset="0"/>
@@ -7736,7 +7926,7 @@
                           <m:r>
                             <a:rPr lang="en-US" sz="1600" i="1">
                               <a:solidFill>
-                                <a:srgbClr val="FF66FF"/>
+                                <a:srgbClr val="FE9B50"/>
                               </a:solidFill>
                               <a:latin typeface="Cambria Math" panose="02040503050406030204" pitchFamily="18" charset="0"/>
                               <a:ea typeface="Lato" panose="020F0502020204030203" pitchFamily="34" charset="0"/>
@@ -7749,20 +7939,31 @@
                           <m:r>
                             <a:rPr lang="en-US" sz="1600" i="1">
                               <a:solidFill>
-                                <a:srgbClr val="FF66FF"/>
+                                <a:srgbClr val="FE9B50"/>
                               </a:solidFill>
                               <a:latin typeface="Cambria Math" panose="02040503050406030204" pitchFamily="18" charset="0"/>
                               <a:ea typeface="Lato" panose="020F0502020204030203" pitchFamily="34" charset="0"/>
                               <a:cs typeface="Lato" panose="020F0502020204030203" pitchFamily="34" charset="0"/>
                             </a:rPr>
-                            <m:t>𝑓𝑥</m:t>
+                            <m:t>𝑥</m:t>
+                          </m:r>
+                          <m:r>
+                            <a:rPr lang="en-US" sz="1600" b="0" i="1" smtClean="0">
+                              <a:solidFill>
+                                <a:srgbClr val="FE9B50"/>
+                              </a:solidFill>
+                              <a:latin typeface="Cambria Math" panose="02040503050406030204" pitchFamily="18" charset="0"/>
+                              <a:ea typeface="Lato" panose="020F0502020204030203" pitchFamily="34" charset="0"/>
+                              <a:cs typeface="Lato" panose="020F0502020204030203" pitchFamily="34" charset="0"/>
+                            </a:rPr>
+                            <m:t>𝑓</m:t>
                           </m:r>
                         </m:sub>
                       </m:sSub>
                       <m:r>
                         <a:rPr lang="en-US" sz="1600" i="1">
                           <a:solidFill>
-                            <a:srgbClr val="FF66FF"/>
+                            <a:srgbClr val="FE9B50"/>
                           </a:solidFill>
                           <a:latin typeface="Cambria Math" panose="02040503050406030204" pitchFamily="18" charset="0"/>
                           <a:ea typeface="Cambria Math" panose="02040503050406030204" pitchFamily="18" charset="0"/>
@@ -7771,20 +7972,20 @@
                         <m:t>∙</m:t>
                       </m:r>
                       <m:r>
-                        <a:rPr lang="en-US" sz="1600" i="1">
+                        <a:rPr lang="en-US" sz="1600" b="0" i="1" smtClean="0">
                           <a:solidFill>
-                            <a:srgbClr val="FF66FF"/>
+                            <a:srgbClr val="FE9B50"/>
                           </a:solidFill>
                           <a:latin typeface="Cambria Math" panose="02040503050406030204" pitchFamily="18" charset="0"/>
                           <a:ea typeface="Cambria Math" panose="02040503050406030204" pitchFamily="18" charset="0"/>
                           <a:cs typeface="Lato" panose="020F0502020204030203" pitchFamily="34" charset="0"/>
                         </a:rPr>
-                        <m:t>𝑋</m:t>
+                        <m:t>𝑥</m:t>
                       </m:r>
                       <m:r>
                         <a:rPr lang="en-US" sz="1600" i="1">
                           <a:solidFill>
-                            <a:srgbClr val="FF66FF"/>
+                            <a:srgbClr val="FE9B50"/>
                           </a:solidFill>
                           <a:latin typeface="Cambria Math" panose="02040503050406030204" pitchFamily="18" charset="0"/>
                           <a:ea typeface="Lato" panose="020F0502020204030203" pitchFamily="34" charset="0"/>
@@ -7797,7 +7998,7 @@
                           <m:ctrlPr>
                             <a:rPr lang="en-US" sz="1600" i="1">
                               <a:solidFill>
-                                <a:srgbClr val="FF66FF"/>
+                                <a:srgbClr val="FE9B50"/>
                               </a:solidFill>
                               <a:latin typeface="Cambria Math" panose="02040503050406030204" pitchFamily="18" charset="0"/>
                               <a:ea typeface="Cambria Math" panose="02040503050406030204" pitchFamily="18" charset="0"/>
@@ -7809,7 +8010,7 @@
                           <m:r>
                             <a:rPr lang="en-US" sz="1600" i="1">
                               <a:solidFill>
-                                <a:srgbClr val="FF66FF"/>
+                                <a:srgbClr val="FE9B50"/>
                               </a:solidFill>
                               <a:latin typeface="Cambria Math" panose="02040503050406030204" pitchFamily="18" charset="0"/>
                               <a:ea typeface="Cambria Math" panose="02040503050406030204" pitchFamily="18" charset="0"/>
@@ -7822,13 +8023,24 @@
                           <m:r>
                             <a:rPr lang="en-US" sz="1600" i="1">
                               <a:solidFill>
-                                <a:srgbClr val="FF66FF"/>
+                                <a:srgbClr val="FE9B50"/>
                               </a:solidFill>
                               <a:latin typeface="Cambria Math" panose="02040503050406030204" pitchFamily="18" charset="0"/>
                               <a:ea typeface="Cambria Math" panose="02040503050406030204" pitchFamily="18" charset="0"/>
                               <a:cs typeface="Lato" panose="020F0502020204030203" pitchFamily="34" charset="0"/>
                             </a:rPr>
-                            <m:t>𝑓𝑥</m:t>
+                            <m:t>𝑥</m:t>
+                          </m:r>
+                          <m:r>
+                            <a:rPr lang="en-US" sz="1600" b="0" i="1" smtClean="0">
+                              <a:solidFill>
+                                <a:srgbClr val="FE9B50"/>
+                              </a:solidFill>
+                              <a:latin typeface="Cambria Math" panose="02040503050406030204" pitchFamily="18" charset="0"/>
+                              <a:ea typeface="Cambria Math" panose="02040503050406030204" pitchFamily="18" charset="0"/>
+                              <a:cs typeface="Lato" panose="020F0502020204030203" pitchFamily="34" charset="0"/>
+                            </a:rPr>
+                            <m:t>𝑓</m:t>
                           </m:r>
                         </m:sub>
                       </m:sSub>
@@ -7837,7 +8049,7 @@
                 </a14:m>
                 <a:endParaRPr lang="en-US" sz="1600" dirty="0">
                   <a:solidFill>
-                    <a:srgbClr val="FF66FF"/>
+                    <a:srgbClr val="FE9B50"/>
                   </a:solidFill>
                   <a:latin typeface="Lato" panose="020F0502020204030203" pitchFamily="34" charset="0"/>
                   <a:ea typeface="Lato" panose="020F0502020204030203" pitchFamily="34" charset="0"/>
@@ -7873,14 +8085,14 @@
               <a:blipFill>
                 <a:blip r:embed="rId5"/>
                 <a:stretch>
-                  <a:fillRect l="-8333" r="-7407" b="-7609"/>
+                  <a:fillRect l="-7407" r="-4630" b="-7609"/>
                 </a:stretch>
               </a:blipFill>
               <a:ln w="9525">
                 <a:solidFill>
-                  <a:srgbClr val="FF66FF"/>
+                  <a:srgbClr val="FE9B50"/>
                 </a:solidFill>
-                <a:prstDash val="dash"/>
+                <a:prstDash val="solid"/>
               </a:ln>
             </p:spPr>
             <p:txBody>
@@ -7976,7 +8188,7 @@
             <a:solidFill>
               <a:schemeClr val="bg1"/>
             </a:solidFill>
-            <a:prstDash val="dash"/>
+            <a:prstDash val="solid"/>
           </a:ln>
         </p:spPr>
         <p:style>
@@ -8153,7 +8365,7 @@
             <p:spPr>
               <a:xfrm>
                 <a:off x="6130118" y="3145694"/>
-                <a:ext cx="644890" cy="548640"/>
+                <a:ext cx="644890" cy="505267"/>
               </a:xfrm>
               <a:prstGeom prst="rect">
                 <a:avLst/>
@@ -8182,7 +8394,7 @@
                       <m:sSub>
                         <m:sSubPr>
                           <m:ctrlPr>
-                            <a:rPr lang="en-US" sz="1600" i="1">
+                            <a:rPr lang="en-US" sz="1600" i="1" smtClean="0">
                               <a:solidFill>
                                 <a:srgbClr val="4AE719"/>
                               </a:solidFill>
@@ -8215,7 +8427,18 @@
                               <a:ea typeface="Lato" panose="020F0502020204030203" pitchFamily="34" charset="0"/>
                               <a:cs typeface="Lato" panose="020F0502020204030203" pitchFamily="34" charset="0"/>
                             </a:rPr>
-                            <m:t>𝑖h</m:t>
+                            <m:t>h</m:t>
+                          </m:r>
+                          <m:r>
+                            <a:rPr lang="en-US" sz="1600" b="0" i="1" smtClean="0">
+                              <a:solidFill>
+                                <a:srgbClr val="4AE719"/>
+                              </a:solidFill>
+                              <a:latin typeface="Cambria Math" panose="02040503050406030204" pitchFamily="18" charset="0"/>
+                              <a:ea typeface="Lato" panose="020F0502020204030203" pitchFamily="34" charset="0"/>
+                              <a:cs typeface="Lato" panose="020F0502020204030203" pitchFamily="34" charset="0"/>
+                            </a:rPr>
+                            <m:t>𝑖</m:t>
                           </m:r>
                         </m:sub>
                       </m:sSub>
@@ -8288,7 +8511,18 @@
                               <a:ea typeface="Cambria Math" panose="02040503050406030204" pitchFamily="18" charset="0"/>
                               <a:cs typeface="Lato" panose="020F0502020204030203" pitchFamily="34" charset="0"/>
                             </a:rPr>
-                            <m:t>𝑖h</m:t>
+                            <m:t>h</m:t>
+                          </m:r>
+                          <m:r>
+                            <a:rPr lang="en-US" sz="1600" b="0" i="1" smtClean="0">
+                              <a:solidFill>
+                                <a:srgbClr val="4AE719"/>
+                              </a:solidFill>
+                              <a:latin typeface="Cambria Math" panose="02040503050406030204" pitchFamily="18" charset="0"/>
+                              <a:ea typeface="Cambria Math" panose="02040503050406030204" pitchFamily="18" charset="0"/>
+                              <a:cs typeface="Lato" panose="020F0502020204030203" pitchFamily="34" charset="0"/>
+                            </a:rPr>
+                            <m:t>𝑖</m:t>
                           </m:r>
                         </m:sub>
                       </m:sSub>
@@ -8325,7 +8559,7 @@
             <p:spPr>
               <a:xfrm>
                 <a:off x="6130118" y="3145694"/>
-                <a:ext cx="644890" cy="548640"/>
+                <a:ext cx="644890" cy="505267"/>
               </a:xfrm>
               <a:prstGeom prst="rect">
                 <a:avLst/>
@@ -8333,7 +8567,7 @@
               <a:blipFill>
                 <a:blip r:embed="rId6"/>
                 <a:stretch>
-                  <a:fillRect l="-6604" r="-5660"/>
+                  <a:fillRect l="-6604" r="-5660" b="-4762"/>
                 </a:stretch>
               </a:blipFill>
               <a:ln w="6350">
@@ -8375,7 +8609,7 @@
             <p:spPr>
               <a:xfrm>
                 <a:off x="6841390" y="3147039"/>
-                <a:ext cx="644890" cy="548640"/>
+                <a:ext cx="644890" cy="505267"/>
               </a:xfrm>
               <a:prstGeom prst="rect">
                 <a:avLst/>
@@ -8385,7 +8619,7 @@
                 <a:solidFill>
                   <a:srgbClr val="4AE719"/>
                 </a:solidFill>
-                <a:prstDash val="dash"/>
+                <a:prstDash val="solid"/>
               </a:ln>
             </p:spPr>
             <p:txBody>
@@ -8404,7 +8638,7 @@
                       <m:sSub>
                         <m:sSubPr>
                           <m:ctrlPr>
-                            <a:rPr lang="en-US" sz="1600" i="1">
+                            <a:rPr lang="en-US" sz="1600" i="1" smtClean="0">
                               <a:solidFill>
                                 <a:srgbClr val="4AE719"/>
                               </a:solidFill>
@@ -8437,7 +8671,18 @@
                               <a:ea typeface="Lato" panose="020F0502020204030203" pitchFamily="34" charset="0"/>
                               <a:cs typeface="Lato" panose="020F0502020204030203" pitchFamily="34" charset="0"/>
                             </a:rPr>
-                            <m:t>𝑖𝑥</m:t>
+                            <m:t>𝑥</m:t>
+                          </m:r>
+                          <m:r>
+                            <a:rPr lang="en-US" sz="1600" b="0" i="1" smtClean="0">
+                              <a:solidFill>
+                                <a:srgbClr val="4AE719"/>
+                              </a:solidFill>
+                              <a:latin typeface="Cambria Math" panose="02040503050406030204" pitchFamily="18" charset="0"/>
+                              <a:ea typeface="Lato" panose="020F0502020204030203" pitchFamily="34" charset="0"/>
+                              <a:cs typeface="Lato" panose="020F0502020204030203" pitchFamily="34" charset="0"/>
+                            </a:rPr>
+                            <m:t>𝑖</m:t>
                           </m:r>
                         </m:sub>
                       </m:sSub>
@@ -8453,7 +8698,7 @@
                         <m:t>∙</m:t>
                       </m:r>
                       <m:r>
-                        <a:rPr lang="en-US" sz="1600" i="1">
+                        <a:rPr lang="en-US" sz="1600" b="0" i="1" smtClean="0">
                           <a:solidFill>
                             <a:srgbClr val="4AE719"/>
                           </a:solidFill>
@@ -8461,7 +8706,7 @@
                           <a:ea typeface="Cambria Math" panose="02040503050406030204" pitchFamily="18" charset="0"/>
                           <a:cs typeface="Lato" panose="020F0502020204030203" pitchFamily="34" charset="0"/>
                         </a:rPr>
-                        <m:t>𝑋</m:t>
+                        <m:t>𝑥</m:t>
                       </m:r>
                       <m:r>
                         <a:rPr lang="en-US" sz="1600" i="1">
@@ -8502,6 +8747,17 @@
                         </m:e>
                         <m:sub>
                           <m:r>
+                            <a:rPr lang="en-US" sz="1600" b="0" i="1" smtClean="0">
+                              <a:solidFill>
+                                <a:srgbClr val="4AE719"/>
+                              </a:solidFill>
+                              <a:latin typeface="Cambria Math" panose="02040503050406030204" pitchFamily="18" charset="0"/>
+                              <a:ea typeface="Cambria Math" panose="02040503050406030204" pitchFamily="18" charset="0"/>
+                              <a:cs typeface="Lato" panose="020F0502020204030203" pitchFamily="34" charset="0"/>
+                            </a:rPr>
+                            <m:t>𝑥</m:t>
+                          </m:r>
+                          <m:r>
                             <a:rPr lang="en-US" sz="1600" i="1">
                               <a:solidFill>
                                 <a:srgbClr val="4AE719"/>
@@ -8510,7 +8766,7 @@
                               <a:ea typeface="Cambria Math" panose="02040503050406030204" pitchFamily="18" charset="0"/>
                               <a:cs typeface="Lato" panose="020F0502020204030203" pitchFamily="34" charset="0"/>
                             </a:rPr>
-                            <m:t>𝑖𝑥</m:t>
+                            <m:t>𝑖</m:t>
                           </m:r>
                         </m:sub>
                       </m:sSub>
@@ -8547,7 +8803,7 @@
             <p:spPr>
               <a:xfrm>
                 <a:off x="6841390" y="3147039"/>
-                <a:ext cx="644890" cy="548640"/>
+                <a:ext cx="644890" cy="505267"/>
               </a:xfrm>
               <a:prstGeom prst="rect">
                 <a:avLst/>
@@ -8555,14 +8811,14 @@
               <a:blipFill>
                 <a:blip r:embed="rId7"/>
                 <a:stretch>
-                  <a:fillRect l="-6481" r="-5556"/>
+                  <a:fillRect l="-4630" r="-1852" b="-4706"/>
                 </a:stretch>
               </a:blipFill>
               <a:ln w="9525">
                 <a:solidFill>
                   <a:srgbClr val="4AE719"/>
                 </a:solidFill>
-                <a:prstDash val="dash"/>
+                <a:prstDash val="solid"/>
               </a:ln>
             </p:spPr>
             <p:txBody>
@@ -8597,7 +8853,7 @@
             <p:spPr>
               <a:xfrm>
                 <a:off x="7563768" y="3150296"/>
-                <a:ext cx="644890" cy="548640"/>
+                <a:ext cx="644890" cy="505267"/>
               </a:xfrm>
               <a:prstGeom prst="rect">
                 <a:avLst/>
@@ -8626,7 +8882,7 @@
                       <m:sSub>
                         <m:sSubPr>
                           <m:ctrlPr>
-                            <a:rPr lang="en-US" sz="1600" i="1">
+                            <a:rPr lang="en-US" sz="1600" i="1" smtClean="0">
                               <a:solidFill>
                                 <a:srgbClr val="4AE719"/>
                               </a:solidFill>
@@ -8659,7 +8915,18 @@
                               <a:ea typeface="Lato" panose="020F0502020204030203" pitchFamily="34" charset="0"/>
                               <a:cs typeface="Lato" panose="020F0502020204030203" pitchFamily="34" charset="0"/>
                             </a:rPr>
-                            <m:t>𝑖h</m:t>
+                            <m:t>h</m:t>
+                          </m:r>
+                          <m:r>
+                            <a:rPr lang="en-US" sz="1600" b="0" i="1" smtClean="0">
+                              <a:solidFill>
+                                <a:srgbClr val="4AE719"/>
+                              </a:solidFill>
+                              <a:latin typeface="Cambria Math" panose="02040503050406030204" pitchFamily="18" charset="0"/>
+                              <a:ea typeface="Lato" panose="020F0502020204030203" pitchFamily="34" charset="0"/>
+                              <a:cs typeface="Lato" panose="020F0502020204030203" pitchFamily="34" charset="0"/>
+                            </a:rPr>
+                            <m:t>𝑙</m:t>
                           </m:r>
                         </m:sub>
                       </m:sSub>
@@ -8732,7 +8999,18 @@
                               <a:ea typeface="Cambria Math" panose="02040503050406030204" pitchFamily="18" charset="0"/>
                               <a:cs typeface="Lato" panose="020F0502020204030203" pitchFamily="34" charset="0"/>
                             </a:rPr>
-                            <m:t>𝑖h</m:t>
+                            <m:t>h</m:t>
+                          </m:r>
+                          <m:r>
+                            <a:rPr lang="en-US" sz="1600" b="0" i="1" smtClean="0">
+                              <a:solidFill>
+                                <a:srgbClr val="4AE719"/>
+                              </a:solidFill>
+                              <a:latin typeface="Cambria Math" panose="02040503050406030204" pitchFamily="18" charset="0"/>
+                              <a:ea typeface="Cambria Math" panose="02040503050406030204" pitchFamily="18" charset="0"/>
+                              <a:cs typeface="Lato" panose="020F0502020204030203" pitchFamily="34" charset="0"/>
+                            </a:rPr>
+                            <m:t>𝑙</m:t>
                           </m:r>
                         </m:sub>
                       </m:sSub>
@@ -8769,7 +9047,7 @@
             <p:spPr>
               <a:xfrm>
                 <a:off x="7563768" y="3150296"/>
-                <a:ext cx="644890" cy="548640"/>
+                <a:ext cx="644890" cy="505267"/>
               </a:xfrm>
               <a:prstGeom prst="rect">
                 <a:avLst/>
@@ -8777,7 +9055,7 @@
               <a:blipFill>
                 <a:blip r:embed="rId8"/>
                 <a:stretch>
-                  <a:fillRect l="-6542" r="-4673"/>
+                  <a:fillRect l="-6542" r="-4673" b="-3571"/>
                 </a:stretch>
               </a:blipFill>
               <a:ln w="6350">
@@ -8819,7 +9097,7 @@
             <p:spPr>
               <a:xfrm>
                 <a:off x="8257462" y="3150889"/>
-                <a:ext cx="644890" cy="548640"/>
+                <a:ext cx="644890" cy="505267"/>
               </a:xfrm>
               <a:prstGeom prst="rect">
                 <a:avLst/>
@@ -8829,7 +9107,7 @@
                 <a:solidFill>
                   <a:srgbClr val="4AE719"/>
                 </a:solidFill>
-                <a:prstDash val="dash"/>
+                <a:prstDash val="solid"/>
               </a:ln>
             </p:spPr>
             <p:txBody>
@@ -8848,7 +9126,7 @@
                       <m:sSub>
                         <m:sSubPr>
                           <m:ctrlPr>
-                            <a:rPr lang="en-US" sz="1600" i="1">
+                            <a:rPr lang="en-US" sz="1600" i="1" smtClean="0">
                               <a:solidFill>
                                 <a:srgbClr val="4AE719"/>
                               </a:solidFill>
@@ -8873,7 +9151,7 @@
                         </m:e>
                         <m:sub>
                           <m:r>
-                            <a:rPr lang="en-US" sz="1600" i="1">
+                            <a:rPr lang="en-US" sz="1600" b="0" i="1" smtClean="0">
                               <a:solidFill>
                                 <a:srgbClr val="4AE719"/>
                               </a:solidFill>
@@ -8881,7 +9159,7 @@
                               <a:ea typeface="Lato" panose="020F0502020204030203" pitchFamily="34" charset="0"/>
                               <a:cs typeface="Lato" panose="020F0502020204030203" pitchFamily="34" charset="0"/>
                             </a:rPr>
-                            <m:t>𝑖𝑥</m:t>
+                            <m:t>𝑥𝑙</m:t>
                           </m:r>
                         </m:sub>
                       </m:sSub>
@@ -8897,7 +9175,7 @@
                         <m:t>∙</m:t>
                       </m:r>
                       <m:r>
-                        <a:rPr lang="en-US" sz="1600" i="1">
+                        <a:rPr lang="en-US" sz="1600" b="0" i="1" smtClean="0">
                           <a:solidFill>
                             <a:srgbClr val="4AE719"/>
                           </a:solidFill>
@@ -8905,7 +9183,7 @@
                           <a:ea typeface="Cambria Math" panose="02040503050406030204" pitchFamily="18" charset="0"/>
                           <a:cs typeface="Lato" panose="020F0502020204030203" pitchFamily="34" charset="0"/>
                         </a:rPr>
-                        <m:t>𝑋</m:t>
+                        <m:t>𝑥</m:t>
                       </m:r>
                       <m:r>
                         <a:rPr lang="en-US" sz="1600" i="1">
@@ -8954,7 +9232,18 @@
                               <a:ea typeface="Cambria Math" panose="02040503050406030204" pitchFamily="18" charset="0"/>
                               <a:cs typeface="Lato" panose="020F0502020204030203" pitchFamily="34" charset="0"/>
                             </a:rPr>
-                            <m:t>𝑖𝑥</m:t>
+                            <m:t>𝑥</m:t>
+                          </m:r>
+                          <m:r>
+                            <a:rPr lang="en-US" sz="1600" b="0" i="1" smtClean="0">
+                              <a:solidFill>
+                                <a:srgbClr val="4AE719"/>
+                              </a:solidFill>
+                              <a:latin typeface="Cambria Math" panose="02040503050406030204" pitchFamily="18" charset="0"/>
+                              <a:ea typeface="Cambria Math" panose="02040503050406030204" pitchFamily="18" charset="0"/>
+                              <a:cs typeface="Lato" panose="020F0502020204030203" pitchFamily="34" charset="0"/>
+                            </a:rPr>
+                            <m:t>𝑙</m:t>
                           </m:r>
                         </m:sub>
                       </m:sSub>
@@ -8991,7 +9280,7 @@
             <p:spPr>
               <a:xfrm>
                 <a:off x="8257462" y="3150889"/>
-                <a:ext cx="644890" cy="548640"/>
+                <a:ext cx="644890" cy="505267"/>
               </a:xfrm>
               <a:prstGeom prst="rect">
                 <a:avLst/>
@@ -8999,14 +9288,14 @@
               <a:blipFill>
                 <a:blip r:embed="rId9"/>
                 <a:stretch>
-                  <a:fillRect l="-7477" r="-5607"/>
+                  <a:fillRect l="-5607" r="-1869" b="-3529"/>
                 </a:stretch>
               </a:blipFill>
               <a:ln w="9525">
                 <a:solidFill>
                   <a:srgbClr val="4AE719"/>
                 </a:solidFill>
-                <a:prstDash val="dash"/>
+                <a:prstDash val="solid"/>
               </a:ln>
             </p:spPr>
             <p:txBody>
@@ -9042,8 +9331,8 @@
         </p:nvCxnSpPr>
         <p:spPr>
           <a:xfrm rot="5400000" flipH="1" flipV="1">
-            <a:off x="5905149" y="3032787"/>
-            <a:ext cx="595793" cy="1921579"/>
+            <a:off x="5883462" y="3011100"/>
+            <a:ext cx="639166" cy="1921579"/>
           </a:xfrm>
           <a:prstGeom prst="bentConnector3">
             <a:avLst>
@@ -9090,8 +9379,8 @@
         </p:nvCxnSpPr>
         <p:spPr>
           <a:xfrm rot="5400000" flipH="1" flipV="1">
-            <a:off x="6615110" y="2326676"/>
-            <a:ext cx="591943" cy="3337651"/>
+            <a:off x="6593423" y="2304989"/>
+            <a:ext cx="635316" cy="3337651"/>
           </a:xfrm>
           <a:prstGeom prst="bentConnector3">
             <a:avLst>
@@ -9138,8 +9427,8 @@
         </p:nvCxnSpPr>
         <p:spPr>
           <a:xfrm flipV="1">
-            <a:off x="4311737" y="3694334"/>
-            <a:ext cx="2140826" cy="125961"/>
+            <a:off x="4311737" y="3650961"/>
+            <a:ext cx="2140826" cy="169334"/>
           </a:xfrm>
           <a:prstGeom prst="bentConnector2">
             <a:avLst/>
@@ -9184,8 +9473,8 @@
         </p:nvCxnSpPr>
         <p:spPr>
           <a:xfrm flipV="1">
-            <a:off x="4311737" y="3698936"/>
-            <a:ext cx="3574476" cy="121359"/>
+            <a:off x="4311737" y="3655563"/>
+            <a:ext cx="3574476" cy="164732"/>
           </a:xfrm>
           <a:prstGeom prst="bentConnector2">
             <a:avLst/>
@@ -9242,7 +9531,7 @@
             <a:solidFill>
               <a:schemeClr val="bg1"/>
             </a:solidFill>
-            <a:prstDash val="dash"/>
+            <a:prstDash val="solid"/>
           </a:ln>
         </p:spPr>
         <p:style>
@@ -9338,7 +9627,7 @@
             <a:solidFill>
               <a:schemeClr val="bg1"/>
             </a:solidFill>
-            <a:prstDash val="dash"/>
+            <a:prstDash val="solid"/>
           </a:ln>
         </p:spPr>
         <p:style>
@@ -9370,7 +9659,7 @@
         </p:nvSpPr>
         <p:spPr>
           <a:xfrm>
-            <a:off x="6667583" y="2337468"/>
+            <a:off x="6663764" y="2336370"/>
             <a:ext cx="270101" cy="248328"/>
           </a:xfrm>
           <a:prstGeom prst="rect">
@@ -9525,9 +9814,9 @@
           <p:nvPr/>
         </p:nvCxnSpPr>
         <p:spPr>
-          <a:xfrm flipV="1">
-            <a:off x="6799663" y="2585796"/>
-            <a:ext cx="2971" cy="102325"/>
+          <a:xfrm flipH="1" flipV="1">
+            <a:off x="6798815" y="2584698"/>
+            <a:ext cx="848" cy="103423"/>
           </a:xfrm>
           <a:prstGeom prst="straightConnector1">
             <a:avLst/>
@@ -9756,8 +10045,8 @@
         </p:nvCxnSpPr>
         <p:spPr>
           <a:xfrm rot="10800000" flipV="1">
-            <a:off x="6802635" y="2183438"/>
-            <a:ext cx="562521" cy="154030"/>
+            <a:off x="6798815" y="2183438"/>
+            <a:ext cx="566340" cy="152932"/>
           </a:xfrm>
           <a:prstGeom prst="bentConnector2">
             <a:avLst/>
@@ -9847,7 +10136,7 @@
             <p:spPr>
               <a:xfrm>
                 <a:off x="9086023" y="3143710"/>
-                <a:ext cx="644890" cy="548640"/>
+                <a:ext cx="644890" cy="505267"/>
               </a:xfrm>
               <a:prstGeom prst="rect">
                 <a:avLst/>
@@ -9876,7 +10165,7 @@
                       <m:sSub>
                         <m:sSubPr>
                           <m:ctrlPr>
-                            <a:rPr lang="en-US" sz="1600" i="1">
+                            <a:rPr lang="en-US" sz="1600" i="1" smtClean="0">
                               <a:solidFill>
                                 <a:srgbClr val="15D2FF"/>
                               </a:solidFill>
@@ -9909,7 +10198,18 @@
                               <a:ea typeface="Lato" panose="020F0502020204030203" pitchFamily="34" charset="0"/>
                               <a:cs typeface="Lato" panose="020F0502020204030203" pitchFamily="34" charset="0"/>
                             </a:rPr>
-                            <m:t>𝑖h</m:t>
+                            <m:t>h</m:t>
+                          </m:r>
+                          <m:r>
+                            <a:rPr lang="en-US" sz="1600" b="0" i="1" smtClean="0">
+                              <a:solidFill>
+                                <a:srgbClr val="15D2FF"/>
+                              </a:solidFill>
+                              <a:latin typeface="Cambria Math" panose="02040503050406030204" pitchFamily="18" charset="0"/>
+                              <a:ea typeface="Lato" panose="020F0502020204030203" pitchFamily="34" charset="0"/>
+                              <a:cs typeface="Lato" panose="020F0502020204030203" pitchFamily="34" charset="0"/>
+                            </a:rPr>
+                            <m:t>𝑜</m:t>
                           </m:r>
                         </m:sub>
                       </m:sSub>
@@ -9982,7 +10282,18 @@
                               <a:ea typeface="Cambria Math" panose="02040503050406030204" pitchFamily="18" charset="0"/>
                               <a:cs typeface="Lato" panose="020F0502020204030203" pitchFamily="34" charset="0"/>
                             </a:rPr>
-                            <m:t>𝑖h</m:t>
+                            <m:t>h</m:t>
+                          </m:r>
+                          <m:r>
+                            <a:rPr lang="en-US" sz="1600" b="0" i="1" smtClean="0">
+                              <a:solidFill>
+                                <a:srgbClr val="15D2FF"/>
+                              </a:solidFill>
+                              <a:latin typeface="Cambria Math" panose="02040503050406030204" pitchFamily="18" charset="0"/>
+                              <a:ea typeface="Cambria Math" panose="02040503050406030204" pitchFamily="18" charset="0"/>
+                              <a:cs typeface="Lato" panose="020F0502020204030203" pitchFamily="34" charset="0"/>
+                            </a:rPr>
+                            <m:t>𝑜</m:t>
                           </m:r>
                         </m:sub>
                       </m:sSub>
@@ -10019,7 +10330,7 @@
             <p:spPr>
               <a:xfrm>
                 <a:off x="9086023" y="3143710"/>
-                <a:ext cx="644890" cy="548640"/>
+                <a:ext cx="644890" cy="505267"/>
               </a:xfrm>
               <a:prstGeom prst="rect">
                 <a:avLst/>
@@ -10027,7 +10338,7 @@
               <a:blipFill>
                 <a:blip r:embed="rId11"/>
                 <a:stretch>
-                  <a:fillRect l="-5607" r="-4673"/>
+                  <a:fillRect l="-8411" r="-7477" b="-3571"/>
                 </a:stretch>
               </a:blipFill>
               <a:ln w="6350">
@@ -10069,7 +10380,7 @@
             <p:spPr>
               <a:xfrm>
                 <a:off x="9782873" y="3143710"/>
-                <a:ext cx="644890" cy="548640"/>
+                <a:ext cx="644890" cy="505267"/>
               </a:xfrm>
               <a:prstGeom prst="rect">
                 <a:avLst/>
@@ -10079,7 +10390,7 @@
                 <a:solidFill>
                   <a:srgbClr val="15D2FF"/>
                 </a:solidFill>
-                <a:prstDash val="dash"/>
+                <a:prstDash val="solid"/>
               </a:ln>
             </p:spPr>
             <p:txBody>
@@ -10098,7 +10409,7 @@
                       <m:sSub>
                         <m:sSubPr>
                           <m:ctrlPr>
-                            <a:rPr lang="en-US" sz="1600" i="1">
+                            <a:rPr lang="en-US" sz="1600" i="1" smtClean="0">
                               <a:solidFill>
                                 <a:srgbClr val="15D2FF"/>
                               </a:solidFill>
@@ -10131,7 +10442,18 @@
                               <a:ea typeface="Lato" panose="020F0502020204030203" pitchFamily="34" charset="0"/>
                               <a:cs typeface="Lato" panose="020F0502020204030203" pitchFamily="34" charset="0"/>
                             </a:rPr>
-                            <m:t>𝑖𝑥</m:t>
+                            <m:t>𝑥</m:t>
+                          </m:r>
+                          <m:r>
+                            <a:rPr lang="en-US" sz="1600" b="0" i="1" smtClean="0">
+                              <a:solidFill>
+                                <a:srgbClr val="15D2FF"/>
+                              </a:solidFill>
+                              <a:latin typeface="Cambria Math" panose="02040503050406030204" pitchFamily="18" charset="0"/>
+                              <a:ea typeface="Lato" panose="020F0502020204030203" pitchFamily="34" charset="0"/>
+                              <a:cs typeface="Lato" panose="020F0502020204030203" pitchFamily="34" charset="0"/>
+                            </a:rPr>
+                            <m:t>𝑜</m:t>
                           </m:r>
                         </m:sub>
                       </m:sSub>
@@ -10147,7 +10469,7 @@
                         <m:t>∙</m:t>
                       </m:r>
                       <m:r>
-                        <a:rPr lang="en-US" sz="1600" i="1">
+                        <a:rPr lang="en-US" sz="1600" b="0" i="1" smtClean="0">
                           <a:solidFill>
                             <a:srgbClr val="15D2FF"/>
                           </a:solidFill>
@@ -10155,7 +10477,7 @@
                           <a:ea typeface="Cambria Math" panose="02040503050406030204" pitchFamily="18" charset="0"/>
                           <a:cs typeface="Lato" panose="020F0502020204030203" pitchFamily="34" charset="0"/>
                         </a:rPr>
-                        <m:t>𝑋</m:t>
+                        <m:t>𝑥</m:t>
                       </m:r>
                       <m:r>
                         <a:rPr lang="en-US" sz="1600" i="1">
@@ -10204,7 +10526,18 @@
                               <a:ea typeface="Cambria Math" panose="02040503050406030204" pitchFamily="18" charset="0"/>
                               <a:cs typeface="Lato" panose="020F0502020204030203" pitchFamily="34" charset="0"/>
                             </a:rPr>
-                            <m:t>𝑖𝑥</m:t>
+                            <m:t>𝑥</m:t>
+                          </m:r>
+                          <m:r>
+                            <a:rPr lang="en-US" sz="1600" b="0" i="1" smtClean="0">
+                              <a:solidFill>
+                                <a:srgbClr val="15D2FF"/>
+                              </a:solidFill>
+                              <a:latin typeface="Cambria Math" panose="02040503050406030204" pitchFamily="18" charset="0"/>
+                              <a:ea typeface="Cambria Math" panose="02040503050406030204" pitchFamily="18" charset="0"/>
+                              <a:cs typeface="Lato" panose="020F0502020204030203" pitchFamily="34" charset="0"/>
+                            </a:rPr>
+                            <m:t>𝑜</m:t>
                           </m:r>
                         </m:sub>
                       </m:sSub>
@@ -10241,7 +10574,7 @@
             <p:spPr>
               <a:xfrm>
                 <a:off x="9782873" y="3143710"/>
-                <a:ext cx="644890" cy="548640"/>
+                <a:ext cx="644890" cy="505267"/>
               </a:xfrm>
               <a:prstGeom prst="rect">
                 <a:avLst/>
@@ -10249,14 +10582,14 @@
               <a:blipFill>
                 <a:blip r:embed="rId12"/>
                 <a:stretch>
-                  <a:fillRect l="-7407" r="-4630"/>
+                  <a:fillRect l="-6481" r="-1852" b="-1176"/>
                 </a:stretch>
               </a:blipFill>
               <a:ln w="9525">
                 <a:solidFill>
                   <a:srgbClr val="15D2FF"/>
                 </a:solidFill>
-                <a:prstDash val="dash"/>
+                <a:prstDash val="solid"/>
               </a:ln>
             </p:spPr>
             <p:txBody>
@@ -10352,7 +10685,7 @@
             <a:solidFill>
               <a:schemeClr val="bg1"/>
             </a:solidFill>
-            <a:prstDash val="dash"/>
+            <a:prstDash val="solid"/>
           </a:ln>
         </p:spPr>
         <p:style>
@@ -10516,8 +10849,8 @@
         </p:nvCxnSpPr>
         <p:spPr>
           <a:xfrm rot="5400000" flipH="1" flipV="1">
-            <a:off x="7374226" y="1560380"/>
-            <a:ext cx="599122" cy="4863062"/>
+            <a:off x="7352540" y="1538694"/>
+            <a:ext cx="642495" cy="4863062"/>
           </a:xfrm>
           <a:prstGeom prst="bentConnector3">
             <a:avLst>
@@ -10564,8 +10897,8 @@
         </p:nvCxnSpPr>
         <p:spPr>
           <a:xfrm flipV="1">
-            <a:off x="4311737" y="3692350"/>
-            <a:ext cx="5096731" cy="127945"/>
+            <a:off x="4311737" y="3648977"/>
+            <a:ext cx="5096731" cy="171318"/>
           </a:xfrm>
           <a:prstGeom prst="bentConnector2">
             <a:avLst/>
@@ -11408,7 +11741,7 @@
                 <a:ea typeface="Lato" panose="020F0502020204030203" pitchFamily="34" charset="0"/>
                 <a:cs typeface="Lato" panose="020F0502020204030203" pitchFamily="34" charset="0"/>
               </a:rPr>
-              <a:t>X </a:t>
+              <a:t>x</a:t>
             </a:r>
             <a:endParaRPr lang="en-US" sz="900" dirty="0">
               <a:solidFill>
@@ -11625,7 +11958,7 @@
                 <a:solidFill>
                   <a:srgbClr val="4AE719"/>
                 </a:solidFill>
-                <a:prstDash val="dash"/>
+                <a:prstDash val="solid"/>
               </a:ln>
             </p:spPr>
             <p:txBody>
@@ -11644,7 +11977,7 @@
                       <m:sSub>
                         <m:sSubPr>
                           <m:ctrlPr>
-                            <a:rPr lang="en-US" sz="1600" i="1">
+                            <a:rPr lang="en-US" sz="1600" i="1" smtClean="0">
                               <a:solidFill>
                                 <a:srgbClr val="4AE719"/>
                               </a:solidFill>
@@ -11669,7 +12002,7 @@
                         </m:e>
                         <m:sub>
                           <m:r>
-                            <a:rPr lang="en-US" sz="1600" i="1">
+                            <a:rPr lang="en-US" sz="1600" i="1" smtClean="0">
                               <a:solidFill>
                                 <a:srgbClr val="4AE719"/>
                               </a:solidFill>
@@ -11677,7 +12010,18 @@
                               <a:ea typeface="Lato" panose="020F0502020204030203" pitchFamily="34" charset="0"/>
                               <a:cs typeface="Lato" panose="020F0502020204030203" pitchFamily="34" charset="0"/>
                             </a:rPr>
-                            <m:t>𝑖𝑥</m:t>
+                            <m:t>𝑥</m:t>
+                          </m:r>
+                          <m:r>
+                            <a:rPr lang="en-US" sz="1600" b="0" i="1" smtClean="0">
+                              <a:solidFill>
+                                <a:srgbClr val="4AE719"/>
+                              </a:solidFill>
+                              <a:latin typeface="Cambria Math" panose="02040503050406030204" pitchFamily="18" charset="0"/>
+                              <a:ea typeface="Lato" panose="020F0502020204030203" pitchFamily="34" charset="0"/>
+                              <a:cs typeface="Lato" panose="020F0502020204030203" pitchFamily="34" charset="0"/>
+                            </a:rPr>
+                            <m:t>𝑖</m:t>
                           </m:r>
                         </m:sub>
                       </m:sSub>
@@ -11693,7 +12037,7 @@
                         <m:t>∙</m:t>
                       </m:r>
                       <m:r>
-                        <a:rPr lang="en-US" sz="1600" i="1">
+                        <a:rPr lang="en-US" sz="1600" b="0" i="1" smtClean="0">
                           <a:solidFill>
                             <a:srgbClr val="4AE719"/>
                           </a:solidFill>
@@ -11701,7 +12045,7 @@
                           <a:ea typeface="Cambria Math" panose="02040503050406030204" pitchFamily="18" charset="0"/>
                           <a:cs typeface="Lato" panose="020F0502020204030203" pitchFamily="34" charset="0"/>
                         </a:rPr>
-                        <m:t>𝑋</m:t>
+                        <m:t>𝑥</m:t>
                       </m:r>
                       <m:r>
                         <a:rPr lang="en-US" sz="1600" i="1">
@@ -11750,7 +12094,18 @@
                               <a:ea typeface="Cambria Math" panose="02040503050406030204" pitchFamily="18" charset="0"/>
                               <a:cs typeface="Lato" panose="020F0502020204030203" pitchFamily="34" charset="0"/>
                             </a:rPr>
-                            <m:t>𝑖𝑥</m:t>
+                            <m:t>𝑥</m:t>
+                          </m:r>
+                          <m:r>
+                            <a:rPr lang="en-US" sz="1600" b="0" i="1" smtClean="0">
+                              <a:solidFill>
+                                <a:srgbClr val="4AE719"/>
+                              </a:solidFill>
+                              <a:latin typeface="Cambria Math" panose="02040503050406030204" pitchFamily="18" charset="0"/>
+                              <a:ea typeface="Cambria Math" panose="02040503050406030204" pitchFamily="18" charset="0"/>
+                              <a:cs typeface="Lato" panose="020F0502020204030203" pitchFamily="34" charset="0"/>
+                            </a:rPr>
+                            <m:t>𝑖</m:t>
                           </m:r>
                         </m:sub>
                       </m:sSub>
@@ -11795,14 +12150,14 @@
               <a:blipFill>
                 <a:blip r:embed="rId15"/>
                 <a:stretch>
-                  <a:fillRect l="-6481" r="-5556" b="-4706"/>
+                  <a:fillRect l="-4630" r="-1852" b="-4706"/>
                 </a:stretch>
               </a:blipFill>
               <a:ln w="9525">
                 <a:solidFill>
                   <a:srgbClr val="4AE719"/>
                 </a:solidFill>
-                <a:prstDash val="dash"/>
+                <a:prstDash val="solid"/>
               </a:ln>
             </p:spPr>
             <p:txBody>
@@ -11847,7 +12202,7 @@
                 <a:solidFill>
                   <a:srgbClr val="4AE719"/>
                 </a:solidFill>
-                <a:prstDash val="dash"/>
+                <a:prstDash val="solid"/>
               </a:ln>
             </p:spPr>
             <p:txBody>
@@ -11891,6 +12246,17 @@
                         </m:e>
                         <m:sub>
                           <m:r>
+                            <a:rPr lang="en-US" sz="1600" i="1">
+                              <a:solidFill>
+                                <a:srgbClr val="4AE719"/>
+                              </a:solidFill>
+                              <a:latin typeface="Cambria Math" panose="02040503050406030204" pitchFamily="18" charset="0"/>
+                              <a:ea typeface="Lato" panose="020F0502020204030203" pitchFamily="34" charset="0"/>
+                              <a:cs typeface="Lato" panose="020F0502020204030203" pitchFamily="34" charset="0"/>
+                            </a:rPr>
+                            <m:t>𝑥</m:t>
+                          </m:r>
+                          <m:r>
                             <a:rPr lang="en-US" sz="1600" b="0" i="1" smtClean="0">
                               <a:solidFill>
                                 <a:srgbClr val="4AE719"/>
@@ -11900,17 +12266,6 @@
                               <a:cs typeface="Lato" panose="020F0502020204030203" pitchFamily="34" charset="0"/>
                             </a:rPr>
                             <m:t>𝑙</m:t>
-                          </m:r>
-                          <m:r>
-                            <a:rPr lang="en-US" sz="1600" i="1">
-                              <a:solidFill>
-                                <a:srgbClr val="4AE719"/>
-                              </a:solidFill>
-                              <a:latin typeface="Cambria Math" panose="02040503050406030204" pitchFamily="18" charset="0"/>
-                              <a:ea typeface="Lato" panose="020F0502020204030203" pitchFamily="34" charset="0"/>
-                              <a:cs typeface="Lato" panose="020F0502020204030203" pitchFamily="34" charset="0"/>
-                            </a:rPr>
-                            <m:t>𝑥</m:t>
                           </m:r>
                         </m:sub>
                       </m:sSub>
@@ -11926,7 +12281,7 @@
                         <m:t>∙</m:t>
                       </m:r>
                       <m:r>
-                        <a:rPr lang="en-US" sz="1600" i="1">
+                        <a:rPr lang="en-US" sz="1600" b="0" i="1" smtClean="0">
                           <a:solidFill>
                             <a:srgbClr val="4AE719"/>
                           </a:solidFill>
@@ -11934,7 +12289,7 @@
                           <a:ea typeface="Cambria Math" panose="02040503050406030204" pitchFamily="18" charset="0"/>
                           <a:cs typeface="Lato" panose="020F0502020204030203" pitchFamily="34" charset="0"/>
                         </a:rPr>
-                        <m:t>𝑋</m:t>
+                        <m:t>𝑥</m:t>
                       </m:r>
                       <m:r>
                         <a:rPr lang="en-US" sz="1600" i="1">
@@ -11975,6 +12330,17 @@
                         </m:e>
                         <m:sub>
                           <m:r>
+                            <a:rPr lang="en-US" sz="1600" i="1">
+                              <a:solidFill>
+                                <a:srgbClr val="4AE719"/>
+                              </a:solidFill>
+                              <a:latin typeface="Cambria Math" panose="02040503050406030204" pitchFamily="18" charset="0"/>
+                              <a:ea typeface="Cambria Math" panose="02040503050406030204" pitchFamily="18" charset="0"/>
+                              <a:cs typeface="Lato" panose="020F0502020204030203" pitchFamily="34" charset="0"/>
+                            </a:rPr>
+                            <m:t>𝑥</m:t>
+                          </m:r>
+                          <m:r>
                             <a:rPr lang="en-US" sz="1600" b="0" i="1" smtClean="0">
                               <a:solidFill>
                                 <a:srgbClr val="4AE719"/>
@@ -11984,17 +12350,6 @@
                               <a:cs typeface="Lato" panose="020F0502020204030203" pitchFamily="34" charset="0"/>
                             </a:rPr>
                             <m:t>𝑙</m:t>
-                          </m:r>
-                          <m:r>
-                            <a:rPr lang="en-US" sz="1600" i="1">
-                              <a:solidFill>
-                                <a:srgbClr val="4AE719"/>
-                              </a:solidFill>
-                              <a:latin typeface="Cambria Math" panose="02040503050406030204" pitchFamily="18" charset="0"/>
-                              <a:ea typeface="Cambria Math" panose="02040503050406030204" pitchFamily="18" charset="0"/>
-                              <a:cs typeface="Lato" panose="020F0502020204030203" pitchFamily="34" charset="0"/>
-                            </a:rPr>
-                            <m:t>𝑥</m:t>
                           </m:r>
                         </m:sub>
                       </m:sSub>
@@ -12039,14 +12394,14 @@
               <a:blipFill>
                 <a:blip r:embed="rId16"/>
                 <a:stretch>
-                  <a:fillRect l="-7407" r="-4630" b="-4706"/>
+                  <a:fillRect l="-5556" r="-926" b="-4706"/>
                 </a:stretch>
               </a:blipFill>
               <a:ln w="9525">
                 <a:solidFill>
                   <a:srgbClr val="4AE719"/>
                 </a:solidFill>
-                <a:prstDash val="dash"/>
+                <a:prstDash val="solid"/>
               </a:ln>
             </p:spPr>
             <p:txBody>
@@ -12661,7 +13016,7 @@
                 <a:solidFill>
                   <a:srgbClr val="15D2FF"/>
                 </a:solidFill>
-                <a:prstDash val="dash"/>
+                <a:prstDash val="solid"/>
               </a:ln>
             </p:spPr>
             <p:txBody>
@@ -12705,6 +13060,17 @@
                         </m:e>
                         <m:sub>
                           <m:r>
+                            <a:rPr lang="en-US" sz="1600" i="1">
+                              <a:solidFill>
+                                <a:srgbClr val="15D2FF"/>
+                              </a:solidFill>
+                              <a:latin typeface="Cambria Math" panose="02040503050406030204" pitchFamily="18" charset="0"/>
+                              <a:ea typeface="Lato" panose="020F0502020204030203" pitchFamily="34" charset="0"/>
+                              <a:cs typeface="Lato" panose="020F0502020204030203" pitchFamily="34" charset="0"/>
+                            </a:rPr>
+                            <m:t>𝑥</m:t>
+                          </m:r>
+                          <m:r>
                             <a:rPr lang="en-US" sz="1600" b="0" i="1" smtClean="0">
                               <a:solidFill>
                                 <a:srgbClr val="15D2FF"/>
@@ -12714,17 +13080,6 @@
                               <a:cs typeface="Lato" panose="020F0502020204030203" pitchFamily="34" charset="0"/>
                             </a:rPr>
                             <m:t>𝑜</m:t>
-                          </m:r>
-                          <m:r>
-                            <a:rPr lang="en-US" sz="1600" i="1">
-                              <a:solidFill>
-                                <a:srgbClr val="15D2FF"/>
-                              </a:solidFill>
-                              <a:latin typeface="Cambria Math" panose="02040503050406030204" pitchFamily="18" charset="0"/>
-                              <a:ea typeface="Lato" panose="020F0502020204030203" pitchFamily="34" charset="0"/>
-                              <a:cs typeface="Lato" panose="020F0502020204030203" pitchFamily="34" charset="0"/>
-                            </a:rPr>
-                            <m:t>𝑥</m:t>
                           </m:r>
                         </m:sub>
                       </m:sSub>
@@ -12740,7 +13095,7 @@
                         <m:t>∙</m:t>
                       </m:r>
                       <m:r>
-                        <a:rPr lang="en-US" sz="1600" i="1">
+                        <a:rPr lang="en-US" sz="1600" b="0" i="1" smtClean="0">
                           <a:solidFill>
                             <a:srgbClr val="15D2FF"/>
                           </a:solidFill>
@@ -12748,7 +13103,7 @@
                           <a:ea typeface="Cambria Math" panose="02040503050406030204" pitchFamily="18" charset="0"/>
                           <a:cs typeface="Lato" panose="020F0502020204030203" pitchFamily="34" charset="0"/>
                         </a:rPr>
-                        <m:t>𝑋</m:t>
+                        <m:t>𝑥</m:t>
                       </m:r>
                       <m:r>
                         <a:rPr lang="en-US" sz="1600" i="1">
@@ -12789,6 +13144,17 @@
                         </m:e>
                         <m:sub>
                           <m:r>
+                            <a:rPr lang="en-US" sz="1600" i="1">
+                              <a:solidFill>
+                                <a:srgbClr val="15D2FF"/>
+                              </a:solidFill>
+                              <a:latin typeface="Cambria Math" panose="02040503050406030204" pitchFamily="18" charset="0"/>
+                              <a:ea typeface="Cambria Math" panose="02040503050406030204" pitchFamily="18" charset="0"/>
+                              <a:cs typeface="Lato" panose="020F0502020204030203" pitchFamily="34" charset="0"/>
+                            </a:rPr>
+                            <m:t>𝑥</m:t>
+                          </m:r>
+                          <m:r>
                             <a:rPr lang="en-US" sz="1600" b="0" i="1" smtClean="0">
                               <a:solidFill>
                                 <a:srgbClr val="15D2FF"/>
@@ -12798,17 +13164,6 @@
                               <a:cs typeface="Lato" panose="020F0502020204030203" pitchFamily="34" charset="0"/>
                             </a:rPr>
                             <m:t>𝑜</m:t>
-                          </m:r>
-                          <m:r>
-                            <a:rPr lang="en-US" sz="1600" i="1">
-                              <a:solidFill>
-                                <a:srgbClr val="15D2FF"/>
-                              </a:solidFill>
-                              <a:latin typeface="Cambria Math" panose="02040503050406030204" pitchFamily="18" charset="0"/>
-                              <a:ea typeface="Cambria Math" panose="02040503050406030204" pitchFamily="18" charset="0"/>
-                              <a:cs typeface="Lato" panose="020F0502020204030203" pitchFamily="34" charset="0"/>
-                            </a:rPr>
-                            <m:t>𝑥</m:t>
                           </m:r>
                         </m:sub>
                       </m:sSub>
@@ -12853,14 +13208,14 @@
               <a:blipFill>
                 <a:blip r:embed="rId18"/>
                 <a:stretch>
-                  <a:fillRect l="-8333" r="-5556" b="-1176"/>
+                  <a:fillRect l="-6481" r="-1852" b="-1176"/>
                 </a:stretch>
               </a:blipFill>
               <a:ln w="9525">
                 <a:solidFill>
                   <a:srgbClr val="15D2FF"/>
                 </a:solidFill>
-                <a:prstDash val="dash"/>
+                <a:prstDash val="solid"/>
               </a:ln>
             </p:spPr>
             <p:txBody>
@@ -13684,7 +14039,7 @@
         </p:nvSpPr>
         <p:spPr>
           <a:xfrm>
-            <a:off x="7532738" y="5400266"/>
+            <a:off x="7532738" y="4570057"/>
             <a:ext cx="1063282" cy="274320"/>
           </a:xfrm>
           <a:prstGeom prst="rect">
@@ -13756,7 +14111,7 @@
         </p:nvSpPr>
         <p:spPr>
           <a:xfrm>
-            <a:off x="8694998" y="5393973"/>
+            <a:off x="8694998" y="4563764"/>
             <a:ext cx="1063283" cy="276999"/>
           </a:xfrm>
           <a:prstGeom prst="rect">
@@ -13765,7 +14120,7 @@
           <a:noFill/>
           <a:ln w="9525">
             <a:solidFill>
-              <a:srgbClr val="FF66FF"/>
+              <a:srgbClr val="FE9B50"/>
             </a:solidFill>
             <a:prstDash val="solid"/>
           </a:ln>
@@ -13779,7 +14134,7 @@
             <a:r>
               <a:rPr lang="en-US" sz="1200" dirty="0">
                 <a:solidFill>
-                  <a:srgbClr val="FF66FF"/>
+                  <a:srgbClr val="FE9B50"/>
                 </a:solidFill>
                 <a:latin typeface="Lato" panose="020F0502020204030203" pitchFamily="34" charset="0"/>
                 <a:ea typeface="Lato" panose="020F0502020204030203" pitchFamily="34" charset="0"/>
@@ -13804,7 +14159,7 @@
         </p:nvSpPr>
         <p:spPr>
           <a:xfrm>
-            <a:off x="9857259" y="5400266"/>
+            <a:off x="9857259" y="4570057"/>
             <a:ext cx="1063283" cy="276999"/>
           </a:xfrm>
           <a:prstGeom prst="rect">
@@ -14170,7 +14525,7 @@
         </p:nvCxnSpPr>
         <p:spPr>
           <a:xfrm>
-            <a:off x="7532738" y="5292363"/>
+            <a:off x="7532738" y="4462154"/>
             <a:ext cx="3387804" cy="0"/>
           </a:xfrm>
           <a:prstGeom prst="line">
@@ -14211,7 +14566,7 @@
         </p:nvSpPr>
         <p:spPr>
           <a:xfrm>
-            <a:off x="8982967" y="5207195"/>
+            <a:off x="8982967" y="4376986"/>
             <a:ext cx="487343" cy="171848"/>
           </a:xfrm>
           <a:prstGeom prst="roundRect">
@@ -14294,7 +14649,7 @@
               </a:solidFill>
               <a:ln w="9525">
                 <a:solidFill>
-                  <a:srgbClr val="FF66FF"/>
+                  <a:srgbClr val="FE9B50"/>
                 </a:solidFill>
               </a:ln>
             </p:spPr>
@@ -14333,7 +14688,7 @@
                       <m:r>
                         <a:rPr lang="en-US" i="1" smtClean="0">
                           <a:solidFill>
-                            <a:srgbClr val="FF66FF"/>
+                            <a:srgbClr val="FE9B50"/>
                           </a:solidFill>
                           <a:latin typeface="Cambria Math" panose="02040503050406030204" pitchFamily="18" charset="0"/>
                         </a:rPr>
@@ -14344,7 +14699,7 @@
                 </a14:m>
                 <a:endParaRPr lang="en-US" dirty="0">
                   <a:solidFill>
-                    <a:srgbClr val="FF66FF"/>
+                    <a:srgbClr val="FE9B50"/>
                   </a:solidFill>
                 </a:endParaRPr>
               </a:p>
@@ -14382,7 +14737,7 @@
               </a:blipFill>
               <a:ln w="9525">
                 <a:solidFill>
-                  <a:srgbClr val="FF66FF"/>
+                  <a:srgbClr val="FE9B50"/>
                 </a:solidFill>
               </a:ln>
             </p:spPr>
@@ -14812,6 +15167,1102 @@
           </p:sp>
         </mc:Fallback>
       </mc:AlternateContent>
+      <p:sp>
+        <p:nvSpPr>
+          <p:cNvPr id="105" name="TextBox 104">
+            <a:extLst>
+              <a:ext uri="{FF2B5EF4-FFF2-40B4-BE49-F238E27FC236}">
+                <a16:creationId xmlns:a16="http://schemas.microsoft.com/office/drawing/2014/main" id="{7965981A-6FAF-4F79-B354-4164777E16C3}"/>
+              </a:ext>
+            </a:extLst>
+          </p:cNvPr>
+          <p:cNvSpPr txBox="1"/>
+          <p:nvPr/>
+        </p:nvSpPr>
+        <p:spPr>
+          <a:xfrm>
+            <a:off x="7932005" y="4965001"/>
+            <a:ext cx="1850868" cy="276999"/>
+          </a:xfrm>
+          <a:prstGeom prst="rect">
+            <a:avLst/>
+          </a:prstGeom>
+          <a:noFill/>
+        </p:spPr>
+        <p:txBody>
+          <a:bodyPr wrap="square" lIns="0" rIns="0" rtlCol="0">
+            <a:spAutoFit/>
+          </a:bodyPr>
+          <a:lstStyle/>
+          <a:p>
+            <a:r>
+              <a:rPr lang="en-US" sz="1200" i="1" dirty="0">
+                <a:solidFill>
+                  <a:schemeClr val="bg1">
+                    <a:lumMod val="85000"/>
+                  </a:schemeClr>
+                </a:solidFill>
+              </a:rPr>
+              <a:t>Element-wise multiplication</a:t>
+            </a:r>
+          </a:p>
+        </p:txBody>
+      </p:sp>
+      <p:cxnSp>
+        <p:nvCxnSpPr>
+          <p:cNvPr id="122" name="Straight Connector 22">
+            <a:extLst>
+              <a:ext uri="{FF2B5EF4-FFF2-40B4-BE49-F238E27FC236}">
+                <a16:creationId xmlns:a16="http://schemas.microsoft.com/office/drawing/2014/main" id="{181831D0-BBFB-42B6-B42A-7DAA17D08530}"/>
+              </a:ext>
+            </a:extLst>
+          </p:cNvPr>
+          <p:cNvCxnSpPr>
+            <a:cxnSpLocks/>
+          </p:cNvCxnSpPr>
+          <p:nvPr/>
+        </p:nvCxnSpPr>
+        <p:spPr>
+          <a:xfrm>
+            <a:off x="7551500" y="5383360"/>
+            <a:ext cx="240301" cy="1"/>
+          </a:xfrm>
+          <a:prstGeom prst="straightConnector1">
+            <a:avLst/>
+          </a:prstGeom>
+          <a:ln w="12700">
+            <a:solidFill>
+              <a:schemeClr val="bg1"/>
+            </a:solidFill>
+            <a:prstDash val="solid"/>
+            <a:headEnd type="none"/>
+            <a:tailEnd type="none" w="sm" len="sm"/>
+          </a:ln>
+        </p:spPr>
+        <p:style>
+          <a:lnRef idx="1">
+            <a:schemeClr val="accent1"/>
+          </a:lnRef>
+          <a:fillRef idx="0">
+            <a:schemeClr val="accent1"/>
+          </a:fillRef>
+          <a:effectRef idx="0">
+            <a:schemeClr val="accent1"/>
+          </a:effectRef>
+          <a:fontRef idx="minor">
+            <a:schemeClr val="tx1"/>
+          </a:fontRef>
+        </p:style>
+      </p:cxnSp>
+      <p:sp>
+        <p:nvSpPr>
+          <p:cNvPr id="123" name="Rectangle 122">
+            <a:extLst>
+              <a:ext uri="{FF2B5EF4-FFF2-40B4-BE49-F238E27FC236}">
+                <a16:creationId xmlns:a16="http://schemas.microsoft.com/office/drawing/2014/main" id="{9965DE44-1FA4-4412-99FC-70516A925C96}"/>
+              </a:ext>
+            </a:extLst>
+          </p:cNvPr>
+          <p:cNvSpPr/>
+          <p:nvPr/>
+        </p:nvSpPr>
+        <p:spPr>
+          <a:xfrm>
+            <a:off x="7808593" y="5247724"/>
+            <a:ext cx="822085" cy="276999"/>
+          </a:xfrm>
+          <a:prstGeom prst="rect">
+            <a:avLst/>
+          </a:prstGeom>
+        </p:spPr>
+        <p:txBody>
+          <a:bodyPr wrap="none">
+            <a:spAutoFit/>
+          </a:bodyPr>
+          <a:lstStyle/>
+          <a:p>
+            <a:r>
+              <a:rPr lang="en-US" sz="1200" dirty="0">
+                <a:solidFill>
+                  <a:schemeClr val="bg1">
+                    <a:lumMod val="85000"/>
+                  </a:schemeClr>
+                </a:solidFill>
+              </a:rPr>
+              <a:t> </a:t>
+            </a:r>
+            <a:r>
+              <a:rPr lang="en-US" sz="1200" i="1" dirty="0">
+                <a:solidFill>
+                  <a:schemeClr val="bg1">
+                    <a:lumMod val="85000"/>
+                  </a:schemeClr>
+                </a:solidFill>
+              </a:rPr>
+              <a:t>Size: (h,1)</a:t>
+            </a:r>
+            <a:endParaRPr lang="en-US" sz="1200" dirty="0">
+              <a:solidFill>
+                <a:schemeClr val="bg1">
+                  <a:lumMod val="85000"/>
+                </a:schemeClr>
+              </a:solidFill>
+            </a:endParaRPr>
+          </a:p>
+        </p:txBody>
+      </p:sp>
+      <p:grpSp>
+        <p:nvGrpSpPr>
+          <p:cNvPr id="30" name="Group 29">
+            <a:extLst>
+              <a:ext uri="{FF2B5EF4-FFF2-40B4-BE49-F238E27FC236}">
+                <a16:creationId xmlns:a16="http://schemas.microsoft.com/office/drawing/2014/main" id="{9CE132CB-6648-4E3C-B024-7DDC83F4F79F}"/>
+              </a:ext>
+            </a:extLst>
+          </p:cNvPr>
+          <p:cNvGrpSpPr/>
+          <p:nvPr/>
+        </p:nvGrpSpPr>
+        <p:grpSpPr>
+          <a:xfrm>
+            <a:off x="7420729" y="5744846"/>
+            <a:ext cx="1457494" cy="570540"/>
+            <a:chOff x="9476633" y="5547671"/>
+            <a:chExt cx="1457494" cy="570540"/>
+          </a:xfrm>
+        </p:grpSpPr>
+        <mc:AlternateContent xmlns:mc="http://schemas.openxmlformats.org/markup-compatibility/2006" xmlns:a14="http://schemas.microsoft.com/office/drawing/2010/main">
+          <mc:Choice Requires="a14">
+            <p:sp>
+              <p:nvSpPr>
+                <p:cNvPr id="111" name="Rectangle 110">
+                  <a:extLst>
+                    <a:ext uri="{FF2B5EF4-FFF2-40B4-BE49-F238E27FC236}">
+                      <a16:creationId xmlns:a16="http://schemas.microsoft.com/office/drawing/2014/main" id="{0F68B877-3413-4A8F-BE36-CF72CEFBDF33}"/>
+                    </a:ext>
+                  </a:extLst>
+                </p:cNvPr>
+                <p:cNvSpPr/>
+                <p:nvPr/>
+              </p:nvSpPr>
+              <p:spPr>
+                <a:xfrm>
+                  <a:off x="9476633" y="5547671"/>
+                  <a:ext cx="829394" cy="295081"/>
+                </a:xfrm>
+                <a:prstGeom prst="rect">
+                  <a:avLst/>
+                </a:prstGeom>
+              </p:spPr>
+              <p:txBody>
+                <a:bodyPr wrap="none">
+                  <a:spAutoFit/>
+                </a:bodyPr>
+                <a:lstStyle/>
+                <a:p>
+                  <a:pPr/>
+                  <a14:m>
+                    <m:oMathPara xmlns:m="http://schemas.openxmlformats.org/officeDocument/2006/math">
+                      <m:oMathParaPr>
+                        <m:jc m:val="centerGroup"/>
+                      </m:oMathParaPr>
+                      <m:oMath xmlns:m="http://schemas.openxmlformats.org/officeDocument/2006/math">
+                        <m:sSub>
+                          <m:sSubPr>
+                            <m:ctrlPr>
+                              <a:rPr lang="en-US" sz="1200" i="1" smtClean="0">
+                                <a:solidFill>
+                                  <a:schemeClr val="bg1">
+                                    <a:lumMod val="85000"/>
+                                  </a:schemeClr>
+                                </a:solidFill>
+                                <a:latin typeface="Cambria Math" panose="02040503050406030204" pitchFamily="18" charset="0"/>
+                                <a:ea typeface="Lato" panose="020F0502020204030203" pitchFamily="34" charset="0"/>
+                                <a:cs typeface="Lato" panose="020F0502020204030203" pitchFamily="34" charset="0"/>
+                              </a:rPr>
+                            </m:ctrlPr>
+                          </m:sSubPr>
+                          <m:e>
+                            <m:r>
+                              <a:rPr lang="en-US" sz="1200" i="1">
+                                <a:solidFill>
+                                  <a:schemeClr val="bg1">
+                                    <a:lumMod val="85000"/>
+                                  </a:schemeClr>
+                                </a:solidFill>
+                                <a:latin typeface="Cambria Math" panose="02040503050406030204" pitchFamily="18" charset="0"/>
+                                <a:ea typeface="Lato" panose="020F0502020204030203" pitchFamily="34" charset="0"/>
+                                <a:cs typeface="Lato" panose="020F0502020204030203" pitchFamily="34" charset="0"/>
+                              </a:rPr>
+                              <m:t>𝑊</m:t>
+                            </m:r>
+                          </m:e>
+                          <m:sub>
+                            <m:r>
+                              <a:rPr lang="en-US" sz="1200" b="0" i="1" smtClean="0">
+                                <a:solidFill>
+                                  <a:schemeClr val="bg1">
+                                    <a:lumMod val="85000"/>
+                                  </a:schemeClr>
+                                </a:solidFill>
+                                <a:latin typeface="Cambria Math" panose="02040503050406030204" pitchFamily="18" charset="0"/>
+                                <a:ea typeface="Lato" panose="020F0502020204030203" pitchFamily="34" charset="0"/>
+                                <a:cs typeface="Lato" panose="020F0502020204030203" pitchFamily="34" charset="0"/>
+                              </a:rPr>
+                              <m:t>h</m:t>
+                            </m:r>
+                            <m:r>
+                              <a:rPr lang="en-US" sz="1200" b="0" i="1" smtClean="0">
+                                <a:solidFill>
+                                  <a:schemeClr val="bg1">
+                                    <a:lumMod val="85000"/>
+                                  </a:schemeClr>
+                                </a:solidFill>
+                                <a:latin typeface="Cambria Math" panose="02040503050406030204" pitchFamily="18" charset="0"/>
+                                <a:ea typeface="Lato" panose="020F0502020204030203" pitchFamily="34" charset="0"/>
+                                <a:cs typeface="Lato" panose="020F0502020204030203" pitchFamily="34" charset="0"/>
+                              </a:rPr>
+                              <m:t> {</m:t>
+                            </m:r>
+                            <m:r>
+                              <a:rPr lang="en-US" sz="1200" b="0" i="1" smtClean="0">
+                                <a:solidFill>
+                                  <a:schemeClr val="bg1">
+                                    <a:lumMod val="85000"/>
+                                  </a:schemeClr>
+                                </a:solidFill>
+                                <a:latin typeface="Cambria Math" panose="02040503050406030204" pitchFamily="18" charset="0"/>
+                                <a:ea typeface="Lato" panose="020F0502020204030203" pitchFamily="34" charset="0"/>
+                                <a:cs typeface="Lato" panose="020F0502020204030203" pitchFamily="34" charset="0"/>
+                              </a:rPr>
+                              <m:t>𝑓</m:t>
+                            </m:r>
+                            <m:r>
+                              <a:rPr lang="en-US" sz="1200" b="0" i="1" smtClean="0">
+                                <a:solidFill>
+                                  <a:schemeClr val="bg1">
+                                    <a:lumMod val="85000"/>
+                                  </a:schemeClr>
+                                </a:solidFill>
+                                <a:latin typeface="Cambria Math" panose="02040503050406030204" pitchFamily="18" charset="0"/>
+                                <a:ea typeface="Lato" panose="020F0502020204030203" pitchFamily="34" charset="0"/>
+                                <a:cs typeface="Lato" panose="020F0502020204030203" pitchFamily="34" charset="0"/>
+                              </a:rPr>
+                              <m:t>,</m:t>
+                            </m:r>
+                            <m:r>
+                              <a:rPr lang="en-US" sz="1200" b="0" i="1" smtClean="0">
+                                <a:solidFill>
+                                  <a:schemeClr val="bg1">
+                                    <a:lumMod val="85000"/>
+                                  </a:schemeClr>
+                                </a:solidFill>
+                                <a:latin typeface="Cambria Math" panose="02040503050406030204" pitchFamily="18" charset="0"/>
+                                <a:ea typeface="Lato" panose="020F0502020204030203" pitchFamily="34" charset="0"/>
+                                <a:cs typeface="Lato" panose="020F0502020204030203" pitchFamily="34" charset="0"/>
+                              </a:rPr>
+                              <m:t>𝑖</m:t>
+                            </m:r>
+                            <m:r>
+                              <a:rPr lang="en-US" sz="1200" b="0" i="1" smtClean="0">
+                                <a:solidFill>
+                                  <a:schemeClr val="bg1">
+                                    <a:lumMod val="85000"/>
+                                  </a:schemeClr>
+                                </a:solidFill>
+                                <a:latin typeface="Cambria Math" panose="02040503050406030204" pitchFamily="18" charset="0"/>
+                                <a:ea typeface="Lato" panose="020F0502020204030203" pitchFamily="34" charset="0"/>
+                                <a:cs typeface="Lato" panose="020F0502020204030203" pitchFamily="34" charset="0"/>
+                              </a:rPr>
+                              <m:t>,</m:t>
+                            </m:r>
+                            <m:r>
+                              <a:rPr lang="en-US" sz="1200" b="0" i="1" smtClean="0">
+                                <a:solidFill>
+                                  <a:schemeClr val="bg1">
+                                    <a:lumMod val="85000"/>
+                                  </a:schemeClr>
+                                </a:solidFill>
+                                <a:latin typeface="Cambria Math" panose="02040503050406030204" pitchFamily="18" charset="0"/>
+                                <a:ea typeface="Lato" panose="020F0502020204030203" pitchFamily="34" charset="0"/>
+                                <a:cs typeface="Lato" panose="020F0502020204030203" pitchFamily="34" charset="0"/>
+                              </a:rPr>
+                              <m:t>𝑙</m:t>
+                            </m:r>
+                            <m:r>
+                              <a:rPr lang="en-US" sz="1200" b="0" i="1" smtClean="0">
+                                <a:solidFill>
+                                  <a:schemeClr val="bg1">
+                                    <a:lumMod val="85000"/>
+                                  </a:schemeClr>
+                                </a:solidFill>
+                                <a:latin typeface="Cambria Math" panose="02040503050406030204" pitchFamily="18" charset="0"/>
+                                <a:ea typeface="Lato" panose="020F0502020204030203" pitchFamily="34" charset="0"/>
+                                <a:cs typeface="Lato" panose="020F0502020204030203" pitchFamily="34" charset="0"/>
+                              </a:rPr>
+                              <m:t>,</m:t>
+                            </m:r>
+                            <m:r>
+                              <a:rPr lang="en-US" sz="1200" b="0" i="1" smtClean="0">
+                                <a:solidFill>
+                                  <a:schemeClr val="bg1">
+                                    <a:lumMod val="85000"/>
+                                  </a:schemeClr>
+                                </a:solidFill>
+                                <a:latin typeface="Cambria Math" panose="02040503050406030204" pitchFamily="18" charset="0"/>
+                                <a:ea typeface="Lato" panose="020F0502020204030203" pitchFamily="34" charset="0"/>
+                                <a:cs typeface="Lato" panose="020F0502020204030203" pitchFamily="34" charset="0"/>
+                              </a:rPr>
+                              <m:t>𝑜</m:t>
+                            </m:r>
+                            <m:r>
+                              <a:rPr lang="en-US" sz="1200" b="0" i="1" smtClean="0">
+                                <a:solidFill>
+                                  <a:schemeClr val="bg1">
+                                    <a:lumMod val="85000"/>
+                                  </a:schemeClr>
+                                </a:solidFill>
+                                <a:latin typeface="Cambria Math" panose="02040503050406030204" pitchFamily="18" charset="0"/>
+                                <a:ea typeface="Lato" panose="020F0502020204030203" pitchFamily="34" charset="0"/>
+                                <a:cs typeface="Lato" panose="020F0502020204030203" pitchFamily="34" charset="0"/>
+                              </a:rPr>
+                              <m:t>}</m:t>
+                            </m:r>
+                          </m:sub>
+                        </m:sSub>
+                      </m:oMath>
+                    </m:oMathPara>
+                  </a14:m>
+                  <a:endParaRPr lang="en-US" sz="1200" dirty="0">
+                    <a:solidFill>
+                      <a:schemeClr val="bg1">
+                        <a:lumMod val="85000"/>
+                      </a:schemeClr>
+                    </a:solidFill>
+                  </a:endParaRPr>
+                </a:p>
+              </p:txBody>
+            </p:sp>
+          </mc:Choice>
+          <mc:Fallback xmlns="">
+            <p:sp>
+              <p:nvSpPr>
+                <p:cNvPr id="111" name="Rectangle 110">
+                  <a:extLst>
+                    <a:ext uri="{FF2B5EF4-FFF2-40B4-BE49-F238E27FC236}">
+                      <a16:creationId xmlns:a16="http://schemas.microsoft.com/office/drawing/2014/main" id="{0F68B877-3413-4A8F-BE36-CF72CEFBDF33}"/>
+                    </a:ext>
+                  </a:extLst>
+                </p:cNvPr>
+                <p:cNvSpPr>
+                  <a:spLocks noRot="1" noChangeAspect="1" noMove="1" noResize="1" noEditPoints="1" noAdjustHandles="1" noChangeArrowheads="1" noChangeShapeType="1" noTextEdit="1"/>
+                </p:cNvSpPr>
+                <p:nvPr/>
+              </p:nvSpPr>
+              <p:spPr>
+                <a:xfrm>
+                  <a:off x="9476633" y="5547671"/>
+                  <a:ext cx="829394" cy="295081"/>
+                </a:xfrm>
+                <a:prstGeom prst="rect">
+                  <a:avLst/>
+                </a:prstGeom>
+                <a:blipFill>
+                  <a:blip r:embed="rId24"/>
+                  <a:stretch>
+                    <a:fillRect b="-2041"/>
+                  </a:stretch>
+                </a:blipFill>
+              </p:spPr>
+              <p:txBody>
+                <a:bodyPr/>
+                <a:lstStyle/>
+                <a:p>
+                  <a:r>
+                    <a:rPr lang="en-US">
+                      <a:noFill/>
+                    </a:rPr>
+                    <a:t> </a:t>
+                  </a:r>
+                </a:p>
+              </p:txBody>
+            </p:sp>
+          </mc:Fallback>
+        </mc:AlternateContent>
+        <p:sp>
+          <p:nvSpPr>
+            <p:cNvPr id="121" name="Rectangle 120">
+              <a:extLst>
+                <a:ext uri="{FF2B5EF4-FFF2-40B4-BE49-F238E27FC236}">
+                  <a16:creationId xmlns:a16="http://schemas.microsoft.com/office/drawing/2014/main" id="{296B9E36-2ADF-4465-BA58-8EC2F6464EA8}"/>
+                </a:ext>
+              </a:extLst>
+            </p:cNvPr>
+            <p:cNvSpPr/>
+            <p:nvPr/>
+          </p:nvSpPr>
+          <p:spPr>
+            <a:xfrm>
+              <a:off x="10112042" y="5572828"/>
+              <a:ext cx="822085" cy="276999"/>
+            </a:xfrm>
+            <a:prstGeom prst="rect">
+              <a:avLst/>
+            </a:prstGeom>
+          </p:spPr>
+          <p:txBody>
+            <a:bodyPr wrap="none">
+              <a:spAutoFit/>
+            </a:bodyPr>
+            <a:lstStyle/>
+            <a:p>
+              <a:r>
+                <a:rPr lang="en-US" sz="1200" dirty="0">
+                  <a:solidFill>
+                    <a:schemeClr val="bg1">
+                      <a:lumMod val="85000"/>
+                    </a:schemeClr>
+                  </a:solidFill>
+                </a:rPr>
+                <a:t> </a:t>
+              </a:r>
+              <a:r>
+                <a:rPr lang="en-US" sz="1200" i="1" dirty="0">
+                  <a:solidFill>
+                    <a:schemeClr val="bg1">
+                      <a:lumMod val="85000"/>
+                    </a:schemeClr>
+                  </a:solidFill>
+                </a:rPr>
+                <a:t>Size: (</a:t>
+              </a:r>
+              <a:r>
+                <a:rPr lang="en-US" sz="1200" i="1" dirty="0" err="1">
+                  <a:solidFill>
+                    <a:schemeClr val="bg1">
+                      <a:lumMod val="85000"/>
+                    </a:schemeClr>
+                  </a:solidFill>
+                </a:rPr>
+                <a:t>h,h</a:t>
+              </a:r>
+              <a:r>
+                <a:rPr lang="en-US" sz="1200" i="1" dirty="0">
+                  <a:solidFill>
+                    <a:schemeClr val="bg1">
+                      <a:lumMod val="85000"/>
+                    </a:schemeClr>
+                  </a:solidFill>
+                </a:rPr>
+                <a:t>)</a:t>
+              </a:r>
+              <a:endParaRPr lang="en-US" sz="1200" dirty="0">
+                <a:solidFill>
+                  <a:schemeClr val="bg1">
+                    <a:lumMod val="85000"/>
+                  </a:schemeClr>
+                </a:solidFill>
+              </a:endParaRPr>
+            </a:p>
+          </p:txBody>
+        </p:sp>
+        <p:sp>
+          <p:nvSpPr>
+            <p:cNvPr id="126" name="Rectangle 125">
+              <a:extLst>
+                <a:ext uri="{FF2B5EF4-FFF2-40B4-BE49-F238E27FC236}">
+                  <a16:creationId xmlns:a16="http://schemas.microsoft.com/office/drawing/2014/main" id="{AC308AB3-8183-43BA-9266-24BEA90BCCFF}"/>
+                </a:ext>
+              </a:extLst>
+            </p:cNvPr>
+            <p:cNvSpPr/>
+            <p:nvPr/>
+          </p:nvSpPr>
+          <p:spPr>
+            <a:xfrm>
+              <a:off x="10117652" y="5841212"/>
+              <a:ext cx="810863" cy="276999"/>
+            </a:xfrm>
+            <a:prstGeom prst="rect">
+              <a:avLst/>
+            </a:prstGeom>
+          </p:spPr>
+          <p:txBody>
+            <a:bodyPr wrap="none">
+              <a:spAutoFit/>
+            </a:bodyPr>
+            <a:lstStyle/>
+            <a:p>
+              <a:r>
+                <a:rPr lang="en-US" sz="1200" dirty="0">
+                  <a:solidFill>
+                    <a:schemeClr val="bg1">
+                      <a:lumMod val="85000"/>
+                    </a:schemeClr>
+                  </a:solidFill>
+                </a:rPr>
+                <a:t> </a:t>
+              </a:r>
+              <a:r>
+                <a:rPr lang="en-US" sz="1200" i="1" dirty="0">
+                  <a:solidFill>
+                    <a:schemeClr val="bg1">
+                      <a:lumMod val="85000"/>
+                    </a:schemeClr>
+                  </a:solidFill>
+                </a:rPr>
+                <a:t>Size: (</a:t>
+              </a:r>
+              <a:r>
+                <a:rPr lang="en-US" sz="1200" i="1" dirty="0" err="1">
+                  <a:solidFill>
+                    <a:schemeClr val="bg1">
+                      <a:lumMod val="85000"/>
+                    </a:schemeClr>
+                  </a:solidFill>
+                </a:rPr>
+                <a:t>h,x</a:t>
+              </a:r>
+              <a:r>
+                <a:rPr lang="en-US" sz="1200" i="1" dirty="0">
+                  <a:solidFill>
+                    <a:schemeClr val="bg1">
+                      <a:lumMod val="85000"/>
+                    </a:schemeClr>
+                  </a:solidFill>
+                </a:rPr>
+                <a:t>)</a:t>
+              </a:r>
+              <a:endParaRPr lang="en-US" sz="1200" dirty="0">
+                <a:solidFill>
+                  <a:schemeClr val="bg1">
+                    <a:lumMod val="85000"/>
+                  </a:schemeClr>
+                </a:solidFill>
+              </a:endParaRPr>
+            </a:p>
+          </p:txBody>
+        </p:sp>
+        <mc:AlternateContent xmlns:mc="http://schemas.openxmlformats.org/markup-compatibility/2006" xmlns:a14="http://schemas.microsoft.com/office/drawing/2010/main">
+          <mc:Choice Requires="a14">
+            <p:sp>
+              <p:nvSpPr>
+                <p:cNvPr id="127" name="Rectangle 126">
+                  <a:extLst>
+                    <a:ext uri="{FF2B5EF4-FFF2-40B4-BE49-F238E27FC236}">
+                      <a16:creationId xmlns:a16="http://schemas.microsoft.com/office/drawing/2014/main" id="{EDC140D2-1418-419E-A29D-3A97F361AC2A}"/>
+                    </a:ext>
+                  </a:extLst>
+                </p:cNvPr>
+                <p:cNvSpPr/>
+                <p:nvPr/>
+              </p:nvSpPr>
+              <p:spPr>
+                <a:xfrm>
+                  <a:off x="9487253" y="5816055"/>
+                  <a:ext cx="824778" cy="295081"/>
+                </a:xfrm>
+                <a:prstGeom prst="rect">
+                  <a:avLst/>
+                </a:prstGeom>
+              </p:spPr>
+              <p:txBody>
+                <a:bodyPr wrap="none">
+                  <a:spAutoFit/>
+                </a:bodyPr>
+                <a:lstStyle/>
+                <a:p>
+                  <a:pPr/>
+                  <a14:m>
+                    <m:oMathPara xmlns:m="http://schemas.openxmlformats.org/officeDocument/2006/math">
+                      <m:oMathParaPr>
+                        <m:jc m:val="centerGroup"/>
+                      </m:oMathParaPr>
+                      <m:oMath xmlns:m="http://schemas.openxmlformats.org/officeDocument/2006/math">
+                        <m:sSub>
+                          <m:sSubPr>
+                            <m:ctrlPr>
+                              <a:rPr lang="en-US" sz="1200" i="1" smtClean="0">
+                                <a:solidFill>
+                                  <a:schemeClr val="bg1">
+                                    <a:lumMod val="85000"/>
+                                  </a:schemeClr>
+                                </a:solidFill>
+                                <a:latin typeface="Cambria Math" panose="02040503050406030204" pitchFamily="18" charset="0"/>
+                                <a:ea typeface="Lato" panose="020F0502020204030203" pitchFamily="34" charset="0"/>
+                                <a:cs typeface="Lato" panose="020F0502020204030203" pitchFamily="34" charset="0"/>
+                              </a:rPr>
+                            </m:ctrlPr>
+                          </m:sSubPr>
+                          <m:e>
+                            <m:r>
+                              <a:rPr lang="en-US" sz="1200" i="1">
+                                <a:solidFill>
+                                  <a:schemeClr val="bg1">
+                                    <a:lumMod val="85000"/>
+                                  </a:schemeClr>
+                                </a:solidFill>
+                                <a:latin typeface="Cambria Math" panose="02040503050406030204" pitchFamily="18" charset="0"/>
+                                <a:ea typeface="Lato" panose="020F0502020204030203" pitchFamily="34" charset="0"/>
+                                <a:cs typeface="Lato" panose="020F0502020204030203" pitchFamily="34" charset="0"/>
+                              </a:rPr>
+                              <m:t>𝑊</m:t>
+                            </m:r>
+                          </m:e>
+                          <m:sub>
+                            <m:r>
+                              <a:rPr lang="en-US" sz="1200" b="0" i="1" smtClean="0">
+                                <a:solidFill>
+                                  <a:schemeClr val="bg1">
+                                    <a:lumMod val="85000"/>
+                                  </a:schemeClr>
+                                </a:solidFill>
+                                <a:latin typeface="Cambria Math" panose="02040503050406030204" pitchFamily="18" charset="0"/>
+                                <a:ea typeface="Lato" panose="020F0502020204030203" pitchFamily="34" charset="0"/>
+                                <a:cs typeface="Lato" panose="020F0502020204030203" pitchFamily="34" charset="0"/>
+                              </a:rPr>
+                              <m:t>𝑥</m:t>
+                            </m:r>
+                            <m:r>
+                              <a:rPr lang="en-US" sz="1200" b="0" i="1" smtClean="0">
+                                <a:solidFill>
+                                  <a:schemeClr val="bg1">
+                                    <a:lumMod val="85000"/>
+                                  </a:schemeClr>
+                                </a:solidFill>
+                                <a:latin typeface="Cambria Math" panose="02040503050406030204" pitchFamily="18" charset="0"/>
+                                <a:ea typeface="Lato" panose="020F0502020204030203" pitchFamily="34" charset="0"/>
+                                <a:cs typeface="Lato" panose="020F0502020204030203" pitchFamily="34" charset="0"/>
+                              </a:rPr>
+                              <m:t> {</m:t>
+                            </m:r>
+                            <m:r>
+                              <a:rPr lang="en-US" sz="1200" b="0" i="1" smtClean="0">
+                                <a:solidFill>
+                                  <a:schemeClr val="bg1">
+                                    <a:lumMod val="85000"/>
+                                  </a:schemeClr>
+                                </a:solidFill>
+                                <a:latin typeface="Cambria Math" panose="02040503050406030204" pitchFamily="18" charset="0"/>
+                                <a:ea typeface="Lato" panose="020F0502020204030203" pitchFamily="34" charset="0"/>
+                                <a:cs typeface="Lato" panose="020F0502020204030203" pitchFamily="34" charset="0"/>
+                              </a:rPr>
+                              <m:t>𝑓</m:t>
+                            </m:r>
+                            <m:r>
+                              <a:rPr lang="en-US" sz="1200" b="0" i="1" smtClean="0">
+                                <a:solidFill>
+                                  <a:schemeClr val="bg1">
+                                    <a:lumMod val="85000"/>
+                                  </a:schemeClr>
+                                </a:solidFill>
+                                <a:latin typeface="Cambria Math" panose="02040503050406030204" pitchFamily="18" charset="0"/>
+                                <a:ea typeface="Lato" panose="020F0502020204030203" pitchFamily="34" charset="0"/>
+                                <a:cs typeface="Lato" panose="020F0502020204030203" pitchFamily="34" charset="0"/>
+                              </a:rPr>
+                              <m:t>,</m:t>
+                            </m:r>
+                            <m:r>
+                              <a:rPr lang="en-US" sz="1200" b="0" i="1" smtClean="0">
+                                <a:solidFill>
+                                  <a:schemeClr val="bg1">
+                                    <a:lumMod val="85000"/>
+                                  </a:schemeClr>
+                                </a:solidFill>
+                                <a:latin typeface="Cambria Math" panose="02040503050406030204" pitchFamily="18" charset="0"/>
+                                <a:ea typeface="Lato" panose="020F0502020204030203" pitchFamily="34" charset="0"/>
+                                <a:cs typeface="Lato" panose="020F0502020204030203" pitchFamily="34" charset="0"/>
+                              </a:rPr>
+                              <m:t>𝑖</m:t>
+                            </m:r>
+                            <m:r>
+                              <a:rPr lang="en-US" sz="1200" b="0" i="1" smtClean="0">
+                                <a:solidFill>
+                                  <a:schemeClr val="bg1">
+                                    <a:lumMod val="85000"/>
+                                  </a:schemeClr>
+                                </a:solidFill>
+                                <a:latin typeface="Cambria Math" panose="02040503050406030204" pitchFamily="18" charset="0"/>
+                                <a:ea typeface="Lato" panose="020F0502020204030203" pitchFamily="34" charset="0"/>
+                                <a:cs typeface="Lato" panose="020F0502020204030203" pitchFamily="34" charset="0"/>
+                              </a:rPr>
+                              <m:t>,</m:t>
+                            </m:r>
+                            <m:r>
+                              <a:rPr lang="en-US" sz="1200" b="0" i="1" smtClean="0">
+                                <a:solidFill>
+                                  <a:schemeClr val="bg1">
+                                    <a:lumMod val="85000"/>
+                                  </a:schemeClr>
+                                </a:solidFill>
+                                <a:latin typeface="Cambria Math" panose="02040503050406030204" pitchFamily="18" charset="0"/>
+                                <a:ea typeface="Lato" panose="020F0502020204030203" pitchFamily="34" charset="0"/>
+                                <a:cs typeface="Lato" panose="020F0502020204030203" pitchFamily="34" charset="0"/>
+                              </a:rPr>
+                              <m:t>𝑙</m:t>
+                            </m:r>
+                            <m:r>
+                              <a:rPr lang="en-US" sz="1200" b="0" i="1" smtClean="0">
+                                <a:solidFill>
+                                  <a:schemeClr val="bg1">
+                                    <a:lumMod val="85000"/>
+                                  </a:schemeClr>
+                                </a:solidFill>
+                                <a:latin typeface="Cambria Math" panose="02040503050406030204" pitchFamily="18" charset="0"/>
+                                <a:ea typeface="Lato" panose="020F0502020204030203" pitchFamily="34" charset="0"/>
+                                <a:cs typeface="Lato" panose="020F0502020204030203" pitchFamily="34" charset="0"/>
+                              </a:rPr>
+                              <m:t>,</m:t>
+                            </m:r>
+                            <m:r>
+                              <a:rPr lang="en-US" sz="1200" b="0" i="1" smtClean="0">
+                                <a:solidFill>
+                                  <a:schemeClr val="bg1">
+                                    <a:lumMod val="85000"/>
+                                  </a:schemeClr>
+                                </a:solidFill>
+                                <a:latin typeface="Cambria Math" panose="02040503050406030204" pitchFamily="18" charset="0"/>
+                                <a:ea typeface="Lato" panose="020F0502020204030203" pitchFamily="34" charset="0"/>
+                                <a:cs typeface="Lato" panose="020F0502020204030203" pitchFamily="34" charset="0"/>
+                              </a:rPr>
+                              <m:t>𝑜</m:t>
+                            </m:r>
+                            <m:r>
+                              <a:rPr lang="en-US" sz="1200" b="0" i="1" smtClean="0">
+                                <a:solidFill>
+                                  <a:schemeClr val="bg1">
+                                    <a:lumMod val="85000"/>
+                                  </a:schemeClr>
+                                </a:solidFill>
+                                <a:latin typeface="Cambria Math" panose="02040503050406030204" pitchFamily="18" charset="0"/>
+                                <a:ea typeface="Lato" panose="020F0502020204030203" pitchFamily="34" charset="0"/>
+                                <a:cs typeface="Lato" panose="020F0502020204030203" pitchFamily="34" charset="0"/>
+                              </a:rPr>
+                              <m:t>}</m:t>
+                            </m:r>
+                          </m:sub>
+                        </m:sSub>
+                      </m:oMath>
+                    </m:oMathPara>
+                  </a14:m>
+                  <a:endParaRPr lang="en-US" sz="1200" dirty="0">
+                    <a:solidFill>
+                      <a:schemeClr val="bg1">
+                        <a:lumMod val="85000"/>
+                      </a:schemeClr>
+                    </a:solidFill>
+                  </a:endParaRPr>
+                </a:p>
+              </p:txBody>
+            </p:sp>
+          </mc:Choice>
+          <mc:Fallback xmlns="">
+            <p:sp>
+              <p:nvSpPr>
+                <p:cNvPr id="127" name="Rectangle 126">
+                  <a:extLst>
+                    <a:ext uri="{FF2B5EF4-FFF2-40B4-BE49-F238E27FC236}">
+                      <a16:creationId xmlns:a16="http://schemas.microsoft.com/office/drawing/2014/main" id="{EDC140D2-1418-419E-A29D-3A97F361AC2A}"/>
+                    </a:ext>
+                  </a:extLst>
+                </p:cNvPr>
+                <p:cNvSpPr>
+                  <a:spLocks noRot="1" noChangeAspect="1" noMove="1" noResize="1" noEditPoints="1" noAdjustHandles="1" noChangeArrowheads="1" noChangeShapeType="1" noTextEdit="1"/>
+                </p:cNvSpPr>
+                <p:nvPr/>
+              </p:nvSpPr>
+              <p:spPr>
+                <a:xfrm>
+                  <a:off x="9487253" y="5816055"/>
+                  <a:ext cx="824778" cy="295081"/>
+                </a:xfrm>
+                <a:prstGeom prst="rect">
+                  <a:avLst/>
+                </a:prstGeom>
+                <a:blipFill>
+                  <a:blip r:embed="rId25"/>
+                  <a:stretch>
+                    <a:fillRect b="-2041"/>
+                  </a:stretch>
+                </a:blipFill>
+              </p:spPr>
+              <p:txBody>
+                <a:bodyPr/>
+                <a:lstStyle/>
+                <a:p>
+                  <a:r>
+                    <a:rPr lang="en-US">
+                      <a:noFill/>
+                    </a:rPr>
+                    <a:t> </a:t>
+                  </a:r>
+                </a:p>
+              </p:txBody>
+            </p:sp>
+          </mc:Fallback>
+        </mc:AlternateContent>
+      </p:grpSp>
+      <mc:AlternateContent xmlns:mc="http://schemas.openxmlformats.org/markup-compatibility/2006" xmlns:a14="http://schemas.microsoft.com/office/drawing/2010/main">
+        <mc:Choice Requires="a14">
+          <p:sp>
+            <p:nvSpPr>
+              <p:cNvPr id="128" name="Rectangle 127">
+                <a:extLst>
+                  <a:ext uri="{FF2B5EF4-FFF2-40B4-BE49-F238E27FC236}">
+                    <a16:creationId xmlns:a16="http://schemas.microsoft.com/office/drawing/2014/main" id="{5C2D203D-6FCD-4A9C-A1B4-69F9A6045597}"/>
+                  </a:ext>
+                </a:extLst>
+              </p:cNvPr>
+              <p:cNvSpPr/>
+              <p:nvPr/>
+            </p:nvSpPr>
+            <p:spPr>
+              <a:xfrm>
+                <a:off x="7537637" y="4981023"/>
+                <a:ext cx="270101" cy="248328"/>
+              </a:xfrm>
+              <a:prstGeom prst="rect">
+                <a:avLst/>
+              </a:prstGeom>
+              <a:solidFill>
+                <a:schemeClr val="tx1">
+                  <a:lumMod val="65000"/>
+                  <a:lumOff val="35000"/>
+                </a:schemeClr>
+              </a:solidFill>
+              <a:ln w="9525">
+                <a:solidFill>
+                  <a:schemeClr val="bg1"/>
+                </a:solidFill>
+              </a:ln>
+            </p:spPr>
+            <p:style>
+              <a:lnRef idx="2">
+                <a:schemeClr val="accent1">
+                  <a:shade val="50000"/>
+                </a:schemeClr>
+              </a:lnRef>
+              <a:fillRef idx="1">
+                <a:schemeClr val="accent1"/>
+              </a:fillRef>
+              <a:effectRef idx="0">
+                <a:schemeClr val="accent1"/>
+              </a:effectRef>
+              <a:fontRef idx="minor">
+                <a:schemeClr val="lt1"/>
+              </a:fontRef>
+            </p:style>
+            <p:txBody>
+              <a:bodyPr rot="0" spcFirstLastPara="0" vertOverflow="overflow" horzOverflow="overflow" vert="horz" wrap="square" lIns="0" tIns="45720" rIns="0" bIns="45720" numCol="1" spcCol="0" rtlCol="0" fromWordArt="0" anchor="ctr" anchorCtr="0" forceAA="0" compatLnSpc="1">
+                <a:prstTxWarp prst="textNoShape">
+                  <a:avLst/>
+                </a:prstTxWarp>
+                <a:noAutofit/>
+              </a:bodyPr>
+              <a:lstStyle/>
+              <a:p>
+                <a:pPr algn="just"/>
+                <a14:m>
+                  <m:oMathPara xmlns:m="http://schemas.openxmlformats.org/officeDocument/2006/math">
+                    <m:oMathParaPr>
+                      <m:jc m:val="center"/>
+                    </m:oMathParaPr>
+                    <m:oMath xmlns:m="http://schemas.openxmlformats.org/officeDocument/2006/math">
+                      <m:r>
+                        <a:rPr lang="en-US" i="1" smtClean="0">
+                          <a:solidFill>
+                            <a:schemeClr val="bg1"/>
+                          </a:solidFill>
+                          <a:latin typeface="Cambria Math" panose="02040503050406030204" pitchFamily="18" charset="0"/>
+                          <a:ea typeface="Cambria Math" panose="02040503050406030204" pitchFamily="18" charset="0"/>
+                        </a:rPr>
+                        <m:t>×</m:t>
+                      </m:r>
+                    </m:oMath>
+                  </m:oMathPara>
+                </a14:m>
+                <a:endParaRPr lang="en-US" dirty="0">
+                  <a:solidFill>
+                    <a:schemeClr val="bg1"/>
+                  </a:solidFill>
+                </a:endParaRPr>
+              </a:p>
+            </p:txBody>
+          </p:sp>
+        </mc:Choice>
+        <mc:Fallback xmlns="">
+          <p:sp>
+            <p:nvSpPr>
+              <p:cNvPr id="128" name="Rectangle 127">
+                <a:extLst>
+                  <a:ext uri="{FF2B5EF4-FFF2-40B4-BE49-F238E27FC236}">
+                    <a16:creationId xmlns:a16="http://schemas.microsoft.com/office/drawing/2014/main" id="{5C2D203D-6FCD-4A9C-A1B4-69F9A6045597}"/>
+                  </a:ext>
+                </a:extLst>
+              </p:cNvPr>
+              <p:cNvSpPr>
+                <a:spLocks noRot="1" noChangeAspect="1" noMove="1" noResize="1" noEditPoints="1" noAdjustHandles="1" noChangeArrowheads="1" noChangeShapeType="1" noTextEdit="1"/>
+              </p:cNvSpPr>
+              <p:nvPr/>
+            </p:nvSpPr>
+            <p:spPr>
+              <a:xfrm>
+                <a:off x="7537637" y="4981023"/>
+                <a:ext cx="270101" cy="248328"/>
+              </a:xfrm>
+              <a:prstGeom prst="rect">
+                <a:avLst/>
+              </a:prstGeom>
+              <a:blipFill>
+                <a:blip r:embed="rId26"/>
+                <a:stretch>
+                  <a:fillRect l="-2128" r="-2128" b="-4651"/>
+                </a:stretch>
+              </a:blipFill>
+              <a:ln w="9525">
+                <a:solidFill>
+                  <a:schemeClr val="bg1"/>
+                </a:solidFill>
+              </a:ln>
+            </p:spPr>
+            <p:txBody>
+              <a:bodyPr/>
+              <a:lstStyle/>
+              <a:p>
+                <a:r>
+                  <a:rPr lang="en-US">
+                    <a:noFill/>
+                  </a:rPr>
+                  <a:t> </a:t>
+                </a:r>
+              </a:p>
+            </p:txBody>
+          </p:sp>
+        </mc:Fallback>
+      </mc:AlternateContent>
+      <p:sp>
+        <p:nvSpPr>
+          <p:cNvPr id="129" name="Rectangle 128">
+            <a:extLst>
+              <a:ext uri="{FF2B5EF4-FFF2-40B4-BE49-F238E27FC236}">
+                <a16:creationId xmlns:a16="http://schemas.microsoft.com/office/drawing/2014/main" id="{DCADAC0D-C4C1-47AA-AC89-67B74FC00F4B}"/>
+              </a:ext>
+            </a:extLst>
+          </p:cNvPr>
+          <p:cNvSpPr/>
+          <p:nvPr/>
+        </p:nvSpPr>
+        <p:spPr>
+          <a:xfrm>
+            <a:off x="7821453" y="5488793"/>
+            <a:ext cx="810863" cy="276999"/>
+          </a:xfrm>
+          <a:prstGeom prst="rect">
+            <a:avLst/>
+          </a:prstGeom>
+        </p:spPr>
+        <p:txBody>
+          <a:bodyPr wrap="none">
+            <a:spAutoFit/>
+          </a:bodyPr>
+          <a:lstStyle/>
+          <a:p>
+            <a:r>
+              <a:rPr lang="en-US" sz="1200" dirty="0">
+                <a:solidFill>
+                  <a:schemeClr val="bg1">
+                    <a:lumMod val="85000"/>
+                  </a:schemeClr>
+                </a:solidFill>
+              </a:rPr>
+              <a:t> </a:t>
+            </a:r>
+            <a:r>
+              <a:rPr lang="en-US" sz="1200" i="1" dirty="0">
+                <a:solidFill>
+                  <a:schemeClr val="bg1">
+                    <a:lumMod val="85000"/>
+                  </a:schemeClr>
+                </a:solidFill>
+              </a:rPr>
+              <a:t>Size: (</a:t>
+            </a:r>
+            <a:r>
+              <a:rPr lang="en-US" sz="1200" i="1" dirty="0" err="1">
+                <a:solidFill>
+                  <a:schemeClr val="bg1">
+                    <a:lumMod val="85000"/>
+                  </a:schemeClr>
+                </a:solidFill>
+              </a:rPr>
+              <a:t>h,x</a:t>
+            </a:r>
+            <a:r>
+              <a:rPr lang="en-US" sz="1200" i="1" dirty="0">
+                <a:solidFill>
+                  <a:schemeClr val="bg1">
+                    <a:lumMod val="85000"/>
+                  </a:schemeClr>
+                </a:solidFill>
+              </a:rPr>
+              <a:t>)</a:t>
+            </a:r>
+            <a:endParaRPr lang="en-US" sz="1200" dirty="0">
+              <a:solidFill>
+                <a:schemeClr val="bg1">
+                  <a:lumMod val="85000"/>
+                </a:schemeClr>
+              </a:solidFill>
+            </a:endParaRPr>
+          </a:p>
+        </p:txBody>
+      </p:sp>
+      <p:cxnSp>
+        <p:nvCxnSpPr>
+          <p:cNvPr id="130" name="Straight Connector 22">
+            <a:extLst>
+              <a:ext uri="{FF2B5EF4-FFF2-40B4-BE49-F238E27FC236}">
+                <a16:creationId xmlns:a16="http://schemas.microsoft.com/office/drawing/2014/main" id="{C37A3E28-70F1-451D-8EE5-CB7BDAA5BBC2}"/>
+              </a:ext>
+            </a:extLst>
+          </p:cNvPr>
+          <p:cNvCxnSpPr>
+            <a:cxnSpLocks/>
+          </p:cNvCxnSpPr>
+          <p:nvPr/>
+        </p:nvCxnSpPr>
+        <p:spPr>
+          <a:xfrm>
+            <a:off x="7555088" y="5636621"/>
+            <a:ext cx="240301" cy="1"/>
+          </a:xfrm>
+          <a:prstGeom prst="straightConnector1">
+            <a:avLst/>
+          </a:prstGeom>
+          <a:ln w="12700">
+            <a:solidFill>
+              <a:schemeClr val="bg1"/>
+            </a:solidFill>
+            <a:prstDash val="sysDash"/>
+            <a:headEnd type="none"/>
+            <a:tailEnd type="none" w="sm" len="sm"/>
+          </a:ln>
+        </p:spPr>
+        <p:style>
+          <a:lnRef idx="1">
+            <a:schemeClr val="accent1"/>
+          </a:lnRef>
+          <a:fillRef idx="0">
+            <a:schemeClr val="accent1"/>
+          </a:fillRef>
+          <a:effectRef idx="0">
+            <a:schemeClr val="accent1"/>
+          </a:effectRef>
+          <a:fontRef idx="minor">
+            <a:schemeClr val="tx1"/>
+          </a:fontRef>
+        </p:style>
+      </p:cxnSp>
     </p:spTree>
     <p:extLst>
       <p:ext uri="{BB962C8B-B14F-4D97-AF65-F5344CB8AC3E}">
@@ -19254,6 +20705,269 @@
                       </p:childTnLst>
                     </p:cTn>
                   </p:par>
+                  <p:par>
+                    <p:cTn id="408" fill="hold">
+                      <p:stCondLst>
+                        <p:cond delay="indefinite"/>
+                      </p:stCondLst>
+                      <p:childTnLst>
+                        <p:par>
+                          <p:cTn id="409" fill="hold">
+                            <p:stCondLst>
+                              <p:cond delay="0"/>
+                            </p:stCondLst>
+                            <p:childTnLst>
+                              <p:par>
+                                <p:cTn id="410" presetID="10" presetClass="entr" presetSubtype="0" fill="hold" grpId="0" nodeType="clickEffect">
+                                  <p:stCondLst>
+                                    <p:cond delay="0"/>
+                                  </p:stCondLst>
+                                  <p:childTnLst>
+                                    <p:set>
+                                      <p:cBhvr>
+                                        <p:cTn id="411" dur="1" fill="hold">
+                                          <p:stCondLst>
+                                            <p:cond delay="0"/>
+                                          </p:stCondLst>
+                                        </p:cTn>
+                                        <p:tgtEl>
+                                          <p:spTgt spid="128"/>
+                                        </p:tgtEl>
+                                        <p:attrNameLst>
+                                          <p:attrName>style.visibility</p:attrName>
+                                        </p:attrNameLst>
+                                      </p:cBhvr>
+                                      <p:to>
+                                        <p:strVal val="visible"/>
+                                      </p:to>
+                                    </p:set>
+                                    <p:animEffect transition="in" filter="fade">
+                                      <p:cBhvr>
+                                        <p:cTn id="412" dur="500"/>
+                                        <p:tgtEl>
+                                          <p:spTgt spid="128"/>
+                                        </p:tgtEl>
+                                      </p:cBhvr>
+                                    </p:animEffect>
+                                  </p:childTnLst>
+                                </p:cTn>
+                              </p:par>
+                              <p:par>
+                                <p:cTn id="413" presetID="10" presetClass="entr" presetSubtype="0" fill="hold" grpId="0" nodeType="withEffect">
+                                  <p:stCondLst>
+                                    <p:cond delay="0"/>
+                                  </p:stCondLst>
+                                  <p:childTnLst>
+                                    <p:set>
+                                      <p:cBhvr>
+                                        <p:cTn id="414" dur="1" fill="hold">
+                                          <p:stCondLst>
+                                            <p:cond delay="0"/>
+                                          </p:stCondLst>
+                                        </p:cTn>
+                                        <p:tgtEl>
+                                          <p:spTgt spid="105"/>
+                                        </p:tgtEl>
+                                        <p:attrNameLst>
+                                          <p:attrName>style.visibility</p:attrName>
+                                        </p:attrNameLst>
+                                      </p:cBhvr>
+                                      <p:to>
+                                        <p:strVal val="visible"/>
+                                      </p:to>
+                                    </p:set>
+                                    <p:animEffect transition="in" filter="fade">
+                                      <p:cBhvr>
+                                        <p:cTn id="415" dur="500"/>
+                                        <p:tgtEl>
+                                          <p:spTgt spid="105"/>
+                                        </p:tgtEl>
+                                      </p:cBhvr>
+                                    </p:animEffect>
+                                  </p:childTnLst>
+                                </p:cTn>
+                              </p:par>
+                              <p:par>
+                                <p:cTn id="416" presetID="10" presetClass="entr" presetSubtype="0" fill="hold" nodeType="withEffect">
+                                  <p:stCondLst>
+                                    <p:cond delay="0"/>
+                                  </p:stCondLst>
+                                  <p:childTnLst>
+                                    <p:set>
+                                      <p:cBhvr>
+                                        <p:cTn id="417" dur="1" fill="hold">
+                                          <p:stCondLst>
+                                            <p:cond delay="0"/>
+                                          </p:stCondLst>
+                                        </p:cTn>
+                                        <p:tgtEl>
+                                          <p:spTgt spid="122"/>
+                                        </p:tgtEl>
+                                        <p:attrNameLst>
+                                          <p:attrName>style.visibility</p:attrName>
+                                        </p:attrNameLst>
+                                      </p:cBhvr>
+                                      <p:to>
+                                        <p:strVal val="visible"/>
+                                      </p:to>
+                                    </p:set>
+                                    <p:animEffect transition="in" filter="fade">
+                                      <p:cBhvr>
+                                        <p:cTn id="418" dur="500"/>
+                                        <p:tgtEl>
+                                          <p:spTgt spid="122"/>
+                                        </p:tgtEl>
+                                      </p:cBhvr>
+                                    </p:animEffect>
+                                  </p:childTnLst>
+                                </p:cTn>
+                              </p:par>
+                              <p:par>
+                                <p:cTn id="419" presetID="10" presetClass="entr" presetSubtype="0" fill="hold" grpId="0" nodeType="withEffect">
+                                  <p:stCondLst>
+                                    <p:cond delay="0"/>
+                                  </p:stCondLst>
+                                  <p:childTnLst>
+                                    <p:set>
+                                      <p:cBhvr>
+                                        <p:cTn id="420" dur="1" fill="hold">
+                                          <p:stCondLst>
+                                            <p:cond delay="0"/>
+                                          </p:stCondLst>
+                                        </p:cTn>
+                                        <p:tgtEl>
+                                          <p:spTgt spid="123"/>
+                                        </p:tgtEl>
+                                        <p:attrNameLst>
+                                          <p:attrName>style.visibility</p:attrName>
+                                        </p:attrNameLst>
+                                      </p:cBhvr>
+                                      <p:to>
+                                        <p:strVal val="visible"/>
+                                      </p:to>
+                                    </p:set>
+                                    <p:animEffect transition="in" filter="fade">
+                                      <p:cBhvr>
+                                        <p:cTn id="421" dur="500"/>
+                                        <p:tgtEl>
+                                          <p:spTgt spid="123"/>
+                                        </p:tgtEl>
+                                      </p:cBhvr>
+                                    </p:animEffect>
+                                  </p:childTnLst>
+                                </p:cTn>
+                              </p:par>
+                              <p:par>
+                                <p:cTn id="422" presetID="10" presetClass="entr" presetSubtype="0" fill="hold" nodeType="withEffect">
+                                  <p:stCondLst>
+                                    <p:cond delay="0"/>
+                                  </p:stCondLst>
+                                  <p:childTnLst>
+                                    <p:set>
+                                      <p:cBhvr>
+                                        <p:cTn id="423" dur="1" fill="hold">
+                                          <p:stCondLst>
+                                            <p:cond delay="0"/>
+                                          </p:stCondLst>
+                                        </p:cTn>
+                                        <p:tgtEl>
+                                          <p:spTgt spid="30"/>
+                                        </p:tgtEl>
+                                        <p:attrNameLst>
+                                          <p:attrName>style.visibility</p:attrName>
+                                        </p:attrNameLst>
+                                      </p:cBhvr>
+                                      <p:to>
+                                        <p:strVal val="visible"/>
+                                      </p:to>
+                                    </p:set>
+                                    <p:animEffect transition="in" filter="fade">
+                                      <p:cBhvr>
+                                        <p:cTn id="424" dur="500"/>
+                                        <p:tgtEl>
+                                          <p:spTgt spid="30"/>
+                                        </p:tgtEl>
+                                      </p:cBhvr>
+                                    </p:animEffect>
+                                  </p:childTnLst>
+                                </p:cTn>
+                              </p:par>
+                              <p:par>
+                                <p:cTn id="425" presetID="10" presetClass="entr" presetSubtype="0" fill="hold" grpId="0" nodeType="withEffect">
+                                  <p:stCondLst>
+                                    <p:cond delay="0"/>
+                                  </p:stCondLst>
+                                  <p:childTnLst>
+                                    <p:set>
+                                      <p:cBhvr>
+                                        <p:cTn id="426" dur="1" fill="hold">
+                                          <p:stCondLst>
+                                            <p:cond delay="0"/>
+                                          </p:stCondLst>
+                                        </p:cTn>
+                                        <p:tgtEl>
+                                          <p:spTgt spid="129"/>
+                                        </p:tgtEl>
+                                        <p:attrNameLst>
+                                          <p:attrName>style.visibility</p:attrName>
+                                        </p:attrNameLst>
+                                      </p:cBhvr>
+                                      <p:to>
+                                        <p:strVal val="visible"/>
+                                      </p:to>
+                                    </p:set>
+                                    <p:animEffect transition="in" filter="fade">
+                                      <p:cBhvr>
+                                        <p:cTn id="427" dur="500"/>
+                                        <p:tgtEl>
+                                          <p:spTgt spid="129"/>
+                                        </p:tgtEl>
+                                      </p:cBhvr>
+                                    </p:animEffect>
+                                  </p:childTnLst>
+                                </p:cTn>
+                              </p:par>
+                              <p:par>
+                                <p:cTn id="428" presetID="10" presetClass="entr" presetSubtype="0" fill="hold" nodeType="withEffect">
+                                  <p:stCondLst>
+                                    <p:cond delay="0"/>
+                                  </p:stCondLst>
+                                  <p:childTnLst>
+                                    <p:set>
+                                      <p:cBhvr>
+                                        <p:cTn id="429" dur="1" fill="hold">
+                                          <p:stCondLst>
+                                            <p:cond delay="0"/>
+                                          </p:stCondLst>
+                                        </p:cTn>
+                                        <p:tgtEl>
+                                          <p:spTgt spid="130"/>
+                                        </p:tgtEl>
+                                        <p:attrNameLst>
+                                          <p:attrName>style.visibility</p:attrName>
+                                        </p:attrNameLst>
+                                      </p:cBhvr>
+                                      <p:to>
+                                        <p:strVal val="visible"/>
+                                      </p:to>
+                                    </p:set>
+                                    <p:animEffect transition="in" filter="fade">
+                                      <p:cBhvr>
+                                        <p:cTn id="430" dur="500"/>
+                                        <p:tgtEl>
+                                          <p:spTgt spid="130"/>
+                                        </p:tgtEl>
+                                      </p:cBhvr>
+                                    </p:animEffect>
+                                  </p:childTnLst>
+                                </p:cTn>
+                              </p:par>
+                            </p:childTnLst>
+                          </p:cTn>
+                        </p:par>
+                      </p:childTnLst>
+                    </p:cTn>
+                  </p:par>
                 </p:childTnLst>
               </p:cTn>
               <p:prevCondLst>
@@ -19324,6 +21038,10 @@
       <p:bldP spid="112" grpId="0" animBg="1"/>
       <p:bldP spid="120" grpId="0" animBg="1"/>
       <p:bldP spid="133" grpId="0" animBg="1"/>
+      <p:bldP spid="105" grpId="0"/>
+      <p:bldP spid="123" grpId="0"/>
+      <p:bldP spid="128" grpId="0" animBg="1"/>
+      <p:bldP spid="129" grpId="0"/>
     </p:bldLst>
   </p:timing>
 </p:sld>
@@ -19571,7 +21289,7 @@
         <p:spPr>
           <a:xfrm>
             <a:off x="2321668" y="1621653"/>
-            <a:ext cx="1355387" cy="3436730"/>
+            <a:ext cx="4565515" cy="3436730"/>
           </a:xfrm>
           <a:prstGeom prst="rect">
             <a:avLst/>
@@ -19630,6 +21348,128 @@
   <p:clrMapOvr>
     <a:masterClrMapping/>
   </p:clrMapOvr>
+  <p:timing>
+    <p:tnLst>
+      <p:par>
+        <p:cTn id="1" dur="indefinite" restart="never" nodeType="tmRoot">
+          <p:childTnLst>
+            <p:seq concurrent="1" nextAc="seek">
+              <p:cTn id="2" dur="indefinite" nodeType="mainSeq">
+                <p:childTnLst>
+                  <p:par>
+                    <p:cTn id="3" fill="hold">
+                      <p:stCondLst>
+                        <p:cond delay="indefinite"/>
+                      </p:stCondLst>
+                      <p:childTnLst>
+                        <p:par>
+                          <p:cTn id="4" fill="hold">
+                            <p:stCondLst>
+                              <p:cond delay="0"/>
+                            </p:stCondLst>
+                            <p:childTnLst>
+                              <p:par>
+                                <p:cTn id="5" presetID="10" presetClass="entr" presetSubtype="0" fill="hold" grpId="0" nodeType="clickEffect">
+                                  <p:stCondLst>
+                                    <p:cond delay="0"/>
+                                  </p:stCondLst>
+                                  <p:childTnLst>
+                                    <p:set>
+                                      <p:cBhvr>
+                                        <p:cTn id="6" dur="1" fill="hold">
+                                          <p:stCondLst>
+                                            <p:cond delay="0"/>
+                                          </p:stCondLst>
+                                        </p:cTn>
+                                        <p:tgtEl>
+                                          <p:spTgt spid="6"/>
+                                        </p:tgtEl>
+                                        <p:attrNameLst>
+                                          <p:attrName>style.visibility</p:attrName>
+                                        </p:attrNameLst>
+                                      </p:cBhvr>
+                                      <p:to>
+                                        <p:strVal val="visible"/>
+                                      </p:to>
+                                    </p:set>
+                                    <p:animEffect transition="in" filter="fade">
+                                      <p:cBhvr>
+                                        <p:cTn id="7" dur="500"/>
+                                        <p:tgtEl>
+                                          <p:spTgt spid="6"/>
+                                        </p:tgtEl>
+                                      </p:cBhvr>
+                                    </p:animEffect>
+                                  </p:childTnLst>
+                                </p:cTn>
+                              </p:par>
+                              <p:par>
+                                <p:cTn id="8" presetID="10" presetClass="exit" presetSubtype="0" fill="hold" grpId="0" nodeType="withEffect">
+                                  <p:stCondLst>
+                                    <p:cond delay="0"/>
+                                  </p:stCondLst>
+                                  <p:childTnLst>
+                                    <p:animEffect transition="out" filter="fade">
+                                      <p:cBhvr>
+                                        <p:cTn id="9" dur="500"/>
+                                        <p:tgtEl>
+                                          <p:spTgt spid="4"/>
+                                        </p:tgtEl>
+                                      </p:cBhvr>
+                                    </p:animEffect>
+                                    <p:set>
+                                      <p:cBhvr>
+                                        <p:cTn id="10" dur="1" fill="hold">
+                                          <p:stCondLst>
+                                            <p:cond delay="499"/>
+                                          </p:stCondLst>
+                                        </p:cTn>
+                                        <p:tgtEl>
+                                          <p:spTgt spid="4"/>
+                                        </p:tgtEl>
+                                        <p:attrNameLst>
+                                          <p:attrName>style.visibility</p:attrName>
+                                        </p:attrNameLst>
+                                      </p:cBhvr>
+                                      <p:to>
+                                        <p:strVal val="hidden"/>
+                                      </p:to>
+                                    </p:set>
+                                  </p:childTnLst>
+                                </p:cTn>
+                              </p:par>
+                            </p:childTnLst>
+                          </p:cTn>
+                        </p:par>
+                      </p:childTnLst>
+                    </p:cTn>
+                  </p:par>
+                </p:childTnLst>
+              </p:cTn>
+              <p:prevCondLst>
+                <p:cond evt="onPrev" delay="0">
+                  <p:tgtEl>
+                    <p:sldTgt/>
+                  </p:tgtEl>
+                </p:cond>
+              </p:prevCondLst>
+              <p:nextCondLst>
+                <p:cond evt="onNext" delay="0">
+                  <p:tgtEl>
+                    <p:sldTgt/>
+                  </p:tgtEl>
+                </p:cond>
+              </p:nextCondLst>
+            </p:seq>
+          </p:childTnLst>
+        </p:cTn>
+      </p:par>
+    </p:tnLst>
+    <p:bldLst>
+      <p:bldP spid="4" grpId="0" animBg="1"/>
+      <p:bldP spid="6" grpId="0" animBg="1"/>
+    </p:bldLst>
+  </p:timing>
 </p:sld>
 </file>
 
@@ -21521,15 +23361,112 @@
             <p:ph sz="half" idx="1"/>
           </p:nvPr>
         </p:nvSpPr>
-        <p:spPr/>
+        <p:spPr>
+          <a:xfrm>
+            <a:off x="140368" y="851067"/>
+            <a:ext cx="4218050" cy="5297070"/>
+          </a:xfrm>
+        </p:spPr>
         <p:txBody>
-          <a:bodyPr/>
+          <a:bodyPr>
+            <a:normAutofit/>
+          </a:bodyPr>
           <a:lstStyle/>
           <a:p>
-            <a:endParaRPr lang="en-US"/>
+            <a:pPr marL="0" indent="0">
+              <a:buNone/>
+            </a:pPr>
+            <a:r>
+              <a:rPr lang="en-US" dirty="0"/>
+              <a:t>Ultimately, all the LSTM architectures I built fell into one of three categories:</a:t>
+            </a:r>
+          </a:p>
+          <a:p>
+            <a:pPr marL="514350" indent="-514350">
+              <a:buFont typeface="+mj-lt"/>
+              <a:buAutoNum type="arabicPeriod"/>
+            </a:pPr>
+            <a:r>
+              <a:rPr lang="en-US" sz="2000" dirty="0"/>
+              <a:t>Models that didn't predict any outbreaks (likely underfit)</a:t>
+            </a:r>
+          </a:p>
+          <a:p>
+            <a:pPr marL="514350" indent="-514350">
+              <a:buFont typeface="+mj-lt"/>
+              <a:buAutoNum type="arabicPeriod"/>
+            </a:pPr>
+            <a:r>
+              <a:rPr lang="en-US" sz="2000" dirty="0"/>
+              <a:t>Models that predicted nearly constant outbreaks (likely overfit)</a:t>
+            </a:r>
+          </a:p>
+          <a:p>
+            <a:pPr marL="514350" indent="-514350">
+              <a:buFont typeface="+mj-lt"/>
+              <a:buAutoNum type="arabicPeriod"/>
+            </a:pPr>
+            <a:r>
+              <a:rPr lang="en-US" sz="2000" dirty="0"/>
+              <a:t>Models that seemed to predict when an outbreak would happen, but continued predicting outbreak numbers for dozens of weeks after the fact. The error from these extended high predictions made these models unusable. </a:t>
+            </a:r>
+          </a:p>
+          <a:p>
+            <a:pPr marL="514350" indent="-514350">
+              <a:buFont typeface="+mj-lt"/>
+              <a:buAutoNum type="arabicPeriod"/>
+            </a:pPr>
+            <a:endParaRPr lang="en-US" dirty="0"/>
           </a:p>
         </p:txBody>
       </p:sp>
+      <p:pic>
+        <p:nvPicPr>
+          <p:cNvPr id="1028" name="Picture 4">
+            <a:extLst>
+              <a:ext uri="{FF2B5EF4-FFF2-40B4-BE49-F238E27FC236}">
+                <a16:creationId xmlns:a16="http://schemas.microsoft.com/office/drawing/2014/main" id="{978767D6-EE50-4A4A-81BB-549B005DBDBF}"/>
+              </a:ext>
+            </a:extLst>
+          </p:cNvPr>
+          <p:cNvPicPr>
+            <a:picLocks noChangeAspect="1" noChangeArrowheads="1"/>
+          </p:cNvPicPr>
+          <p:nvPr/>
+        </p:nvPicPr>
+        <p:blipFill>
+          <a:blip r:embed="rId2">
+            <a:extLst>
+              <a:ext uri="{28A0092B-C50C-407E-A947-70E740481C1C}">
+                <a14:useLocalDpi xmlns:a14="http://schemas.microsoft.com/office/drawing/2010/main" val="0"/>
+              </a:ext>
+            </a:extLst>
+          </a:blip>
+          <a:srcRect/>
+          <a:stretch>
+            <a:fillRect/>
+          </a:stretch>
+        </p:blipFill>
+        <p:spPr bwMode="auto">
+          <a:xfrm>
+            <a:off x="4664179" y="1728669"/>
+            <a:ext cx="6927273" cy="3400661"/>
+          </a:xfrm>
+          <a:prstGeom prst="rect">
+            <a:avLst/>
+          </a:prstGeom>
+          <a:noFill/>
+          <a:extLst>
+            <a:ext uri="{909E8E84-426E-40DD-AFC4-6F175D3DCCD1}">
+              <a14:hiddenFill xmlns:a14="http://schemas.microsoft.com/office/drawing/2010/main">
+                <a:solidFill>
+                  <a:srgbClr val="FFFFFF"/>
+                </a:solidFill>
+              </a14:hiddenFill>
+            </a:ext>
+          </a:extLst>
+        </p:spPr>
+      </p:pic>
     </p:spTree>
     <p:extLst>
       <p:ext uri="{BB962C8B-B14F-4D97-AF65-F5344CB8AC3E}">
@@ -22966,7 +24903,7 @@
           <p:nvPr/>
         </p:nvPicPr>
         <p:blipFill>
-          <a:blip r:embed="rId2">
+          <a:blip r:embed="rId3">
             <a:extLst>
               <a:ext uri="{28A0092B-C50C-407E-A947-70E740481C1C}">
                 <a14:useLocalDpi xmlns:a14="http://schemas.microsoft.com/office/drawing/2010/main" val="0"/>
@@ -22980,7 +24917,7 @@
         </p:blipFill>
         <p:spPr bwMode="auto">
           <a:xfrm>
-            <a:off x="466239" y="3080900"/>
+            <a:off x="466239" y="2773882"/>
             <a:ext cx="5629761" cy="2415472"/>
           </a:xfrm>
           <a:prstGeom prst="rect">
@@ -23013,7 +24950,7 @@
           <p:nvPr/>
         </p:nvPicPr>
         <p:blipFill>
-          <a:blip r:embed="rId3">
+          <a:blip r:embed="rId4">
             <a:extLst>
               <a:ext uri="{28A0092B-C50C-407E-A947-70E740481C1C}">
                 <a14:useLocalDpi xmlns:a14="http://schemas.microsoft.com/office/drawing/2010/main" val="0"/>
@@ -23027,7 +24964,7 @@
         </p:blipFill>
         <p:spPr bwMode="auto">
           <a:xfrm>
-            <a:off x="6096000" y="3080900"/>
+            <a:off x="6096000" y="2773882"/>
             <a:ext cx="5629761" cy="2440204"/>
           </a:xfrm>
           <a:prstGeom prst="rect">
@@ -23060,7 +24997,7 @@
           <p:nvPr/>
         </p:nvPicPr>
         <p:blipFill>
-          <a:blip r:embed="rId4">
+          <a:blip r:embed="rId5">
             <a:extLst>
               <a:ext uri="{28A0092B-C50C-407E-A947-70E740481C1C}">
                 <a14:useLocalDpi xmlns:a14="http://schemas.microsoft.com/office/drawing/2010/main" val="0"/>
@@ -23107,7 +25044,7 @@
           <p:nvPr/>
         </p:nvPicPr>
         <p:blipFill>
-          <a:blip r:embed="rId5">
+          <a:blip r:embed="rId6">
             <a:extLst>
               <a:ext uri="{28A0092B-C50C-407E-A947-70E740481C1C}">
                 <a14:useLocalDpi xmlns:a14="http://schemas.microsoft.com/office/drawing/2010/main" val="0"/>
@@ -23154,13 +25091,13 @@
           <p:nvPr>
             <p:extLst>
               <p:ext uri="{D42A27DB-BD31-4B8C-83A1-F6EECF244321}">
-                <p14:modId xmlns:p14="http://schemas.microsoft.com/office/powerpoint/2010/main" val="3111400199"/>
+                <p14:modId xmlns:p14="http://schemas.microsoft.com/office/powerpoint/2010/main" val="1487508206"/>
               </p:ext>
             </p:extLst>
           </p:nvPr>
         </p:nvGraphicFramePr>
         <p:xfrm>
-          <a:off x="903514" y="5487725"/>
+          <a:off x="903514" y="5180707"/>
           <a:ext cx="4866614" cy="1188720"/>
         </p:xfrm>
         <a:graphic>
@@ -23327,13 +25264,13 @@
           <p:nvPr>
             <p:extLst>
               <p:ext uri="{D42A27DB-BD31-4B8C-83A1-F6EECF244321}">
-                <p14:modId xmlns:p14="http://schemas.microsoft.com/office/powerpoint/2010/main" val="207152053"/>
+                <p14:modId xmlns:p14="http://schemas.microsoft.com/office/powerpoint/2010/main" val="998846194"/>
               </p:ext>
             </p:extLst>
           </p:nvPr>
         </p:nvGraphicFramePr>
         <p:xfrm>
-          <a:off x="6533275" y="5487725"/>
+          <a:off x="6533275" y="5180707"/>
           <a:ext cx="4866614" cy="1188720"/>
         </p:xfrm>
         <a:graphic>
@@ -25593,7 +27530,7 @@
         <p:spPr>
           <a:xfrm>
             <a:off x="140368" y="762001"/>
-            <a:ext cx="8274289" cy="4678204"/>
+            <a:ext cx="9035716" cy="4955203"/>
           </a:xfrm>
           <a:prstGeom prst="rect">
             <a:avLst/>
@@ -25618,7 +27555,7 @@
             </a:pPr>
             <a:r>
               <a:rPr lang="en-US" dirty="0"/>
-              <a:t>Download my LSTM guide and code an LSTM forward pass with just </a:t>
+              <a:t>Download The LSTM Reference Card and code an LSTM forward pass with just </a:t>
             </a:r>
             <a:r>
               <a:rPr lang="en-US" dirty="0" err="1"/>
@@ -25686,6 +27623,19 @@
                 <a:hlinkClick r:id="rId5"/>
               </a:rPr>
               <a:t>) suggesting you can trim an LSTM down to ONLY a forget gate</a:t>
+            </a:r>
+            <a:endParaRPr lang="en-US" dirty="0"/>
+          </a:p>
+          <a:p>
+            <a:pPr marL="742950" lvl="1" indent="-285750">
+              <a:buFont typeface="Arial" panose="020B0604020202020204" pitchFamily="34" charset="0"/>
+              <a:buChar char="•"/>
+            </a:pPr>
+            <a:r>
+              <a:rPr lang="en-US" dirty="0">
+                <a:hlinkClick r:id="rId6"/>
+              </a:rPr>
+              <a:t>Walk Forward Validation guide by Dr. Brownlee</a:t>
             </a:r>
             <a:endParaRPr lang="en-US" dirty="0"/>
           </a:p>
@@ -25853,31 +27803,31 @@
             </a:r>
             <a:r>
               <a:rPr lang="en-US" dirty="0">
-                <a:hlinkClick r:id="rId6"/>
+                <a:hlinkClick r:id="rId7"/>
               </a:rPr>
               <a:t>/</a:t>
             </a:r>
             <a:r>
               <a:rPr lang="en-US" dirty="0" err="1">
-                <a:hlinkClick r:id="rId6"/>
+                <a:hlinkClick r:id="rId7"/>
               </a:rPr>
               <a:t>conditg</a:t>
             </a:r>
             <a:r>
               <a:rPr lang="en-US" dirty="0">
-                <a:hlinkClick r:id="rId6"/>
+                <a:hlinkClick r:id="rId7"/>
               </a:rPr>
               <a:t>/</a:t>
             </a:r>
             <a:r>
               <a:rPr lang="en-US" dirty="0" err="1">
-                <a:hlinkClick r:id="rId6"/>
+                <a:hlinkClick r:id="rId7"/>
               </a:rPr>
               <a:t>deng</a:t>
             </a:r>
             <a:r>
               <a:rPr lang="en-US" dirty="0">
-                <a:hlinkClick r:id="rId6"/>
+                <a:hlinkClick r:id="rId7"/>
               </a:rPr>
               <a:t>-ai</a:t>
             </a:r>
@@ -26438,7 +28388,7 @@
           <p:nvPr/>
         </p:nvPicPr>
         <p:blipFill>
-          <a:blip r:embed="rId2">
+          <a:blip r:embed="rId3">
             <a:extLst>
               <a:ext uri="{28A0092B-C50C-407E-A947-70E740481C1C}">
                 <a14:useLocalDpi xmlns:a14="http://schemas.microsoft.com/office/drawing/2010/main" val="0"/>
@@ -26485,7 +28435,7 @@
           <p:nvPr/>
         </p:nvPicPr>
         <p:blipFill>
-          <a:blip r:embed="rId3">
+          <a:blip r:embed="rId4">
             <a:extLst>
               <a:ext uri="{28A0092B-C50C-407E-A947-70E740481C1C}">
                 <a14:useLocalDpi xmlns:a14="http://schemas.microsoft.com/office/drawing/2010/main" val="0"/>
@@ -28397,7 +30347,11 @@
             </a:pPr>
             <a:r>
               <a:rPr lang="en-US" dirty="0"/>
-              <a:t>Long short term memory neural network</a:t>
+              <a:t>Long short term memory neural network </a:t>
+            </a:r>
+            <a:r>
+              <a:rPr lang="en-US" b="1" dirty="0"/>
+              <a:t>(LSTM)</a:t>
             </a:r>
           </a:p>
           <a:p>

--- a/DengAI.pptx
+++ b/DengAI.pptx
@@ -5,10 +5,10 @@
     <p:sldMasterId id="2147483648" r:id="rId1"/>
   </p:sldMasterIdLst>
   <p:notesMasterIdLst>
-    <p:notesMasterId r:id="rId24"/>
+    <p:notesMasterId r:id="rId25"/>
   </p:notesMasterIdLst>
   <p:handoutMasterIdLst>
-    <p:handoutMasterId r:id="rId25"/>
+    <p:handoutMasterId r:id="rId26"/>
   </p:handoutMasterIdLst>
   <p:sldIdLst>
     <p:sldId id="257" r:id="rId2"/>
@@ -20,19 +20,20 @@
     <p:sldId id="274" r:id="rId8"/>
     <p:sldId id="275" r:id="rId9"/>
     <p:sldId id="277" r:id="rId10"/>
-    <p:sldId id="264" r:id="rId11"/>
-    <p:sldId id="265" r:id="rId12"/>
-    <p:sldId id="266" r:id="rId13"/>
-    <p:sldId id="267" r:id="rId14"/>
-    <p:sldId id="278" r:id="rId15"/>
-    <p:sldId id="268" r:id="rId16"/>
-    <p:sldId id="269" r:id="rId17"/>
-    <p:sldId id="270" r:id="rId18"/>
-    <p:sldId id="276" r:id="rId19"/>
-    <p:sldId id="263" r:id="rId20"/>
-    <p:sldId id="271" r:id="rId21"/>
-    <p:sldId id="272" r:id="rId22"/>
-    <p:sldId id="273" r:id="rId23"/>
+    <p:sldId id="279" r:id="rId11"/>
+    <p:sldId id="264" r:id="rId12"/>
+    <p:sldId id="265" r:id="rId13"/>
+    <p:sldId id="266" r:id="rId14"/>
+    <p:sldId id="267" r:id="rId15"/>
+    <p:sldId id="278" r:id="rId16"/>
+    <p:sldId id="268" r:id="rId17"/>
+    <p:sldId id="269" r:id="rId18"/>
+    <p:sldId id="270" r:id="rId19"/>
+    <p:sldId id="276" r:id="rId20"/>
+    <p:sldId id="263" r:id="rId21"/>
+    <p:sldId id="271" r:id="rId22"/>
+    <p:sldId id="272" r:id="rId23"/>
+    <p:sldId id="273" r:id="rId24"/>
   </p:sldIdLst>
   <p:sldSz cx="12192000" cy="6858000"/>
   <p:notesSz cx="6858000" cy="9144000"/>
@@ -2701,7 +2702,7 @@
           <a:p>
             <a:fld id="{334ABD86-957F-40B1-87EE-A6C3B2CAB03E}" type="datetimeFigureOut">
               <a:rPr lang="en-US" smtClean="0"/>
-              <a:t>4/9/2019</a:t>
+              <a:t>4/11/2019</a:t>
             </a:fld>
             <a:endParaRPr lang="en-US"/>
           </a:p>
@@ -2878,7 +2879,7 @@
           <a:p>
             <a:fld id="{053F9076-56CE-4656-BEB1-49012D9996C0}" type="datetimeFigureOut">
               <a:rPr lang="en-US" smtClean="0"/>
-              <a:t>4/9/2019</a:t>
+              <a:t>4/11/2019</a:t>
             </a:fld>
             <a:endParaRPr lang="en-US"/>
           </a:p>
@@ -3276,10 +3277,7 @@
           <a:bodyPr/>
           <a:lstStyle/>
           <a:p>
-            <a:r>
-              <a:rPr lang="en-US" dirty="0"/>
-              <a:t>Consider flashing the whole chart first</a:t>
-            </a:r>
+            <a:endParaRPr lang="en-US" dirty="0"/>
           </a:p>
         </p:txBody>
       </p:sp>
@@ -3300,7 +3298,7 @@
           <a:p>
             <a:fld id="{A1DD606A-F46B-421B-8C76-016A1005836C}" type="slidenum">
               <a:rPr lang="en-US" smtClean="0"/>
-              <a:t>10</a:t>
+              <a:t>5</a:t>
             </a:fld>
             <a:endParaRPr lang="en-US"/>
           </a:p>
@@ -3309,7 +3307,7 @@
     </p:spTree>
     <p:extLst>
       <p:ext uri="{BB962C8B-B14F-4D97-AF65-F5344CB8AC3E}">
-        <p14:creationId xmlns:p14="http://schemas.microsoft.com/office/powerpoint/2010/main" val="3423313963"/>
+        <p14:creationId xmlns:p14="http://schemas.microsoft.com/office/powerpoint/2010/main" val="395415945"/>
       </p:ext>
     </p:extLst>
   </p:cSld>
@@ -3320,93 +3318,6 @@
 </file>
 
 <file path=ppt/notesSlides/notesSlide3.xml><?xml version="1.0" encoding="utf-8"?>
-<p:notes xmlns:a="http://schemas.openxmlformats.org/drawingml/2006/main" xmlns:r="http://schemas.openxmlformats.org/officeDocument/2006/relationships" xmlns:p="http://schemas.openxmlformats.org/presentationml/2006/main">
-  <p:cSld>
-    <p:spTree>
-      <p:nvGrpSpPr>
-        <p:cNvPr id="1" name=""/>
-        <p:cNvGrpSpPr/>
-        <p:nvPr/>
-      </p:nvGrpSpPr>
-      <p:grpSpPr>
-        <a:xfrm>
-          <a:off x="0" y="0"/>
-          <a:ext cx="0" cy="0"/>
-          <a:chOff x="0" y="0"/>
-          <a:chExt cx="0" cy="0"/>
-        </a:xfrm>
-      </p:grpSpPr>
-      <p:sp>
-        <p:nvSpPr>
-          <p:cNvPr id="2" name="Slide Image Placeholder 1"/>
-          <p:cNvSpPr>
-            <a:spLocks noGrp="1" noRot="1" noChangeAspect="1"/>
-          </p:cNvSpPr>
-          <p:nvPr>
-            <p:ph type="sldImg"/>
-          </p:nvPr>
-        </p:nvSpPr>
-        <p:spPr/>
-      </p:sp>
-      <p:sp>
-        <p:nvSpPr>
-          <p:cNvPr id="3" name="Notes Placeholder 2"/>
-          <p:cNvSpPr>
-            <a:spLocks noGrp="1"/>
-          </p:cNvSpPr>
-          <p:nvPr>
-            <p:ph type="body" idx="1"/>
-          </p:nvPr>
-        </p:nvSpPr>
-        <p:spPr/>
-        <p:txBody>
-          <a:bodyPr/>
-          <a:lstStyle/>
-          <a:p>
-            <a:r>
-              <a:rPr lang="en-US" dirty="0"/>
-              <a:t>Add score</a:t>
-            </a:r>
-          </a:p>
-        </p:txBody>
-      </p:sp>
-      <p:sp>
-        <p:nvSpPr>
-          <p:cNvPr id="4" name="Slide Number Placeholder 3"/>
-          <p:cNvSpPr>
-            <a:spLocks noGrp="1"/>
-          </p:cNvSpPr>
-          <p:nvPr>
-            <p:ph type="sldNum" sz="quarter" idx="5"/>
-          </p:nvPr>
-        </p:nvSpPr>
-        <p:spPr/>
-        <p:txBody>
-          <a:bodyPr/>
-          <a:lstStyle/>
-          <a:p>
-            <a:fld id="{A1DD606A-F46B-421B-8C76-016A1005836C}" type="slidenum">
-              <a:rPr lang="en-US" smtClean="0"/>
-              <a:t>16</a:t>
-            </a:fld>
-            <a:endParaRPr lang="en-US"/>
-          </a:p>
-        </p:txBody>
-      </p:sp>
-    </p:spTree>
-    <p:extLst>
-      <p:ext uri="{BB962C8B-B14F-4D97-AF65-F5344CB8AC3E}">
-        <p14:creationId xmlns:p14="http://schemas.microsoft.com/office/powerpoint/2010/main" val="2487942149"/>
-      </p:ext>
-    </p:extLst>
-  </p:cSld>
-  <p:clrMapOvr>
-    <a:masterClrMapping/>
-  </p:clrMapOvr>
-</p:notes>
-</file>
-
-<file path=ppt/notesSlides/notesSlide4.xml><?xml version="1.0" encoding="utf-8"?>
 <p:notes xmlns:a="http://schemas.openxmlformats.org/drawingml/2006/main" xmlns:r="http://schemas.openxmlformats.org/officeDocument/2006/relationships" xmlns:p="http://schemas.openxmlformats.org/presentationml/2006/main">
   <p:cSld>
     <p:spTree>
@@ -3471,7 +3382,346 @@
           <a:p>
             <a:fld id="{A1DD606A-F46B-421B-8C76-016A1005836C}" type="slidenum">
               <a:rPr lang="en-US" smtClean="0"/>
-              <a:t>21</a:t>
+              <a:t>10</a:t>
+            </a:fld>
+            <a:endParaRPr lang="en-US"/>
+          </a:p>
+        </p:txBody>
+      </p:sp>
+    </p:spTree>
+    <p:extLst>
+      <p:ext uri="{BB962C8B-B14F-4D97-AF65-F5344CB8AC3E}">
+        <p14:creationId xmlns:p14="http://schemas.microsoft.com/office/powerpoint/2010/main" val="1149902051"/>
+      </p:ext>
+    </p:extLst>
+  </p:cSld>
+  <p:clrMapOvr>
+    <a:masterClrMapping/>
+  </p:clrMapOvr>
+</p:notes>
+</file>
+
+<file path=ppt/notesSlides/notesSlide4.xml><?xml version="1.0" encoding="utf-8"?>
+<p:notes xmlns:a="http://schemas.openxmlformats.org/drawingml/2006/main" xmlns:r="http://schemas.openxmlformats.org/officeDocument/2006/relationships" xmlns:p="http://schemas.openxmlformats.org/presentationml/2006/main">
+  <p:cSld>
+    <p:spTree>
+      <p:nvGrpSpPr>
+        <p:cNvPr id="1" name=""/>
+        <p:cNvGrpSpPr/>
+        <p:nvPr/>
+      </p:nvGrpSpPr>
+      <p:grpSpPr>
+        <a:xfrm>
+          <a:off x="0" y="0"/>
+          <a:ext cx="0" cy="0"/>
+          <a:chOff x="0" y="0"/>
+          <a:chExt cx="0" cy="0"/>
+        </a:xfrm>
+      </p:grpSpPr>
+      <p:sp>
+        <p:nvSpPr>
+          <p:cNvPr id="2" name="Slide Image Placeholder 1"/>
+          <p:cNvSpPr>
+            <a:spLocks noGrp="1" noRot="1" noChangeAspect="1"/>
+          </p:cNvSpPr>
+          <p:nvPr>
+            <p:ph type="sldImg"/>
+          </p:nvPr>
+        </p:nvSpPr>
+        <p:spPr/>
+      </p:sp>
+      <p:sp>
+        <p:nvSpPr>
+          <p:cNvPr id="3" name="Notes Placeholder 2"/>
+          <p:cNvSpPr>
+            <a:spLocks noGrp="1"/>
+          </p:cNvSpPr>
+          <p:nvPr>
+            <p:ph type="body" idx="1"/>
+          </p:nvPr>
+        </p:nvSpPr>
+        <p:spPr/>
+        <p:txBody>
+          <a:bodyPr/>
+          <a:lstStyle/>
+          <a:p>
+            <a:r>
+              <a:rPr lang="en-US" dirty="0"/>
+              <a:t>Consider flashing the whole chart first</a:t>
+            </a:r>
+          </a:p>
+        </p:txBody>
+      </p:sp>
+      <p:sp>
+        <p:nvSpPr>
+          <p:cNvPr id="4" name="Slide Number Placeholder 3"/>
+          <p:cNvSpPr>
+            <a:spLocks noGrp="1"/>
+          </p:cNvSpPr>
+          <p:nvPr>
+            <p:ph type="sldNum" sz="quarter" idx="5"/>
+          </p:nvPr>
+        </p:nvSpPr>
+        <p:spPr/>
+        <p:txBody>
+          <a:bodyPr/>
+          <a:lstStyle/>
+          <a:p>
+            <a:fld id="{A1DD606A-F46B-421B-8C76-016A1005836C}" type="slidenum">
+              <a:rPr lang="en-US" smtClean="0"/>
+              <a:t>11</a:t>
+            </a:fld>
+            <a:endParaRPr lang="en-US"/>
+          </a:p>
+        </p:txBody>
+      </p:sp>
+    </p:spTree>
+    <p:extLst>
+      <p:ext uri="{BB962C8B-B14F-4D97-AF65-F5344CB8AC3E}">
+        <p14:creationId xmlns:p14="http://schemas.microsoft.com/office/powerpoint/2010/main" val="3423313963"/>
+      </p:ext>
+    </p:extLst>
+  </p:cSld>
+  <p:clrMapOvr>
+    <a:masterClrMapping/>
+  </p:clrMapOvr>
+</p:notes>
+</file>
+
+<file path=ppt/notesSlides/notesSlide5.xml><?xml version="1.0" encoding="utf-8"?>
+<p:notes xmlns:a="http://schemas.openxmlformats.org/drawingml/2006/main" xmlns:r="http://schemas.openxmlformats.org/officeDocument/2006/relationships" xmlns:p="http://schemas.openxmlformats.org/presentationml/2006/main">
+  <p:cSld>
+    <p:spTree>
+      <p:nvGrpSpPr>
+        <p:cNvPr id="1" name=""/>
+        <p:cNvGrpSpPr/>
+        <p:nvPr/>
+      </p:nvGrpSpPr>
+      <p:grpSpPr>
+        <a:xfrm>
+          <a:off x="0" y="0"/>
+          <a:ext cx="0" cy="0"/>
+          <a:chOff x="0" y="0"/>
+          <a:chExt cx="0" cy="0"/>
+        </a:xfrm>
+      </p:grpSpPr>
+      <p:sp>
+        <p:nvSpPr>
+          <p:cNvPr id="2" name="Slide Image Placeholder 1"/>
+          <p:cNvSpPr>
+            <a:spLocks noGrp="1" noRot="1" noChangeAspect="1"/>
+          </p:cNvSpPr>
+          <p:nvPr>
+            <p:ph type="sldImg"/>
+          </p:nvPr>
+        </p:nvSpPr>
+        <p:spPr/>
+      </p:sp>
+      <p:sp>
+        <p:nvSpPr>
+          <p:cNvPr id="3" name="Notes Placeholder 2"/>
+          <p:cNvSpPr>
+            <a:spLocks noGrp="1"/>
+          </p:cNvSpPr>
+          <p:nvPr>
+            <p:ph type="body" idx="1"/>
+          </p:nvPr>
+        </p:nvSpPr>
+        <p:spPr/>
+        <p:txBody>
+          <a:bodyPr/>
+          <a:lstStyle/>
+          <a:p>
+            <a:endParaRPr lang="en-US" dirty="0"/>
+          </a:p>
+        </p:txBody>
+      </p:sp>
+      <p:sp>
+        <p:nvSpPr>
+          <p:cNvPr id="4" name="Slide Number Placeholder 3"/>
+          <p:cNvSpPr>
+            <a:spLocks noGrp="1"/>
+          </p:cNvSpPr>
+          <p:nvPr>
+            <p:ph type="sldNum" sz="quarter" idx="5"/>
+          </p:nvPr>
+        </p:nvSpPr>
+        <p:spPr/>
+        <p:txBody>
+          <a:bodyPr/>
+          <a:lstStyle/>
+          <a:p>
+            <a:fld id="{A1DD606A-F46B-421B-8C76-016A1005836C}" type="slidenum">
+              <a:rPr lang="en-US" smtClean="0"/>
+              <a:t>15</a:t>
+            </a:fld>
+            <a:endParaRPr lang="en-US"/>
+          </a:p>
+        </p:txBody>
+      </p:sp>
+    </p:spTree>
+    <p:extLst>
+      <p:ext uri="{BB962C8B-B14F-4D97-AF65-F5344CB8AC3E}">
+        <p14:creationId xmlns:p14="http://schemas.microsoft.com/office/powerpoint/2010/main" val="4014067910"/>
+      </p:ext>
+    </p:extLst>
+  </p:cSld>
+  <p:clrMapOvr>
+    <a:masterClrMapping/>
+  </p:clrMapOvr>
+</p:notes>
+</file>
+
+<file path=ppt/notesSlides/notesSlide6.xml><?xml version="1.0" encoding="utf-8"?>
+<p:notes xmlns:a="http://schemas.openxmlformats.org/drawingml/2006/main" xmlns:r="http://schemas.openxmlformats.org/officeDocument/2006/relationships" xmlns:p="http://schemas.openxmlformats.org/presentationml/2006/main">
+  <p:cSld>
+    <p:spTree>
+      <p:nvGrpSpPr>
+        <p:cNvPr id="1" name=""/>
+        <p:cNvGrpSpPr/>
+        <p:nvPr/>
+      </p:nvGrpSpPr>
+      <p:grpSpPr>
+        <a:xfrm>
+          <a:off x="0" y="0"/>
+          <a:ext cx="0" cy="0"/>
+          <a:chOff x="0" y="0"/>
+          <a:chExt cx="0" cy="0"/>
+        </a:xfrm>
+      </p:grpSpPr>
+      <p:sp>
+        <p:nvSpPr>
+          <p:cNvPr id="2" name="Slide Image Placeholder 1"/>
+          <p:cNvSpPr>
+            <a:spLocks noGrp="1" noRot="1" noChangeAspect="1"/>
+          </p:cNvSpPr>
+          <p:nvPr>
+            <p:ph type="sldImg"/>
+          </p:nvPr>
+        </p:nvSpPr>
+        <p:spPr/>
+      </p:sp>
+      <p:sp>
+        <p:nvSpPr>
+          <p:cNvPr id="3" name="Notes Placeholder 2"/>
+          <p:cNvSpPr>
+            <a:spLocks noGrp="1"/>
+          </p:cNvSpPr>
+          <p:nvPr>
+            <p:ph type="body" idx="1"/>
+          </p:nvPr>
+        </p:nvSpPr>
+        <p:spPr/>
+        <p:txBody>
+          <a:bodyPr/>
+          <a:lstStyle/>
+          <a:p>
+            <a:endParaRPr lang="en-US" dirty="0"/>
+          </a:p>
+        </p:txBody>
+      </p:sp>
+      <p:sp>
+        <p:nvSpPr>
+          <p:cNvPr id="4" name="Slide Number Placeholder 3"/>
+          <p:cNvSpPr>
+            <a:spLocks noGrp="1"/>
+          </p:cNvSpPr>
+          <p:nvPr>
+            <p:ph type="sldNum" sz="quarter" idx="5"/>
+          </p:nvPr>
+        </p:nvSpPr>
+        <p:spPr/>
+        <p:txBody>
+          <a:bodyPr/>
+          <a:lstStyle/>
+          <a:p>
+            <a:fld id="{A1DD606A-F46B-421B-8C76-016A1005836C}" type="slidenum">
+              <a:rPr lang="en-US" smtClean="0"/>
+              <a:t>17</a:t>
+            </a:fld>
+            <a:endParaRPr lang="en-US"/>
+          </a:p>
+        </p:txBody>
+      </p:sp>
+    </p:spTree>
+    <p:extLst>
+      <p:ext uri="{BB962C8B-B14F-4D97-AF65-F5344CB8AC3E}">
+        <p14:creationId xmlns:p14="http://schemas.microsoft.com/office/powerpoint/2010/main" val="2487942149"/>
+      </p:ext>
+    </p:extLst>
+  </p:cSld>
+  <p:clrMapOvr>
+    <a:masterClrMapping/>
+  </p:clrMapOvr>
+</p:notes>
+</file>
+
+<file path=ppt/notesSlides/notesSlide7.xml><?xml version="1.0" encoding="utf-8"?>
+<p:notes xmlns:a="http://schemas.openxmlformats.org/drawingml/2006/main" xmlns:r="http://schemas.openxmlformats.org/officeDocument/2006/relationships" xmlns:p="http://schemas.openxmlformats.org/presentationml/2006/main">
+  <p:cSld>
+    <p:spTree>
+      <p:nvGrpSpPr>
+        <p:cNvPr id="1" name=""/>
+        <p:cNvGrpSpPr/>
+        <p:nvPr/>
+      </p:nvGrpSpPr>
+      <p:grpSpPr>
+        <a:xfrm>
+          <a:off x="0" y="0"/>
+          <a:ext cx="0" cy="0"/>
+          <a:chOff x="0" y="0"/>
+          <a:chExt cx="0" cy="0"/>
+        </a:xfrm>
+      </p:grpSpPr>
+      <p:sp>
+        <p:nvSpPr>
+          <p:cNvPr id="2" name="Slide Image Placeholder 1"/>
+          <p:cNvSpPr>
+            <a:spLocks noGrp="1" noRot="1" noChangeAspect="1"/>
+          </p:cNvSpPr>
+          <p:nvPr>
+            <p:ph type="sldImg"/>
+          </p:nvPr>
+        </p:nvSpPr>
+        <p:spPr/>
+      </p:sp>
+      <p:sp>
+        <p:nvSpPr>
+          <p:cNvPr id="3" name="Notes Placeholder 2"/>
+          <p:cNvSpPr>
+            <a:spLocks noGrp="1"/>
+          </p:cNvSpPr>
+          <p:nvPr>
+            <p:ph type="body" idx="1"/>
+          </p:nvPr>
+        </p:nvSpPr>
+        <p:spPr/>
+        <p:txBody>
+          <a:bodyPr/>
+          <a:lstStyle/>
+          <a:p>
+            <a:endParaRPr lang="en-US" dirty="0"/>
+          </a:p>
+        </p:txBody>
+      </p:sp>
+      <p:sp>
+        <p:nvSpPr>
+          <p:cNvPr id="4" name="Slide Number Placeholder 3"/>
+          <p:cNvSpPr>
+            <a:spLocks noGrp="1"/>
+          </p:cNvSpPr>
+          <p:nvPr>
+            <p:ph type="sldNum" sz="quarter" idx="5"/>
+          </p:nvPr>
+        </p:nvSpPr>
+        <p:spPr/>
+        <p:txBody>
+          <a:bodyPr/>
+          <a:lstStyle/>
+          <a:p>
+            <a:fld id="{A1DD606A-F46B-421B-8C76-016A1005836C}" type="slidenum">
+              <a:rPr lang="en-US" smtClean="0"/>
+              <a:t>22</a:t>
             </a:fld>
             <a:endParaRPr lang="en-US"/>
           </a:p>
@@ -3637,7 +3887,7 @@
           <a:p>
             <a:fld id="{439CE6F7-9533-4255-A38D-1E6294581F5A}" type="datetimeFigureOut">
               <a:rPr lang="en-US" smtClean="0"/>
-              <a:t>4/9/2019</a:t>
+              <a:t>4/11/2019</a:t>
             </a:fld>
             <a:endParaRPr lang="en-US"/>
           </a:p>
@@ -3835,7 +4085,7 @@
           <a:p>
             <a:fld id="{439CE6F7-9533-4255-A38D-1E6294581F5A}" type="datetimeFigureOut">
               <a:rPr lang="en-US" smtClean="0"/>
-              <a:t>4/9/2019</a:t>
+              <a:t>4/11/2019</a:t>
             </a:fld>
             <a:endParaRPr lang="en-US"/>
           </a:p>
@@ -4043,7 +4293,7 @@
           <a:p>
             <a:fld id="{439CE6F7-9533-4255-A38D-1E6294581F5A}" type="datetimeFigureOut">
               <a:rPr lang="en-US" smtClean="0"/>
-              <a:t>4/9/2019</a:t>
+              <a:t>4/11/2019</a:t>
             </a:fld>
             <a:endParaRPr lang="en-US"/>
           </a:p>
@@ -4443,7 +4693,7 @@
           <a:p>
             <a:fld id="{439CE6F7-9533-4255-A38D-1E6294581F5A}" type="datetimeFigureOut">
               <a:rPr lang="en-US" smtClean="0"/>
-              <a:t>4/9/2019</a:t>
+              <a:t>4/11/2019</a:t>
             </a:fld>
             <a:endParaRPr lang="en-US"/>
           </a:p>
@@ -4708,7 +4958,7 @@
           <a:p>
             <a:fld id="{439CE6F7-9533-4255-A38D-1E6294581F5A}" type="datetimeFigureOut">
               <a:rPr lang="en-US" smtClean="0"/>
-              <a:t>4/9/2019</a:t>
+              <a:t>4/11/2019</a:t>
             </a:fld>
             <a:endParaRPr lang="en-US"/>
           </a:p>
@@ -5120,7 +5370,7 @@
           <a:p>
             <a:fld id="{439CE6F7-9533-4255-A38D-1E6294581F5A}" type="datetimeFigureOut">
               <a:rPr lang="en-US" smtClean="0"/>
-              <a:t>4/9/2019</a:t>
+              <a:t>4/11/2019</a:t>
             </a:fld>
             <a:endParaRPr lang="en-US"/>
           </a:p>
@@ -5261,7 +5511,7 @@
           <a:p>
             <a:fld id="{439CE6F7-9533-4255-A38D-1E6294581F5A}" type="datetimeFigureOut">
               <a:rPr lang="en-US" smtClean="0"/>
-              <a:t>4/9/2019</a:t>
+              <a:t>4/11/2019</a:t>
             </a:fld>
             <a:endParaRPr lang="en-US"/>
           </a:p>
@@ -5374,7 +5624,7 @@
           <a:p>
             <a:fld id="{439CE6F7-9533-4255-A38D-1E6294581F5A}" type="datetimeFigureOut">
               <a:rPr lang="en-US" smtClean="0"/>
-              <a:t>4/9/2019</a:t>
+              <a:t>4/11/2019</a:t>
             </a:fld>
             <a:endParaRPr lang="en-US"/>
           </a:p>
@@ -5685,7 +5935,7 @@
           <a:p>
             <a:fld id="{439CE6F7-9533-4255-A38D-1E6294581F5A}" type="datetimeFigureOut">
               <a:rPr lang="en-US" smtClean="0"/>
-              <a:t>4/9/2019</a:t>
+              <a:t>4/11/2019</a:t>
             </a:fld>
             <a:endParaRPr lang="en-US"/>
           </a:p>
@@ -5973,7 +6223,7 @@
           <a:p>
             <a:fld id="{439CE6F7-9533-4255-A38D-1E6294581F5A}" type="datetimeFigureOut">
               <a:rPr lang="en-US" smtClean="0"/>
-              <a:t>4/9/2019</a:t>
+              <a:t>4/11/2019</a:t>
             </a:fld>
             <a:endParaRPr lang="en-US"/>
           </a:p>
@@ -6214,7 +6464,7 @@
           <a:p>
             <a:fld id="{439CE6F7-9533-4255-A38D-1E6294581F5A}" type="datetimeFigureOut">
               <a:rPr lang="en-US" smtClean="0"/>
-              <a:t>4/9/2019</a:t>
+              <a:t>4/11/2019</a:t>
             </a:fld>
             <a:endParaRPr lang="en-US"/>
           </a:p>
@@ -6326,6 +6576,13 @@
         </p:nvPicPr>
         <p:blipFill>
           <a:blip r:embed="rId13">
+            <a:duotone>
+              <a:schemeClr val="bg2">
+                <a:shade val="45000"/>
+                <a:satMod val="135000"/>
+              </a:schemeClr>
+              <a:prstClr val="white"/>
+            </a:duotone>
             <a:extLst>
               <a:ext uri="{28A0092B-C50C-407E-A947-70E740481C1C}">
                 <a14:useLocalDpi xmlns:a14="http://schemas.microsoft.com/office/drawing/2010/main" val="0"/>
@@ -6362,6 +6619,13 @@
         </p:nvPicPr>
         <p:blipFill>
           <a:blip r:embed="rId13">
+            <a:duotone>
+              <a:schemeClr val="bg2">
+                <a:shade val="45000"/>
+                <a:satMod val="135000"/>
+              </a:schemeClr>
+              <a:prstClr val="white"/>
+            </a:duotone>
             <a:extLst>
               <a:ext uri="{28A0092B-C50C-407E-A947-70E740481C1C}">
                 <a14:useLocalDpi xmlns:a14="http://schemas.microsoft.com/office/drawing/2010/main" val="0"/>
@@ -6870,6 +7134,108 @@
 </file>
 
 <file path=ppt/slides/slide10.xml><?xml version="1.0" encoding="utf-8"?>
+<p:sld xmlns:a="http://schemas.openxmlformats.org/drawingml/2006/main" xmlns:r="http://schemas.openxmlformats.org/officeDocument/2006/relationships" xmlns:p="http://schemas.openxmlformats.org/presentationml/2006/main">
+  <p:cSld>
+    <p:bg>
+      <p:bgPr>
+        <a:solidFill>
+          <a:srgbClr val="565656"/>
+        </a:solidFill>
+        <a:effectLst/>
+      </p:bgPr>
+    </p:bg>
+    <p:spTree>
+      <p:nvGrpSpPr>
+        <p:cNvPr id="1" name=""/>
+        <p:cNvGrpSpPr/>
+        <p:nvPr/>
+      </p:nvGrpSpPr>
+      <p:grpSpPr>
+        <a:xfrm>
+          <a:off x="0" y="0"/>
+          <a:ext cx="0" cy="0"/>
+          <a:chOff x="0" y="0"/>
+          <a:chExt cx="0" cy="0"/>
+        </a:xfrm>
+      </p:grpSpPr>
+      <p:sp>
+        <p:nvSpPr>
+          <p:cNvPr id="7" name="Title 6">
+            <a:extLst>
+              <a:ext uri="{FF2B5EF4-FFF2-40B4-BE49-F238E27FC236}">
+                <a16:creationId xmlns:a16="http://schemas.microsoft.com/office/drawing/2014/main" id="{A986FCC8-ADDC-40AB-BC1B-B23D06D7B6E9}"/>
+              </a:ext>
+            </a:extLst>
+          </p:cNvPr>
+          <p:cNvSpPr>
+            <a:spLocks noGrp="1"/>
+          </p:cNvSpPr>
+          <p:nvPr>
+            <p:ph type="title"/>
+          </p:nvPr>
+        </p:nvSpPr>
+        <p:spPr/>
+        <p:txBody>
+          <a:bodyPr>
+            <a:normAutofit fontScale="90000"/>
+          </a:bodyPr>
+          <a:lstStyle/>
+          <a:p>
+            <a:r>
+              <a:rPr lang="en-US" dirty="0">
+                <a:solidFill>
+                  <a:schemeClr val="bg1"/>
+                </a:solidFill>
+              </a:rPr>
+              <a:t>LSTM Architecture</a:t>
+            </a:r>
+          </a:p>
+        </p:txBody>
+      </p:sp>
+      <p:pic>
+        <p:nvPicPr>
+          <p:cNvPr id="9" name="Picture 8">
+            <a:extLst>
+              <a:ext uri="{FF2B5EF4-FFF2-40B4-BE49-F238E27FC236}">
+                <a16:creationId xmlns:a16="http://schemas.microsoft.com/office/drawing/2014/main" id="{8454D42F-2688-4811-82C8-4FE21DFF3549}"/>
+              </a:ext>
+            </a:extLst>
+          </p:cNvPr>
+          <p:cNvPicPr>
+            <a:picLocks noChangeAspect="1"/>
+          </p:cNvPicPr>
+          <p:nvPr/>
+        </p:nvPicPr>
+        <p:blipFill>
+          <a:blip r:embed="rId3"/>
+          <a:stretch>
+            <a:fillRect/>
+          </a:stretch>
+        </p:blipFill>
+        <p:spPr>
+          <a:xfrm>
+            <a:off x="704907" y="1384926"/>
+            <a:ext cx="10782187" cy="4088147"/>
+          </a:xfrm>
+          <a:prstGeom prst="rect">
+            <a:avLst/>
+          </a:prstGeom>
+        </p:spPr>
+      </p:pic>
+    </p:spTree>
+    <p:extLst>
+      <p:ext uri="{BB962C8B-B14F-4D97-AF65-F5344CB8AC3E}">
+        <p14:creationId xmlns:p14="http://schemas.microsoft.com/office/powerpoint/2010/main" val="3605001661"/>
+      </p:ext>
+    </p:extLst>
+  </p:cSld>
+  <p:clrMapOvr>
+    <a:masterClrMapping/>
+  </p:clrMapOvr>
+</p:sld>
+</file>
+
+<file path=ppt/slides/slide11.xml><?xml version="1.0" encoding="utf-8"?>
 <p:sld xmlns:a="http://schemas.openxmlformats.org/drawingml/2006/main" xmlns:r="http://schemas.openxmlformats.org/officeDocument/2006/relationships" xmlns:p="http://schemas.openxmlformats.org/presentationml/2006/main">
   <p:cSld>
     <p:bg>
@@ -7551,7 +7917,7 @@
           </a:xfrm>
           <a:prstGeom prst="bentConnector3">
             <a:avLst>
-              <a:gd name="adj1" fmla="val 50000"/>
+              <a:gd name="adj1" fmla="val 54078"/>
             </a:avLst>
           </a:prstGeom>
           <a:ln w="6350">
@@ -16263,6 +16629,370 @@
           </a:fontRef>
         </p:style>
       </p:cxnSp>
+      <p:sp>
+        <p:nvSpPr>
+          <p:cNvPr id="6" name="Oval 5">
+            <a:extLst>
+              <a:ext uri="{FF2B5EF4-FFF2-40B4-BE49-F238E27FC236}">
+                <a16:creationId xmlns:a16="http://schemas.microsoft.com/office/drawing/2014/main" id="{0EFEAF6D-B4E1-4ECD-B3BB-A838B9703B98}"/>
+              </a:ext>
+            </a:extLst>
+          </p:cNvPr>
+          <p:cNvSpPr/>
+          <p:nvPr/>
+        </p:nvSpPr>
+        <p:spPr>
+          <a:xfrm>
+            <a:off x="986507" y="2435852"/>
+            <a:ext cx="829394" cy="1647159"/>
+          </a:xfrm>
+          <a:prstGeom prst="ellipse">
+            <a:avLst/>
+          </a:prstGeom>
+          <a:noFill/>
+          <a:ln>
+            <a:solidFill>
+              <a:srgbClr val="FF33CC"/>
+            </a:solidFill>
+          </a:ln>
+        </p:spPr>
+        <p:style>
+          <a:lnRef idx="2">
+            <a:schemeClr val="accent1">
+              <a:shade val="50000"/>
+            </a:schemeClr>
+          </a:lnRef>
+          <a:fillRef idx="1">
+            <a:schemeClr val="accent1"/>
+          </a:fillRef>
+          <a:effectRef idx="0">
+            <a:schemeClr val="accent1"/>
+          </a:effectRef>
+          <a:fontRef idx="minor">
+            <a:schemeClr val="lt1"/>
+          </a:fontRef>
+        </p:style>
+        <p:txBody>
+          <a:bodyPr rtlCol="0" anchor="ctr"/>
+          <a:lstStyle/>
+          <a:p>
+            <a:pPr algn="ctr"/>
+            <a:endParaRPr lang="en-US"/>
+          </a:p>
+        </p:txBody>
+      </p:sp>
+      <p:sp>
+        <p:nvSpPr>
+          <p:cNvPr id="16" name="TextBox 15">
+            <a:extLst>
+              <a:ext uri="{FF2B5EF4-FFF2-40B4-BE49-F238E27FC236}">
+                <a16:creationId xmlns:a16="http://schemas.microsoft.com/office/drawing/2014/main" id="{C1A04F0A-9ABF-4AB7-8097-021D0C33C709}"/>
+              </a:ext>
+            </a:extLst>
+          </p:cNvPr>
+          <p:cNvSpPr txBox="1"/>
+          <p:nvPr/>
+        </p:nvSpPr>
+        <p:spPr>
+          <a:xfrm>
+            <a:off x="1358445" y="4012149"/>
+            <a:ext cx="1866088" cy="369332"/>
+          </a:xfrm>
+          <a:prstGeom prst="rect">
+            <a:avLst/>
+          </a:prstGeom>
+          <a:noFill/>
+        </p:spPr>
+        <p:txBody>
+          <a:bodyPr wrap="none" rtlCol="0">
+            <a:spAutoFit/>
+          </a:bodyPr>
+          <a:lstStyle/>
+          <a:p>
+            <a:r>
+              <a:rPr lang="en-US" dirty="0">
+                <a:solidFill>
+                  <a:srgbClr val="FF33CC"/>
+                </a:solidFill>
+              </a:rPr>
+              <a:t>“learn” the data…</a:t>
+            </a:r>
+          </a:p>
+        </p:txBody>
+      </p:sp>
+      <p:sp>
+        <p:nvSpPr>
+          <p:cNvPr id="124" name="Oval 123">
+            <a:extLst>
+              <a:ext uri="{FF2B5EF4-FFF2-40B4-BE49-F238E27FC236}">
+                <a16:creationId xmlns:a16="http://schemas.microsoft.com/office/drawing/2014/main" id="{6AE0D177-DA13-4CF5-8FB8-58FCA9F4FCC5}"/>
+              </a:ext>
+            </a:extLst>
+          </p:cNvPr>
+          <p:cNvSpPr/>
+          <p:nvPr/>
+        </p:nvSpPr>
+        <p:spPr>
+          <a:xfrm>
+            <a:off x="223185" y="2378676"/>
+            <a:ext cx="829394" cy="1647159"/>
+          </a:xfrm>
+          <a:prstGeom prst="ellipse">
+            <a:avLst/>
+          </a:prstGeom>
+          <a:noFill/>
+          <a:ln>
+            <a:solidFill>
+              <a:srgbClr val="FF33CC"/>
+            </a:solidFill>
+          </a:ln>
+        </p:spPr>
+        <p:style>
+          <a:lnRef idx="2">
+            <a:schemeClr val="accent1">
+              <a:shade val="50000"/>
+            </a:schemeClr>
+          </a:lnRef>
+          <a:fillRef idx="1">
+            <a:schemeClr val="accent1"/>
+          </a:fillRef>
+          <a:effectRef idx="0">
+            <a:schemeClr val="accent1"/>
+          </a:effectRef>
+          <a:fontRef idx="minor">
+            <a:schemeClr val="lt1"/>
+          </a:fontRef>
+        </p:style>
+        <p:txBody>
+          <a:bodyPr rtlCol="0" anchor="ctr"/>
+          <a:lstStyle/>
+          <a:p>
+            <a:pPr algn="ctr"/>
+            <a:endParaRPr lang="en-US"/>
+          </a:p>
+        </p:txBody>
+      </p:sp>
+      <p:sp>
+        <p:nvSpPr>
+          <p:cNvPr id="125" name="TextBox 124">
+            <a:extLst>
+              <a:ext uri="{FF2B5EF4-FFF2-40B4-BE49-F238E27FC236}">
+                <a16:creationId xmlns:a16="http://schemas.microsoft.com/office/drawing/2014/main" id="{B8EF8781-566F-4F04-9BC9-0FA5C98D2946}"/>
+              </a:ext>
+            </a:extLst>
+          </p:cNvPr>
+          <p:cNvSpPr txBox="1"/>
+          <p:nvPr/>
+        </p:nvSpPr>
+        <p:spPr>
+          <a:xfrm>
+            <a:off x="1465611" y="4205811"/>
+            <a:ext cx="2530052" cy="369332"/>
+          </a:xfrm>
+          <a:prstGeom prst="rect">
+            <a:avLst/>
+          </a:prstGeom>
+          <a:noFill/>
+        </p:spPr>
+        <p:txBody>
+          <a:bodyPr wrap="none" rtlCol="0">
+            <a:spAutoFit/>
+          </a:bodyPr>
+          <a:lstStyle/>
+          <a:p>
+            <a:r>
+              <a:rPr lang="en-US" dirty="0">
+                <a:solidFill>
+                  <a:srgbClr val="FF33CC"/>
+                </a:solidFill>
+              </a:rPr>
+              <a:t>…and “ignore” some of it</a:t>
+            </a:r>
+          </a:p>
+        </p:txBody>
+      </p:sp>
+      <p:sp>
+        <p:nvSpPr>
+          <p:cNvPr id="131" name="Oval 130">
+            <a:extLst>
+              <a:ext uri="{FF2B5EF4-FFF2-40B4-BE49-F238E27FC236}">
+                <a16:creationId xmlns:a16="http://schemas.microsoft.com/office/drawing/2014/main" id="{D7CC835D-0D8A-451E-8C17-7D6F18C3BFA4}"/>
+              </a:ext>
+            </a:extLst>
+          </p:cNvPr>
+          <p:cNvSpPr/>
+          <p:nvPr/>
+        </p:nvSpPr>
+        <p:spPr>
+          <a:xfrm>
+            <a:off x="7507071" y="2244854"/>
+            <a:ext cx="1551083" cy="1925608"/>
+          </a:xfrm>
+          <a:prstGeom prst="ellipse">
+            <a:avLst/>
+          </a:prstGeom>
+          <a:noFill/>
+          <a:ln>
+            <a:solidFill>
+              <a:srgbClr val="FF33CC"/>
+            </a:solidFill>
+          </a:ln>
+        </p:spPr>
+        <p:style>
+          <a:lnRef idx="2">
+            <a:schemeClr val="accent1">
+              <a:shade val="50000"/>
+            </a:schemeClr>
+          </a:lnRef>
+          <a:fillRef idx="1">
+            <a:schemeClr val="accent1"/>
+          </a:fillRef>
+          <a:effectRef idx="0">
+            <a:schemeClr val="accent1"/>
+          </a:effectRef>
+          <a:fontRef idx="minor">
+            <a:schemeClr val="lt1"/>
+          </a:fontRef>
+        </p:style>
+        <p:txBody>
+          <a:bodyPr rtlCol="0" anchor="ctr"/>
+          <a:lstStyle/>
+          <a:p>
+            <a:pPr algn="ctr"/>
+            <a:endParaRPr lang="en-US"/>
+          </a:p>
+        </p:txBody>
+      </p:sp>
+      <p:sp>
+        <p:nvSpPr>
+          <p:cNvPr id="132" name="TextBox 131">
+            <a:extLst>
+              <a:ext uri="{FF2B5EF4-FFF2-40B4-BE49-F238E27FC236}">
+                <a16:creationId xmlns:a16="http://schemas.microsoft.com/office/drawing/2014/main" id="{4CFEEE97-EE61-4EC0-AE1E-55AD0DA3866B}"/>
+              </a:ext>
+            </a:extLst>
+          </p:cNvPr>
+          <p:cNvSpPr txBox="1"/>
+          <p:nvPr/>
+        </p:nvSpPr>
+        <p:spPr>
+          <a:xfrm>
+            <a:off x="8438733" y="4036419"/>
+            <a:ext cx="1866088" cy="369332"/>
+          </a:xfrm>
+          <a:prstGeom prst="rect">
+            <a:avLst/>
+          </a:prstGeom>
+          <a:noFill/>
+        </p:spPr>
+        <p:txBody>
+          <a:bodyPr wrap="none" rtlCol="0">
+            <a:spAutoFit/>
+          </a:bodyPr>
+          <a:lstStyle/>
+          <a:p>
+            <a:r>
+              <a:rPr lang="en-US" dirty="0">
+                <a:solidFill>
+                  <a:srgbClr val="FF33CC"/>
+                </a:solidFill>
+              </a:rPr>
+              <a:t>“learn” the data…</a:t>
+            </a:r>
+          </a:p>
+        </p:txBody>
+      </p:sp>
+      <p:sp>
+        <p:nvSpPr>
+          <p:cNvPr id="134" name="Oval 133">
+            <a:extLst>
+              <a:ext uri="{FF2B5EF4-FFF2-40B4-BE49-F238E27FC236}">
+                <a16:creationId xmlns:a16="http://schemas.microsoft.com/office/drawing/2014/main" id="{E3D80069-1354-49A0-803E-6D224BEABD96}"/>
+              </a:ext>
+            </a:extLst>
+          </p:cNvPr>
+          <p:cNvSpPr/>
+          <p:nvPr/>
+        </p:nvSpPr>
+        <p:spPr>
+          <a:xfrm>
+            <a:off x="6021972" y="2236281"/>
+            <a:ext cx="1528673" cy="1920051"/>
+          </a:xfrm>
+          <a:prstGeom prst="ellipse">
+            <a:avLst/>
+          </a:prstGeom>
+          <a:noFill/>
+          <a:ln>
+            <a:solidFill>
+              <a:srgbClr val="FF33CC"/>
+            </a:solidFill>
+          </a:ln>
+        </p:spPr>
+        <p:style>
+          <a:lnRef idx="2">
+            <a:schemeClr val="accent1">
+              <a:shade val="50000"/>
+            </a:schemeClr>
+          </a:lnRef>
+          <a:fillRef idx="1">
+            <a:schemeClr val="accent1"/>
+          </a:fillRef>
+          <a:effectRef idx="0">
+            <a:schemeClr val="accent1"/>
+          </a:effectRef>
+          <a:fontRef idx="minor">
+            <a:schemeClr val="lt1"/>
+          </a:fontRef>
+        </p:style>
+        <p:txBody>
+          <a:bodyPr rtlCol="0" anchor="ctr"/>
+          <a:lstStyle/>
+          <a:p>
+            <a:pPr algn="ctr"/>
+            <a:endParaRPr lang="en-US"/>
+          </a:p>
+        </p:txBody>
+      </p:sp>
+      <p:sp>
+        <p:nvSpPr>
+          <p:cNvPr id="135" name="TextBox 134">
+            <a:extLst>
+              <a:ext uri="{FF2B5EF4-FFF2-40B4-BE49-F238E27FC236}">
+                <a16:creationId xmlns:a16="http://schemas.microsoft.com/office/drawing/2014/main" id="{D24D38BB-B380-4EF9-92FE-D3C5BE3BFF77}"/>
+              </a:ext>
+            </a:extLst>
+          </p:cNvPr>
+          <p:cNvSpPr txBox="1"/>
+          <p:nvPr/>
+        </p:nvSpPr>
+        <p:spPr>
+          <a:xfrm>
+            <a:off x="7963677" y="4126192"/>
+            <a:ext cx="2530052" cy="369332"/>
+          </a:xfrm>
+          <a:prstGeom prst="rect">
+            <a:avLst/>
+          </a:prstGeom>
+          <a:noFill/>
+        </p:spPr>
+        <p:txBody>
+          <a:bodyPr wrap="none" rtlCol="0">
+            <a:spAutoFit/>
+          </a:bodyPr>
+          <a:lstStyle/>
+          <a:p>
+            <a:r>
+              <a:rPr lang="en-US" dirty="0">
+                <a:solidFill>
+                  <a:srgbClr val="FF33CC"/>
+                </a:solidFill>
+              </a:rPr>
+              <a:t>…and “ignore” some of it</a:t>
+            </a:r>
+          </a:p>
+        </p:txBody>
+      </p:sp>
     </p:spTree>
     <p:extLst>
       <p:ext uri="{BB962C8B-B14F-4D97-AF65-F5344CB8AC3E}">
@@ -17010,7 +17740,7 @@
                             </p:stCondLst>
                             <p:childTnLst>
                               <p:par>
-                                <p:cTn id="70" presetID="22" presetClass="entr" presetSubtype="4" fill="hold" nodeType="clickEffect">
+                                <p:cTn id="70" presetID="10" presetClass="entr" presetSubtype="0" fill="hold" grpId="0" nodeType="clickEffect">
                                   <p:stCondLst>
                                     <p:cond delay="0"/>
                                   </p:stCondLst>
@@ -17023,7 +17753,7 @@
                                           </p:stCondLst>
                                         </p:cTn>
                                         <p:tgtEl>
-                                          <p:spTgt spid="118"/>
+                                          <p:spTgt spid="16"/>
                                         </p:tgtEl>
                                         <p:attrNameLst>
                                           <p:attrName>style.visibility</p:attrName>
@@ -17033,41 +17763,32 @@
                                         <p:strVal val="visible"/>
                                       </p:to>
                                     </p:set>
-                                    <p:animEffect transition="in" filter="wipe(down)">
+                                    <p:animEffect transition="in" filter="fade">
                                       <p:cBhvr>
                                         <p:cTn id="72" dur="500"/>
                                         <p:tgtEl>
-                                          <p:spTgt spid="118"/>
+                                          <p:spTgt spid="16"/>
                                         </p:tgtEl>
                                       </p:cBhvr>
                                     </p:animEffect>
                                   </p:childTnLst>
                                 </p:cTn>
                               </p:par>
-                            </p:childTnLst>
-                          </p:cTn>
-                        </p:par>
-                        <p:par>
-                          <p:cTn id="73" fill="hold">
-                            <p:stCondLst>
-                              <p:cond delay="500"/>
-                            </p:stCondLst>
-                            <p:childTnLst>
                               <p:par>
-                                <p:cTn id="74" presetID="10" presetClass="entr" presetSubtype="0" fill="hold" grpId="0" nodeType="afterEffect">
+                                <p:cTn id="73" presetID="10" presetClass="entr" presetSubtype="0" fill="hold" grpId="0" nodeType="withEffect">
                                   <p:stCondLst>
                                     <p:cond delay="0"/>
                                   </p:stCondLst>
                                   <p:childTnLst>
                                     <p:set>
                                       <p:cBhvr>
-                                        <p:cTn id="75" dur="1" fill="hold">
+                                        <p:cTn id="74" dur="1" fill="hold">
                                           <p:stCondLst>
                                             <p:cond delay="0"/>
                                           </p:stCondLst>
                                         </p:cTn>
                                         <p:tgtEl>
-                                          <p:spTgt spid="67"/>
+                                          <p:spTgt spid="6"/>
                                         </p:tgtEl>
                                         <p:attrNameLst>
                                           <p:attrName>style.visibility</p:attrName>
@@ -17079,44 +17800,9 @@
                                     </p:set>
                                     <p:animEffect transition="in" filter="fade">
                                       <p:cBhvr>
-                                        <p:cTn id="76" dur="500"/>
-                                        <p:tgtEl>
-                                          <p:spTgt spid="67"/>
-                                        </p:tgtEl>
-                                      </p:cBhvr>
-                                    </p:animEffect>
-                                  </p:childTnLst>
-                                </p:cTn>
-                              </p:par>
-                              <p:par>
-                                <p:cTn id="77" presetID="10" presetClass="entr" presetSubtype="0" fill="hold" grpId="0" nodeType="withEffect">
-                                  <p:stCondLst>
-                                    <p:cond delay="0"/>
-                                  </p:stCondLst>
-                                  <p:childTnLst>
-                                    <p:set>
-                                      <p:cBhvr>
-                                        <p:cTn id="78" dur="1" fill="hold">
-                                          <p:stCondLst>
-                                            <p:cond delay="0"/>
-                                          </p:stCondLst>
-                                        </p:cTn>
-                                        <p:tgtEl>
-                                          <p:spTgt spid="415"/>
-                                        </p:tgtEl>
-                                        <p:attrNameLst>
-                                          <p:attrName>style.visibility</p:attrName>
-                                        </p:attrNameLst>
-                                      </p:cBhvr>
-                                      <p:to>
-                                        <p:strVal val="visible"/>
-                                      </p:to>
-                                    </p:set>
-                                    <p:animEffect transition="in" filter="fade">
-                                      <p:cBhvr>
-                                        <p:cTn id="79" dur="500"/>
-                                        <p:tgtEl>
-                                          <p:spTgt spid="415"/>
+                                        <p:cTn id="75" dur="500"/>
+                                        <p:tgtEl>
+                                          <p:spTgt spid="6"/>
                                         </p:tgtEl>
                                       </p:cBhvr>
                                     </p:animEffect>
@@ -17130,49 +17816,84 @@
                     </p:cTn>
                   </p:par>
                   <p:par>
-                    <p:cTn id="80" fill="hold">
+                    <p:cTn id="76" fill="hold">
                       <p:stCondLst>
                         <p:cond delay="indefinite"/>
                       </p:stCondLst>
                       <p:childTnLst>
                         <p:par>
-                          <p:cTn id="81" fill="hold">
+                          <p:cTn id="77" fill="hold">
                             <p:stCondLst>
                               <p:cond delay="0"/>
                             </p:stCondLst>
                             <p:childTnLst>
                               <p:par>
-                                <p:cTn id="82" presetID="22" presetClass="entr" presetSubtype="4" fill="hold" nodeType="clickEffect">
+                                <p:cTn id="78" presetID="10" presetClass="exit" presetSubtype="0" fill="hold" grpId="1" nodeType="clickEffect">
                                   <p:stCondLst>
                                     <p:cond delay="0"/>
                                   </p:stCondLst>
                                   <p:childTnLst>
+                                    <p:animEffect transition="out" filter="fade">
+                                      <p:cBhvr>
+                                        <p:cTn id="79" dur="500"/>
+                                        <p:tgtEl>
+                                          <p:spTgt spid="16"/>
+                                        </p:tgtEl>
+                                      </p:cBhvr>
+                                    </p:animEffect>
                                     <p:set>
                                       <p:cBhvr>
-                                        <p:cTn id="83" dur="1" fill="hold">
+                                        <p:cTn id="80" dur="1" fill="hold">
                                           <p:stCondLst>
-                                            <p:cond delay="0"/>
+                                            <p:cond delay="499"/>
                                           </p:stCondLst>
                                         </p:cTn>
                                         <p:tgtEl>
-                                          <p:spTgt spid="108"/>
+                                          <p:spTgt spid="16"/>
                                         </p:tgtEl>
                                         <p:attrNameLst>
                                           <p:attrName>style.visibility</p:attrName>
                                         </p:attrNameLst>
                                       </p:cBhvr>
                                       <p:to>
-                                        <p:strVal val="visible"/>
+                                        <p:strVal val="hidden"/>
                                       </p:to>
                                     </p:set>
-                                    <p:animEffect transition="in" filter="wipe(down)">
-                                      <p:cBhvr>
-                                        <p:cTn id="84" dur="500"/>
-                                        <p:tgtEl>
-                                          <p:spTgt spid="108"/>
+                                  </p:childTnLst>
+                                </p:cTn>
+                              </p:par>
+                              <p:par>
+                                <p:cTn id="81" presetID="10" presetClass="exit" presetSubtype="0" fill="hold" grpId="1" nodeType="withEffect">
+                                  <p:stCondLst>
+                                    <p:cond delay="0"/>
+                                  </p:stCondLst>
+                                  <p:childTnLst>
+                                    <p:animEffect transition="out" filter="fade">
+                                      <p:cBhvr>
+                                        <p:cTn id="82" dur="500"/>
+                                        <p:tgtEl>
+                                          <p:spTgt spid="6"/>
                                         </p:tgtEl>
                                       </p:cBhvr>
                                     </p:animEffect>
+                                    <p:set>
+                                      <p:cBhvr>
+                                        <p:cTn id="83" dur="1" fill="hold">
+                                          <p:stCondLst>
+                                            <p:cond delay="499"/>
+                                          </p:stCondLst>
+                                        </p:cTn>
+                                        <p:tgtEl>
+                                          <p:spTgt spid="6"/>
+                                        </p:tgtEl>
+                                        <p:attrNameLst>
+                                          <p:attrName>style.visibility</p:attrName>
+                                        </p:attrNameLst>
+                                      </p:cBhvr>
+                                      <p:to>
+                                        <p:strVal val="hidden"/>
+                                      </p:to>
+                                    </p:set>
                                   </p:childTnLst>
                                 </p:cTn>
                               </p:par>
@@ -17180,26 +17901,26 @@
                           </p:cTn>
                         </p:par>
                         <p:par>
-                          <p:cTn id="85" fill="hold">
+                          <p:cTn id="84" fill="hold">
                             <p:stCondLst>
                               <p:cond delay="500"/>
                             </p:stCondLst>
                             <p:childTnLst>
                               <p:par>
-                                <p:cTn id="86" presetID="22" presetClass="entr" presetSubtype="4" fill="hold" grpId="0" nodeType="afterEffect">
+                                <p:cTn id="85" presetID="10" presetClass="entr" presetSubtype="0" fill="hold" grpId="0" nodeType="afterEffect">
                                   <p:stCondLst>
                                     <p:cond delay="0"/>
                                   </p:stCondLst>
                                   <p:childTnLst>
                                     <p:set>
                                       <p:cBhvr>
-                                        <p:cTn id="87" dur="1" fill="hold">
+                                        <p:cTn id="86" dur="1" fill="hold">
                                           <p:stCondLst>
                                             <p:cond delay="0"/>
                                           </p:stCondLst>
                                         </p:cTn>
                                         <p:tgtEl>
-                                          <p:spTgt spid="102"/>
+                                          <p:spTgt spid="125"/>
                                         </p:tgtEl>
                                         <p:attrNameLst>
                                           <p:attrName>style.visibility</p:attrName>
@@ -17209,11 +17930,46 @@
                                         <p:strVal val="visible"/>
                                       </p:to>
                                     </p:set>
-                                    <p:animEffect transition="in" filter="wipe(down)">
-                                      <p:cBhvr>
-                                        <p:cTn id="88" dur="500"/>
-                                        <p:tgtEl>
-                                          <p:spTgt spid="102"/>
+                                    <p:animEffect transition="in" filter="fade">
+                                      <p:cBhvr>
+                                        <p:cTn id="87" dur="500"/>
+                                        <p:tgtEl>
+                                          <p:spTgt spid="125"/>
+                                        </p:tgtEl>
+                                      </p:cBhvr>
+                                    </p:animEffect>
+                                  </p:childTnLst>
+                                </p:cTn>
+                              </p:par>
+                              <p:par>
+                                <p:cTn id="88" presetID="10" presetClass="entr" presetSubtype="0" fill="hold" grpId="0" nodeType="withEffect">
+                                  <p:stCondLst>
+                                    <p:cond delay="0"/>
+                                  </p:stCondLst>
+                                  <p:childTnLst>
+                                    <p:set>
+                                      <p:cBhvr>
+                                        <p:cTn id="89" dur="1" fill="hold">
+                                          <p:stCondLst>
+                                            <p:cond delay="0"/>
+                                          </p:stCondLst>
+                                        </p:cTn>
+                                        <p:tgtEl>
+                                          <p:spTgt spid="124"/>
+                                        </p:tgtEl>
+                                        <p:attrNameLst>
+                                          <p:attrName>style.visibility</p:attrName>
+                                        </p:attrNameLst>
+                                      </p:cBhvr>
+                                      <p:to>
+                                        <p:strVal val="visible"/>
+                                      </p:to>
+                                    </p:set>
+                                    <p:animEffect transition="in" filter="fade">
+                                      <p:cBhvr>
+                                        <p:cTn id="90" dur="500"/>
+                                        <p:tgtEl>
+                                          <p:spTgt spid="124"/>
                                         </p:tgtEl>
                                       </p:cBhvr>
                                     </p:animEffect>
@@ -17227,32 +17983,111 @@
                     </p:cTn>
                   </p:par>
                   <p:par>
-                    <p:cTn id="89" fill="hold">
+                    <p:cTn id="91" fill="hold">
                       <p:stCondLst>
                         <p:cond delay="indefinite"/>
                       </p:stCondLst>
                       <p:childTnLst>
                         <p:par>
-                          <p:cTn id="90" fill="hold">
+                          <p:cTn id="92" fill="hold">
                             <p:stCondLst>
                               <p:cond delay="0"/>
                             </p:stCondLst>
                             <p:childTnLst>
                               <p:par>
-                                <p:cTn id="91" presetID="22" presetClass="entr" presetSubtype="4" fill="hold" nodeType="clickEffect">
+                                <p:cTn id="93" presetID="10" presetClass="exit" presetSubtype="0" fill="hold" grpId="1" nodeType="clickEffect">
+                                  <p:stCondLst>
+                                    <p:cond delay="0"/>
+                                  </p:stCondLst>
+                                  <p:childTnLst>
+                                    <p:animEffect transition="out" filter="fade">
+                                      <p:cBhvr>
+                                        <p:cTn id="94" dur="500"/>
+                                        <p:tgtEl>
+                                          <p:spTgt spid="125"/>
+                                        </p:tgtEl>
+                                      </p:cBhvr>
+                                    </p:animEffect>
+                                    <p:set>
+                                      <p:cBhvr>
+                                        <p:cTn id="95" dur="1" fill="hold">
+                                          <p:stCondLst>
+                                            <p:cond delay="499"/>
+                                          </p:stCondLst>
+                                        </p:cTn>
+                                        <p:tgtEl>
+                                          <p:spTgt spid="125"/>
+                                        </p:tgtEl>
+                                        <p:attrNameLst>
+                                          <p:attrName>style.visibility</p:attrName>
+                                        </p:attrNameLst>
+                                      </p:cBhvr>
+                                      <p:to>
+                                        <p:strVal val="hidden"/>
+                                      </p:to>
+                                    </p:set>
+                                  </p:childTnLst>
+                                </p:cTn>
+                              </p:par>
+                              <p:par>
+                                <p:cTn id="96" presetID="10" presetClass="exit" presetSubtype="0" fill="hold" grpId="1" nodeType="withEffect">
+                                  <p:stCondLst>
+                                    <p:cond delay="0"/>
+                                  </p:stCondLst>
+                                  <p:childTnLst>
+                                    <p:animEffect transition="out" filter="fade">
+                                      <p:cBhvr>
+                                        <p:cTn id="97" dur="500"/>
+                                        <p:tgtEl>
+                                          <p:spTgt spid="124"/>
+                                        </p:tgtEl>
+                                      </p:cBhvr>
+                                    </p:animEffect>
+                                    <p:set>
+                                      <p:cBhvr>
+                                        <p:cTn id="98" dur="1" fill="hold">
+                                          <p:stCondLst>
+                                            <p:cond delay="499"/>
+                                          </p:stCondLst>
+                                        </p:cTn>
+                                        <p:tgtEl>
+                                          <p:spTgt spid="124"/>
+                                        </p:tgtEl>
+                                        <p:attrNameLst>
+                                          <p:attrName>style.visibility</p:attrName>
+                                        </p:attrNameLst>
+                                      </p:cBhvr>
+                                      <p:to>
+                                        <p:strVal val="hidden"/>
+                                      </p:to>
+                                    </p:set>
+                                  </p:childTnLst>
+                                </p:cTn>
+                              </p:par>
+                            </p:childTnLst>
+                          </p:cTn>
+                        </p:par>
+                        <p:par>
+                          <p:cTn id="99" fill="hold">
+                            <p:stCondLst>
+                              <p:cond delay="500"/>
+                            </p:stCondLst>
+                            <p:childTnLst>
+                              <p:par>
+                                <p:cTn id="100" presetID="22" presetClass="entr" presetSubtype="4" fill="hold" nodeType="afterEffect">
                                   <p:stCondLst>
                                     <p:cond delay="0"/>
                                   </p:stCondLst>
                                   <p:childTnLst>
                                     <p:set>
                                       <p:cBhvr>
-                                        <p:cTn id="92" dur="1" fill="hold">
+                                        <p:cTn id="101" dur="1" fill="hold">
                                           <p:stCondLst>
                                             <p:cond delay="0"/>
                                           </p:stCondLst>
                                         </p:cTn>
                                         <p:tgtEl>
-                                          <p:spTgt spid="107"/>
+                                          <p:spTgt spid="118"/>
                                         </p:tgtEl>
                                         <p:attrNameLst>
                                           <p:attrName>style.visibility</p:attrName>
@@ -17264,9 +18099,9 @@
                                     </p:set>
                                     <p:animEffect transition="in" filter="wipe(down)">
                                       <p:cBhvr>
-                                        <p:cTn id="93" dur="500"/>
-                                        <p:tgtEl>
-                                          <p:spTgt spid="107"/>
+                                        <p:cTn id="102" dur="500"/>
+                                        <p:tgtEl>
+                                          <p:spTgt spid="118"/>
                                         </p:tgtEl>
                                       </p:cBhvr>
                                     </p:animEffect>
@@ -17277,26 +18112,26 @@
                           </p:cTn>
                         </p:par>
                         <p:par>
-                          <p:cTn id="94" fill="hold">
+                          <p:cTn id="103" fill="hold">
                             <p:stCondLst>
-                              <p:cond delay="500"/>
+                              <p:cond delay="1000"/>
                             </p:stCondLst>
                             <p:childTnLst>
                               <p:par>
-                                <p:cTn id="95" presetID="22" presetClass="entr" presetSubtype="4" fill="hold" grpId="0" nodeType="afterEffect">
+                                <p:cTn id="104" presetID="10" presetClass="entr" presetSubtype="0" fill="hold" grpId="0" nodeType="afterEffect">
                                   <p:stCondLst>
                                     <p:cond delay="0"/>
                                   </p:stCondLst>
                                   <p:childTnLst>
                                     <p:set>
                                       <p:cBhvr>
-                                        <p:cTn id="96" dur="1" fill="hold">
+                                        <p:cTn id="105" dur="1" fill="hold">
                                           <p:stCondLst>
                                             <p:cond delay="0"/>
                                           </p:stCondLst>
                                         </p:cTn>
                                         <p:tgtEl>
-                                          <p:spTgt spid="106"/>
+                                          <p:spTgt spid="67"/>
                                         </p:tgtEl>
                                         <p:attrNameLst>
                                           <p:attrName>style.visibility</p:attrName>
@@ -17306,11 +18141,46 @@
                                         <p:strVal val="visible"/>
                                       </p:to>
                                     </p:set>
-                                    <p:animEffect transition="in" filter="wipe(down)">
-                                      <p:cBhvr>
-                                        <p:cTn id="97" dur="500"/>
-                                        <p:tgtEl>
-                                          <p:spTgt spid="106"/>
+                                    <p:animEffect transition="in" filter="fade">
+                                      <p:cBhvr>
+                                        <p:cTn id="106" dur="500"/>
+                                        <p:tgtEl>
+                                          <p:spTgt spid="67"/>
+                                        </p:tgtEl>
+                                      </p:cBhvr>
+                                    </p:animEffect>
+                                  </p:childTnLst>
+                                </p:cTn>
+                              </p:par>
+                              <p:par>
+                                <p:cTn id="107" presetID="10" presetClass="entr" presetSubtype="0" fill="hold" grpId="0" nodeType="withEffect">
+                                  <p:stCondLst>
+                                    <p:cond delay="0"/>
+                                  </p:stCondLst>
+                                  <p:childTnLst>
+                                    <p:set>
+                                      <p:cBhvr>
+                                        <p:cTn id="108" dur="1" fill="hold">
+                                          <p:stCondLst>
+                                            <p:cond delay="0"/>
+                                          </p:stCondLst>
+                                        </p:cTn>
+                                        <p:tgtEl>
+                                          <p:spTgt spid="415"/>
+                                        </p:tgtEl>
+                                        <p:attrNameLst>
+                                          <p:attrName>style.visibility</p:attrName>
+                                        </p:attrNameLst>
+                                      </p:cBhvr>
+                                      <p:to>
+                                        <p:strVal val="visible"/>
+                                      </p:to>
+                                    </p:set>
+                                    <p:animEffect transition="in" filter="fade">
+                                      <p:cBhvr>
+                                        <p:cTn id="109" dur="500"/>
+                                        <p:tgtEl>
+                                          <p:spTgt spid="415"/>
                                         </p:tgtEl>
                                       </p:cBhvr>
                                     </p:animEffect>
@@ -17324,164 +18194,32 @@
                     </p:cTn>
                   </p:par>
                   <p:par>
-                    <p:cTn id="98" fill="hold">
+                    <p:cTn id="110" fill="hold">
                       <p:stCondLst>
                         <p:cond delay="indefinite"/>
                       </p:stCondLst>
                       <p:childTnLst>
                         <p:par>
-                          <p:cTn id="99" fill="hold">
+                          <p:cTn id="111" fill="hold">
                             <p:stCondLst>
                               <p:cond delay="0"/>
                             </p:stCondLst>
                             <p:childTnLst>
                               <p:par>
-                                <p:cTn id="100" presetID="22" presetClass="entr" presetSubtype="1" fill="hold" nodeType="clickEffect">
+                                <p:cTn id="112" presetID="22" presetClass="entr" presetSubtype="4" fill="hold" nodeType="clickEffect">
                                   <p:stCondLst>
                                     <p:cond delay="0"/>
                                   </p:stCondLst>
                                   <p:childTnLst>
                                     <p:set>
                                       <p:cBhvr>
-                                        <p:cTn id="101" dur="1" fill="hold">
-                                          <p:stCondLst>
-                                            <p:cond delay="0"/>
-                                          </p:stCondLst>
-                                        </p:cTn>
-                                        <p:tgtEl>
-                                          <p:spTgt spid="113"/>
-                                        </p:tgtEl>
-                                        <p:attrNameLst>
-                                          <p:attrName>style.visibility</p:attrName>
-                                        </p:attrNameLst>
-                                      </p:cBhvr>
-                                      <p:to>
-                                        <p:strVal val="visible"/>
-                                      </p:to>
-                                    </p:set>
-                                    <p:animEffect transition="in" filter="wipe(up)">
-                                      <p:cBhvr>
-                                        <p:cTn id="102" dur="500"/>
-                                        <p:tgtEl>
-                                          <p:spTgt spid="113"/>
-                                        </p:tgtEl>
-                                      </p:cBhvr>
-                                    </p:animEffect>
-                                  </p:childTnLst>
-                                </p:cTn>
-                              </p:par>
-                            </p:childTnLst>
-                          </p:cTn>
-                        </p:par>
-                        <p:par>
-                          <p:cTn id="103" fill="hold">
-                            <p:stCondLst>
-                              <p:cond delay="500"/>
-                            </p:stCondLst>
-                            <p:childTnLst>
-                              <p:par>
-                                <p:cTn id="104" presetID="22" presetClass="entr" presetSubtype="1" fill="hold" grpId="0" nodeType="afterEffect">
-                                  <p:stCondLst>
-                                    <p:cond delay="0"/>
-                                  </p:stCondLst>
-                                  <p:childTnLst>
-                                    <p:set>
-                                      <p:cBhvr>
-                                        <p:cTn id="105" dur="1" fill="hold">
-                                          <p:stCondLst>
-                                            <p:cond delay="0"/>
-                                          </p:stCondLst>
-                                        </p:cTn>
-                                        <p:tgtEl>
-                                          <p:spTgt spid="114"/>
-                                        </p:tgtEl>
-                                        <p:attrNameLst>
-                                          <p:attrName>style.visibility</p:attrName>
-                                        </p:attrNameLst>
-                                      </p:cBhvr>
-                                      <p:to>
-                                        <p:strVal val="visible"/>
-                                      </p:to>
-                                    </p:set>
-                                    <p:animEffect transition="in" filter="wipe(up)">
-                                      <p:cBhvr>
-                                        <p:cTn id="106" dur="500"/>
-                                        <p:tgtEl>
-                                          <p:spTgt spid="114"/>
-                                        </p:tgtEl>
-                                      </p:cBhvr>
-                                    </p:animEffect>
-                                  </p:childTnLst>
-                                </p:cTn>
-                              </p:par>
-                            </p:childTnLst>
-                          </p:cTn>
-                        </p:par>
-                      </p:childTnLst>
-                    </p:cTn>
-                  </p:par>
-                  <p:par>
-                    <p:cTn id="107" fill="hold">
-                      <p:stCondLst>
-                        <p:cond delay="indefinite"/>
-                      </p:stCondLst>
-                      <p:childTnLst>
-                        <p:par>
-                          <p:cTn id="108" fill="hold">
-                            <p:stCondLst>
-                              <p:cond delay="0"/>
-                            </p:stCondLst>
-                            <p:childTnLst>
-                              <p:par>
-                                <p:cTn id="109" presetID="22" presetClass="entr" presetSubtype="8" fill="hold" nodeType="clickEffect">
-                                  <p:stCondLst>
-                                    <p:cond delay="0"/>
-                                  </p:stCondLst>
-                                  <p:childTnLst>
-                                    <p:set>
-                                      <p:cBhvr>
-                                        <p:cTn id="110" dur="1" fill="hold">
-                                          <p:stCondLst>
-                                            <p:cond delay="0"/>
-                                          </p:stCondLst>
-                                        </p:cTn>
-                                        <p:tgtEl>
-                                          <p:spTgt spid="117"/>
-                                        </p:tgtEl>
-                                        <p:attrNameLst>
-                                          <p:attrName>style.visibility</p:attrName>
-                                        </p:attrNameLst>
-                                      </p:cBhvr>
-                                      <p:to>
-                                        <p:strVal val="visible"/>
-                                      </p:to>
-                                    </p:set>
-                                    <p:animEffect transition="in" filter="wipe(left)">
-                                      <p:cBhvr>
-                                        <p:cTn id="111" dur="500"/>
-                                        <p:tgtEl>
-                                          <p:spTgt spid="117"/>
-                                        </p:tgtEl>
-                                      </p:cBhvr>
-                                    </p:animEffect>
-                                  </p:childTnLst>
-                                </p:cTn>
-                              </p:par>
-                              <p:par>
-                                <p:cTn id="112" presetID="22" presetClass="entr" presetSubtype="8" fill="hold" nodeType="withEffect">
-                                  <p:stCondLst>
-                                    <p:cond delay="0"/>
-                                  </p:stCondLst>
-                                  <p:childTnLst>
-                                    <p:set>
-                                      <p:cBhvr>
                                         <p:cTn id="113" dur="1" fill="hold">
                                           <p:stCondLst>
                                             <p:cond delay="0"/>
                                           </p:stCondLst>
                                         </p:cTn>
                                         <p:tgtEl>
-                                          <p:spTgt spid="116"/>
+                                          <p:spTgt spid="108"/>
                                         </p:tgtEl>
                                         <p:attrNameLst>
                                           <p:attrName>style.visibility</p:attrName>
@@ -17491,11 +18229,11 @@
                                         <p:strVal val="visible"/>
                                       </p:to>
                                     </p:set>
-                                    <p:animEffect transition="in" filter="wipe(left)">
+                                    <p:animEffect transition="in" filter="wipe(down)">
                                       <p:cBhvr>
                                         <p:cTn id="114" dur="500"/>
                                         <p:tgtEl>
-                                          <p:spTgt spid="116"/>
+                                          <p:spTgt spid="108"/>
                                         </p:tgtEl>
                                       </p:cBhvr>
                                     </p:animEffect>
@@ -17512,7 +18250,7 @@
                             </p:stCondLst>
                             <p:childTnLst>
                               <p:par>
-                                <p:cTn id="116" presetID="10" presetClass="entr" presetSubtype="0" fill="hold" grpId="0" nodeType="afterEffect">
+                                <p:cTn id="116" presetID="22" presetClass="entr" presetSubtype="4" fill="hold" grpId="0" nodeType="afterEffect">
                                   <p:stCondLst>
                                     <p:cond delay="0"/>
                                   </p:stCondLst>
@@ -17525,7 +18263,7 @@
                                           </p:stCondLst>
                                         </p:cTn>
                                         <p:tgtEl>
-                                          <p:spTgt spid="115"/>
+                                          <p:spTgt spid="102"/>
                                         </p:tgtEl>
                                         <p:attrNameLst>
                                           <p:attrName>style.visibility</p:attrName>
@@ -17535,11 +18273,11 @@
                                         <p:strVal val="visible"/>
                                       </p:to>
                                     </p:set>
-                                    <p:animEffect transition="in" filter="fade">
+                                    <p:animEffect transition="in" filter="wipe(down)">
                                       <p:cBhvr>
                                         <p:cTn id="118" dur="500"/>
                                         <p:tgtEl>
-                                          <p:spTgt spid="115"/>
+                                          <p:spTgt spid="102"/>
                                         </p:tgtEl>
                                       </p:cBhvr>
                                     </p:animEffect>
@@ -17565,7 +18303,7 @@
                             </p:stCondLst>
                             <p:childTnLst>
                               <p:par>
-                                <p:cTn id="121" presetID="22" presetClass="entr" presetSubtype="8" fill="hold" nodeType="clickEffect">
+                                <p:cTn id="121" presetID="22" presetClass="entr" presetSubtype="4" fill="hold" nodeType="clickEffect">
                                   <p:stCondLst>
                                     <p:cond delay="0"/>
                                   </p:stCondLst>
@@ -17578,7 +18316,7 @@
                                           </p:stCondLst>
                                         </p:cTn>
                                         <p:tgtEl>
-                                          <p:spTgt spid="119"/>
+                                          <p:spTgt spid="107"/>
                                         </p:tgtEl>
                                         <p:attrNameLst>
                                           <p:attrName>style.visibility</p:attrName>
@@ -17588,11 +18326,11 @@
                                         <p:strVal val="visible"/>
                                       </p:to>
                                     </p:set>
-                                    <p:animEffect transition="in" filter="wipe(left)">
+                                    <p:animEffect transition="in" filter="wipe(down)">
                                       <p:cBhvr>
                                         <p:cTn id="123" dur="500"/>
                                         <p:tgtEl>
-                                          <p:spTgt spid="119"/>
+                                          <p:spTgt spid="107"/>
                                         </p:tgtEl>
                                       </p:cBhvr>
                                     </p:animEffect>
@@ -17609,7 +18347,7 @@
                             </p:stCondLst>
                             <p:childTnLst>
                               <p:par>
-                                <p:cTn id="125" presetID="10" presetClass="entr" presetSubtype="0" fill="hold" grpId="0" nodeType="afterEffect">
+                                <p:cTn id="125" presetID="22" presetClass="entr" presetSubtype="4" fill="hold" grpId="0" nodeType="afterEffect">
                                   <p:stCondLst>
                                     <p:cond delay="0"/>
                                   </p:stCondLst>
@@ -17622,7 +18360,7 @@
                                           </p:stCondLst>
                                         </p:cTn>
                                         <p:tgtEl>
-                                          <p:spTgt spid="66"/>
+                                          <p:spTgt spid="106"/>
                                         </p:tgtEl>
                                         <p:attrNameLst>
                                           <p:attrName>style.visibility</p:attrName>
@@ -17632,46 +18370,11 @@
                                         <p:strVal val="visible"/>
                                       </p:to>
                                     </p:set>
-                                    <p:animEffect transition="in" filter="fade">
+                                    <p:animEffect transition="in" filter="wipe(down)">
                                       <p:cBhvr>
                                         <p:cTn id="127" dur="500"/>
                                         <p:tgtEl>
-                                          <p:spTgt spid="66"/>
-                                        </p:tgtEl>
-                                      </p:cBhvr>
-                                    </p:animEffect>
-                                  </p:childTnLst>
-                                </p:cTn>
-                              </p:par>
-                              <p:par>
-                                <p:cTn id="128" presetID="10" presetClass="entr" presetSubtype="0" fill="hold" grpId="0" nodeType="withEffect">
-                                  <p:stCondLst>
-                                    <p:cond delay="0"/>
-                                  </p:stCondLst>
-                                  <p:childTnLst>
-                                    <p:set>
-                                      <p:cBhvr>
-                                        <p:cTn id="129" dur="1" fill="hold">
-                                          <p:stCondLst>
-                                            <p:cond delay="0"/>
-                                          </p:stCondLst>
-                                        </p:cTn>
-                                        <p:tgtEl>
-                                          <p:spTgt spid="416"/>
-                                        </p:tgtEl>
-                                        <p:attrNameLst>
-                                          <p:attrName>style.visibility</p:attrName>
-                                        </p:attrNameLst>
-                                      </p:cBhvr>
-                                      <p:to>
-                                        <p:strVal val="visible"/>
-                                      </p:to>
-                                    </p:set>
-                                    <p:animEffect transition="in" filter="fade">
-                                      <p:cBhvr>
-                                        <p:cTn id="130" dur="500"/>
-                                        <p:tgtEl>
-                                          <p:spTgt spid="416"/>
+                                          <p:spTgt spid="106"/>
                                         </p:tgtEl>
                                       </p:cBhvr>
                                     </p:animEffect>
@@ -17685,32 +18388,32 @@
                     </p:cTn>
                   </p:par>
                   <p:par>
-                    <p:cTn id="131" fill="hold">
+                    <p:cTn id="128" fill="hold">
                       <p:stCondLst>
                         <p:cond delay="indefinite"/>
                       </p:stCondLst>
                       <p:childTnLst>
                         <p:par>
-                          <p:cTn id="132" fill="hold">
+                          <p:cTn id="129" fill="hold">
                             <p:stCondLst>
                               <p:cond delay="0"/>
                             </p:stCondLst>
                             <p:childTnLst>
                               <p:par>
-                                <p:cTn id="133" presetID="10" presetClass="entr" presetSubtype="0" fill="hold" grpId="0" nodeType="clickEffect">
+                                <p:cTn id="130" presetID="22" presetClass="entr" presetSubtype="1" fill="hold" nodeType="clickEffect">
                                   <p:stCondLst>
                                     <p:cond delay="0"/>
                                   </p:stCondLst>
                                   <p:childTnLst>
                                     <p:set>
                                       <p:cBhvr>
-                                        <p:cTn id="134" dur="1" fill="hold">
+                                        <p:cTn id="131" dur="1" fill="hold">
                                           <p:stCondLst>
                                             <p:cond delay="0"/>
                                           </p:stCondLst>
                                         </p:cTn>
                                         <p:tgtEl>
-                                          <p:spTgt spid="152"/>
+                                          <p:spTgt spid="113"/>
                                         </p:tgtEl>
                                         <p:attrNameLst>
                                           <p:attrName>style.visibility</p:attrName>
@@ -17720,32 +18423,41 @@
                                         <p:strVal val="visible"/>
                                       </p:to>
                                     </p:set>
-                                    <p:animEffect transition="in" filter="fade">
-                                      <p:cBhvr>
-                                        <p:cTn id="135" dur="500"/>
-                                        <p:tgtEl>
-                                          <p:spTgt spid="152"/>
+                                    <p:animEffect transition="in" filter="wipe(up)">
+                                      <p:cBhvr>
+                                        <p:cTn id="132" dur="500"/>
+                                        <p:tgtEl>
+                                          <p:spTgt spid="113"/>
                                         </p:tgtEl>
                                       </p:cBhvr>
                                     </p:animEffect>
                                   </p:childTnLst>
                                 </p:cTn>
                               </p:par>
+                            </p:childTnLst>
+                          </p:cTn>
+                        </p:par>
+                        <p:par>
+                          <p:cTn id="133" fill="hold">
+                            <p:stCondLst>
+                              <p:cond delay="500"/>
+                            </p:stCondLst>
+                            <p:childTnLst>
                               <p:par>
-                                <p:cTn id="136" presetID="10" presetClass="entr" presetSubtype="0" fill="hold" grpId="0" nodeType="withEffect">
+                                <p:cTn id="134" presetID="22" presetClass="entr" presetSubtype="1" fill="hold" grpId="0" nodeType="afterEffect">
                                   <p:stCondLst>
                                     <p:cond delay="0"/>
                                   </p:stCondLst>
                                   <p:childTnLst>
                                     <p:set>
                                       <p:cBhvr>
-                                        <p:cTn id="137" dur="1" fill="hold">
+                                        <p:cTn id="135" dur="1" fill="hold">
                                           <p:stCondLst>
                                             <p:cond delay="0"/>
                                           </p:stCondLst>
                                         </p:cTn>
                                         <p:tgtEl>
-                                          <p:spTgt spid="4"/>
+                                          <p:spTgt spid="114"/>
                                         </p:tgtEl>
                                         <p:attrNameLst>
                                           <p:attrName>style.visibility</p:attrName>
@@ -17755,11 +18467,11 @@
                                         <p:strVal val="visible"/>
                                       </p:to>
                                     </p:set>
-                                    <p:animEffect transition="in" filter="fade">
-                                      <p:cBhvr>
-                                        <p:cTn id="138" dur="500"/>
-                                        <p:tgtEl>
-                                          <p:spTgt spid="4"/>
+                                    <p:animEffect transition="in" filter="wipe(up)">
+                                      <p:cBhvr>
+                                        <p:cTn id="136" dur="500"/>
+                                        <p:tgtEl>
+                                          <p:spTgt spid="114"/>
                                         </p:tgtEl>
                                       </p:cBhvr>
                                     </p:animEffect>
@@ -17773,32 +18485,111 @@
                     </p:cTn>
                   </p:par>
                   <p:par>
-                    <p:cTn id="139" fill="hold">
+                    <p:cTn id="137" fill="hold">
                       <p:stCondLst>
                         <p:cond delay="indefinite"/>
                       </p:stCondLst>
                       <p:childTnLst>
                         <p:par>
-                          <p:cTn id="140" fill="hold">
+                          <p:cTn id="138" fill="hold">
                             <p:stCondLst>
                               <p:cond delay="0"/>
                             </p:stCondLst>
                             <p:childTnLst>
                               <p:par>
-                                <p:cTn id="141" presetID="10" presetClass="entr" presetSubtype="0" fill="hold" nodeType="clickEffect">
+                                <p:cTn id="139" presetID="22" presetClass="entr" presetSubtype="8" fill="hold" nodeType="clickEffect">
                                   <p:stCondLst>
                                     <p:cond delay="0"/>
                                   </p:stCondLst>
                                   <p:childTnLst>
                                     <p:set>
                                       <p:cBhvr>
-                                        <p:cTn id="142" dur="1" fill="hold">
+                                        <p:cTn id="140" dur="1" fill="hold">
                                           <p:stCondLst>
                                             <p:cond delay="0"/>
                                           </p:stCondLst>
                                         </p:cTn>
                                         <p:tgtEl>
-                                          <p:spTgt spid="153"/>
+                                          <p:spTgt spid="117"/>
+                                        </p:tgtEl>
+                                        <p:attrNameLst>
+                                          <p:attrName>style.visibility</p:attrName>
+                                        </p:attrNameLst>
+                                      </p:cBhvr>
+                                      <p:to>
+                                        <p:strVal val="visible"/>
+                                      </p:to>
+                                    </p:set>
+                                    <p:animEffect transition="in" filter="wipe(left)">
+                                      <p:cBhvr>
+                                        <p:cTn id="141" dur="500"/>
+                                        <p:tgtEl>
+                                          <p:spTgt spid="117"/>
+                                        </p:tgtEl>
+                                      </p:cBhvr>
+                                    </p:animEffect>
+                                  </p:childTnLst>
+                                </p:cTn>
+                              </p:par>
+                              <p:par>
+                                <p:cTn id="142" presetID="22" presetClass="entr" presetSubtype="8" fill="hold" nodeType="withEffect">
+                                  <p:stCondLst>
+                                    <p:cond delay="0"/>
+                                  </p:stCondLst>
+                                  <p:childTnLst>
+                                    <p:set>
+                                      <p:cBhvr>
+                                        <p:cTn id="143" dur="1" fill="hold">
+                                          <p:stCondLst>
+                                            <p:cond delay="0"/>
+                                          </p:stCondLst>
+                                        </p:cTn>
+                                        <p:tgtEl>
+                                          <p:spTgt spid="116"/>
+                                        </p:tgtEl>
+                                        <p:attrNameLst>
+                                          <p:attrName>style.visibility</p:attrName>
+                                        </p:attrNameLst>
+                                      </p:cBhvr>
+                                      <p:to>
+                                        <p:strVal val="visible"/>
+                                      </p:to>
+                                    </p:set>
+                                    <p:animEffect transition="in" filter="wipe(left)">
+                                      <p:cBhvr>
+                                        <p:cTn id="144" dur="500"/>
+                                        <p:tgtEl>
+                                          <p:spTgt spid="116"/>
+                                        </p:tgtEl>
+                                      </p:cBhvr>
+                                    </p:animEffect>
+                                  </p:childTnLst>
+                                </p:cTn>
+                              </p:par>
+                            </p:childTnLst>
+                          </p:cTn>
+                        </p:par>
+                        <p:par>
+                          <p:cTn id="145" fill="hold">
+                            <p:stCondLst>
+                              <p:cond delay="500"/>
+                            </p:stCondLst>
+                            <p:childTnLst>
+                              <p:par>
+                                <p:cTn id="146" presetID="10" presetClass="entr" presetSubtype="0" fill="hold" grpId="0" nodeType="afterEffect">
+                                  <p:stCondLst>
+                                    <p:cond delay="0"/>
+                                  </p:stCondLst>
+                                  <p:childTnLst>
+                                    <p:set>
+                                      <p:cBhvr>
+                                        <p:cTn id="147" dur="1" fill="hold">
+                                          <p:stCondLst>
+                                            <p:cond delay="0"/>
+                                          </p:stCondLst>
+                                        </p:cTn>
+                                        <p:tgtEl>
+                                          <p:spTgt spid="115"/>
                                         </p:tgtEl>
                                         <p:attrNameLst>
                                           <p:attrName>style.visibility</p:attrName>
@@ -17810,44 +18601,9 @@
                                     </p:set>
                                     <p:animEffect transition="in" filter="fade">
                                       <p:cBhvr>
-                                        <p:cTn id="143" dur="500"/>
-                                        <p:tgtEl>
-                                          <p:spTgt spid="153"/>
-                                        </p:tgtEl>
-                                      </p:cBhvr>
-                                    </p:animEffect>
-                                  </p:childTnLst>
-                                </p:cTn>
-                              </p:par>
-                              <p:par>
-                                <p:cTn id="144" presetID="10" presetClass="entr" presetSubtype="0" fill="hold" grpId="0" nodeType="withEffect">
-                                  <p:stCondLst>
-                                    <p:cond delay="0"/>
-                                  </p:stCondLst>
-                                  <p:childTnLst>
-                                    <p:set>
-                                      <p:cBhvr>
-                                        <p:cTn id="145" dur="1" fill="hold">
-                                          <p:stCondLst>
-                                            <p:cond delay="0"/>
-                                          </p:stCondLst>
-                                        </p:cTn>
-                                        <p:tgtEl>
-                                          <p:spTgt spid="7"/>
-                                        </p:tgtEl>
-                                        <p:attrNameLst>
-                                          <p:attrName>style.visibility</p:attrName>
-                                        </p:attrNameLst>
-                                      </p:cBhvr>
-                                      <p:to>
-                                        <p:strVal val="visible"/>
-                                      </p:to>
-                                    </p:set>
-                                    <p:animEffect transition="in" filter="fade">
-                                      <p:cBhvr>
-                                        <p:cTn id="146" dur="500"/>
-                                        <p:tgtEl>
-                                          <p:spTgt spid="7"/>
+                                        <p:cTn id="148" dur="500"/>
+                                        <p:tgtEl>
+                                          <p:spTgt spid="115"/>
                                         </p:tgtEl>
                                       </p:cBhvr>
                                     </p:animEffect>
@@ -17861,32 +18617,32 @@
                     </p:cTn>
                   </p:par>
                   <p:par>
-                    <p:cTn id="147" fill="hold">
+                    <p:cTn id="149" fill="hold">
                       <p:stCondLst>
                         <p:cond delay="indefinite"/>
                       </p:stCondLst>
                       <p:childTnLst>
                         <p:par>
-                          <p:cTn id="148" fill="hold">
+                          <p:cTn id="150" fill="hold">
                             <p:stCondLst>
                               <p:cond delay="0"/>
                             </p:stCondLst>
                             <p:childTnLst>
                               <p:par>
-                                <p:cTn id="149" presetID="22" presetClass="entr" presetSubtype="4" fill="hold" nodeType="clickEffect">
+                                <p:cTn id="151" presetID="22" presetClass="entr" presetSubtype="8" fill="hold" nodeType="clickEffect">
                                   <p:stCondLst>
                                     <p:cond delay="0"/>
                                   </p:stCondLst>
                                   <p:childTnLst>
                                     <p:set>
                                       <p:cBhvr>
-                                        <p:cTn id="150" dur="1" fill="hold">
+                                        <p:cTn id="152" dur="1" fill="hold">
                                           <p:stCondLst>
                                             <p:cond delay="0"/>
                                           </p:stCondLst>
                                         </p:cTn>
                                         <p:tgtEl>
-                                          <p:spTgt spid="27"/>
+                                          <p:spTgt spid="119"/>
                                         </p:tgtEl>
                                         <p:attrNameLst>
                                           <p:attrName>style.visibility</p:attrName>
@@ -17896,49 +18652,14 @@
                                         <p:strVal val="visible"/>
                                       </p:to>
                                     </p:set>
-                                    <p:animEffect transition="in" filter="wipe(down)">
-                                      <p:cBhvr>
-                                        <p:cTn id="151" dur="500"/>
-                                        <p:tgtEl>
-                                          <p:spTgt spid="27"/>
+                                    <p:animEffect transition="in" filter="wipe(left)">
+                                      <p:cBhvr>
+                                        <p:cTn id="153" dur="500"/>
+                                        <p:tgtEl>
+                                          <p:spTgt spid="119"/>
                                         </p:tgtEl>
                                       </p:cBhvr>
                                     </p:animEffect>
-                                  </p:childTnLst>
-                                </p:cTn>
-                              </p:par>
-                              <p:par>
-                                <p:cTn id="152" presetID="10" presetClass="exit" presetSubtype="0" fill="hold" nodeType="withEffect">
-                                  <p:stCondLst>
-                                    <p:cond delay="0"/>
-                                  </p:stCondLst>
-                                  <p:childTnLst>
-                                    <p:animEffect transition="out" filter="fade">
-                                      <p:cBhvr>
-                                        <p:cTn id="153" dur="500"/>
-                                        <p:tgtEl>
-                                          <p:spTgt spid="153"/>
-                                        </p:tgtEl>
-                                      </p:cBhvr>
-                                    </p:animEffect>
-                                    <p:set>
-                                      <p:cBhvr>
-                                        <p:cTn id="154" dur="1" fill="hold">
-                                          <p:stCondLst>
-                                            <p:cond delay="499"/>
-                                          </p:stCondLst>
-                                        </p:cTn>
-                                        <p:tgtEl>
-                                          <p:spTgt spid="153"/>
-                                        </p:tgtEl>
-                                        <p:attrNameLst>
-                                          <p:attrName>style.visibility</p:attrName>
-                                        </p:attrNameLst>
-                                      </p:cBhvr>
-                                      <p:to>
-                                        <p:strVal val="hidden"/>
-                                      </p:to>
-                                    </p:set>
                                   </p:childTnLst>
                                 </p:cTn>
                               </p:par>
@@ -17946,26 +18667,26 @@
                           </p:cTn>
                         </p:par>
                         <p:par>
-                          <p:cTn id="155" fill="hold">
+                          <p:cTn id="154" fill="hold">
                             <p:stCondLst>
                               <p:cond delay="500"/>
                             </p:stCondLst>
                             <p:childTnLst>
                               <p:par>
-                                <p:cTn id="156" presetID="22" presetClass="entr" presetSubtype="4" fill="hold" grpId="0" nodeType="afterEffect">
+                                <p:cTn id="155" presetID="10" presetClass="entr" presetSubtype="0" fill="hold" grpId="0" nodeType="afterEffect">
                                   <p:stCondLst>
                                     <p:cond delay="0"/>
                                   </p:stCondLst>
                                   <p:childTnLst>
                                     <p:set>
                                       <p:cBhvr>
-                                        <p:cTn id="157" dur="1" fill="hold">
+                                        <p:cTn id="156" dur="1" fill="hold">
                                           <p:stCondLst>
                                             <p:cond delay="0"/>
                                           </p:stCondLst>
                                         </p:cTn>
                                         <p:tgtEl>
-                                          <p:spTgt spid="25"/>
+                                          <p:spTgt spid="66"/>
                                         </p:tgtEl>
                                         <p:attrNameLst>
                                           <p:attrName>style.visibility</p:attrName>
@@ -17975,11 +18696,46 @@
                                         <p:strVal val="visible"/>
                                       </p:to>
                                     </p:set>
-                                    <p:animEffect transition="in" filter="wipe(down)">
-                                      <p:cBhvr>
-                                        <p:cTn id="158" dur="500"/>
-                                        <p:tgtEl>
-                                          <p:spTgt spid="25"/>
+                                    <p:animEffect transition="in" filter="fade">
+                                      <p:cBhvr>
+                                        <p:cTn id="157" dur="500"/>
+                                        <p:tgtEl>
+                                          <p:spTgt spid="66"/>
+                                        </p:tgtEl>
+                                      </p:cBhvr>
+                                    </p:animEffect>
+                                  </p:childTnLst>
+                                </p:cTn>
+                              </p:par>
+                              <p:par>
+                                <p:cTn id="158" presetID="10" presetClass="entr" presetSubtype="0" fill="hold" grpId="0" nodeType="withEffect">
+                                  <p:stCondLst>
+                                    <p:cond delay="0"/>
+                                  </p:stCondLst>
+                                  <p:childTnLst>
+                                    <p:set>
+                                      <p:cBhvr>
+                                        <p:cTn id="159" dur="1" fill="hold">
+                                          <p:stCondLst>
+                                            <p:cond delay="0"/>
+                                          </p:stCondLst>
+                                        </p:cTn>
+                                        <p:tgtEl>
+                                          <p:spTgt spid="416"/>
+                                        </p:tgtEl>
+                                        <p:attrNameLst>
+                                          <p:attrName>style.visibility</p:attrName>
+                                        </p:attrNameLst>
+                                      </p:cBhvr>
+                                      <p:to>
+                                        <p:strVal val="visible"/>
+                                      </p:to>
+                                    </p:set>
+                                    <p:animEffect transition="in" filter="fade">
+                                      <p:cBhvr>
+                                        <p:cTn id="160" dur="500"/>
+                                        <p:tgtEl>
+                                          <p:spTgt spid="416"/>
                                         </p:tgtEl>
                                       </p:cBhvr>
                                     </p:animEffect>
@@ -17993,32 +18749,32 @@
                     </p:cTn>
                   </p:par>
                   <p:par>
-                    <p:cTn id="159" fill="hold">
+                    <p:cTn id="161" fill="hold">
                       <p:stCondLst>
                         <p:cond delay="indefinite"/>
                       </p:stCondLst>
                       <p:childTnLst>
                         <p:par>
-                          <p:cTn id="160" fill="hold">
+                          <p:cTn id="162" fill="hold">
                             <p:stCondLst>
                               <p:cond delay="0"/>
                             </p:stCondLst>
                             <p:childTnLst>
                               <p:par>
-                                <p:cTn id="161" presetID="22" presetClass="entr" presetSubtype="8" fill="hold" nodeType="clickEffect">
+                                <p:cTn id="163" presetID="10" presetClass="entr" presetSubtype="0" fill="hold" grpId="0" nodeType="clickEffect">
                                   <p:stCondLst>
                                     <p:cond delay="0"/>
                                   </p:stCondLst>
                                   <p:childTnLst>
                                     <p:set>
                                       <p:cBhvr>
-                                        <p:cTn id="162" dur="1" fill="hold">
+                                        <p:cTn id="164" dur="1" fill="hold">
                                           <p:stCondLst>
                                             <p:cond delay="0"/>
                                           </p:stCondLst>
                                         </p:cTn>
                                         <p:tgtEl>
-                                          <p:spTgt spid="29"/>
+                                          <p:spTgt spid="152"/>
                                         </p:tgtEl>
                                         <p:attrNameLst>
                                           <p:attrName>style.visibility</p:attrName>
@@ -18028,41 +18784,32 @@
                                         <p:strVal val="visible"/>
                                       </p:to>
                                     </p:set>
-                                    <p:animEffect transition="in" filter="wipe(left)">
-                                      <p:cBhvr>
-                                        <p:cTn id="163" dur="500"/>
-                                        <p:tgtEl>
-                                          <p:spTgt spid="29"/>
+                                    <p:animEffect transition="in" filter="fade">
+                                      <p:cBhvr>
+                                        <p:cTn id="165" dur="500"/>
+                                        <p:tgtEl>
+                                          <p:spTgt spid="152"/>
                                         </p:tgtEl>
                                       </p:cBhvr>
                                     </p:animEffect>
                                   </p:childTnLst>
                                 </p:cTn>
                               </p:par>
-                            </p:childTnLst>
-                          </p:cTn>
-                        </p:par>
-                        <p:par>
-                          <p:cTn id="164" fill="hold">
-                            <p:stCondLst>
-                              <p:cond delay="500"/>
-                            </p:stCondLst>
-                            <p:childTnLst>
                               <p:par>
-                                <p:cTn id="165" presetID="22" presetClass="entr" presetSubtype="4" fill="hold" grpId="0" nodeType="afterEffect">
+                                <p:cTn id="166" presetID="10" presetClass="entr" presetSubtype="0" fill="hold" grpId="0" nodeType="withEffect">
                                   <p:stCondLst>
                                     <p:cond delay="0"/>
                                   </p:stCondLst>
                                   <p:childTnLst>
                                     <p:set>
                                       <p:cBhvr>
-                                        <p:cTn id="166" dur="1" fill="hold">
+                                        <p:cTn id="167" dur="1" fill="hold">
                                           <p:stCondLst>
                                             <p:cond delay="0"/>
                                           </p:stCondLst>
                                         </p:cTn>
                                         <p:tgtEl>
-                                          <p:spTgt spid="24"/>
+                                          <p:spTgt spid="4"/>
                                         </p:tgtEl>
                                         <p:attrNameLst>
                                           <p:attrName>style.visibility</p:attrName>
@@ -18072,11 +18819,11 @@
                                         <p:strVal val="visible"/>
                                       </p:to>
                                     </p:set>
-                                    <p:animEffect transition="in" filter="wipe(down)">
-                                      <p:cBhvr>
-                                        <p:cTn id="167" dur="500"/>
-                                        <p:tgtEl>
-                                          <p:spTgt spid="24"/>
+                                    <p:animEffect transition="in" filter="fade">
+                                      <p:cBhvr>
+                                        <p:cTn id="168" dur="500"/>
+                                        <p:tgtEl>
+                                          <p:spTgt spid="4"/>
                                         </p:tgtEl>
                                       </p:cBhvr>
                                     </p:animEffect>
@@ -18090,32 +18837,32 @@
                     </p:cTn>
                   </p:par>
                   <p:par>
-                    <p:cTn id="168" fill="hold">
+                    <p:cTn id="169" fill="hold">
                       <p:stCondLst>
                         <p:cond delay="indefinite"/>
                       </p:stCondLst>
                       <p:childTnLst>
                         <p:par>
-                          <p:cTn id="169" fill="hold">
+                          <p:cTn id="170" fill="hold">
                             <p:stCondLst>
                               <p:cond delay="0"/>
                             </p:stCondLst>
                             <p:childTnLst>
                               <p:par>
-                                <p:cTn id="170" presetID="22" presetClass="entr" presetSubtype="8" fill="hold" nodeType="clickEffect">
+                                <p:cTn id="171" presetID="10" presetClass="entr" presetSubtype="0" fill="hold" nodeType="clickEffect">
                                   <p:stCondLst>
                                     <p:cond delay="0"/>
                                   </p:stCondLst>
                                   <p:childTnLst>
                                     <p:set>
                                       <p:cBhvr>
-                                        <p:cTn id="171" dur="1" fill="hold">
+                                        <p:cTn id="172" dur="1" fill="hold">
                                           <p:stCondLst>
                                             <p:cond delay="0"/>
                                           </p:stCondLst>
                                         </p:cTn>
                                         <p:tgtEl>
-                                          <p:spTgt spid="34"/>
+                                          <p:spTgt spid="153"/>
                                         </p:tgtEl>
                                         <p:attrNameLst>
                                           <p:attrName>style.visibility</p:attrName>
@@ -18125,11 +18872,11 @@
                                         <p:strVal val="visible"/>
                                       </p:to>
                                     </p:set>
-                                    <p:animEffect transition="in" filter="wipe(left)">
-                                      <p:cBhvr>
-                                        <p:cTn id="172" dur="500"/>
-                                        <p:tgtEl>
-                                          <p:spTgt spid="34"/>
+                                    <p:animEffect transition="in" filter="fade">
+                                      <p:cBhvr>
+                                        <p:cTn id="173" dur="500"/>
+                                        <p:tgtEl>
+                                          <p:spTgt spid="153"/>
                                         </p:tgtEl>
                                       </p:cBhvr>
                                     </p:animEffect>
@@ -18137,64 +18884,20 @@
                                 </p:cTn>
                               </p:par>
                               <p:par>
-                                <p:cTn id="173" presetID="22" presetClass="entr" presetSubtype="2" fill="hold" nodeType="withEffect">
+                                <p:cTn id="174" presetID="10" presetClass="entr" presetSubtype="0" fill="hold" grpId="0" nodeType="withEffect">
                                   <p:stCondLst>
                                     <p:cond delay="0"/>
                                   </p:stCondLst>
                                   <p:childTnLst>
                                     <p:set>
                                       <p:cBhvr>
-                                        <p:cTn id="174" dur="1" fill="hold">
+                                        <p:cTn id="175" dur="1" fill="hold">
                                           <p:stCondLst>
                                             <p:cond delay="0"/>
                                           </p:stCondLst>
                                         </p:cTn>
                                         <p:tgtEl>
-                                          <p:spTgt spid="35"/>
-                                        </p:tgtEl>
-                                        <p:attrNameLst>
-                                          <p:attrName>style.visibility</p:attrName>
-                                        </p:attrNameLst>
-                                      </p:cBhvr>
-                                      <p:to>
-                                        <p:strVal val="visible"/>
-                                      </p:to>
-                                    </p:set>
-                                    <p:animEffect transition="in" filter="wipe(right)">
-                                      <p:cBhvr>
-                                        <p:cTn id="175" dur="500"/>
-                                        <p:tgtEl>
-                                          <p:spTgt spid="35"/>
-                                        </p:tgtEl>
-                                      </p:cBhvr>
-                                    </p:animEffect>
-                                  </p:childTnLst>
-                                </p:cTn>
-                              </p:par>
-                            </p:childTnLst>
-                          </p:cTn>
-                        </p:par>
-                        <p:par>
-                          <p:cTn id="176" fill="hold">
-                            <p:stCondLst>
-                              <p:cond delay="500"/>
-                            </p:stCondLst>
-                            <p:childTnLst>
-                              <p:par>
-                                <p:cTn id="177" presetID="10" presetClass="entr" presetSubtype="0" fill="hold" grpId="0" nodeType="afterEffect">
-                                  <p:stCondLst>
-                                    <p:cond delay="0"/>
-                                  </p:stCondLst>
-                                  <p:childTnLst>
-                                    <p:set>
-                                      <p:cBhvr>
-                                        <p:cTn id="178" dur="1" fill="hold">
-                                          <p:stCondLst>
-                                            <p:cond delay="0"/>
-                                          </p:stCondLst>
-                                        </p:cTn>
-                                        <p:tgtEl>
-                                          <p:spTgt spid="120"/>
+                                          <p:spTgt spid="7"/>
                                         </p:tgtEl>
                                         <p:attrNameLst>
                                           <p:attrName>style.visibility</p:attrName>
@@ -18206,9 +18909,9 @@
                                     </p:set>
                                     <p:animEffect transition="in" filter="fade">
                                       <p:cBhvr>
-                                        <p:cTn id="179" dur="500"/>
-                                        <p:tgtEl>
-                                          <p:spTgt spid="120"/>
+                                        <p:cTn id="176" dur="500"/>
+                                        <p:tgtEl>
+                                          <p:spTgt spid="7"/>
                                         </p:tgtEl>
                                       </p:cBhvr>
                                     </p:animEffect>
@@ -18222,32 +18925,32 @@
                     </p:cTn>
                   </p:par>
                   <p:par>
-                    <p:cTn id="180" fill="hold">
+                    <p:cTn id="177" fill="hold">
                       <p:stCondLst>
                         <p:cond delay="indefinite"/>
                       </p:stCondLst>
                       <p:childTnLst>
                         <p:par>
-                          <p:cTn id="181" fill="hold">
+                          <p:cTn id="178" fill="hold">
                             <p:stCondLst>
                               <p:cond delay="0"/>
                             </p:stCondLst>
                             <p:childTnLst>
                               <p:par>
-                                <p:cTn id="182" presetID="22" presetClass="entr" presetSubtype="4" fill="hold" nodeType="clickEffect">
+                                <p:cTn id="179" presetID="22" presetClass="entr" presetSubtype="4" fill="hold" nodeType="clickEffect">
                                   <p:stCondLst>
                                     <p:cond delay="0"/>
                                   </p:stCondLst>
                                   <p:childTnLst>
                                     <p:set>
                                       <p:cBhvr>
-                                        <p:cTn id="183" dur="1" fill="hold">
+                                        <p:cTn id="180" dur="1" fill="hold">
                                           <p:stCondLst>
                                             <p:cond delay="0"/>
                                           </p:stCondLst>
                                         </p:cTn>
                                         <p:tgtEl>
-                                          <p:spTgt spid="39"/>
+                                          <p:spTgt spid="27"/>
                                         </p:tgtEl>
                                         <p:attrNameLst>
                                           <p:attrName>style.visibility</p:attrName>
@@ -18259,12 +18962,47 @@
                                     </p:set>
                                     <p:animEffect transition="in" filter="wipe(down)">
                                       <p:cBhvr>
-                                        <p:cTn id="184" dur="500"/>
-                                        <p:tgtEl>
-                                          <p:spTgt spid="39"/>
+                                        <p:cTn id="181" dur="500"/>
+                                        <p:tgtEl>
+                                          <p:spTgt spid="27"/>
                                         </p:tgtEl>
                                       </p:cBhvr>
                                     </p:animEffect>
+                                  </p:childTnLst>
+                                </p:cTn>
+                              </p:par>
+                              <p:par>
+                                <p:cTn id="182" presetID="10" presetClass="exit" presetSubtype="0" fill="hold" nodeType="withEffect">
+                                  <p:stCondLst>
+                                    <p:cond delay="0"/>
+                                  </p:stCondLst>
+                                  <p:childTnLst>
+                                    <p:animEffect transition="out" filter="fade">
+                                      <p:cBhvr>
+                                        <p:cTn id="183" dur="500"/>
+                                        <p:tgtEl>
+                                          <p:spTgt spid="153"/>
+                                        </p:tgtEl>
+                                      </p:cBhvr>
+                                    </p:animEffect>
+                                    <p:set>
+                                      <p:cBhvr>
+                                        <p:cTn id="184" dur="1" fill="hold">
+                                          <p:stCondLst>
+                                            <p:cond delay="499"/>
+                                          </p:stCondLst>
+                                        </p:cTn>
+                                        <p:tgtEl>
+                                          <p:spTgt spid="153"/>
+                                        </p:tgtEl>
+                                        <p:attrNameLst>
+                                          <p:attrName>style.visibility</p:attrName>
+                                        </p:attrNameLst>
+                                      </p:cBhvr>
+                                      <p:to>
+                                        <p:strVal val="hidden"/>
+                                      </p:to>
+                                    </p:set>
                                   </p:childTnLst>
                                 </p:cTn>
                               </p:par>
@@ -18278,7 +19016,7 @@
                             </p:stCondLst>
                             <p:childTnLst>
                               <p:par>
-                                <p:cTn id="186" presetID="10" presetClass="entr" presetSubtype="0" fill="hold" grpId="0" nodeType="afterEffect">
+                                <p:cTn id="186" presetID="22" presetClass="entr" presetSubtype="4" fill="hold" grpId="0" nodeType="afterEffect">
                                   <p:stCondLst>
                                     <p:cond delay="0"/>
                                   </p:stCondLst>
@@ -18291,7 +19029,7 @@
                                           </p:stCondLst>
                                         </p:cTn>
                                         <p:tgtEl>
-                                          <p:spTgt spid="37"/>
+                                          <p:spTgt spid="25"/>
                                         </p:tgtEl>
                                         <p:attrNameLst>
                                           <p:attrName>style.visibility</p:attrName>
@@ -18301,11 +19039,11 @@
                                         <p:strVal val="visible"/>
                                       </p:to>
                                     </p:set>
-                                    <p:animEffect transition="in" filter="fade">
+                                    <p:animEffect transition="in" filter="wipe(down)">
                                       <p:cBhvr>
                                         <p:cTn id="188" dur="500"/>
                                         <p:tgtEl>
-                                          <p:spTgt spid="37"/>
+                                          <p:spTgt spid="25"/>
                                         </p:tgtEl>
                                       </p:cBhvr>
                                     </p:animEffect>
@@ -18331,7 +19069,7 @@
                             </p:stCondLst>
                             <p:childTnLst>
                               <p:par>
-                                <p:cTn id="191" presetID="22" presetClass="entr" presetSubtype="4" fill="hold" nodeType="clickEffect">
+                                <p:cTn id="191" presetID="22" presetClass="entr" presetSubtype="8" fill="hold" nodeType="clickEffect">
                                   <p:stCondLst>
                                     <p:cond delay="0"/>
                                   </p:stCondLst>
@@ -18344,7 +19082,7 @@
                                           </p:stCondLst>
                                         </p:cTn>
                                         <p:tgtEl>
-                                          <p:spTgt spid="26"/>
+                                          <p:spTgt spid="29"/>
                                         </p:tgtEl>
                                         <p:attrNameLst>
                                           <p:attrName>style.visibility</p:attrName>
@@ -18354,11 +19092,11 @@
                                         <p:strVal val="visible"/>
                                       </p:to>
                                     </p:set>
-                                    <p:animEffect transition="in" filter="wipe(down)">
+                                    <p:animEffect transition="in" filter="wipe(left)">
                                       <p:cBhvr>
                                         <p:cTn id="193" dur="500"/>
                                         <p:tgtEl>
-                                          <p:spTgt spid="26"/>
+                                          <p:spTgt spid="29"/>
                                         </p:tgtEl>
                                       </p:cBhvr>
                                     </p:animEffect>
@@ -18388,7 +19126,7 @@
                                           </p:stCondLst>
                                         </p:cTn>
                                         <p:tgtEl>
-                                          <p:spTgt spid="23"/>
+                                          <p:spTgt spid="24"/>
                                         </p:tgtEl>
                                         <p:attrNameLst>
                                           <p:attrName>style.visibility</p:attrName>
@@ -18402,7 +19140,7 @@
                                       <p:cBhvr>
                                         <p:cTn id="197" dur="500"/>
                                         <p:tgtEl>
-                                          <p:spTgt spid="23"/>
+                                          <p:spTgt spid="24"/>
                                         </p:tgtEl>
                                       </p:cBhvr>
                                     </p:animEffect>
@@ -18441,7 +19179,7 @@
                                           </p:stCondLst>
                                         </p:cTn>
                                         <p:tgtEl>
-                                          <p:spTgt spid="28"/>
+                                          <p:spTgt spid="34"/>
                                         </p:tgtEl>
                                         <p:attrNameLst>
                                           <p:attrName>style.visibility</p:attrName>
@@ -18455,7 +19193,42 @@
                                       <p:cBhvr>
                                         <p:cTn id="202" dur="500"/>
                                         <p:tgtEl>
-                                          <p:spTgt spid="28"/>
+                                          <p:spTgt spid="34"/>
+                                        </p:tgtEl>
+                                      </p:cBhvr>
+                                    </p:animEffect>
+                                  </p:childTnLst>
+                                </p:cTn>
+                              </p:par>
+                              <p:par>
+                                <p:cTn id="203" presetID="22" presetClass="entr" presetSubtype="2" fill="hold" nodeType="withEffect">
+                                  <p:stCondLst>
+                                    <p:cond delay="0"/>
+                                  </p:stCondLst>
+                                  <p:childTnLst>
+                                    <p:set>
+                                      <p:cBhvr>
+                                        <p:cTn id="204" dur="1" fill="hold">
+                                          <p:stCondLst>
+                                            <p:cond delay="0"/>
+                                          </p:stCondLst>
+                                        </p:cTn>
+                                        <p:tgtEl>
+                                          <p:spTgt spid="35"/>
+                                        </p:tgtEl>
+                                        <p:attrNameLst>
+                                          <p:attrName>style.visibility</p:attrName>
+                                        </p:attrNameLst>
+                                      </p:cBhvr>
+                                      <p:to>
+                                        <p:strVal val="visible"/>
+                                      </p:to>
+                                    </p:set>
+                                    <p:animEffect transition="in" filter="wipe(right)">
+                                      <p:cBhvr>
+                                        <p:cTn id="205" dur="500"/>
+                                        <p:tgtEl>
+                                          <p:spTgt spid="35"/>
                                         </p:tgtEl>
                                       </p:cBhvr>
                                     </p:animEffect>
@@ -18466,26 +19239,26 @@
                           </p:cTn>
                         </p:par>
                         <p:par>
-                          <p:cTn id="203" fill="hold">
+                          <p:cTn id="206" fill="hold">
                             <p:stCondLst>
                               <p:cond delay="500"/>
                             </p:stCondLst>
                             <p:childTnLst>
                               <p:par>
-                                <p:cTn id="204" presetID="22" presetClass="entr" presetSubtype="4" fill="hold" grpId="0" nodeType="afterEffect">
+                                <p:cTn id="207" presetID="10" presetClass="entr" presetSubtype="0" fill="hold" grpId="0" nodeType="afterEffect">
                                   <p:stCondLst>
                                     <p:cond delay="0"/>
                                   </p:stCondLst>
                                   <p:childTnLst>
                                     <p:set>
                                       <p:cBhvr>
-                                        <p:cTn id="205" dur="1" fill="hold">
+                                        <p:cTn id="208" dur="1" fill="hold">
                                           <p:stCondLst>
                                             <p:cond delay="0"/>
                                           </p:stCondLst>
                                         </p:cTn>
                                         <p:tgtEl>
-                                          <p:spTgt spid="22"/>
+                                          <p:spTgt spid="120"/>
                                         </p:tgtEl>
                                         <p:attrNameLst>
                                           <p:attrName>style.visibility</p:attrName>
@@ -18495,11 +19268,11 @@
                                         <p:strVal val="visible"/>
                                       </p:to>
                                     </p:set>
-                                    <p:animEffect transition="in" filter="wipe(down)">
-                                      <p:cBhvr>
-                                        <p:cTn id="206" dur="500"/>
-                                        <p:tgtEl>
-                                          <p:spTgt spid="22"/>
+                                    <p:animEffect transition="in" filter="fade">
+                                      <p:cBhvr>
+                                        <p:cTn id="209" dur="500"/>
+                                        <p:tgtEl>
+                                          <p:spTgt spid="120"/>
                                         </p:tgtEl>
                                       </p:cBhvr>
                                     </p:animEffect>
@@ -18513,67 +19286,32 @@
                     </p:cTn>
                   </p:par>
                   <p:par>
-                    <p:cTn id="207" fill="hold">
+                    <p:cTn id="210" fill="hold">
                       <p:stCondLst>
                         <p:cond delay="indefinite"/>
                       </p:stCondLst>
                       <p:childTnLst>
                         <p:par>
-                          <p:cTn id="208" fill="hold">
+                          <p:cTn id="211" fill="hold">
                             <p:stCondLst>
                               <p:cond delay="0"/>
                             </p:stCondLst>
                             <p:childTnLst>
                               <p:par>
-                                <p:cTn id="209" presetID="22" presetClass="entr" presetSubtype="8" fill="hold" nodeType="clickEffect">
+                                <p:cTn id="212" presetID="22" presetClass="entr" presetSubtype="4" fill="hold" nodeType="clickEffect">
                                   <p:stCondLst>
                                     <p:cond delay="0"/>
                                   </p:stCondLst>
                                   <p:childTnLst>
                                     <p:set>
                                       <p:cBhvr>
-                                        <p:cTn id="210" dur="1" fill="hold">
-                                          <p:stCondLst>
-                                            <p:cond delay="0"/>
-                                          </p:stCondLst>
-                                        </p:cTn>
-                                        <p:tgtEl>
-                                          <p:spTgt spid="31"/>
-                                        </p:tgtEl>
-                                        <p:attrNameLst>
-                                          <p:attrName>style.visibility</p:attrName>
-                                        </p:attrNameLst>
-                                      </p:cBhvr>
-                                      <p:to>
-                                        <p:strVal val="visible"/>
-                                      </p:to>
-                                    </p:set>
-                                    <p:animEffect transition="in" filter="wipe(left)">
-                                      <p:cBhvr>
-                                        <p:cTn id="211" dur="500"/>
-                                        <p:tgtEl>
-                                          <p:spTgt spid="31"/>
-                                        </p:tgtEl>
-                                      </p:cBhvr>
-                                    </p:animEffect>
-                                  </p:childTnLst>
-                                </p:cTn>
-                              </p:par>
-                              <p:par>
-                                <p:cTn id="212" presetID="22" presetClass="entr" presetSubtype="2" fill="hold" nodeType="withEffect">
-                                  <p:stCondLst>
-                                    <p:cond delay="0"/>
-                                  </p:stCondLst>
-                                  <p:childTnLst>
-                                    <p:set>
-                                      <p:cBhvr>
                                         <p:cTn id="213" dur="1" fill="hold">
                                           <p:stCondLst>
                                             <p:cond delay="0"/>
                                           </p:stCondLst>
                                         </p:cTn>
                                         <p:tgtEl>
-                                          <p:spTgt spid="32"/>
+                                          <p:spTgt spid="39"/>
                                         </p:tgtEl>
                                         <p:attrNameLst>
                                           <p:attrName>style.visibility</p:attrName>
@@ -18583,11 +19321,11 @@
                                         <p:strVal val="visible"/>
                                       </p:to>
                                     </p:set>
-                                    <p:animEffect transition="in" filter="wipe(right)">
+                                    <p:animEffect transition="in" filter="wipe(down)">
                                       <p:cBhvr>
                                         <p:cTn id="214" dur="500"/>
                                         <p:tgtEl>
-                                          <p:spTgt spid="32"/>
+                                          <p:spTgt spid="39"/>
                                         </p:tgtEl>
                                       </p:cBhvr>
                                     </p:animEffect>
@@ -18617,7 +19355,7 @@
                                           </p:stCondLst>
                                         </p:cTn>
                                         <p:tgtEl>
-                                          <p:spTgt spid="112"/>
+                                          <p:spTgt spid="37"/>
                                         </p:tgtEl>
                                         <p:attrNameLst>
                                           <p:attrName>style.visibility</p:attrName>
@@ -18631,7 +19369,7 @@
                                       <p:cBhvr>
                                         <p:cTn id="218" dur="500"/>
                                         <p:tgtEl>
-                                          <p:spTgt spid="112"/>
+                                          <p:spTgt spid="37"/>
                                         </p:tgtEl>
                                       </p:cBhvr>
                                     </p:animEffect>
@@ -18670,7 +19408,7 @@
                                           </p:stCondLst>
                                         </p:cTn>
                                         <p:tgtEl>
-                                          <p:spTgt spid="38"/>
+                                          <p:spTgt spid="26"/>
                                         </p:tgtEl>
                                         <p:attrNameLst>
                                           <p:attrName>style.visibility</p:attrName>
@@ -18684,7 +19422,7 @@
                                       <p:cBhvr>
                                         <p:cTn id="223" dur="500"/>
                                         <p:tgtEl>
-                                          <p:spTgt spid="38"/>
+                                          <p:spTgt spid="26"/>
                                         </p:tgtEl>
                                       </p:cBhvr>
                                     </p:animEffect>
@@ -18714,7 +19452,7 @@
                                           </p:stCondLst>
                                         </p:cTn>
                                         <p:tgtEl>
-                                          <p:spTgt spid="36"/>
+                                          <p:spTgt spid="23"/>
                                         </p:tgtEl>
                                         <p:attrNameLst>
                                           <p:attrName>style.visibility</p:attrName>
@@ -18728,7 +19466,7 @@
                                       <p:cBhvr>
                                         <p:cTn id="227" dur="500"/>
                                         <p:tgtEl>
-                                          <p:spTgt spid="36"/>
+                                          <p:spTgt spid="23"/>
                                         </p:tgtEl>
                                       </p:cBhvr>
                                     </p:animEffect>
@@ -18754,7 +19492,7 @@
                             </p:stCondLst>
                             <p:childTnLst>
                               <p:par>
-                                <p:cTn id="230" presetID="22" presetClass="entr" presetSubtype="4" fill="hold" nodeType="clickEffect">
+                                <p:cTn id="230" presetID="22" presetClass="entr" presetSubtype="8" fill="hold" nodeType="clickEffect">
                                   <p:stCondLst>
                                     <p:cond delay="0"/>
                                   </p:stCondLst>
@@ -18767,7 +19505,7 @@
                                           </p:stCondLst>
                                         </p:cTn>
                                         <p:tgtEl>
-                                          <p:spTgt spid="41"/>
+                                          <p:spTgt spid="28"/>
                                         </p:tgtEl>
                                         <p:attrNameLst>
                                           <p:attrName>style.visibility</p:attrName>
@@ -18777,46 +19515,11 @@
                                         <p:strVal val="visible"/>
                                       </p:to>
                                     </p:set>
-                                    <p:animEffect transition="in" filter="wipe(down)">
+                                    <p:animEffect transition="in" filter="wipe(left)">
                                       <p:cBhvr>
                                         <p:cTn id="232" dur="500"/>
                                         <p:tgtEl>
-                                          <p:spTgt spid="41"/>
-                                        </p:tgtEl>
-                                      </p:cBhvr>
-                                    </p:animEffect>
-                                  </p:childTnLst>
-                                </p:cTn>
-                              </p:par>
-                              <p:par>
-                                <p:cTn id="233" presetID="22" presetClass="entr" presetSubtype="4" fill="hold" nodeType="withEffect">
-                                  <p:stCondLst>
-                                    <p:cond delay="0"/>
-                                  </p:stCondLst>
-                                  <p:childTnLst>
-                                    <p:set>
-                                      <p:cBhvr>
-                                        <p:cTn id="234" dur="1" fill="hold">
-                                          <p:stCondLst>
-                                            <p:cond delay="0"/>
-                                          </p:stCondLst>
-                                        </p:cTn>
-                                        <p:tgtEl>
-                                          <p:spTgt spid="42"/>
-                                        </p:tgtEl>
-                                        <p:attrNameLst>
-                                          <p:attrName>style.visibility</p:attrName>
-                                        </p:attrNameLst>
-                                      </p:cBhvr>
-                                      <p:to>
-                                        <p:strVal val="visible"/>
-                                      </p:to>
-                                    </p:set>
-                                    <p:animEffect transition="in" filter="wipe(down)">
-                                      <p:cBhvr>
-                                        <p:cTn id="235" dur="500"/>
-                                        <p:tgtEl>
-                                          <p:spTgt spid="42"/>
+                                          <p:spTgt spid="28"/>
                                         </p:tgtEl>
                                       </p:cBhvr>
                                     </p:animEffect>
@@ -18827,26 +19530,26 @@
                           </p:cTn>
                         </p:par>
                         <p:par>
-                          <p:cTn id="236" fill="hold">
+                          <p:cTn id="233" fill="hold">
                             <p:stCondLst>
                               <p:cond delay="500"/>
                             </p:stCondLst>
                             <p:childTnLst>
                               <p:par>
-                                <p:cTn id="237" presetID="10" presetClass="entr" presetSubtype="0" fill="hold" grpId="0" nodeType="afterEffect">
+                                <p:cTn id="234" presetID="22" presetClass="entr" presetSubtype="4" fill="hold" grpId="0" nodeType="afterEffect">
                                   <p:stCondLst>
                                     <p:cond delay="0"/>
                                   </p:stCondLst>
                                   <p:childTnLst>
                                     <p:set>
                                       <p:cBhvr>
-                                        <p:cTn id="238" dur="1" fill="hold">
+                                        <p:cTn id="235" dur="1" fill="hold">
                                           <p:stCondLst>
                                             <p:cond delay="0"/>
                                           </p:stCondLst>
                                         </p:cTn>
                                         <p:tgtEl>
-                                          <p:spTgt spid="40"/>
+                                          <p:spTgt spid="22"/>
                                         </p:tgtEl>
                                         <p:attrNameLst>
                                           <p:attrName>style.visibility</p:attrName>
@@ -18856,11 +19559,11 @@
                                         <p:strVal val="visible"/>
                                       </p:to>
                                     </p:set>
-                                    <p:animEffect transition="in" filter="fade">
-                                      <p:cBhvr>
-                                        <p:cTn id="239" dur="500"/>
-                                        <p:tgtEl>
-                                          <p:spTgt spid="40"/>
+                                    <p:animEffect transition="in" filter="wipe(down)">
+                                      <p:cBhvr>
+                                        <p:cTn id="236" dur="500"/>
+                                        <p:tgtEl>
+                                          <p:spTgt spid="22"/>
                                         </p:tgtEl>
                                       </p:cBhvr>
                                     </p:animEffect>
@@ -18874,32 +19577,111 @@
                     </p:cTn>
                   </p:par>
                   <p:par>
-                    <p:cTn id="240" fill="hold">
+                    <p:cTn id="237" fill="hold">
                       <p:stCondLst>
                         <p:cond delay="indefinite"/>
                       </p:stCondLst>
                       <p:childTnLst>
                         <p:par>
-                          <p:cTn id="241" fill="hold">
+                          <p:cTn id="238" fill="hold">
                             <p:stCondLst>
                               <p:cond delay="0"/>
                             </p:stCondLst>
                             <p:childTnLst>
                               <p:par>
-                                <p:cTn id="242" presetID="10" presetClass="entr" presetSubtype="0" fill="hold" grpId="0" nodeType="clickEffect">
+                                <p:cTn id="239" presetID="22" presetClass="entr" presetSubtype="8" fill="hold" nodeType="clickEffect">
                                   <p:stCondLst>
                                     <p:cond delay="0"/>
                                   </p:stCondLst>
                                   <p:childTnLst>
                                     <p:set>
                                       <p:cBhvr>
+                                        <p:cTn id="240" dur="1" fill="hold">
+                                          <p:stCondLst>
+                                            <p:cond delay="0"/>
+                                          </p:stCondLst>
+                                        </p:cTn>
+                                        <p:tgtEl>
+                                          <p:spTgt spid="31"/>
+                                        </p:tgtEl>
+                                        <p:attrNameLst>
+                                          <p:attrName>style.visibility</p:attrName>
+                                        </p:attrNameLst>
+                                      </p:cBhvr>
+                                      <p:to>
+                                        <p:strVal val="visible"/>
+                                      </p:to>
+                                    </p:set>
+                                    <p:animEffect transition="in" filter="wipe(left)">
+                                      <p:cBhvr>
+                                        <p:cTn id="241" dur="500"/>
+                                        <p:tgtEl>
+                                          <p:spTgt spid="31"/>
+                                        </p:tgtEl>
+                                      </p:cBhvr>
+                                    </p:animEffect>
+                                  </p:childTnLst>
+                                </p:cTn>
+                              </p:par>
+                              <p:par>
+                                <p:cTn id="242" presetID="22" presetClass="entr" presetSubtype="2" fill="hold" nodeType="withEffect">
+                                  <p:stCondLst>
+                                    <p:cond delay="0"/>
+                                  </p:stCondLst>
+                                  <p:childTnLst>
+                                    <p:set>
+                                      <p:cBhvr>
                                         <p:cTn id="243" dur="1" fill="hold">
                                           <p:stCondLst>
                                             <p:cond delay="0"/>
                                           </p:stCondLst>
                                         </p:cTn>
                                         <p:tgtEl>
-                                          <p:spTgt spid="156"/>
+                                          <p:spTgt spid="32"/>
+                                        </p:tgtEl>
+                                        <p:attrNameLst>
+                                          <p:attrName>style.visibility</p:attrName>
+                                        </p:attrNameLst>
+                                      </p:cBhvr>
+                                      <p:to>
+                                        <p:strVal val="visible"/>
+                                      </p:to>
+                                    </p:set>
+                                    <p:animEffect transition="in" filter="wipe(right)">
+                                      <p:cBhvr>
+                                        <p:cTn id="244" dur="500"/>
+                                        <p:tgtEl>
+                                          <p:spTgt spid="32"/>
+                                        </p:tgtEl>
+                                      </p:cBhvr>
+                                    </p:animEffect>
+                                  </p:childTnLst>
+                                </p:cTn>
+                              </p:par>
+                            </p:childTnLst>
+                          </p:cTn>
+                        </p:par>
+                        <p:par>
+                          <p:cTn id="245" fill="hold">
+                            <p:stCondLst>
+                              <p:cond delay="500"/>
+                            </p:stCondLst>
+                            <p:childTnLst>
+                              <p:par>
+                                <p:cTn id="246" presetID="10" presetClass="entr" presetSubtype="0" fill="hold" grpId="0" nodeType="afterEffect">
+                                  <p:stCondLst>
+                                    <p:cond delay="0"/>
+                                  </p:stCondLst>
+                                  <p:childTnLst>
+                                    <p:set>
+                                      <p:cBhvr>
+                                        <p:cTn id="247" dur="1" fill="hold">
+                                          <p:stCondLst>
+                                            <p:cond delay="0"/>
+                                          </p:stCondLst>
+                                        </p:cTn>
+                                        <p:tgtEl>
+                                          <p:spTgt spid="112"/>
                                         </p:tgtEl>
                                         <p:attrNameLst>
                                           <p:attrName>style.visibility</p:attrName>
@@ -18911,79 +19693,9 @@
                                     </p:set>
                                     <p:animEffect transition="in" filter="fade">
                                       <p:cBhvr>
-                                        <p:cTn id="244" dur="500"/>
-                                        <p:tgtEl>
-                                          <p:spTgt spid="156"/>
-                                        </p:tgtEl>
-                                      </p:cBhvr>
-                                    </p:animEffect>
-                                  </p:childTnLst>
-                                </p:cTn>
-                              </p:par>
-                              <p:par>
-                                <p:cTn id="245" presetID="10" presetClass="entr" presetSubtype="0" fill="hold" grpId="0" nodeType="withEffect">
-                                  <p:stCondLst>
-                                    <p:cond delay="0"/>
-                                  </p:stCondLst>
-                                  <p:childTnLst>
-                                    <p:set>
-                                      <p:cBhvr>
-                                        <p:cTn id="246" dur="1" fill="hold">
-                                          <p:stCondLst>
-                                            <p:cond delay="0"/>
-                                          </p:stCondLst>
-                                        </p:cTn>
-                                        <p:tgtEl>
-                                          <p:spTgt spid="423"/>
-                                        </p:tgtEl>
-                                        <p:attrNameLst>
-                                          <p:attrName>style.visibility</p:attrName>
-                                        </p:attrNameLst>
-                                      </p:cBhvr>
-                                      <p:to>
-                                        <p:strVal val="visible"/>
-                                      </p:to>
-                                    </p:set>
-                                    <p:animEffect transition="in" filter="fade">
-                                      <p:cBhvr>
-                                        <p:cTn id="247" dur="500"/>
-                                        <p:tgtEl>
-                                          <p:spTgt spid="423"/>
-                                        </p:tgtEl>
-                                      </p:cBhvr>
-                                    </p:animEffect>
-                                  </p:childTnLst>
-                                </p:cTn>
-                              </p:par>
-                              <p:par>
-                                <p:cTn id="248" presetID="10" presetClass="entr" presetSubtype="0" fill="hold" nodeType="withEffect">
-                                  <p:stCondLst>
-                                    <p:cond delay="0"/>
-                                  </p:stCondLst>
-                                  <p:childTnLst>
-                                    <p:set>
-                                      <p:cBhvr>
-                                        <p:cTn id="249" dur="1" fill="hold">
-                                          <p:stCondLst>
-                                            <p:cond delay="0"/>
-                                          </p:stCondLst>
-                                        </p:cTn>
-                                        <p:tgtEl>
-                                          <p:spTgt spid="420"/>
-                                        </p:tgtEl>
-                                        <p:attrNameLst>
-                                          <p:attrName>style.visibility</p:attrName>
-                                        </p:attrNameLst>
-                                      </p:cBhvr>
-                                      <p:to>
-                                        <p:strVal val="visible"/>
-                                      </p:to>
-                                    </p:set>
-                                    <p:animEffect transition="in" filter="fade">
-                                      <p:cBhvr>
-                                        <p:cTn id="250" dur="500"/>
-                                        <p:tgtEl>
-                                          <p:spTgt spid="420"/>
+                                        <p:cTn id="248" dur="500"/>
+                                        <p:tgtEl>
+                                          <p:spTgt spid="112"/>
                                         </p:tgtEl>
                                       </p:cBhvr>
                                     </p:animEffect>
@@ -18997,32 +19709,32 @@
                     </p:cTn>
                   </p:par>
                   <p:par>
-                    <p:cTn id="251" fill="hold">
+                    <p:cTn id="249" fill="hold">
                       <p:stCondLst>
                         <p:cond delay="indefinite"/>
                       </p:stCondLst>
                       <p:childTnLst>
                         <p:par>
-                          <p:cTn id="252" fill="hold">
+                          <p:cTn id="250" fill="hold">
                             <p:stCondLst>
                               <p:cond delay="0"/>
                             </p:stCondLst>
                             <p:childTnLst>
                               <p:par>
-                                <p:cTn id="253" presetID="22" presetClass="entr" presetSubtype="8" fill="hold" nodeType="clickEffect">
+                                <p:cTn id="251" presetID="22" presetClass="entr" presetSubtype="4" fill="hold" nodeType="clickEffect">
                                   <p:stCondLst>
                                     <p:cond delay="0"/>
                                   </p:stCondLst>
                                   <p:childTnLst>
                                     <p:set>
                                       <p:cBhvr>
-                                        <p:cTn id="254" dur="1" fill="hold">
+                                        <p:cTn id="252" dur="1" fill="hold">
                                           <p:stCondLst>
                                             <p:cond delay="0"/>
                                           </p:stCondLst>
                                         </p:cTn>
                                         <p:tgtEl>
-                                          <p:spTgt spid="21"/>
+                                          <p:spTgt spid="38"/>
                                         </p:tgtEl>
                                         <p:attrNameLst>
                                           <p:attrName>style.visibility</p:attrName>
@@ -19032,11 +19744,11 @@
                                         <p:strVal val="visible"/>
                                       </p:to>
                                     </p:set>
-                                    <p:animEffect transition="in" filter="wipe(left)">
-                                      <p:cBhvr>
-                                        <p:cTn id="255" dur="500"/>
-                                        <p:tgtEl>
-                                          <p:spTgt spid="21"/>
+                                    <p:animEffect transition="in" filter="wipe(down)">
+                                      <p:cBhvr>
+                                        <p:cTn id="253" dur="500"/>
+                                        <p:tgtEl>
+                                          <p:spTgt spid="38"/>
                                         </p:tgtEl>
                                       </p:cBhvr>
                                     </p:animEffect>
@@ -19047,26 +19759,26 @@
                           </p:cTn>
                         </p:par>
                         <p:par>
-                          <p:cTn id="256" fill="hold">
+                          <p:cTn id="254" fill="hold">
                             <p:stCondLst>
                               <p:cond delay="500"/>
                             </p:stCondLst>
                             <p:childTnLst>
                               <p:par>
-                                <p:cTn id="257" presetID="22" presetClass="entr" presetSubtype="1" fill="hold" grpId="0" nodeType="afterEffect">
+                                <p:cTn id="255" presetID="22" presetClass="entr" presetSubtype="4" fill="hold" grpId="0" nodeType="afterEffect">
                                   <p:stCondLst>
                                     <p:cond delay="0"/>
                                   </p:stCondLst>
                                   <p:childTnLst>
                                     <p:set>
                                       <p:cBhvr>
-                                        <p:cTn id="258" dur="1" fill="hold">
+                                        <p:cTn id="256" dur="1" fill="hold">
                                           <p:stCondLst>
                                             <p:cond delay="0"/>
                                           </p:stCondLst>
                                         </p:cTn>
                                         <p:tgtEl>
-                                          <p:spTgt spid="10"/>
+                                          <p:spTgt spid="36"/>
                                         </p:tgtEl>
                                         <p:attrNameLst>
                                           <p:attrName>style.visibility</p:attrName>
@@ -19076,99 +19788,11 @@
                                         <p:strVal val="visible"/>
                                       </p:to>
                                     </p:set>
-                                    <p:animEffect transition="in" filter="wipe(up)">
-                                      <p:cBhvr>
-                                        <p:cTn id="259" dur="500"/>
-                                        <p:tgtEl>
-                                          <p:spTgt spid="10"/>
-                                        </p:tgtEl>
-                                      </p:cBhvr>
-                                    </p:animEffect>
-                                  </p:childTnLst>
-                                </p:cTn>
-                              </p:par>
-                            </p:childTnLst>
-                          </p:cTn>
-                        </p:par>
-                        <p:par>
-                          <p:cTn id="260" fill="hold">
-                            <p:stCondLst>
-                              <p:cond delay="1000"/>
-                            </p:stCondLst>
-                            <p:childTnLst>
-                              <p:par>
-                                <p:cTn id="261" presetID="22" presetClass="entr" presetSubtype="1" fill="hold" nodeType="afterEffect">
-                                  <p:stCondLst>
-                                    <p:cond delay="0"/>
-                                  </p:stCondLst>
-                                  <p:childTnLst>
-                                    <p:set>
-                                      <p:cBhvr>
-                                        <p:cTn id="262" dur="1" fill="hold">
-                                          <p:stCondLst>
-                                            <p:cond delay="0"/>
-                                          </p:stCondLst>
-                                        </p:cTn>
-                                        <p:tgtEl>
-                                          <p:spTgt spid="20"/>
-                                        </p:tgtEl>
-                                        <p:attrNameLst>
-                                          <p:attrName>style.visibility</p:attrName>
-                                        </p:attrNameLst>
-                                      </p:cBhvr>
-                                      <p:to>
-                                        <p:strVal val="visible"/>
-                                      </p:to>
-                                    </p:set>
-                                    <p:animEffect transition="in" filter="wipe(up)">
-                                      <p:cBhvr>
-                                        <p:cTn id="263" dur="500"/>
-                                        <p:tgtEl>
-                                          <p:spTgt spid="20"/>
-                                        </p:tgtEl>
-                                      </p:cBhvr>
-                                    </p:animEffect>
-                                  </p:childTnLst>
-                                </p:cTn>
-                              </p:par>
-                            </p:childTnLst>
-                          </p:cTn>
-                        </p:par>
-                        <p:par>
-                          <p:cTn id="264" fill="hold">
-                            <p:stCondLst>
-                              <p:cond delay="1500"/>
-                            </p:stCondLst>
-                            <p:childTnLst>
-                              <p:par>
-                                <p:cTn id="265" presetID="22" presetClass="entr" presetSubtype="1" fill="hold" grpId="0" nodeType="afterEffect">
-                                  <p:stCondLst>
-                                    <p:cond delay="0"/>
-                                  </p:stCondLst>
-                                  <p:childTnLst>
-                                    <p:set>
-                                      <p:cBhvr>
-                                        <p:cTn id="266" dur="1" fill="hold">
-                                          <p:stCondLst>
-                                            <p:cond delay="0"/>
-                                          </p:stCondLst>
-                                        </p:cTn>
-                                        <p:tgtEl>
-                                          <p:spTgt spid="11"/>
-                                        </p:tgtEl>
-                                        <p:attrNameLst>
-                                          <p:attrName>style.visibility</p:attrName>
-                                        </p:attrNameLst>
-                                      </p:cBhvr>
-                                      <p:to>
-                                        <p:strVal val="visible"/>
-                                      </p:to>
-                                    </p:set>
-                                    <p:animEffect transition="in" filter="wipe(up)">
-                                      <p:cBhvr>
-                                        <p:cTn id="267" dur="500"/>
-                                        <p:tgtEl>
-                                          <p:spTgt spid="11"/>
+                                    <p:animEffect transition="in" filter="wipe(down)">
+                                      <p:cBhvr>
+                                        <p:cTn id="257" dur="500"/>
+                                        <p:tgtEl>
+                                          <p:spTgt spid="36"/>
                                         </p:tgtEl>
                                       </p:cBhvr>
                                     </p:animEffect>
@@ -19182,32 +19806,32 @@
                     </p:cTn>
                   </p:par>
                   <p:par>
-                    <p:cTn id="268" fill="hold">
+                    <p:cTn id="258" fill="hold">
                       <p:stCondLst>
                         <p:cond delay="indefinite"/>
                       </p:stCondLst>
                       <p:childTnLst>
                         <p:par>
-                          <p:cTn id="269" fill="hold">
+                          <p:cTn id="259" fill="hold">
                             <p:stCondLst>
                               <p:cond delay="0"/>
                             </p:stCondLst>
                             <p:childTnLst>
                               <p:par>
-                                <p:cTn id="270" presetID="22" presetClass="entr" presetSubtype="4" fill="hold" nodeType="clickEffect">
+                                <p:cTn id="260" presetID="22" presetClass="entr" presetSubtype="4" fill="hold" nodeType="clickEffect">
                                   <p:stCondLst>
                                     <p:cond delay="0"/>
                                   </p:stCondLst>
                                   <p:childTnLst>
                                     <p:set>
                                       <p:cBhvr>
-                                        <p:cTn id="271" dur="1" fill="hold">
+                                        <p:cTn id="261" dur="1" fill="hold">
                                           <p:stCondLst>
                                             <p:cond delay="0"/>
                                           </p:stCondLst>
                                         </p:cTn>
                                         <p:tgtEl>
-                                          <p:spTgt spid="12"/>
+                                          <p:spTgt spid="41"/>
                                         </p:tgtEl>
                                         <p:attrNameLst>
                                           <p:attrName>style.visibility</p:attrName>
@@ -19219,9 +19843,44 @@
                                     </p:set>
                                     <p:animEffect transition="in" filter="wipe(down)">
                                       <p:cBhvr>
-                                        <p:cTn id="272" dur="500"/>
-                                        <p:tgtEl>
-                                          <p:spTgt spid="12"/>
+                                        <p:cTn id="262" dur="500"/>
+                                        <p:tgtEl>
+                                          <p:spTgt spid="41"/>
+                                        </p:tgtEl>
+                                      </p:cBhvr>
+                                    </p:animEffect>
+                                  </p:childTnLst>
+                                </p:cTn>
+                              </p:par>
+                              <p:par>
+                                <p:cTn id="263" presetID="22" presetClass="entr" presetSubtype="4" fill="hold" nodeType="withEffect">
+                                  <p:stCondLst>
+                                    <p:cond delay="0"/>
+                                  </p:stCondLst>
+                                  <p:childTnLst>
+                                    <p:set>
+                                      <p:cBhvr>
+                                        <p:cTn id="264" dur="1" fill="hold">
+                                          <p:stCondLst>
+                                            <p:cond delay="0"/>
+                                          </p:stCondLst>
+                                        </p:cTn>
+                                        <p:tgtEl>
+                                          <p:spTgt spid="42"/>
+                                        </p:tgtEl>
+                                        <p:attrNameLst>
+                                          <p:attrName>style.visibility</p:attrName>
+                                        </p:attrNameLst>
+                                      </p:cBhvr>
+                                      <p:to>
+                                        <p:strVal val="visible"/>
+                                      </p:to>
+                                    </p:set>
+                                    <p:animEffect transition="in" filter="wipe(down)">
+                                      <p:cBhvr>
+                                        <p:cTn id="265" dur="500"/>
+                                        <p:tgtEl>
+                                          <p:spTgt spid="42"/>
                                         </p:tgtEl>
                                       </p:cBhvr>
                                     </p:animEffect>
@@ -19232,26 +19891,26 @@
                           </p:cTn>
                         </p:par>
                         <p:par>
-                          <p:cTn id="273" fill="hold">
+                          <p:cTn id="266" fill="hold">
                             <p:stCondLst>
                               <p:cond delay="500"/>
                             </p:stCondLst>
                             <p:childTnLst>
                               <p:par>
-                                <p:cTn id="274" presetID="22" presetClass="entr" presetSubtype="4" fill="hold" grpId="0" nodeType="afterEffect">
+                                <p:cTn id="267" presetID="10" presetClass="entr" presetSubtype="0" fill="hold" grpId="0" nodeType="afterEffect">
                                   <p:stCondLst>
                                     <p:cond delay="0"/>
                                   </p:stCondLst>
                                   <p:childTnLst>
                                     <p:set>
                                       <p:cBhvr>
-                                        <p:cTn id="275" dur="1" fill="hold">
+                                        <p:cTn id="268" dur="1" fill="hold">
                                           <p:stCondLst>
                                             <p:cond delay="0"/>
                                           </p:stCondLst>
                                         </p:cTn>
                                         <p:tgtEl>
-                                          <p:spTgt spid="15"/>
+                                          <p:spTgt spid="40"/>
                                         </p:tgtEl>
                                         <p:attrNameLst>
                                           <p:attrName>style.visibility</p:attrName>
@@ -19261,11 +19920,11 @@
                                         <p:strVal val="visible"/>
                                       </p:to>
                                     </p:set>
-                                    <p:animEffect transition="in" filter="wipe(down)">
-                                      <p:cBhvr>
-                                        <p:cTn id="276" dur="500"/>
-                                        <p:tgtEl>
-                                          <p:spTgt spid="15"/>
+                                    <p:animEffect transition="in" filter="fade">
+                                      <p:cBhvr>
+                                        <p:cTn id="269" dur="500"/>
+                                        <p:tgtEl>
+                                          <p:spTgt spid="40"/>
                                         </p:tgtEl>
                                       </p:cBhvr>
                                     </p:animEffect>
@@ -19279,32 +19938,32 @@
                     </p:cTn>
                   </p:par>
                   <p:par>
-                    <p:cTn id="277" fill="hold">
+                    <p:cTn id="270" fill="hold">
                       <p:stCondLst>
                         <p:cond delay="indefinite"/>
                       </p:stCondLst>
                       <p:childTnLst>
                         <p:par>
-                          <p:cTn id="278" fill="hold">
+                          <p:cTn id="271" fill="hold">
                             <p:stCondLst>
                               <p:cond delay="0"/>
                             </p:stCondLst>
                             <p:childTnLst>
                               <p:par>
-                                <p:cTn id="279" presetID="22" presetClass="entr" presetSubtype="8" fill="hold" nodeType="clickEffect">
+                                <p:cTn id="272" presetID="10" presetClass="entr" presetSubtype="0" fill="hold" grpId="0" nodeType="clickEffect">
                                   <p:stCondLst>
                                     <p:cond delay="0"/>
                                   </p:stCondLst>
                                   <p:childTnLst>
                                     <p:set>
                                       <p:cBhvr>
-                                        <p:cTn id="280" dur="1" fill="hold">
+                                        <p:cTn id="273" dur="1" fill="hold">
                                           <p:stCondLst>
                                             <p:cond delay="0"/>
                                           </p:stCondLst>
                                         </p:cTn>
                                         <p:tgtEl>
-                                          <p:spTgt spid="14"/>
+                                          <p:spTgt spid="156"/>
                                         </p:tgtEl>
                                         <p:attrNameLst>
                                           <p:attrName>style.visibility</p:attrName>
@@ -19314,41 +19973,32 @@
                                         <p:strVal val="visible"/>
                                       </p:to>
                                     </p:set>
-                                    <p:animEffect transition="in" filter="wipe(left)">
-                                      <p:cBhvr>
-                                        <p:cTn id="281" dur="500"/>
-                                        <p:tgtEl>
-                                          <p:spTgt spid="14"/>
+                                    <p:animEffect transition="in" filter="fade">
+                                      <p:cBhvr>
+                                        <p:cTn id="274" dur="500"/>
+                                        <p:tgtEl>
+                                          <p:spTgt spid="156"/>
                                         </p:tgtEl>
                                       </p:cBhvr>
                                     </p:animEffect>
                                   </p:childTnLst>
                                 </p:cTn>
                               </p:par>
-                            </p:childTnLst>
-                          </p:cTn>
-                        </p:par>
-                        <p:par>
-                          <p:cTn id="282" fill="hold">
-                            <p:stCondLst>
-                              <p:cond delay="500"/>
-                            </p:stCondLst>
-                            <p:childTnLst>
                               <p:par>
-                                <p:cTn id="283" presetID="22" presetClass="entr" presetSubtype="4" fill="hold" grpId="0" nodeType="afterEffect">
+                                <p:cTn id="275" presetID="10" presetClass="entr" presetSubtype="0" fill="hold" grpId="0" nodeType="withEffect">
                                   <p:stCondLst>
                                     <p:cond delay="0"/>
                                   </p:stCondLst>
                                   <p:childTnLst>
                                     <p:set>
                                       <p:cBhvr>
-                                        <p:cTn id="284" dur="1" fill="hold">
+                                        <p:cTn id="276" dur="1" fill="hold">
                                           <p:stCondLst>
                                             <p:cond delay="0"/>
                                           </p:stCondLst>
                                         </p:cTn>
                                         <p:tgtEl>
-                                          <p:spTgt spid="13"/>
+                                          <p:spTgt spid="423"/>
                                         </p:tgtEl>
                                         <p:attrNameLst>
                                           <p:attrName>style.visibility</p:attrName>
@@ -19358,11 +20008,46 @@
                                         <p:strVal val="visible"/>
                                       </p:to>
                                     </p:set>
-                                    <p:animEffect transition="in" filter="wipe(down)">
-                                      <p:cBhvr>
-                                        <p:cTn id="285" dur="500"/>
-                                        <p:tgtEl>
-                                          <p:spTgt spid="13"/>
+                                    <p:animEffect transition="in" filter="fade">
+                                      <p:cBhvr>
+                                        <p:cTn id="277" dur="500"/>
+                                        <p:tgtEl>
+                                          <p:spTgt spid="423"/>
+                                        </p:tgtEl>
+                                      </p:cBhvr>
+                                    </p:animEffect>
+                                  </p:childTnLst>
+                                </p:cTn>
+                              </p:par>
+                              <p:par>
+                                <p:cTn id="278" presetID="10" presetClass="entr" presetSubtype="0" fill="hold" nodeType="withEffect">
+                                  <p:stCondLst>
+                                    <p:cond delay="0"/>
+                                  </p:stCondLst>
+                                  <p:childTnLst>
+                                    <p:set>
+                                      <p:cBhvr>
+                                        <p:cTn id="279" dur="1" fill="hold">
+                                          <p:stCondLst>
+                                            <p:cond delay="0"/>
+                                          </p:stCondLst>
+                                        </p:cTn>
+                                        <p:tgtEl>
+                                          <p:spTgt spid="420"/>
+                                        </p:tgtEl>
+                                        <p:attrNameLst>
+                                          <p:attrName>style.visibility</p:attrName>
+                                        </p:attrNameLst>
+                                      </p:cBhvr>
+                                      <p:to>
+                                        <p:strVal val="visible"/>
+                                      </p:to>
+                                    </p:set>
+                                    <p:animEffect transition="in" filter="fade">
+                                      <p:cBhvr>
+                                        <p:cTn id="280" dur="500"/>
+                                        <p:tgtEl>
+                                          <p:spTgt spid="420"/>
                                         </p:tgtEl>
                                       </p:cBhvr>
                                     </p:animEffect>
@@ -19376,32 +20061,32 @@
                     </p:cTn>
                   </p:par>
                   <p:par>
-                    <p:cTn id="286" fill="hold">
+                    <p:cTn id="281" fill="hold">
                       <p:stCondLst>
                         <p:cond delay="indefinite"/>
                       </p:stCondLst>
                       <p:childTnLst>
                         <p:par>
-                          <p:cTn id="287" fill="hold">
+                          <p:cTn id="282" fill="hold">
                             <p:stCondLst>
                               <p:cond delay="0"/>
                             </p:stCondLst>
                             <p:childTnLst>
                               <p:par>
-                                <p:cTn id="288" presetID="22" presetClass="entr" presetSubtype="8" fill="hold" nodeType="clickEffect">
+                                <p:cTn id="283" presetID="10" presetClass="entr" presetSubtype="0" fill="hold" grpId="0" nodeType="clickEffect">
                                   <p:stCondLst>
                                     <p:cond delay="0"/>
                                   </p:stCondLst>
                                   <p:childTnLst>
                                     <p:set>
                                       <p:cBhvr>
-                                        <p:cTn id="289" dur="1" fill="hold">
+                                        <p:cTn id="284" dur="1" fill="hold">
                                           <p:stCondLst>
                                             <p:cond delay="0"/>
                                           </p:stCondLst>
                                         </p:cTn>
                                         <p:tgtEl>
-                                          <p:spTgt spid="17"/>
+                                          <p:spTgt spid="132"/>
                                         </p:tgtEl>
                                         <p:attrNameLst>
                                           <p:attrName>style.visibility</p:attrName>
@@ -19411,11 +20096,11 @@
                                         <p:strVal val="visible"/>
                                       </p:to>
                                     </p:set>
-                                    <p:animEffect transition="in" filter="wipe(left)">
-                                      <p:cBhvr>
-                                        <p:cTn id="290" dur="500"/>
-                                        <p:tgtEl>
-                                          <p:spTgt spid="17"/>
+                                    <p:animEffect transition="in" filter="fade">
+                                      <p:cBhvr>
+                                        <p:cTn id="285" dur="500"/>
+                                        <p:tgtEl>
+                                          <p:spTgt spid="132"/>
                                         </p:tgtEl>
                                       </p:cBhvr>
                                     </p:animEffect>
@@ -19423,64 +20108,20 @@
                                 </p:cTn>
                               </p:par>
                               <p:par>
-                                <p:cTn id="291" presetID="22" presetClass="entr" presetSubtype="2" fill="hold" nodeType="withEffect">
+                                <p:cTn id="286" presetID="10" presetClass="entr" presetSubtype="0" fill="hold" grpId="0" nodeType="withEffect">
                                   <p:stCondLst>
                                     <p:cond delay="0"/>
                                   </p:stCondLst>
                                   <p:childTnLst>
                                     <p:set>
                                       <p:cBhvr>
-                                        <p:cTn id="292" dur="1" fill="hold">
+                                        <p:cTn id="287" dur="1" fill="hold">
                                           <p:stCondLst>
                                             <p:cond delay="0"/>
                                           </p:stCondLst>
                                         </p:cTn>
                                         <p:tgtEl>
-                                          <p:spTgt spid="18"/>
-                                        </p:tgtEl>
-                                        <p:attrNameLst>
-                                          <p:attrName>style.visibility</p:attrName>
-                                        </p:attrNameLst>
-                                      </p:cBhvr>
-                                      <p:to>
-                                        <p:strVal val="visible"/>
-                                      </p:to>
-                                    </p:set>
-                                    <p:animEffect transition="in" filter="wipe(right)">
-                                      <p:cBhvr>
-                                        <p:cTn id="293" dur="500"/>
-                                        <p:tgtEl>
-                                          <p:spTgt spid="18"/>
-                                        </p:tgtEl>
-                                      </p:cBhvr>
-                                    </p:animEffect>
-                                  </p:childTnLst>
-                                </p:cTn>
-                              </p:par>
-                            </p:childTnLst>
-                          </p:cTn>
-                        </p:par>
-                        <p:par>
-                          <p:cTn id="294" fill="hold">
-                            <p:stCondLst>
-                              <p:cond delay="500"/>
-                            </p:stCondLst>
-                            <p:childTnLst>
-                              <p:par>
-                                <p:cTn id="295" presetID="10" presetClass="entr" presetSubtype="0" fill="hold" grpId="0" nodeType="afterEffect">
-                                  <p:stCondLst>
-                                    <p:cond delay="0"/>
-                                  </p:stCondLst>
-                                  <p:childTnLst>
-                                    <p:set>
-                                      <p:cBhvr>
-                                        <p:cTn id="296" dur="1" fill="hold">
-                                          <p:stCondLst>
-                                            <p:cond delay="0"/>
-                                          </p:stCondLst>
-                                        </p:cTn>
-                                        <p:tgtEl>
-                                          <p:spTgt spid="103"/>
+                                          <p:spTgt spid="131"/>
                                         </p:tgtEl>
                                         <p:attrNameLst>
                                           <p:attrName>style.visibility</p:attrName>
@@ -19492,53 +20133,9 @@
                                     </p:set>
                                     <p:animEffect transition="in" filter="fade">
                                       <p:cBhvr>
-                                        <p:cTn id="297" dur="500"/>
-                                        <p:tgtEl>
-                                          <p:spTgt spid="103"/>
-                                        </p:tgtEl>
-                                      </p:cBhvr>
-                                    </p:animEffect>
-                                  </p:childTnLst>
-                                </p:cTn>
-                              </p:par>
-                            </p:childTnLst>
-                          </p:cTn>
-                        </p:par>
-                        <p:par>
-                          <p:cTn id="298" fill="hold">
-                            <p:stCondLst>
-                              <p:cond delay="1000"/>
-                            </p:stCondLst>
-                            <p:childTnLst>
-                              <p:par>
-                                <p:cTn id="299" presetID="22" presetClass="entr" presetSubtype="4" fill="hold" nodeType="afterEffect">
-                                  <p:stCondLst>
-                                    <p:cond delay="0"/>
-                                  </p:stCondLst>
-                                  <p:childTnLst>
-                                    <p:set>
-                                      <p:cBhvr>
-                                        <p:cTn id="300" dur="1" fill="hold">
-                                          <p:stCondLst>
-                                            <p:cond delay="0"/>
-                                          </p:stCondLst>
-                                        </p:cTn>
-                                        <p:tgtEl>
-                                          <p:spTgt spid="19"/>
-                                        </p:tgtEl>
-                                        <p:attrNameLst>
-                                          <p:attrName>style.visibility</p:attrName>
-                                        </p:attrNameLst>
-                                      </p:cBhvr>
-                                      <p:to>
-                                        <p:strVal val="visible"/>
-                                      </p:to>
-                                    </p:set>
-                                    <p:animEffect transition="in" filter="wipe(down)">
-                                      <p:cBhvr>
-                                        <p:cTn id="301" dur="500"/>
-                                        <p:tgtEl>
-                                          <p:spTgt spid="19"/>
+                                        <p:cTn id="288" dur="500"/>
+                                        <p:tgtEl>
+                                          <p:spTgt spid="131"/>
                                         </p:tgtEl>
                                       </p:cBhvr>
                                     </p:animEffect>
@@ -19552,32 +20149,111 @@
                     </p:cTn>
                   </p:par>
                   <p:par>
-                    <p:cTn id="302" fill="hold">
+                    <p:cTn id="289" fill="hold">
                       <p:stCondLst>
                         <p:cond delay="indefinite"/>
                       </p:stCondLst>
                       <p:childTnLst>
                         <p:par>
-                          <p:cTn id="303" fill="hold">
+                          <p:cTn id="290" fill="hold">
                             <p:stCondLst>
                               <p:cond delay="0"/>
                             </p:stCondLst>
                             <p:childTnLst>
                               <p:par>
-                                <p:cTn id="304" presetID="10" presetClass="entr" presetSubtype="0" fill="hold" grpId="0" nodeType="clickEffect">
+                                <p:cTn id="291" presetID="10" presetClass="exit" presetSubtype="0" fill="hold" grpId="1" nodeType="clickEffect">
+                                  <p:stCondLst>
+                                    <p:cond delay="0"/>
+                                  </p:stCondLst>
+                                  <p:childTnLst>
+                                    <p:animEffect transition="out" filter="fade">
+                                      <p:cBhvr>
+                                        <p:cTn id="292" dur="500"/>
+                                        <p:tgtEl>
+                                          <p:spTgt spid="132"/>
+                                        </p:tgtEl>
+                                      </p:cBhvr>
+                                    </p:animEffect>
+                                    <p:set>
+                                      <p:cBhvr>
+                                        <p:cTn id="293" dur="1" fill="hold">
+                                          <p:stCondLst>
+                                            <p:cond delay="499"/>
+                                          </p:stCondLst>
+                                        </p:cTn>
+                                        <p:tgtEl>
+                                          <p:spTgt spid="132"/>
+                                        </p:tgtEl>
+                                        <p:attrNameLst>
+                                          <p:attrName>style.visibility</p:attrName>
+                                        </p:attrNameLst>
+                                      </p:cBhvr>
+                                      <p:to>
+                                        <p:strVal val="hidden"/>
+                                      </p:to>
+                                    </p:set>
+                                  </p:childTnLst>
+                                </p:cTn>
+                              </p:par>
+                              <p:par>
+                                <p:cTn id="294" presetID="10" presetClass="exit" presetSubtype="0" fill="hold" grpId="1" nodeType="withEffect">
+                                  <p:stCondLst>
+                                    <p:cond delay="0"/>
+                                  </p:stCondLst>
+                                  <p:childTnLst>
+                                    <p:animEffect transition="out" filter="fade">
+                                      <p:cBhvr>
+                                        <p:cTn id="295" dur="500"/>
+                                        <p:tgtEl>
+                                          <p:spTgt spid="131"/>
+                                        </p:tgtEl>
+                                      </p:cBhvr>
+                                    </p:animEffect>
+                                    <p:set>
+                                      <p:cBhvr>
+                                        <p:cTn id="296" dur="1" fill="hold">
+                                          <p:stCondLst>
+                                            <p:cond delay="499"/>
+                                          </p:stCondLst>
+                                        </p:cTn>
+                                        <p:tgtEl>
+                                          <p:spTgt spid="131"/>
+                                        </p:tgtEl>
+                                        <p:attrNameLst>
+                                          <p:attrName>style.visibility</p:attrName>
+                                        </p:attrNameLst>
+                                      </p:cBhvr>
+                                      <p:to>
+                                        <p:strVal val="hidden"/>
+                                      </p:to>
+                                    </p:set>
+                                  </p:childTnLst>
+                                </p:cTn>
+                              </p:par>
+                            </p:childTnLst>
+                          </p:cTn>
+                        </p:par>
+                        <p:par>
+                          <p:cTn id="297" fill="hold">
+                            <p:stCondLst>
+                              <p:cond delay="500"/>
+                            </p:stCondLst>
+                            <p:childTnLst>
+                              <p:par>
+                                <p:cTn id="298" presetID="10" presetClass="entr" presetSubtype="0" fill="hold" grpId="0" nodeType="afterEffect">
                                   <p:stCondLst>
                                     <p:cond delay="0"/>
                                   </p:stCondLst>
                                   <p:childTnLst>
                                     <p:set>
                                       <p:cBhvr>
-                                        <p:cTn id="305" dur="1" fill="hold">
+                                        <p:cTn id="299" dur="1" fill="hold">
                                           <p:stCondLst>
                                             <p:cond delay="0"/>
                                           </p:stCondLst>
                                         </p:cTn>
                                         <p:tgtEl>
-                                          <p:spTgt spid="157"/>
+                                          <p:spTgt spid="135"/>
                                         </p:tgtEl>
                                         <p:attrNameLst>
                                           <p:attrName>style.visibility</p:attrName>
@@ -19589,9 +20265,44 @@
                                     </p:set>
                                     <p:animEffect transition="in" filter="fade">
                                       <p:cBhvr>
-                                        <p:cTn id="306" dur="500"/>
-                                        <p:tgtEl>
-                                          <p:spTgt spid="157"/>
+                                        <p:cTn id="300" dur="500"/>
+                                        <p:tgtEl>
+                                          <p:spTgt spid="135"/>
+                                        </p:tgtEl>
+                                      </p:cBhvr>
+                                    </p:animEffect>
+                                  </p:childTnLst>
+                                </p:cTn>
+                              </p:par>
+                              <p:par>
+                                <p:cTn id="301" presetID="10" presetClass="entr" presetSubtype="0" fill="hold" grpId="0" nodeType="withEffect">
+                                  <p:stCondLst>
+                                    <p:cond delay="0"/>
+                                  </p:stCondLst>
+                                  <p:childTnLst>
+                                    <p:set>
+                                      <p:cBhvr>
+                                        <p:cTn id="302" dur="1" fill="hold">
+                                          <p:stCondLst>
+                                            <p:cond delay="0"/>
+                                          </p:stCondLst>
+                                        </p:cTn>
+                                        <p:tgtEl>
+                                          <p:spTgt spid="134"/>
+                                        </p:tgtEl>
+                                        <p:attrNameLst>
+                                          <p:attrName>style.visibility</p:attrName>
+                                        </p:attrNameLst>
+                                      </p:cBhvr>
+                                      <p:to>
+                                        <p:strVal val="visible"/>
+                                      </p:to>
+                                    </p:set>
+                                    <p:animEffect transition="in" filter="fade">
+                                      <p:cBhvr>
+                                        <p:cTn id="303" dur="500"/>
+                                        <p:tgtEl>
+                                          <p:spTgt spid="134"/>
                                         </p:tgtEl>
                                       </p:cBhvr>
                                     </p:animEffect>
@@ -19605,32 +20316,120 @@
                     </p:cTn>
                   </p:par>
                   <p:par>
-                    <p:cTn id="307" fill="hold">
+                    <p:cTn id="304" fill="hold">
                       <p:stCondLst>
                         <p:cond delay="indefinite"/>
                       </p:stCondLst>
                       <p:childTnLst>
                         <p:par>
-                          <p:cTn id="308" fill="hold">
+                          <p:cTn id="305" fill="hold">
                             <p:stCondLst>
                               <p:cond delay="0"/>
                             </p:stCondLst>
                             <p:childTnLst>
                               <p:par>
-                                <p:cTn id="309" presetID="22" presetClass="entr" presetSubtype="8" fill="hold" nodeType="clickEffect">
+                                <p:cTn id="306" presetID="10" presetClass="exit" presetSubtype="0" fill="hold" grpId="1" nodeType="clickEffect">
+                                  <p:stCondLst>
+                                    <p:cond delay="0"/>
+                                  </p:stCondLst>
+                                  <p:childTnLst>
+                                    <p:animEffect transition="out" filter="fade">
+                                      <p:cBhvr>
+                                        <p:cTn id="307" dur="500"/>
+                                        <p:tgtEl>
+                                          <p:spTgt spid="135"/>
+                                        </p:tgtEl>
+                                      </p:cBhvr>
+                                    </p:animEffect>
+                                    <p:set>
+                                      <p:cBhvr>
+                                        <p:cTn id="308" dur="1" fill="hold">
+                                          <p:stCondLst>
+                                            <p:cond delay="499"/>
+                                          </p:stCondLst>
+                                        </p:cTn>
+                                        <p:tgtEl>
+                                          <p:spTgt spid="135"/>
+                                        </p:tgtEl>
+                                        <p:attrNameLst>
+                                          <p:attrName>style.visibility</p:attrName>
+                                        </p:attrNameLst>
+                                      </p:cBhvr>
+                                      <p:to>
+                                        <p:strVal val="hidden"/>
+                                      </p:to>
+                                    </p:set>
+                                  </p:childTnLst>
+                                </p:cTn>
+                              </p:par>
+                              <p:par>
+                                <p:cTn id="309" presetID="10" presetClass="exit" presetSubtype="0" fill="hold" grpId="1" nodeType="withEffect">
+                                  <p:stCondLst>
+                                    <p:cond delay="0"/>
+                                  </p:stCondLst>
+                                  <p:childTnLst>
+                                    <p:animEffect transition="out" filter="fade">
+                                      <p:cBhvr>
+                                        <p:cTn id="310" dur="500"/>
+                                        <p:tgtEl>
+                                          <p:spTgt spid="134"/>
+                                        </p:tgtEl>
+                                      </p:cBhvr>
+                                    </p:animEffect>
+                                    <p:set>
+                                      <p:cBhvr>
+                                        <p:cTn id="311" dur="1" fill="hold">
+                                          <p:stCondLst>
+                                            <p:cond delay="499"/>
+                                          </p:stCondLst>
+                                        </p:cTn>
+                                        <p:tgtEl>
+                                          <p:spTgt spid="134"/>
+                                        </p:tgtEl>
+                                        <p:attrNameLst>
+                                          <p:attrName>style.visibility</p:attrName>
+                                        </p:attrNameLst>
+                                      </p:cBhvr>
+                                      <p:to>
+                                        <p:strVal val="hidden"/>
+                                      </p:to>
+                                    </p:set>
+                                  </p:childTnLst>
+                                </p:cTn>
+                              </p:par>
+                            </p:childTnLst>
+                          </p:cTn>
+                        </p:par>
+                      </p:childTnLst>
+                    </p:cTn>
+                  </p:par>
+                  <p:par>
+                    <p:cTn id="312" fill="hold">
+                      <p:stCondLst>
+                        <p:cond delay="indefinite"/>
+                      </p:stCondLst>
+                      <p:childTnLst>
+                        <p:par>
+                          <p:cTn id="313" fill="hold">
+                            <p:stCondLst>
+                              <p:cond delay="0"/>
+                            </p:stCondLst>
+                            <p:childTnLst>
+                              <p:par>
+                                <p:cTn id="314" presetID="22" presetClass="entr" presetSubtype="8" fill="hold" nodeType="clickEffect">
                                   <p:stCondLst>
                                     <p:cond delay="0"/>
                                   </p:stCondLst>
                                   <p:childTnLst>
                                     <p:set>
                                       <p:cBhvr>
-                                        <p:cTn id="310" dur="1" fill="hold">
+                                        <p:cTn id="315" dur="1" fill="hold">
                                           <p:stCondLst>
                                             <p:cond delay="0"/>
                                           </p:stCondLst>
                                         </p:cTn>
                                         <p:tgtEl>
-                                          <p:spTgt spid="53"/>
+                                          <p:spTgt spid="21"/>
                                         </p:tgtEl>
                                         <p:attrNameLst>
                                           <p:attrName>style.visibility</p:attrName>
@@ -19642,9 +20441,9 @@
                                     </p:set>
                                     <p:animEffect transition="in" filter="wipe(left)">
                                       <p:cBhvr>
-                                        <p:cTn id="311" dur="500"/>
-                                        <p:tgtEl>
-                                          <p:spTgt spid="53"/>
+                                        <p:cTn id="316" dur="500"/>
+                                        <p:tgtEl>
+                                          <p:spTgt spid="21"/>
                                         </p:tgtEl>
                                       </p:cBhvr>
                                     </p:animEffect>
@@ -19655,26 +20454,26 @@
                           </p:cTn>
                         </p:par>
                         <p:par>
-                          <p:cTn id="312" fill="hold">
+                          <p:cTn id="317" fill="hold">
                             <p:stCondLst>
                               <p:cond delay="500"/>
                             </p:stCondLst>
                             <p:childTnLst>
                               <p:par>
-                                <p:cTn id="313" presetID="22" presetClass="entr" presetSubtype="4" fill="hold" nodeType="afterEffect">
+                                <p:cTn id="318" presetID="22" presetClass="entr" presetSubtype="1" fill="hold" grpId="0" nodeType="afterEffect">
                                   <p:stCondLst>
                                     <p:cond delay="0"/>
                                   </p:stCondLst>
                                   <p:childTnLst>
                                     <p:set>
                                       <p:cBhvr>
-                                        <p:cTn id="314" dur="1" fill="hold">
+                                        <p:cTn id="319" dur="1" fill="hold">
                                           <p:stCondLst>
                                             <p:cond delay="0"/>
                                           </p:stCondLst>
                                         </p:cTn>
                                         <p:tgtEl>
-                                          <p:spTgt spid="54"/>
+                                          <p:spTgt spid="10"/>
                                         </p:tgtEl>
                                         <p:attrNameLst>
                                           <p:attrName>style.visibility</p:attrName>
@@ -19684,11 +20483,11 @@
                                         <p:strVal val="visible"/>
                                       </p:to>
                                     </p:set>
-                                    <p:animEffect transition="in" filter="wipe(down)">
-                                      <p:cBhvr>
-                                        <p:cTn id="315" dur="500"/>
-                                        <p:tgtEl>
-                                          <p:spTgt spid="54"/>
+                                    <p:animEffect transition="in" filter="wipe(up)">
+                                      <p:cBhvr>
+                                        <p:cTn id="320" dur="500"/>
+                                        <p:tgtEl>
+                                          <p:spTgt spid="10"/>
                                         </p:tgtEl>
                                       </p:cBhvr>
                                     </p:animEffect>
@@ -19699,26 +20498,26 @@
                           </p:cTn>
                         </p:par>
                         <p:par>
-                          <p:cTn id="316" fill="hold">
+                          <p:cTn id="321" fill="hold">
                             <p:stCondLst>
                               <p:cond delay="1000"/>
                             </p:stCondLst>
                             <p:childTnLst>
                               <p:par>
-                                <p:cTn id="317" presetID="10" presetClass="entr" presetSubtype="0" fill="hold" grpId="0" nodeType="afterEffect">
+                                <p:cTn id="322" presetID="22" presetClass="entr" presetSubtype="1" fill="hold" nodeType="afterEffect">
                                   <p:stCondLst>
                                     <p:cond delay="0"/>
                                   </p:stCondLst>
                                   <p:childTnLst>
                                     <p:set>
                                       <p:cBhvr>
-                                        <p:cTn id="318" dur="1" fill="hold">
+                                        <p:cTn id="323" dur="1" fill="hold">
                                           <p:stCondLst>
                                             <p:cond delay="0"/>
                                           </p:stCondLst>
                                         </p:cTn>
                                         <p:tgtEl>
-                                          <p:spTgt spid="52"/>
+                                          <p:spTgt spid="20"/>
                                         </p:tgtEl>
                                         <p:attrNameLst>
                                           <p:attrName>style.visibility</p:attrName>
@@ -19728,11 +20527,55 @@
                                         <p:strVal val="visible"/>
                                       </p:to>
                                     </p:set>
-                                    <p:animEffect transition="in" filter="fade">
-                                      <p:cBhvr>
-                                        <p:cTn id="319" dur="500"/>
-                                        <p:tgtEl>
-                                          <p:spTgt spid="52"/>
+                                    <p:animEffect transition="in" filter="wipe(up)">
+                                      <p:cBhvr>
+                                        <p:cTn id="324" dur="500"/>
+                                        <p:tgtEl>
+                                          <p:spTgt spid="20"/>
+                                        </p:tgtEl>
+                                      </p:cBhvr>
+                                    </p:animEffect>
+                                  </p:childTnLst>
+                                </p:cTn>
+                              </p:par>
+                            </p:childTnLst>
+                          </p:cTn>
+                        </p:par>
+                        <p:par>
+                          <p:cTn id="325" fill="hold">
+                            <p:stCondLst>
+                              <p:cond delay="1500"/>
+                            </p:stCondLst>
+                            <p:childTnLst>
+                              <p:par>
+                                <p:cTn id="326" presetID="22" presetClass="entr" presetSubtype="1" fill="hold" grpId="0" nodeType="afterEffect">
+                                  <p:stCondLst>
+                                    <p:cond delay="0"/>
+                                  </p:stCondLst>
+                                  <p:childTnLst>
+                                    <p:set>
+                                      <p:cBhvr>
+                                        <p:cTn id="327" dur="1" fill="hold">
+                                          <p:stCondLst>
+                                            <p:cond delay="0"/>
+                                          </p:stCondLst>
+                                        </p:cTn>
+                                        <p:tgtEl>
+                                          <p:spTgt spid="11"/>
+                                        </p:tgtEl>
+                                        <p:attrNameLst>
+                                          <p:attrName>style.visibility</p:attrName>
+                                        </p:attrNameLst>
+                                      </p:cBhvr>
+                                      <p:to>
+                                        <p:strVal val="visible"/>
+                                      </p:to>
+                                    </p:set>
+                                    <p:animEffect transition="in" filter="wipe(up)">
+                                      <p:cBhvr>
+                                        <p:cTn id="328" dur="500"/>
+                                        <p:tgtEl>
+                                          <p:spTgt spid="11"/>
                                         </p:tgtEl>
                                       </p:cBhvr>
                                     </p:animEffect>
@@ -19746,32 +20589,32 @@
                     </p:cTn>
                   </p:par>
                   <p:par>
-                    <p:cTn id="320" fill="hold">
+                    <p:cTn id="329" fill="hold">
                       <p:stCondLst>
                         <p:cond delay="indefinite"/>
                       </p:stCondLst>
                       <p:childTnLst>
                         <p:par>
-                          <p:cTn id="321" fill="hold">
+                          <p:cTn id="330" fill="hold">
                             <p:stCondLst>
                               <p:cond delay="0"/>
                             </p:stCondLst>
                             <p:childTnLst>
                               <p:par>
-                                <p:cTn id="322" presetID="22" presetClass="entr" presetSubtype="8" fill="hold" nodeType="clickEffect">
+                                <p:cTn id="331" presetID="22" presetClass="entr" presetSubtype="4" fill="hold" nodeType="clickEffect">
                                   <p:stCondLst>
                                     <p:cond delay="0"/>
                                   </p:stCondLst>
                                   <p:childTnLst>
                                     <p:set>
                                       <p:cBhvr>
-                                        <p:cTn id="323" dur="1" fill="hold">
+                                        <p:cTn id="332" dur="1" fill="hold">
                                           <p:stCondLst>
                                             <p:cond delay="0"/>
                                           </p:stCondLst>
                                         </p:cTn>
                                         <p:tgtEl>
-                                          <p:spTgt spid="60"/>
+                                          <p:spTgt spid="12"/>
                                         </p:tgtEl>
                                         <p:attrNameLst>
                                           <p:attrName>style.visibility</p:attrName>
@@ -19781,11 +20624,11 @@
                                         <p:strVal val="visible"/>
                                       </p:to>
                                     </p:set>
-                                    <p:animEffect transition="in" filter="wipe(left)">
-                                      <p:cBhvr>
-                                        <p:cTn id="324" dur="500"/>
-                                        <p:tgtEl>
-                                          <p:spTgt spid="60"/>
+                                    <p:animEffect transition="in" filter="wipe(down)">
+                                      <p:cBhvr>
+                                        <p:cTn id="333" dur="500"/>
+                                        <p:tgtEl>
+                                          <p:spTgt spid="12"/>
                                         </p:tgtEl>
                                       </p:cBhvr>
                                     </p:animEffect>
@@ -19796,26 +20639,26 @@
                           </p:cTn>
                         </p:par>
                         <p:par>
-                          <p:cTn id="325" fill="hold">
+                          <p:cTn id="334" fill="hold">
                             <p:stCondLst>
                               <p:cond delay="500"/>
                             </p:stCondLst>
                             <p:childTnLst>
                               <p:par>
-                                <p:cTn id="326" presetID="10" presetClass="entr" presetSubtype="0" fill="hold" grpId="0" nodeType="afterEffect">
+                                <p:cTn id="335" presetID="22" presetClass="entr" presetSubtype="4" fill="hold" grpId="0" nodeType="afterEffect">
                                   <p:stCondLst>
                                     <p:cond delay="0"/>
                                   </p:stCondLst>
                                   <p:childTnLst>
                                     <p:set>
                                       <p:cBhvr>
-                                        <p:cTn id="327" dur="1" fill="hold">
+                                        <p:cTn id="336" dur="1" fill="hold">
                                           <p:stCondLst>
                                             <p:cond delay="0"/>
                                           </p:stCondLst>
                                         </p:cTn>
                                         <p:tgtEl>
-                                          <p:spTgt spid="9"/>
+                                          <p:spTgt spid="15"/>
                                         </p:tgtEl>
                                         <p:attrNameLst>
                                           <p:attrName>style.visibility</p:attrName>
@@ -19825,46 +20668,11 @@
                                         <p:strVal val="visible"/>
                                       </p:to>
                                     </p:set>
-                                    <p:animEffect transition="in" filter="fade">
-                                      <p:cBhvr>
-                                        <p:cTn id="328" dur="500"/>
-                                        <p:tgtEl>
-                                          <p:spTgt spid="9"/>
-                                        </p:tgtEl>
-                                      </p:cBhvr>
-                                    </p:animEffect>
-                                  </p:childTnLst>
-                                </p:cTn>
-                              </p:par>
-                              <p:par>
-                                <p:cTn id="329" presetID="10" presetClass="entr" presetSubtype="0" fill="hold" grpId="0" nodeType="withEffect">
-                                  <p:stCondLst>
-                                    <p:cond delay="0"/>
-                                  </p:stCondLst>
-                                  <p:childTnLst>
-                                    <p:set>
-                                      <p:cBhvr>
-                                        <p:cTn id="330" dur="1" fill="hold">
-                                          <p:stCondLst>
-                                            <p:cond delay="0"/>
-                                          </p:stCondLst>
-                                        </p:cTn>
-                                        <p:tgtEl>
-                                          <p:spTgt spid="417"/>
-                                        </p:tgtEl>
-                                        <p:attrNameLst>
-                                          <p:attrName>style.visibility</p:attrName>
-                                        </p:attrNameLst>
-                                      </p:cBhvr>
-                                      <p:to>
-                                        <p:strVal val="visible"/>
-                                      </p:to>
-                                    </p:set>
-                                    <p:animEffect transition="in" filter="fade">
-                                      <p:cBhvr>
-                                        <p:cTn id="331" dur="500"/>
-                                        <p:tgtEl>
-                                          <p:spTgt spid="417"/>
+                                    <p:animEffect transition="in" filter="wipe(down)">
+                                      <p:cBhvr>
+                                        <p:cTn id="337" dur="500"/>
+                                        <p:tgtEl>
+                                          <p:spTgt spid="15"/>
                                         </p:tgtEl>
                                       </p:cBhvr>
                                     </p:animEffect>
@@ -19878,32 +20686,32 @@
                     </p:cTn>
                   </p:par>
                   <p:par>
-                    <p:cTn id="332" fill="hold">
+                    <p:cTn id="338" fill="hold">
                       <p:stCondLst>
                         <p:cond delay="indefinite"/>
                       </p:stCondLst>
                       <p:childTnLst>
                         <p:par>
-                          <p:cTn id="333" fill="hold">
+                          <p:cTn id="339" fill="hold">
                             <p:stCondLst>
                               <p:cond delay="0"/>
                             </p:stCondLst>
                             <p:childTnLst>
                               <p:par>
-                                <p:cTn id="334" presetID="22" presetClass="entr" presetSubtype="4" fill="hold" nodeType="clickEffect">
+                                <p:cTn id="340" presetID="22" presetClass="entr" presetSubtype="8" fill="hold" nodeType="clickEffect">
                                   <p:stCondLst>
                                     <p:cond delay="0"/>
                                   </p:stCondLst>
                                   <p:childTnLst>
                                     <p:set>
                                       <p:cBhvr>
-                                        <p:cTn id="335" dur="1" fill="hold">
+                                        <p:cTn id="341" dur="1" fill="hold">
                                           <p:stCondLst>
                                             <p:cond delay="0"/>
                                           </p:stCondLst>
                                         </p:cTn>
                                         <p:tgtEl>
-                                          <p:spTgt spid="50"/>
+                                          <p:spTgt spid="14"/>
                                         </p:tgtEl>
                                         <p:attrNameLst>
                                           <p:attrName>style.visibility</p:attrName>
@@ -19913,11 +20721,11 @@
                                         <p:strVal val="visible"/>
                                       </p:to>
                                     </p:set>
-                                    <p:animEffect transition="in" filter="wipe(down)">
-                                      <p:cBhvr>
-                                        <p:cTn id="336" dur="500"/>
-                                        <p:tgtEl>
-                                          <p:spTgt spid="50"/>
+                                    <p:animEffect transition="in" filter="wipe(left)">
+                                      <p:cBhvr>
+                                        <p:cTn id="342" dur="500"/>
+                                        <p:tgtEl>
+                                          <p:spTgt spid="14"/>
                                         </p:tgtEl>
                                       </p:cBhvr>
                                     </p:animEffect>
@@ -19928,26 +20736,26 @@
                           </p:cTn>
                         </p:par>
                         <p:par>
-                          <p:cTn id="337" fill="hold">
+                          <p:cTn id="343" fill="hold">
                             <p:stCondLst>
                               <p:cond delay="500"/>
                             </p:stCondLst>
                             <p:childTnLst>
                               <p:par>
-                                <p:cTn id="338" presetID="22" presetClass="entr" presetSubtype="4" fill="hold" grpId="0" nodeType="afterEffect">
+                                <p:cTn id="344" presetID="22" presetClass="entr" presetSubtype="4" fill="hold" grpId="0" nodeType="afterEffect">
                                   <p:stCondLst>
                                     <p:cond delay="0"/>
                                   </p:stCondLst>
                                   <p:childTnLst>
                                     <p:set>
                                       <p:cBhvr>
-                                        <p:cTn id="339" dur="1" fill="hold">
+                                        <p:cTn id="345" dur="1" fill="hold">
                                           <p:stCondLst>
                                             <p:cond delay="0"/>
                                           </p:stCondLst>
                                         </p:cTn>
                                         <p:tgtEl>
-                                          <p:spTgt spid="44"/>
+                                          <p:spTgt spid="13"/>
                                         </p:tgtEl>
                                         <p:attrNameLst>
                                           <p:attrName>style.visibility</p:attrName>
@@ -19959,9 +20767,9 @@
                                     </p:set>
                                     <p:animEffect transition="in" filter="wipe(down)">
                                       <p:cBhvr>
-                                        <p:cTn id="340" dur="500"/>
-                                        <p:tgtEl>
-                                          <p:spTgt spid="44"/>
+                                        <p:cTn id="346" dur="500"/>
+                                        <p:tgtEl>
+                                          <p:spTgt spid="13"/>
                                         </p:tgtEl>
                                       </p:cBhvr>
                                     </p:animEffect>
@@ -19975,32 +20783,32 @@
                     </p:cTn>
                   </p:par>
                   <p:par>
-                    <p:cTn id="341" fill="hold">
+                    <p:cTn id="347" fill="hold">
                       <p:stCondLst>
                         <p:cond delay="indefinite"/>
                       </p:stCondLst>
                       <p:childTnLst>
                         <p:par>
-                          <p:cTn id="342" fill="hold">
+                          <p:cTn id="348" fill="hold">
                             <p:stCondLst>
                               <p:cond delay="0"/>
                             </p:stCondLst>
                             <p:childTnLst>
                               <p:par>
-                                <p:cTn id="343" presetID="22" presetClass="entr" presetSubtype="8" fill="hold" nodeType="clickEffect">
+                                <p:cTn id="349" presetID="22" presetClass="entr" presetSubtype="8" fill="hold" nodeType="clickEffect">
                                   <p:stCondLst>
                                     <p:cond delay="0"/>
                                   </p:stCondLst>
                                   <p:childTnLst>
                                     <p:set>
                                       <p:cBhvr>
-                                        <p:cTn id="344" dur="1" fill="hold">
+                                        <p:cTn id="350" dur="1" fill="hold">
                                           <p:stCondLst>
                                             <p:cond delay="0"/>
                                           </p:stCondLst>
                                         </p:cTn>
                                         <p:tgtEl>
-                                          <p:spTgt spid="51"/>
+                                          <p:spTgt spid="17"/>
                                         </p:tgtEl>
                                         <p:attrNameLst>
                                           <p:attrName>style.visibility</p:attrName>
@@ -20012,9 +20820,44 @@
                                     </p:set>
                                     <p:animEffect transition="in" filter="wipe(left)">
                                       <p:cBhvr>
-                                        <p:cTn id="345" dur="500"/>
-                                        <p:tgtEl>
-                                          <p:spTgt spid="51"/>
+                                        <p:cTn id="351" dur="500"/>
+                                        <p:tgtEl>
+                                          <p:spTgt spid="17"/>
+                                        </p:tgtEl>
+                                      </p:cBhvr>
+                                    </p:animEffect>
+                                  </p:childTnLst>
+                                </p:cTn>
+                              </p:par>
+                              <p:par>
+                                <p:cTn id="352" presetID="22" presetClass="entr" presetSubtype="2" fill="hold" nodeType="withEffect">
+                                  <p:stCondLst>
+                                    <p:cond delay="0"/>
+                                  </p:stCondLst>
+                                  <p:childTnLst>
+                                    <p:set>
+                                      <p:cBhvr>
+                                        <p:cTn id="353" dur="1" fill="hold">
+                                          <p:stCondLst>
+                                            <p:cond delay="0"/>
+                                          </p:stCondLst>
+                                        </p:cTn>
+                                        <p:tgtEl>
+                                          <p:spTgt spid="18"/>
+                                        </p:tgtEl>
+                                        <p:attrNameLst>
+                                          <p:attrName>style.visibility</p:attrName>
+                                        </p:attrNameLst>
+                                      </p:cBhvr>
+                                      <p:to>
+                                        <p:strVal val="visible"/>
+                                      </p:to>
+                                    </p:set>
+                                    <p:animEffect transition="in" filter="wipe(right)">
+                                      <p:cBhvr>
+                                        <p:cTn id="354" dur="500"/>
+                                        <p:tgtEl>
+                                          <p:spTgt spid="18"/>
                                         </p:tgtEl>
                                       </p:cBhvr>
                                     </p:animEffect>
@@ -20025,26 +20868,70 @@
                           </p:cTn>
                         </p:par>
                         <p:par>
-                          <p:cTn id="346" fill="hold">
+                          <p:cTn id="355" fill="hold">
                             <p:stCondLst>
                               <p:cond delay="500"/>
                             </p:stCondLst>
                             <p:childTnLst>
                               <p:par>
-                                <p:cTn id="347" presetID="22" presetClass="entr" presetSubtype="4" fill="hold" grpId="0" nodeType="afterEffect">
+                                <p:cTn id="356" presetID="10" presetClass="entr" presetSubtype="0" fill="hold" grpId="0" nodeType="afterEffect">
                                   <p:stCondLst>
                                     <p:cond delay="0"/>
                                   </p:stCondLst>
                                   <p:childTnLst>
                                     <p:set>
                                       <p:cBhvr>
-                                        <p:cTn id="348" dur="1" fill="hold">
+                                        <p:cTn id="357" dur="1" fill="hold">
                                           <p:stCondLst>
                                             <p:cond delay="0"/>
                                           </p:stCondLst>
                                         </p:cTn>
                                         <p:tgtEl>
-                                          <p:spTgt spid="43"/>
+                                          <p:spTgt spid="103"/>
+                                        </p:tgtEl>
+                                        <p:attrNameLst>
+                                          <p:attrName>style.visibility</p:attrName>
+                                        </p:attrNameLst>
+                                      </p:cBhvr>
+                                      <p:to>
+                                        <p:strVal val="visible"/>
+                                      </p:to>
+                                    </p:set>
+                                    <p:animEffect transition="in" filter="fade">
+                                      <p:cBhvr>
+                                        <p:cTn id="358" dur="500"/>
+                                        <p:tgtEl>
+                                          <p:spTgt spid="103"/>
+                                        </p:tgtEl>
+                                      </p:cBhvr>
+                                    </p:animEffect>
+                                  </p:childTnLst>
+                                </p:cTn>
+                              </p:par>
+                            </p:childTnLst>
+                          </p:cTn>
+                        </p:par>
+                        <p:par>
+                          <p:cTn id="359" fill="hold">
+                            <p:stCondLst>
+                              <p:cond delay="1000"/>
+                            </p:stCondLst>
+                            <p:childTnLst>
+                              <p:par>
+                                <p:cTn id="360" presetID="22" presetClass="entr" presetSubtype="4" fill="hold" nodeType="afterEffect">
+                                  <p:stCondLst>
+                                    <p:cond delay="0"/>
+                                  </p:stCondLst>
+                                  <p:childTnLst>
+                                    <p:set>
+                                      <p:cBhvr>
+                                        <p:cTn id="361" dur="1" fill="hold">
+                                          <p:stCondLst>
+                                            <p:cond delay="0"/>
+                                          </p:stCondLst>
+                                        </p:cTn>
+                                        <p:tgtEl>
+                                          <p:spTgt spid="19"/>
                                         </p:tgtEl>
                                         <p:attrNameLst>
                                           <p:attrName>style.visibility</p:attrName>
@@ -20056,9 +20943,9 @@
                                     </p:set>
                                     <p:animEffect transition="in" filter="wipe(down)">
                                       <p:cBhvr>
-                                        <p:cTn id="349" dur="500"/>
-                                        <p:tgtEl>
-                                          <p:spTgt spid="43"/>
+                                        <p:cTn id="362" dur="500"/>
+                                        <p:tgtEl>
+                                          <p:spTgt spid="19"/>
                                         </p:tgtEl>
                                       </p:cBhvr>
                                     </p:animEffect>
@@ -20072,111 +20959,32 @@
                     </p:cTn>
                   </p:par>
                   <p:par>
-                    <p:cTn id="350" fill="hold">
+                    <p:cTn id="363" fill="hold">
                       <p:stCondLst>
                         <p:cond delay="indefinite"/>
                       </p:stCondLst>
                       <p:childTnLst>
                         <p:par>
-                          <p:cTn id="351" fill="hold">
+                          <p:cTn id="364" fill="hold">
                             <p:stCondLst>
                               <p:cond delay="0"/>
                             </p:stCondLst>
                             <p:childTnLst>
                               <p:par>
-                                <p:cTn id="352" presetID="22" presetClass="entr" presetSubtype="8" fill="hold" nodeType="clickEffect">
+                                <p:cTn id="365" presetID="10" presetClass="entr" presetSubtype="0" fill="hold" grpId="0" nodeType="clickEffect">
                                   <p:stCondLst>
                                     <p:cond delay="0"/>
                                   </p:stCondLst>
                                   <p:childTnLst>
                                     <p:set>
                                       <p:cBhvr>
-                                        <p:cTn id="353" dur="1" fill="hold">
+                                        <p:cTn id="366" dur="1" fill="hold">
                                           <p:stCondLst>
                                             <p:cond delay="0"/>
                                           </p:stCondLst>
                                         </p:cTn>
                                         <p:tgtEl>
-                                          <p:spTgt spid="46"/>
-                                        </p:tgtEl>
-                                        <p:attrNameLst>
-                                          <p:attrName>style.visibility</p:attrName>
-                                        </p:attrNameLst>
-                                      </p:cBhvr>
-                                      <p:to>
-                                        <p:strVal val="visible"/>
-                                      </p:to>
-                                    </p:set>
-                                    <p:animEffect transition="in" filter="wipe(left)">
-                                      <p:cBhvr>
-                                        <p:cTn id="354" dur="500"/>
-                                        <p:tgtEl>
-                                          <p:spTgt spid="46"/>
-                                        </p:tgtEl>
-                                      </p:cBhvr>
-                                    </p:animEffect>
-                                  </p:childTnLst>
-                                </p:cTn>
-                              </p:par>
-                              <p:par>
-                                <p:cTn id="355" presetID="22" presetClass="entr" presetSubtype="2" fill="hold" nodeType="withEffect">
-                                  <p:stCondLst>
-                                    <p:cond delay="0"/>
-                                  </p:stCondLst>
-                                  <p:childTnLst>
-                                    <p:set>
-                                      <p:cBhvr>
-                                        <p:cTn id="356" dur="1" fill="hold">
-                                          <p:stCondLst>
-                                            <p:cond delay="0"/>
-                                          </p:stCondLst>
-                                        </p:cTn>
-                                        <p:tgtEl>
-                                          <p:spTgt spid="47"/>
-                                        </p:tgtEl>
-                                        <p:attrNameLst>
-                                          <p:attrName>style.visibility</p:attrName>
-                                        </p:attrNameLst>
-                                      </p:cBhvr>
-                                      <p:to>
-                                        <p:strVal val="visible"/>
-                                      </p:to>
-                                    </p:set>
-                                    <p:animEffect transition="in" filter="wipe(right)">
-                                      <p:cBhvr>
-                                        <p:cTn id="357" dur="500"/>
-                                        <p:tgtEl>
-                                          <p:spTgt spid="47"/>
-                                        </p:tgtEl>
-                                      </p:cBhvr>
-                                    </p:animEffect>
-                                  </p:childTnLst>
-                                </p:cTn>
-                              </p:par>
-                            </p:childTnLst>
-                          </p:cTn>
-                        </p:par>
-                        <p:par>
-                          <p:cTn id="358" fill="hold">
-                            <p:stCondLst>
-                              <p:cond delay="500"/>
-                            </p:stCondLst>
-                            <p:childTnLst>
-                              <p:par>
-                                <p:cTn id="359" presetID="10" presetClass="entr" presetSubtype="0" fill="hold" grpId="0" nodeType="afterEffect">
-                                  <p:stCondLst>
-                                    <p:cond delay="0"/>
-                                  </p:stCondLst>
-                                  <p:childTnLst>
-                                    <p:set>
-                                      <p:cBhvr>
-                                        <p:cTn id="360" dur="1" fill="hold">
-                                          <p:stCondLst>
-                                            <p:cond delay="0"/>
-                                          </p:stCondLst>
-                                        </p:cTn>
-                                        <p:tgtEl>
-                                          <p:spTgt spid="133"/>
+                                          <p:spTgt spid="157"/>
                                         </p:tgtEl>
                                         <p:attrNameLst>
                                           <p:attrName>style.visibility</p:attrName>
@@ -20188,97 +20996,9 @@
                                     </p:set>
                                     <p:animEffect transition="in" filter="fade">
                                       <p:cBhvr>
-                                        <p:cTn id="361" dur="500"/>
-                                        <p:tgtEl>
-                                          <p:spTgt spid="133"/>
-                                        </p:tgtEl>
-                                      </p:cBhvr>
-                                    </p:animEffect>
-                                  </p:childTnLst>
-                                </p:cTn>
-                              </p:par>
-                            </p:childTnLst>
-                          </p:cTn>
-                        </p:par>
-                        <p:par>
-                          <p:cTn id="362" fill="hold">
-                            <p:stCondLst>
-                              <p:cond delay="1000"/>
-                            </p:stCondLst>
-                            <p:childTnLst>
-                              <p:par>
-                                <p:cTn id="363" presetID="22" presetClass="entr" presetSubtype="4" fill="hold" nodeType="afterEffect">
-                                  <p:stCondLst>
-                                    <p:cond delay="0"/>
-                                  </p:stCondLst>
-                                  <p:childTnLst>
-                                    <p:set>
-                                      <p:cBhvr>
-                                        <p:cTn id="364" dur="1" fill="hold">
-                                          <p:stCondLst>
-                                            <p:cond delay="0"/>
-                                          </p:stCondLst>
-                                        </p:cTn>
-                                        <p:tgtEl>
-                                          <p:spTgt spid="49"/>
-                                        </p:tgtEl>
-                                        <p:attrNameLst>
-                                          <p:attrName>style.visibility</p:attrName>
-                                        </p:attrNameLst>
-                                      </p:cBhvr>
-                                      <p:to>
-                                        <p:strVal val="visible"/>
-                                      </p:to>
-                                    </p:set>
-                                    <p:animEffect transition="in" filter="wipe(down)">
-                                      <p:cBhvr>
-                                        <p:cTn id="365" dur="500"/>
-                                        <p:tgtEl>
-                                          <p:spTgt spid="49"/>
-                                        </p:tgtEl>
-                                      </p:cBhvr>
-                                    </p:animEffect>
-                                  </p:childTnLst>
-                                </p:cTn>
-                              </p:par>
-                            </p:childTnLst>
-                          </p:cTn>
-                        </p:par>
-                        <p:par>
-                          <p:cTn id="366" fill="hold">
-                            <p:stCondLst>
-                              <p:cond delay="1500"/>
-                            </p:stCondLst>
-                            <p:childTnLst>
-                              <p:par>
-                                <p:cTn id="367" presetID="22" presetClass="entr" presetSubtype="4" fill="hold" grpId="0" nodeType="afterEffect">
-                                  <p:stCondLst>
-                                    <p:cond delay="0"/>
-                                  </p:stCondLst>
-                                  <p:childTnLst>
-                                    <p:set>
-                                      <p:cBhvr>
-                                        <p:cTn id="368" dur="1" fill="hold">
-                                          <p:stCondLst>
-                                            <p:cond delay="0"/>
-                                          </p:stCondLst>
-                                        </p:cTn>
-                                        <p:tgtEl>
-                                          <p:spTgt spid="48"/>
-                                        </p:tgtEl>
-                                        <p:attrNameLst>
-                                          <p:attrName>style.visibility</p:attrName>
-                                        </p:attrNameLst>
-                                      </p:cBhvr>
-                                      <p:to>
-                                        <p:strVal val="visible"/>
-                                      </p:to>
-                                    </p:set>
-                                    <p:animEffect transition="in" filter="wipe(down)">
-                                      <p:cBhvr>
-                                        <p:cTn id="369" dur="500"/>
-                                        <p:tgtEl>
-                                          <p:spTgt spid="48"/>
+                                        <p:cTn id="367" dur="500"/>
+                                        <p:tgtEl>
+                                          <p:spTgt spid="157"/>
                                         </p:tgtEl>
                                       </p:cBhvr>
                                     </p:animEffect>
@@ -20292,32 +21012,32 @@
                     </p:cTn>
                   </p:par>
                   <p:par>
-                    <p:cTn id="370" fill="hold">
+                    <p:cTn id="368" fill="hold">
                       <p:stCondLst>
                         <p:cond delay="indefinite"/>
                       </p:stCondLst>
                       <p:childTnLst>
                         <p:par>
-                          <p:cTn id="371" fill="hold">
+                          <p:cTn id="369" fill="hold">
                             <p:stCondLst>
                               <p:cond delay="0"/>
                             </p:stCondLst>
                             <p:childTnLst>
                               <p:par>
-                                <p:cTn id="372" presetID="22" presetClass="entr" presetSubtype="1" fill="hold" nodeType="clickEffect">
+                                <p:cTn id="370" presetID="22" presetClass="entr" presetSubtype="8" fill="hold" nodeType="clickEffect">
                                   <p:stCondLst>
                                     <p:cond delay="0"/>
                                   </p:stCondLst>
                                   <p:childTnLst>
                                     <p:set>
                                       <p:cBhvr>
-                                        <p:cTn id="373" dur="1" fill="hold">
+                                        <p:cTn id="371" dur="1" fill="hold">
                                           <p:stCondLst>
                                             <p:cond delay="0"/>
                                           </p:stCondLst>
                                         </p:cTn>
                                         <p:tgtEl>
-                                          <p:spTgt spid="55"/>
+                                          <p:spTgt spid="53"/>
                                         </p:tgtEl>
                                         <p:attrNameLst>
                                           <p:attrName>style.visibility</p:attrName>
@@ -20327,11 +21047,11 @@
                                         <p:strVal val="visible"/>
                                       </p:to>
                                     </p:set>
-                                    <p:animEffect transition="in" filter="wipe(up)">
-                                      <p:cBhvr>
-                                        <p:cTn id="374" dur="500"/>
-                                        <p:tgtEl>
-                                          <p:spTgt spid="55"/>
+                                    <p:animEffect transition="in" filter="wipe(left)">
+                                      <p:cBhvr>
+                                        <p:cTn id="372" dur="500"/>
+                                        <p:tgtEl>
+                                          <p:spTgt spid="53"/>
                                         </p:tgtEl>
                                       </p:cBhvr>
                                     </p:animEffect>
@@ -20342,26 +21062,70 @@
                           </p:cTn>
                         </p:par>
                         <p:par>
-                          <p:cTn id="375" fill="hold">
+                          <p:cTn id="373" fill="hold">
                             <p:stCondLst>
                               <p:cond delay="500"/>
                             </p:stCondLst>
                             <p:childTnLst>
                               <p:par>
-                                <p:cTn id="376" presetID="10" presetClass="entr" presetSubtype="0" fill="hold" grpId="0" nodeType="afterEffect">
+                                <p:cTn id="374" presetID="22" presetClass="entr" presetSubtype="4" fill="hold" nodeType="afterEffect">
                                   <p:stCondLst>
                                     <p:cond delay="0"/>
                                   </p:stCondLst>
                                   <p:childTnLst>
                                     <p:set>
                                       <p:cBhvr>
-                                        <p:cTn id="377" dur="1" fill="hold">
+                                        <p:cTn id="375" dur="1" fill="hold">
                                           <p:stCondLst>
                                             <p:cond delay="0"/>
                                           </p:stCondLst>
                                         </p:cTn>
                                         <p:tgtEl>
-                                          <p:spTgt spid="56"/>
+                                          <p:spTgt spid="54"/>
+                                        </p:tgtEl>
+                                        <p:attrNameLst>
+                                          <p:attrName>style.visibility</p:attrName>
+                                        </p:attrNameLst>
+                                      </p:cBhvr>
+                                      <p:to>
+                                        <p:strVal val="visible"/>
+                                      </p:to>
+                                    </p:set>
+                                    <p:animEffect transition="in" filter="wipe(down)">
+                                      <p:cBhvr>
+                                        <p:cTn id="376" dur="500"/>
+                                        <p:tgtEl>
+                                          <p:spTgt spid="54"/>
+                                        </p:tgtEl>
+                                      </p:cBhvr>
+                                    </p:animEffect>
+                                  </p:childTnLst>
+                                </p:cTn>
+                              </p:par>
+                            </p:childTnLst>
+                          </p:cTn>
+                        </p:par>
+                        <p:par>
+                          <p:cTn id="377" fill="hold">
+                            <p:stCondLst>
+                              <p:cond delay="1000"/>
+                            </p:stCondLst>
+                            <p:childTnLst>
+                              <p:par>
+                                <p:cTn id="378" presetID="10" presetClass="entr" presetSubtype="0" fill="hold" grpId="0" nodeType="afterEffect">
+                                  <p:stCondLst>
+                                    <p:cond delay="0"/>
+                                  </p:stCondLst>
+                                  <p:childTnLst>
+                                    <p:set>
+                                      <p:cBhvr>
+                                        <p:cTn id="379" dur="1" fill="hold">
+                                          <p:stCondLst>
+                                            <p:cond delay="0"/>
+                                          </p:stCondLst>
+                                        </p:cTn>
+                                        <p:tgtEl>
+                                          <p:spTgt spid="52"/>
                                         </p:tgtEl>
                                         <p:attrNameLst>
                                           <p:attrName>style.visibility</p:attrName>
@@ -20373,9 +21137,9 @@
                                     </p:set>
                                     <p:animEffect transition="in" filter="fade">
                                       <p:cBhvr>
-                                        <p:cTn id="378" dur="500"/>
-                                        <p:tgtEl>
-                                          <p:spTgt spid="56"/>
+                                        <p:cTn id="380" dur="500"/>
+                                        <p:tgtEl>
+                                          <p:spTgt spid="52"/>
                                         </p:tgtEl>
                                       </p:cBhvr>
                                     </p:animEffect>
@@ -20389,32 +21153,32 @@
                     </p:cTn>
                   </p:par>
                   <p:par>
-                    <p:cTn id="379" fill="hold">
+                    <p:cTn id="381" fill="hold">
                       <p:stCondLst>
                         <p:cond delay="indefinite"/>
                       </p:stCondLst>
                       <p:childTnLst>
                         <p:par>
-                          <p:cTn id="380" fill="hold">
+                          <p:cTn id="382" fill="hold">
                             <p:stCondLst>
                               <p:cond delay="0"/>
                             </p:stCondLst>
                             <p:childTnLst>
                               <p:par>
-                                <p:cTn id="381" presetID="22" presetClass="entr" presetSubtype="8" fill="hold" nodeType="clickEffect">
+                                <p:cTn id="383" presetID="22" presetClass="entr" presetSubtype="8" fill="hold" nodeType="clickEffect">
                                   <p:stCondLst>
                                     <p:cond delay="0"/>
                                   </p:stCondLst>
                                   <p:childTnLst>
                                     <p:set>
                                       <p:cBhvr>
-                                        <p:cTn id="382" dur="1" fill="hold">
+                                        <p:cTn id="384" dur="1" fill="hold">
                                           <p:stCondLst>
                                             <p:cond delay="0"/>
                                           </p:stCondLst>
                                         </p:cTn>
                                         <p:tgtEl>
-                                          <p:spTgt spid="58"/>
+                                          <p:spTgt spid="60"/>
                                         </p:tgtEl>
                                         <p:attrNameLst>
                                           <p:attrName>style.visibility</p:attrName>
@@ -20426,44 +21190,9 @@
                                     </p:set>
                                     <p:animEffect transition="in" filter="wipe(left)">
                                       <p:cBhvr>
-                                        <p:cTn id="383" dur="500"/>
-                                        <p:tgtEl>
-                                          <p:spTgt spid="58"/>
-                                        </p:tgtEl>
-                                      </p:cBhvr>
-                                    </p:animEffect>
-                                  </p:childTnLst>
-                                </p:cTn>
-                              </p:par>
-                              <p:par>
-                                <p:cTn id="384" presetID="22" presetClass="entr" presetSubtype="8" fill="hold" nodeType="withEffect">
-                                  <p:stCondLst>
-                                    <p:cond delay="0"/>
-                                  </p:stCondLst>
-                                  <p:childTnLst>
-                                    <p:set>
-                                      <p:cBhvr>
-                                        <p:cTn id="385" dur="1" fill="hold">
-                                          <p:stCondLst>
-                                            <p:cond delay="0"/>
-                                          </p:stCondLst>
-                                        </p:cTn>
-                                        <p:tgtEl>
-                                          <p:spTgt spid="59"/>
-                                        </p:tgtEl>
-                                        <p:attrNameLst>
-                                          <p:attrName>style.visibility</p:attrName>
-                                        </p:attrNameLst>
-                                      </p:cBhvr>
-                                      <p:to>
-                                        <p:strVal val="visible"/>
-                                      </p:to>
-                                    </p:set>
-                                    <p:animEffect transition="in" filter="wipe(left)">
-                                      <p:cBhvr>
-                                        <p:cTn id="386" dur="500"/>
-                                        <p:tgtEl>
-                                          <p:spTgt spid="59"/>
+                                        <p:cTn id="385" dur="500"/>
+                                        <p:tgtEl>
+                                          <p:spTgt spid="60"/>
                                         </p:tgtEl>
                                       </p:cBhvr>
                                     </p:animEffect>
@@ -20474,26 +21203,26 @@
                           </p:cTn>
                         </p:par>
                         <p:par>
-                          <p:cTn id="387" fill="hold">
+                          <p:cTn id="386" fill="hold">
                             <p:stCondLst>
                               <p:cond delay="500"/>
                             </p:stCondLst>
                             <p:childTnLst>
                               <p:par>
-                                <p:cTn id="388" presetID="10" presetClass="entr" presetSubtype="0" fill="hold" grpId="0" nodeType="afterEffect">
+                                <p:cTn id="387" presetID="10" presetClass="entr" presetSubtype="0" fill="hold" grpId="0" nodeType="afterEffect">
                                   <p:stCondLst>
                                     <p:cond delay="0"/>
                                   </p:stCondLst>
                                   <p:childTnLst>
                                     <p:set>
                                       <p:cBhvr>
-                                        <p:cTn id="389" dur="1" fill="hold">
+                                        <p:cTn id="388" dur="1" fill="hold">
                                           <p:stCondLst>
                                             <p:cond delay="0"/>
                                           </p:stCondLst>
                                         </p:cTn>
                                         <p:tgtEl>
-                                          <p:spTgt spid="57"/>
+                                          <p:spTgt spid="9"/>
                                         </p:tgtEl>
                                         <p:attrNameLst>
                                           <p:attrName>style.visibility</p:attrName>
@@ -20505,9 +21234,44 @@
                                     </p:set>
                                     <p:animEffect transition="in" filter="fade">
                                       <p:cBhvr>
-                                        <p:cTn id="390" dur="500"/>
-                                        <p:tgtEl>
-                                          <p:spTgt spid="57"/>
+                                        <p:cTn id="389" dur="500"/>
+                                        <p:tgtEl>
+                                          <p:spTgt spid="9"/>
+                                        </p:tgtEl>
+                                      </p:cBhvr>
+                                    </p:animEffect>
+                                  </p:childTnLst>
+                                </p:cTn>
+                              </p:par>
+                              <p:par>
+                                <p:cTn id="390" presetID="10" presetClass="entr" presetSubtype="0" fill="hold" grpId="0" nodeType="withEffect">
+                                  <p:stCondLst>
+                                    <p:cond delay="0"/>
+                                  </p:stCondLst>
+                                  <p:childTnLst>
+                                    <p:set>
+                                      <p:cBhvr>
+                                        <p:cTn id="391" dur="1" fill="hold">
+                                          <p:stCondLst>
+                                            <p:cond delay="0"/>
+                                          </p:stCondLst>
+                                        </p:cTn>
+                                        <p:tgtEl>
+                                          <p:spTgt spid="417"/>
+                                        </p:tgtEl>
+                                        <p:attrNameLst>
+                                          <p:attrName>style.visibility</p:attrName>
+                                        </p:attrNameLst>
+                                      </p:cBhvr>
+                                      <p:to>
+                                        <p:strVal val="visible"/>
+                                      </p:to>
+                                    </p:set>
+                                    <p:animEffect transition="in" filter="fade">
+                                      <p:cBhvr>
+                                        <p:cTn id="392" dur="500"/>
+                                        <p:tgtEl>
+                                          <p:spTgt spid="417"/>
                                         </p:tgtEl>
                                       </p:cBhvr>
                                     </p:animEffect>
@@ -20521,32 +21285,32 @@
                     </p:cTn>
                   </p:par>
                   <p:par>
-                    <p:cTn id="391" fill="hold">
+                    <p:cTn id="393" fill="hold">
                       <p:stCondLst>
                         <p:cond delay="indefinite"/>
                       </p:stCondLst>
                       <p:childTnLst>
                         <p:par>
-                          <p:cTn id="392" fill="hold">
+                          <p:cTn id="394" fill="hold">
                             <p:stCondLst>
                               <p:cond delay="0"/>
                             </p:stCondLst>
                             <p:childTnLst>
                               <p:par>
-                                <p:cTn id="393" presetID="22" presetClass="entr" presetSubtype="8" fill="hold" nodeType="clickEffect">
+                                <p:cTn id="395" presetID="22" presetClass="entr" presetSubtype="4" fill="hold" nodeType="clickEffect">
                                   <p:stCondLst>
                                     <p:cond delay="0"/>
                                   </p:stCondLst>
                                   <p:childTnLst>
                                     <p:set>
                                       <p:cBhvr>
-                                        <p:cTn id="394" dur="1" fill="hold">
+                                        <p:cTn id="396" dur="1" fill="hold">
                                           <p:stCondLst>
                                             <p:cond delay="0"/>
                                           </p:stCondLst>
                                         </p:cTn>
                                         <p:tgtEl>
-                                          <p:spTgt spid="61"/>
+                                          <p:spTgt spid="50"/>
                                         </p:tgtEl>
                                         <p:attrNameLst>
                                           <p:attrName>style.visibility</p:attrName>
@@ -20556,11 +21320,11 @@
                                         <p:strVal val="visible"/>
                                       </p:to>
                                     </p:set>
-                                    <p:animEffect transition="in" filter="wipe(left)">
-                                      <p:cBhvr>
-                                        <p:cTn id="395" dur="500"/>
-                                        <p:tgtEl>
-                                          <p:spTgt spid="61"/>
+                                    <p:animEffect transition="in" filter="wipe(down)">
+                                      <p:cBhvr>
+                                        <p:cTn id="397" dur="500"/>
+                                        <p:tgtEl>
+                                          <p:spTgt spid="50"/>
                                         </p:tgtEl>
                                       </p:cBhvr>
                                     </p:animEffect>
@@ -20571,26 +21335,26 @@
                           </p:cTn>
                         </p:par>
                         <p:par>
-                          <p:cTn id="396" fill="hold">
+                          <p:cTn id="398" fill="hold">
                             <p:stCondLst>
                               <p:cond delay="500"/>
                             </p:stCondLst>
                             <p:childTnLst>
                               <p:par>
-                                <p:cTn id="397" presetID="10" presetClass="entr" presetSubtype="0" fill="hold" grpId="0" nodeType="afterEffect">
+                                <p:cTn id="399" presetID="22" presetClass="entr" presetSubtype="4" fill="hold" grpId="0" nodeType="afterEffect">
                                   <p:stCondLst>
                                     <p:cond delay="0"/>
                                   </p:stCondLst>
                                   <p:childTnLst>
                                     <p:set>
                                       <p:cBhvr>
-                                        <p:cTn id="398" dur="1" fill="hold">
+                                        <p:cTn id="400" dur="1" fill="hold">
                                           <p:stCondLst>
                                             <p:cond delay="0"/>
                                           </p:stCondLst>
                                         </p:cTn>
                                         <p:tgtEl>
-                                          <p:spTgt spid="8"/>
+                                          <p:spTgt spid="44"/>
                                         </p:tgtEl>
                                         <p:attrNameLst>
                                           <p:attrName>style.visibility</p:attrName>
@@ -20600,46 +21364,11 @@
                                         <p:strVal val="visible"/>
                                       </p:to>
                                     </p:set>
-                                    <p:animEffect transition="in" filter="fade">
-                                      <p:cBhvr>
-                                        <p:cTn id="399" dur="500"/>
-                                        <p:tgtEl>
-                                          <p:spTgt spid="8"/>
-                                        </p:tgtEl>
-                                      </p:cBhvr>
-                                    </p:animEffect>
-                                  </p:childTnLst>
-                                </p:cTn>
-                              </p:par>
-                              <p:par>
-                                <p:cTn id="400" presetID="10" presetClass="entr" presetSubtype="0" fill="hold" grpId="0" nodeType="withEffect">
-                                  <p:stCondLst>
-                                    <p:cond delay="0"/>
-                                  </p:stCondLst>
-                                  <p:childTnLst>
-                                    <p:set>
-                                      <p:cBhvr>
-                                        <p:cTn id="401" dur="1" fill="hold">
-                                          <p:stCondLst>
-                                            <p:cond delay="0"/>
-                                          </p:stCondLst>
-                                        </p:cTn>
-                                        <p:tgtEl>
-                                          <p:spTgt spid="418"/>
-                                        </p:tgtEl>
-                                        <p:attrNameLst>
-                                          <p:attrName>style.visibility</p:attrName>
-                                        </p:attrNameLst>
-                                      </p:cBhvr>
-                                      <p:to>
-                                        <p:strVal val="visible"/>
-                                      </p:to>
-                                    </p:set>
-                                    <p:animEffect transition="in" filter="fade">
-                                      <p:cBhvr>
-                                        <p:cTn id="402" dur="500"/>
-                                        <p:tgtEl>
-                                          <p:spTgt spid="418"/>
+                                    <p:animEffect transition="in" filter="wipe(down)">
+                                      <p:cBhvr>
+                                        <p:cTn id="401" dur="500"/>
+                                        <p:tgtEl>
+                                          <p:spTgt spid="44"/>
                                         </p:tgtEl>
                                       </p:cBhvr>
                                     </p:animEffect>
@@ -20653,32 +21382,32 @@
                     </p:cTn>
                   </p:par>
                   <p:par>
-                    <p:cTn id="403" fill="hold">
+                    <p:cTn id="402" fill="hold">
                       <p:stCondLst>
                         <p:cond delay="indefinite"/>
                       </p:stCondLst>
                       <p:childTnLst>
                         <p:par>
-                          <p:cTn id="404" fill="hold">
+                          <p:cTn id="403" fill="hold">
                             <p:stCondLst>
                               <p:cond delay="0"/>
                             </p:stCondLst>
                             <p:childTnLst>
                               <p:par>
-                                <p:cTn id="405" presetID="10" presetClass="entr" presetSubtype="0" fill="hold" grpId="0" nodeType="clickEffect">
+                                <p:cTn id="404" presetID="22" presetClass="entr" presetSubtype="8" fill="hold" nodeType="clickEffect">
                                   <p:stCondLst>
                                     <p:cond delay="0"/>
                                   </p:stCondLst>
                                   <p:childTnLst>
                                     <p:set>
                                       <p:cBhvr>
-                                        <p:cTn id="406" dur="1" fill="hold">
+                                        <p:cTn id="405" dur="1" fill="hold">
                                           <p:stCondLst>
                                             <p:cond delay="0"/>
                                           </p:stCondLst>
                                         </p:cTn>
                                         <p:tgtEl>
-                                          <p:spTgt spid="159"/>
+                                          <p:spTgt spid="51"/>
                                         </p:tgtEl>
                                         <p:attrNameLst>
                                           <p:attrName>style.visibility</p:attrName>
@@ -20688,11 +21417,55 @@
                                         <p:strVal val="visible"/>
                                       </p:to>
                                     </p:set>
-                                    <p:animEffect transition="in" filter="fade">
-                                      <p:cBhvr>
-                                        <p:cTn id="407" dur="500"/>
-                                        <p:tgtEl>
-                                          <p:spTgt spid="159"/>
+                                    <p:animEffect transition="in" filter="wipe(left)">
+                                      <p:cBhvr>
+                                        <p:cTn id="406" dur="500"/>
+                                        <p:tgtEl>
+                                          <p:spTgt spid="51"/>
+                                        </p:tgtEl>
+                                      </p:cBhvr>
+                                    </p:animEffect>
+                                  </p:childTnLst>
+                                </p:cTn>
+                              </p:par>
+                            </p:childTnLst>
+                          </p:cTn>
+                        </p:par>
+                        <p:par>
+                          <p:cTn id="407" fill="hold">
+                            <p:stCondLst>
+                              <p:cond delay="500"/>
+                            </p:stCondLst>
+                            <p:childTnLst>
+                              <p:par>
+                                <p:cTn id="408" presetID="22" presetClass="entr" presetSubtype="4" fill="hold" grpId="0" nodeType="afterEffect">
+                                  <p:stCondLst>
+                                    <p:cond delay="0"/>
+                                  </p:stCondLst>
+                                  <p:childTnLst>
+                                    <p:set>
+                                      <p:cBhvr>
+                                        <p:cTn id="409" dur="1" fill="hold">
+                                          <p:stCondLst>
+                                            <p:cond delay="0"/>
+                                          </p:stCondLst>
+                                        </p:cTn>
+                                        <p:tgtEl>
+                                          <p:spTgt spid="43"/>
+                                        </p:tgtEl>
+                                        <p:attrNameLst>
+                                          <p:attrName>style.visibility</p:attrName>
+                                        </p:attrNameLst>
+                                      </p:cBhvr>
+                                      <p:to>
+                                        <p:strVal val="visible"/>
+                                      </p:to>
+                                    </p:set>
+                                    <p:animEffect transition="in" filter="wipe(down)">
+                                      <p:cBhvr>
+                                        <p:cTn id="410" dur="500"/>
+                                        <p:tgtEl>
+                                          <p:spTgt spid="43"/>
                                         </p:tgtEl>
                                       </p:cBhvr>
                                     </p:animEffect>
@@ -20706,32 +21479,111 @@
                     </p:cTn>
                   </p:par>
                   <p:par>
-                    <p:cTn id="408" fill="hold">
+                    <p:cTn id="411" fill="hold">
                       <p:stCondLst>
                         <p:cond delay="indefinite"/>
                       </p:stCondLst>
                       <p:childTnLst>
                         <p:par>
-                          <p:cTn id="409" fill="hold">
+                          <p:cTn id="412" fill="hold">
                             <p:stCondLst>
                               <p:cond delay="0"/>
                             </p:stCondLst>
                             <p:childTnLst>
                               <p:par>
-                                <p:cTn id="410" presetID="10" presetClass="entr" presetSubtype="0" fill="hold" grpId="0" nodeType="clickEffect">
+                                <p:cTn id="413" presetID="22" presetClass="entr" presetSubtype="8" fill="hold" nodeType="clickEffect">
                                   <p:stCondLst>
                                     <p:cond delay="0"/>
                                   </p:stCondLst>
                                   <p:childTnLst>
                                     <p:set>
                                       <p:cBhvr>
-                                        <p:cTn id="411" dur="1" fill="hold">
+                                        <p:cTn id="414" dur="1" fill="hold">
                                           <p:stCondLst>
                                             <p:cond delay="0"/>
                                           </p:stCondLst>
                                         </p:cTn>
                                         <p:tgtEl>
-                                          <p:spTgt spid="128"/>
+                                          <p:spTgt spid="46"/>
+                                        </p:tgtEl>
+                                        <p:attrNameLst>
+                                          <p:attrName>style.visibility</p:attrName>
+                                        </p:attrNameLst>
+                                      </p:cBhvr>
+                                      <p:to>
+                                        <p:strVal val="visible"/>
+                                      </p:to>
+                                    </p:set>
+                                    <p:animEffect transition="in" filter="wipe(left)">
+                                      <p:cBhvr>
+                                        <p:cTn id="415" dur="500"/>
+                                        <p:tgtEl>
+                                          <p:spTgt spid="46"/>
+                                        </p:tgtEl>
+                                      </p:cBhvr>
+                                    </p:animEffect>
+                                  </p:childTnLst>
+                                </p:cTn>
+                              </p:par>
+                              <p:par>
+                                <p:cTn id="416" presetID="22" presetClass="entr" presetSubtype="2" fill="hold" nodeType="withEffect">
+                                  <p:stCondLst>
+                                    <p:cond delay="0"/>
+                                  </p:stCondLst>
+                                  <p:childTnLst>
+                                    <p:set>
+                                      <p:cBhvr>
+                                        <p:cTn id="417" dur="1" fill="hold">
+                                          <p:stCondLst>
+                                            <p:cond delay="0"/>
+                                          </p:stCondLst>
+                                        </p:cTn>
+                                        <p:tgtEl>
+                                          <p:spTgt spid="47"/>
+                                        </p:tgtEl>
+                                        <p:attrNameLst>
+                                          <p:attrName>style.visibility</p:attrName>
+                                        </p:attrNameLst>
+                                      </p:cBhvr>
+                                      <p:to>
+                                        <p:strVal val="visible"/>
+                                      </p:to>
+                                    </p:set>
+                                    <p:animEffect transition="in" filter="wipe(right)">
+                                      <p:cBhvr>
+                                        <p:cTn id="418" dur="500"/>
+                                        <p:tgtEl>
+                                          <p:spTgt spid="47"/>
+                                        </p:tgtEl>
+                                      </p:cBhvr>
+                                    </p:animEffect>
+                                  </p:childTnLst>
+                                </p:cTn>
+                              </p:par>
+                            </p:childTnLst>
+                          </p:cTn>
+                        </p:par>
+                        <p:par>
+                          <p:cTn id="419" fill="hold">
+                            <p:stCondLst>
+                              <p:cond delay="500"/>
+                            </p:stCondLst>
+                            <p:childTnLst>
+                              <p:par>
+                                <p:cTn id="420" presetID="10" presetClass="entr" presetSubtype="0" fill="hold" grpId="0" nodeType="afterEffect">
+                                  <p:stCondLst>
+                                    <p:cond delay="0"/>
+                                  </p:stCondLst>
+                                  <p:childTnLst>
+                                    <p:set>
+                                      <p:cBhvr>
+                                        <p:cTn id="421" dur="1" fill="hold">
+                                          <p:stCondLst>
+                                            <p:cond delay="0"/>
+                                          </p:stCondLst>
+                                        </p:cTn>
+                                        <p:tgtEl>
+                                          <p:spTgt spid="133"/>
                                         </p:tgtEl>
                                         <p:attrNameLst>
                                           <p:attrName>style.visibility</p:attrName>
@@ -20743,9 +21595,247 @@
                                     </p:set>
                                     <p:animEffect transition="in" filter="fade">
                                       <p:cBhvr>
-                                        <p:cTn id="412" dur="500"/>
-                                        <p:tgtEl>
-                                          <p:spTgt spid="128"/>
+                                        <p:cTn id="422" dur="500"/>
+                                        <p:tgtEl>
+                                          <p:spTgt spid="133"/>
+                                        </p:tgtEl>
+                                      </p:cBhvr>
+                                    </p:animEffect>
+                                  </p:childTnLst>
+                                </p:cTn>
+                              </p:par>
+                            </p:childTnLst>
+                          </p:cTn>
+                        </p:par>
+                        <p:par>
+                          <p:cTn id="423" fill="hold">
+                            <p:stCondLst>
+                              <p:cond delay="1000"/>
+                            </p:stCondLst>
+                            <p:childTnLst>
+                              <p:par>
+                                <p:cTn id="424" presetID="22" presetClass="entr" presetSubtype="4" fill="hold" nodeType="afterEffect">
+                                  <p:stCondLst>
+                                    <p:cond delay="0"/>
+                                  </p:stCondLst>
+                                  <p:childTnLst>
+                                    <p:set>
+                                      <p:cBhvr>
+                                        <p:cTn id="425" dur="1" fill="hold">
+                                          <p:stCondLst>
+                                            <p:cond delay="0"/>
+                                          </p:stCondLst>
+                                        </p:cTn>
+                                        <p:tgtEl>
+                                          <p:spTgt spid="49"/>
+                                        </p:tgtEl>
+                                        <p:attrNameLst>
+                                          <p:attrName>style.visibility</p:attrName>
+                                        </p:attrNameLst>
+                                      </p:cBhvr>
+                                      <p:to>
+                                        <p:strVal val="visible"/>
+                                      </p:to>
+                                    </p:set>
+                                    <p:animEffect transition="in" filter="wipe(down)">
+                                      <p:cBhvr>
+                                        <p:cTn id="426" dur="500"/>
+                                        <p:tgtEl>
+                                          <p:spTgt spid="49"/>
+                                        </p:tgtEl>
+                                      </p:cBhvr>
+                                    </p:animEffect>
+                                  </p:childTnLst>
+                                </p:cTn>
+                              </p:par>
+                            </p:childTnLst>
+                          </p:cTn>
+                        </p:par>
+                        <p:par>
+                          <p:cTn id="427" fill="hold">
+                            <p:stCondLst>
+                              <p:cond delay="1500"/>
+                            </p:stCondLst>
+                            <p:childTnLst>
+                              <p:par>
+                                <p:cTn id="428" presetID="22" presetClass="entr" presetSubtype="4" fill="hold" grpId="0" nodeType="afterEffect">
+                                  <p:stCondLst>
+                                    <p:cond delay="0"/>
+                                  </p:stCondLst>
+                                  <p:childTnLst>
+                                    <p:set>
+                                      <p:cBhvr>
+                                        <p:cTn id="429" dur="1" fill="hold">
+                                          <p:stCondLst>
+                                            <p:cond delay="0"/>
+                                          </p:stCondLst>
+                                        </p:cTn>
+                                        <p:tgtEl>
+                                          <p:spTgt spid="48"/>
+                                        </p:tgtEl>
+                                        <p:attrNameLst>
+                                          <p:attrName>style.visibility</p:attrName>
+                                        </p:attrNameLst>
+                                      </p:cBhvr>
+                                      <p:to>
+                                        <p:strVal val="visible"/>
+                                      </p:to>
+                                    </p:set>
+                                    <p:animEffect transition="in" filter="wipe(down)">
+                                      <p:cBhvr>
+                                        <p:cTn id="430" dur="500"/>
+                                        <p:tgtEl>
+                                          <p:spTgt spid="48"/>
+                                        </p:tgtEl>
+                                      </p:cBhvr>
+                                    </p:animEffect>
+                                  </p:childTnLst>
+                                </p:cTn>
+                              </p:par>
+                            </p:childTnLst>
+                          </p:cTn>
+                        </p:par>
+                      </p:childTnLst>
+                    </p:cTn>
+                  </p:par>
+                  <p:par>
+                    <p:cTn id="431" fill="hold">
+                      <p:stCondLst>
+                        <p:cond delay="indefinite"/>
+                      </p:stCondLst>
+                      <p:childTnLst>
+                        <p:par>
+                          <p:cTn id="432" fill="hold">
+                            <p:stCondLst>
+                              <p:cond delay="0"/>
+                            </p:stCondLst>
+                            <p:childTnLst>
+                              <p:par>
+                                <p:cTn id="433" presetID="22" presetClass="entr" presetSubtype="1" fill="hold" nodeType="clickEffect">
+                                  <p:stCondLst>
+                                    <p:cond delay="0"/>
+                                  </p:stCondLst>
+                                  <p:childTnLst>
+                                    <p:set>
+                                      <p:cBhvr>
+                                        <p:cTn id="434" dur="1" fill="hold">
+                                          <p:stCondLst>
+                                            <p:cond delay="0"/>
+                                          </p:stCondLst>
+                                        </p:cTn>
+                                        <p:tgtEl>
+                                          <p:spTgt spid="55"/>
+                                        </p:tgtEl>
+                                        <p:attrNameLst>
+                                          <p:attrName>style.visibility</p:attrName>
+                                        </p:attrNameLst>
+                                      </p:cBhvr>
+                                      <p:to>
+                                        <p:strVal val="visible"/>
+                                      </p:to>
+                                    </p:set>
+                                    <p:animEffect transition="in" filter="wipe(up)">
+                                      <p:cBhvr>
+                                        <p:cTn id="435" dur="500"/>
+                                        <p:tgtEl>
+                                          <p:spTgt spid="55"/>
+                                        </p:tgtEl>
+                                      </p:cBhvr>
+                                    </p:animEffect>
+                                  </p:childTnLst>
+                                </p:cTn>
+                              </p:par>
+                            </p:childTnLst>
+                          </p:cTn>
+                        </p:par>
+                        <p:par>
+                          <p:cTn id="436" fill="hold">
+                            <p:stCondLst>
+                              <p:cond delay="500"/>
+                            </p:stCondLst>
+                            <p:childTnLst>
+                              <p:par>
+                                <p:cTn id="437" presetID="10" presetClass="entr" presetSubtype="0" fill="hold" grpId="0" nodeType="afterEffect">
+                                  <p:stCondLst>
+                                    <p:cond delay="0"/>
+                                  </p:stCondLst>
+                                  <p:childTnLst>
+                                    <p:set>
+                                      <p:cBhvr>
+                                        <p:cTn id="438" dur="1" fill="hold">
+                                          <p:stCondLst>
+                                            <p:cond delay="0"/>
+                                          </p:stCondLst>
+                                        </p:cTn>
+                                        <p:tgtEl>
+                                          <p:spTgt spid="56"/>
+                                        </p:tgtEl>
+                                        <p:attrNameLst>
+                                          <p:attrName>style.visibility</p:attrName>
+                                        </p:attrNameLst>
+                                      </p:cBhvr>
+                                      <p:to>
+                                        <p:strVal val="visible"/>
+                                      </p:to>
+                                    </p:set>
+                                    <p:animEffect transition="in" filter="fade">
+                                      <p:cBhvr>
+                                        <p:cTn id="439" dur="500"/>
+                                        <p:tgtEl>
+                                          <p:spTgt spid="56"/>
+                                        </p:tgtEl>
+                                      </p:cBhvr>
+                                    </p:animEffect>
+                                  </p:childTnLst>
+                                </p:cTn>
+                              </p:par>
+                            </p:childTnLst>
+                          </p:cTn>
+                        </p:par>
+                      </p:childTnLst>
+                    </p:cTn>
+                  </p:par>
+                  <p:par>
+                    <p:cTn id="440" fill="hold">
+                      <p:stCondLst>
+                        <p:cond delay="indefinite"/>
+                      </p:stCondLst>
+                      <p:childTnLst>
+                        <p:par>
+                          <p:cTn id="441" fill="hold">
+                            <p:stCondLst>
+                              <p:cond delay="0"/>
+                            </p:stCondLst>
+                            <p:childTnLst>
+                              <p:par>
+                                <p:cTn id="442" presetID="22" presetClass="entr" presetSubtype="8" fill="hold" nodeType="clickEffect">
+                                  <p:stCondLst>
+                                    <p:cond delay="0"/>
+                                  </p:stCondLst>
+                                  <p:childTnLst>
+                                    <p:set>
+                                      <p:cBhvr>
+                                        <p:cTn id="443" dur="1" fill="hold">
+                                          <p:stCondLst>
+                                            <p:cond delay="0"/>
+                                          </p:stCondLst>
+                                        </p:cTn>
+                                        <p:tgtEl>
+                                          <p:spTgt spid="58"/>
+                                        </p:tgtEl>
+                                        <p:attrNameLst>
+                                          <p:attrName>style.visibility</p:attrName>
+                                        </p:attrNameLst>
+                                      </p:cBhvr>
+                                      <p:to>
+                                        <p:strVal val="visible"/>
+                                      </p:to>
+                                    </p:set>
+                                    <p:animEffect transition="in" filter="wipe(left)">
+                                      <p:cBhvr>
+                                        <p:cTn id="444" dur="500"/>
+                                        <p:tgtEl>
+                                          <p:spTgt spid="58"/>
                                         </p:tgtEl>
                                       </p:cBhvr>
                                     </p:animEffect>
@@ -20753,20 +21843,64 @@
                                 </p:cTn>
                               </p:par>
                               <p:par>
-                                <p:cTn id="413" presetID="10" presetClass="entr" presetSubtype="0" fill="hold" grpId="0" nodeType="withEffect">
+                                <p:cTn id="445" presetID="22" presetClass="entr" presetSubtype="8" fill="hold" nodeType="withEffect">
                                   <p:stCondLst>
                                     <p:cond delay="0"/>
                                   </p:stCondLst>
                                   <p:childTnLst>
                                     <p:set>
                                       <p:cBhvr>
-                                        <p:cTn id="414" dur="1" fill="hold">
+                                        <p:cTn id="446" dur="1" fill="hold">
                                           <p:stCondLst>
                                             <p:cond delay="0"/>
                                           </p:stCondLst>
                                         </p:cTn>
                                         <p:tgtEl>
-                                          <p:spTgt spid="105"/>
+                                          <p:spTgt spid="59"/>
+                                        </p:tgtEl>
+                                        <p:attrNameLst>
+                                          <p:attrName>style.visibility</p:attrName>
+                                        </p:attrNameLst>
+                                      </p:cBhvr>
+                                      <p:to>
+                                        <p:strVal val="visible"/>
+                                      </p:to>
+                                    </p:set>
+                                    <p:animEffect transition="in" filter="wipe(left)">
+                                      <p:cBhvr>
+                                        <p:cTn id="447" dur="500"/>
+                                        <p:tgtEl>
+                                          <p:spTgt spid="59"/>
+                                        </p:tgtEl>
+                                      </p:cBhvr>
+                                    </p:animEffect>
+                                  </p:childTnLst>
+                                </p:cTn>
+                              </p:par>
+                            </p:childTnLst>
+                          </p:cTn>
+                        </p:par>
+                        <p:par>
+                          <p:cTn id="448" fill="hold">
+                            <p:stCondLst>
+                              <p:cond delay="500"/>
+                            </p:stCondLst>
+                            <p:childTnLst>
+                              <p:par>
+                                <p:cTn id="449" presetID="10" presetClass="entr" presetSubtype="0" fill="hold" grpId="0" nodeType="afterEffect">
+                                  <p:stCondLst>
+                                    <p:cond delay="0"/>
+                                  </p:stCondLst>
+                                  <p:childTnLst>
+                                    <p:set>
+                                      <p:cBhvr>
+                                        <p:cTn id="450" dur="1" fill="hold">
+                                          <p:stCondLst>
+                                            <p:cond delay="0"/>
+                                          </p:stCondLst>
+                                        </p:cTn>
+                                        <p:tgtEl>
+                                          <p:spTgt spid="57"/>
                                         </p:tgtEl>
                                         <p:attrNameLst>
                                           <p:attrName>style.visibility</p:attrName>
@@ -20778,9 +21912,106 @@
                                     </p:set>
                                     <p:animEffect transition="in" filter="fade">
                                       <p:cBhvr>
-                                        <p:cTn id="415" dur="500"/>
-                                        <p:tgtEl>
-                                          <p:spTgt spid="105"/>
+                                        <p:cTn id="451" dur="500"/>
+                                        <p:tgtEl>
+                                          <p:spTgt spid="57"/>
+                                        </p:tgtEl>
+                                      </p:cBhvr>
+                                    </p:animEffect>
+                                  </p:childTnLst>
+                                </p:cTn>
+                              </p:par>
+                            </p:childTnLst>
+                          </p:cTn>
+                        </p:par>
+                      </p:childTnLst>
+                    </p:cTn>
+                  </p:par>
+                  <p:par>
+                    <p:cTn id="452" fill="hold">
+                      <p:stCondLst>
+                        <p:cond delay="indefinite"/>
+                      </p:stCondLst>
+                      <p:childTnLst>
+                        <p:par>
+                          <p:cTn id="453" fill="hold">
+                            <p:stCondLst>
+                              <p:cond delay="0"/>
+                            </p:stCondLst>
+                            <p:childTnLst>
+                              <p:par>
+                                <p:cTn id="454" presetID="22" presetClass="entr" presetSubtype="8" fill="hold" nodeType="clickEffect">
+                                  <p:stCondLst>
+                                    <p:cond delay="0"/>
+                                  </p:stCondLst>
+                                  <p:childTnLst>
+                                    <p:set>
+                                      <p:cBhvr>
+                                        <p:cTn id="455" dur="1" fill="hold">
+                                          <p:stCondLst>
+                                            <p:cond delay="0"/>
+                                          </p:stCondLst>
+                                        </p:cTn>
+                                        <p:tgtEl>
+                                          <p:spTgt spid="61"/>
+                                        </p:tgtEl>
+                                        <p:attrNameLst>
+                                          <p:attrName>style.visibility</p:attrName>
+                                        </p:attrNameLst>
+                                      </p:cBhvr>
+                                      <p:to>
+                                        <p:strVal val="visible"/>
+                                      </p:to>
+                                    </p:set>
+                                    <p:animEffect transition="in" filter="wipe(left)">
+                                      <p:cBhvr>
+                                        <p:cTn id="456" dur="500"/>
+                                        <p:tgtEl>
+                                          <p:spTgt spid="61"/>
+                                        </p:tgtEl>
+                                      </p:cBhvr>
+                                    </p:animEffect>
+                                  </p:childTnLst>
+                                </p:cTn>
+                              </p:par>
+                            </p:childTnLst>
+                          </p:cTn>
+                        </p:par>
+                        <p:par>
+                          <p:cTn id="457" fill="hold">
+                            <p:stCondLst>
+                              <p:cond delay="500"/>
+                            </p:stCondLst>
+                            <p:childTnLst>
+                              <p:par>
+                                <p:cTn id="458" presetID="10" presetClass="entr" presetSubtype="0" fill="hold" grpId="0" nodeType="afterEffect">
+                                  <p:stCondLst>
+                                    <p:cond delay="0"/>
+                                  </p:stCondLst>
+                                  <p:childTnLst>
+                                    <p:set>
+                                      <p:cBhvr>
+                                        <p:cTn id="459" dur="1" fill="hold">
+                                          <p:stCondLst>
+                                            <p:cond delay="0"/>
+                                          </p:stCondLst>
+                                        </p:cTn>
+                                        <p:tgtEl>
+                                          <p:spTgt spid="8"/>
+                                        </p:tgtEl>
+                                        <p:attrNameLst>
+                                          <p:attrName>style.visibility</p:attrName>
+                                        </p:attrNameLst>
+                                      </p:cBhvr>
+                                      <p:to>
+                                        <p:strVal val="visible"/>
+                                      </p:to>
+                                    </p:set>
+                                    <p:animEffect transition="in" filter="fade">
+                                      <p:cBhvr>
+                                        <p:cTn id="460" dur="500"/>
+                                        <p:tgtEl>
+                                          <p:spTgt spid="8"/>
                                         </p:tgtEl>
                                       </p:cBhvr>
                                     </p:animEffect>
@@ -20788,20 +22019,20 @@
                                 </p:cTn>
                               </p:par>
                               <p:par>
-                                <p:cTn id="416" presetID="10" presetClass="entr" presetSubtype="0" fill="hold" nodeType="withEffect">
+                                <p:cTn id="461" presetID="10" presetClass="entr" presetSubtype="0" fill="hold" grpId="0" nodeType="withEffect">
                                   <p:stCondLst>
                                     <p:cond delay="0"/>
                                   </p:stCondLst>
                                   <p:childTnLst>
                                     <p:set>
                                       <p:cBhvr>
-                                        <p:cTn id="417" dur="1" fill="hold">
+                                        <p:cTn id="462" dur="1" fill="hold">
                                           <p:stCondLst>
                                             <p:cond delay="0"/>
                                           </p:stCondLst>
                                         </p:cTn>
                                         <p:tgtEl>
-                                          <p:spTgt spid="122"/>
+                                          <p:spTgt spid="418"/>
                                         </p:tgtEl>
                                         <p:attrNameLst>
                                           <p:attrName>style.visibility</p:attrName>
@@ -20813,9 +22044,115 @@
                                     </p:set>
                                     <p:animEffect transition="in" filter="fade">
                                       <p:cBhvr>
-                                        <p:cTn id="418" dur="500"/>
-                                        <p:tgtEl>
-                                          <p:spTgt spid="122"/>
+                                        <p:cTn id="463" dur="500"/>
+                                        <p:tgtEl>
+                                          <p:spTgt spid="418"/>
+                                        </p:tgtEl>
+                                      </p:cBhvr>
+                                    </p:animEffect>
+                                  </p:childTnLst>
+                                </p:cTn>
+                              </p:par>
+                            </p:childTnLst>
+                          </p:cTn>
+                        </p:par>
+                      </p:childTnLst>
+                    </p:cTn>
+                  </p:par>
+                  <p:par>
+                    <p:cTn id="464" fill="hold">
+                      <p:stCondLst>
+                        <p:cond delay="indefinite"/>
+                      </p:stCondLst>
+                      <p:childTnLst>
+                        <p:par>
+                          <p:cTn id="465" fill="hold">
+                            <p:stCondLst>
+                              <p:cond delay="0"/>
+                            </p:stCondLst>
+                            <p:childTnLst>
+                              <p:par>
+                                <p:cTn id="466" presetID="10" presetClass="entr" presetSubtype="0" fill="hold" grpId="0" nodeType="clickEffect">
+                                  <p:stCondLst>
+                                    <p:cond delay="0"/>
+                                  </p:stCondLst>
+                                  <p:childTnLst>
+                                    <p:set>
+                                      <p:cBhvr>
+                                        <p:cTn id="467" dur="1" fill="hold">
+                                          <p:stCondLst>
+                                            <p:cond delay="0"/>
+                                          </p:stCondLst>
+                                        </p:cTn>
+                                        <p:tgtEl>
+                                          <p:spTgt spid="159"/>
+                                        </p:tgtEl>
+                                        <p:attrNameLst>
+                                          <p:attrName>style.visibility</p:attrName>
+                                        </p:attrNameLst>
+                                      </p:cBhvr>
+                                      <p:to>
+                                        <p:strVal val="visible"/>
+                                      </p:to>
+                                    </p:set>
+                                    <p:animEffect transition="in" filter="fade">
+                                      <p:cBhvr>
+                                        <p:cTn id="468" dur="500"/>
+                                        <p:tgtEl>
+                                          <p:spTgt spid="159"/>
+                                        </p:tgtEl>
+                                      </p:cBhvr>
+                                    </p:animEffect>
+                                  </p:childTnLst>
+                                </p:cTn>
+                              </p:par>
+                            </p:childTnLst>
+                          </p:cTn>
+                        </p:par>
+                      </p:childTnLst>
+                    </p:cTn>
+                  </p:par>
+                  <p:par>
+                    <p:cTn id="469" fill="hold">
+                      <p:stCondLst>
+                        <p:cond delay="indefinite"/>
+                      </p:stCondLst>
+                      <p:childTnLst>
+                        <p:par>
+                          <p:cTn id="470" fill="hold">
+                            <p:stCondLst>
+                              <p:cond delay="0"/>
+                            </p:stCondLst>
+                            <p:childTnLst>
+                              <p:par>
+                                <p:cTn id="471" presetID="10" presetClass="entr" presetSubtype="0" fill="hold" grpId="0" nodeType="clickEffect">
+                                  <p:stCondLst>
+                                    <p:cond delay="0"/>
+                                  </p:stCondLst>
+                                  <p:childTnLst>
+                                    <p:set>
+                                      <p:cBhvr>
+                                        <p:cTn id="472" dur="1" fill="hold">
+                                          <p:stCondLst>
+                                            <p:cond delay="0"/>
+                                          </p:stCondLst>
+                                        </p:cTn>
+                                        <p:tgtEl>
+                                          <p:spTgt spid="128"/>
+                                        </p:tgtEl>
+                                        <p:attrNameLst>
+                                          <p:attrName>style.visibility</p:attrName>
+                                        </p:attrNameLst>
+                                      </p:cBhvr>
+                                      <p:to>
+                                        <p:strVal val="visible"/>
+                                      </p:to>
+                                    </p:set>
+                                    <p:animEffect transition="in" filter="fade">
+                                      <p:cBhvr>
+                                        <p:cTn id="473" dur="500"/>
+                                        <p:tgtEl>
+                                          <p:spTgt spid="128"/>
                                         </p:tgtEl>
                                       </p:cBhvr>
                                     </p:animEffect>
@@ -20823,20 +22160,20 @@
                                 </p:cTn>
                               </p:par>
                               <p:par>
-                                <p:cTn id="419" presetID="10" presetClass="entr" presetSubtype="0" fill="hold" grpId="0" nodeType="withEffect">
+                                <p:cTn id="474" presetID="10" presetClass="entr" presetSubtype="0" fill="hold" grpId="0" nodeType="withEffect">
                                   <p:stCondLst>
                                     <p:cond delay="0"/>
                                   </p:stCondLst>
                                   <p:childTnLst>
                                     <p:set>
                                       <p:cBhvr>
-                                        <p:cTn id="420" dur="1" fill="hold">
+                                        <p:cTn id="475" dur="1" fill="hold">
                                           <p:stCondLst>
                                             <p:cond delay="0"/>
                                           </p:stCondLst>
                                         </p:cTn>
                                         <p:tgtEl>
-                                          <p:spTgt spid="123"/>
+                                          <p:spTgt spid="105"/>
                                         </p:tgtEl>
                                         <p:attrNameLst>
                                           <p:attrName>style.visibility</p:attrName>
@@ -20848,9 +22185,9 @@
                                     </p:set>
                                     <p:animEffect transition="in" filter="fade">
                                       <p:cBhvr>
-                                        <p:cTn id="421" dur="500"/>
-                                        <p:tgtEl>
-                                          <p:spTgt spid="123"/>
+                                        <p:cTn id="476" dur="500"/>
+                                        <p:tgtEl>
+                                          <p:spTgt spid="105"/>
                                         </p:tgtEl>
                                       </p:cBhvr>
                                     </p:animEffect>
@@ -20858,20 +22195,20 @@
                                 </p:cTn>
                               </p:par>
                               <p:par>
-                                <p:cTn id="422" presetID="10" presetClass="entr" presetSubtype="0" fill="hold" nodeType="withEffect">
+                                <p:cTn id="477" presetID="10" presetClass="entr" presetSubtype="0" fill="hold" nodeType="withEffect">
                                   <p:stCondLst>
                                     <p:cond delay="0"/>
                                   </p:stCondLst>
                                   <p:childTnLst>
                                     <p:set>
                                       <p:cBhvr>
-                                        <p:cTn id="423" dur="1" fill="hold">
+                                        <p:cTn id="478" dur="1" fill="hold">
                                           <p:stCondLst>
                                             <p:cond delay="0"/>
                                           </p:stCondLst>
                                         </p:cTn>
                                         <p:tgtEl>
-                                          <p:spTgt spid="30"/>
+                                          <p:spTgt spid="122"/>
                                         </p:tgtEl>
                                         <p:attrNameLst>
                                           <p:attrName>style.visibility</p:attrName>
@@ -20883,9 +22220,9 @@
                                     </p:set>
                                     <p:animEffect transition="in" filter="fade">
                                       <p:cBhvr>
-                                        <p:cTn id="424" dur="500"/>
-                                        <p:tgtEl>
-                                          <p:spTgt spid="30"/>
+                                        <p:cTn id="479" dur="500"/>
+                                        <p:tgtEl>
+                                          <p:spTgt spid="122"/>
                                         </p:tgtEl>
                                       </p:cBhvr>
                                     </p:animEffect>
@@ -20893,20 +22230,20 @@
                                 </p:cTn>
                               </p:par>
                               <p:par>
-                                <p:cTn id="425" presetID="10" presetClass="entr" presetSubtype="0" fill="hold" grpId="0" nodeType="withEffect">
+                                <p:cTn id="480" presetID="10" presetClass="entr" presetSubtype="0" fill="hold" grpId="0" nodeType="withEffect">
                                   <p:stCondLst>
                                     <p:cond delay="0"/>
                                   </p:stCondLst>
                                   <p:childTnLst>
                                     <p:set>
                                       <p:cBhvr>
-                                        <p:cTn id="426" dur="1" fill="hold">
+                                        <p:cTn id="481" dur="1" fill="hold">
                                           <p:stCondLst>
                                             <p:cond delay="0"/>
                                           </p:stCondLst>
                                         </p:cTn>
                                         <p:tgtEl>
-                                          <p:spTgt spid="129"/>
+                                          <p:spTgt spid="123"/>
                                         </p:tgtEl>
                                         <p:attrNameLst>
                                           <p:attrName>style.visibility</p:attrName>
@@ -20918,9 +22255,9 @@
                                     </p:set>
                                     <p:animEffect transition="in" filter="fade">
                                       <p:cBhvr>
-                                        <p:cTn id="427" dur="500"/>
-                                        <p:tgtEl>
-                                          <p:spTgt spid="129"/>
+                                        <p:cTn id="482" dur="500"/>
+                                        <p:tgtEl>
+                                          <p:spTgt spid="123"/>
                                         </p:tgtEl>
                                       </p:cBhvr>
                                     </p:animEffect>
@@ -20928,20 +22265,20 @@
                                 </p:cTn>
                               </p:par>
                               <p:par>
-                                <p:cTn id="428" presetID="10" presetClass="entr" presetSubtype="0" fill="hold" nodeType="withEffect">
+                                <p:cTn id="483" presetID="10" presetClass="entr" presetSubtype="0" fill="hold" nodeType="withEffect">
                                   <p:stCondLst>
                                     <p:cond delay="0"/>
                                   </p:stCondLst>
                                   <p:childTnLst>
                                     <p:set>
                                       <p:cBhvr>
-                                        <p:cTn id="429" dur="1" fill="hold">
+                                        <p:cTn id="484" dur="1" fill="hold">
                                           <p:stCondLst>
                                             <p:cond delay="0"/>
                                           </p:stCondLst>
                                         </p:cTn>
                                         <p:tgtEl>
-                                          <p:spTgt spid="130"/>
+                                          <p:spTgt spid="30"/>
                                         </p:tgtEl>
                                         <p:attrNameLst>
                                           <p:attrName>style.visibility</p:attrName>
@@ -20953,7 +22290,77 @@
                                     </p:set>
                                     <p:animEffect transition="in" filter="fade">
                                       <p:cBhvr>
-                                        <p:cTn id="430" dur="500"/>
+                                        <p:cTn id="485" dur="500"/>
+                                        <p:tgtEl>
+                                          <p:spTgt spid="30"/>
+                                        </p:tgtEl>
+                                      </p:cBhvr>
+                                    </p:animEffect>
+                                  </p:childTnLst>
+                                </p:cTn>
+                              </p:par>
+                              <p:par>
+                                <p:cTn id="486" presetID="10" presetClass="entr" presetSubtype="0" fill="hold" grpId="0" nodeType="withEffect">
+                                  <p:stCondLst>
+                                    <p:cond delay="0"/>
+                                  </p:stCondLst>
+                                  <p:childTnLst>
+                                    <p:set>
+                                      <p:cBhvr>
+                                        <p:cTn id="487" dur="1" fill="hold">
+                                          <p:stCondLst>
+                                            <p:cond delay="0"/>
+                                          </p:stCondLst>
+                                        </p:cTn>
+                                        <p:tgtEl>
+                                          <p:spTgt spid="129"/>
+                                        </p:tgtEl>
+                                        <p:attrNameLst>
+                                          <p:attrName>style.visibility</p:attrName>
+                                        </p:attrNameLst>
+                                      </p:cBhvr>
+                                      <p:to>
+                                        <p:strVal val="visible"/>
+                                      </p:to>
+                                    </p:set>
+                                    <p:animEffect transition="in" filter="fade">
+                                      <p:cBhvr>
+                                        <p:cTn id="488" dur="500"/>
+                                        <p:tgtEl>
+                                          <p:spTgt spid="129"/>
+                                        </p:tgtEl>
+                                      </p:cBhvr>
+                                    </p:animEffect>
+                                  </p:childTnLst>
+                                </p:cTn>
+                              </p:par>
+                              <p:par>
+                                <p:cTn id="489" presetID="10" presetClass="entr" presetSubtype="0" fill="hold" nodeType="withEffect">
+                                  <p:stCondLst>
+                                    <p:cond delay="0"/>
+                                  </p:stCondLst>
+                                  <p:childTnLst>
+                                    <p:set>
+                                      <p:cBhvr>
+                                        <p:cTn id="490" dur="1" fill="hold">
+                                          <p:stCondLst>
+                                            <p:cond delay="0"/>
+                                          </p:stCondLst>
+                                        </p:cTn>
+                                        <p:tgtEl>
+                                          <p:spTgt spid="130"/>
+                                        </p:tgtEl>
+                                        <p:attrNameLst>
+                                          <p:attrName>style.visibility</p:attrName>
+                                        </p:attrNameLst>
+                                      </p:cBhvr>
+                                      <p:to>
+                                        <p:strVal val="visible"/>
+                                      </p:to>
+                                    </p:set>
+                                    <p:animEffect transition="in" filter="fade">
+                                      <p:cBhvr>
+                                        <p:cTn id="491" dur="500"/>
                                         <p:tgtEl>
                                           <p:spTgt spid="130"/>
                                         </p:tgtEl>
@@ -21042,12 +22449,28 @@
       <p:bldP spid="123" grpId="0"/>
       <p:bldP spid="128" grpId="0" animBg="1"/>
       <p:bldP spid="129" grpId="0"/>
+      <p:bldP spid="6" grpId="0" animBg="1"/>
+      <p:bldP spid="6" grpId="1" animBg="1"/>
+      <p:bldP spid="16" grpId="0"/>
+      <p:bldP spid="16" grpId="1"/>
+      <p:bldP spid="124" grpId="0" animBg="1"/>
+      <p:bldP spid="124" grpId="1" animBg="1"/>
+      <p:bldP spid="125" grpId="0"/>
+      <p:bldP spid="125" grpId="1"/>
+      <p:bldP spid="131" grpId="0" animBg="1"/>
+      <p:bldP spid="131" grpId="1" animBg="1"/>
+      <p:bldP spid="132" grpId="0"/>
+      <p:bldP spid="132" grpId="1"/>
+      <p:bldP spid="134" grpId="0" animBg="1"/>
+      <p:bldP spid="134" grpId="1" animBg="1"/>
+      <p:bldP spid="135" grpId="0"/>
+      <p:bldP spid="135" grpId="1"/>
     </p:bldLst>
   </p:timing>
 </p:sld>
 </file>
 
-<file path=ppt/slides/slide11.xml><?xml version="1.0" encoding="utf-8"?>
+<file path=ppt/slides/slide12.xml><?xml version="1.0" encoding="utf-8"?>
 <p:sld xmlns:a="http://schemas.openxmlformats.org/drawingml/2006/main" xmlns:r="http://schemas.openxmlformats.org/officeDocument/2006/relationships" xmlns:p="http://schemas.openxmlformats.org/presentationml/2006/main">
   <p:cSld>
     <p:spTree>
@@ -21473,7 +22896,7 @@
 </p:sld>
 </file>
 
-<file path=ppt/slides/slide12.xml><?xml version="1.0" encoding="utf-8"?>
+<file path=ppt/slides/slide13.xml><?xml version="1.0" encoding="utf-8"?>
 <p:sld xmlns:a="http://schemas.openxmlformats.org/drawingml/2006/main" xmlns:r="http://schemas.openxmlformats.org/officeDocument/2006/relationships" xmlns:p="http://schemas.openxmlformats.org/presentationml/2006/main">
   <p:cSld>
     <p:spTree>
@@ -22763,7 +24186,7 @@
 </p:sld>
 </file>
 
-<file path=ppt/slides/slide13.xml><?xml version="1.0" encoding="utf-8"?>
+<file path=ppt/slides/slide14.xml><?xml version="1.0" encoding="utf-8"?>
 <p:sld xmlns:a="http://schemas.openxmlformats.org/drawingml/2006/main" xmlns:r="http://schemas.openxmlformats.org/officeDocument/2006/relationships" xmlns:p="http://schemas.openxmlformats.org/presentationml/2006/main">
   <p:cSld>
     <p:spTree>
@@ -23298,7 +24721,7 @@
 </p:sld>
 </file>
 
-<file path=ppt/slides/slide14.xml><?xml version="1.0" encoding="utf-8"?>
+<file path=ppt/slides/slide15.xml><?xml version="1.0" encoding="utf-8"?>
 <p:sld xmlns:a="http://schemas.openxmlformats.org/drawingml/2006/main" xmlns:r="http://schemas.openxmlformats.org/officeDocument/2006/relationships" xmlns:p="http://schemas.openxmlformats.org/presentationml/2006/main">
   <p:cSld>
     <p:spTree>
@@ -23435,7 +24858,7 @@
           <p:nvPr/>
         </p:nvPicPr>
         <p:blipFill>
-          <a:blip r:embed="rId2">
+          <a:blip r:embed="rId3">
             <a:extLst>
               <a:ext uri="{28A0092B-C50C-407E-A947-70E740481C1C}">
                 <a14:useLocalDpi xmlns:a14="http://schemas.microsoft.com/office/drawing/2010/main" val="0"/>
@@ -23449,7 +24872,7 @@
         </p:blipFill>
         <p:spPr bwMode="auto">
           <a:xfrm>
-            <a:off x="4664179" y="1728669"/>
+            <a:off x="4664179" y="1571717"/>
             <a:ext cx="6927273" cy="3400661"/>
           </a:xfrm>
           <a:prstGeom prst="rect">
@@ -23467,6 +24890,45 @@
           </a:extLst>
         </p:spPr>
       </p:pic>
+      <p:sp>
+        <p:nvSpPr>
+          <p:cNvPr id="4" name="TextBox 3">
+            <a:extLst>
+              <a:ext uri="{FF2B5EF4-FFF2-40B4-BE49-F238E27FC236}">
+                <a16:creationId xmlns:a16="http://schemas.microsoft.com/office/drawing/2014/main" id="{4C4357EE-F3D4-4E2B-8F1E-A13CBC7101C7}"/>
+              </a:ext>
+            </a:extLst>
+          </p:cNvPr>
+          <p:cNvSpPr txBox="1"/>
+          <p:nvPr/>
+        </p:nvSpPr>
+        <p:spPr>
+          <a:xfrm>
+            <a:off x="3782704" y="6128738"/>
+            <a:ext cx="4626591" cy="369332"/>
+          </a:xfrm>
+          <a:prstGeom prst="rect">
+            <a:avLst/>
+          </a:prstGeom>
+          <a:noFill/>
+        </p:spPr>
+        <p:txBody>
+          <a:bodyPr wrap="square" rtlCol="0">
+            <a:spAutoFit/>
+          </a:bodyPr>
+          <a:lstStyle/>
+          <a:p>
+            <a:r>
+              <a:rPr lang="en-US" dirty="0"/>
+              <a:t>Best LSTM score: Mean Absolute Error of </a:t>
+            </a:r>
+            <a:r>
+              <a:rPr lang="en-US" u="sng" dirty="0"/>
+              <a:t>26.8</a:t>
+            </a:r>
+          </a:p>
+        </p:txBody>
+      </p:sp>
     </p:spTree>
     <p:extLst>
       <p:ext uri="{BB962C8B-B14F-4D97-AF65-F5344CB8AC3E}">
@@ -23480,7 +24942,7 @@
 </p:sld>
 </file>
 
-<file path=ppt/slides/slide15.xml><?xml version="1.0" encoding="utf-8"?>
+<file path=ppt/slides/slide16.xml><?xml version="1.0" encoding="utf-8"?>
 <p:sld xmlns:a="http://schemas.openxmlformats.org/drawingml/2006/main" xmlns:r="http://schemas.openxmlformats.org/officeDocument/2006/relationships" xmlns:p="http://schemas.openxmlformats.org/presentationml/2006/main">
   <p:cSld>
     <p:spTree>
@@ -24790,7 +26252,7 @@
 </p:sld>
 </file>
 
-<file path=ppt/slides/slide16.xml><?xml version="1.0" encoding="utf-8"?>
+<file path=ppt/slides/slide17.xml><?xml version="1.0" encoding="utf-8"?>
 <p:sld xmlns:a="http://schemas.openxmlformats.org/drawingml/2006/main" xmlns:r="http://schemas.openxmlformats.org/officeDocument/2006/relationships" xmlns:p="http://schemas.openxmlformats.org/presentationml/2006/main">
   <p:cSld>
     <p:spTree>
@@ -25422,6 +26884,45 @@
           </a:graphicData>
         </a:graphic>
       </p:graphicFrame>
+      <p:sp>
+        <p:nvSpPr>
+          <p:cNvPr id="10" name="TextBox 9">
+            <a:extLst>
+              <a:ext uri="{FF2B5EF4-FFF2-40B4-BE49-F238E27FC236}">
+                <a16:creationId xmlns:a16="http://schemas.microsoft.com/office/drawing/2014/main" id="{2F1D9A50-2FC0-46AD-A186-357671E40AFD}"/>
+              </a:ext>
+            </a:extLst>
+          </p:cNvPr>
+          <p:cNvSpPr txBox="1"/>
+          <p:nvPr/>
+        </p:nvSpPr>
+        <p:spPr>
+          <a:xfrm>
+            <a:off x="3782704" y="6281237"/>
+            <a:ext cx="4626591" cy="369332"/>
+          </a:xfrm>
+          <a:prstGeom prst="rect">
+            <a:avLst/>
+          </a:prstGeom>
+          <a:noFill/>
+        </p:spPr>
+        <p:txBody>
+          <a:bodyPr wrap="square" rtlCol="0">
+            <a:spAutoFit/>
+          </a:bodyPr>
+          <a:lstStyle/>
+          <a:p>
+            <a:r>
+              <a:rPr lang="en-US" dirty="0"/>
+              <a:t>Best LSTM score: Mean Absolute Error of </a:t>
+            </a:r>
+            <a:r>
+              <a:rPr lang="en-US" u="sng" dirty="0"/>
+              <a:t>24.3</a:t>
+            </a:r>
+          </a:p>
+        </p:txBody>
+      </p:sp>
     </p:spTree>
     <p:extLst>
       <p:ext uri="{BB962C8B-B14F-4D97-AF65-F5344CB8AC3E}">
@@ -25878,7 +27379,7 @@
 </p:sld>
 </file>
 
-<file path=ppt/slides/slide17.xml><?xml version="1.0" encoding="utf-8"?>
+<file path=ppt/slides/slide18.xml><?xml version="1.0" encoding="utf-8"?>
 <p:sld xmlns:a="http://schemas.openxmlformats.org/drawingml/2006/main" xmlns:r="http://schemas.openxmlformats.org/officeDocument/2006/relationships" xmlns:p="http://schemas.openxmlformats.org/presentationml/2006/main">
   <p:cSld>
     <p:spTree>
@@ -27093,7 +28594,7 @@
 </p:sld>
 </file>
 
-<file path=ppt/slides/slide18.xml><?xml version="1.0" encoding="utf-8"?>
+<file path=ppt/slides/slide19.xml><?xml version="1.0" encoding="utf-8"?>
 <p:sld xmlns:a="http://schemas.openxmlformats.org/drawingml/2006/main" xmlns:r="http://schemas.openxmlformats.org/officeDocument/2006/relationships" xmlns:p="http://schemas.openxmlformats.org/presentationml/2006/main">
   <p:cSld>
     <p:spTree>
@@ -27439,7 +28940,136 @@
 </p:sld>
 </file>
 
-<file path=ppt/slides/slide19.xml><?xml version="1.0" encoding="utf-8"?>
+<file path=ppt/slides/slide2.xml><?xml version="1.0" encoding="utf-8"?>
+<p:sld xmlns:a="http://schemas.openxmlformats.org/drawingml/2006/main" xmlns:r="http://schemas.openxmlformats.org/officeDocument/2006/relationships" xmlns:p="http://schemas.openxmlformats.org/presentationml/2006/main">
+  <p:cSld>
+    <p:spTree>
+      <p:nvGrpSpPr>
+        <p:cNvPr id="1" name=""/>
+        <p:cNvGrpSpPr/>
+        <p:nvPr/>
+      </p:nvGrpSpPr>
+      <p:grpSpPr>
+        <a:xfrm>
+          <a:off x="0" y="0"/>
+          <a:ext cx="0" cy="0"/>
+          <a:chOff x="0" y="0"/>
+          <a:chExt cx="0" cy="0"/>
+        </a:xfrm>
+      </p:grpSpPr>
+      <p:sp>
+        <p:nvSpPr>
+          <p:cNvPr id="2" name="Title 1">
+            <a:extLst>
+              <a:ext uri="{FF2B5EF4-FFF2-40B4-BE49-F238E27FC236}">
+                <a16:creationId xmlns:a16="http://schemas.microsoft.com/office/drawing/2014/main" id="{BDE49EC0-C405-4499-ABEF-0EFFED3217FE}"/>
+              </a:ext>
+            </a:extLst>
+          </p:cNvPr>
+          <p:cNvSpPr>
+            <a:spLocks noGrp="1"/>
+          </p:cNvSpPr>
+          <p:nvPr>
+            <p:ph type="title"/>
+          </p:nvPr>
+        </p:nvSpPr>
+        <p:spPr/>
+        <p:txBody>
+          <a:bodyPr>
+            <a:normAutofit fontScale="90000"/>
+          </a:bodyPr>
+          <a:lstStyle/>
+          <a:p>
+            <a:r>
+              <a:rPr lang="en-US" dirty="0"/>
+              <a:t>Problem Overview</a:t>
+            </a:r>
+          </a:p>
+        </p:txBody>
+      </p:sp>
+      <p:sp>
+        <p:nvSpPr>
+          <p:cNvPr id="3" name="Content Placeholder 2">
+            <a:extLst>
+              <a:ext uri="{FF2B5EF4-FFF2-40B4-BE49-F238E27FC236}">
+                <a16:creationId xmlns:a16="http://schemas.microsoft.com/office/drawing/2014/main" id="{39CE534F-2302-416B-823C-BF19F77E3CC0}"/>
+              </a:ext>
+            </a:extLst>
+          </p:cNvPr>
+          <p:cNvSpPr>
+            <a:spLocks noGrp="1"/>
+          </p:cNvSpPr>
+          <p:nvPr>
+            <p:ph sz="half" idx="1"/>
+          </p:nvPr>
+        </p:nvSpPr>
+        <p:spPr>
+          <a:xfrm>
+            <a:off x="140368" y="851067"/>
+            <a:ext cx="11520004" cy="5297070"/>
+          </a:xfrm>
+        </p:spPr>
+        <p:txBody>
+          <a:bodyPr/>
+          <a:lstStyle/>
+          <a:p>
+            <a:r>
+              <a:rPr lang="en-US" dirty="0"/>
+              <a:t>Dengue Fever is a disease with severity ranging from flu-like symptoms to low blood pressure and death.</a:t>
+            </a:r>
+          </a:p>
+          <a:p>
+            <a:r>
+              <a:rPr lang="en-US" dirty="0"/>
+              <a:t>It is not contagious; Dengue Fever can only be spread by mosquitoes</a:t>
+            </a:r>
+          </a:p>
+        </p:txBody>
+      </p:sp>
+      <p:pic>
+        <p:nvPicPr>
+          <p:cNvPr id="4" name="Picture 3">
+            <a:extLst>
+              <a:ext uri="{FF2B5EF4-FFF2-40B4-BE49-F238E27FC236}">
+                <a16:creationId xmlns:a16="http://schemas.microsoft.com/office/drawing/2014/main" id="{70467B5E-B24D-414E-A360-F014A3796175}"/>
+              </a:ext>
+            </a:extLst>
+          </p:cNvPr>
+          <p:cNvPicPr>
+            <a:picLocks noChangeAspect="1"/>
+          </p:cNvPicPr>
+          <p:nvPr/>
+        </p:nvPicPr>
+        <p:blipFill>
+          <a:blip r:embed="rId2"/>
+          <a:stretch>
+            <a:fillRect/>
+          </a:stretch>
+        </p:blipFill>
+        <p:spPr>
+          <a:xfrm>
+            <a:off x="2117559" y="2628880"/>
+            <a:ext cx="7565619" cy="3644993"/>
+          </a:xfrm>
+          <a:prstGeom prst="rect">
+            <a:avLst/>
+          </a:prstGeom>
+        </p:spPr>
+      </p:pic>
+    </p:spTree>
+    <p:extLst>
+      <p:ext uri="{BB962C8B-B14F-4D97-AF65-F5344CB8AC3E}">
+        <p14:creationId xmlns:p14="http://schemas.microsoft.com/office/powerpoint/2010/main" val="3188819928"/>
+      </p:ext>
+    </p:extLst>
+  </p:cSld>
+  <p:clrMapOvr>
+    <a:masterClrMapping/>
+  </p:clrMapOvr>
+</p:sld>
+</file>
+
+<file path=ppt/slides/slide20.xml><?xml version="1.0" encoding="utf-8"?>
 <p:sld xmlns:a="http://schemas.openxmlformats.org/drawingml/2006/main" xmlns:r="http://schemas.openxmlformats.org/officeDocument/2006/relationships" xmlns:p="http://schemas.openxmlformats.org/presentationml/2006/main">
   <p:cSld>
     <p:spTree>
@@ -27555,15 +29185,17 @@
             </a:pPr>
             <a:r>
               <a:rPr lang="en-US" dirty="0"/>
-              <a:t>Download The LSTM Reference Card and code an LSTM forward pass with just </a:t>
+              <a:t>Download </a:t>
             </a:r>
             <a:r>
-              <a:rPr lang="en-US" dirty="0" err="1"/>
-              <a:t>numpy</a:t>
+              <a:rPr lang="en-US" dirty="0">
+                <a:hlinkClick r:id="rId3"/>
+              </a:rPr>
+              <a:t>The LSTM Reference Card </a:t>
             </a:r>
             <a:r>
               <a:rPr lang="en-US" dirty="0"/>
-              <a:t>!</a:t>
+              <a:t>and code an LSTM forward pass with just NumPy!</a:t>
             </a:r>
           </a:p>
           <a:p>
@@ -27573,13 +29205,13 @@
             </a:pPr>
             <a:r>
               <a:rPr lang="en-US" dirty="0">
-                <a:hlinkClick r:id="rId3"/>
+                <a:hlinkClick r:id="rId4"/>
               </a:rPr>
               <a:t>Free Udacity course on deep learning (including RNN’s) in </a:t>
             </a:r>
             <a:r>
               <a:rPr lang="en-US" dirty="0" err="1">
-                <a:hlinkClick r:id="rId3"/>
+                <a:hlinkClick r:id="rId4"/>
               </a:rPr>
               <a:t>pytorch</a:t>
             </a:r>
@@ -27595,7 +29227,7 @@
             </a:pPr>
             <a:r>
               <a:rPr lang="en-US" dirty="0">
-                <a:hlinkClick r:id="rId4"/>
+                <a:hlinkClick r:id="rId5"/>
               </a:rPr>
               <a:t>Helpful article on LSTM’s and GRU’s</a:t>
             </a:r>
@@ -27608,19 +29240,19 @@
             </a:pPr>
             <a:r>
               <a:rPr lang="en-US" dirty="0">
-                <a:hlinkClick r:id="rId5"/>
+                <a:hlinkClick r:id="rId6"/>
               </a:rPr>
               <a:t>Interesting podcast (</a:t>
             </a:r>
             <a:r>
               <a:rPr lang="en-US" dirty="0" err="1">
-                <a:hlinkClick r:id="rId5"/>
+                <a:hlinkClick r:id="rId6"/>
               </a:rPr>
               <a:t>TWiML&amp;AI</a:t>
             </a:r>
             <a:r>
               <a:rPr lang="en-US" dirty="0">
-                <a:hlinkClick r:id="rId5"/>
+                <a:hlinkClick r:id="rId6"/>
               </a:rPr>
               <a:t>) suggesting you can trim an LSTM down to ONLY a forget gate</a:t>
             </a:r>
@@ -27633,9 +29265,9 @@
             </a:pPr>
             <a:r>
               <a:rPr lang="en-US" dirty="0">
-                <a:hlinkClick r:id="rId6"/>
+                <a:hlinkClick r:id="rId7"/>
               </a:rPr>
-              <a:t>Walk Forward Validation guide by Dr. Brownlee</a:t>
+              <a:t>Walk Forward Validation guide by Dr. Brownlee (Machine Learning Mastery)</a:t>
             </a:r>
             <a:endParaRPr lang="en-US" dirty="0"/>
           </a:p>
@@ -27785,7 +29417,17 @@
             </a:pPr>
             <a:r>
               <a:rPr lang="en-US" dirty="0"/>
-              <a:t>Full writeup: gregcondit.com/articles/dengue-fever </a:t>
+              <a:t>Full writeup: </a:t>
+            </a:r>
+            <a:r>
+              <a:rPr lang="en-US" dirty="0">
+                <a:hlinkClick r:id="rId8"/>
+              </a:rPr>
+              <a:t>gregcondit.com/articles/dengue-fever</a:t>
+            </a:r>
+            <a:r>
+              <a:rPr lang="en-US" dirty="0"/>
+              <a:t> </a:t>
             </a:r>
           </a:p>
           <a:p>
@@ -27803,31 +29445,31 @@
             </a:r>
             <a:r>
               <a:rPr lang="en-US" dirty="0">
-                <a:hlinkClick r:id="rId7"/>
+                <a:hlinkClick r:id="rId9"/>
               </a:rPr>
               <a:t>/</a:t>
             </a:r>
             <a:r>
               <a:rPr lang="en-US" dirty="0" err="1">
-                <a:hlinkClick r:id="rId7"/>
+                <a:hlinkClick r:id="rId9"/>
               </a:rPr>
               <a:t>conditg</a:t>
             </a:r>
             <a:r>
               <a:rPr lang="en-US" dirty="0">
-                <a:hlinkClick r:id="rId7"/>
+                <a:hlinkClick r:id="rId9"/>
               </a:rPr>
               <a:t>/</a:t>
             </a:r>
             <a:r>
               <a:rPr lang="en-US" dirty="0" err="1">
-                <a:hlinkClick r:id="rId7"/>
+                <a:hlinkClick r:id="rId9"/>
               </a:rPr>
               <a:t>deng</a:t>
             </a:r>
             <a:r>
               <a:rPr lang="en-US" dirty="0">
-                <a:hlinkClick r:id="rId7"/>
+                <a:hlinkClick r:id="rId9"/>
               </a:rPr>
               <a:t>-ai</a:t>
             </a:r>
@@ -27851,184 +29493,7 @@
 </p:sld>
 </file>
 
-<file path=ppt/slides/slide2.xml><?xml version="1.0" encoding="utf-8"?>
-<p:sld xmlns:a="http://schemas.openxmlformats.org/drawingml/2006/main" xmlns:r="http://schemas.openxmlformats.org/officeDocument/2006/relationships" xmlns:p="http://schemas.openxmlformats.org/presentationml/2006/main">
-  <p:cSld>
-    <p:spTree>
-      <p:nvGrpSpPr>
-        <p:cNvPr id="1" name=""/>
-        <p:cNvGrpSpPr/>
-        <p:nvPr/>
-      </p:nvGrpSpPr>
-      <p:grpSpPr>
-        <a:xfrm>
-          <a:off x="0" y="0"/>
-          <a:ext cx="0" cy="0"/>
-          <a:chOff x="0" y="0"/>
-          <a:chExt cx="0" cy="0"/>
-        </a:xfrm>
-      </p:grpSpPr>
-      <p:sp>
-        <p:nvSpPr>
-          <p:cNvPr id="2" name="Title 1">
-            <a:extLst>
-              <a:ext uri="{FF2B5EF4-FFF2-40B4-BE49-F238E27FC236}">
-                <a16:creationId xmlns:a16="http://schemas.microsoft.com/office/drawing/2014/main" id="{BDE49EC0-C405-4499-ABEF-0EFFED3217FE}"/>
-              </a:ext>
-            </a:extLst>
-          </p:cNvPr>
-          <p:cNvSpPr>
-            <a:spLocks noGrp="1"/>
-          </p:cNvSpPr>
-          <p:nvPr>
-            <p:ph type="title"/>
-          </p:nvPr>
-        </p:nvSpPr>
-        <p:spPr/>
-        <p:txBody>
-          <a:bodyPr>
-            <a:normAutofit fontScale="90000"/>
-          </a:bodyPr>
-          <a:lstStyle/>
-          <a:p>
-            <a:r>
-              <a:rPr lang="en-US" dirty="0"/>
-              <a:t>Problem Overview</a:t>
-            </a:r>
-          </a:p>
-        </p:txBody>
-      </p:sp>
-      <p:sp>
-        <p:nvSpPr>
-          <p:cNvPr id="3" name="Content Placeholder 2">
-            <a:extLst>
-              <a:ext uri="{FF2B5EF4-FFF2-40B4-BE49-F238E27FC236}">
-                <a16:creationId xmlns:a16="http://schemas.microsoft.com/office/drawing/2014/main" id="{39CE534F-2302-416B-823C-BF19F77E3CC0}"/>
-              </a:ext>
-            </a:extLst>
-          </p:cNvPr>
-          <p:cNvSpPr>
-            <a:spLocks noGrp="1"/>
-          </p:cNvSpPr>
-          <p:nvPr>
-            <p:ph sz="half" idx="1"/>
-          </p:nvPr>
-        </p:nvSpPr>
-        <p:spPr>
-          <a:xfrm>
-            <a:off x="140368" y="851067"/>
-            <a:ext cx="11520004" cy="5297070"/>
-          </a:xfrm>
-        </p:spPr>
-        <p:txBody>
-          <a:bodyPr/>
-          <a:lstStyle/>
-          <a:p>
-            <a:r>
-              <a:rPr lang="en-US" dirty="0"/>
-              <a:t>Dengue Fever is a disease with severity ranging from flu-like symptoms to low blood pressure and death.</a:t>
-            </a:r>
-          </a:p>
-          <a:p>
-            <a:r>
-              <a:rPr lang="en-US" dirty="0"/>
-              <a:t>It is not contagious; Dengue Fever can only be spread by mosquitoes</a:t>
-            </a:r>
-          </a:p>
-          <a:p>
-            <a:r>
-              <a:rPr lang="en-US" dirty="0"/>
-              <a:t>Typically observed in tropical regions, but cases have increased significantly in recent years, and scientists are warning that climate change is likely to produce shifts that enable mosquitos to cover a much larger region</a:t>
-            </a:r>
-          </a:p>
-        </p:txBody>
-      </p:sp>
-      <p:pic>
-        <p:nvPicPr>
-          <p:cNvPr id="4" name="Picture 3">
-            <a:extLst>
-              <a:ext uri="{FF2B5EF4-FFF2-40B4-BE49-F238E27FC236}">
-                <a16:creationId xmlns:a16="http://schemas.microsoft.com/office/drawing/2014/main" id="{70467B5E-B24D-414E-A360-F014A3796175}"/>
-              </a:ext>
-            </a:extLst>
-          </p:cNvPr>
-          <p:cNvPicPr>
-            <a:picLocks noChangeAspect="1"/>
-          </p:cNvPicPr>
-          <p:nvPr/>
-        </p:nvPicPr>
-        <p:blipFill>
-          <a:blip r:embed="rId2"/>
-          <a:stretch>
-            <a:fillRect/>
-          </a:stretch>
-        </p:blipFill>
-        <p:spPr>
-          <a:xfrm>
-            <a:off x="2969711" y="3429000"/>
-            <a:ext cx="6252577" cy="3012391"/>
-          </a:xfrm>
-          <a:prstGeom prst="rect">
-            <a:avLst/>
-          </a:prstGeom>
-        </p:spPr>
-      </p:pic>
-      <p:sp>
-        <p:nvSpPr>
-          <p:cNvPr id="5" name="TextBox 4">
-            <a:extLst>
-              <a:ext uri="{FF2B5EF4-FFF2-40B4-BE49-F238E27FC236}">
-                <a16:creationId xmlns:a16="http://schemas.microsoft.com/office/drawing/2014/main" id="{F5162BB4-D4ED-46AD-BC26-47E3CDA3FCE1}"/>
-              </a:ext>
-            </a:extLst>
-          </p:cNvPr>
-          <p:cNvSpPr txBox="1"/>
-          <p:nvPr/>
-        </p:nvSpPr>
-        <p:spPr>
-          <a:xfrm>
-            <a:off x="5110634" y="6399610"/>
-            <a:ext cx="1579471" cy="276999"/>
-          </a:xfrm>
-          <a:prstGeom prst="rect">
-            <a:avLst/>
-          </a:prstGeom>
-          <a:noFill/>
-        </p:spPr>
-        <p:txBody>
-          <a:bodyPr wrap="none" rtlCol="0">
-            <a:spAutoFit/>
-          </a:bodyPr>
-          <a:lstStyle/>
-          <a:p>
-            <a:r>
-              <a:rPr lang="en-US" sz="1200" i="1" dirty="0">
-                <a:solidFill>
-                  <a:schemeClr val="tx1">
-                    <a:lumMod val="50000"/>
-                    <a:lumOff val="50000"/>
-                  </a:schemeClr>
-                </a:solidFill>
-              </a:rPr>
-              <a:t>Map of CDC outbreaks</a:t>
-            </a:r>
-          </a:p>
-        </p:txBody>
-      </p:sp>
-    </p:spTree>
-    <p:extLst>
-      <p:ext uri="{BB962C8B-B14F-4D97-AF65-F5344CB8AC3E}">
-        <p14:creationId xmlns:p14="http://schemas.microsoft.com/office/powerpoint/2010/main" val="3188819928"/>
-      </p:ext>
-    </p:extLst>
-  </p:cSld>
-  <p:clrMapOvr>
-    <a:masterClrMapping/>
-  </p:clrMapOvr>
-</p:sld>
-</file>
-
-<file path=ppt/slides/slide20.xml><?xml version="1.0" encoding="utf-8"?>
+<file path=ppt/slides/slide21.xml><?xml version="1.0" encoding="utf-8"?>
 <p:sld xmlns:a="http://schemas.openxmlformats.org/drawingml/2006/main" xmlns:r="http://schemas.openxmlformats.org/officeDocument/2006/relationships" xmlns:p="http://schemas.openxmlformats.org/presentationml/2006/main">
   <p:cSld>
     <p:spTree>
@@ -28083,7 +29548,7 @@
 </p:sld>
 </file>
 
-<file path=ppt/slides/slide21.xml><?xml version="1.0" encoding="utf-8"?>
+<file path=ppt/slides/slide22.xml><?xml version="1.0" encoding="utf-8"?>
 <p:sld xmlns:a="http://schemas.openxmlformats.org/drawingml/2006/main" xmlns:r="http://schemas.openxmlformats.org/officeDocument/2006/relationships" xmlns:p="http://schemas.openxmlformats.org/presentationml/2006/main">
   <p:cSld>
     <p:spTree>
@@ -28143,7 +29608,7 @@
 </p:sld>
 </file>
 
-<file path=ppt/slides/slide22.xml><?xml version="1.0" encoding="utf-8"?>
+<file path=ppt/slides/slide23.xml><?xml version="1.0" encoding="utf-8"?>
 <p:sld xmlns:a="http://schemas.openxmlformats.org/drawingml/2006/main" xmlns:r="http://schemas.openxmlformats.org/officeDocument/2006/relationships" xmlns:p="http://schemas.openxmlformats.org/presentationml/2006/main">
   <p:cSld>
     <p:spTree>
@@ -28487,11 +29952,16 @@
           <a:prstGeom prst="rect">
             <a:avLst/>
           </a:prstGeom>
-          <a:solidFill>
-            <a:srgbClr val="FF0000">
-              <a:alpha val="50000"/>
-            </a:srgbClr>
-          </a:solidFill>
+          <a:pattFill prst="openDmnd">
+            <a:fgClr>
+              <a:schemeClr val="bg1">
+                <a:lumMod val="75000"/>
+              </a:schemeClr>
+            </a:fgClr>
+            <a:bgClr>
+              <a:schemeClr val="bg1"/>
+            </a:bgClr>
+          </a:pattFill>
           <a:ln>
             <a:noFill/>
           </a:ln>
@@ -28516,64 +29986,10 @@
           <a:p>
             <a:pPr algn="ctr"/>
             <a:r>
-              <a:rPr lang="en-US" sz="3600" dirty="0"/>
+              <a:rPr lang="en-US" sz="9600" dirty="0"/>
               <a:t>?</a:t>
             </a:r>
-          </a:p>
-        </p:txBody>
-      </p:sp>
-      <p:sp>
-        <p:nvSpPr>
-          <p:cNvPr id="9" name="Rectangle 8">
-            <a:extLst>
-              <a:ext uri="{FF2B5EF4-FFF2-40B4-BE49-F238E27FC236}">
-                <a16:creationId xmlns:a16="http://schemas.microsoft.com/office/drawing/2014/main" id="{DA8BC26C-5EEA-425F-A007-7C5661A1E002}"/>
-              </a:ext>
-            </a:extLst>
-          </p:cNvPr>
-          <p:cNvSpPr/>
-          <p:nvPr/>
-        </p:nvSpPr>
-        <p:spPr>
-          <a:xfrm>
-            <a:off x="10717619" y="3388238"/>
-            <a:ext cx="1274283" cy="2785731"/>
-          </a:xfrm>
-          <a:prstGeom prst="rect">
-            <a:avLst/>
-          </a:prstGeom>
-          <a:solidFill>
-            <a:srgbClr val="FF0000">
-              <a:alpha val="50000"/>
-            </a:srgbClr>
-          </a:solidFill>
-          <a:ln>
-            <a:noFill/>
-          </a:ln>
-        </p:spPr>
-        <p:style>
-          <a:lnRef idx="0">
-            <a:scrgbClr r="0" g="0" b="0"/>
-          </a:lnRef>
-          <a:fillRef idx="0">
-            <a:scrgbClr r="0" g="0" b="0"/>
-          </a:fillRef>
-          <a:effectRef idx="0">
-            <a:scrgbClr r="0" g="0" b="0"/>
-          </a:effectRef>
-          <a:fontRef idx="minor">
-            <a:schemeClr val="lt1"/>
-          </a:fontRef>
-        </p:style>
-        <p:txBody>
-          <a:bodyPr rtlCol="0" anchor="ctr"/>
-          <a:lstStyle/>
-          <a:p>
-            <a:pPr algn="ctr"/>
-            <a:r>
-              <a:rPr lang="en-US" sz="3600" dirty="0"/>
-              <a:t>?</a:t>
-            </a:r>
+            <a:endParaRPr lang="en-US" sz="3600" dirty="0"/>
           </a:p>
         </p:txBody>
       </p:sp>
@@ -28703,6 +30119,67 @@
           <a:p>
             <a:pPr algn="ctr"/>
             <a:endParaRPr lang="en-US"/>
+          </a:p>
+        </p:txBody>
+      </p:sp>
+      <p:sp>
+        <p:nvSpPr>
+          <p:cNvPr id="12" name="Rectangle 11">
+            <a:extLst>
+              <a:ext uri="{FF2B5EF4-FFF2-40B4-BE49-F238E27FC236}">
+                <a16:creationId xmlns:a16="http://schemas.microsoft.com/office/drawing/2014/main" id="{55A45F2C-3FEB-4F2C-A859-CFA463C7F3C2}"/>
+              </a:ext>
+            </a:extLst>
+          </p:cNvPr>
+          <p:cNvSpPr/>
+          <p:nvPr/>
+        </p:nvSpPr>
+        <p:spPr>
+          <a:xfrm>
+            <a:off x="10700999" y="3392577"/>
+            <a:ext cx="1189653" cy="2785731"/>
+          </a:xfrm>
+          <a:prstGeom prst="rect">
+            <a:avLst/>
+          </a:prstGeom>
+          <a:pattFill prst="openDmnd">
+            <a:fgClr>
+              <a:schemeClr val="bg1">
+                <a:lumMod val="75000"/>
+              </a:schemeClr>
+            </a:fgClr>
+            <a:bgClr>
+              <a:schemeClr val="bg1"/>
+            </a:bgClr>
+          </a:pattFill>
+          <a:ln>
+            <a:noFill/>
+          </a:ln>
+        </p:spPr>
+        <p:style>
+          <a:lnRef idx="0">
+            <a:scrgbClr r="0" g="0" b="0"/>
+          </a:lnRef>
+          <a:fillRef idx="0">
+            <a:scrgbClr r="0" g="0" b="0"/>
+          </a:fillRef>
+          <a:effectRef idx="0">
+            <a:scrgbClr r="0" g="0" b="0"/>
+          </a:effectRef>
+          <a:fontRef idx="minor">
+            <a:schemeClr val="lt1"/>
+          </a:fontRef>
+        </p:style>
+        <p:txBody>
+          <a:bodyPr rtlCol="0" anchor="ctr"/>
+          <a:lstStyle/>
+          <a:p>
+            <a:pPr algn="ctr"/>
+            <a:r>
+              <a:rPr lang="en-US" sz="9600" dirty="0"/>
+              <a:t>?</a:t>
+            </a:r>
+            <a:endParaRPr lang="en-US" sz="3600" dirty="0"/>
           </a:p>
         </p:txBody>
       </p:sp>
@@ -28966,7 +30443,7 @@
           <p:nvPr/>
         </p:nvPicPr>
         <p:blipFill>
-          <a:blip r:embed="rId2">
+          <a:blip r:embed="rId3">
             <a:extLst>
               <a:ext uri="{28A0092B-C50C-407E-A947-70E740481C1C}">
                 <a14:useLocalDpi xmlns:a14="http://schemas.microsoft.com/office/drawing/2010/main" val="0"/>
@@ -29013,7 +30490,7 @@
           <p:nvPr/>
         </p:nvPicPr>
         <p:blipFill>
-          <a:blip r:embed="rId3">
+          <a:blip r:embed="rId4">
             <a:extLst>
               <a:ext uri="{28A0092B-C50C-407E-A947-70E740481C1C}">
                 <a14:useLocalDpi xmlns:a14="http://schemas.microsoft.com/office/drawing/2010/main" val="0"/>
@@ -29059,8 +30536,8 @@
         </p:nvSpPr>
         <p:spPr>
           <a:xfrm>
-            <a:off x="3931669" y="6336450"/>
-            <a:ext cx="4785862" cy="369332"/>
+            <a:off x="3681324" y="6336450"/>
+            <a:ext cx="5576976" cy="369332"/>
           </a:xfrm>
           <a:prstGeom prst="rect">
             <a:avLst/>
@@ -29075,7 +30552,7 @@
           <a:p>
             <a:r>
               <a:rPr lang="en-US" i="1" dirty="0"/>
-              <a:t>Pearson correlations do not account for sequence</a:t>
+              <a:t>Pearson correlations do not account for observation order</a:t>
             </a:r>
           </a:p>
         </p:txBody>
@@ -29829,12 +31306,7 @@
             <p:ph type="title"/>
           </p:nvPr>
         </p:nvSpPr>
-        <p:spPr>
-          <a:xfrm>
-            <a:off x="140368" y="204823"/>
-            <a:ext cx="11915273" cy="412678"/>
-          </a:xfrm>
-        </p:spPr>
+        <p:spPr/>
         <p:txBody>
           <a:bodyPr>
             <a:normAutofit fontScale="90000"/>
@@ -29843,7 +31315,43 @@
           <a:p>
             <a:r>
               <a:rPr lang="en-US" dirty="0"/>
-              <a:t>Feature Engineering: One-hot Encoded Seasons</a:t>
+              <a:t>Feature Engineering: Seasons</a:t>
+            </a:r>
+          </a:p>
+        </p:txBody>
+      </p:sp>
+      <p:sp>
+        <p:nvSpPr>
+          <p:cNvPr id="3" name="Content Placeholder 2">
+            <a:extLst>
+              <a:ext uri="{FF2B5EF4-FFF2-40B4-BE49-F238E27FC236}">
+                <a16:creationId xmlns:a16="http://schemas.microsoft.com/office/drawing/2014/main" id="{9F978A5C-6077-4733-BFC5-6B194EFB6F72}"/>
+              </a:ext>
+            </a:extLst>
+          </p:cNvPr>
+          <p:cNvSpPr>
+            <a:spLocks noGrp="1"/>
+          </p:cNvSpPr>
+          <p:nvPr>
+            <p:ph sz="half" idx="1"/>
+          </p:nvPr>
+        </p:nvSpPr>
+        <p:spPr>
+          <a:xfrm>
+            <a:off x="140368" y="851067"/>
+            <a:ext cx="11915272" cy="655761"/>
+          </a:xfrm>
+        </p:spPr>
+        <p:txBody>
+          <a:bodyPr/>
+          <a:lstStyle/>
+          <a:p>
+            <a:pPr marL="0" indent="0">
+              <a:buNone/>
+            </a:pPr>
+            <a:r>
+              <a:rPr lang="en-US" dirty="0"/>
+              <a:t>Categorical features created for seasons based on outbreak patterns</a:t>
             </a:r>
           </a:p>
         </p:txBody>

--- a/DengAI.pptx
+++ b/DengAI.pptx
@@ -1419,7 +1419,7 @@
           <a:lstStyle/>
           <a:p>
             <a:pPr>
-              <a:defRPr sz="1197" b="0" i="0" u="none" strike="noStrike" kern="1200" baseline="0">
+              <a:defRPr lang="en-US" sz="1197" b="0" i="0" u="none" strike="noStrike" kern="1200" baseline="0">
                 <a:solidFill>
                   <a:schemeClr val="tx1">
                     <a:lumMod val="65000"/>
@@ -1496,7 +1496,7 @@
     <a:lstStyle/>
     <a:p>
       <a:pPr>
-        <a:defRPr/>
+        <a:defRPr lang="en-US"/>
       </a:pPr>
       <a:endParaRPr lang="en-US"/>
     </a:p>
@@ -3731,6 +3731,90 @@
     <p:extLst>
       <p:ext uri="{BB962C8B-B14F-4D97-AF65-F5344CB8AC3E}">
         <p14:creationId xmlns:p14="http://schemas.microsoft.com/office/powerpoint/2010/main" val="2453435563"/>
+      </p:ext>
+    </p:extLst>
+  </p:cSld>
+  <p:clrMapOvr>
+    <a:masterClrMapping/>
+  </p:clrMapOvr>
+</p:notes>
+</file>
+
+<file path=ppt/notesSlides/notesSlide8.xml><?xml version="1.0" encoding="utf-8"?>
+<p:notes xmlns:a="http://schemas.openxmlformats.org/drawingml/2006/main" xmlns:r="http://schemas.openxmlformats.org/officeDocument/2006/relationships" xmlns:p="http://schemas.openxmlformats.org/presentationml/2006/main">
+  <p:cSld>
+    <p:spTree>
+      <p:nvGrpSpPr>
+        <p:cNvPr id="1" name=""/>
+        <p:cNvGrpSpPr/>
+        <p:nvPr/>
+      </p:nvGrpSpPr>
+      <p:grpSpPr>
+        <a:xfrm>
+          <a:off x="0" y="0"/>
+          <a:ext cx="0" cy="0"/>
+          <a:chOff x="0" y="0"/>
+          <a:chExt cx="0" cy="0"/>
+        </a:xfrm>
+      </p:grpSpPr>
+      <p:sp>
+        <p:nvSpPr>
+          <p:cNvPr id="2" name="Slide Image Placeholder 1"/>
+          <p:cNvSpPr>
+            <a:spLocks noGrp="1" noRot="1" noChangeAspect="1"/>
+          </p:cNvSpPr>
+          <p:nvPr>
+            <p:ph type="sldImg"/>
+          </p:nvPr>
+        </p:nvSpPr>
+        <p:spPr/>
+      </p:sp>
+      <p:sp>
+        <p:nvSpPr>
+          <p:cNvPr id="3" name="Notes Placeholder 2"/>
+          <p:cNvSpPr>
+            <a:spLocks noGrp="1"/>
+          </p:cNvSpPr>
+          <p:nvPr>
+            <p:ph type="body" idx="1"/>
+          </p:nvPr>
+        </p:nvSpPr>
+        <p:spPr/>
+        <p:txBody>
+          <a:bodyPr/>
+          <a:lstStyle/>
+          <a:p>
+            <a:endParaRPr lang="en-US" dirty="0"/>
+          </a:p>
+        </p:txBody>
+      </p:sp>
+      <p:sp>
+        <p:nvSpPr>
+          <p:cNvPr id="4" name="Slide Number Placeholder 3"/>
+          <p:cNvSpPr>
+            <a:spLocks noGrp="1"/>
+          </p:cNvSpPr>
+          <p:nvPr>
+            <p:ph type="sldNum" sz="quarter" idx="5"/>
+          </p:nvPr>
+        </p:nvSpPr>
+        <p:spPr/>
+        <p:txBody>
+          <a:bodyPr/>
+          <a:lstStyle/>
+          <a:p>
+            <a:fld id="{A1DD606A-F46B-421B-8C76-016A1005836C}" type="slidenum">
+              <a:rPr lang="en-US" smtClean="0"/>
+              <a:t>23</a:t>
+            </a:fld>
+            <a:endParaRPr lang="en-US"/>
+          </a:p>
+        </p:txBody>
+      </p:sp>
+    </p:spTree>
+    <p:extLst>
+      <p:ext uri="{BB962C8B-B14F-4D97-AF65-F5344CB8AC3E}">
+        <p14:creationId xmlns:p14="http://schemas.microsoft.com/office/powerpoint/2010/main" val="2546717318"/>
       </p:ext>
     </p:extLst>
   </p:cSld>
@@ -27421,7 +27505,7 @@
           <a:p>
             <a:r>
               <a:rPr lang="en-US" dirty="0"/>
-              <a:t>Exaggerating the peaks</a:t>
+              <a:t>Peak Boosting</a:t>
             </a:r>
           </a:p>
         </p:txBody>
@@ -27459,7 +27543,7 @@
             </a:pPr>
             <a:r>
               <a:rPr lang="en-US" dirty="0"/>
-              <a:t>Reminder: the value of a disease outbreak predictor would be finding the outliers. Most models were unlikely to predict extreme values, so the following was done to exaggerate large predictions:</a:t>
+              <a:t>Reminder: the value of a disease outbreak predictor would be finding the outliers. Most models were unlikely to predict extreme values, so the following was done to boost the largest predictions:</a:t>
             </a:r>
           </a:p>
         </p:txBody>
@@ -29639,8 +29723,8 @@
         </p:nvSpPr>
         <p:spPr>
           <a:xfrm>
-            <a:off x="2017486" y="136526"/>
-            <a:ext cx="8418285" cy="6721474"/>
+            <a:off x="394878" y="363381"/>
+            <a:ext cx="11797122" cy="5164900"/>
           </a:xfrm>
           <a:prstGeom prst="rect">
             <a:avLst/>
@@ -29686,18 +29770,18 @@
           <p:nvPr>
             <p:extLst>
               <p:ext uri="{D42A27DB-BD31-4B8C-83A1-F6EECF244321}">
-                <p14:modId xmlns:p14="http://schemas.microsoft.com/office/powerpoint/2010/main" val="4234252774"/>
+                <p14:modId xmlns:p14="http://schemas.microsoft.com/office/powerpoint/2010/main" val="2691744654"/>
               </p:ext>
             </p:extLst>
           </p:nvPr>
         </p:nvGraphicFramePr>
         <p:xfrm>
-          <a:off x="2571663" y="1344907"/>
+          <a:off x="2571663" y="778287"/>
           <a:ext cx="6836287" cy="4915719"/>
         </p:xfrm>
         <a:graphic>
           <a:graphicData uri="http://schemas.openxmlformats.org/drawingml/2006/chart">
-            <c:chart xmlns:c="http://schemas.openxmlformats.org/drawingml/2006/chart" xmlns:r="http://schemas.openxmlformats.org/officeDocument/2006/relationships" r:id="rId2"/>
+            <c:chart xmlns:c="http://schemas.openxmlformats.org/drawingml/2006/chart" xmlns:r="http://schemas.openxmlformats.org/officeDocument/2006/relationships" r:id="rId3"/>
           </a:graphicData>
         </a:graphic>
       </p:graphicFrame>
@@ -29716,7 +29800,7 @@
           <p:nvPr/>
         </p:nvPicPr>
         <p:blipFill>
-          <a:blip r:embed="rId3">
+          <a:blip r:embed="rId4">
             <a:duotone>
               <a:prstClr val="black"/>
               <a:schemeClr val="accent2">

--- a/DengAI.pptx
+++ b/DengAI.pptx
@@ -3298,6 +3298,114 @@
           <a:p>
             <a:fld id="{A1DD606A-F46B-421B-8C76-016A1005836C}" type="slidenum">
               <a:rPr lang="en-US" smtClean="0"/>
+              <a:t>4</a:t>
+            </a:fld>
+            <a:endParaRPr lang="en-US"/>
+          </a:p>
+        </p:txBody>
+      </p:sp>
+    </p:spTree>
+    <p:extLst>
+      <p:ext uri="{BB962C8B-B14F-4D97-AF65-F5344CB8AC3E}">
+        <p14:creationId xmlns:p14="http://schemas.microsoft.com/office/powerpoint/2010/main" val="1742738591"/>
+      </p:ext>
+    </p:extLst>
+  </p:cSld>
+  <p:clrMapOvr>
+    <a:masterClrMapping/>
+  </p:clrMapOvr>
+</p:notes>
+</file>
+
+<file path=ppt/notesSlides/notesSlide3.xml><?xml version="1.0" encoding="utf-8"?>
+<p:notes xmlns:a="http://schemas.openxmlformats.org/drawingml/2006/main" xmlns:r="http://schemas.openxmlformats.org/officeDocument/2006/relationships" xmlns:p="http://schemas.openxmlformats.org/presentationml/2006/main">
+  <p:cSld>
+    <p:spTree>
+      <p:nvGrpSpPr>
+        <p:cNvPr id="1" name=""/>
+        <p:cNvGrpSpPr/>
+        <p:nvPr/>
+      </p:nvGrpSpPr>
+      <p:grpSpPr>
+        <a:xfrm>
+          <a:off x="0" y="0"/>
+          <a:ext cx="0" cy="0"/>
+          <a:chOff x="0" y="0"/>
+          <a:chExt cx="0" cy="0"/>
+        </a:xfrm>
+      </p:grpSpPr>
+      <p:sp>
+        <p:nvSpPr>
+          <p:cNvPr id="2" name="Slide Image Placeholder 1"/>
+          <p:cNvSpPr>
+            <a:spLocks noGrp="1" noRot="1" noChangeAspect="1"/>
+          </p:cNvSpPr>
+          <p:nvPr>
+            <p:ph type="sldImg"/>
+          </p:nvPr>
+        </p:nvSpPr>
+        <p:spPr/>
+      </p:sp>
+      <p:sp>
+        <p:nvSpPr>
+          <p:cNvPr id="3" name="Notes Placeholder 2"/>
+          <p:cNvSpPr>
+            <a:spLocks noGrp="1"/>
+          </p:cNvSpPr>
+          <p:nvPr>
+            <p:ph type="body" idx="1"/>
+          </p:nvPr>
+        </p:nvSpPr>
+        <p:spPr/>
+        <p:txBody>
+          <a:bodyPr/>
+          <a:lstStyle/>
+          <a:p>
+            <a:r>
+              <a:rPr lang="en-US" dirty="0"/>
+              <a:t>Temperature</a:t>
+            </a:r>
+          </a:p>
+          <a:p>
+            <a:r>
+              <a:rPr lang="en-US" dirty="0"/>
+              <a:t>Humidity</a:t>
+            </a:r>
+          </a:p>
+          <a:p>
+            <a:r>
+              <a:rPr lang="en-US" dirty="0"/>
+              <a:t>Precipitation</a:t>
+            </a:r>
+          </a:p>
+          <a:p>
+            <a:r>
+              <a:rPr lang="en-US" dirty="0"/>
+              <a:t>Vegetation</a:t>
+            </a:r>
+          </a:p>
+          <a:p>
+            <a:endParaRPr lang="en-US" dirty="0"/>
+          </a:p>
+        </p:txBody>
+      </p:sp>
+      <p:sp>
+        <p:nvSpPr>
+          <p:cNvPr id="4" name="Slide Number Placeholder 3"/>
+          <p:cNvSpPr>
+            <a:spLocks noGrp="1"/>
+          </p:cNvSpPr>
+          <p:nvPr>
+            <p:ph type="sldNum" sz="quarter" idx="5"/>
+          </p:nvPr>
+        </p:nvSpPr>
+        <p:spPr/>
+        <p:txBody>
+          <a:bodyPr/>
+          <a:lstStyle/>
+          <a:p>
+            <a:fld id="{A1DD606A-F46B-421B-8C76-016A1005836C}" type="slidenum">
+              <a:rPr lang="en-US" smtClean="0"/>
               <a:t>5</a:t>
             </a:fld>
             <a:endParaRPr lang="en-US"/>
@@ -3317,7 +3425,7 @@
 </p:notes>
 </file>
 
-<file path=ppt/notesSlides/notesSlide3.xml><?xml version="1.0" encoding="utf-8"?>
+<file path=ppt/notesSlides/notesSlide4.xml><?xml version="1.0" encoding="utf-8"?>
 <p:notes xmlns:a="http://schemas.openxmlformats.org/drawingml/2006/main" xmlns:r="http://schemas.openxmlformats.org/officeDocument/2006/relationships" xmlns:p="http://schemas.openxmlformats.org/presentationml/2006/main">
   <p:cSld>
     <p:spTree>
@@ -3401,7 +3509,7 @@
 </p:notes>
 </file>
 
-<file path=ppt/notesSlides/notesSlide4.xml><?xml version="1.0" encoding="utf-8"?>
+<file path=ppt/notesSlides/notesSlide5.xml><?xml version="1.0" encoding="utf-8"?>
 <p:notes xmlns:a="http://schemas.openxmlformats.org/drawingml/2006/main" xmlns:r="http://schemas.openxmlformats.org/officeDocument/2006/relationships" xmlns:p="http://schemas.openxmlformats.org/presentationml/2006/main">
   <p:cSld>
     <p:spTree>
@@ -3488,7 +3596,7 @@
 </p:notes>
 </file>
 
-<file path=ppt/notesSlides/notesSlide5.xml><?xml version="1.0" encoding="utf-8"?>
+<file path=ppt/notesSlides/notesSlide6.xml><?xml version="1.0" encoding="utf-8"?>
 <p:notes xmlns:a="http://schemas.openxmlformats.org/drawingml/2006/main" xmlns:r="http://schemas.openxmlformats.org/officeDocument/2006/relationships" xmlns:p="http://schemas.openxmlformats.org/presentationml/2006/main">
   <p:cSld>
     <p:spTree>
@@ -3572,7 +3680,7 @@
 </p:notes>
 </file>
 
-<file path=ppt/notesSlides/notesSlide6.xml><?xml version="1.0" encoding="utf-8"?>
+<file path=ppt/notesSlides/notesSlide7.xml><?xml version="1.0" encoding="utf-8"?>
 <p:notes xmlns:a="http://schemas.openxmlformats.org/drawingml/2006/main" xmlns:r="http://schemas.openxmlformats.org/officeDocument/2006/relationships" xmlns:p="http://schemas.openxmlformats.org/presentationml/2006/main">
   <p:cSld>
     <p:spTree>
@@ -3656,7 +3764,7 @@
 </p:notes>
 </file>
 
-<file path=ppt/notesSlides/notesSlide7.xml><?xml version="1.0" encoding="utf-8"?>
+<file path=ppt/notesSlides/notesSlide8.xml><?xml version="1.0" encoding="utf-8"?>
 <p:notes xmlns:a="http://schemas.openxmlformats.org/drawingml/2006/main" xmlns:r="http://schemas.openxmlformats.org/officeDocument/2006/relationships" xmlns:p="http://schemas.openxmlformats.org/presentationml/2006/main">
   <p:cSld>
     <p:spTree>
@@ -3740,7 +3848,7 @@
 </p:notes>
 </file>
 
-<file path=ppt/notesSlides/notesSlide8.xml><?xml version="1.0" encoding="utf-8"?>
+<file path=ppt/notesSlides/notesSlide9.xml><?xml version="1.0" encoding="utf-8"?>
 <p:notes xmlns:a="http://schemas.openxmlformats.org/drawingml/2006/main" xmlns:r="http://schemas.openxmlformats.org/officeDocument/2006/relationships" xmlns:p="http://schemas.openxmlformats.org/presentationml/2006/main">
   <p:cSld>
     <p:spTree>
@@ -30373,7 +30481,7 @@
           <p:nvPr/>
         </p:nvPicPr>
         <p:blipFill>
-          <a:blip r:embed="rId2">
+          <a:blip r:embed="rId3">
             <a:extLst>
               <a:ext uri="{28A0092B-C50C-407E-A947-70E740481C1C}">
                 <a14:useLocalDpi xmlns:a14="http://schemas.microsoft.com/office/drawing/2010/main" val="0"/>
@@ -30420,7 +30528,7 @@
           <p:nvPr/>
         </p:nvPicPr>
         <p:blipFill>
-          <a:blip r:embed="rId3">
+          <a:blip r:embed="rId4">
             <a:extLst>
               <a:ext uri="{28A0092B-C50C-407E-A947-70E740481C1C}">
                 <a14:useLocalDpi xmlns:a14="http://schemas.microsoft.com/office/drawing/2010/main" val="0"/>
@@ -30790,15 +30898,9 @@
           <a:p>
             <a:r>
               <a:rPr lang="en-US" dirty="0"/>
-              <a:t>Full scaling was avoided based on research that the actual temperature points matter (see sources)</a:t>
+              <a:t>Full scaling was avoided based on research that the specific temperature points matter and affect breeding patterns</a:t>
             </a:r>
             <a:endParaRPr lang="en-US" baseline="30000" dirty="0"/>
-          </a:p>
-          <a:p>
-            <a:pPr marL="0" indent="0">
-              <a:buNone/>
-            </a:pPr>
-            <a:endParaRPr lang="en-US" dirty="0"/>
           </a:p>
         </p:txBody>
       </p:sp>
